--- a/utils/file/charts.pptx
+++ b/utils/file/charts.pptx
@@ -6,6 +6,8 @@
   </p:sldMasterIdLst>
   <p:sldIdLst>
     <p:sldId id="256" r:id="rId2"/>
+    <p:sldId id="258" r:id="rId3"/>
+    <p:sldId id="259" r:id="rId4"/>
   </p:sldIdLst>
   <p:sldSz cx="12192000" cy="6858000"/>
   <p:notesSz cx="6858000" cy="9144000"/>
@@ -104,6 +106,11 @@
       </a:defRPr>
     </a:lvl9pPr>
   </p:defaultTextStyle>
+  <p:extLst>
+    <p:ext uri="{EFAFB233-063F-42B5-8137-9DF3F51BA10A}">
+      <p15:sldGuideLst xmlns:p15="http://schemas.microsoft.com/office/powerpoint/2012/main"/>
+    </p:ext>
+  </p:extLst>
 </p:presentation>
 </file>
 
@@ -254,7 +261,7 @@
           <a:p>
             <a:fld id="{C0F7C65B-F23F-479A-8AFF-E7E0FC962F06}" type="datetimeFigureOut">
               <a:rPr lang="zh-CN" altLang="en-US" smtClean="0"/>
-              <a:t>2024/9/22</a:t>
+              <a:t>2025/6/8</a:t>
             </a:fld>
             <a:endParaRPr lang="zh-CN" altLang="en-US"/>
           </a:p>
@@ -452,7 +459,7 @@
           <a:p>
             <a:fld id="{C0F7C65B-F23F-479A-8AFF-E7E0FC962F06}" type="datetimeFigureOut">
               <a:rPr lang="zh-CN" altLang="en-US" smtClean="0"/>
-              <a:t>2024/9/22</a:t>
+              <a:t>2025/6/8</a:t>
             </a:fld>
             <a:endParaRPr lang="zh-CN" altLang="en-US"/>
           </a:p>
@@ -660,7 +667,7 @@
           <a:p>
             <a:fld id="{C0F7C65B-F23F-479A-8AFF-E7E0FC962F06}" type="datetimeFigureOut">
               <a:rPr lang="zh-CN" altLang="en-US" smtClean="0"/>
-              <a:t>2024/9/22</a:t>
+              <a:t>2025/6/8</a:t>
             </a:fld>
             <a:endParaRPr lang="zh-CN" altLang="en-US"/>
           </a:p>
@@ -858,7 +865,7 @@
           <a:p>
             <a:fld id="{C0F7C65B-F23F-479A-8AFF-E7E0FC962F06}" type="datetimeFigureOut">
               <a:rPr lang="zh-CN" altLang="en-US" smtClean="0"/>
-              <a:t>2024/9/22</a:t>
+              <a:t>2025/6/8</a:t>
             </a:fld>
             <a:endParaRPr lang="zh-CN" altLang="en-US"/>
           </a:p>
@@ -1133,7 +1140,7 @@
           <a:p>
             <a:fld id="{C0F7C65B-F23F-479A-8AFF-E7E0FC962F06}" type="datetimeFigureOut">
               <a:rPr lang="zh-CN" altLang="en-US" smtClean="0"/>
-              <a:t>2024/9/22</a:t>
+              <a:t>2025/6/8</a:t>
             </a:fld>
             <a:endParaRPr lang="zh-CN" altLang="en-US"/>
           </a:p>
@@ -1398,7 +1405,7 @@
           <a:p>
             <a:fld id="{C0F7C65B-F23F-479A-8AFF-E7E0FC962F06}" type="datetimeFigureOut">
               <a:rPr lang="zh-CN" altLang="en-US" smtClean="0"/>
-              <a:t>2024/9/22</a:t>
+              <a:t>2025/6/8</a:t>
             </a:fld>
             <a:endParaRPr lang="zh-CN" altLang="en-US"/>
           </a:p>
@@ -1810,7 +1817,7 @@
           <a:p>
             <a:fld id="{C0F7C65B-F23F-479A-8AFF-E7E0FC962F06}" type="datetimeFigureOut">
               <a:rPr lang="zh-CN" altLang="en-US" smtClean="0"/>
-              <a:t>2024/9/22</a:t>
+              <a:t>2025/6/8</a:t>
             </a:fld>
             <a:endParaRPr lang="zh-CN" altLang="en-US"/>
           </a:p>
@@ -1951,7 +1958,7 @@
           <a:p>
             <a:fld id="{C0F7C65B-F23F-479A-8AFF-E7E0FC962F06}" type="datetimeFigureOut">
               <a:rPr lang="zh-CN" altLang="en-US" smtClean="0"/>
-              <a:t>2024/9/22</a:t>
+              <a:t>2025/6/8</a:t>
             </a:fld>
             <a:endParaRPr lang="zh-CN" altLang="en-US"/>
           </a:p>
@@ -2064,7 +2071,7 @@
           <a:p>
             <a:fld id="{C0F7C65B-F23F-479A-8AFF-E7E0FC962F06}" type="datetimeFigureOut">
               <a:rPr lang="zh-CN" altLang="en-US" smtClean="0"/>
-              <a:t>2024/9/22</a:t>
+              <a:t>2025/6/8</a:t>
             </a:fld>
             <a:endParaRPr lang="zh-CN" altLang="en-US"/>
           </a:p>
@@ -2375,7 +2382,7 @@
           <a:p>
             <a:fld id="{C0F7C65B-F23F-479A-8AFF-E7E0FC962F06}" type="datetimeFigureOut">
               <a:rPr lang="zh-CN" altLang="en-US" smtClean="0"/>
-              <a:t>2024/9/22</a:t>
+              <a:t>2025/6/8</a:t>
             </a:fld>
             <a:endParaRPr lang="zh-CN" altLang="en-US"/>
           </a:p>
@@ -2663,7 +2670,7 @@
           <a:p>
             <a:fld id="{C0F7C65B-F23F-479A-8AFF-E7E0FC962F06}" type="datetimeFigureOut">
               <a:rPr lang="zh-CN" altLang="en-US" smtClean="0"/>
-              <a:t>2024/9/22</a:t>
+              <a:t>2025/6/8</a:t>
             </a:fld>
             <a:endParaRPr lang="zh-CN" altLang="en-US"/>
           </a:p>
@@ -2904,7 +2911,7 @@
           <a:p>
             <a:fld id="{C0F7C65B-F23F-479A-8AFF-E7E0FC962F06}" type="datetimeFigureOut">
               <a:rPr lang="zh-CN" altLang="en-US" smtClean="0"/>
-              <a:t>2024/9/22</a:t>
+              <a:t>2025/6/8</a:t>
             </a:fld>
             <a:endParaRPr lang="zh-CN" altLang="en-US"/>
           </a:p>
@@ -7256,6 +7263,4214 @@
 </p:sld>
 </file>
 
+<file path=ppt/slides/slide2.xml><?xml version="1.0" encoding="utf-8"?>
+<p:sld xmlns:a="http://schemas.openxmlformats.org/drawingml/2006/main" xmlns:r="http://schemas.openxmlformats.org/officeDocument/2006/relationships" xmlns:p="http://schemas.openxmlformats.org/presentationml/2006/main">
+  <p:cSld>
+    <p:spTree>
+      <p:nvGrpSpPr>
+        <p:cNvPr id="1" name=""/>
+        <p:cNvGrpSpPr/>
+        <p:nvPr/>
+      </p:nvGrpSpPr>
+      <p:grpSpPr>
+        <a:xfrm>
+          <a:off x="0" y="0"/>
+          <a:ext cx="0" cy="0"/>
+          <a:chOff x="0" y="0"/>
+          <a:chExt cx="0" cy="0"/>
+        </a:xfrm>
+      </p:grpSpPr>
+      <p:sp>
+        <p:nvSpPr>
+          <p:cNvPr id="2" name="矩形: 圆角 1">
+            <a:extLst>
+              <a:ext uri="{FF2B5EF4-FFF2-40B4-BE49-F238E27FC236}">
+                <a16:creationId xmlns:a16="http://schemas.microsoft.com/office/drawing/2014/main" id="{797F6B51-F2A4-1F52-B525-B119B11E43B7}"/>
+              </a:ext>
+            </a:extLst>
+          </p:cNvPr>
+          <p:cNvSpPr/>
+          <p:nvPr/>
+        </p:nvSpPr>
+        <p:spPr>
+          <a:xfrm>
+            <a:off x="2611582" y="3141518"/>
+            <a:ext cx="1080000" cy="216000"/>
+          </a:xfrm>
+          <a:prstGeom prst="roundRect">
+            <a:avLst/>
+          </a:prstGeom>
+          <a:solidFill>
+            <a:schemeClr val="tx1"/>
+          </a:solidFill>
+          <a:ln w="12700">
+            <a:solidFill>
+              <a:schemeClr val="bg2">
+                <a:lumMod val="50000"/>
+              </a:schemeClr>
+            </a:solidFill>
+          </a:ln>
+        </p:spPr>
+        <p:style>
+          <a:lnRef idx="2">
+            <a:schemeClr val="accent1">
+              <a:shade val="15000"/>
+            </a:schemeClr>
+          </a:lnRef>
+          <a:fillRef idx="1">
+            <a:schemeClr val="accent1"/>
+          </a:fillRef>
+          <a:effectRef idx="0">
+            <a:schemeClr val="accent1"/>
+          </a:effectRef>
+          <a:fontRef idx="minor">
+            <a:schemeClr val="lt1"/>
+          </a:fontRef>
+        </p:style>
+        <p:txBody>
+          <a:bodyPr rtlCol="0" anchor="ctr"/>
+          <a:lstStyle/>
+          <a:p>
+            <a:pPr algn="ctr"/>
+            <a:r>
+              <a:rPr lang="en-US" altLang="zh-CN" sz="1000">
+                <a:latin typeface="Quicksand Medium" panose="00000600000000000000" pitchFamily="2" charset="0"/>
+              </a:rPr>
+              <a:t>&lt;table&gt;</a:t>
+            </a:r>
+            <a:endParaRPr lang="zh-CN" altLang="en-US" sz="1000">
+              <a:latin typeface="Quicksand Medium" panose="00000600000000000000" pitchFamily="2" charset="0"/>
+            </a:endParaRPr>
+          </a:p>
+        </p:txBody>
+      </p:sp>
+      <p:sp>
+        <p:nvSpPr>
+          <p:cNvPr id="3" name="矩形: 圆角 2">
+            <a:extLst>
+              <a:ext uri="{FF2B5EF4-FFF2-40B4-BE49-F238E27FC236}">
+                <a16:creationId xmlns:a16="http://schemas.microsoft.com/office/drawing/2014/main" id="{F73B3E66-69AB-3336-40D5-F3BEDEE3263A}"/>
+              </a:ext>
+            </a:extLst>
+          </p:cNvPr>
+          <p:cNvSpPr/>
+          <p:nvPr/>
+        </p:nvSpPr>
+        <p:spPr>
+          <a:xfrm>
+            <a:off x="3927709" y="1963112"/>
+            <a:ext cx="900000" cy="216000"/>
+          </a:xfrm>
+          <a:prstGeom prst="roundRect">
+            <a:avLst/>
+          </a:prstGeom>
+          <a:solidFill>
+            <a:srgbClr val="4472C4">
+              <a:alpha val="89804"/>
+            </a:srgbClr>
+          </a:solidFill>
+          <a:ln w="12700">
+            <a:solidFill>
+              <a:schemeClr val="accent1">
+                <a:lumMod val="60000"/>
+                <a:lumOff val="40000"/>
+              </a:schemeClr>
+            </a:solidFill>
+          </a:ln>
+        </p:spPr>
+        <p:style>
+          <a:lnRef idx="2">
+            <a:schemeClr val="accent1">
+              <a:shade val="15000"/>
+            </a:schemeClr>
+          </a:lnRef>
+          <a:fillRef idx="1">
+            <a:schemeClr val="accent1"/>
+          </a:fillRef>
+          <a:effectRef idx="0">
+            <a:schemeClr val="accent1"/>
+          </a:effectRef>
+          <a:fontRef idx="minor">
+            <a:schemeClr val="lt1"/>
+          </a:fontRef>
+        </p:style>
+        <p:txBody>
+          <a:bodyPr rtlCol="0" anchor="ctr"/>
+          <a:lstStyle/>
+          <a:p>
+            <a:pPr algn="ctr"/>
+            <a:r>
+              <a:rPr lang="en-US" altLang="zh-CN" sz="1000">
+                <a:latin typeface="Quicksand" panose="00000500000000000000" pitchFamily="2" charset="0"/>
+              </a:rPr>
+              <a:t>&lt;caption&gt;</a:t>
+            </a:r>
+            <a:endParaRPr lang="zh-CN" altLang="en-US" sz="1000">
+              <a:latin typeface="Quicksand" panose="00000500000000000000" pitchFamily="2" charset="0"/>
+            </a:endParaRPr>
+          </a:p>
+        </p:txBody>
+      </p:sp>
+      <p:sp>
+        <p:nvSpPr>
+          <p:cNvPr id="4" name="矩形: 圆角 3">
+            <a:extLst>
+              <a:ext uri="{FF2B5EF4-FFF2-40B4-BE49-F238E27FC236}">
+                <a16:creationId xmlns:a16="http://schemas.microsoft.com/office/drawing/2014/main" id="{0596E695-765B-68B5-C900-FFE2E7915C23}"/>
+              </a:ext>
+            </a:extLst>
+          </p:cNvPr>
+          <p:cNvSpPr/>
+          <p:nvPr/>
+        </p:nvSpPr>
+        <p:spPr>
+          <a:xfrm>
+            <a:off x="3927709" y="2748716"/>
+            <a:ext cx="900000" cy="216000"/>
+          </a:xfrm>
+          <a:prstGeom prst="roundRect">
+            <a:avLst/>
+          </a:prstGeom>
+          <a:solidFill>
+            <a:srgbClr val="F6A04D">
+              <a:alpha val="89804"/>
+            </a:srgbClr>
+          </a:solidFill>
+          <a:ln w="12700">
+            <a:solidFill>
+              <a:srgbClr val="F9BE83"/>
+            </a:solidFill>
+          </a:ln>
+        </p:spPr>
+        <p:style>
+          <a:lnRef idx="2">
+            <a:schemeClr val="accent1">
+              <a:shade val="15000"/>
+            </a:schemeClr>
+          </a:lnRef>
+          <a:fillRef idx="1">
+            <a:schemeClr val="accent1"/>
+          </a:fillRef>
+          <a:effectRef idx="0">
+            <a:schemeClr val="accent1"/>
+          </a:effectRef>
+          <a:fontRef idx="minor">
+            <a:schemeClr val="lt1"/>
+          </a:fontRef>
+        </p:style>
+        <p:txBody>
+          <a:bodyPr rtlCol="0" anchor="ctr"/>
+          <a:lstStyle/>
+          <a:p>
+            <a:pPr algn="ctr"/>
+            <a:r>
+              <a:rPr lang="en-US" altLang="zh-CN" sz="1000">
+                <a:latin typeface="Quicksand" panose="00000500000000000000" pitchFamily="2" charset="0"/>
+              </a:rPr>
+              <a:t>&lt;thead&gt;</a:t>
+            </a:r>
+            <a:endParaRPr lang="zh-CN" altLang="en-US" sz="1000">
+              <a:latin typeface="Quicksand" panose="00000500000000000000" pitchFamily="2" charset="0"/>
+            </a:endParaRPr>
+          </a:p>
+        </p:txBody>
+      </p:sp>
+      <p:sp>
+        <p:nvSpPr>
+          <p:cNvPr id="5" name="矩形: 圆角 4">
+            <a:extLst>
+              <a:ext uri="{FF2B5EF4-FFF2-40B4-BE49-F238E27FC236}">
+                <a16:creationId xmlns:a16="http://schemas.microsoft.com/office/drawing/2014/main" id="{02EB47C9-057A-4EF8-A2BF-4D0134159B27}"/>
+              </a:ext>
+            </a:extLst>
+          </p:cNvPr>
+          <p:cNvSpPr/>
+          <p:nvPr/>
+        </p:nvSpPr>
+        <p:spPr>
+          <a:xfrm>
+            <a:off x="3927709" y="3534320"/>
+            <a:ext cx="900000" cy="216000"/>
+          </a:xfrm>
+          <a:prstGeom prst="roundRect">
+            <a:avLst/>
+          </a:prstGeom>
+          <a:solidFill>
+            <a:srgbClr val="F9423A">
+              <a:alpha val="89804"/>
+            </a:srgbClr>
+          </a:solidFill>
+          <a:ln w="12700">
+            <a:solidFill>
+              <a:srgbClr val="FB746D"/>
+            </a:solidFill>
+          </a:ln>
+        </p:spPr>
+        <p:style>
+          <a:lnRef idx="2">
+            <a:schemeClr val="accent1">
+              <a:shade val="15000"/>
+            </a:schemeClr>
+          </a:lnRef>
+          <a:fillRef idx="1">
+            <a:schemeClr val="accent1"/>
+          </a:fillRef>
+          <a:effectRef idx="0">
+            <a:schemeClr val="accent1"/>
+          </a:effectRef>
+          <a:fontRef idx="minor">
+            <a:schemeClr val="lt1"/>
+          </a:fontRef>
+        </p:style>
+        <p:txBody>
+          <a:bodyPr rtlCol="0" anchor="ctr"/>
+          <a:lstStyle/>
+          <a:p>
+            <a:pPr algn="ctr"/>
+            <a:r>
+              <a:rPr lang="en-US" altLang="zh-CN" sz="1000">
+                <a:latin typeface="Quicksand" panose="00000500000000000000" pitchFamily="2" charset="0"/>
+              </a:rPr>
+              <a:t>&lt;tbody&gt;</a:t>
+            </a:r>
+            <a:endParaRPr lang="zh-CN" altLang="en-US" sz="1000">
+              <a:latin typeface="Quicksand" panose="00000500000000000000" pitchFamily="2" charset="0"/>
+            </a:endParaRPr>
+          </a:p>
+        </p:txBody>
+      </p:sp>
+      <p:sp>
+        <p:nvSpPr>
+          <p:cNvPr id="6" name="矩形: 圆角 5">
+            <a:extLst>
+              <a:ext uri="{FF2B5EF4-FFF2-40B4-BE49-F238E27FC236}">
+                <a16:creationId xmlns:a16="http://schemas.microsoft.com/office/drawing/2014/main" id="{9A98E275-1E96-FAB7-F617-AE6834538469}"/>
+              </a:ext>
+            </a:extLst>
+          </p:cNvPr>
+          <p:cNvSpPr/>
+          <p:nvPr/>
+        </p:nvSpPr>
+        <p:spPr>
+          <a:xfrm>
+            <a:off x="3927709" y="4319925"/>
+            <a:ext cx="900000" cy="216000"/>
+          </a:xfrm>
+          <a:prstGeom prst="roundRect">
+            <a:avLst/>
+          </a:prstGeom>
+          <a:solidFill>
+            <a:srgbClr val="00BC7B">
+              <a:alpha val="89804"/>
+            </a:srgbClr>
+          </a:solidFill>
+          <a:ln w="12700">
+            <a:solidFill>
+              <a:srgbClr val="00DA8C"/>
+            </a:solidFill>
+          </a:ln>
+        </p:spPr>
+        <p:style>
+          <a:lnRef idx="2">
+            <a:schemeClr val="accent1">
+              <a:shade val="15000"/>
+            </a:schemeClr>
+          </a:lnRef>
+          <a:fillRef idx="1">
+            <a:schemeClr val="accent1"/>
+          </a:fillRef>
+          <a:effectRef idx="0">
+            <a:schemeClr val="accent1"/>
+          </a:effectRef>
+          <a:fontRef idx="minor">
+            <a:schemeClr val="lt1"/>
+          </a:fontRef>
+        </p:style>
+        <p:txBody>
+          <a:bodyPr rtlCol="0" anchor="ctr"/>
+          <a:lstStyle/>
+          <a:p>
+            <a:pPr algn="ctr"/>
+            <a:r>
+              <a:rPr lang="en-US" altLang="zh-CN" sz="1000">
+                <a:latin typeface="Quicksand" panose="00000500000000000000" pitchFamily="2" charset="0"/>
+              </a:rPr>
+              <a:t>&lt;tfoot&gt;</a:t>
+            </a:r>
+            <a:endParaRPr lang="zh-CN" altLang="en-US" sz="1000">
+              <a:latin typeface="Quicksand" panose="00000500000000000000" pitchFamily="2" charset="0"/>
+            </a:endParaRPr>
+          </a:p>
+        </p:txBody>
+      </p:sp>
+      <p:sp>
+        <p:nvSpPr>
+          <p:cNvPr id="7" name="矩形: 圆角 6">
+            <a:extLst>
+              <a:ext uri="{FF2B5EF4-FFF2-40B4-BE49-F238E27FC236}">
+                <a16:creationId xmlns:a16="http://schemas.microsoft.com/office/drawing/2014/main" id="{1364CE8F-F9FF-ED29-6F39-C09735082C89}"/>
+              </a:ext>
+            </a:extLst>
+          </p:cNvPr>
+          <p:cNvSpPr/>
+          <p:nvPr/>
+        </p:nvSpPr>
+        <p:spPr>
+          <a:xfrm>
+            <a:off x="4988680" y="2563091"/>
+            <a:ext cx="720000" cy="216000"/>
+          </a:xfrm>
+          <a:prstGeom prst="roundRect">
+            <a:avLst/>
+          </a:prstGeom>
+          <a:solidFill>
+            <a:srgbClr val="FDECDB">
+              <a:alpha val="89804"/>
+            </a:srgbClr>
+          </a:solidFill>
+          <a:ln w="12700">
+            <a:solidFill>
+              <a:srgbClr val="FDECDB"/>
+            </a:solidFill>
+          </a:ln>
+        </p:spPr>
+        <p:style>
+          <a:lnRef idx="2">
+            <a:schemeClr val="accent1">
+              <a:shade val="15000"/>
+            </a:schemeClr>
+          </a:lnRef>
+          <a:fillRef idx="1">
+            <a:schemeClr val="accent1"/>
+          </a:fillRef>
+          <a:effectRef idx="0">
+            <a:schemeClr val="accent1"/>
+          </a:effectRef>
+          <a:fontRef idx="minor">
+            <a:schemeClr val="lt1"/>
+          </a:fontRef>
+        </p:style>
+        <p:txBody>
+          <a:bodyPr rtlCol="0" anchor="ctr"/>
+          <a:lstStyle/>
+          <a:p>
+            <a:pPr algn="ctr"/>
+            <a:r>
+              <a:rPr lang="en-US" altLang="zh-CN" sz="1000">
+                <a:solidFill>
+                  <a:sysClr val="windowText" lastClr="000000"/>
+                </a:solidFill>
+                <a:latin typeface="Quicksand Light" panose="00000400000000000000" pitchFamily="2" charset="0"/>
+              </a:rPr>
+              <a:t>&lt;tr&gt;</a:t>
+            </a:r>
+            <a:endParaRPr lang="zh-CN" altLang="en-US" sz="1000">
+              <a:solidFill>
+                <a:sysClr val="windowText" lastClr="000000"/>
+              </a:solidFill>
+              <a:latin typeface="Quicksand Light" panose="00000400000000000000" pitchFamily="2" charset="0"/>
+            </a:endParaRPr>
+          </a:p>
+        </p:txBody>
+      </p:sp>
+      <p:sp>
+        <p:nvSpPr>
+          <p:cNvPr id="8" name="矩形: 圆角 7">
+            <a:extLst>
+              <a:ext uri="{FF2B5EF4-FFF2-40B4-BE49-F238E27FC236}">
+                <a16:creationId xmlns:a16="http://schemas.microsoft.com/office/drawing/2014/main" id="{41E16CF2-21EE-CCD8-6CF8-C9DF7E974007}"/>
+              </a:ext>
+            </a:extLst>
+          </p:cNvPr>
+          <p:cNvSpPr/>
+          <p:nvPr/>
+        </p:nvSpPr>
+        <p:spPr>
+          <a:xfrm>
+            <a:off x="4988680" y="2902528"/>
+            <a:ext cx="720000" cy="216000"/>
+          </a:xfrm>
+          <a:prstGeom prst="roundRect">
+            <a:avLst/>
+          </a:prstGeom>
+          <a:solidFill>
+            <a:srgbClr val="FDECDB">
+              <a:alpha val="89804"/>
+            </a:srgbClr>
+          </a:solidFill>
+          <a:ln w="12700">
+            <a:solidFill>
+              <a:srgbClr val="FDECDB"/>
+            </a:solidFill>
+          </a:ln>
+        </p:spPr>
+        <p:style>
+          <a:lnRef idx="2">
+            <a:schemeClr val="accent1">
+              <a:shade val="15000"/>
+            </a:schemeClr>
+          </a:lnRef>
+          <a:fillRef idx="1">
+            <a:schemeClr val="accent1"/>
+          </a:fillRef>
+          <a:effectRef idx="0">
+            <a:schemeClr val="accent1"/>
+          </a:effectRef>
+          <a:fontRef idx="minor">
+            <a:schemeClr val="lt1"/>
+          </a:fontRef>
+        </p:style>
+        <p:txBody>
+          <a:bodyPr rtlCol="0" anchor="ctr"/>
+          <a:lstStyle/>
+          <a:p>
+            <a:pPr algn="ctr"/>
+            <a:r>
+              <a:rPr lang="en-US" altLang="zh-CN" sz="1000">
+                <a:solidFill>
+                  <a:sysClr val="windowText" lastClr="000000"/>
+                </a:solidFill>
+                <a:latin typeface="Quicksand Light" panose="00000400000000000000" pitchFamily="2" charset="0"/>
+              </a:rPr>
+              <a:t>&lt;th&gt;</a:t>
+            </a:r>
+            <a:endParaRPr lang="zh-CN" altLang="en-US" sz="1000">
+              <a:solidFill>
+                <a:sysClr val="windowText" lastClr="000000"/>
+              </a:solidFill>
+              <a:latin typeface="Quicksand Light" panose="00000400000000000000" pitchFamily="2" charset="0"/>
+            </a:endParaRPr>
+          </a:p>
+        </p:txBody>
+      </p:sp>
+      <p:sp>
+        <p:nvSpPr>
+          <p:cNvPr id="9" name="矩形: 圆角 8">
+            <a:extLst>
+              <a:ext uri="{FF2B5EF4-FFF2-40B4-BE49-F238E27FC236}">
+                <a16:creationId xmlns:a16="http://schemas.microsoft.com/office/drawing/2014/main" id="{F36CB3ED-C818-AA5A-27A7-5D321CF65E6F}"/>
+              </a:ext>
+            </a:extLst>
+          </p:cNvPr>
+          <p:cNvSpPr/>
+          <p:nvPr/>
+        </p:nvSpPr>
+        <p:spPr>
+          <a:xfrm>
+            <a:off x="4988680" y="3380509"/>
+            <a:ext cx="720000" cy="216000"/>
+          </a:xfrm>
+          <a:prstGeom prst="roundRect">
+            <a:avLst/>
+          </a:prstGeom>
+          <a:solidFill>
+            <a:srgbClr val="FED9D8">
+              <a:alpha val="89804"/>
+            </a:srgbClr>
+          </a:solidFill>
+          <a:ln w="12700">
+            <a:solidFill>
+              <a:srgbClr val="FED9D8"/>
+            </a:solidFill>
+          </a:ln>
+        </p:spPr>
+        <p:style>
+          <a:lnRef idx="2">
+            <a:schemeClr val="accent1">
+              <a:shade val="15000"/>
+            </a:schemeClr>
+          </a:lnRef>
+          <a:fillRef idx="1">
+            <a:schemeClr val="accent1"/>
+          </a:fillRef>
+          <a:effectRef idx="0">
+            <a:schemeClr val="accent1"/>
+          </a:effectRef>
+          <a:fontRef idx="minor">
+            <a:schemeClr val="lt1"/>
+          </a:fontRef>
+        </p:style>
+        <p:txBody>
+          <a:bodyPr rtlCol="0" anchor="ctr"/>
+          <a:lstStyle/>
+          <a:p>
+            <a:pPr algn="ctr"/>
+            <a:r>
+              <a:rPr lang="en-US" altLang="zh-CN" sz="1000">
+                <a:solidFill>
+                  <a:sysClr val="windowText" lastClr="000000"/>
+                </a:solidFill>
+                <a:latin typeface="Quicksand Light" panose="00000400000000000000" pitchFamily="2" charset="0"/>
+              </a:rPr>
+              <a:t>&lt;tr&gt;</a:t>
+            </a:r>
+            <a:endParaRPr lang="zh-CN" altLang="en-US" sz="1000">
+              <a:solidFill>
+                <a:sysClr val="windowText" lastClr="000000"/>
+              </a:solidFill>
+              <a:latin typeface="Quicksand Light" panose="00000400000000000000" pitchFamily="2" charset="0"/>
+            </a:endParaRPr>
+          </a:p>
+        </p:txBody>
+      </p:sp>
+      <p:sp>
+        <p:nvSpPr>
+          <p:cNvPr id="10" name="矩形: 圆角 9">
+            <a:extLst>
+              <a:ext uri="{FF2B5EF4-FFF2-40B4-BE49-F238E27FC236}">
+                <a16:creationId xmlns:a16="http://schemas.microsoft.com/office/drawing/2014/main" id="{4DF699C5-ADF4-C7BA-0E33-FD433133C491}"/>
+              </a:ext>
+            </a:extLst>
+          </p:cNvPr>
+          <p:cNvSpPr/>
+          <p:nvPr/>
+        </p:nvSpPr>
+        <p:spPr>
+          <a:xfrm>
+            <a:off x="4988680" y="3719946"/>
+            <a:ext cx="720000" cy="216000"/>
+          </a:xfrm>
+          <a:prstGeom prst="roundRect">
+            <a:avLst/>
+          </a:prstGeom>
+          <a:solidFill>
+            <a:srgbClr val="FED9D8">
+              <a:alpha val="89804"/>
+            </a:srgbClr>
+          </a:solidFill>
+          <a:ln w="12700">
+            <a:solidFill>
+              <a:srgbClr val="FED9D8"/>
+            </a:solidFill>
+          </a:ln>
+        </p:spPr>
+        <p:style>
+          <a:lnRef idx="2">
+            <a:schemeClr val="accent1">
+              <a:shade val="15000"/>
+            </a:schemeClr>
+          </a:lnRef>
+          <a:fillRef idx="1">
+            <a:schemeClr val="accent1"/>
+          </a:fillRef>
+          <a:effectRef idx="0">
+            <a:schemeClr val="accent1"/>
+          </a:effectRef>
+          <a:fontRef idx="minor">
+            <a:schemeClr val="lt1"/>
+          </a:fontRef>
+        </p:style>
+        <p:txBody>
+          <a:bodyPr rtlCol="0" anchor="ctr"/>
+          <a:lstStyle/>
+          <a:p>
+            <a:pPr algn="ctr"/>
+            <a:r>
+              <a:rPr lang="en-US" altLang="zh-CN" sz="1000">
+                <a:solidFill>
+                  <a:sysClr val="windowText" lastClr="000000"/>
+                </a:solidFill>
+                <a:latin typeface="Quicksand Light" panose="00000400000000000000" pitchFamily="2" charset="0"/>
+              </a:rPr>
+              <a:t>&lt;td&gt;</a:t>
+            </a:r>
+            <a:endParaRPr lang="zh-CN" altLang="en-US" sz="1000">
+              <a:solidFill>
+                <a:sysClr val="windowText" lastClr="000000"/>
+              </a:solidFill>
+              <a:latin typeface="Quicksand Light" panose="00000400000000000000" pitchFamily="2" charset="0"/>
+            </a:endParaRPr>
+          </a:p>
+        </p:txBody>
+      </p:sp>
+      <p:sp>
+        <p:nvSpPr>
+          <p:cNvPr id="11" name="矩形: 圆角 10">
+            <a:extLst>
+              <a:ext uri="{FF2B5EF4-FFF2-40B4-BE49-F238E27FC236}">
+                <a16:creationId xmlns:a16="http://schemas.microsoft.com/office/drawing/2014/main" id="{9A7CBB2E-7A46-5370-A481-60C05098B4F7}"/>
+              </a:ext>
+            </a:extLst>
+          </p:cNvPr>
+          <p:cNvSpPr/>
+          <p:nvPr/>
+        </p:nvSpPr>
+        <p:spPr>
+          <a:xfrm>
+            <a:off x="4988680" y="4150206"/>
+            <a:ext cx="720000" cy="216000"/>
+          </a:xfrm>
+          <a:prstGeom prst="roundRect">
+            <a:avLst/>
+          </a:prstGeom>
+          <a:solidFill>
+            <a:srgbClr val="CCF2E5">
+              <a:alpha val="89804"/>
+            </a:srgbClr>
+          </a:solidFill>
+          <a:ln w="12700">
+            <a:solidFill>
+              <a:srgbClr val="CCF2E5"/>
+            </a:solidFill>
+          </a:ln>
+        </p:spPr>
+        <p:style>
+          <a:lnRef idx="2">
+            <a:schemeClr val="accent1">
+              <a:shade val="15000"/>
+            </a:schemeClr>
+          </a:lnRef>
+          <a:fillRef idx="1">
+            <a:schemeClr val="accent1"/>
+          </a:fillRef>
+          <a:effectRef idx="0">
+            <a:schemeClr val="accent1"/>
+          </a:effectRef>
+          <a:fontRef idx="minor">
+            <a:schemeClr val="lt1"/>
+          </a:fontRef>
+        </p:style>
+        <p:txBody>
+          <a:bodyPr rtlCol="0" anchor="ctr"/>
+          <a:lstStyle/>
+          <a:p>
+            <a:pPr algn="ctr"/>
+            <a:r>
+              <a:rPr lang="en-US" altLang="zh-CN" sz="1000">
+                <a:solidFill>
+                  <a:sysClr val="windowText" lastClr="000000"/>
+                </a:solidFill>
+                <a:latin typeface="Quicksand Light" panose="00000400000000000000" pitchFamily="2" charset="0"/>
+              </a:rPr>
+              <a:t>&lt;tr&gt;</a:t>
+            </a:r>
+            <a:endParaRPr lang="zh-CN" altLang="en-US" sz="1000">
+              <a:solidFill>
+                <a:sysClr val="windowText" lastClr="000000"/>
+              </a:solidFill>
+              <a:latin typeface="Quicksand Light" panose="00000400000000000000" pitchFamily="2" charset="0"/>
+            </a:endParaRPr>
+          </a:p>
+        </p:txBody>
+      </p:sp>
+      <p:sp>
+        <p:nvSpPr>
+          <p:cNvPr id="12" name="矩形: 圆角 11">
+            <a:extLst>
+              <a:ext uri="{FF2B5EF4-FFF2-40B4-BE49-F238E27FC236}">
+                <a16:creationId xmlns:a16="http://schemas.microsoft.com/office/drawing/2014/main" id="{D4779CBA-FFDD-895A-53AD-886208DEAA4A}"/>
+              </a:ext>
+            </a:extLst>
+          </p:cNvPr>
+          <p:cNvSpPr/>
+          <p:nvPr/>
+        </p:nvSpPr>
+        <p:spPr>
+          <a:xfrm>
+            <a:off x="4988680" y="4489643"/>
+            <a:ext cx="720000" cy="216000"/>
+          </a:xfrm>
+          <a:prstGeom prst="roundRect">
+            <a:avLst/>
+          </a:prstGeom>
+          <a:solidFill>
+            <a:srgbClr val="CCF2E5">
+              <a:alpha val="89804"/>
+            </a:srgbClr>
+          </a:solidFill>
+          <a:ln w="12700">
+            <a:solidFill>
+              <a:srgbClr val="CCF2E5"/>
+            </a:solidFill>
+          </a:ln>
+        </p:spPr>
+        <p:style>
+          <a:lnRef idx="2">
+            <a:schemeClr val="accent1">
+              <a:shade val="15000"/>
+            </a:schemeClr>
+          </a:lnRef>
+          <a:fillRef idx="1">
+            <a:schemeClr val="accent1"/>
+          </a:fillRef>
+          <a:effectRef idx="0">
+            <a:schemeClr val="accent1"/>
+          </a:effectRef>
+          <a:fontRef idx="minor">
+            <a:schemeClr val="lt1"/>
+          </a:fontRef>
+        </p:style>
+        <p:txBody>
+          <a:bodyPr rtlCol="0" anchor="ctr"/>
+          <a:lstStyle/>
+          <a:p>
+            <a:pPr algn="ctr"/>
+            <a:r>
+              <a:rPr lang="en-US" altLang="zh-CN" sz="1000">
+                <a:solidFill>
+                  <a:sysClr val="windowText" lastClr="000000"/>
+                </a:solidFill>
+                <a:latin typeface="Quicksand Light" panose="00000400000000000000" pitchFamily="2" charset="0"/>
+              </a:rPr>
+              <a:t>&lt;td&gt;</a:t>
+            </a:r>
+            <a:endParaRPr lang="zh-CN" altLang="en-US" sz="1000">
+              <a:solidFill>
+                <a:sysClr val="windowText" lastClr="000000"/>
+              </a:solidFill>
+              <a:latin typeface="Quicksand Light" panose="00000400000000000000" pitchFamily="2" charset="0"/>
+            </a:endParaRPr>
+          </a:p>
+        </p:txBody>
+      </p:sp>
+      <p:cxnSp>
+        <p:nvCxnSpPr>
+          <p:cNvPr id="13" name="连接符: 曲线 12">
+            <a:extLst>
+              <a:ext uri="{FF2B5EF4-FFF2-40B4-BE49-F238E27FC236}">
+                <a16:creationId xmlns:a16="http://schemas.microsoft.com/office/drawing/2014/main" id="{298359A6-17E1-0350-06F2-6B8C8E407376}"/>
+              </a:ext>
+            </a:extLst>
+          </p:cNvPr>
+          <p:cNvCxnSpPr>
+            <a:cxnSpLocks/>
+            <a:stCxn id="2" idx="3"/>
+            <a:endCxn id="3" idx="1"/>
+          </p:cNvCxnSpPr>
+          <p:nvPr/>
+        </p:nvCxnSpPr>
+        <p:spPr>
+          <a:xfrm flipV="1">
+            <a:off x="3691582" y="2071112"/>
+            <a:ext cx="236127" cy="1178406"/>
+          </a:xfrm>
+          <a:prstGeom prst="curvedConnector3">
+            <a:avLst/>
+          </a:prstGeom>
+          <a:ln>
+            <a:solidFill>
+              <a:schemeClr val="accent1">
+                <a:lumMod val="60000"/>
+                <a:lumOff val="40000"/>
+              </a:schemeClr>
+            </a:solidFill>
+          </a:ln>
+        </p:spPr>
+        <p:style>
+          <a:lnRef idx="1">
+            <a:schemeClr val="accent1"/>
+          </a:lnRef>
+          <a:fillRef idx="0">
+            <a:schemeClr val="accent1"/>
+          </a:fillRef>
+          <a:effectRef idx="0">
+            <a:schemeClr val="accent1"/>
+          </a:effectRef>
+          <a:fontRef idx="minor">
+            <a:schemeClr val="tx1"/>
+          </a:fontRef>
+        </p:style>
+      </p:cxnSp>
+      <p:cxnSp>
+        <p:nvCxnSpPr>
+          <p:cNvPr id="14" name="连接符: 曲线 13">
+            <a:extLst>
+              <a:ext uri="{FF2B5EF4-FFF2-40B4-BE49-F238E27FC236}">
+                <a16:creationId xmlns:a16="http://schemas.microsoft.com/office/drawing/2014/main" id="{06C5FD35-9516-24EE-5628-FB328882111E}"/>
+              </a:ext>
+            </a:extLst>
+          </p:cNvPr>
+          <p:cNvCxnSpPr>
+            <a:stCxn id="2" idx="3"/>
+            <a:endCxn id="5" idx="1"/>
+          </p:cNvCxnSpPr>
+          <p:nvPr/>
+        </p:nvCxnSpPr>
+        <p:spPr>
+          <a:xfrm>
+            <a:off x="3691582" y="3249518"/>
+            <a:ext cx="236127" cy="392802"/>
+          </a:xfrm>
+          <a:prstGeom prst="curvedConnector3">
+            <a:avLst/>
+          </a:prstGeom>
+          <a:ln>
+            <a:solidFill>
+              <a:srgbClr val="FF0000"/>
+            </a:solidFill>
+          </a:ln>
+        </p:spPr>
+        <p:style>
+          <a:lnRef idx="1">
+            <a:schemeClr val="accent1"/>
+          </a:lnRef>
+          <a:fillRef idx="0">
+            <a:schemeClr val="accent1"/>
+          </a:fillRef>
+          <a:effectRef idx="0">
+            <a:schemeClr val="accent1"/>
+          </a:effectRef>
+          <a:fontRef idx="minor">
+            <a:schemeClr val="tx1"/>
+          </a:fontRef>
+        </p:style>
+      </p:cxnSp>
+      <p:cxnSp>
+        <p:nvCxnSpPr>
+          <p:cNvPr id="15" name="连接符: 曲线 14">
+            <a:extLst>
+              <a:ext uri="{FF2B5EF4-FFF2-40B4-BE49-F238E27FC236}">
+                <a16:creationId xmlns:a16="http://schemas.microsoft.com/office/drawing/2014/main" id="{91DC556E-624C-A24F-4281-CC2AD6C86AA9}"/>
+              </a:ext>
+            </a:extLst>
+          </p:cNvPr>
+          <p:cNvCxnSpPr>
+            <a:stCxn id="2" idx="3"/>
+            <a:endCxn id="6" idx="1"/>
+          </p:cNvCxnSpPr>
+          <p:nvPr/>
+        </p:nvCxnSpPr>
+        <p:spPr>
+          <a:xfrm>
+            <a:off x="3691582" y="3249518"/>
+            <a:ext cx="236127" cy="1178407"/>
+          </a:xfrm>
+          <a:prstGeom prst="curvedConnector3">
+            <a:avLst/>
+          </a:prstGeom>
+          <a:ln>
+            <a:solidFill>
+              <a:srgbClr val="92D050"/>
+            </a:solidFill>
+          </a:ln>
+        </p:spPr>
+        <p:style>
+          <a:lnRef idx="1">
+            <a:schemeClr val="accent1"/>
+          </a:lnRef>
+          <a:fillRef idx="0">
+            <a:schemeClr val="accent1"/>
+          </a:fillRef>
+          <a:effectRef idx="0">
+            <a:schemeClr val="accent1"/>
+          </a:effectRef>
+          <a:fontRef idx="minor">
+            <a:schemeClr val="tx1"/>
+          </a:fontRef>
+        </p:style>
+      </p:cxnSp>
+      <p:cxnSp>
+        <p:nvCxnSpPr>
+          <p:cNvPr id="16" name="连接符: 曲线 15">
+            <a:extLst>
+              <a:ext uri="{FF2B5EF4-FFF2-40B4-BE49-F238E27FC236}">
+                <a16:creationId xmlns:a16="http://schemas.microsoft.com/office/drawing/2014/main" id="{2CF8CB28-1C39-C7E8-6324-ADA008E9F11F}"/>
+              </a:ext>
+            </a:extLst>
+          </p:cNvPr>
+          <p:cNvCxnSpPr>
+            <a:stCxn id="4" idx="1"/>
+            <a:endCxn id="2" idx="3"/>
+          </p:cNvCxnSpPr>
+          <p:nvPr/>
+        </p:nvCxnSpPr>
+        <p:spPr>
+          <a:xfrm rot="10800000" flipV="1">
+            <a:off x="3691583" y="2856716"/>
+            <a:ext cx="236127" cy="392802"/>
+          </a:xfrm>
+          <a:prstGeom prst="curvedConnector3">
+            <a:avLst/>
+          </a:prstGeom>
+          <a:ln>
+            <a:solidFill>
+              <a:srgbClr val="FFC000"/>
+            </a:solidFill>
+          </a:ln>
+        </p:spPr>
+        <p:style>
+          <a:lnRef idx="1">
+            <a:schemeClr val="accent1"/>
+          </a:lnRef>
+          <a:fillRef idx="0">
+            <a:schemeClr val="accent1"/>
+          </a:fillRef>
+          <a:effectRef idx="0">
+            <a:schemeClr val="accent1"/>
+          </a:effectRef>
+          <a:fontRef idx="minor">
+            <a:schemeClr val="tx1"/>
+          </a:fontRef>
+        </p:style>
+      </p:cxnSp>
+      <p:cxnSp>
+        <p:nvCxnSpPr>
+          <p:cNvPr id="17" name="连接符: 曲线 16">
+            <a:extLst>
+              <a:ext uri="{FF2B5EF4-FFF2-40B4-BE49-F238E27FC236}">
+                <a16:creationId xmlns:a16="http://schemas.microsoft.com/office/drawing/2014/main" id="{114D0B9D-2E4E-56E2-D1E7-E651846577ED}"/>
+              </a:ext>
+            </a:extLst>
+          </p:cNvPr>
+          <p:cNvCxnSpPr>
+            <a:stCxn id="4" idx="3"/>
+            <a:endCxn id="7" idx="1"/>
+          </p:cNvCxnSpPr>
+          <p:nvPr/>
+        </p:nvCxnSpPr>
+        <p:spPr>
+          <a:xfrm flipV="1">
+            <a:off x="4827709" y="2671091"/>
+            <a:ext cx="160971" cy="185625"/>
+          </a:xfrm>
+          <a:prstGeom prst="curvedConnector3">
+            <a:avLst/>
+          </a:prstGeom>
+          <a:ln>
+            <a:solidFill>
+              <a:srgbClr val="FFC000"/>
+            </a:solidFill>
+          </a:ln>
+        </p:spPr>
+        <p:style>
+          <a:lnRef idx="1">
+            <a:schemeClr val="accent1"/>
+          </a:lnRef>
+          <a:fillRef idx="0">
+            <a:schemeClr val="accent1"/>
+          </a:fillRef>
+          <a:effectRef idx="0">
+            <a:schemeClr val="accent1"/>
+          </a:effectRef>
+          <a:fontRef idx="minor">
+            <a:schemeClr val="tx1"/>
+          </a:fontRef>
+        </p:style>
+      </p:cxnSp>
+      <p:cxnSp>
+        <p:nvCxnSpPr>
+          <p:cNvPr id="18" name="连接符: 曲线 17">
+            <a:extLst>
+              <a:ext uri="{FF2B5EF4-FFF2-40B4-BE49-F238E27FC236}">
+                <a16:creationId xmlns:a16="http://schemas.microsoft.com/office/drawing/2014/main" id="{3C59A80E-8E6B-72B2-C1E1-4C880C4C93DD}"/>
+              </a:ext>
+            </a:extLst>
+          </p:cNvPr>
+          <p:cNvCxnSpPr>
+            <a:stCxn id="8" idx="1"/>
+            <a:endCxn id="4" idx="3"/>
+          </p:cNvCxnSpPr>
+          <p:nvPr/>
+        </p:nvCxnSpPr>
+        <p:spPr>
+          <a:xfrm rot="10800000">
+            <a:off x="4827710" y="2856716"/>
+            <a:ext cx="160971" cy="153812"/>
+          </a:xfrm>
+          <a:prstGeom prst="curvedConnector3">
+            <a:avLst/>
+          </a:prstGeom>
+          <a:ln>
+            <a:solidFill>
+              <a:srgbClr val="FFC000"/>
+            </a:solidFill>
+          </a:ln>
+        </p:spPr>
+        <p:style>
+          <a:lnRef idx="1">
+            <a:schemeClr val="accent1"/>
+          </a:lnRef>
+          <a:fillRef idx="0">
+            <a:schemeClr val="accent1"/>
+          </a:fillRef>
+          <a:effectRef idx="0">
+            <a:schemeClr val="accent1"/>
+          </a:effectRef>
+          <a:fontRef idx="minor">
+            <a:schemeClr val="tx1"/>
+          </a:fontRef>
+        </p:style>
+      </p:cxnSp>
+      <p:cxnSp>
+        <p:nvCxnSpPr>
+          <p:cNvPr id="19" name="连接符: 曲线 18">
+            <a:extLst>
+              <a:ext uri="{FF2B5EF4-FFF2-40B4-BE49-F238E27FC236}">
+                <a16:creationId xmlns:a16="http://schemas.microsoft.com/office/drawing/2014/main" id="{041D7C9F-7D99-7824-58C7-2BA40BC232D6}"/>
+              </a:ext>
+            </a:extLst>
+          </p:cNvPr>
+          <p:cNvCxnSpPr>
+            <a:stCxn id="5" idx="3"/>
+            <a:endCxn id="9" idx="1"/>
+          </p:cNvCxnSpPr>
+          <p:nvPr/>
+        </p:nvCxnSpPr>
+        <p:spPr>
+          <a:xfrm flipV="1">
+            <a:off x="4827709" y="3488509"/>
+            <a:ext cx="160971" cy="153811"/>
+          </a:xfrm>
+          <a:prstGeom prst="curvedConnector3">
+            <a:avLst/>
+          </a:prstGeom>
+          <a:ln>
+            <a:solidFill>
+              <a:srgbClr val="FF0000"/>
+            </a:solidFill>
+          </a:ln>
+        </p:spPr>
+        <p:style>
+          <a:lnRef idx="1">
+            <a:schemeClr val="accent1"/>
+          </a:lnRef>
+          <a:fillRef idx="0">
+            <a:schemeClr val="accent1"/>
+          </a:fillRef>
+          <a:effectRef idx="0">
+            <a:schemeClr val="accent1"/>
+          </a:effectRef>
+          <a:fontRef idx="minor">
+            <a:schemeClr val="tx1"/>
+          </a:fontRef>
+        </p:style>
+      </p:cxnSp>
+      <p:cxnSp>
+        <p:nvCxnSpPr>
+          <p:cNvPr id="20" name="连接符: 曲线 19">
+            <a:extLst>
+              <a:ext uri="{FF2B5EF4-FFF2-40B4-BE49-F238E27FC236}">
+                <a16:creationId xmlns:a16="http://schemas.microsoft.com/office/drawing/2014/main" id="{B2D7C8F8-E42C-083D-F9F9-50E9DF89B11D}"/>
+              </a:ext>
+            </a:extLst>
+          </p:cNvPr>
+          <p:cNvCxnSpPr>
+            <a:stCxn id="10" idx="1"/>
+            <a:endCxn id="5" idx="3"/>
+          </p:cNvCxnSpPr>
+          <p:nvPr/>
+        </p:nvCxnSpPr>
+        <p:spPr>
+          <a:xfrm rot="10800000">
+            <a:off x="4827710" y="3642320"/>
+            <a:ext cx="160971" cy="185626"/>
+          </a:xfrm>
+          <a:prstGeom prst="curvedConnector3">
+            <a:avLst/>
+          </a:prstGeom>
+          <a:ln>
+            <a:solidFill>
+              <a:srgbClr val="FF0000"/>
+            </a:solidFill>
+          </a:ln>
+        </p:spPr>
+        <p:style>
+          <a:lnRef idx="1">
+            <a:schemeClr val="accent1"/>
+          </a:lnRef>
+          <a:fillRef idx="0">
+            <a:schemeClr val="accent1"/>
+          </a:fillRef>
+          <a:effectRef idx="0">
+            <a:schemeClr val="accent1"/>
+          </a:effectRef>
+          <a:fontRef idx="minor">
+            <a:schemeClr val="tx1"/>
+          </a:fontRef>
+        </p:style>
+      </p:cxnSp>
+      <p:cxnSp>
+        <p:nvCxnSpPr>
+          <p:cNvPr id="21" name="连接符: 曲线 20">
+            <a:extLst>
+              <a:ext uri="{FF2B5EF4-FFF2-40B4-BE49-F238E27FC236}">
+                <a16:creationId xmlns:a16="http://schemas.microsoft.com/office/drawing/2014/main" id="{F1E01BA5-8E56-BB2F-4CFB-53C05DABA25C}"/>
+              </a:ext>
+            </a:extLst>
+          </p:cNvPr>
+          <p:cNvCxnSpPr>
+            <a:stCxn id="6" idx="3"/>
+            <a:endCxn id="11" idx="1"/>
+          </p:cNvCxnSpPr>
+          <p:nvPr/>
+        </p:nvCxnSpPr>
+        <p:spPr>
+          <a:xfrm flipV="1">
+            <a:off x="4827709" y="4258206"/>
+            <a:ext cx="160971" cy="169719"/>
+          </a:xfrm>
+          <a:prstGeom prst="curvedConnector3">
+            <a:avLst/>
+          </a:prstGeom>
+          <a:ln>
+            <a:solidFill>
+              <a:srgbClr val="92D050"/>
+            </a:solidFill>
+          </a:ln>
+        </p:spPr>
+        <p:style>
+          <a:lnRef idx="1">
+            <a:schemeClr val="accent1"/>
+          </a:lnRef>
+          <a:fillRef idx="0">
+            <a:schemeClr val="accent1"/>
+          </a:fillRef>
+          <a:effectRef idx="0">
+            <a:schemeClr val="accent1"/>
+          </a:effectRef>
+          <a:fontRef idx="minor">
+            <a:schemeClr val="tx1"/>
+          </a:fontRef>
+        </p:style>
+      </p:cxnSp>
+      <p:cxnSp>
+        <p:nvCxnSpPr>
+          <p:cNvPr id="22" name="连接符: 曲线 21">
+            <a:extLst>
+              <a:ext uri="{FF2B5EF4-FFF2-40B4-BE49-F238E27FC236}">
+                <a16:creationId xmlns:a16="http://schemas.microsoft.com/office/drawing/2014/main" id="{01E3F578-BCED-37BC-DA99-F6F310A81E84}"/>
+              </a:ext>
+            </a:extLst>
+          </p:cNvPr>
+          <p:cNvCxnSpPr>
+            <a:stCxn id="12" idx="1"/>
+            <a:endCxn id="6" idx="3"/>
+          </p:cNvCxnSpPr>
+          <p:nvPr/>
+        </p:nvCxnSpPr>
+        <p:spPr>
+          <a:xfrm rot="10800000">
+            <a:off x="4827710" y="4427925"/>
+            <a:ext cx="160971" cy="169718"/>
+          </a:xfrm>
+          <a:prstGeom prst="curvedConnector3">
+            <a:avLst/>
+          </a:prstGeom>
+          <a:ln>
+            <a:solidFill>
+              <a:srgbClr val="92D050"/>
+            </a:solidFill>
+          </a:ln>
+        </p:spPr>
+        <p:style>
+          <a:lnRef idx="1">
+            <a:schemeClr val="accent1"/>
+          </a:lnRef>
+          <a:fillRef idx="0">
+            <a:schemeClr val="accent1"/>
+          </a:fillRef>
+          <a:effectRef idx="0">
+            <a:schemeClr val="accent1"/>
+          </a:effectRef>
+          <a:fontRef idx="minor">
+            <a:schemeClr val="tx1"/>
+          </a:fontRef>
+        </p:style>
+      </p:cxnSp>
+    </p:spTree>
+    <p:extLst>
+      <p:ext uri="{BB962C8B-B14F-4D97-AF65-F5344CB8AC3E}">
+        <p14:creationId xmlns:p14="http://schemas.microsoft.com/office/powerpoint/2010/main" val="1074662793"/>
+      </p:ext>
+    </p:extLst>
+  </p:cSld>
+  <p:clrMapOvr>
+    <a:masterClrMapping/>
+  </p:clrMapOvr>
+</p:sld>
+</file>
+
+<file path=ppt/slides/slide3.xml><?xml version="1.0" encoding="utf-8"?>
+<p:sld xmlns:a="http://schemas.openxmlformats.org/drawingml/2006/main" xmlns:r="http://schemas.openxmlformats.org/officeDocument/2006/relationships" xmlns:p="http://schemas.openxmlformats.org/presentationml/2006/main">
+  <p:cSld>
+    <p:spTree>
+      <p:nvGrpSpPr>
+        <p:cNvPr id="1" name="">
+          <a:extLst>
+            <a:ext uri="{FF2B5EF4-FFF2-40B4-BE49-F238E27FC236}">
+              <a16:creationId xmlns:a16="http://schemas.microsoft.com/office/drawing/2014/main" id="{F8E9F5B7-2CBC-2543-883A-EE7F72EBB60E}"/>
+            </a:ext>
+          </a:extLst>
+        </p:cNvPr>
+        <p:cNvGrpSpPr/>
+        <p:nvPr/>
+      </p:nvGrpSpPr>
+      <p:grpSpPr>
+        <a:xfrm>
+          <a:off x="0" y="0"/>
+          <a:ext cx="0" cy="0"/>
+          <a:chOff x="0" y="0"/>
+          <a:chExt cx="0" cy="0"/>
+        </a:xfrm>
+      </p:grpSpPr>
+      <p:sp>
+        <p:nvSpPr>
+          <p:cNvPr id="2" name="矩形: 圆角 1">
+            <a:extLst>
+              <a:ext uri="{FF2B5EF4-FFF2-40B4-BE49-F238E27FC236}">
+                <a16:creationId xmlns:a16="http://schemas.microsoft.com/office/drawing/2014/main" id="{5A1246F4-27E9-D5A7-C132-F43C94906336}"/>
+              </a:ext>
+            </a:extLst>
+          </p:cNvPr>
+          <p:cNvSpPr/>
+          <p:nvPr/>
+        </p:nvSpPr>
+        <p:spPr>
+          <a:xfrm>
+            <a:off x="2611582" y="3271114"/>
+            <a:ext cx="1080000" cy="216000"/>
+          </a:xfrm>
+          <a:prstGeom prst="roundRect">
+            <a:avLst/>
+          </a:prstGeom>
+          <a:solidFill>
+            <a:schemeClr val="tx1"/>
+          </a:solidFill>
+          <a:ln w="12700">
+            <a:solidFill>
+              <a:schemeClr val="bg2">
+                <a:lumMod val="50000"/>
+              </a:schemeClr>
+            </a:solidFill>
+          </a:ln>
+        </p:spPr>
+        <p:style>
+          <a:lnRef idx="2">
+            <a:schemeClr val="accent1">
+              <a:shade val="15000"/>
+            </a:schemeClr>
+          </a:lnRef>
+          <a:fillRef idx="1">
+            <a:schemeClr val="accent1"/>
+          </a:fillRef>
+          <a:effectRef idx="0">
+            <a:schemeClr val="accent1"/>
+          </a:effectRef>
+          <a:fontRef idx="minor">
+            <a:schemeClr val="lt1"/>
+          </a:fontRef>
+        </p:style>
+        <p:txBody>
+          <a:bodyPr rtlCol="0" anchor="ctr"/>
+          <a:lstStyle/>
+          <a:p>
+            <a:pPr algn="ctr"/>
+            <a:r>
+              <a:rPr lang="en-US" altLang="zh-CN" sz="800">
+                <a:latin typeface="Quicksand Medium" panose="00000600000000000000" pitchFamily="2" charset="0"/>
+              </a:rPr>
+              <a:t>&lt;form&gt;</a:t>
+            </a:r>
+            <a:endParaRPr lang="zh-CN" altLang="en-US" sz="800">
+              <a:latin typeface="Quicksand Medium" panose="00000600000000000000" pitchFamily="2" charset="0"/>
+            </a:endParaRPr>
+          </a:p>
+        </p:txBody>
+      </p:sp>
+      <p:sp>
+        <p:nvSpPr>
+          <p:cNvPr id="3" name="矩形: 圆角 2">
+            <a:extLst>
+              <a:ext uri="{FF2B5EF4-FFF2-40B4-BE49-F238E27FC236}">
+                <a16:creationId xmlns:a16="http://schemas.microsoft.com/office/drawing/2014/main" id="{26A13AB4-DA0A-2FD4-33B4-83FF5DA08C63}"/>
+              </a:ext>
+            </a:extLst>
+          </p:cNvPr>
+          <p:cNvSpPr/>
+          <p:nvPr/>
+        </p:nvSpPr>
+        <p:spPr>
+          <a:xfrm>
+            <a:off x="3927709" y="1938060"/>
+            <a:ext cx="900000" cy="216000"/>
+          </a:xfrm>
+          <a:prstGeom prst="roundRect">
+            <a:avLst/>
+          </a:prstGeom>
+          <a:solidFill>
+            <a:srgbClr val="4472C4">
+              <a:alpha val="89804"/>
+            </a:srgbClr>
+          </a:solidFill>
+          <a:ln w="12700">
+            <a:solidFill>
+              <a:schemeClr val="accent1">
+                <a:lumMod val="60000"/>
+                <a:lumOff val="40000"/>
+              </a:schemeClr>
+            </a:solidFill>
+          </a:ln>
+        </p:spPr>
+        <p:style>
+          <a:lnRef idx="2">
+            <a:schemeClr val="accent1">
+              <a:shade val="15000"/>
+            </a:schemeClr>
+          </a:lnRef>
+          <a:fillRef idx="1">
+            <a:schemeClr val="accent1"/>
+          </a:fillRef>
+          <a:effectRef idx="0">
+            <a:schemeClr val="accent1"/>
+          </a:effectRef>
+          <a:fontRef idx="minor">
+            <a:schemeClr val="lt1"/>
+          </a:fontRef>
+        </p:style>
+        <p:txBody>
+          <a:bodyPr rtlCol="0" anchor="ctr"/>
+          <a:lstStyle/>
+          <a:p>
+            <a:pPr algn="ctr"/>
+            <a:r>
+              <a:rPr lang="en-US" altLang="zh-CN" sz="800">
+                <a:latin typeface="Quicksand" panose="00000500000000000000" pitchFamily="2" charset="0"/>
+              </a:rPr>
+              <a:t>&lt;label&gt;</a:t>
+            </a:r>
+            <a:endParaRPr lang="zh-CN" altLang="en-US" sz="800">
+              <a:latin typeface="Quicksand" panose="00000500000000000000" pitchFamily="2" charset="0"/>
+            </a:endParaRPr>
+          </a:p>
+        </p:txBody>
+      </p:sp>
+      <p:sp>
+        <p:nvSpPr>
+          <p:cNvPr id="4" name="矩形: 圆角 3">
+            <a:extLst>
+              <a:ext uri="{FF2B5EF4-FFF2-40B4-BE49-F238E27FC236}">
+                <a16:creationId xmlns:a16="http://schemas.microsoft.com/office/drawing/2014/main" id="{1F18D81F-4EEB-52C9-DDAB-2A9A2FD3E4C4}"/>
+              </a:ext>
+            </a:extLst>
+          </p:cNvPr>
+          <p:cNvSpPr/>
+          <p:nvPr/>
+        </p:nvSpPr>
+        <p:spPr>
+          <a:xfrm>
+            <a:off x="3927709" y="2831250"/>
+            <a:ext cx="900000" cy="216000"/>
+          </a:xfrm>
+          <a:prstGeom prst="roundRect">
+            <a:avLst/>
+          </a:prstGeom>
+          <a:solidFill>
+            <a:srgbClr val="F6A04D">
+              <a:alpha val="89804"/>
+            </a:srgbClr>
+          </a:solidFill>
+          <a:ln w="12700">
+            <a:solidFill>
+              <a:srgbClr val="F9BE83"/>
+            </a:solidFill>
+          </a:ln>
+        </p:spPr>
+        <p:style>
+          <a:lnRef idx="2">
+            <a:schemeClr val="accent1">
+              <a:shade val="15000"/>
+            </a:schemeClr>
+          </a:lnRef>
+          <a:fillRef idx="1">
+            <a:schemeClr val="accent1"/>
+          </a:fillRef>
+          <a:effectRef idx="0">
+            <a:schemeClr val="accent1"/>
+          </a:effectRef>
+          <a:fontRef idx="minor">
+            <a:schemeClr val="lt1"/>
+          </a:fontRef>
+        </p:style>
+        <p:txBody>
+          <a:bodyPr rtlCol="0" anchor="ctr"/>
+          <a:lstStyle/>
+          <a:p>
+            <a:pPr algn="ctr"/>
+            <a:r>
+              <a:rPr lang="en-US" altLang="zh-CN" sz="800">
+                <a:latin typeface="Quicksand" panose="00000500000000000000" pitchFamily="2" charset="0"/>
+              </a:rPr>
+              <a:t>&lt;input&gt;</a:t>
+            </a:r>
+            <a:endParaRPr lang="zh-CN" altLang="en-US" sz="800">
+              <a:latin typeface="Quicksand" panose="00000500000000000000" pitchFamily="2" charset="0"/>
+            </a:endParaRPr>
+          </a:p>
+        </p:txBody>
+      </p:sp>
+      <p:sp>
+        <p:nvSpPr>
+          <p:cNvPr id="5" name="矩形: 圆角 4">
+            <a:extLst>
+              <a:ext uri="{FF2B5EF4-FFF2-40B4-BE49-F238E27FC236}">
+                <a16:creationId xmlns:a16="http://schemas.microsoft.com/office/drawing/2014/main" id="{EB97BDCC-6E4E-184D-6DAB-20819D700092}"/>
+              </a:ext>
+            </a:extLst>
+          </p:cNvPr>
+          <p:cNvSpPr/>
+          <p:nvPr/>
+        </p:nvSpPr>
+        <p:spPr>
+          <a:xfrm>
+            <a:off x="3927709" y="3848030"/>
+            <a:ext cx="900000" cy="216000"/>
+          </a:xfrm>
+          <a:prstGeom prst="roundRect">
+            <a:avLst/>
+          </a:prstGeom>
+          <a:solidFill>
+            <a:srgbClr val="F9423A">
+              <a:alpha val="89804"/>
+            </a:srgbClr>
+          </a:solidFill>
+          <a:ln w="12700">
+            <a:solidFill>
+              <a:srgbClr val="FB746D"/>
+            </a:solidFill>
+          </a:ln>
+        </p:spPr>
+        <p:style>
+          <a:lnRef idx="2">
+            <a:schemeClr val="accent1">
+              <a:shade val="15000"/>
+            </a:schemeClr>
+          </a:lnRef>
+          <a:fillRef idx="1">
+            <a:schemeClr val="accent1"/>
+          </a:fillRef>
+          <a:effectRef idx="0">
+            <a:schemeClr val="accent1"/>
+          </a:effectRef>
+          <a:fontRef idx="minor">
+            <a:schemeClr val="lt1"/>
+          </a:fontRef>
+        </p:style>
+        <p:txBody>
+          <a:bodyPr rtlCol="0" anchor="ctr"/>
+          <a:lstStyle/>
+          <a:p>
+            <a:pPr algn="ctr"/>
+            <a:r>
+              <a:rPr lang="en-US" altLang="zh-CN" sz="800">
+                <a:latin typeface="Quicksand" panose="00000500000000000000" pitchFamily="2" charset="0"/>
+              </a:rPr>
+              <a:t>&lt;textarea&gt;</a:t>
+            </a:r>
+            <a:endParaRPr lang="zh-CN" altLang="en-US" sz="800">
+              <a:latin typeface="Quicksand" panose="00000500000000000000" pitchFamily="2" charset="0"/>
+            </a:endParaRPr>
+          </a:p>
+        </p:txBody>
+      </p:sp>
+      <p:sp>
+        <p:nvSpPr>
+          <p:cNvPr id="6" name="矩形: 圆角 5">
+            <a:extLst>
+              <a:ext uri="{FF2B5EF4-FFF2-40B4-BE49-F238E27FC236}">
+                <a16:creationId xmlns:a16="http://schemas.microsoft.com/office/drawing/2014/main" id="{01ED5A50-2641-F93A-FD3B-FE30FDC9AD06}"/>
+              </a:ext>
+            </a:extLst>
+          </p:cNvPr>
+          <p:cNvSpPr/>
+          <p:nvPr/>
+        </p:nvSpPr>
+        <p:spPr>
+          <a:xfrm>
+            <a:off x="3927709" y="4838966"/>
+            <a:ext cx="900000" cy="216000"/>
+          </a:xfrm>
+          <a:prstGeom prst="roundRect">
+            <a:avLst/>
+          </a:prstGeom>
+          <a:solidFill>
+            <a:srgbClr val="00BC7B">
+              <a:alpha val="89804"/>
+            </a:srgbClr>
+          </a:solidFill>
+          <a:ln w="12700">
+            <a:solidFill>
+              <a:srgbClr val="00DA8C"/>
+            </a:solidFill>
+          </a:ln>
+        </p:spPr>
+        <p:style>
+          <a:lnRef idx="2">
+            <a:schemeClr val="accent1">
+              <a:shade val="15000"/>
+            </a:schemeClr>
+          </a:lnRef>
+          <a:fillRef idx="1">
+            <a:schemeClr val="accent1"/>
+          </a:fillRef>
+          <a:effectRef idx="0">
+            <a:schemeClr val="accent1"/>
+          </a:effectRef>
+          <a:fontRef idx="minor">
+            <a:schemeClr val="lt1"/>
+          </a:fontRef>
+        </p:style>
+        <p:txBody>
+          <a:bodyPr rtlCol="0" anchor="ctr"/>
+          <a:lstStyle/>
+          <a:p>
+            <a:pPr algn="ctr"/>
+            <a:r>
+              <a:rPr lang="en-US" altLang="zh-CN" sz="800">
+                <a:latin typeface="Quicksand" panose="00000500000000000000" pitchFamily="2" charset="0"/>
+              </a:rPr>
+              <a:t>&lt;button&gt;</a:t>
+            </a:r>
+            <a:endParaRPr lang="zh-CN" altLang="en-US" sz="800">
+              <a:latin typeface="Quicksand" panose="00000500000000000000" pitchFamily="2" charset="0"/>
+            </a:endParaRPr>
+          </a:p>
+        </p:txBody>
+      </p:sp>
+      <p:sp>
+        <p:nvSpPr>
+          <p:cNvPr id="7" name="矩形: 圆角 6">
+            <a:extLst>
+              <a:ext uri="{FF2B5EF4-FFF2-40B4-BE49-F238E27FC236}">
+                <a16:creationId xmlns:a16="http://schemas.microsoft.com/office/drawing/2014/main" id="{59023D7C-4400-F241-9043-70269C89E310}"/>
+              </a:ext>
+            </a:extLst>
+          </p:cNvPr>
+          <p:cNvSpPr/>
+          <p:nvPr/>
+        </p:nvSpPr>
+        <p:spPr>
+          <a:xfrm>
+            <a:off x="4988680" y="2565107"/>
+            <a:ext cx="900000" cy="216000"/>
+          </a:xfrm>
+          <a:prstGeom prst="roundRect">
+            <a:avLst/>
+          </a:prstGeom>
+          <a:solidFill>
+            <a:srgbClr val="FDECDB">
+              <a:alpha val="89804"/>
+            </a:srgbClr>
+          </a:solidFill>
+          <a:ln w="12700">
+            <a:solidFill>
+              <a:srgbClr val="FDECDB"/>
+            </a:solidFill>
+          </a:ln>
+        </p:spPr>
+        <p:style>
+          <a:lnRef idx="2">
+            <a:schemeClr val="accent1">
+              <a:shade val="15000"/>
+            </a:schemeClr>
+          </a:lnRef>
+          <a:fillRef idx="1">
+            <a:schemeClr val="accent1"/>
+          </a:fillRef>
+          <a:effectRef idx="0">
+            <a:schemeClr val="accent1"/>
+          </a:effectRef>
+          <a:fontRef idx="minor">
+            <a:schemeClr val="lt1"/>
+          </a:fontRef>
+        </p:style>
+        <p:txBody>
+          <a:bodyPr rtlCol="0" anchor="ctr"/>
+          <a:lstStyle/>
+          <a:p>
+            <a:pPr algn="ctr"/>
+            <a:r>
+              <a:rPr lang="en-US" altLang="zh-CN" sz="800">
+                <a:solidFill>
+                  <a:sysClr val="windowText" lastClr="000000"/>
+                </a:solidFill>
+                <a:latin typeface="Quicksand Light" panose="00000400000000000000" pitchFamily="2" charset="0"/>
+              </a:rPr>
+              <a:t>type</a:t>
+            </a:r>
+            <a:endParaRPr lang="zh-CN" altLang="en-US" sz="800">
+              <a:solidFill>
+                <a:sysClr val="windowText" lastClr="000000"/>
+              </a:solidFill>
+              <a:latin typeface="Quicksand Light" panose="00000400000000000000" pitchFamily="2" charset="0"/>
+            </a:endParaRPr>
+          </a:p>
+        </p:txBody>
+      </p:sp>
+      <p:sp>
+        <p:nvSpPr>
+          <p:cNvPr id="8" name="矩形: 圆角 7">
+            <a:extLst>
+              <a:ext uri="{FF2B5EF4-FFF2-40B4-BE49-F238E27FC236}">
+                <a16:creationId xmlns:a16="http://schemas.microsoft.com/office/drawing/2014/main" id="{CEBD5C65-BB3D-F7B1-F562-80F4CF29D81A}"/>
+              </a:ext>
+            </a:extLst>
+          </p:cNvPr>
+          <p:cNvSpPr/>
+          <p:nvPr/>
+        </p:nvSpPr>
+        <p:spPr>
+          <a:xfrm>
+            <a:off x="4988680" y="2830241"/>
+            <a:ext cx="900000" cy="216000"/>
+          </a:xfrm>
+          <a:prstGeom prst="roundRect">
+            <a:avLst/>
+          </a:prstGeom>
+          <a:solidFill>
+            <a:srgbClr val="FDECDB">
+              <a:alpha val="89804"/>
+            </a:srgbClr>
+          </a:solidFill>
+          <a:ln w="12700">
+            <a:solidFill>
+              <a:srgbClr val="FDECDB"/>
+            </a:solidFill>
+          </a:ln>
+        </p:spPr>
+        <p:style>
+          <a:lnRef idx="2">
+            <a:schemeClr val="accent1">
+              <a:shade val="15000"/>
+            </a:schemeClr>
+          </a:lnRef>
+          <a:fillRef idx="1">
+            <a:schemeClr val="accent1"/>
+          </a:fillRef>
+          <a:effectRef idx="0">
+            <a:schemeClr val="accent1"/>
+          </a:effectRef>
+          <a:fontRef idx="minor">
+            <a:schemeClr val="lt1"/>
+          </a:fontRef>
+        </p:style>
+        <p:txBody>
+          <a:bodyPr rtlCol="0" anchor="ctr"/>
+          <a:lstStyle/>
+          <a:p>
+            <a:pPr algn="ctr"/>
+            <a:r>
+              <a:rPr lang="en-US" altLang="zh-CN" sz="800">
+                <a:solidFill>
+                  <a:sysClr val="windowText" lastClr="000000"/>
+                </a:solidFill>
+                <a:latin typeface="Quicksand Light" panose="00000400000000000000" pitchFamily="2" charset="0"/>
+              </a:rPr>
+              <a:t>name</a:t>
+            </a:r>
+            <a:endParaRPr lang="zh-CN" altLang="en-US" sz="800">
+              <a:solidFill>
+                <a:sysClr val="windowText" lastClr="000000"/>
+              </a:solidFill>
+              <a:latin typeface="Quicksand Light" panose="00000400000000000000" pitchFamily="2" charset="0"/>
+            </a:endParaRPr>
+          </a:p>
+        </p:txBody>
+      </p:sp>
+      <p:sp>
+        <p:nvSpPr>
+          <p:cNvPr id="9" name="矩形: 圆角 8">
+            <a:extLst>
+              <a:ext uri="{FF2B5EF4-FFF2-40B4-BE49-F238E27FC236}">
+                <a16:creationId xmlns:a16="http://schemas.microsoft.com/office/drawing/2014/main" id="{C598EE33-8D20-139F-ECAE-DDAACAEF26BC}"/>
+              </a:ext>
+            </a:extLst>
+          </p:cNvPr>
+          <p:cNvSpPr/>
+          <p:nvPr/>
+        </p:nvSpPr>
+        <p:spPr>
+          <a:xfrm>
+            <a:off x="4988680" y="3436876"/>
+            <a:ext cx="900000" cy="216000"/>
+          </a:xfrm>
+          <a:prstGeom prst="roundRect">
+            <a:avLst/>
+          </a:prstGeom>
+          <a:solidFill>
+            <a:srgbClr val="FED9D8">
+              <a:alpha val="89804"/>
+            </a:srgbClr>
+          </a:solidFill>
+          <a:ln w="12700">
+            <a:solidFill>
+              <a:srgbClr val="FED9D8"/>
+            </a:solidFill>
+          </a:ln>
+        </p:spPr>
+        <p:style>
+          <a:lnRef idx="2">
+            <a:schemeClr val="accent1">
+              <a:shade val="15000"/>
+            </a:schemeClr>
+          </a:lnRef>
+          <a:fillRef idx="1">
+            <a:schemeClr val="accent1"/>
+          </a:fillRef>
+          <a:effectRef idx="0">
+            <a:schemeClr val="accent1"/>
+          </a:effectRef>
+          <a:fontRef idx="minor">
+            <a:schemeClr val="lt1"/>
+          </a:fontRef>
+        </p:style>
+        <p:txBody>
+          <a:bodyPr rtlCol="0" anchor="ctr"/>
+          <a:lstStyle/>
+          <a:p>
+            <a:pPr algn="ctr"/>
+            <a:r>
+              <a:rPr lang="en-US" altLang="zh-CN" sz="800">
+                <a:solidFill>
+                  <a:sysClr val="windowText" lastClr="000000"/>
+                </a:solidFill>
+                <a:latin typeface="Quicksand Light" panose="00000400000000000000" pitchFamily="2" charset="0"/>
+              </a:rPr>
+              <a:t>name</a:t>
+            </a:r>
+            <a:endParaRPr lang="zh-CN" altLang="en-US" sz="800">
+              <a:solidFill>
+                <a:sysClr val="windowText" lastClr="000000"/>
+              </a:solidFill>
+              <a:latin typeface="Quicksand Light" panose="00000400000000000000" pitchFamily="2" charset="0"/>
+            </a:endParaRPr>
+          </a:p>
+        </p:txBody>
+      </p:sp>
+      <p:sp>
+        <p:nvSpPr>
+          <p:cNvPr id="10" name="矩形: 圆角 9">
+            <a:extLst>
+              <a:ext uri="{FF2B5EF4-FFF2-40B4-BE49-F238E27FC236}">
+                <a16:creationId xmlns:a16="http://schemas.microsoft.com/office/drawing/2014/main" id="{D9936E24-4268-54FD-68C7-167CEFD776C1}"/>
+              </a:ext>
+            </a:extLst>
+          </p:cNvPr>
+          <p:cNvSpPr/>
+          <p:nvPr/>
+        </p:nvSpPr>
+        <p:spPr>
+          <a:xfrm>
+            <a:off x="4988680" y="3710978"/>
+            <a:ext cx="900000" cy="216000"/>
+          </a:xfrm>
+          <a:prstGeom prst="roundRect">
+            <a:avLst/>
+          </a:prstGeom>
+          <a:solidFill>
+            <a:srgbClr val="FED9D8">
+              <a:alpha val="89804"/>
+            </a:srgbClr>
+          </a:solidFill>
+          <a:ln w="12700">
+            <a:solidFill>
+              <a:srgbClr val="FED9D8"/>
+            </a:solidFill>
+          </a:ln>
+        </p:spPr>
+        <p:style>
+          <a:lnRef idx="2">
+            <a:schemeClr val="accent1">
+              <a:shade val="15000"/>
+            </a:schemeClr>
+          </a:lnRef>
+          <a:fillRef idx="1">
+            <a:schemeClr val="accent1"/>
+          </a:fillRef>
+          <a:effectRef idx="0">
+            <a:schemeClr val="accent1"/>
+          </a:effectRef>
+          <a:fontRef idx="minor">
+            <a:schemeClr val="lt1"/>
+          </a:fontRef>
+        </p:style>
+        <p:txBody>
+          <a:bodyPr rtlCol="0" anchor="ctr"/>
+          <a:lstStyle/>
+          <a:p>
+            <a:pPr algn="ctr"/>
+            <a:r>
+              <a:rPr lang="en-US" altLang="zh-CN" sz="800">
+                <a:solidFill>
+                  <a:sysClr val="windowText" lastClr="000000"/>
+                </a:solidFill>
+                <a:latin typeface="Quicksand Light" panose="00000400000000000000" pitchFamily="2" charset="0"/>
+              </a:rPr>
+              <a:t>id</a:t>
+            </a:r>
+            <a:endParaRPr lang="zh-CN" altLang="en-US" sz="800">
+              <a:solidFill>
+                <a:sysClr val="windowText" lastClr="000000"/>
+              </a:solidFill>
+              <a:latin typeface="Quicksand Light" panose="00000400000000000000" pitchFamily="2" charset="0"/>
+            </a:endParaRPr>
+          </a:p>
+        </p:txBody>
+      </p:sp>
+      <p:sp>
+        <p:nvSpPr>
+          <p:cNvPr id="11" name="矩形: 圆角 10">
+            <a:extLst>
+              <a:ext uri="{FF2B5EF4-FFF2-40B4-BE49-F238E27FC236}">
+                <a16:creationId xmlns:a16="http://schemas.microsoft.com/office/drawing/2014/main" id="{6978A593-2965-942C-7422-00DB49F1DE93}"/>
+              </a:ext>
+            </a:extLst>
+          </p:cNvPr>
+          <p:cNvSpPr/>
+          <p:nvPr/>
+        </p:nvSpPr>
+        <p:spPr>
+          <a:xfrm>
+            <a:off x="4988680" y="4838966"/>
+            <a:ext cx="900000" cy="216000"/>
+          </a:xfrm>
+          <a:prstGeom prst="roundRect">
+            <a:avLst/>
+          </a:prstGeom>
+          <a:solidFill>
+            <a:srgbClr val="CCF2E5">
+              <a:alpha val="89804"/>
+            </a:srgbClr>
+          </a:solidFill>
+          <a:ln w="12700">
+            <a:solidFill>
+              <a:srgbClr val="CCF2E5"/>
+            </a:solidFill>
+          </a:ln>
+        </p:spPr>
+        <p:style>
+          <a:lnRef idx="2">
+            <a:schemeClr val="accent1">
+              <a:shade val="15000"/>
+            </a:schemeClr>
+          </a:lnRef>
+          <a:fillRef idx="1">
+            <a:schemeClr val="accent1"/>
+          </a:fillRef>
+          <a:effectRef idx="0">
+            <a:schemeClr val="accent1"/>
+          </a:effectRef>
+          <a:fontRef idx="minor">
+            <a:schemeClr val="lt1"/>
+          </a:fontRef>
+        </p:style>
+        <p:txBody>
+          <a:bodyPr rtlCol="0" anchor="ctr"/>
+          <a:lstStyle/>
+          <a:p>
+            <a:pPr algn="ctr"/>
+            <a:r>
+              <a:rPr lang="en-US" altLang="zh-CN" sz="800">
+                <a:solidFill>
+                  <a:sysClr val="windowText" lastClr="000000"/>
+                </a:solidFill>
+                <a:latin typeface="Quicksand Light" panose="00000400000000000000" pitchFamily="2" charset="0"/>
+              </a:rPr>
+              <a:t>type</a:t>
+            </a:r>
+            <a:endParaRPr lang="zh-CN" altLang="en-US" sz="800">
+              <a:solidFill>
+                <a:sysClr val="windowText" lastClr="000000"/>
+              </a:solidFill>
+              <a:latin typeface="Quicksand Light" panose="00000400000000000000" pitchFamily="2" charset="0"/>
+            </a:endParaRPr>
+          </a:p>
+        </p:txBody>
+      </p:sp>
+      <p:cxnSp>
+        <p:nvCxnSpPr>
+          <p:cNvPr id="13" name="连接符: 曲线 12">
+            <a:extLst>
+              <a:ext uri="{FF2B5EF4-FFF2-40B4-BE49-F238E27FC236}">
+                <a16:creationId xmlns:a16="http://schemas.microsoft.com/office/drawing/2014/main" id="{8B5B2614-7486-4CF8-A249-681946253CBB}"/>
+              </a:ext>
+            </a:extLst>
+          </p:cNvPr>
+          <p:cNvCxnSpPr>
+            <a:cxnSpLocks/>
+            <a:stCxn id="2" idx="3"/>
+            <a:endCxn id="3" idx="1"/>
+          </p:cNvCxnSpPr>
+          <p:nvPr/>
+        </p:nvCxnSpPr>
+        <p:spPr>
+          <a:xfrm flipV="1">
+            <a:off x="3691582" y="2046060"/>
+            <a:ext cx="236127" cy="1333054"/>
+          </a:xfrm>
+          <a:prstGeom prst="curvedConnector3">
+            <a:avLst/>
+          </a:prstGeom>
+          <a:ln>
+            <a:solidFill>
+              <a:schemeClr val="accent1">
+                <a:lumMod val="60000"/>
+                <a:lumOff val="40000"/>
+              </a:schemeClr>
+            </a:solidFill>
+          </a:ln>
+        </p:spPr>
+        <p:style>
+          <a:lnRef idx="1">
+            <a:schemeClr val="accent1"/>
+          </a:lnRef>
+          <a:fillRef idx="0">
+            <a:schemeClr val="accent1"/>
+          </a:fillRef>
+          <a:effectRef idx="0">
+            <a:schemeClr val="accent1"/>
+          </a:effectRef>
+          <a:fontRef idx="minor">
+            <a:schemeClr val="tx1"/>
+          </a:fontRef>
+        </p:style>
+      </p:cxnSp>
+      <p:cxnSp>
+        <p:nvCxnSpPr>
+          <p:cNvPr id="14" name="连接符: 曲线 13">
+            <a:extLst>
+              <a:ext uri="{FF2B5EF4-FFF2-40B4-BE49-F238E27FC236}">
+                <a16:creationId xmlns:a16="http://schemas.microsoft.com/office/drawing/2014/main" id="{A2CA93E7-3ACB-2AE1-2338-905444F039C2}"/>
+              </a:ext>
+            </a:extLst>
+          </p:cNvPr>
+          <p:cNvCxnSpPr>
+            <a:stCxn id="2" idx="3"/>
+            <a:endCxn id="5" idx="1"/>
+          </p:cNvCxnSpPr>
+          <p:nvPr/>
+        </p:nvCxnSpPr>
+        <p:spPr>
+          <a:xfrm>
+            <a:off x="3691582" y="3379114"/>
+            <a:ext cx="236127" cy="576916"/>
+          </a:xfrm>
+          <a:prstGeom prst="curvedConnector3">
+            <a:avLst/>
+          </a:prstGeom>
+          <a:ln>
+            <a:solidFill>
+              <a:srgbClr val="FF0000"/>
+            </a:solidFill>
+          </a:ln>
+        </p:spPr>
+        <p:style>
+          <a:lnRef idx="1">
+            <a:schemeClr val="accent1"/>
+          </a:lnRef>
+          <a:fillRef idx="0">
+            <a:schemeClr val="accent1"/>
+          </a:fillRef>
+          <a:effectRef idx="0">
+            <a:schemeClr val="accent1"/>
+          </a:effectRef>
+          <a:fontRef idx="minor">
+            <a:schemeClr val="tx1"/>
+          </a:fontRef>
+        </p:style>
+      </p:cxnSp>
+      <p:cxnSp>
+        <p:nvCxnSpPr>
+          <p:cNvPr id="15" name="连接符: 曲线 14">
+            <a:extLst>
+              <a:ext uri="{FF2B5EF4-FFF2-40B4-BE49-F238E27FC236}">
+                <a16:creationId xmlns:a16="http://schemas.microsoft.com/office/drawing/2014/main" id="{A72B5DF3-A433-D7D9-2476-9B575D397825}"/>
+              </a:ext>
+            </a:extLst>
+          </p:cNvPr>
+          <p:cNvCxnSpPr>
+            <a:stCxn id="2" idx="3"/>
+            <a:endCxn id="6" idx="1"/>
+          </p:cNvCxnSpPr>
+          <p:nvPr/>
+        </p:nvCxnSpPr>
+        <p:spPr>
+          <a:xfrm>
+            <a:off x="3691582" y="3379114"/>
+            <a:ext cx="236127" cy="1567852"/>
+          </a:xfrm>
+          <a:prstGeom prst="curvedConnector3">
+            <a:avLst/>
+          </a:prstGeom>
+          <a:ln>
+            <a:solidFill>
+              <a:srgbClr val="92D050"/>
+            </a:solidFill>
+          </a:ln>
+        </p:spPr>
+        <p:style>
+          <a:lnRef idx="1">
+            <a:schemeClr val="accent1"/>
+          </a:lnRef>
+          <a:fillRef idx="0">
+            <a:schemeClr val="accent1"/>
+          </a:fillRef>
+          <a:effectRef idx="0">
+            <a:schemeClr val="accent1"/>
+          </a:effectRef>
+          <a:fontRef idx="minor">
+            <a:schemeClr val="tx1"/>
+          </a:fontRef>
+        </p:style>
+      </p:cxnSp>
+      <p:cxnSp>
+        <p:nvCxnSpPr>
+          <p:cNvPr id="16" name="连接符: 曲线 15">
+            <a:extLst>
+              <a:ext uri="{FF2B5EF4-FFF2-40B4-BE49-F238E27FC236}">
+                <a16:creationId xmlns:a16="http://schemas.microsoft.com/office/drawing/2014/main" id="{C58DDE9E-18EF-7C53-E85C-41285081569F}"/>
+              </a:ext>
+            </a:extLst>
+          </p:cNvPr>
+          <p:cNvCxnSpPr>
+            <a:stCxn id="4" idx="1"/>
+            <a:endCxn id="2" idx="3"/>
+          </p:cNvCxnSpPr>
+          <p:nvPr/>
+        </p:nvCxnSpPr>
+        <p:spPr>
+          <a:xfrm rot="10800000" flipV="1">
+            <a:off x="3691583" y="2939250"/>
+            <a:ext cx="236127" cy="439864"/>
+          </a:xfrm>
+          <a:prstGeom prst="curvedConnector3">
+            <a:avLst/>
+          </a:prstGeom>
+          <a:ln>
+            <a:solidFill>
+              <a:srgbClr val="FFC000"/>
+            </a:solidFill>
+          </a:ln>
+        </p:spPr>
+        <p:style>
+          <a:lnRef idx="1">
+            <a:schemeClr val="accent1"/>
+          </a:lnRef>
+          <a:fillRef idx="0">
+            <a:schemeClr val="accent1"/>
+          </a:fillRef>
+          <a:effectRef idx="0">
+            <a:schemeClr val="accent1"/>
+          </a:effectRef>
+          <a:fontRef idx="minor">
+            <a:schemeClr val="tx1"/>
+          </a:fontRef>
+        </p:style>
+      </p:cxnSp>
+      <p:cxnSp>
+        <p:nvCxnSpPr>
+          <p:cNvPr id="17" name="连接符: 曲线 16">
+            <a:extLst>
+              <a:ext uri="{FF2B5EF4-FFF2-40B4-BE49-F238E27FC236}">
+                <a16:creationId xmlns:a16="http://schemas.microsoft.com/office/drawing/2014/main" id="{E69FC54E-13DD-B71F-9D98-126846B73463}"/>
+              </a:ext>
+            </a:extLst>
+          </p:cNvPr>
+          <p:cNvCxnSpPr>
+            <a:stCxn id="4" idx="3"/>
+            <a:endCxn id="7" idx="1"/>
+          </p:cNvCxnSpPr>
+          <p:nvPr/>
+        </p:nvCxnSpPr>
+        <p:spPr>
+          <a:xfrm flipV="1">
+            <a:off x="4827709" y="2673107"/>
+            <a:ext cx="160971" cy="266143"/>
+          </a:xfrm>
+          <a:prstGeom prst="curvedConnector3">
+            <a:avLst/>
+          </a:prstGeom>
+          <a:ln>
+            <a:solidFill>
+              <a:srgbClr val="FFC000"/>
+            </a:solidFill>
+          </a:ln>
+        </p:spPr>
+        <p:style>
+          <a:lnRef idx="1">
+            <a:schemeClr val="accent1"/>
+          </a:lnRef>
+          <a:fillRef idx="0">
+            <a:schemeClr val="accent1"/>
+          </a:fillRef>
+          <a:effectRef idx="0">
+            <a:schemeClr val="accent1"/>
+          </a:effectRef>
+          <a:fontRef idx="minor">
+            <a:schemeClr val="tx1"/>
+          </a:fontRef>
+        </p:style>
+      </p:cxnSp>
+      <p:cxnSp>
+        <p:nvCxnSpPr>
+          <p:cNvPr id="18" name="连接符: 曲线 17">
+            <a:extLst>
+              <a:ext uri="{FF2B5EF4-FFF2-40B4-BE49-F238E27FC236}">
+                <a16:creationId xmlns:a16="http://schemas.microsoft.com/office/drawing/2014/main" id="{9AD3C269-EF46-F38A-17FD-4520302749B1}"/>
+              </a:ext>
+            </a:extLst>
+          </p:cNvPr>
+          <p:cNvCxnSpPr>
+            <a:cxnSpLocks/>
+            <a:stCxn id="23" idx="1"/>
+            <a:endCxn id="4" idx="3"/>
+          </p:cNvCxnSpPr>
+          <p:nvPr/>
+        </p:nvCxnSpPr>
+        <p:spPr>
+          <a:xfrm rot="10800000">
+            <a:off x="4827710" y="2939250"/>
+            <a:ext cx="160971" cy="266142"/>
+          </a:xfrm>
+          <a:prstGeom prst="curvedConnector3">
+            <a:avLst/>
+          </a:prstGeom>
+          <a:ln>
+            <a:solidFill>
+              <a:srgbClr val="FFC000"/>
+            </a:solidFill>
+          </a:ln>
+        </p:spPr>
+        <p:style>
+          <a:lnRef idx="1">
+            <a:schemeClr val="accent1"/>
+          </a:lnRef>
+          <a:fillRef idx="0">
+            <a:schemeClr val="accent1"/>
+          </a:fillRef>
+          <a:effectRef idx="0">
+            <a:schemeClr val="accent1"/>
+          </a:effectRef>
+          <a:fontRef idx="minor">
+            <a:schemeClr val="tx1"/>
+          </a:fontRef>
+        </p:style>
+      </p:cxnSp>
+      <p:cxnSp>
+        <p:nvCxnSpPr>
+          <p:cNvPr id="19" name="连接符: 曲线 18">
+            <a:extLst>
+              <a:ext uri="{FF2B5EF4-FFF2-40B4-BE49-F238E27FC236}">
+                <a16:creationId xmlns:a16="http://schemas.microsoft.com/office/drawing/2014/main" id="{E380FCC4-9B98-7472-E252-8A68662EA21E}"/>
+              </a:ext>
+            </a:extLst>
+          </p:cNvPr>
+          <p:cNvCxnSpPr>
+            <a:stCxn id="5" idx="3"/>
+            <a:endCxn id="9" idx="1"/>
+          </p:cNvCxnSpPr>
+          <p:nvPr/>
+        </p:nvCxnSpPr>
+        <p:spPr>
+          <a:xfrm flipV="1">
+            <a:off x="4827709" y="3544876"/>
+            <a:ext cx="160971" cy="411154"/>
+          </a:xfrm>
+          <a:prstGeom prst="curvedConnector3">
+            <a:avLst/>
+          </a:prstGeom>
+          <a:ln>
+            <a:solidFill>
+              <a:srgbClr val="FF0000"/>
+            </a:solidFill>
+          </a:ln>
+        </p:spPr>
+        <p:style>
+          <a:lnRef idx="1">
+            <a:schemeClr val="accent1"/>
+          </a:lnRef>
+          <a:fillRef idx="0">
+            <a:schemeClr val="accent1"/>
+          </a:fillRef>
+          <a:effectRef idx="0">
+            <a:schemeClr val="accent1"/>
+          </a:effectRef>
+          <a:fontRef idx="minor">
+            <a:schemeClr val="tx1"/>
+          </a:fontRef>
+        </p:style>
+      </p:cxnSp>
+      <p:cxnSp>
+        <p:nvCxnSpPr>
+          <p:cNvPr id="20" name="连接符: 曲线 19">
+            <a:extLst>
+              <a:ext uri="{FF2B5EF4-FFF2-40B4-BE49-F238E27FC236}">
+                <a16:creationId xmlns:a16="http://schemas.microsoft.com/office/drawing/2014/main" id="{09626C45-BBC6-47DC-7646-AF112E30BD5E}"/>
+              </a:ext>
+            </a:extLst>
+          </p:cNvPr>
+          <p:cNvCxnSpPr>
+            <a:cxnSpLocks/>
+            <a:stCxn id="58" idx="1"/>
+            <a:endCxn id="5" idx="3"/>
+          </p:cNvCxnSpPr>
+          <p:nvPr/>
+        </p:nvCxnSpPr>
+        <p:spPr>
+          <a:xfrm rot="10800000">
+            <a:off x="4827710" y="3956030"/>
+            <a:ext cx="160971" cy="137050"/>
+          </a:xfrm>
+          <a:prstGeom prst="curvedConnector3">
+            <a:avLst/>
+          </a:prstGeom>
+          <a:ln>
+            <a:solidFill>
+              <a:srgbClr val="FF0000"/>
+            </a:solidFill>
+          </a:ln>
+        </p:spPr>
+        <p:style>
+          <a:lnRef idx="1">
+            <a:schemeClr val="accent1"/>
+          </a:lnRef>
+          <a:fillRef idx="0">
+            <a:schemeClr val="accent1"/>
+          </a:fillRef>
+          <a:effectRef idx="0">
+            <a:schemeClr val="accent1"/>
+          </a:effectRef>
+          <a:fontRef idx="minor">
+            <a:schemeClr val="tx1"/>
+          </a:fontRef>
+        </p:style>
+      </p:cxnSp>
+      <p:sp>
+        <p:nvSpPr>
+          <p:cNvPr id="23" name="矩形: 圆角 22">
+            <a:extLst>
+              <a:ext uri="{FF2B5EF4-FFF2-40B4-BE49-F238E27FC236}">
+                <a16:creationId xmlns:a16="http://schemas.microsoft.com/office/drawing/2014/main" id="{C28DCA0B-E729-C9E5-DCEB-AAC0337C77BE}"/>
+              </a:ext>
+            </a:extLst>
+          </p:cNvPr>
+          <p:cNvSpPr/>
+          <p:nvPr/>
+        </p:nvSpPr>
+        <p:spPr>
+          <a:xfrm>
+            <a:off x="4988680" y="3097392"/>
+            <a:ext cx="900000" cy="216000"/>
+          </a:xfrm>
+          <a:prstGeom prst="roundRect">
+            <a:avLst/>
+          </a:prstGeom>
+          <a:solidFill>
+            <a:srgbClr val="FDECDB">
+              <a:alpha val="89804"/>
+            </a:srgbClr>
+          </a:solidFill>
+          <a:ln w="12700">
+            <a:solidFill>
+              <a:srgbClr val="FDECDB"/>
+            </a:solidFill>
+          </a:ln>
+        </p:spPr>
+        <p:style>
+          <a:lnRef idx="2">
+            <a:schemeClr val="accent1">
+              <a:shade val="15000"/>
+            </a:schemeClr>
+          </a:lnRef>
+          <a:fillRef idx="1">
+            <a:schemeClr val="accent1"/>
+          </a:fillRef>
+          <a:effectRef idx="0">
+            <a:schemeClr val="accent1"/>
+          </a:effectRef>
+          <a:fontRef idx="minor">
+            <a:schemeClr val="lt1"/>
+          </a:fontRef>
+        </p:style>
+        <p:txBody>
+          <a:bodyPr rtlCol="0" anchor="ctr"/>
+          <a:lstStyle/>
+          <a:p>
+            <a:pPr algn="ctr"/>
+            <a:r>
+              <a:rPr lang="en-US" altLang="zh-CN" sz="800">
+                <a:solidFill>
+                  <a:sysClr val="windowText" lastClr="000000"/>
+                </a:solidFill>
+                <a:latin typeface="Quicksand Light" panose="00000400000000000000" pitchFamily="2" charset="0"/>
+              </a:rPr>
+              <a:t>id</a:t>
+            </a:r>
+            <a:endParaRPr lang="zh-CN" altLang="en-US" sz="800">
+              <a:solidFill>
+                <a:sysClr val="windowText" lastClr="000000"/>
+              </a:solidFill>
+              <a:latin typeface="Quicksand Light" panose="00000400000000000000" pitchFamily="2" charset="0"/>
+            </a:endParaRPr>
+          </a:p>
+        </p:txBody>
+      </p:sp>
+      <p:sp>
+        <p:nvSpPr>
+          <p:cNvPr id="24" name="矩形: 圆角 23">
+            <a:extLst>
+              <a:ext uri="{FF2B5EF4-FFF2-40B4-BE49-F238E27FC236}">
+                <a16:creationId xmlns:a16="http://schemas.microsoft.com/office/drawing/2014/main" id="{6E359F64-DB7D-CF56-6D69-7CDD668C0618}"/>
+              </a:ext>
+            </a:extLst>
+          </p:cNvPr>
+          <p:cNvSpPr/>
+          <p:nvPr/>
+        </p:nvSpPr>
+        <p:spPr>
+          <a:xfrm>
+            <a:off x="4988680" y="1943682"/>
+            <a:ext cx="900000" cy="216000"/>
+          </a:xfrm>
+          <a:prstGeom prst="roundRect">
+            <a:avLst/>
+          </a:prstGeom>
+          <a:solidFill>
+            <a:srgbClr val="6D91D1">
+              <a:alpha val="89804"/>
+            </a:srgbClr>
+          </a:solidFill>
+          <a:ln w="12700">
+            <a:solidFill>
+              <a:schemeClr val="accent1">
+                <a:lumMod val="60000"/>
+                <a:lumOff val="40000"/>
+              </a:schemeClr>
+            </a:solidFill>
+          </a:ln>
+        </p:spPr>
+        <p:style>
+          <a:lnRef idx="2">
+            <a:schemeClr val="accent1">
+              <a:shade val="15000"/>
+            </a:schemeClr>
+          </a:lnRef>
+          <a:fillRef idx="1">
+            <a:schemeClr val="accent1"/>
+          </a:fillRef>
+          <a:effectRef idx="0">
+            <a:schemeClr val="accent1"/>
+          </a:effectRef>
+          <a:fontRef idx="minor">
+            <a:schemeClr val="lt1"/>
+          </a:fontRef>
+        </p:style>
+        <p:txBody>
+          <a:bodyPr rtlCol="0" anchor="ctr"/>
+          <a:lstStyle/>
+          <a:p>
+            <a:pPr algn="ctr"/>
+            <a:r>
+              <a:rPr lang="en-US" altLang="zh-CN" sz="800">
+                <a:latin typeface="Quicksand" panose="00000500000000000000" pitchFamily="2" charset="0"/>
+              </a:rPr>
+              <a:t>for</a:t>
+            </a:r>
+            <a:endParaRPr lang="zh-CN" altLang="en-US" sz="800">
+              <a:latin typeface="Quicksand" panose="00000500000000000000" pitchFamily="2" charset="0"/>
+            </a:endParaRPr>
+          </a:p>
+        </p:txBody>
+      </p:sp>
+      <p:sp>
+        <p:nvSpPr>
+          <p:cNvPr id="25" name="矩形: 圆角 24">
+            <a:extLst>
+              <a:ext uri="{FF2B5EF4-FFF2-40B4-BE49-F238E27FC236}">
+                <a16:creationId xmlns:a16="http://schemas.microsoft.com/office/drawing/2014/main" id="{0C604421-37C1-756C-7B73-6463DCFA65A5}"/>
+              </a:ext>
+            </a:extLst>
+          </p:cNvPr>
+          <p:cNvSpPr/>
+          <p:nvPr/>
+        </p:nvSpPr>
+        <p:spPr>
+          <a:xfrm>
+            <a:off x="6057780" y="1943932"/>
+            <a:ext cx="900000" cy="216000"/>
+          </a:xfrm>
+          <a:prstGeom prst="roundRect">
+            <a:avLst/>
+          </a:prstGeom>
+          <a:solidFill>
+            <a:srgbClr val="F87F57">
+              <a:alpha val="89804"/>
+            </a:srgbClr>
+          </a:solidFill>
+          <a:ln w="12700">
+            <a:solidFill>
+              <a:srgbClr val="FDECDB"/>
+            </a:solidFill>
+          </a:ln>
+        </p:spPr>
+        <p:style>
+          <a:lnRef idx="2">
+            <a:schemeClr val="accent1">
+              <a:shade val="15000"/>
+            </a:schemeClr>
+          </a:lnRef>
+          <a:fillRef idx="1">
+            <a:schemeClr val="accent1"/>
+          </a:fillRef>
+          <a:effectRef idx="0">
+            <a:schemeClr val="accent1"/>
+          </a:effectRef>
+          <a:fontRef idx="minor">
+            <a:schemeClr val="lt1"/>
+          </a:fontRef>
+        </p:style>
+        <p:txBody>
+          <a:bodyPr rtlCol="0" anchor="ctr"/>
+          <a:lstStyle/>
+          <a:p>
+            <a:pPr algn="ctr"/>
+            <a:r>
+              <a:rPr lang="en-US" altLang="zh-CN" sz="800">
+                <a:solidFill>
+                  <a:schemeClr val="bg1"/>
+                </a:solidFill>
+                <a:latin typeface="Quicksand Light" panose="00000400000000000000" pitchFamily="2" charset="0"/>
+              </a:rPr>
+              <a:t>text</a:t>
+            </a:r>
+            <a:endParaRPr lang="zh-CN" altLang="en-US" sz="800">
+              <a:solidFill>
+                <a:schemeClr val="bg1"/>
+              </a:solidFill>
+              <a:latin typeface="Quicksand Light" panose="00000400000000000000" pitchFamily="2" charset="0"/>
+            </a:endParaRPr>
+          </a:p>
+        </p:txBody>
+      </p:sp>
+      <p:sp>
+        <p:nvSpPr>
+          <p:cNvPr id="26" name="矩形: 圆角 25">
+            <a:extLst>
+              <a:ext uri="{FF2B5EF4-FFF2-40B4-BE49-F238E27FC236}">
+                <a16:creationId xmlns:a16="http://schemas.microsoft.com/office/drawing/2014/main" id="{00038D7F-385D-2345-2DBA-32B639EF5D3A}"/>
+              </a:ext>
+            </a:extLst>
+          </p:cNvPr>
+          <p:cNvSpPr/>
+          <p:nvPr/>
+        </p:nvSpPr>
+        <p:spPr>
+          <a:xfrm>
+            <a:off x="6057780" y="2224041"/>
+            <a:ext cx="900000" cy="216000"/>
+          </a:xfrm>
+          <a:prstGeom prst="roundRect">
+            <a:avLst/>
+          </a:prstGeom>
+          <a:solidFill>
+            <a:srgbClr val="F87F57">
+              <a:alpha val="89804"/>
+            </a:srgbClr>
+          </a:solidFill>
+          <a:ln w="12700">
+            <a:solidFill>
+              <a:srgbClr val="FDECDB"/>
+            </a:solidFill>
+          </a:ln>
+        </p:spPr>
+        <p:style>
+          <a:lnRef idx="2">
+            <a:schemeClr val="accent1">
+              <a:shade val="15000"/>
+            </a:schemeClr>
+          </a:lnRef>
+          <a:fillRef idx="1">
+            <a:schemeClr val="accent1"/>
+          </a:fillRef>
+          <a:effectRef idx="0">
+            <a:schemeClr val="accent1"/>
+          </a:effectRef>
+          <a:fontRef idx="minor">
+            <a:schemeClr val="lt1"/>
+          </a:fontRef>
+        </p:style>
+        <p:txBody>
+          <a:bodyPr rtlCol="0" anchor="ctr"/>
+          <a:lstStyle/>
+          <a:p>
+            <a:pPr algn="ctr"/>
+            <a:r>
+              <a:rPr lang="en-US" altLang="zh-CN" sz="800">
+                <a:solidFill>
+                  <a:schemeClr val="bg1"/>
+                </a:solidFill>
+                <a:latin typeface="Quicksand Light" panose="00000400000000000000" pitchFamily="2" charset="0"/>
+              </a:rPr>
+              <a:t>password</a:t>
+            </a:r>
+            <a:endParaRPr lang="zh-CN" altLang="en-US" sz="800">
+              <a:solidFill>
+                <a:schemeClr val="bg1"/>
+              </a:solidFill>
+              <a:latin typeface="Quicksand Light" panose="00000400000000000000" pitchFamily="2" charset="0"/>
+            </a:endParaRPr>
+          </a:p>
+        </p:txBody>
+      </p:sp>
+      <p:sp>
+        <p:nvSpPr>
+          <p:cNvPr id="27" name="矩形: 圆角 26">
+            <a:extLst>
+              <a:ext uri="{FF2B5EF4-FFF2-40B4-BE49-F238E27FC236}">
+                <a16:creationId xmlns:a16="http://schemas.microsoft.com/office/drawing/2014/main" id="{8C58B27E-9EDF-2603-8A2C-88C8201B54FE}"/>
+              </a:ext>
+            </a:extLst>
+          </p:cNvPr>
+          <p:cNvSpPr/>
+          <p:nvPr/>
+        </p:nvSpPr>
+        <p:spPr>
+          <a:xfrm>
+            <a:off x="6057780" y="2834363"/>
+            <a:ext cx="900000" cy="216000"/>
+          </a:xfrm>
+          <a:prstGeom prst="roundRect">
+            <a:avLst/>
+          </a:prstGeom>
+          <a:solidFill>
+            <a:srgbClr val="F87F57">
+              <a:alpha val="89804"/>
+            </a:srgbClr>
+          </a:solidFill>
+          <a:ln w="12700">
+            <a:solidFill>
+              <a:srgbClr val="FDECDB"/>
+            </a:solidFill>
+          </a:ln>
+        </p:spPr>
+        <p:style>
+          <a:lnRef idx="2">
+            <a:schemeClr val="accent1">
+              <a:shade val="15000"/>
+            </a:schemeClr>
+          </a:lnRef>
+          <a:fillRef idx="1">
+            <a:schemeClr val="accent1"/>
+          </a:fillRef>
+          <a:effectRef idx="0">
+            <a:schemeClr val="accent1"/>
+          </a:effectRef>
+          <a:fontRef idx="minor">
+            <a:schemeClr val="lt1"/>
+          </a:fontRef>
+        </p:style>
+        <p:txBody>
+          <a:bodyPr rtlCol="0" anchor="ctr"/>
+          <a:lstStyle/>
+          <a:p>
+            <a:pPr algn="ctr"/>
+            <a:r>
+              <a:rPr lang="en-US" altLang="zh-CN" sz="800">
+                <a:solidFill>
+                  <a:schemeClr val="bg1"/>
+                </a:solidFill>
+                <a:latin typeface="Quicksand Light" panose="00000400000000000000" pitchFamily="2" charset="0"/>
+              </a:rPr>
+              <a:t>radio</a:t>
+            </a:r>
+            <a:endParaRPr lang="zh-CN" altLang="en-US" sz="800">
+              <a:solidFill>
+                <a:schemeClr val="bg1"/>
+              </a:solidFill>
+              <a:latin typeface="Quicksand Light" panose="00000400000000000000" pitchFamily="2" charset="0"/>
+            </a:endParaRPr>
+          </a:p>
+        </p:txBody>
+      </p:sp>
+      <p:cxnSp>
+        <p:nvCxnSpPr>
+          <p:cNvPr id="28" name="连接符: 曲线 27">
+            <a:extLst>
+              <a:ext uri="{FF2B5EF4-FFF2-40B4-BE49-F238E27FC236}">
+                <a16:creationId xmlns:a16="http://schemas.microsoft.com/office/drawing/2014/main" id="{7DFA1551-73F5-4C28-AE50-579B119B5BF0}"/>
+              </a:ext>
+            </a:extLst>
+          </p:cNvPr>
+          <p:cNvCxnSpPr>
+            <a:cxnSpLocks/>
+            <a:stCxn id="7" idx="3"/>
+            <a:endCxn id="25" idx="1"/>
+          </p:cNvCxnSpPr>
+          <p:nvPr/>
+        </p:nvCxnSpPr>
+        <p:spPr>
+          <a:xfrm flipV="1">
+            <a:off x="5888680" y="2051932"/>
+            <a:ext cx="169100" cy="621175"/>
+          </a:xfrm>
+          <a:prstGeom prst="curvedConnector3">
+            <a:avLst/>
+          </a:prstGeom>
+          <a:ln>
+            <a:solidFill>
+              <a:srgbClr val="FFC000"/>
+            </a:solidFill>
+          </a:ln>
+        </p:spPr>
+        <p:style>
+          <a:lnRef idx="1">
+            <a:schemeClr val="accent1"/>
+          </a:lnRef>
+          <a:fillRef idx="0">
+            <a:schemeClr val="accent1"/>
+          </a:fillRef>
+          <a:effectRef idx="0">
+            <a:schemeClr val="accent1"/>
+          </a:effectRef>
+          <a:fontRef idx="minor">
+            <a:schemeClr val="tx1"/>
+          </a:fontRef>
+        </p:style>
+      </p:cxnSp>
+      <p:cxnSp>
+        <p:nvCxnSpPr>
+          <p:cNvPr id="34" name="连接符: 曲线 33">
+            <a:extLst>
+              <a:ext uri="{FF2B5EF4-FFF2-40B4-BE49-F238E27FC236}">
+                <a16:creationId xmlns:a16="http://schemas.microsoft.com/office/drawing/2014/main" id="{5727ED6B-E94F-5BBD-2645-A22F1B3616AA}"/>
+              </a:ext>
+            </a:extLst>
+          </p:cNvPr>
+          <p:cNvCxnSpPr>
+            <a:cxnSpLocks/>
+            <a:stCxn id="7" idx="3"/>
+            <a:endCxn id="27" idx="1"/>
+          </p:cNvCxnSpPr>
+          <p:nvPr/>
+        </p:nvCxnSpPr>
+        <p:spPr>
+          <a:xfrm>
+            <a:off x="5888680" y="2673107"/>
+            <a:ext cx="169100" cy="269256"/>
+          </a:xfrm>
+          <a:prstGeom prst="curvedConnector3">
+            <a:avLst/>
+          </a:prstGeom>
+          <a:ln>
+            <a:solidFill>
+              <a:srgbClr val="FFC000"/>
+            </a:solidFill>
+          </a:ln>
+        </p:spPr>
+        <p:style>
+          <a:lnRef idx="1">
+            <a:schemeClr val="accent1"/>
+          </a:lnRef>
+          <a:fillRef idx="0">
+            <a:schemeClr val="accent1"/>
+          </a:fillRef>
+          <a:effectRef idx="0">
+            <a:schemeClr val="accent1"/>
+          </a:effectRef>
+          <a:fontRef idx="minor">
+            <a:schemeClr val="tx1"/>
+          </a:fontRef>
+        </p:style>
+      </p:cxnSp>
+      <p:cxnSp>
+        <p:nvCxnSpPr>
+          <p:cNvPr id="39" name="直接连接符 38">
+            <a:extLst>
+              <a:ext uri="{FF2B5EF4-FFF2-40B4-BE49-F238E27FC236}">
+                <a16:creationId xmlns:a16="http://schemas.microsoft.com/office/drawing/2014/main" id="{D1CE9601-FA08-0404-FE7A-A37A7AA55BD0}"/>
+              </a:ext>
+            </a:extLst>
+          </p:cNvPr>
+          <p:cNvCxnSpPr>
+            <a:cxnSpLocks/>
+            <a:stCxn id="6" idx="3"/>
+            <a:endCxn id="11" idx="1"/>
+          </p:cNvCxnSpPr>
+          <p:nvPr/>
+        </p:nvCxnSpPr>
+        <p:spPr>
+          <a:xfrm>
+            <a:off x="4827709" y="4946966"/>
+            <a:ext cx="160971" cy="0"/>
+          </a:xfrm>
+          <a:prstGeom prst="line">
+            <a:avLst/>
+          </a:prstGeom>
+          <a:ln>
+            <a:solidFill>
+              <a:srgbClr val="92D050"/>
+            </a:solidFill>
+          </a:ln>
+        </p:spPr>
+        <p:style>
+          <a:lnRef idx="1">
+            <a:schemeClr val="accent1"/>
+          </a:lnRef>
+          <a:fillRef idx="0">
+            <a:schemeClr val="accent1"/>
+          </a:fillRef>
+          <a:effectRef idx="0">
+            <a:schemeClr val="accent1"/>
+          </a:effectRef>
+          <a:fontRef idx="minor">
+            <a:schemeClr val="tx1"/>
+          </a:fontRef>
+        </p:style>
+      </p:cxnSp>
+      <p:cxnSp>
+        <p:nvCxnSpPr>
+          <p:cNvPr id="42" name="直接连接符 41">
+            <a:extLst>
+              <a:ext uri="{FF2B5EF4-FFF2-40B4-BE49-F238E27FC236}">
+                <a16:creationId xmlns:a16="http://schemas.microsoft.com/office/drawing/2014/main" id="{7A91A333-0123-02A2-969D-4DA8DABDA848}"/>
+              </a:ext>
+            </a:extLst>
+          </p:cNvPr>
+          <p:cNvCxnSpPr>
+            <a:cxnSpLocks/>
+            <a:stCxn id="3" idx="3"/>
+            <a:endCxn id="24" idx="1"/>
+          </p:cNvCxnSpPr>
+          <p:nvPr/>
+        </p:nvCxnSpPr>
+        <p:spPr>
+          <a:xfrm>
+            <a:off x="4827709" y="2046060"/>
+            <a:ext cx="160971" cy="5622"/>
+          </a:xfrm>
+          <a:prstGeom prst="line">
+            <a:avLst/>
+          </a:prstGeom>
+          <a:ln>
+            <a:solidFill>
+              <a:schemeClr val="accent1">
+                <a:lumMod val="60000"/>
+                <a:lumOff val="40000"/>
+              </a:schemeClr>
+            </a:solidFill>
+          </a:ln>
+        </p:spPr>
+        <p:style>
+          <a:lnRef idx="1">
+            <a:schemeClr val="accent1"/>
+          </a:lnRef>
+          <a:fillRef idx="0">
+            <a:schemeClr val="accent1"/>
+          </a:fillRef>
+          <a:effectRef idx="0">
+            <a:schemeClr val="accent1"/>
+          </a:effectRef>
+          <a:fontRef idx="minor">
+            <a:schemeClr val="tx1"/>
+          </a:fontRef>
+        </p:style>
+      </p:cxnSp>
+      <p:cxnSp>
+        <p:nvCxnSpPr>
+          <p:cNvPr id="46" name="直接连接符 45">
+            <a:extLst>
+              <a:ext uri="{FF2B5EF4-FFF2-40B4-BE49-F238E27FC236}">
+                <a16:creationId xmlns:a16="http://schemas.microsoft.com/office/drawing/2014/main" id="{76F1E01D-F6DC-49FF-56A7-FCFB2D5AF116}"/>
+              </a:ext>
+            </a:extLst>
+          </p:cNvPr>
+          <p:cNvCxnSpPr>
+            <a:cxnSpLocks/>
+            <a:stCxn id="4" idx="3"/>
+            <a:endCxn id="8" idx="1"/>
+          </p:cNvCxnSpPr>
+          <p:nvPr/>
+        </p:nvCxnSpPr>
+        <p:spPr>
+          <a:xfrm flipV="1">
+            <a:off x="4827709" y="2938241"/>
+            <a:ext cx="160971" cy="1009"/>
+          </a:xfrm>
+          <a:prstGeom prst="line">
+            <a:avLst/>
+          </a:prstGeom>
+          <a:ln>
+            <a:solidFill>
+              <a:srgbClr val="FFC000"/>
+            </a:solidFill>
+          </a:ln>
+        </p:spPr>
+        <p:style>
+          <a:lnRef idx="1">
+            <a:schemeClr val="accent1"/>
+          </a:lnRef>
+          <a:fillRef idx="0">
+            <a:schemeClr val="accent1"/>
+          </a:fillRef>
+          <a:effectRef idx="0">
+            <a:schemeClr val="accent1"/>
+          </a:effectRef>
+          <a:fontRef idx="minor">
+            <a:schemeClr val="tx1"/>
+          </a:fontRef>
+        </p:style>
+      </p:cxnSp>
+      <p:sp>
+        <p:nvSpPr>
+          <p:cNvPr id="50" name="矩形: 圆角 49">
+            <a:extLst>
+              <a:ext uri="{FF2B5EF4-FFF2-40B4-BE49-F238E27FC236}">
+                <a16:creationId xmlns:a16="http://schemas.microsoft.com/office/drawing/2014/main" id="{58AAABB9-3154-4A0D-0375-6856BBE16E89}"/>
+              </a:ext>
+            </a:extLst>
+          </p:cNvPr>
+          <p:cNvSpPr/>
+          <p:nvPr/>
+        </p:nvSpPr>
+        <p:spPr>
+          <a:xfrm>
+            <a:off x="7279720" y="2083987"/>
+            <a:ext cx="900000" cy="216000"/>
+          </a:xfrm>
+          <a:prstGeom prst="roundRect">
+            <a:avLst/>
+          </a:prstGeom>
+          <a:solidFill>
+            <a:srgbClr val="FDECDB">
+              <a:alpha val="89804"/>
+            </a:srgbClr>
+          </a:solidFill>
+          <a:ln w="12700">
+            <a:solidFill>
+              <a:srgbClr val="FDECDB"/>
+            </a:solidFill>
+          </a:ln>
+        </p:spPr>
+        <p:style>
+          <a:lnRef idx="2">
+            <a:schemeClr val="accent1">
+              <a:shade val="15000"/>
+            </a:schemeClr>
+          </a:lnRef>
+          <a:fillRef idx="1">
+            <a:schemeClr val="accent1"/>
+          </a:fillRef>
+          <a:effectRef idx="0">
+            <a:schemeClr val="accent1"/>
+          </a:effectRef>
+          <a:fontRef idx="minor">
+            <a:schemeClr val="lt1"/>
+          </a:fontRef>
+        </p:style>
+        <p:txBody>
+          <a:bodyPr rtlCol="0" anchor="ctr"/>
+          <a:lstStyle/>
+          <a:p>
+            <a:pPr algn="ctr"/>
+            <a:r>
+              <a:rPr lang="en-US" altLang="zh-CN" sz="800">
+                <a:solidFill>
+                  <a:sysClr val="windowText" lastClr="000000"/>
+                </a:solidFill>
+                <a:latin typeface="Quicksand Light" panose="00000400000000000000" pitchFamily="2" charset="0"/>
+              </a:rPr>
+              <a:t>placeholder</a:t>
+            </a:r>
+            <a:endParaRPr lang="zh-CN" altLang="en-US" sz="800">
+              <a:solidFill>
+                <a:sysClr val="windowText" lastClr="000000"/>
+              </a:solidFill>
+              <a:latin typeface="Quicksand Light" panose="00000400000000000000" pitchFamily="2" charset="0"/>
+            </a:endParaRPr>
+          </a:p>
+        </p:txBody>
+      </p:sp>
+      <p:sp>
+        <p:nvSpPr>
+          <p:cNvPr id="58" name="矩形: 圆角 57">
+            <a:extLst>
+              <a:ext uri="{FF2B5EF4-FFF2-40B4-BE49-F238E27FC236}">
+                <a16:creationId xmlns:a16="http://schemas.microsoft.com/office/drawing/2014/main" id="{BCD0C830-E273-C6A9-558C-7D736BFE7434}"/>
+              </a:ext>
+            </a:extLst>
+          </p:cNvPr>
+          <p:cNvSpPr/>
+          <p:nvPr/>
+        </p:nvSpPr>
+        <p:spPr>
+          <a:xfrm>
+            <a:off x="4988680" y="3985080"/>
+            <a:ext cx="900000" cy="216000"/>
+          </a:xfrm>
+          <a:prstGeom prst="roundRect">
+            <a:avLst/>
+          </a:prstGeom>
+          <a:solidFill>
+            <a:srgbClr val="FED9D8">
+              <a:alpha val="89804"/>
+            </a:srgbClr>
+          </a:solidFill>
+          <a:ln w="12700">
+            <a:solidFill>
+              <a:srgbClr val="FED9D8"/>
+            </a:solidFill>
+          </a:ln>
+        </p:spPr>
+        <p:style>
+          <a:lnRef idx="2">
+            <a:schemeClr val="accent1">
+              <a:shade val="15000"/>
+            </a:schemeClr>
+          </a:lnRef>
+          <a:fillRef idx="1">
+            <a:schemeClr val="accent1"/>
+          </a:fillRef>
+          <a:effectRef idx="0">
+            <a:schemeClr val="accent1"/>
+          </a:effectRef>
+          <a:fontRef idx="minor">
+            <a:schemeClr val="lt1"/>
+          </a:fontRef>
+        </p:style>
+        <p:txBody>
+          <a:bodyPr rtlCol="0" anchor="ctr"/>
+          <a:lstStyle/>
+          <a:p>
+            <a:pPr algn="ctr"/>
+            <a:r>
+              <a:rPr lang="en-US" altLang="zh-CN" sz="800">
+                <a:solidFill>
+                  <a:sysClr val="windowText" lastClr="000000"/>
+                </a:solidFill>
+                <a:latin typeface="Quicksand Light" panose="00000400000000000000" pitchFamily="2" charset="0"/>
+              </a:rPr>
+              <a:t>placeholder</a:t>
+            </a:r>
+            <a:endParaRPr lang="zh-CN" altLang="en-US" sz="800">
+              <a:solidFill>
+                <a:sysClr val="windowText" lastClr="000000"/>
+              </a:solidFill>
+              <a:latin typeface="Quicksand Light" panose="00000400000000000000" pitchFamily="2" charset="0"/>
+            </a:endParaRPr>
+          </a:p>
+        </p:txBody>
+      </p:sp>
+      <p:sp>
+        <p:nvSpPr>
+          <p:cNvPr id="62" name="矩形: 圆角 61">
+            <a:extLst>
+              <a:ext uri="{FF2B5EF4-FFF2-40B4-BE49-F238E27FC236}">
+                <a16:creationId xmlns:a16="http://schemas.microsoft.com/office/drawing/2014/main" id="{E710C501-2527-BEFC-0FFE-66EFB498E50B}"/>
+              </a:ext>
+            </a:extLst>
+          </p:cNvPr>
+          <p:cNvSpPr/>
+          <p:nvPr/>
+        </p:nvSpPr>
+        <p:spPr>
+          <a:xfrm>
+            <a:off x="6096000" y="4570701"/>
+            <a:ext cx="900000" cy="216000"/>
+          </a:xfrm>
+          <a:prstGeom prst="roundRect">
+            <a:avLst/>
+          </a:prstGeom>
+          <a:solidFill>
+            <a:srgbClr val="CCF2E5">
+              <a:alpha val="89804"/>
+            </a:srgbClr>
+          </a:solidFill>
+          <a:ln w="12700">
+            <a:solidFill>
+              <a:srgbClr val="CCF2E5"/>
+            </a:solidFill>
+          </a:ln>
+        </p:spPr>
+        <p:style>
+          <a:lnRef idx="2">
+            <a:schemeClr val="accent1">
+              <a:shade val="15000"/>
+            </a:schemeClr>
+          </a:lnRef>
+          <a:fillRef idx="1">
+            <a:schemeClr val="accent1"/>
+          </a:fillRef>
+          <a:effectRef idx="0">
+            <a:schemeClr val="accent1"/>
+          </a:effectRef>
+          <a:fontRef idx="minor">
+            <a:schemeClr val="lt1"/>
+          </a:fontRef>
+        </p:style>
+        <p:txBody>
+          <a:bodyPr rtlCol="0" anchor="ctr"/>
+          <a:lstStyle/>
+          <a:p>
+            <a:pPr algn="ctr"/>
+            <a:r>
+              <a:rPr lang="en-US" altLang="zh-CN" sz="800">
+                <a:solidFill>
+                  <a:sysClr val="windowText" lastClr="000000"/>
+                </a:solidFill>
+                <a:latin typeface="Quicksand Light" panose="00000400000000000000" pitchFamily="2" charset="0"/>
+              </a:rPr>
+              <a:t>submit</a:t>
+            </a:r>
+            <a:endParaRPr lang="zh-CN" altLang="en-US" sz="800">
+              <a:solidFill>
+                <a:sysClr val="windowText" lastClr="000000"/>
+              </a:solidFill>
+              <a:latin typeface="Quicksand Light" panose="00000400000000000000" pitchFamily="2" charset="0"/>
+            </a:endParaRPr>
+          </a:p>
+        </p:txBody>
+      </p:sp>
+      <p:sp>
+        <p:nvSpPr>
+          <p:cNvPr id="63" name="矩形: 圆角 62">
+            <a:extLst>
+              <a:ext uri="{FF2B5EF4-FFF2-40B4-BE49-F238E27FC236}">
+                <a16:creationId xmlns:a16="http://schemas.microsoft.com/office/drawing/2014/main" id="{1AA6DD07-0405-4ABD-10F2-00C7B376C54E}"/>
+              </a:ext>
+            </a:extLst>
+          </p:cNvPr>
+          <p:cNvSpPr/>
+          <p:nvPr/>
+        </p:nvSpPr>
+        <p:spPr>
+          <a:xfrm>
+            <a:off x="6096000" y="4838966"/>
+            <a:ext cx="900000" cy="216000"/>
+          </a:xfrm>
+          <a:prstGeom prst="roundRect">
+            <a:avLst/>
+          </a:prstGeom>
+          <a:solidFill>
+            <a:srgbClr val="CCF2E5">
+              <a:alpha val="89804"/>
+            </a:srgbClr>
+          </a:solidFill>
+          <a:ln w="12700">
+            <a:solidFill>
+              <a:srgbClr val="CCF2E5"/>
+            </a:solidFill>
+          </a:ln>
+        </p:spPr>
+        <p:style>
+          <a:lnRef idx="2">
+            <a:schemeClr val="accent1">
+              <a:shade val="15000"/>
+            </a:schemeClr>
+          </a:lnRef>
+          <a:fillRef idx="1">
+            <a:schemeClr val="accent1"/>
+          </a:fillRef>
+          <a:effectRef idx="0">
+            <a:schemeClr val="accent1"/>
+          </a:effectRef>
+          <a:fontRef idx="minor">
+            <a:schemeClr val="lt1"/>
+          </a:fontRef>
+        </p:style>
+        <p:txBody>
+          <a:bodyPr rtlCol="0" anchor="ctr"/>
+          <a:lstStyle/>
+          <a:p>
+            <a:pPr algn="ctr"/>
+            <a:r>
+              <a:rPr lang="en-US" altLang="zh-CN" sz="800">
+                <a:solidFill>
+                  <a:sysClr val="windowText" lastClr="000000"/>
+                </a:solidFill>
+                <a:latin typeface="Quicksand Light" panose="00000400000000000000" pitchFamily="2" charset="0"/>
+              </a:rPr>
+              <a:t>reset</a:t>
+            </a:r>
+            <a:endParaRPr lang="zh-CN" altLang="en-US" sz="800">
+              <a:solidFill>
+                <a:sysClr val="windowText" lastClr="000000"/>
+              </a:solidFill>
+              <a:latin typeface="Quicksand Light" panose="00000400000000000000" pitchFamily="2" charset="0"/>
+            </a:endParaRPr>
+          </a:p>
+        </p:txBody>
+      </p:sp>
+      <p:sp>
+        <p:nvSpPr>
+          <p:cNvPr id="64" name="矩形: 圆角 63">
+            <a:extLst>
+              <a:ext uri="{FF2B5EF4-FFF2-40B4-BE49-F238E27FC236}">
+                <a16:creationId xmlns:a16="http://schemas.microsoft.com/office/drawing/2014/main" id="{41143DFE-6D50-8DDF-E467-6A1AAF27FFE5}"/>
+              </a:ext>
+            </a:extLst>
+          </p:cNvPr>
+          <p:cNvSpPr/>
+          <p:nvPr/>
+        </p:nvSpPr>
+        <p:spPr>
+          <a:xfrm>
+            <a:off x="6096000" y="5107232"/>
+            <a:ext cx="900000" cy="216000"/>
+          </a:xfrm>
+          <a:prstGeom prst="roundRect">
+            <a:avLst/>
+          </a:prstGeom>
+          <a:solidFill>
+            <a:srgbClr val="CCF2E5">
+              <a:alpha val="89804"/>
+            </a:srgbClr>
+          </a:solidFill>
+          <a:ln w="12700">
+            <a:solidFill>
+              <a:srgbClr val="CCF2E5"/>
+            </a:solidFill>
+          </a:ln>
+        </p:spPr>
+        <p:style>
+          <a:lnRef idx="2">
+            <a:schemeClr val="accent1">
+              <a:shade val="15000"/>
+            </a:schemeClr>
+          </a:lnRef>
+          <a:fillRef idx="1">
+            <a:schemeClr val="accent1"/>
+          </a:fillRef>
+          <a:effectRef idx="0">
+            <a:schemeClr val="accent1"/>
+          </a:effectRef>
+          <a:fontRef idx="minor">
+            <a:schemeClr val="lt1"/>
+          </a:fontRef>
+        </p:style>
+        <p:txBody>
+          <a:bodyPr rtlCol="0" anchor="ctr"/>
+          <a:lstStyle/>
+          <a:p>
+            <a:pPr algn="ctr"/>
+            <a:r>
+              <a:rPr lang="en-US" altLang="zh-CN" sz="800">
+                <a:solidFill>
+                  <a:sysClr val="windowText" lastClr="000000"/>
+                </a:solidFill>
+                <a:latin typeface="Quicksand Light" panose="00000400000000000000" pitchFamily="2" charset="0"/>
+              </a:rPr>
+              <a:t>button</a:t>
+            </a:r>
+            <a:endParaRPr lang="zh-CN" altLang="en-US" sz="800">
+              <a:solidFill>
+                <a:sysClr val="windowText" lastClr="000000"/>
+              </a:solidFill>
+              <a:latin typeface="Quicksand Light" panose="00000400000000000000" pitchFamily="2" charset="0"/>
+            </a:endParaRPr>
+          </a:p>
+        </p:txBody>
+      </p:sp>
+      <p:cxnSp>
+        <p:nvCxnSpPr>
+          <p:cNvPr id="65" name="直接连接符 64">
+            <a:extLst>
+              <a:ext uri="{FF2B5EF4-FFF2-40B4-BE49-F238E27FC236}">
+                <a16:creationId xmlns:a16="http://schemas.microsoft.com/office/drawing/2014/main" id="{0AD81138-BEF5-5730-C7E8-69B7F57D6411}"/>
+              </a:ext>
+            </a:extLst>
+          </p:cNvPr>
+          <p:cNvCxnSpPr>
+            <a:cxnSpLocks/>
+            <a:stCxn id="11" idx="3"/>
+            <a:endCxn id="63" idx="1"/>
+          </p:cNvCxnSpPr>
+          <p:nvPr/>
+        </p:nvCxnSpPr>
+        <p:spPr>
+          <a:xfrm>
+            <a:off x="5888680" y="4946966"/>
+            <a:ext cx="207320" cy="0"/>
+          </a:xfrm>
+          <a:prstGeom prst="line">
+            <a:avLst/>
+          </a:prstGeom>
+          <a:ln>
+            <a:solidFill>
+              <a:srgbClr val="92D050"/>
+            </a:solidFill>
+          </a:ln>
+        </p:spPr>
+        <p:style>
+          <a:lnRef idx="1">
+            <a:schemeClr val="accent1"/>
+          </a:lnRef>
+          <a:fillRef idx="0">
+            <a:schemeClr val="accent1"/>
+          </a:fillRef>
+          <a:effectRef idx="0">
+            <a:schemeClr val="accent1"/>
+          </a:effectRef>
+          <a:fontRef idx="minor">
+            <a:schemeClr val="tx1"/>
+          </a:fontRef>
+        </p:style>
+      </p:cxnSp>
+      <p:cxnSp>
+        <p:nvCxnSpPr>
+          <p:cNvPr id="69" name="连接符: 曲线 68">
+            <a:extLst>
+              <a:ext uri="{FF2B5EF4-FFF2-40B4-BE49-F238E27FC236}">
+                <a16:creationId xmlns:a16="http://schemas.microsoft.com/office/drawing/2014/main" id="{C3880AB9-44DB-574E-16DF-557B03E0D9EB}"/>
+              </a:ext>
+            </a:extLst>
+          </p:cNvPr>
+          <p:cNvCxnSpPr>
+            <a:stCxn id="62" idx="1"/>
+            <a:endCxn id="11" idx="3"/>
+          </p:cNvCxnSpPr>
+          <p:nvPr/>
+        </p:nvCxnSpPr>
+        <p:spPr>
+          <a:xfrm rot="10800000" flipV="1">
+            <a:off x="5888680" y="4678700"/>
+            <a:ext cx="207320" cy="268265"/>
+          </a:xfrm>
+          <a:prstGeom prst="curvedConnector3">
+            <a:avLst/>
+          </a:prstGeom>
+          <a:ln>
+            <a:solidFill>
+              <a:srgbClr val="92D050"/>
+            </a:solidFill>
+          </a:ln>
+        </p:spPr>
+        <p:style>
+          <a:lnRef idx="1">
+            <a:schemeClr val="accent1"/>
+          </a:lnRef>
+          <a:fillRef idx="0">
+            <a:schemeClr val="accent1"/>
+          </a:fillRef>
+          <a:effectRef idx="0">
+            <a:schemeClr val="accent1"/>
+          </a:effectRef>
+          <a:fontRef idx="minor">
+            <a:schemeClr val="tx1"/>
+          </a:fontRef>
+        </p:style>
+      </p:cxnSp>
+      <p:cxnSp>
+        <p:nvCxnSpPr>
+          <p:cNvPr id="71" name="连接符: 曲线 70">
+            <a:extLst>
+              <a:ext uri="{FF2B5EF4-FFF2-40B4-BE49-F238E27FC236}">
+                <a16:creationId xmlns:a16="http://schemas.microsoft.com/office/drawing/2014/main" id="{42E1D754-A645-B651-5F08-3F63927D9AAD}"/>
+              </a:ext>
+            </a:extLst>
+          </p:cNvPr>
+          <p:cNvCxnSpPr>
+            <a:stCxn id="64" idx="1"/>
+            <a:endCxn id="11" idx="3"/>
+          </p:cNvCxnSpPr>
+          <p:nvPr/>
+        </p:nvCxnSpPr>
+        <p:spPr>
+          <a:xfrm rot="10800000">
+            <a:off x="5888680" y="4946966"/>
+            <a:ext cx="207320" cy="268266"/>
+          </a:xfrm>
+          <a:prstGeom prst="curvedConnector3">
+            <a:avLst/>
+          </a:prstGeom>
+          <a:ln>
+            <a:solidFill>
+              <a:srgbClr val="92D050"/>
+            </a:solidFill>
+          </a:ln>
+        </p:spPr>
+        <p:style>
+          <a:lnRef idx="1">
+            <a:schemeClr val="accent1"/>
+          </a:lnRef>
+          <a:fillRef idx="0">
+            <a:schemeClr val="accent1"/>
+          </a:fillRef>
+          <a:effectRef idx="0">
+            <a:schemeClr val="accent1"/>
+          </a:effectRef>
+          <a:fontRef idx="minor">
+            <a:schemeClr val="tx1"/>
+          </a:fontRef>
+        </p:style>
+      </p:cxnSp>
+      <p:sp>
+        <p:nvSpPr>
+          <p:cNvPr id="72" name="矩形: 圆角 71">
+            <a:extLst>
+              <a:ext uri="{FF2B5EF4-FFF2-40B4-BE49-F238E27FC236}">
+                <a16:creationId xmlns:a16="http://schemas.microsoft.com/office/drawing/2014/main" id="{903E92A5-949C-FBA0-49E2-DEA3E21FC78D}"/>
+              </a:ext>
+            </a:extLst>
+          </p:cNvPr>
+          <p:cNvSpPr/>
+          <p:nvPr/>
+        </p:nvSpPr>
+        <p:spPr>
+          <a:xfrm>
+            <a:off x="7279720" y="2694309"/>
+            <a:ext cx="900000" cy="216000"/>
+          </a:xfrm>
+          <a:prstGeom prst="roundRect">
+            <a:avLst/>
+          </a:prstGeom>
+          <a:solidFill>
+            <a:srgbClr val="FDECDB">
+              <a:alpha val="89804"/>
+            </a:srgbClr>
+          </a:solidFill>
+          <a:ln w="12700">
+            <a:solidFill>
+              <a:srgbClr val="FDECDB"/>
+            </a:solidFill>
+          </a:ln>
+        </p:spPr>
+        <p:style>
+          <a:lnRef idx="2">
+            <a:schemeClr val="accent1">
+              <a:shade val="15000"/>
+            </a:schemeClr>
+          </a:lnRef>
+          <a:fillRef idx="1">
+            <a:schemeClr val="accent1"/>
+          </a:fillRef>
+          <a:effectRef idx="0">
+            <a:schemeClr val="accent1"/>
+          </a:effectRef>
+          <a:fontRef idx="minor">
+            <a:schemeClr val="lt1"/>
+          </a:fontRef>
+        </p:style>
+        <p:txBody>
+          <a:bodyPr rtlCol="0" anchor="ctr"/>
+          <a:lstStyle/>
+          <a:p>
+            <a:pPr algn="ctr"/>
+            <a:r>
+              <a:rPr lang="en-US" altLang="zh-CN" sz="800">
+                <a:solidFill>
+                  <a:sysClr val="windowText" lastClr="000000"/>
+                </a:solidFill>
+                <a:latin typeface="Quicksand Light" panose="00000400000000000000" pitchFamily="2" charset="0"/>
+              </a:rPr>
+              <a:t>value</a:t>
+            </a:r>
+            <a:endParaRPr lang="zh-CN" altLang="en-US" sz="800">
+              <a:solidFill>
+                <a:sysClr val="windowText" lastClr="000000"/>
+              </a:solidFill>
+              <a:latin typeface="Quicksand Light" panose="00000400000000000000" pitchFamily="2" charset="0"/>
+            </a:endParaRPr>
+          </a:p>
+        </p:txBody>
+      </p:sp>
+      <p:sp>
+        <p:nvSpPr>
+          <p:cNvPr id="73" name="矩形: 圆角 72">
+            <a:extLst>
+              <a:ext uri="{FF2B5EF4-FFF2-40B4-BE49-F238E27FC236}">
+                <a16:creationId xmlns:a16="http://schemas.microsoft.com/office/drawing/2014/main" id="{B2A026AB-1FE7-E13C-3690-2D59A7DC0E76}"/>
+              </a:ext>
+            </a:extLst>
+          </p:cNvPr>
+          <p:cNvSpPr/>
+          <p:nvPr/>
+        </p:nvSpPr>
+        <p:spPr>
+          <a:xfrm>
+            <a:off x="7279720" y="2974417"/>
+            <a:ext cx="900000" cy="216000"/>
+          </a:xfrm>
+          <a:prstGeom prst="roundRect">
+            <a:avLst/>
+          </a:prstGeom>
+          <a:solidFill>
+            <a:srgbClr val="FDECDB">
+              <a:alpha val="89804"/>
+            </a:srgbClr>
+          </a:solidFill>
+          <a:ln w="12700">
+            <a:solidFill>
+              <a:srgbClr val="FDECDB"/>
+            </a:solidFill>
+          </a:ln>
+        </p:spPr>
+        <p:style>
+          <a:lnRef idx="2">
+            <a:schemeClr val="accent1">
+              <a:shade val="15000"/>
+            </a:schemeClr>
+          </a:lnRef>
+          <a:fillRef idx="1">
+            <a:schemeClr val="accent1"/>
+          </a:fillRef>
+          <a:effectRef idx="0">
+            <a:schemeClr val="accent1"/>
+          </a:effectRef>
+          <a:fontRef idx="minor">
+            <a:schemeClr val="lt1"/>
+          </a:fontRef>
+        </p:style>
+        <p:txBody>
+          <a:bodyPr rtlCol="0" anchor="ctr"/>
+          <a:lstStyle/>
+          <a:p>
+            <a:pPr algn="ctr"/>
+            <a:r>
+              <a:rPr lang="en-US" altLang="zh-CN" sz="800">
+                <a:solidFill>
+                  <a:sysClr val="windowText" lastClr="000000"/>
+                </a:solidFill>
+                <a:latin typeface="Quicksand Light" panose="00000400000000000000" pitchFamily="2" charset="0"/>
+              </a:rPr>
+              <a:t>hidden</a:t>
+            </a:r>
+            <a:endParaRPr lang="zh-CN" altLang="en-US" sz="800">
+              <a:solidFill>
+                <a:sysClr val="windowText" lastClr="000000"/>
+              </a:solidFill>
+              <a:latin typeface="Quicksand Light" panose="00000400000000000000" pitchFamily="2" charset="0"/>
+            </a:endParaRPr>
+          </a:p>
+        </p:txBody>
+      </p:sp>
+      <p:cxnSp>
+        <p:nvCxnSpPr>
+          <p:cNvPr id="82" name="连接符: 曲线 81">
+            <a:extLst>
+              <a:ext uri="{FF2B5EF4-FFF2-40B4-BE49-F238E27FC236}">
+                <a16:creationId xmlns:a16="http://schemas.microsoft.com/office/drawing/2014/main" id="{E646E216-D49A-51CF-F9E8-587FA7117716}"/>
+              </a:ext>
+            </a:extLst>
+          </p:cNvPr>
+          <p:cNvCxnSpPr>
+            <a:cxnSpLocks/>
+            <a:stCxn id="27" idx="3"/>
+            <a:endCxn id="99" idx="1"/>
+          </p:cNvCxnSpPr>
+          <p:nvPr/>
+        </p:nvCxnSpPr>
+        <p:spPr>
+          <a:xfrm>
+            <a:off x="6957780" y="2942363"/>
+            <a:ext cx="321940" cy="420164"/>
+          </a:xfrm>
+          <a:prstGeom prst="curvedConnector3">
+            <a:avLst>
+              <a:gd name="adj1" fmla="val 50000"/>
+            </a:avLst>
+          </a:prstGeom>
+          <a:ln>
+            <a:solidFill>
+              <a:srgbClr val="FFC000"/>
+            </a:solidFill>
+          </a:ln>
+        </p:spPr>
+        <p:style>
+          <a:lnRef idx="1">
+            <a:schemeClr val="accent1"/>
+          </a:lnRef>
+          <a:fillRef idx="0">
+            <a:schemeClr val="accent1"/>
+          </a:fillRef>
+          <a:effectRef idx="0">
+            <a:schemeClr val="accent1"/>
+          </a:effectRef>
+          <a:fontRef idx="minor">
+            <a:schemeClr val="tx1"/>
+          </a:fontRef>
+        </p:style>
+      </p:cxnSp>
+      <p:cxnSp>
+        <p:nvCxnSpPr>
+          <p:cNvPr id="83" name="连接符: 曲线 82">
+            <a:extLst>
+              <a:ext uri="{FF2B5EF4-FFF2-40B4-BE49-F238E27FC236}">
+                <a16:creationId xmlns:a16="http://schemas.microsoft.com/office/drawing/2014/main" id="{7FD483EC-C2E8-49DD-E220-713594CB9A7F}"/>
+              </a:ext>
+            </a:extLst>
+          </p:cNvPr>
+          <p:cNvCxnSpPr>
+            <a:cxnSpLocks/>
+            <a:stCxn id="108" idx="3"/>
+            <a:endCxn id="72" idx="1"/>
+          </p:cNvCxnSpPr>
+          <p:nvPr/>
+        </p:nvCxnSpPr>
+        <p:spPr>
+          <a:xfrm flipV="1">
+            <a:off x="6949650" y="2802309"/>
+            <a:ext cx="330070" cy="420162"/>
+          </a:xfrm>
+          <a:prstGeom prst="curvedConnector3">
+            <a:avLst>
+              <a:gd name="adj1" fmla="val 50000"/>
+            </a:avLst>
+          </a:prstGeom>
+          <a:ln>
+            <a:solidFill>
+              <a:srgbClr val="FFC000"/>
+            </a:solidFill>
+          </a:ln>
+        </p:spPr>
+        <p:style>
+          <a:lnRef idx="1">
+            <a:schemeClr val="accent1"/>
+          </a:lnRef>
+          <a:fillRef idx="0">
+            <a:schemeClr val="accent1"/>
+          </a:fillRef>
+          <a:effectRef idx="0">
+            <a:schemeClr val="accent1"/>
+          </a:effectRef>
+          <a:fontRef idx="minor">
+            <a:schemeClr val="tx1"/>
+          </a:fontRef>
+        </p:style>
+      </p:cxnSp>
+      <p:sp>
+        <p:nvSpPr>
+          <p:cNvPr id="99" name="矩形: 圆角 98">
+            <a:extLst>
+              <a:ext uri="{FF2B5EF4-FFF2-40B4-BE49-F238E27FC236}">
+                <a16:creationId xmlns:a16="http://schemas.microsoft.com/office/drawing/2014/main" id="{E65A18CE-ACBE-A555-CD25-C5D31C3EF1F8}"/>
+              </a:ext>
+            </a:extLst>
+          </p:cNvPr>
+          <p:cNvSpPr/>
+          <p:nvPr/>
+        </p:nvSpPr>
+        <p:spPr>
+          <a:xfrm>
+            <a:off x="7279720" y="3254527"/>
+            <a:ext cx="900000" cy="216000"/>
+          </a:xfrm>
+          <a:prstGeom prst="roundRect">
+            <a:avLst/>
+          </a:prstGeom>
+          <a:solidFill>
+            <a:srgbClr val="FDECDB">
+              <a:alpha val="89804"/>
+            </a:srgbClr>
+          </a:solidFill>
+          <a:ln w="12700">
+            <a:solidFill>
+              <a:srgbClr val="FDECDB"/>
+            </a:solidFill>
+          </a:ln>
+        </p:spPr>
+        <p:style>
+          <a:lnRef idx="2">
+            <a:schemeClr val="accent1">
+              <a:shade val="15000"/>
+            </a:schemeClr>
+          </a:lnRef>
+          <a:fillRef idx="1">
+            <a:schemeClr val="accent1"/>
+          </a:fillRef>
+          <a:effectRef idx="0">
+            <a:schemeClr val="accent1"/>
+          </a:effectRef>
+          <a:fontRef idx="minor">
+            <a:schemeClr val="lt1"/>
+          </a:fontRef>
+        </p:style>
+        <p:txBody>
+          <a:bodyPr rtlCol="0" anchor="ctr"/>
+          <a:lstStyle/>
+          <a:p>
+            <a:pPr algn="ctr"/>
+            <a:r>
+              <a:rPr lang="en-US" altLang="zh-CN" sz="800">
+                <a:solidFill>
+                  <a:sysClr val="windowText" lastClr="000000"/>
+                </a:solidFill>
+                <a:latin typeface="Quicksand Light" panose="00000400000000000000" pitchFamily="2" charset="0"/>
+              </a:rPr>
+              <a:t>checked</a:t>
+            </a:r>
+            <a:endParaRPr lang="zh-CN" altLang="en-US" sz="800">
+              <a:solidFill>
+                <a:sysClr val="windowText" lastClr="000000"/>
+              </a:solidFill>
+              <a:latin typeface="Quicksand Light" panose="00000400000000000000" pitchFamily="2" charset="0"/>
+            </a:endParaRPr>
+          </a:p>
+        </p:txBody>
+      </p:sp>
+      <p:sp>
+        <p:nvSpPr>
+          <p:cNvPr id="100" name="矩形: 圆角 99">
+            <a:extLst>
+              <a:ext uri="{FF2B5EF4-FFF2-40B4-BE49-F238E27FC236}">
+                <a16:creationId xmlns:a16="http://schemas.microsoft.com/office/drawing/2014/main" id="{7379FF89-A584-320C-1B6B-9E2F4C8E96E1}"/>
+              </a:ext>
+            </a:extLst>
+          </p:cNvPr>
+          <p:cNvSpPr/>
+          <p:nvPr/>
+        </p:nvSpPr>
+        <p:spPr>
+          <a:xfrm>
+            <a:off x="7279720" y="1803878"/>
+            <a:ext cx="900000" cy="216000"/>
+          </a:xfrm>
+          <a:prstGeom prst="roundRect">
+            <a:avLst/>
+          </a:prstGeom>
+          <a:solidFill>
+            <a:srgbClr val="FDECDB">
+              <a:alpha val="89804"/>
+            </a:srgbClr>
+          </a:solidFill>
+          <a:ln w="12700">
+            <a:solidFill>
+              <a:srgbClr val="FDECDB"/>
+            </a:solidFill>
+          </a:ln>
+        </p:spPr>
+        <p:style>
+          <a:lnRef idx="2">
+            <a:schemeClr val="accent1">
+              <a:shade val="15000"/>
+            </a:schemeClr>
+          </a:lnRef>
+          <a:fillRef idx="1">
+            <a:schemeClr val="accent1"/>
+          </a:fillRef>
+          <a:effectRef idx="0">
+            <a:schemeClr val="accent1"/>
+          </a:effectRef>
+          <a:fontRef idx="minor">
+            <a:schemeClr val="lt1"/>
+          </a:fontRef>
+        </p:style>
+        <p:txBody>
+          <a:bodyPr rtlCol="0" anchor="ctr"/>
+          <a:lstStyle/>
+          <a:p>
+            <a:pPr algn="ctr"/>
+            <a:r>
+              <a:rPr lang="en-US" altLang="zh-CN" sz="800">
+                <a:solidFill>
+                  <a:sysClr val="windowText" lastClr="000000"/>
+                </a:solidFill>
+                <a:latin typeface="Quicksand Light" panose="00000400000000000000" pitchFamily="2" charset="0"/>
+              </a:rPr>
+              <a:t>maxlength</a:t>
+            </a:r>
+            <a:endParaRPr lang="zh-CN" altLang="en-US" sz="800">
+              <a:solidFill>
+                <a:sysClr val="windowText" lastClr="000000"/>
+              </a:solidFill>
+              <a:latin typeface="Quicksand Light" panose="00000400000000000000" pitchFamily="2" charset="0"/>
+            </a:endParaRPr>
+          </a:p>
+        </p:txBody>
+      </p:sp>
+      <p:sp>
+        <p:nvSpPr>
+          <p:cNvPr id="101" name="矩形: 圆角 100">
+            <a:extLst>
+              <a:ext uri="{FF2B5EF4-FFF2-40B4-BE49-F238E27FC236}">
+                <a16:creationId xmlns:a16="http://schemas.microsoft.com/office/drawing/2014/main" id="{D042B669-9AEC-6AE8-865E-8330BC6EABEB}"/>
+              </a:ext>
+            </a:extLst>
+          </p:cNvPr>
+          <p:cNvSpPr/>
+          <p:nvPr/>
+        </p:nvSpPr>
+        <p:spPr>
+          <a:xfrm>
+            <a:off x="4988679" y="4259183"/>
+            <a:ext cx="900000" cy="216000"/>
+          </a:xfrm>
+          <a:prstGeom prst="roundRect">
+            <a:avLst/>
+          </a:prstGeom>
+          <a:solidFill>
+            <a:srgbClr val="FED9D8">
+              <a:alpha val="89804"/>
+            </a:srgbClr>
+          </a:solidFill>
+          <a:ln w="12700">
+            <a:solidFill>
+              <a:srgbClr val="FED9D8"/>
+            </a:solidFill>
+          </a:ln>
+        </p:spPr>
+        <p:style>
+          <a:lnRef idx="2">
+            <a:schemeClr val="accent1">
+              <a:shade val="15000"/>
+            </a:schemeClr>
+          </a:lnRef>
+          <a:fillRef idx="1">
+            <a:schemeClr val="accent1"/>
+          </a:fillRef>
+          <a:effectRef idx="0">
+            <a:schemeClr val="accent1"/>
+          </a:effectRef>
+          <a:fontRef idx="minor">
+            <a:schemeClr val="lt1"/>
+          </a:fontRef>
+        </p:style>
+        <p:txBody>
+          <a:bodyPr rtlCol="0" anchor="ctr"/>
+          <a:lstStyle/>
+          <a:p>
+            <a:pPr algn="ctr"/>
+            <a:r>
+              <a:rPr lang="en-US" altLang="zh-CN" sz="800">
+                <a:solidFill>
+                  <a:sysClr val="windowText" lastClr="000000"/>
+                </a:solidFill>
+                <a:latin typeface="Quicksand Light" panose="00000400000000000000" pitchFamily="2" charset="0"/>
+              </a:rPr>
+              <a:t>maxlength</a:t>
+            </a:r>
+            <a:endParaRPr lang="zh-CN" altLang="en-US" sz="800">
+              <a:solidFill>
+                <a:sysClr val="windowText" lastClr="000000"/>
+              </a:solidFill>
+              <a:latin typeface="Quicksand Light" panose="00000400000000000000" pitchFamily="2" charset="0"/>
+            </a:endParaRPr>
+          </a:p>
+        </p:txBody>
+      </p:sp>
+      <p:cxnSp>
+        <p:nvCxnSpPr>
+          <p:cNvPr id="102" name="连接符: 曲线 101">
+            <a:extLst>
+              <a:ext uri="{FF2B5EF4-FFF2-40B4-BE49-F238E27FC236}">
+                <a16:creationId xmlns:a16="http://schemas.microsoft.com/office/drawing/2014/main" id="{21CAC279-FD73-B868-1362-35C4428B07C3}"/>
+              </a:ext>
+            </a:extLst>
+          </p:cNvPr>
+          <p:cNvCxnSpPr>
+            <a:cxnSpLocks/>
+            <a:stCxn id="101" idx="1"/>
+            <a:endCxn id="5" idx="3"/>
+          </p:cNvCxnSpPr>
+          <p:nvPr/>
+        </p:nvCxnSpPr>
+        <p:spPr>
+          <a:xfrm rot="10800000">
+            <a:off x="4827709" y="3956031"/>
+            <a:ext cx="160970" cy="411153"/>
+          </a:xfrm>
+          <a:prstGeom prst="curvedConnector3">
+            <a:avLst>
+              <a:gd name="adj1" fmla="val 50000"/>
+            </a:avLst>
+          </a:prstGeom>
+          <a:ln>
+            <a:solidFill>
+              <a:srgbClr val="FF0000"/>
+            </a:solidFill>
+          </a:ln>
+        </p:spPr>
+        <p:style>
+          <a:lnRef idx="1">
+            <a:schemeClr val="accent1"/>
+          </a:lnRef>
+          <a:fillRef idx="0">
+            <a:schemeClr val="accent1"/>
+          </a:fillRef>
+          <a:effectRef idx="0">
+            <a:schemeClr val="accent1"/>
+          </a:effectRef>
+          <a:fontRef idx="minor">
+            <a:schemeClr val="tx1"/>
+          </a:fontRef>
+        </p:style>
+      </p:cxnSp>
+      <p:cxnSp>
+        <p:nvCxnSpPr>
+          <p:cNvPr id="105" name="连接符: 曲线 104">
+            <a:extLst>
+              <a:ext uri="{FF2B5EF4-FFF2-40B4-BE49-F238E27FC236}">
+                <a16:creationId xmlns:a16="http://schemas.microsoft.com/office/drawing/2014/main" id="{C588CD9F-21AB-BD77-5679-38D1DCB1886E}"/>
+              </a:ext>
+            </a:extLst>
+          </p:cNvPr>
+          <p:cNvCxnSpPr>
+            <a:cxnSpLocks/>
+            <a:stCxn id="10" idx="1"/>
+            <a:endCxn id="5" idx="3"/>
+          </p:cNvCxnSpPr>
+          <p:nvPr/>
+        </p:nvCxnSpPr>
+        <p:spPr>
+          <a:xfrm rot="10800000" flipV="1">
+            <a:off x="4827710" y="3818978"/>
+            <a:ext cx="160971" cy="137052"/>
+          </a:xfrm>
+          <a:prstGeom prst="curvedConnector3">
+            <a:avLst>
+              <a:gd name="adj1" fmla="val 50000"/>
+            </a:avLst>
+          </a:prstGeom>
+          <a:ln>
+            <a:solidFill>
+              <a:srgbClr val="FF0000"/>
+            </a:solidFill>
+          </a:ln>
+        </p:spPr>
+        <p:style>
+          <a:lnRef idx="1">
+            <a:schemeClr val="accent1"/>
+          </a:lnRef>
+          <a:fillRef idx="0">
+            <a:schemeClr val="accent1"/>
+          </a:fillRef>
+          <a:effectRef idx="0">
+            <a:schemeClr val="accent1"/>
+          </a:effectRef>
+          <a:fontRef idx="minor">
+            <a:schemeClr val="tx1"/>
+          </a:fontRef>
+        </p:style>
+      </p:cxnSp>
+      <p:sp>
+        <p:nvSpPr>
+          <p:cNvPr id="108" name="矩形: 圆角 107">
+            <a:extLst>
+              <a:ext uri="{FF2B5EF4-FFF2-40B4-BE49-F238E27FC236}">
+                <a16:creationId xmlns:a16="http://schemas.microsoft.com/office/drawing/2014/main" id="{354794C5-9D47-890A-B8D7-2D43D24E339E}"/>
+              </a:ext>
+            </a:extLst>
+          </p:cNvPr>
+          <p:cNvSpPr/>
+          <p:nvPr/>
+        </p:nvSpPr>
+        <p:spPr>
+          <a:xfrm>
+            <a:off x="6049650" y="3114471"/>
+            <a:ext cx="900000" cy="216000"/>
+          </a:xfrm>
+          <a:prstGeom prst="roundRect">
+            <a:avLst/>
+          </a:prstGeom>
+          <a:solidFill>
+            <a:srgbClr val="F87F57">
+              <a:alpha val="89804"/>
+            </a:srgbClr>
+          </a:solidFill>
+          <a:ln w="12700">
+            <a:solidFill>
+              <a:srgbClr val="FDECDB"/>
+            </a:solidFill>
+          </a:ln>
+        </p:spPr>
+        <p:style>
+          <a:lnRef idx="2">
+            <a:schemeClr val="accent1">
+              <a:shade val="15000"/>
+            </a:schemeClr>
+          </a:lnRef>
+          <a:fillRef idx="1">
+            <a:schemeClr val="accent1"/>
+          </a:fillRef>
+          <a:effectRef idx="0">
+            <a:schemeClr val="accent1"/>
+          </a:effectRef>
+          <a:fontRef idx="minor">
+            <a:schemeClr val="lt1"/>
+          </a:fontRef>
+        </p:style>
+        <p:txBody>
+          <a:bodyPr rtlCol="0" anchor="ctr"/>
+          <a:lstStyle/>
+          <a:p>
+            <a:pPr algn="ctr"/>
+            <a:r>
+              <a:rPr lang="en-US" altLang="zh-CN" sz="800">
+                <a:solidFill>
+                  <a:schemeClr val="bg1"/>
+                </a:solidFill>
+                <a:latin typeface="Quicksand Light" panose="00000400000000000000" pitchFamily="2" charset="0"/>
+              </a:rPr>
+              <a:t>checkbox</a:t>
+            </a:r>
+            <a:endParaRPr lang="zh-CN" altLang="en-US" sz="800">
+              <a:solidFill>
+                <a:schemeClr val="bg1"/>
+              </a:solidFill>
+              <a:latin typeface="Quicksand Light" panose="00000400000000000000" pitchFamily="2" charset="0"/>
+            </a:endParaRPr>
+          </a:p>
+        </p:txBody>
+      </p:sp>
+      <p:sp>
+        <p:nvSpPr>
+          <p:cNvPr id="116" name="矩形: 圆角 115">
+            <a:extLst>
+              <a:ext uri="{FF2B5EF4-FFF2-40B4-BE49-F238E27FC236}">
+                <a16:creationId xmlns:a16="http://schemas.microsoft.com/office/drawing/2014/main" id="{382A6B3C-89BA-D66E-6C26-AC690B438335}"/>
+              </a:ext>
+            </a:extLst>
+          </p:cNvPr>
+          <p:cNvSpPr/>
+          <p:nvPr/>
+        </p:nvSpPr>
+        <p:spPr>
+          <a:xfrm>
+            <a:off x="7279720" y="2364096"/>
+            <a:ext cx="900000" cy="216000"/>
+          </a:xfrm>
+          <a:prstGeom prst="roundRect">
+            <a:avLst/>
+          </a:prstGeom>
+          <a:solidFill>
+            <a:srgbClr val="FDECDB">
+              <a:alpha val="89804"/>
+            </a:srgbClr>
+          </a:solidFill>
+          <a:ln w="12700">
+            <a:solidFill>
+              <a:srgbClr val="FDECDB"/>
+            </a:solidFill>
+          </a:ln>
+        </p:spPr>
+        <p:style>
+          <a:lnRef idx="2">
+            <a:schemeClr val="accent1">
+              <a:shade val="15000"/>
+            </a:schemeClr>
+          </a:lnRef>
+          <a:fillRef idx="1">
+            <a:schemeClr val="accent1"/>
+          </a:fillRef>
+          <a:effectRef idx="0">
+            <a:schemeClr val="accent1"/>
+          </a:effectRef>
+          <a:fontRef idx="minor">
+            <a:schemeClr val="lt1"/>
+          </a:fontRef>
+        </p:style>
+        <p:txBody>
+          <a:bodyPr rtlCol="0" anchor="ctr"/>
+          <a:lstStyle/>
+          <a:p>
+            <a:pPr algn="ctr"/>
+            <a:r>
+              <a:rPr lang="en-US" altLang="zh-CN" sz="800">
+                <a:solidFill>
+                  <a:sysClr val="windowText" lastClr="000000"/>
+                </a:solidFill>
+                <a:latin typeface="Quicksand Light" panose="00000400000000000000" pitchFamily="2" charset="0"/>
+              </a:rPr>
+              <a:t>required</a:t>
+            </a:r>
+            <a:endParaRPr lang="zh-CN" altLang="en-US" sz="800">
+              <a:solidFill>
+                <a:sysClr val="windowText" lastClr="000000"/>
+              </a:solidFill>
+              <a:latin typeface="Quicksand Light" panose="00000400000000000000" pitchFamily="2" charset="0"/>
+            </a:endParaRPr>
+          </a:p>
+        </p:txBody>
+      </p:sp>
+      <p:cxnSp>
+        <p:nvCxnSpPr>
+          <p:cNvPr id="118" name="连接符: 曲线 117">
+            <a:extLst>
+              <a:ext uri="{FF2B5EF4-FFF2-40B4-BE49-F238E27FC236}">
+                <a16:creationId xmlns:a16="http://schemas.microsoft.com/office/drawing/2014/main" id="{CBE13B43-0D4E-B2FD-031A-846740662212}"/>
+              </a:ext>
+            </a:extLst>
+          </p:cNvPr>
+          <p:cNvCxnSpPr>
+            <a:cxnSpLocks/>
+            <a:stCxn id="7" idx="3"/>
+            <a:endCxn id="26" idx="1"/>
+          </p:cNvCxnSpPr>
+          <p:nvPr/>
+        </p:nvCxnSpPr>
+        <p:spPr>
+          <a:xfrm flipV="1">
+            <a:off x="5888680" y="2332041"/>
+            <a:ext cx="169100" cy="341066"/>
+          </a:xfrm>
+          <a:prstGeom prst="curvedConnector3">
+            <a:avLst>
+              <a:gd name="adj1" fmla="val 50000"/>
+            </a:avLst>
+          </a:prstGeom>
+          <a:ln>
+            <a:solidFill>
+              <a:srgbClr val="FFC000"/>
+            </a:solidFill>
+          </a:ln>
+        </p:spPr>
+        <p:style>
+          <a:lnRef idx="1">
+            <a:schemeClr val="accent1"/>
+          </a:lnRef>
+          <a:fillRef idx="0">
+            <a:schemeClr val="accent1"/>
+          </a:fillRef>
+          <a:effectRef idx="0">
+            <a:schemeClr val="accent1"/>
+          </a:effectRef>
+          <a:fontRef idx="minor">
+            <a:schemeClr val="tx1"/>
+          </a:fontRef>
+        </p:style>
+      </p:cxnSp>
+      <p:cxnSp>
+        <p:nvCxnSpPr>
+          <p:cNvPr id="121" name="连接符: 曲线 120">
+            <a:extLst>
+              <a:ext uri="{FF2B5EF4-FFF2-40B4-BE49-F238E27FC236}">
+                <a16:creationId xmlns:a16="http://schemas.microsoft.com/office/drawing/2014/main" id="{797AFADC-9137-9041-E1A2-1D81B311B42C}"/>
+              </a:ext>
+            </a:extLst>
+          </p:cNvPr>
+          <p:cNvCxnSpPr>
+            <a:cxnSpLocks/>
+            <a:stCxn id="7" idx="3"/>
+            <a:endCxn id="108" idx="1"/>
+          </p:cNvCxnSpPr>
+          <p:nvPr/>
+        </p:nvCxnSpPr>
+        <p:spPr>
+          <a:xfrm>
+            <a:off x="5888680" y="2673107"/>
+            <a:ext cx="160970" cy="549364"/>
+          </a:xfrm>
+          <a:prstGeom prst="curvedConnector3">
+            <a:avLst>
+              <a:gd name="adj1" fmla="val 50000"/>
+            </a:avLst>
+          </a:prstGeom>
+          <a:ln>
+            <a:solidFill>
+              <a:srgbClr val="FFC000"/>
+            </a:solidFill>
+          </a:ln>
+        </p:spPr>
+        <p:style>
+          <a:lnRef idx="1">
+            <a:schemeClr val="accent1"/>
+          </a:lnRef>
+          <a:fillRef idx="0">
+            <a:schemeClr val="accent1"/>
+          </a:fillRef>
+          <a:effectRef idx="0">
+            <a:schemeClr val="accent1"/>
+          </a:effectRef>
+          <a:fontRef idx="minor">
+            <a:schemeClr val="tx1"/>
+          </a:fontRef>
+        </p:style>
+      </p:cxnSp>
+      <p:cxnSp>
+        <p:nvCxnSpPr>
+          <p:cNvPr id="124" name="连接符: 曲线 123">
+            <a:extLst>
+              <a:ext uri="{FF2B5EF4-FFF2-40B4-BE49-F238E27FC236}">
+                <a16:creationId xmlns:a16="http://schemas.microsoft.com/office/drawing/2014/main" id="{85B5DD2D-BD44-062C-C62C-8C14728381C0}"/>
+              </a:ext>
+            </a:extLst>
+          </p:cNvPr>
+          <p:cNvCxnSpPr>
+            <a:cxnSpLocks/>
+            <a:stCxn id="26" idx="3"/>
+            <a:endCxn id="100" idx="1"/>
+          </p:cNvCxnSpPr>
+          <p:nvPr/>
+        </p:nvCxnSpPr>
+        <p:spPr>
+          <a:xfrm flipV="1">
+            <a:off x="6957780" y="1911878"/>
+            <a:ext cx="321940" cy="420163"/>
+          </a:xfrm>
+          <a:prstGeom prst="curvedConnector3">
+            <a:avLst>
+              <a:gd name="adj1" fmla="val 50000"/>
+            </a:avLst>
+          </a:prstGeom>
+          <a:ln>
+            <a:solidFill>
+              <a:srgbClr val="FFC000"/>
+            </a:solidFill>
+          </a:ln>
+        </p:spPr>
+        <p:style>
+          <a:lnRef idx="1">
+            <a:schemeClr val="accent1"/>
+          </a:lnRef>
+          <a:fillRef idx="0">
+            <a:schemeClr val="accent1"/>
+          </a:fillRef>
+          <a:effectRef idx="0">
+            <a:schemeClr val="accent1"/>
+          </a:effectRef>
+          <a:fontRef idx="minor">
+            <a:schemeClr val="tx1"/>
+          </a:fontRef>
+        </p:style>
+      </p:cxnSp>
+      <p:cxnSp>
+        <p:nvCxnSpPr>
+          <p:cNvPr id="127" name="连接符: 曲线 126">
+            <a:extLst>
+              <a:ext uri="{FF2B5EF4-FFF2-40B4-BE49-F238E27FC236}">
+                <a16:creationId xmlns:a16="http://schemas.microsoft.com/office/drawing/2014/main" id="{DAC9482C-8805-38F5-78BC-1A1BA52E7885}"/>
+              </a:ext>
+            </a:extLst>
+          </p:cNvPr>
+          <p:cNvCxnSpPr>
+            <a:cxnSpLocks/>
+            <a:stCxn id="25" idx="3"/>
+            <a:endCxn id="116" idx="1"/>
+          </p:cNvCxnSpPr>
+          <p:nvPr/>
+        </p:nvCxnSpPr>
+        <p:spPr>
+          <a:xfrm>
+            <a:off x="6957780" y="2051932"/>
+            <a:ext cx="321940" cy="420164"/>
+          </a:xfrm>
+          <a:prstGeom prst="curvedConnector3">
+            <a:avLst>
+              <a:gd name="adj1" fmla="val 50000"/>
+            </a:avLst>
+          </a:prstGeom>
+          <a:ln>
+            <a:solidFill>
+              <a:srgbClr val="FFC000"/>
+            </a:solidFill>
+          </a:ln>
+        </p:spPr>
+        <p:style>
+          <a:lnRef idx="1">
+            <a:schemeClr val="accent1"/>
+          </a:lnRef>
+          <a:fillRef idx="0">
+            <a:schemeClr val="accent1"/>
+          </a:fillRef>
+          <a:effectRef idx="0">
+            <a:schemeClr val="accent1"/>
+          </a:effectRef>
+          <a:fontRef idx="minor">
+            <a:schemeClr val="tx1"/>
+          </a:fontRef>
+        </p:style>
+      </p:cxnSp>
+    </p:spTree>
+    <p:extLst>
+      <p:ext uri="{BB962C8B-B14F-4D97-AF65-F5344CB8AC3E}">
+        <p14:creationId xmlns:p14="http://schemas.microsoft.com/office/powerpoint/2010/main" val="1524344749"/>
+      </p:ext>
+    </p:extLst>
+  </p:cSld>
+  <p:clrMapOvr>
+    <a:masterClrMapping/>
+  </p:clrMapOvr>
+</p:sld>
+</file>
+
 <file path=ppt/theme/theme1.xml><?xml version="1.0" encoding="utf-8"?>
 <a:theme xmlns:a="http://schemas.openxmlformats.org/drawingml/2006/main" name="Office 主题​​">
   <a:themeElements>

--- a/utils/file/charts.pptx
+++ b/utils/file/charts.pptx
@@ -8,7 +8,9 @@
     <p:sldId id="258" r:id="rId2"/>
     <p:sldId id="259" r:id="rId3"/>
     <p:sldId id="260" r:id="rId4"/>
-    <p:sldId id="256" r:id="rId5"/>
+    <p:sldId id="261" r:id="rId5"/>
+    <p:sldId id="262" r:id="rId6"/>
+    <p:sldId id="256" r:id="rId7"/>
   </p:sldIdLst>
   <p:sldSz cx="12192000" cy="6858000"/>
   <p:notesSz cx="6858000" cy="9144000"/>
@@ -262,7 +264,7 @@
           <a:p>
             <a:fld id="{C0F7C65B-F23F-479A-8AFF-E7E0FC962F06}" type="datetimeFigureOut">
               <a:rPr lang="zh-CN" altLang="en-US" smtClean="0"/>
-              <a:t>2025/6/9</a:t>
+              <a:t>2025/6/11</a:t>
             </a:fld>
             <a:endParaRPr lang="zh-CN" altLang="en-US"/>
           </a:p>
@@ -460,7 +462,7 @@
           <a:p>
             <a:fld id="{C0F7C65B-F23F-479A-8AFF-E7E0FC962F06}" type="datetimeFigureOut">
               <a:rPr lang="zh-CN" altLang="en-US" smtClean="0"/>
-              <a:t>2025/6/9</a:t>
+              <a:t>2025/6/11</a:t>
             </a:fld>
             <a:endParaRPr lang="zh-CN" altLang="en-US"/>
           </a:p>
@@ -668,7 +670,7 @@
           <a:p>
             <a:fld id="{C0F7C65B-F23F-479A-8AFF-E7E0FC962F06}" type="datetimeFigureOut">
               <a:rPr lang="zh-CN" altLang="en-US" smtClean="0"/>
-              <a:t>2025/6/9</a:t>
+              <a:t>2025/6/11</a:t>
             </a:fld>
             <a:endParaRPr lang="zh-CN" altLang="en-US"/>
           </a:p>
@@ -866,7 +868,7 @@
           <a:p>
             <a:fld id="{C0F7C65B-F23F-479A-8AFF-E7E0FC962F06}" type="datetimeFigureOut">
               <a:rPr lang="zh-CN" altLang="en-US" smtClean="0"/>
-              <a:t>2025/6/9</a:t>
+              <a:t>2025/6/11</a:t>
             </a:fld>
             <a:endParaRPr lang="zh-CN" altLang="en-US"/>
           </a:p>
@@ -1141,7 +1143,7 @@
           <a:p>
             <a:fld id="{C0F7C65B-F23F-479A-8AFF-E7E0FC962F06}" type="datetimeFigureOut">
               <a:rPr lang="zh-CN" altLang="en-US" smtClean="0"/>
-              <a:t>2025/6/9</a:t>
+              <a:t>2025/6/11</a:t>
             </a:fld>
             <a:endParaRPr lang="zh-CN" altLang="en-US"/>
           </a:p>
@@ -1406,7 +1408,7 @@
           <a:p>
             <a:fld id="{C0F7C65B-F23F-479A-8AFF-E7E0FC962F06}" type="datetimeFigureOut">
               <a:rPr lang="zh-CN" altLang="en-US" smtClean="0"/>
-              <a:t>2025/6/9</a:t>
+              <a:t>2025/6/11</a:t>
             </a:fld>
             <a:endParaRPr lang="zh-CN" altLang="en-US"/>
           </a:p>
@@ -1818,7 +1820,7 @@
           <a:p>
             <a:fld id="{C0F7C65B-F23F-479A-8AFF-E7E0FC962F06}" type="datetimeFigureOut">
               <a:rPr lang="zh-CN" altLang="en-US" smtClean="0"/>
-              <a:t>2025/6/9</a:t>
+              <a:t>2025/6/11</a:t>
             </a:fld>
             <a:endParaRPr lang="zh-CN" altLang="en-US"/>
           </a:p>
@@ -1959,7 +1961,7 @@
           <a:p>
             <a:fld id="{C0F7C65B-F23F-479A-8AFF-E7E0FC962F06}" type="datetimeFigureOut">
               <a:rPr lang="zh-CN" altLang="en-US" smtClean="0"/>
-              <a:t>2025/6/9</a:t>
+              <a:t>2025/6/11</a:t>
             </a:fld>
             <a:endParaRPr lang="zh-CN" altLang="en-US"/>
           </a:p>
@@ -2072,7 +2074,7 @@
           <a:p>
             <a:fld id="{C0F7C65B-F23F-479A-8AFF-E7E0FC962F06}" type="datetimeFigureOut">
               <a:rPr lang="zh-CN" altLang="en-US" smtClean="0"/>
-              <a:t>2025/6/9</a:t>
+              <a:t>2025/6/11</a:t>
             </a:fld>
             <a:endParaRPr lang="zh-CN" altLang="en-US"/>
           </a:p>
@@ -2383,7 +2385,7 @@
           <a:p>
             <a:fld id="{C0F7C65B-F23F-479A-8AFF-E7E0FC962F06}" type="datetimeFigureOut">
               <a:rPr lang="zh-CN" altLang="en-US" smtClean="0"/>
-              <a:t>2025/6/9</a:t>
+              <a:t>2025/6/11</a:t>
             </a:fld>
             <a:endParaRPr lang="zh-CN" altLang="en-US"/>
           </a:p>
@@ -2671,7 +2673,7 @@
           <a:p>
             <a:fld id="{C0F7C65B-F23F-479A-8AFF-E7E0FC962F06}" type="datetimeFigureOut">
               <a:rPr lang="zh-CN" altLang="en-US" smtClean="0"/>
-              <a:t>2025/6/9</a:t>
+              <a:t>2025/6/11</a:t>
             </a:fld>
             <a:endParaRPr lang="zh-CN" altLang="en-US"/>
           </a:p>
@@ -2912,7 +2914,7 @@
           <a:p>
             <a:fld id="{C0F7C65B-F23F-479A-8AFF-E7E0FC962F06}" type="datetimeFigureOut">
               <a:rPr lang="zh-CN" altLang="en-US" smtClean="0"/>
-              <a:t>2025/6/9</a:t>
+              <a:t>2025/6/11</a:t>
             </a:fld>
             <a:endParaRPr lang="zh-CN" altLang="en-US"/>
           </a:p>
@@ -9219,6 +9221,2489 @@
   <p:cSld>
     <p:spTree>
       <p:nvGrpSpPr>
+        <p:cNvPr id="1" name="">
+          <a:extLst>
+            <a:ext uri="{FF2B5EF4-FFF2-40B4-BE49-F238E27FC236}">
+              <a16:creationId xmlns:a16="http://schemas.microsoft.com/office/drawing/2014/main" id="{18E2CAE3-A1AC-3F4E-935C-0F5B86F0EE15}"/>
+            </a:ext>
+          </a:extLst>
+        </p:cNvPr>
+        <p:cNvGrpSpPr/>
+        <p:nvPr/>
+      </p:nvGrpSpPr>
+      <p:grpSpPr>
+        <a:xfrm>
+          <a:off x="0" y="0"/>
+          <a:ext cx="0" cy="0"/>
+          <a:chOff x="0" y="0"/>
+          <a:chExt cx="0" cy="0"/>
+        </a:xfrm>
+      </p:grpSpPr>
+      <p:sp>
+        <p:nvSpPr>
+          <p:cNvPr id="3" name="矩形: 圆角 2">
+            <a:extLst>
+              <a:ext uri="{FF2B5EF4-FFF2-40B4-BE49-F238E27FC236}">
+                <a16:creationId xmlns:a16="http://schemas.microsoft.com/office/drawing/2014/main" id="{3F6BEB13-BC5C-76A7-70B4-5704F9D6A0AC}"/>
+              </a:ext>
+            </a:extLst>
+          </p:cNvPr>
+          <p:cNvSpPr/>
+          <p:nvPr/>
+        </p:nvSpPr>
+        <p:spPr>
+          <a:xfrm>
+            <a:off x="3927709" y="3694457"/>
+            <a:ext cx="936000" cy="216000"/>
+          </a:xfrm>
+          <a:prstGeom prst="roundRect">
+            <a:avLst/>
+          </a:prstGeom>
+          <a:solidFill>
+            <a:srgbClr val="335BA3">
+              <a:alpha val="89804"/>
+            </a:srgbClr>
+          </a:solidFill>
+          <a:ln w="12700">
+            <a:noFill/>
+          </a:ln>
+        </p:spPr>
+        <p:style>
+          <a:lnRef idx="2">
+            <a:schemeClr val="accent1">
+              <a:shade val="15000"/>
+            </a:schemeClr>
+          </a:lnRef>
+          <a:fillRef idx="1">
+            <a:schemeClr val="accent1"/>
+          </a:fillRef>
+          <a:effectRef idx="0">
+            <a:schemeClr val="accent1"/>
+          </a:effectRef>
+          <a:fontRef idx="minor">
+            <a:schemeClr val="lt1"/>
+          </a:fontRef>
+        </p:style>
+        <p:txBody>
+          <a:bodyPr rtlCol="0" anchor="ctr"/>
+          <a:lstStyle/>
+          <a:p>
+            <a:pPr algn="ctr"/>
+            <a:r>
+              <a:rPr lang="en-US" altLang="zh-CN" sz="800">
+                <a:latin typeface="Quicksand" panose="00000500000000000000" pitchFamily="2" charset="0"/>
+              </a:rPr>
+              <a:t>cartsView.vue</a:t>
+            </a:r>
+            <a:endParaRPr lang="zh-CN" altLang="en-US" sz="800">
+              <a:latin typeface="Quicksand" panose="00000500000000000000" pitchFamily="2" charset="0"/>
+            </a:endParaRPr>
+          </a:p>
+        </p:txBody>
+      </p:sp>
+      <p:sp>
+        <p:nvSpPr>
+          <p:cNvPr id="4" name="矩形: 圆角 3">
+            <a:extLst>
+              <a:ext uri="{FF2B5EF4-FFF2-40B4-BE49-F238E27FC236}">
+                <a16:creationId xmlns:a16="http://schemas.microsoft.com/office/drawing/2014/main" id="{A865B1BF-2668-EBE3-9A2F-76B4ADFC7BD3}"/>
+              </a:ext>
+            </a:extLst>
+          </p:cNvPr>
+          <p:cNvSpPr/>
+          <p:nvPr/>
+        </p:nvSpPr>
+        <p:spPr>
+          <a:xfrm>
+            <a:off x="3927709" y="2237109"/>
+            <a:ext cx="936000" cy="216000"/>
+          </a:xfrm>
+          <a:prstGeom prst="roundRect">
+            <a:avLst/>
+          </a:prstGeom>
+          <a:solidFill>
+            <a:srgbClr val="00BC7B">
+              <a:alpha val="89804"/>
+            </a:srgbClr>
+          </a:solidFill>
+          <a:ln w="12700">
+            <a:noFill/>
+          </a:ln>
+        </p:spPr>
+        <p:style>
+          <a:lnRef idx="2">
+            <a:schemeClr val="accent1">
+              <a:shade val="15000"/>
+            </a:schemeClr>
+          </a:lnRef>
+          <a:fillRef idx="1">
+            <a:schemeClr val="accent1"/>
+          </a:fillRef>
+          <a:effectRef idx="0">
+            <a:schemeClr val="accent1"/>
+          </a:effectRef>
+          <a:fontRef idx="minor">
+            <a:schemeClr val="lt1"/>
+          </a:fontRef>
+        </p:style>
+        <p:txBody>
+          <a:bodyPr rtlCol="0" anchor="ctr"/>
+          <a:lstStyle/>
+          <a:p>
+            <a:pPr algn="ctr"/>
+            <a:r>
+              <a:rPr lang="en-US" altLang="zh-CN" sz="800">
+                <a:latin typeface="Quicksand" panose="00000500000000000000" pitchFamily="2" charset="0"/>
+              </a:rPr>
+              <a:t>detailsView.vue</a:t>
+            </a:r>
+            <a:endParaRPr lang="zh-CN" altLang="en-US" sz="800">
+              <a:latin typeface="Quicksand" panose="00000500000000000000" pitchFamily="2" charset="0"/>
+            </a:endParaRPr>
+          </a:p>
+        </p:txBody>
+      </p:sp>
+      <p:sp>
+        <p:nvSpPr>
+          <p:cNvPr id="7" name="矩形: 圆角 6">
+            <a:extLst>
+              <a:ext uri="{FF2B5EF4-FFF2-40B4-BE49-F238E27FC236}">
+                <a16:creationId xmlns:a16="http://schemas.microsoft.com/office/drawing/2014/main" id="{CF1F7419-7D34-C865-9FD3-CEF01F2784E0}"/>
+              </a:ext>
+            </a:extLst>
+          </p:cNvPr>
+          <p:cNvSpPr/>
+          <p:nvPr/>
+        </p:nvSpPr>
+        <p:spPr>
+          <a:xfrm>
+            <a:off x="4988680" y="2965783"/>
+            <a:ext cx="900000" cy="216000"/>
+          </a:xfrm>
+          <a:prstGeom prst="roundRect">
+            <a:avLst/>
+          </a:prstGeom>
+          <a:solidFill>
+            <a:srgbClr val="F9423A">
+              <a:alpha val="89804"/>
+            </a:srgbClr>
+          </a:solidFill>
+          <a:ln w="12700">
+            <a:noFill/>
+          </a:ln>
+        </p:spPr>
+        <p:style>
+          <a:lnRef idx="2">
+            <a:schemeClr val="accent1">
+              <a:shade val="15000"/>
+            </a:schemeClr>
+          </a:lnRef>
+          <a:fillRef idx="1">
+            <a:schemeClr val="accent1"/>
+          </a:fillRef>
+          <a:effectRef idx="0">
+            <a:schemeClr val="accent1"/>
+          </a:effectRef>
+          <a:fontRef idx="minor">
+            <a:schemeClr val="lt1"/>
+          </a:fontRef>
+        </p:style>
+        <p:txBody>
+          <a:bodyPr rtlCol="0" anchor="ctr"/>
+          <a:lstStyle/>
+          <a:p>
+            <a:pPr algn="ctr"/>
+            <a:r>
+              <a:rPr lang="en-US" altLang="zh-CN" sz="800">
+                <a:latin typeface="Quicksand" panose="00000500000000000000" pitchFamily="2" charset="0"/>
+              </a:rPr>
+              <a:t>cart.js</a:t>
+            </a:r>
+            <a:endParaRPr lang="zh-CN" altLang="en-US" sz="800">
+              <a:latin typeface="Quicksand" panose="00000500000000000000" pitchFamily="2" charset="0"/>
+            </a:endParaRPr>
+          </a:p>
+        </p:txBody>
+      </p:sp>
+      <p:cxnSp>
+        <p:nvCxnSpPr>
+          <p:cNvPr id="14" name="连接符: 曲线 13">
+            <a:extLst>
+              <a:ext uri="{FF2B5EF4-FFF2-40B4-BE49-F238E27FC236}">
+                <a16:creationId xmlns:a16="http://schemas.microsoft.com/office/drawing/2014/main" id="{8CA54037-8AE4-360B-D22C-AE9D102A0F28}"/>
+              </a:ext>
+            </a:extLst>
+          </p:cNvPr>
+          <p:cNvCxnSpPr>
+            <a:cxnSpLocks/>
+            <a:stCxn id="7" idx="1"/>
+            <a:endCxn id="3" idx="3"/>
+          </p:cNvCxnSpPr>
+          <p:nvPr/>
+        </p:nvCxnSpPr>
+        <p:spPr>
+          <a:xfrm rot="10800000" flipV="1">
+            <a:off x="4863710" y="3073783"/>
+            <a:ext cx="124971" cy="728674"/>
+          </a:xfrm>
+          <a:prstGeom prst="curvedConnector3">
+            <a:avLst>
+              <a:gd name="adj1" fmla="val 50000"/>
+            </a:avLst>
+          </a:prstGeom>
+          <a:ln>
+            <a:solidFill>
+              <a:srgbClr val="6D91D1"/>
+            </a:solidFill>
+          </a:ln>
+        </p:spPr>
+        <p:style>
+          <a:lnRef idx="1">
+            <a:schemeClr val="accent1"/>
+          </a:lnRef>
+          <a:fillRef idx="0">
+            <a:schemeClr val="accent1"/>
+          </a:fillRef>
+          <a:effectRef idx="0">
+            <a:schemeClr val="accent1"/>
+          </a:effectRef>
+          <a:fontRef idx="minor">
+            <a:schemeClr val="tx1"/>
+          </a:fontRef>
+        </p:style>
+      </p:cxnSp>
+      <p:cxnSp>
+        <p:nvCxnSpPr>
+          <p:cNvPr id="17" name="连接符: 曲线 16">
+            <a:extLst>
+              <a:ext uri="{FF2B5EF4-FFF2-40B4-BE49-F238E27FC236}">
+                <a16:creationId xmlns:a16="http://schemas.microsoft.com/office/drawing/2014/main" id="{5D7F2DC2-788D-E15F-2B93-BEC9E5020321}"/>
+              </a:ext>
+            </a:extLst>
+          </p:cNvPr>
+          <p:cNvCxnSpPr>
+            <a:stCxn id="4" idx="3"/>
+            <a:endCxn id="7" idx="1"/>
+          </p:cNvCxnSpPr>
+          <p:nvPr/>
+        </p:nvCxnSpPr>
+        <p:spPr>
+          <a:xfrm>
+            <a:off x="4863709" y="2345109"/>
+            <a:ext cx="124971" cy="728674"/>
+          </a:xfrm>
+          <a:prstGeom prst="curvedConnector3">
+            <a:avLst/>
+          </a:prstGeom>
+          <a:ln>
+            <a:solidFill>
+              <a:srgbClr val="00B050"/>
+            </a:solidFill>
+          </a:ln>
+        </p:spPr>
+        <p:style>
+          <a:lnRef idx="1">
+            <a:schemeClr val="accent1"/>
+          </a:lnRef>
+          <a:fillRef idx="0">
+            <a:schemeClr val="accent1"/>
+          </a:fillRef>
+          <a:effectRef idx="0">
+            <a:schemeClr val="accent1"/>
+          </a:effectRef>
+          <a:fontRef idx="minor">
+            <a:schemeClr val="tx1"/>
+          </a:fontRef>
+        </p:style>
+      </p:cxnSp>
+      <p:sp>
+        <p:nvSpPr>
+          <p:cNvPr id="25" name="矩形: 圆角 24">
+            <a:extLst>
+              <a:ext uri="{FF2B5EF4-FFF2-40B4-BE49-F238E27FC236}">
+                <a16:creationId xmlns:a16="http://schemas.microsoft.com/office/drawing/2014/main" id="{9206292A-CFFA-EDEE-0CE6-0FCE7626F683}"/>
+              </a:ext>
+            </a:extLst>
+          </p:cNvPr>
+          <p:cNvSpPr/>
+          <p:nvPr/>
+        </p:nvSpPr>
+        <p:spPr>
+          <a:xfrm>
+            <a:off x="6057780" y="2534400"/>
+            <a:ext cx="900000" cy="216000"/>
+          </a:xfrm>
+          <a:prstGeom prst="roundRect">
+            <a:avLst/>
+          </a:prstGeom>
+          <a:solidFill>
+            <a:srgbClr val="FB837D"/>
+          </a:solidFill>
+          <a:ln w="12700">
+            <a:noFill/>
+          </a:ln>
+        </p:spPr>
+        <p:style>
+          <a:lnRef idx="2">
+            <a:schemeClr val="accent1">
+              <a:shade val="15000"/>
+            </a:schemeClr>
+          </a:lnRef>
+          <a:fillRef idx="1">
+            <a:schemeClr val="accent1"/>
+          </a:fillRef>
+          <a:effectRef idx="0">
+            <a:schemeClr val="accent1"/>
+          </a:effectRef>
+          <a:fontRef idx="minor">
+            <a:schemeClr val="lt1"/>
+          </a:fontRef>
+        </p:style>
+        <p:txBody>
+          <a:bodyPr rtlCol="0" anchor="ctr"/>
+          <a:lstStyle/>
+          <a:p>
+            <a:pPr algn="ctr"/>
+            <a:r>
+              <a:rPr lang="en-US" altLang="zh-CN" sz="800">
+                <a:latin typeface="Quicksand" panose="00000500000000000000" pitchFamily="2" charset="0"/>
+              </a:rPr>
+              <a:t>lists</a:t>
+            </a:r>
+            <a:endParaRPr lang="zh-CN" altLang="en-US" sz="800">
+              <a:latin typeface="Quicksand" panose="00000500000000000000" pitchFamily="2" charset="0"/>
+            </a:endParaRPr>
+          </a:p>
+        </p:txBody>
+      </p:sp>
+      <p:sp>
+        <p:nvSpPr>
+          <p:cNvPr id="26" name="矩形: 圆角 25">
+            <a:extLst>
+              <a:ext uri="{FF2B5EF4-FFF2-40B4-BE49-F238E27FC236}">
+                <a16:creationId xmlns:a16="http://schemas.microsoft.com/office/drawing/2014/main" id="{E1A4A212-0D66-8B59-6229-1091271BAD62}"/>
+              </a:ext>
+            </a:extLst>
+          </p:cNvPr>
+          <p:cNvSpPr/>
+          <p:nvPr/>
+        </p:nvSpPr>
+        <p:spPr>
+          <a:xfrm>
+            <a:off x="6057780" y="2798400"/>
+            <a:ext cx="900000" cy="216000"/>
+          </a:xfrm>
+          <a:prstGeom prst="roundRect">
+            <a:avLst/>
+          </a:prstGeom>
+          <a:solidFill>
+            <a:srgbClr val="FB837D"/>
+          </a:solidFill>
+          <a:ln w="12700">
+            <a:noFill/>
+          </a:ln>
+        </p:spPr>
+        <p:style>
+          <a:lnRef idx="2">
+            <a:schemeClr val="accent1">
+              <a:shade val="15000"/>
+            </a:schemeClr>
+          </a:lnRef>
+          <a:fillRef idx="1">
+            <a:schemeClr val="accent1"/>
+          </a:fillRef>
+          <a:effectRef idx="0">
+            <a:schemeClr val="accent1"/>
+          </a:effectRef>
+          <a:fontRef idx="minor">
+            <a:schemeClr val="lt1"/>
+          </a:fontRef>
+        </p:style>
+        <p:txBody>
+          <a:bodyPr rtlCol="0" anchor="ctr"/>
+          <a:lstStyle/>
+          <a:p>
+            <a:pPr algn="ctr"/>
+            <a:r>
+              <a:rPr lang="en-US" altLang="zh-CN" sz="800">
+                <a:latin typeface="Quicksand" panose="00000500000000000000" pitchFamily="2" charset="0"/>
+              </a:rPr>
+              <a:t>getLists()</a:t>
+            </a:r>
+            <a:endParaRPr lang="zh-CN" altLang="en-US" sz="800">
+              <a:latin typeface="Quicksand" panose="00000500000000000000" pitchFamily="2" charset="0"/>
+            </a:endParaRPr>
+          </a:p>
+        </p:txBody>
+      </p:sp>
+      <p:cxnSp>
+        <p:nvCxnSpPr>
+          <p:cNvPr id="28" name="连接符: 曲线 27">
+            <a:extLst>
+              <a:ext uri="{FF2B5EF4-FFF2-40B4-BE49-F238E27FC236}">
+                <a16:creationId xmlns:a16="http://schemas.microsoft.com/office/drawing/2014/main" id="{309BB0B0-6F0E-C24E-3004-E1132211C2A4}"/>
+              </a:ext>
+            </a:extLst>
+          </p:cNvPr>
+          <p:cNvCxnSpPr>
+            <a:cxnSpLocks/>
+            <a:stCxn id="7" idx="3"/>
+            <a:endCxn id="25" idx="1"/>
+          </p:cNvCxnSpPr>
+          <p:nvPr/>
+        </p:nvCxnSpPr>
+        <p:spPr>
+          <a:xfrm flipV="1">
+            <a:off x="5888680" y="2642400"/>
+            <a:ext cx="169100" cy="431383"/>
+          </a:xfrm>
+          <a:prstGeom prst="curvedConnector3">
+            <a:avLst/>
+          </a:prstGeom>
+          <a:ln>
+            <a:solidFill>
+              <a:srgbClr val="C00000"/>
+            </a:solidFill>
+          </a:ln>
+        </p:spPr>
+        <p:style>
+          <a:lnRef idx="1">
+            <a:schemeClr val="accent1"/>
+          </a:lnRef>
+          <a:fillRef idx="0">
+            <a:schemeClr val="accent1"/>
+          </a:fillRef>
+          <a:effectRef idx="0">
+            <a:schemeClr val="accent1"/>
+          </a:effectRef>
+          <a:fontRef idx="minor">
+            <a:schemeClr val="tx1"/>
+          </a:fontRef>
+        </p:style>
+      </p:cxnSp>
+      <p:cxnSp>
+        <p:nvCxnSpPr>
+          <p:cNvPr id="34" name="连接符: 曲线 33">
+            <a:extLst>
+              <a:ext uri="{FF2B5EF4-FFF2-40B4-BE49-F238E27FC236}">
+                <a16:creationId xmlns:a16="http://schemas.microsoft.com/office/drawing/2014/main" id="{AAE83631-A7F6-E02C-6D38-BABF5CA86FCF}"/>
+              </a:ext>
+            </a:extLst>
+          </p:cNvPr>
+          <p:cNvCxnSpPr>
+            <a:cxnSpLocks/>
+            <a:stCxn id="7" idx="3"/>
+            <a:endCxn id="12" idx="1"/>
+          </p:cNvCxnSpPr>
+          <p:nvPr/>
+        </p:nvCxnSpPr>
+        <p:spPr>
+          <a:xfrm>
+            <a:off x="5888680" y="3073783"/>
+            <a:ext cx="169100" cy="96617"/>
+          </a:xfrm>
+          <a:prstGeom prst="curvedConnector3">
+            <a:avLst>
+              <a:gd name="adj1" fmla="val 50000"/>
+            </a:avLst>
+          </a:prstGeom>
+          <a:ln>
+            <a:solidFill>
+              <a:srgbClr val="C00000"/>
+            </a:solidFill>
+          </a:ln>
+        </p:spPr>
+        <p:style>
+          <a:lnRef idx="1">
+            <a:schemeClr val="accent1"/>
+          </a:lnRef>
+          <a:fillRef idx="0">
+            <a:schemeClr val="accent1"/>
+          </a:fillRef>
+          <a:effectRef idx="0">
+            <a:schemeClr val="accent1"/>
+          </a:effectRef>
+          <a:fontRef idx="minor">
+            <a:schemeClr val="tx1"/>
+          </a:fontRef>
+        </p:style>
+      </p:cxnSp>
+      <p:cxnSp>
+        <p:nvCxnSpPr>
+          <p:cNvPr id="69" name="连接符: 曲线 68">
+            <a:extLst>
+              <a:ext uri="{FF2B5EF4-FFF2-40B4-BE49-F238E27FC236}">
+                <a16:creationId xmlns:a16="http://schemas.microsoft.com/office/drawing/2014/main" id="{3C11272C-4991-936E-0304-646EE0728FD5}"/>
+              </a:ext>
+            </a:extLst>
+          </p:cNvPr>
+          <p:cNvCxnSpPr>
+            <a:cxnSpLocks/>
+            <a:stCxn id="35" idx="3"/>
+            <a:endCxn id="4" idx="1"/>
+          </p:cNvCxnSpPr>
+          <p:nvPr/>
+        </p:nvCxnSpPr>
+        <p:spPr>
+          <a:xfrm>
+            <a:off x="3738400" y="2055600"/>
+            <a:ext cx="189309" cy="289509"/>
+          </a:xfrm>
+          <a:prstGeom prst="curvedConnector3">
+            <a:avLst>
+              <a:gd name="adj1" fmla="val 50000"/>
+            </a:avLst>
+          </a:prstGeom>
+          <a:ln>
+            <a:solidFill>
+              <a:srgbClr val="00B050"/>
+            </a:solidFill>
+          </a:ln>
+        </p:spPr>
+        <p:style>
+          <a:lnRef idx="1">
+            <a:schemeClr val="accent1"/>
+          </a:lnRef>
+          <a:fillRef idx="0">
+            <a:schemeClr val="accent1"/>
+          </a:fillRef>
+          <a:effectRef idx="0">
+            <a:schemeClr val="accent1"/>
+          </a:effectRef>
+          <a:fontRef idx="minor">
+            <a:schemeClr val="tx1"/>
+          </a:fontRef>
+        </p:style>
+      </p:cxnSp>
+      <p:sp>
+        <p:nvSpPr>
+          <p:cNvPr id="108" name="矩形: 圆角 107">
+            <a:extLst>
+              <a:ext uri="{FF2B5EF4-FFF2-40B4-BE49-F238E27FC236}">
+                <a16:creationId xmlns:a16="http://schemas.microsoft.com/office/drawing/2014/main" id="{FAC0BED9-67F3-89B3-6AB2-8DA4ED4A93BE}"/>
+              </a:ext>
+            </a:extLst>
+          </p:cNvPr>
+          <p:cNvSpPr/>
+          <p:nvPr/>
+        </p:nvSpPr>
+        <p:spPr>
+          <a:xfrm>
+            <a:off x="6049650" y="3326400"/>
+            <a:ext cx="900000" cy="216000"/>
+          </a:xfrm>
+          <a:prstGeom prst="roundRect">
+            <a:avLst/>
+          </a:prstGeom>
+          <a:solidFill>
+            <a:srgbClr val="FB837D"/>
+          </a:solidFill>
+          <a:ln w="12700">
+            <a:noFill/>
+          </a:ln>
+        </p:spPr>
+        <p:style>
+          <a:lnRef idx="2">
+            <a:schemeClr val="accent1">
+              <a:shade val="15000"/>
+            </a:schemeClr>
+          </a:lnRef>
+          <a:fillRef idx="1">
+            <a:schemeClr val="accent1"/>
+          </a:fillRef>
+          <a:effectRef idx="0">
+            <a:schemeClr val="accent1"/>
+          </a:effectRef>
+          <a:fontRef idx="minor">
+            <a:schemeClr val="lt1"/>
+          </a:fontRef>
+        </p:style>
+        <p:txBody>
+          <a:bodyPr rtlCol="0" anchor="ctr"/>
+          <a:lstStyle/>
+          <a:p>
+            <a:pPr algn="ctr"/>
+            <a:r>
+              <a:rPr lang="en-US" altLang="zh-CN" sz="800">
+                <a:latin typeface="Quicksand" panose="00000500000000000000" pitchFamily="2" charset="0"/>
+              </a:rPr>
+              <a:t>clearCarts()</a:t>
+            </a:r>
+            <a:endParaRPr lang="zh-CN" altLang="en-US" sz="800">
+              <a:latin typeface="Quicksand" panose="00000500000000000000" pitchFamily="2" charset="0"/>
+            </a:endParaRPr>
+          </a:p>
+        </p:txBody>
+      </p:sp>
+      <p:cxnSp>
+        <p:nvCxnSpPr>
+          <p:cNvPr id="118" name="连接符: 曲线 117">
+            <a:extLst>
+              <a:ext uri="{FF2B5EF4-FFF2-40B4-BE49-F238E27FC236}">
+                <a16:creationId xmlns:a16="http://schemas.microsoft.com/office/drawing/2014/main" id="{10E5DD0E-A687-963B-1415-3F7429B9EB3A}"/>
+              </a:ext>
+            </a:extLst>
+          </p:cNvPr>
+          <p:cNvCxnSpPr>
+            <a:cxnSpLocks/>
+            <a:stCxn id="7" idx="3"/>
+            <a:endCxn id="26" idx="1"/>
+          </p:cNvCxnSpPr>
+          <p:nvPr/>
+        </p:nvCxnSpPr>
+        <p:spPr>
+          <a:xfrm flipV="1">
+            <a:off x="5888680" y="2906400"/>
+            <a:ext cx="169100" cy="167383"/>
+          </a:xfrm>
+          <a:prstGeom prst="curvedConnector3">
+            <a:avLst>
+              <a:gd name="adj1" fmla="val 50000"/>
+            </a:avLst>
+          </a:prstGeom>
+          <a:ln>
+            <a:solidFill>
+              <a:srgbClr val="C00000"/>
+            </a:solidFill>
+          </a:ln>
+        </p:spPr>
+        <p:style>
+          <a:lnRef idx="1">
+            <a:schemeClr val="accent1"/>
+          </a:lnRef>
+          <a:fillRef idx="0">
+            <a:schemeClr val="accent1"/>
+          </a:fillRef>
+          <a:effectRef idx="0">
+            <a:schemeClr val="accent1"/>
+          </a:effectRef>
+          <a:fontRef idx="minor">
+            <a:schemeClr val="tx1"/>
+          </a:fontRef>
+        </p:style>
+      </p:cxnSp>
+      <p:cxnSp>
+        <p:nvCxnSpPr>
+          <p:cNvPr id="121" name="连接符: 曲线 120">
+            <a:extLst>
+              <a:ext uri="{FF2B5EF4-FFF2-40B4-BE49-F238E27FC236}">
+                <a16:creationId xmlns:a16="http://schemas.microsoft.com/office/drawing/2014/main" id="{5E6615E3-8D72-AC02-8F82-0C0E07C8A063}"/>
+              </a:ext>
+            </a:extLst>
+          </p:cNvPr>
+          <p:cNvCxnSpPr>
+            <a:cxnSpLocks/>
+            <a:stCxn id="7" idx="3"/>
+            <a:endCxn id="108" idx="1"/>
+          </p:cNvCxnSpPr>
+          <p:nvPr/>
+        </p:nvCxnSpPr>
+        <p:spPr>
+          <a:xfrm>
+            <a:off x="5888680" y="3073783"/>
+            <a:ext cx="160970" cy="360617"/>
+          </a:xfrm>
+          <a:prstGeom prst="curvedConnector3">
+            <a:avLst>
+              <a:gd name="adj1" fmla="val 50000"/>
+            </a:avLst>
+          </a:prstGeom>
+          <a:ln>
+            <a:solidFill>
+              <a:srgbClr val="C00000"/>
+            </a:solidFill>
+          </a:ln>
+        </p:spPr>
+        <p:style>
+          <a:lnRef idx="1">
+            <a:schemeClr val="accent1"/>
+          </a:lnRef>
+          <a:fillRef idx="0">
+            <a:schemeClr val="accent1"/>
+          </a:fillRef>
+          <a:effectRef idx="0">
+            <a:schemeClr val="accent1"/>
+          </a:effectRef>
+          <a:fontRef idx="minor">
+            <a:schemeClr val="tx1"/>
+          </a:fontRef>
+        </p:style>
+      </p:cxnSp>
+      <p:sp>
+        <p:nvSpPr>
+          <p:cNvPr id="12" name="矩形: 圆角 11">
+            <a:extLst>
+              <a:ext uri="{FF2B5EF4-FFF2-40B4-BE49-F238E27FC236}">
+                <a16:creationId xmlns:a16="http://schemas.microsoft.com/office/drawing/2014/main" id="{720E96D7-080F-5915-CFE3-F48B6E4FAB2E}"/>
+              </a:ext>
+            </a:extLst>
+          </p:cNvPr>
+          <p:cNvSpPr/>
+          <p:nvPr/>
+        </p:nvSpPr>
+        <p:spPr>
+          <a:xfrm>
+            <a:off x="6057780" y="3062400"/>
+            <a:ext cx="900000" cy="216000"/>
+          </a:xfrm>
+          <a:prstGeom prst="roundRect">
+            <a:avLst/>
+          </a:prstGeom>
+          <a:solidFill>
+            <a:srgbClr val="FB837D"/>
+          </a:solidFill>
+          <a:ln w="12700">
+            <a:noFill/>
+          </a:ln>
+        </p:spPr>
+        <p:style>
+          <a:lnRef idx="2">
+            <a:schemeClr val="accent1">
+              <a:shade val="15000"/>
+            </a:schemeClr>
+          </a:lnRef>
+          <a:fillRef idx="1">
+            <a:schemeClr val="accent1"/>
+          </a:fillRef>
+          <a:effectRef idx="0">
+            <a:schemeClr val="accent1"/>
+          </a:effectRef>
+          <a:fontRef idx="minor">
+            <a:schemeClr val="lt1"/>
+          </a:fontRef>
+        </p:style>
+        <p:txBody>
+          <a:bodyPr rtlCol="0" anchor="ctr"/>
+          <a:lstStyle/>
+          <a:p>
+            <a:pPr algn="ctr"/>
+            <a:r>
+              <a:rPr lang="en-US" altLang="zh-CN" sz="800">
+                <a:latin typeface="Quicksand" panose="00000500000000000000" pitchFamily="2" charset="0"/>
+              </a:rPr>
+              <a:t>addToCarts()</a:t>
+            </a:r>
+            <a:endParaRPr lang="zh-CN" altLang="en-US" sz="800">
+              <a:latin typeface="Quicksand" panose="00000500000000000000" pitchFamily="2" charset="0"/>
+            </a:endParaRPr>
+          </a:p>
+        </p:txBody>
+      </p:sp>
+      <p:sp>
+        <p:nvSpPr>
+          <p:cNvPr id="35" name="矩形: 圆角 34">
+            <a:extLst>
+              <a:ext uri="{FF2B5EF4-FFF2-40B4-BE49-F238E27FC236}">
+                <a16:creationId xmlns:a16="http://schemas.microsoft.com/office/drawing/2014/main" id="{2560AFC3-5502-019C-04F5-A2B3EC196CEB}"/>
+              </a:ext>
+            </a:extLst>
+          </p:cNvPr>
+          <p:cNvSpPr/>
+          <p:nvPr/>
+        </p:nvSpPr>
+        <p:spPr>
+          <a:xfrm>
+            <a:off x="2730400" y="1947600"/>
+            <a:ext cx="1008000" cy="216000"/>
+          </a:xfrm>
+          <a:prstGeom prst="roundRect">
+            <a:avLst/>
+          </a:prstGeom>
+          <a:solidFill>
+            <a:srgbClr val="CCF2E5"/>
+          </a:solidFill>
+          <a:ln w="12700">
+            <a:noFill/>
+          </a:ln>
+        </p:spPr>
+        <p:style>
+          <a:lnRef idx="2">
+            <a:schemeClr val="accent1">
+              <a:shade val="15000"/>
+            </a:schemeClr>
+          </a:lnRef>
+          <a:fillRef idx="1">
+            <a:schemeClr val="accent1"/>
+          </a:fillRef>
+          <a:effectRef idx="0">
+            <a:schemeClr val="accent1"/>
+          </a:effectRef>
+          <a:fontRef idx="minor">
+            <a:schemeClr val="lt1"/>
+          </a:fontRef>
+        </p:style>
+        <p:txBody>
+          <a:bodyPr rtlCol="0" anchor="ctr"/>
+          <a:lstStyle/>
+          <a:p>
+            <a:pPr algn="ctr"/>
+            <a:r>
+              <a:rPr lang="en-US" altLang="zh-CN" sz="800">
+                <a:solidFill>
+                  <a:sysClr val="windowText" lastClr="000000"/>
+                </a:solidFill>
+                <a:latin typeface="Quicksand Light" panose="00000400000000000000" pitchFamily="2" charset="0"/>
+              </a:rPr>
+              <a:t>good</a:t>
+            </a:r>
+            <a:endParaRPr lang="zh-CN" altLang="en-US" sz="800">
+              <a:solidFill>
+                <a:sysClr val="windowText" lastClr="000000"/>
+              </a:solidFill>
+              <a:latin typeface="Quicksand Light" panose="00000400000000000000" pitchFamily="2" charset="0"/>
+            </a:endParaRPr>
+          </a:p>
+        </p:txBody>
+      </p:sp>
+      <p:sp>
+        <p:nvSpPr>
+          <p:cNvPr id="36" name="矩形: 圆角 35">
+            <a:extLst>
+              <a:ext uri="{FF2B5EF4-FFF2-40B4-BE49-F238E27FC236}">
+                <a16:creationId xmlns:a16="http://schemas.microsoft.com/office/drawing/2014/main" id="{DEA05F83-9848-938F-5765-BDA46419BE99}"/>
+              </a:ext>
+            </a:extLst>
+          </p:cNvPr>
+          <p:cNvSpPr/>
+          <p:nvPr/>
+        </p:nvSpPr>
+        <p:spPr>
+          <a:xfrm>
+            <a:off x="2730400" y="2237109"/>
+            <a:ext cx="1008000" cy="216000"/>
+          </a:xfrm>
+          <a:prstGeom prst="roundRect">
+            <a:avLst/>
+          </a:prstGeom>
+          <a:solidFill>
+            <a:srgbClr val="CCF2E5"/>
+          </a:solidFill>
+          <a:ln w="12700">
+            <a:noFill/>
+          </a:ln>
+        </p:spPr>
+        <p:style>
+          <a:lnRef idx="2">
+            <a:schemeClr val="accent1">
+              <a:shade val="15000"/>
+            </a:schemeClr>
+          </a:lnRef>
+          <a:fillRef idx="1">
+            <a:schemeClr val="accent1"/>
+          </a:fillRef>
+          <a:effectRef idx="0">
+            <a:schemeClr val="accent1"/>
+          </a:effectRef>
+          <a:fontRef idx="minor">
+            <a:schemeClr val="lt1"/>
+          </a:fontRef>
+        </p:style>
+        <p:txBody>
+          <a:bodyPr rtlCol="0" anchor="ctr"/>
+          <a:lstStyle/>
+          <a:p>
+            <a:pPr algn="ctr"/>
+            <a:r>
+              <a:rPr lang="en-US" altLang="zh-CN" sz="800">
+                <a:solidFill>
+                  <a:sysClr val="windowText" lastClr="000000"/>
+                </a:solidFill>
+                <a:latin typeface="Quicksand Light" panose="00000400000000000000" pitchFamily="2" charset="0"/>
+              </a:rPr>
+              <a:t>goodSelected</a:t>
+            </a:r>
+            <a:endParaRPr lang="zh-CN" altLang="en-US" sz="800">
+              <a:solidFill>
+                <a:sysClr val="windowText" lastClr="000000"/>
+              </a:solidFill>
+              <a:latin typeface="Quicksand Light" panose="00000400000000000000" pitchFamily="2" charset="0"/>
+            </a:endParaRPr>
+          </a:p>
+        </p:txBody>
+      </p:sp>
+      <p:sp>
+        <p:nvSpPr>
+          <p:cNvPr id="37" name="矩形: 圆角 36">
+            <a:extLst>
+              <a:ext uri="{FF2B5EF4-FFF2-40B4-BE49-F238E27FC236}">
+                <a16:creationId xmlns:a16="http://schemas.microsoft.com/office/drawing/2014/main" id="{61EF7C50-FB8D-FA1D-20B6-85409306F50D}"/>
+              </a:ext>
+            </a:extLst>
+          </p:cNvPr>
+          <p:cNvSpPr/>
+          <p:nvPr/>
+        </p:nvSpPr>
+        <p:spPr>
+          <a:xfrm>
+            <a:off x="2730400" y="2523600"/>
+            <a:ext cx="1008000" cy="216000"/>
+          </a:xfrm>
+          <a:prstGeom prst="roundRect">
+            <a:avLst/>
+          </a:prstGeom>
+          <a:solidFill>
+            <a:srgbClr val="CCF2E5"/>
+          </a:solidFill>
+          <a:ln w="12700">
+            <a:noFill/>
+          </a:ln>
+        </p:spPr>
+        <p:style>
+          <a:lnRef idx="2">
+            <a:schemeClr val="accent1">
+              <a:shade val="15000"/>
+            </a:schemeClr>
+          </a:lnRef>
+          <a:fillRef idx="1">
+            <a:schemeClr val="accent1"/>
+          </a:fillRef>
+          <a:effectRef idx="0">
+            <a:schemeClr val="accent1"/>
+          </a:effectRef>
+          <a:fontRef idx="minor">
+            <a:schemeClr val="lt1"/>
+          </a:fontRef>
+        </p:style>
+        <p:txBody>
+          <a:bodyPr rtlCol="0" anchor="ctr"/>
+          <a:lstStyle/>
+          <a:p>
+            <a:pPr algn="ctr"/>
+            <a:r>
+              <a:rPr lang="en-US" altLang="zh-CN" sz="800">
+                <a:solidFill>
+                  <a:sysClr val="windowText" lastClr="000000"/>
+                </a:solidFill>
+                <a:latin typeface="Quicksand Light" panose="00000400000000000000" pitchFamily="2" charset="0"/>
+              </a:rPr>
+              <a:t>addToCarts()</a:t>
+            </a:r>
+            <a:endParaRPr lang="zh-CN" altLang="en-US" sz="800">
+              <a:solidFill>
+                <a:sysClr val="windowText" lastClr="000000"/>
+              </a:solidFill>
+              <a:latin typeface="Quicksand Light" panose="00000400000000000000" pitchFamily="2" charset="0"/>
+            </a:endParaRPr>
+          </a:p>
+        </p:txBody>
+      </p:sp>
+      <p:cxnSp>
+        <p:nvCxnSpPr>
+          <p:cNvPr id="40" name="连接符: 曲线 39">
+            <a:extLst>
+              <a:ext uri="{FF2B5EF4-FFF2-40B4-BE49-F238E27FC236}">
+                <a16:creationId xmlns:a16="http://schemas.microsoft.com/office/drawing/2014/main" id="{4AC6721A-6244-50EC-47B3-5478511DF02F}"/>
+              </a:ext>
+            </a:extLst>
+          </p:cNvPr>
+          <p:cNvCxnSpPr>
+            <a:cxnSpLocks/>
+            <a:stCxn id="37" idx="3"/>
+            <a:endCxn id="4" idx="1"/>
+          </p:cNvCxnSpPr>
+          <p:nvPr/>
+        </p:nvCxnSpPr>
+        <p:spPr>
+          <a:xfrm flipV="1">
+            <a:off x="3738400" y="2345109"/>
+            <a:ext cx="189309" cy="286491"/>
+          </a:xfrm>
+          <a:prstGeom prst="curvedConnector3">
+            <a:avLst>
+              <a:gd name="adj1" fmla="val 50000"/>
+            </a:avLst>
+          </a:prstGeom>
+          <a:ln>
+            <a:solidFill>
+              <a:srgbClr val="00B050"/>
+            </a:solidFill>
+          </a:ln>
+        </p:spPr>
+        <p:style>
+          <a:lnRef idx="1">
+            <a:schemeClr val="accent1"/>
+          </a:lnRef>
+          <a:fillRef idx="0">
+            <a:schemeClr val="accent1"/>
+          </a:fillRef>
+          <a:effectRef idx="0">
+            <a:schemeClr val="accent1"/>
+          </a:effectRef>
+          <a:fontRef idx="minor">
+            <a:schemeClr val="tx1"/>
+          </a:fontRef>
+        </p:style>
+      </p:cxnSp>
+      <p:cxnSp>
+        <p:nvCxnSpPr>
+          <p:cNvPr id="45" name="直接连接符 44">
+            <a:extLst>
+              <a:ext uri="{FF2B5EF4-FFF2-40B4-BE49-F238E27FC236}">
+                <a16:creationId xmlns:a16="http://schemas.microsoft.com/office/drawing/2014/main" id="{64FC7AF9-BB31-5588-9F23-4B97028C7A12}"/>
+              </a:ext>
+            </a:extLst>
+          </p:cNvPr>
+          <p:cNvCxnSpPr>
+            <a:stCxn id="36" idx="3"/>
+            <a:endCxn id="4" idx="1"/>
+          </p:cNvCxnSpPr>
+          <p:nvPr/>
+        </p:nvCxnSpPr>
+        <p:spPr>
+          <a:xfrm>
+            <a:off x="3738400" y="2345109"/>
+            <a:ext cx="189309" cy="0"/>
+          </a:xfrm>
+          <a:prstGeom prst="line">
+            <a:avLst/>
+          </a:prstGeom>
+          <a:ln>
+            <a:solidFill>
+              <a:srgbClr val="00B050"/>
+            </a:solidFill>
+          </a:ln>
+        </p:spPr>
+        <p:style>
+          <a:lnRef idx="1">
+            <a:schemeClr val="accent1"/>
+          </a:lnRef>
+          <a:fillRef idx="0">
+            <a:schemeClr val="accent1"/>
+          </a:fillRef>
+          <a:effectRef idx="0">
+            <a:schemeClr val="accent1"/>
+          </a:effectRef>
+          <a:fontRef idx="minor">
+            <a:schemeClr val="tx1"/>
+          </a:fontRef>
+        </p:style>
+      </p:cxnSp>
+      <p:sp>
+        <p:nvSpPr>
+          <p:cNvPr id="54" name="矩形: 圆角 53">
+            <a:extLst>
+              <a:ext uri="{FF2B5EF4-FFF2-40B4-BE49-F238E27FC236}">
+                <a16:creationId xmlns:a16="http://schemas.microsoft.com/office/drawing/2014/main" id="{A46905A7-222F-AF3F-81E8-3E43C3A2AFC0}"/>
+              </a:ext>
+            </a:extLst>
+          </p:cNvPr>
+          <p:cNvSpPr/>
+          <p:nvPr/>
+        </p:nvSpPr>
+        <p:spPr>
+          <a:xfrm>
+            <a:off x="2730400" y="2946554"/>
+            <a:ext cx="1008000" cy="216000"/>
+          </a:xfrm>
+          <a:prstGeom prst="roundRect">
+            <a:avLst/>
+          </a:prstGeom>
+          <a:solidFill>
+            <a:srgbClr val="5C84CC">
+              <a:alpha val="89804"/>
+            </a:srgbClr>
+          </a:solidFill>
+          <a:ln w="12700">
+            <a:noFill/>
+          </a:ln>
+        </p:spPr>
+        <p:style>
+          <a:lnRef idx="2">
+            <a:schemeClr val="accent1">
+              <a:shade val="15000"/>
+            </a:schemeClr>
+          </a:lnRef>
+          <a:fillRef idx="1">
+            <a:schemeClr val="accent1"/>
+          </a:fillRef>
+          <a:effectRef idx="0">
+            <a:schemeClr val="accent1"/>
+          </a:effectRef>
+          <a:fontRef idx="minor">
+            <a:schemeClr val="lt1"/>
+          </a:fontRef>
+        </p:style>
+        <p:txBody>
+          <a:bodyPr rtlCol="0" anchor="ctr"/>
+          <a:lstStyle/>
+          <a:p>
+            <a:pPr algn="ctr"/>
+            <a:r>
+              <a:rPr lang="en-US" altLang="zh-CN" sz="800">
+                <a:latin typeface="Quicksand" panose="00000500000000000000" pitchFamily="2" charset="0"/>
+              </a:rPr>
+              <a:t>lists</a:t>
+            </a:r>
+            <a:endParaRPr lang="zh-CN" altLang="en-US" sz="800">
+              <a:latin typeface="Quicksand" panose="00000500000000000000" pitchFamily="2" charset="0"/>
+            </a:endParaRPr>
+          </a:p>
+        </p:txBody>
+      </p:sp>
+      <p:sp>
+        <p:nvSpPr>
+          <p:cNvPr id="55" name="矩形: 圆角 54">
+            <a:extLst>
+              <a:ext uri="{FF2B5EF4-FFF2-40B4-BE49-F238E27FC236}">
+                <a16:creationId xmlns:a16="http://schemas.microsoft.com/office/drawing/2014/main" id="{1B69FB84-588C-3B6F-29DC-0D207F19217B}"/>
+              </a:ext>
+            </a:extLst>
+          </p:cNvPr>
+          <p:cNvSpPr/>
+          <p:nvPr/>
+        </p:nvSpPr>
+        <p:spPr>
+          <a:xfrm>
+            <a:off x="2730400" y="3245715"/>
+            <a:ext cx="1008000" cy="216000"/>
+          </a:xfrm>
+          <a:prstGeom prst="roundRect">
+            <a:avLst/>
+          </a:prstGeom>
+          <a:solidFill>
+            <a:srgbClr val="5C84CC">
+              <a:alpha val="89804"/>
+            </a:srgbClr>
+          </a:solidFill>
+          <a:ln w="12700">
+            <a:noFill/>
+          </a:ln>
+        </p:spPr>
+        <p:style>
+          <a:lnRef idx="2">
+            <a:schemeClr val="accent1">
+              <a:shade val="15000"/>
+            </a:schemeClr>
+          </a:lnRef>
+          <a:fillRef idx="1">
+            <a:schemeClr val="accent1"/>
+          </a:fillRef>
+          <a:effectRef idx="0">
+            <a:schemeClr val="accent1"/>
+          </a:effectRef>
+          <a:fontRef idx="minor">
+            <a:schemeClr val="lt1"/>
+          </a:fontRef>
+        </p:style>
+        <p:txBody>
+          <a:bodyPr rtlCol="0" anchor="ctr"/>
+          <a:lstStyle/>
+          <a:p>
+            <a:pPr algn="ctr"/>
+            <a:r>
+              <a:rPr lang="en-US" altLang="zh-CN" sz="800">
+                <a:latin typeface="Quicksand" panose="00000500000000000000" pitchFamily="2" charset="0"/>
+              </a:rPr>
+              <a:t>selectedLists</a:t>
+            </a:r>
+            <a:endParaRPr lang="zh-CN" altLang="en-US" sz="800">
+              <a:latin typeface="Quicksand" panose="00000500000000000000" pitchFamily="2" charset="0"/>
+            </a:endParaRPr>
+          </a:p>
+        </p:txBody>
+      </p:sp>
+      <p:sp>
+        <p:nvSpPr>
+          <p:cNvPr id="56" name="矩形: 圆角 55">
+            <a:extLst>
+              <a:ext uri="{FF2B5EF4-FFF2-40B4-BE49-F238E27FC236}">
+                <a16:creationId xmlns:a16="http://schemas.microsoft.com/office/drawing/2014/main" id="{1761FC9C-89B8-41A0-8F5C-43B5E16AA3C1}"/>
+              </a:ext>
+            </a:extLst>
+          </p:cNvPr>
+          <p:cNvSpPr/>
+          <p:nvPr/>
+        </p:nvSpPr>
+        <p:spPr>
+          <a:xfrm>
+            <a:off x="2730400" y="3544876"/>
+            <a:ext cx="1008000" cy="216000"/>
+          </a:xfrm>
+          <a:prstGeom prst="roundRect">
+            <a:avLst/>
+          </a:prstGeom>
+          <a:solidFill>
+            <a:srgbClr val="5C84CC">
+              <a:alpha val="89804"/>
+            </a:srgbClr>
+          </a:solidFill>
+          <a:ln w="12700">
+            <a:noFill/>
+          </a:ln>
+        </p:spPr>
+        <p:style>
+          <a:lnRef idx="2">
+            <a:schemeClr val="accent1">
+              <a:shade val="15000"/>
+            </a:schemeClr>
+          </a:lnRef>
+          <a:fillRef idx="1">
+            <a:schemeClr val="accent1"/>
+          </a:fillRef>
+          <a:effectRef idx="0">
+            <a:schemeClr val="accent1"/>
+          </a:effectRef>
+          <a:fontRef idx="minor">
+            <a:schemeClr val="lt1"/>
+          </a:fontRef>
+        </p:style>
+        <p:txBody>
+          <a:bodyPr rtlCol="0" anchor="ctr"/>
+          <a:lstStyle/>
+          <a:p>
+            <a:pPr algn="ctr"/>
+            <a:r>
+              <a:rPr lang="en-US" altLang="zh-CN" sz="800">
+                <a:latin typeface="Quicksand" panose="00000500000000000000" pitchFamily="2" charset="0"/>
+              </a:rPr>
+              <a:t>isAll</a:t>
+            </a:r>
+            <a:endParaRPr lang="zh-CN" altLang="en-US" sz="800">
+              <a:latin typeface="Quicksand" panose="00000500000000000000" pitchFamily="2" charset="0"/>
+            </a:endParaRPr>
+          </a:p>
+        </p:txBody>
+      </p:sp>
+      <p:sp>
+        <p:nvSpPr>
+          <p:cNvPr id="57" name="矩形: 圆角 56">
+            <a:extLst>
+              <a:ext uri="{FF2B5EF4-FFF2-40B4-BE49-F238E27FC236}">
+                <a16:creationId xmlns:a16="http://schemas.microsoft.com/office/drawing/2014/main" id="{83DCAFDE-14F9-6845-DB80-8B8F839510C3}"/>
+              </a:ext>
+            </a:extLst>
+          </p:cNvPr>
+          <p:cNvSpPr/>
+          <p:nvPr/>
+        </p:nvSpPr>
+        <p:spPr>
+          <a:xfrm>
+            <a:off x="2730400" y="3844037"/>
+            <a:ext cx="1008000" cy="216000"/>
+          </a:xfrm>
+          <a:prstGeom prst="roundRect">
+            <a:avLst/>
+          </a:prstGeom>
+          <a:solidFill>
+            <a:srgbClr val="5C84CC">
+              <a:alpha val="89804"/>
+            </a:srgbClr>
+          </a:solidFill>
+          <a:ln w="12700">
+            <a:noFill/>
+          </a:ln>
+        </p:spPr>
+        <p:style>
+          <a:lnRef idx="2">
+            <a:schemeClr val="accent1">
+              <a:shade val="15000"/>
+            </a:schemeClr>
+          </a:lnRef>
+          <a:fillRef idx="1">
+            <a:schemeClr val="accent1"/>
+          </a:fillRef>
+          <a:effectRef idx="0">
+            <a:schemeClr val="accent1"/>
+          </a:effectRef>
+          <a:fontRef idx="minor">
+            <a:schemeClr val="lt1"/>
+          </a:fontRef>
+        </p:style>
+        <p:txBody>
+          <a:bodyPr rtlCol="0" anchor="ctr"/>
+          <a:lstStyle/>
+          <a:p>
+            <a:pPr algn="ctr"/>
+            <a:r>
+              <a:rPr lang="en-US" altLang="zh-CN" sz="800">
+                <a:latin typeface="Quicksand" panose="00000500000000000000" pitchFamily="2" charset="0"/>
+              </a:rPr>
+              <a:t>count</a:t>
+            </a:r>
+            <a:endParaRPr lang="zh-CN" altLang="en-US" sz="800">
+              <a:latin typeface="Quicksand" panose="00000500000000000000" pitchFamily="2" charset="0"/>
+            </a:endParaRPr>
+          </a:p>
+        </p:txBody>
+      </p:sp>
+      <p:sp>
+        <p:nvSpPr>
+          <p:cNvPr id="59" name="矩形: 圆角 58">
+            <a:extLst>
+              <a:ext uri="{FF2B5EF4-FFF2-40B4-BE49-F238E27FC236}">
+                <a16:creationId xmlns:a16="http://schemas.microsoft.com/office/drawing/2014/main" id="{D7B3F34F-6627-658C-A744-FBC9FDD8AF91}"/>
+              </a:ext>
+            </a:extLst>
+          </p:cNvPr>
+          <p:cNvSpPr/>
+          <p:nvPr/>
+        </p:nvSpPr>
+        <p:spPr>
+          <a:xfrm>
+            <a:off x="2730400" y="4143198"/>
+            <a:ext cx="1008000" cy="216000"/>
+          </a:xfrm>
+          <a:prstGeom prst="roundRect">
+            <a:avLst/>
+          </a:prstGeom>
+          <a:solidFill>
+            <a:srgbClr val="5C84CC">
+              <a:alpha val="89804"/>
+            </a:srgbClr>
+          </a:solidFill>
+          <a:ln w="12700">
+            <a:noFill/>
+          </a:ln>
+        </p:spPr>
+        <p:style>
+          <a:lnRef idx="2">
+            <a:schemeClr val="accent1">
+              <a:shade val="15000"/>
+            </a:schemeClr>
+          </a:lnRef>
+          <a:fillRef idx="1">
+            <a:schemeClr val="accent1"/>
+          </a:fillRef>
+          <a:effectRef idx="0">
+            <a:schemeClr val="accent1"/>
+          </a:effectRef>
+          <a:fontRef idx="minor">
+            <a:schemeClr val="lt1"/>
+          </a:fontRef>
+        </p:style>
+        <p:txBody>
+          <a:bodyPr rtlCol="0" anchor="ctr"/>
+          <a:lstStyle/>
+          <a:p>
+            <a:pPr algn="ctr"/>
+            <a:r>
+              <a:rPr lang="en-US" altLang="zh-CN" sz="800">
+                <a:latin typeface="Quicksand" panose="00000500000000000000" pitchFamily="2" charset="0"/>
+              </a:rPr>
+              <a:t>totalPrice</a:t>
+            </a:r>
+            <a:endParaRPr lang="zh-CN" altLang="en-US" sz="800">
+              <a:latin typeface="Quicksand" panose="00000500000000000000" pitchFamily="2" charset="0"/>
+            </a:endParaRPr>
+          </a:p>
+        </p:txBody>
+      </p:sp>
+      <p:sp>
+        <p:nvSpPr>
+          <p:cNvPr id="60" name="矩形: 圆角 59">
+            <a:extLst>
+              <a:ext uri="{FF2B5EF4-FFF2-40B4-BE49-F238E27FC236}">
+                <a16:creationId xmlns:a16="http://schemas.microsoft.com/office/drawing/2014/main" id="{69FD48F7-D13B-8DD4-D4AA-42DDEE93B189}"/>
+              </a:ext>
+            </a:extLst>
+          </p:cNvPr>
+          <p:cNvSpPr/>
+          <p:nvPr/>
+        </p:nvSpPr>
+        <p:spPr>
+          <a:xfrm>
+            <a:off x="2730400" y="4442359"/>
+            <a:ext cx="1008000" cy="216000"/>
+          </a:xfrm>
+          <a:prstGeom prst="roundRect">
+            <a:avLst/>
+          </a:prstGeom>
+          <a:solidFill>
+            <a:srgbClr val="5C84CC">
+              <a:alpha val="89804"/>
+            </a:srgbClr>
+          </a:solidFill>
+          <a:ln w="12700">
+            <a:noFill/>
+          </a:ln>
+        </p:spPr>
+        <p:style>
+          <a:lnRef idx="2">
+            <a:schemeClr val="accent1">
+              <a:shade val="15000"/>
+            </a:schemeClr>
+          </a:lnRef>
+          <a:fillRef idx="1">
+            <a:schemeClr val="accent1"/>
+          </a:fillRef>
+          <a:effectRef idx="0">
+            <a:schemeClr val="accent1"/>
+          </a:effectRef>
+          <a:fontRef idx="minor">
+            <a:schemeClr val="lt1"/>
+          </a:fontRef>
+        </p:style>
+        <p:txBody>
+          <a:bodyPr rtlCol="0" anchor="ctr"/>
+          <a:lstStyle/>
+          <a:p>
+            <a:pPr algn="ctr"/>
+            <a:r>
+              <a:rPr lang="en-US" altLang="zh-CN" sz="800">
+                <a:latin typeface="Quicksand" panose="00000500000000000000" pitchFamily="2" charset="0"/>
+              </a:rPr>
+              <a:t>discountPrice</a:t>
+            </a:r>
+            <a:endParaRPr lang="zh-CN" altLang="en-US" sz="800">
+              <a:latin typeface="Quicksand" panose="00000500000000000000" pitchFamily="2" charset="0"/>
+            </a:endParaRPr>
+          </a:p>
+        </p:txBody>
+      </p:sp>
+      <p:cxnSp>
+        <p:nvCxnSpPr>
+          <p:cNvPr id="61" name="连接符: 曲线 60">
+            <a:extLst>
+              <a:ext uri="{FF2B5EF4-FFF2-40B4-BE49-F238E27FC236}">
+                <a16:creationId xmlns:a16="http://schemas.microsoft.com/office/drawing/2014/main" id="{BD5BA532-7EB2-08C6-9059-CA4E846D5684}"/>
+              </a:ext>
+            </a:extLst>
+          </p:cNvPr>
+          <p:cNvCxnSpPr>
+            <a:cxnSpLocks/>
+            <a:stCxn id="54" idx="3"/>
+            <a:endCxn id="3" idx="1"/>
+          </p:cNvCxnSpPr>
+          <p:nvPr/>
+        </p:nvCxnSpPr>
+        <p:spPr>
+          <a:xfrm>
+            <a:off x="3738400" y="3054554"/>
+            <a:ext cx="189309" cy="747903"/>
+          </a:xfrm>
+          <a:prstGeom prst="curvedConnector3">
+            <a:avLst>
+              <a:gd name="adj1" fmla="val 50000"/>
+            </a:avLst>
+          </a:prstGeom>
+          <a:ln>
+            <a:solidFill>
+              <a:srgbClr val="6D91D1"/>
+            </a:solidFill>
+          </a:ln>
+        </p:spPr>
+        <p:style>
+          <a:lnRef idx="1">
+            <a:schemeClr val="accent1"/>
+          </a:lnRef>
+          <a:fillRef idx="0">
+            <a:schemeClr val="accent1"/>
+          </a:fillRef>
+          <a:effectRef idx="0">
+            <a:schemeClr val="accent1"/>
+          </a:effectRef>
+          <a:fontRef idx="minor">
+            <a:schemeClr val="tx1"/>
+          </a:fontRef>
+        </p:style>
+      </p:cxnSp>
+      <p:cxnSp>
+        <p:nvCxnSpPr>
+          <p:cNvPr id="68" name="连接符: 曲线 67">
+            <a:extLst>
+              <a:ext uri="{FF2B5EF4-FFF2-40B4-BE49-F238E27FC236}">
+                <a16:creationId xmlns:a16="http://schemas.microsoft.com/office/drawing/2014/main" id="{16E326BD-B4AE-1641-E70A-A6BFE4509A70}"/>
+              </a:ext>
+            </a:extLst>
+          </p:cNvPr>
+          <p:cNvCxnSpPr>
+            <a:cxnSpLocks/>
+            <a:stCxn id="55" idx="3"/>
+            <a:endCxn id="3" idx="1"/>
+          </p:cNvCxnSpPr>
+          <p:nvPr/>
+        </p:nvCxnSpPr>
+        <p:spPr>
+          <a:xfrm>
+            <a:off x="3738400" y="3353715"/>
+            <a:ext cx="189309" cy="448742"/>
+          </a:xfrm>
+          <a:prstGeom prst="curvedConnector3">
+            <a:avLst>
+              <a:gd name="adj1" fmla="val 50000"/>
+            </a:avLst>
+          </a:prstGeom>
+          <a:ln>
+            <a:solidFill>
+              <a:srgbClr val="6D91D1"/>
+            </a:solidFill>
+          </a:ln>
+        </p:spPr>
+        <p:style>
+          <a:lnRef idx="1">
+            <a:schemeClr val="accent1"/>
+          </a:lnRef>
+          <a:fillRef idx="0">
+            <a:schemeClr val="accent1"/>
+          </a:fillRef>
+          <a:effectRef idx="0">
+            <a:schemeClr val="accent1"/>
+          </a:effectRef>
+          <a:fontRef idx="minor">
+            <a:schemeClr val="tx1"/>
+          </a:fontRef>
+        </p:style>
+      </p:cxnSp>
+      <p:cxnSp>
+        <p:nvCxnSpPr>
+          <p:cNvPr id="75" name="连接符: 曲线 74">
+            <a:extLst>
+              <a:ext uri="{FF2B5EF4-FFF2-40B4-BE49-F238E27FC236}">
+                <a16:creationId xmlns:a16="http://schemas.microsoft.com/office/drawing/2014/main" id="{B5A66737-652E-D3AD-C2BA-7A64BF6D2DB4}"/>
+              </a:ext>
+            </a:extLst>
+          </p:cNvPr>
+          <p:cNvCxnSpPr>
+            <a:cxnSpLocks/>
+            <a:stCxn id="60" idx="3"/>
+            <a:endCxn id="3" idx="1"/>
+          </p:cNvCxnSpPr>
+          <p:nvPr/>
+        </p:nvCxnSpPr>
+        <p:spPr>
+          <a:xfrm flipV="1">
+            <a:off x="3738400" y="3802457"/>
+            <a:ext cx="189309" cy="747902"/>
+          </a:xfrm>
+          <a:prstGeom prst="curvedConnector3">
+            <a:avLst>
+              <a:gd name="adj1" fmla="val 50000"/>
+            </a:avLst>
+          </a:prstGeom>
+          <a:ln>
+            <a:solidFill>
+              <a:srgbClr val="6D91D1"/>
+            </a:solidFill>
+          </a:ln>
+        </p:spPr>
+        <p:style>
+          <a:lnRef idx="1">
+            <a:schemeClr val="accent1"/>
+          </a:lnRef>
+          <a:fillRef idx="0">
+            <a:schemeClr val="accent1"/>
+          </a:fillRef>
+          <a:effectRef idx="0">
+            <a:schemeClr val="accent1"/>
+          </a:effectRef>
+          <a:fontRef idx="minor">
+            <a:schemeClr val="tx1"/>
+          </a:fontRef>
+        </p:style>
+      </p:cxnSp>
+      <p:cxnSp>
+        <p:nvCxnSpPr>
+          <p:cNvPr id="78" name="连接符: 曲线 77">
+            <a:extLst>
+              <a:ext uri="{FF2B5EF4-FFF2-40B4-BE49-F238E27FC236}">
+                <a16:creationId xmlns:a16="http://schemas.microsoft.com/office/drawing/2014/main" id="{9C49D303-6593-4078-0C50-F1465C52AB10}"/>
+              </a:ext>
+            </a:extLst>
+          </p:cNvPr>
+          <p:cNvCxnSpPr>
+            <a:cxnSpLocks/>
+            <a:stCxn id="56" idx="3"/>
+            <a:endCxn id="3" idx="1"/>
+          </p:cNvCxnSpPr>
+          <p:nvPr/>
+        </p:nvCxnSpPr>
+        <p:spPr>
+          <a:xfrm>
+            <a:off x="3738400" y="3652876"/>
+            <a:ext cx="189309" cy="149581"/>
+          </a:xfrm>
+          <a:prstGeom prst="curvedConnector3">
+            <a:avLst>
+              <a:gd name="adj1" fmla="val 50000"/>
+            </a:avLst>
+          </a:prstGeom>
+          <a:ln>
+            <a:solidFill>
+              <a:srgbClr val="6D91D1"/>
+            </a:solidFill>
+          </a:ln>
+        </p:spPr>
+        <p:style>
+          <a:lnRef idx="1">
+            <a:schemeClr val="accent1"/>
+          </a:lnRef>
+          <a:fillRef idx="0">
+            <a:schemeClr val="accent1"/>
+          </a:fillRef>
+          <a:effectRef idx="0">
+            <a:schemeClr val="accent1"/>
+          </a:effectRef>
+          <a:fontRef idx="minor">
+            <a:schemeClr val="tx1"/>
+          </a:fontRef>
+        </p:style>
+      </p:cxnSp>
+      <p:cxnSp>
+        <p:nvCxnSpPr>
+          <p:cNvPr id="81" name="连接符: 曲线 80">
+            <a:extLst>
+              <a:ext uri="{FF2B5EF4-FFF2-40B4-BE49-F238E27FC236}">
+                <a16:creationId xmlns:a16="http://schemas.microsoft.com/office/drawing/2014/main" id="{96EB5F84-D1BD-20B5-2777-AB306C14B03E}"/>
+              </a:ext>
+            </a:extLst>
+          </p:cNvPr>
+          <p:cNvCxnSpPr>
+            <a:cxnSpLocks/>
+            <a:stCxn id="59" idx="3"/>
+            <a:endCxn id="3" idx="1"/>
+          </p:cNvCxnSpPr>
+          <p:nvPr/>
+        </p:nvCxnSpPr>
+        <p:spPr>
+          <a:xfrm flipV="1">
+            <a:off x="3738400" y="3802457"/>
+            <a:ext cx="189309" cy="448741"/>
+          </a:xfrm>
+          <a:prstGeom prst="curvedConnector3">
+            <a:avLst>
+              <a:gd name="adj1" fmla="val 50000"/>
+            </a:avLst>
+          </a:prstGeom>
+          <a:ln>
+            <a:solidFill>
+              <a:srgbClr val="6D91D1"/>
+            </a:solidFill>
+          </a:ln>
+        </p:spPr>
+        <p:style>
+          <a:lnRef idx="1">
+            <a:schemeClr val="accent1"/>
+          </a:lnRef>
+          <a:fillRef idx="0">
+            <a:schemeClr val="accent1"/>
+          </a:fillRef>
+          <a:effectRef idx="0">
+            <a:schemeClr val="accent1"/>
+          </a:effectRef>
+          <a:fontRef idx="minor">
+            <a:schemeClr val="tx1"/>
+          </a:fontRef>
+        </p:style>
+      </p:cxnSp>
+      <p:cxnSp>
+        <p:nvCxnSpPr>
+          <p:cNvPr id="86" name="连接符: 曲线 85">
+            <a:extLst>
+              <a:ext uri="{FF2B5EF4-FFF2-40B4-BE49-F238E27FC236}">
+                <a16:creationId xmlns:a16="http://schemas.microsoft.com/office/drawing/2014/main" id="{698C2E92-6E21-B7A7-AAAB-69046DD82A44}"/>
+              </a:ext>
+            </a:extLst>
+          </p:cNvPr>
+          <p:cNvCxnSpPr>
+            <a:cxnSpLocks/>
+            <a:stCxn id="57" idx="3"/>
+            <a:endCxn id="3" idx="1"/>
+          </p:cNvCxnSpPr>
+          <p:nvPr/>
+        </p:nvCxnSpPr>
+        <p:spPr>
+          <a:xfrm flipV="1">
+            <a:off x="3738400" y="3802457"/>
+            <a:ext cx="189309" cy="149580"/>
+          </a:xfrm>
+          <a:prstGeom prst="curvedConnector3">
+            <a:avLst>
+              <a:gd name="adj1" fmla="val 50000"/>
+            </a:avLst>
+          </a:prstGeom>
+          <a:ln>
+            <a:solidFill>
+              <a:srgbClr val="6D91D1"/>
+            </a:solidFill>
+          </a:ln>
+        </p:spPr>
+        <p:style>
+          <a:lnRef idx="1">
+            <a:schemeClr val="accent1"/>
+          </a:lnRef>
+          <a:fillRef idx="0">
+            <a:schemeClr val="accent1"/>
+          </a:fillRef>
+          <a:effectRef idx="0">
+            <a:schemeClr val="accent1"/>
+          </a:effectRef>
+          <a:fontRef idx="minor">
+            <a:schemeClr val="tx1"/>
+          </a:fontRef>
+        </p:style>
+      </p:cxnSp>
+    </p:spTree>
+    <p:extLst>
+      <p:ext uri="{BB962C8B-B14F-4D97-AF65-F5344CB8AC3E}">
+        <p14:creationId xmlns:p14="http://schemas.microsoft.com/office/powerpoint/2010/main" val="2989024140"/>
+      </p:ext>
+    </p:extLst>
+  </p:cSld>
+  <p:clrMapOvr>
+    <a:masterClrMapping/>
+  </p:clrMapOvr>
+</p:sld>
+</file>
+
+<file path=ppt/slides/slide5.xml><?xml version="1.0" encoding="utf-8"?>
+<p:sld xmlns:a="http://schemas.openxmlformats.org/drawingml/2006/main" xmlns:r="http://schemas.openxmlformats.org/officeDocument/2006/relationships" xmlns:p="http://schemas.openxmlformats.org/presentationml/2006/main">
+  <p:cSld>
+    <p:spTree>
+      <p:nvGrpSpPr>
+        <p:cNvPr id="1" name="">
+          <a:extLst>
+            <a:ext uri="{FF2B5EF4-FFF2-40B4-BE49-F238E27FC236}">
+              <a16:creationId xmlns:a16="http://schemas.microsoft.com/office/drawing/2014/main" id="{5C7A2C4C-DE35-8F5D-FAA3-1F45B914C406}"/>
+            </a:ext>
+          </a:extLst>
+        </p:cNvPr>
+        <p:cNvGrpSpPr/>
+        <p:nvPr/>
+      </p:nvGrpSpPr>
+      <p:grpSpPr>
+        <a:xfrm>
+          <a:off x="0" y="0"/>
+          <a:ext cx="0" cy="0"/>
+          <a:chOff x="0" y="0"/>
+          <a:chExt cx="0" cy="0"/>
+        </a:xfrm>
+      </p:grpSpPr>
+      <p:sp>
+        <p:nvSpPr>
+          <p:cNvPr id="7" name="矩形: 圆角 6">
+            <a:extLst>
+              <a:ext uri="{FF2B5EF4-FFF2-40B4-BE49-F238E27FC236}">
+                <a16:creationId xmlns:a16="http://schemas.microsoft.com/office/drawing/2014/main" id="{E9167702-BFB3-0DB3-BB79-C1FC75427EA0}"/>
+              </a:ext>
+            </a:extLst>
+          </p:cNvPr>
+          <p:cNvSpPr/>
+          <p:nvPr/>
+        </p:nvSpPr>
+        <p:spPr>
+          <a:xfrm>
+            <a:off x="4988680" y="2930400"/>
+            <a:ext cx="900000" cy="216000"/>
+          </a:xfrm>
+          <a:prstGeom prst="roundRect">
+            <a:avLst/>
+          </a:prstGeom>
+          <a:solidFill>
+            <a:srgbClr val="335BA3">
+              <a:alpha val="89804"/>
+            </a:srgbClr>
+          </a:solidFill>
+          <a:ln w="12700">
+            <a:noFill/>
+          </a:ln>
+        </p:spPr>
+        <p:style>
+          <a:lnRef idx="2">
+            <a:schemeClr val="accent1">
+              <a:shade val="15000"/>
+            </a:schemeClr>
+          </a:lnRef>
+          <a:fillRef idx="1">
+            <a:schemeClr val="accent1"/>
+          </a:fillRef>
+          <a:effectRef idx="0">
+            <a:schemeClr val="accent1"/>
+          </a:effectRef>
+          <a:fontRef idx="minor">
+            <a:schemeClr val="lt1"/>
+          </a:fontRef>
+        </p:style>
+        <p:txBody>
+          <a:bodyPr rtlCol="0" anchor="ctr"/>
+          <a:lstStyle/>
+          <a:p>
+            <a:pPr algn="ctr"/>
+            <a:r>
+              <a:rPr lang="en-US" altLang="zh-CN" sz="800">
+                <a:latin typeface="Quicksand" panose="00000500000000000000" pitchFamily="2" charset="0"/>
+              </a:rPr>
+              <a:t>li::before</a:t>
+            </a:r>
+            <a:endParaRPr lang="zh-CN" altLang="en-US" sz="800">
+              <a:latin typeface="Quicksand" panose="00000500000000000000" pitchFamily="2" charset="0"/>
+            </a:endParaRPr>
+          </a:p>
+        </p:txBody>
+      </p:sp>
+      <p:sp>
+        <p:nvSpPr>
+          <p:cNvPr id="25" name="矩形: 圆角 24">
+            <a:extLst>
+              <a:ext uri="{FF2B5EF4-FFF2-40B4-BE49-F238E27FC236}">
+                <a16:creationId xmlns:a16="http://schemas.microsoft.com/office/drawing/2014/main" id="{DB29B0F0-7681-C319-D905-61DFC9EA1742}"/>
+              </a:ext>
+            </a:extLst>
+          </p:cNvPr>
+          <p:cNvSpPr/>
+          <p:nvPr/>
+        </p:nvSpPr>
+        <p:spPr>
+          <a:xfrm>
+            <a:off x="6057780" y="2534400"/>
+            <a:ext cx="900000" cy="216000"/>
+          </a:xfrm>
+          <a:prstGeom prst="roundRect">
+            <a:avLst/>
+          </a:prstGeom>
+          <a:solidFill>
+            <a:srgbClr val="F9423A">
+              <a:alpha val="89804"/>
+            </a:srgbClr>
+          </a:solidFill>
+          <a:ln w="12700">
+            <a:noFill/>
+          </a:ln>
+        </p:spPr>
+        <p:style>
+          <a:lnRef idx="2">
+            <a:schemeClr val="accent1">
+              <a:shade val="15000"/>
+            </a:schemeClr>
+          </a:lnRef>
+          <a:fillRef idx="1">
+            <a:schemeClr val="accent1"/>
+          </a:fillRef>
+          <a:effectRef idx="0">
+            <a:schemeClr val="accent1"/>
+          </a:effectRef>
+          <a:fontRef idx="minor">
+            <a:schemeClr val="lt1"/>
+          </a:fontRef>
+        </p:style>
+        <p:txBody>
+          <a:bodyPr rtlCol="0" anchor="ctr"/>
+          <a:lstStyle/>
+          <a:p>
+            <a:pPr algn="ctr"/>
+            <a:r>
+              <a:rPr lang="en-US" altLang="zh-CN" sz="800">
+                <a:latin typeface="Quicksand" panose="00000500000000000000" pitchFamily="2" charset="0"/>
+              </a:rPr>
+              <a:t>String of text</a:t>
+            </a:r>
+            <a:endParaRPr lang="zh-CN" altLang="en-US" sz="800">
+              <a:latin typeface="Quicksand" panose="00000500000000000000" pitchFamily="2" charset="0"/>
+            </a:endParaRPr>
+          </a:p>
+        </p:txBody>
+      </p:sp>
+      <p:sp>
+        <p:nvSpPr>
+          <p:cNvPr id="26" name="矩形: 圆角 25">
+            <a:extLst>
+              <a:ext uri="{FF2B5EF4-FFF2-40B4-BE49-F238E27FC236}">
+                <a16:creationId xmlns:a16="http://schemas.microsoft.com/office/drawing/2014/main" id="{A362D5C7-ED9E-7876-9B3A-5E7694F2029B}"/>
+              </a:ext>
+            </a:extLst>
+          </p:cNvPr>
+          <p:cNvSpPr/>
+          <p:nvPr/>
+        </p:nvSpPr>
+        <p:spPr>
+          <a:xfrm>
+            <a:off x="6057780" y="2798400"/>
+            <a:ext cx="900000" cy="216000"/>
+          </a:xfrm>
+          <a:prstGeom prst="roundRect">
+            <a:avLst/>
+          </a:prstGeom>
+          <a:solidFill>
+            <a:srgbClr val="F6A04D">
+              <a:alpha val="89804"/>
+            </a:srgbClr>
+          </a:solidFill>
+          <a:ln w="12700">
+            <a:noFill/>
+          </a:ln>
+        </p:spPr>
+        <p:style>
+          <a:lnRef idx="2">
+            <a:schemeClr val="accent1">
+              <a:shade val="15000"/>
+            </a:schemeClr>
+          </a:lnRef>
+          <a:fillRef idx="1">
+            <a:schemeClr val="accent1"/>
+          </a:fillRef>
+          <a:effectRef idx="0">
+            <a:schemeClr val="accent1"/>
+          </a:effectRef>
+          <a:fontRef idx="minor">
+            <a:schemeClr val="lt1"/>
+          </a:fontRef>
+        </p:style>
+        <p:txBody>
+          <a:bodyPr rtlCol="0" anchor="ctr"/>
+          <a:lstStyle/>
+          <a:p>
+            <a:pPr algn="ctr"/>
+            <a:r>
+              <a:rPr lang="en-US" altLang="zh-CN" sz="800">
+                <a:latin typeface="Quicksand" panose="00000500000000000000" pitchFamily="2" charset="0"/>
+              </a:rPr>
+              <a:t>Entity</a:t>
+            </a:r>
+            <a:endParaRPr lang="zh-CN" altLang="en-US" sz="800">
+              <a:latin typeface="Quicksand" panose="00000500000000000000" pitchFamily="2" charset="0"/>
+            </a:endParaRPr>
+          </a:p>
+        </p:txBody>
+      </p:sp>
+      <p:cxnSp>
+        <p:nvCxnSpPr>
+          <p:cNvPr id="28" name="连接符: 曲线 27">
+            <a:extLst>
+              <a:ext uri="{FF2B5EF4-FFF2-40B4-BE49-F238E27FC236}">
+                <a16:creationId xmlns:a16="http://schemas.microsoft.com/office/drawing/2014/main" id="{3CC45C27-5C3D-1BF1-5E05-EB880994D1C9}"/>
+              </a:ext>
+            </a:extLst>
+          </p:cNvPr>
+          <p:cNvCxnSpPr>
+            <a:cxnSpLocks/>
+            <a:stCxn id="7" idx="3"/>
+            <a:endCxn id="25" idx="1"/>
+          </p:cNvCxnSpPr>
+          <p:nvPr/>
+        </p:nvCxnSpPr>
+        <p:spPr>
+          <a:xfrm flipV="1">
+            <a:off x="5888680" y="2642400"/>
+            <a:ext cx="169100" cy="396000"/>
+          </a:xfrm>
+          <a:prstGeom prst="curvedConnector3">
+            <a:avLst/>
+          </a:prstGeom>
+          <a:ln>
+            <a:solidFill>
+              <a:srgbClr val="C00000"/>
+            </a:solidFill>
+          </a:ln>
+        </p:spPr>
+        <p:style>
+          <a:lnRef idx="1">
+            <a:schemeClr val="accent1"/>
+          </a:lnRef>
+          <a:fillRef idx="0">
+            <a:schemeClr val="accent1"/>
+          </a:fillRef>
+          <a:effectRef idx="0">
+            <a:schemeClr val="accent1"/>
+          </a:effectRef>
+          <a:fontRef idx="minor">
+            <a:schemeClr val="tx1"/>
+          </a:fontRef>
+        </p:style>
+      </p:cxnSp>
+      <p:cxnSp>
+        <p:nvCxnSpPr>
+          <p:cNvPr id="34" name="连接符: 曲线 33">
+            <a:extLst>
+              <a:ext uri="{FF2B5EF4-FFF2-40B4-BE49-F238E27FC236}">
+                <a16:creationId xmlns:a16="http://schemas.microsoft.com/office/drawing/2014/main" id="{D6AAD16A-0663-8D07-DC16-C4F0A658F0A3}"/>
+              </a:ext>
+            </a:extLst>
+          </p:cNvPr>
+          <p:cNvCxnSpPr>
+            <a:cxnSpLocks/>
+            <a:stCxn id="7" idx="3"/>
+            <a:endCxn id="12" idx="1"/>
+          </p:cNvCxnSpPr>
+          <p:nvPr/>
+        </p:nvCxnSpPr>
+        <p:spPr>
+          <a:xfrm>
+            <a:off x="5888680" y="3038400"/>
+            <a:ext cx="169100" cy="132000"/>
+          </a:xfrm>
+          <a:prstGeom prst="curvedConnector3">
+            <a:avLst>
+              <a:gd name="adj1" fmla="val 50000"/>
+            </a:avLst>
+          </a:prstGeom>
+          <a:ln>
+            <a:solidFill>
+              <a:srgbClr val="9966FF"/>
+            </a:solidFill>
+          </a:ln>
+        </p:spPr>
+        <p:style>
+          <a:lnRef idx="1">
+            <a:schemeClr val="accent1"/>
+          </a:lnRef>
+          <a:fillRef idx="0">
+            <a:schemeClr val="accent1"/>
+          </a:fillRef>
+          <a:effectRef idx="0">
+            <a:schemeClr val="accent1"/>
+          </a:effectRef>
+          <a:fontRef idx="minor">
+            <a:schemeClr val="tx1"/>
+          </a:fontRef>
+        </p:style>
+      </p:cxnSp>
+      <p:sp>
+        <p:nvSpPr>
+          <p:cNvPr id="108" name="矩形: 圆角 107">
+            <a:extLst>
+              <a:ext uri="{FF2B5EF4-FFF2-40B4-BE49-F238E27FC236}">
+                <a16:creationId xmlns:a16="http://schemas.microsoft.com/office/drawing/2014/main" id="{509F35E6-BC71-27B6-AB68-9D6D8641D9DE}"/>
+              </a:ext>
+            </a:extLst>
+          </p:cNvPr>
+          <p:cNvSpPr/>
+          <p:nvPr/>
+        </p:nvSpPr>
+        <p:spPr>
+          <a:xfrm>
+            <a:off x="6049650" y="3326400"/>
+            <a:ext cx="900000" cy="216000"/>
+          </a:xfrm>
+          <a:prstGeom prst="roundRect">
+            <a:avLst/>
+          </a:prstGeom>
+          <a:solidFill>
+            <a:srgbClr val="FB837D"/>
+          </a:solidFill>
+          <a:ln w="12700">
+            <a:noFill/>
+          </a:ln>
+        </p:spPr>
+        <p:style>
+          <a:lnRef idx="2">
+            <a:schemeClr val="accent1">
+              <a:shade val="15000"/>
+            </a:schemeClr>
+          </a:lnRef>
+          <a:fillRef idx="1">
+            <a:schemeClr val="accent1"/>
+          </a:fillRef>
+          <a:effectRef idx="0">
+            <a:schemeClr val="accent1"/>
+          </a:effectRef>
+          <a:fontRef idx="minor">
+            <a:schemeClr val="lt1"/>
+          </a:fontRef>
+        </p:style>
+        <p:txBody>
+          <a:bodyPr rtlCol="0" anchor="ctr"/>
+          <a:lstStyle/>
+          <a:p>
+            <a:pPr algn="ctr"/>
+            <a:r>
+              <a:rPr lang="en-US" altLang="zh-CN" sz="800">
+                <a:latin typeface="Quicksand" panose="00000500000000000000" pitchFamily="2" charset="0"/>
+              </a:rPr>
+              <a:t>counter</a:t>
+            </a:r>
+            <a:endParaRPr lang="zh-CN" altLang="en-US" sz="800">
+              <a:latin typeface="Quicksand" panose="00000500000000000000" pitchFamily="2" charset="0"/>
+            </a:endParaRPr>
+          </a:p>
+        </p:txBody>
+      </p:sp>
+      <p:cxnSp>
+        <p:nvCxnSpPr>
+          <p:cNvPr id="118" name="连接符: 曲线 117">
+            <a:extLst>
+              <a:ext uri="{FF2B5EF4-FFF2-40B4-BE49-F238E27FC236}">
+                <a16:creationId xmlns:a16="http://schemas.microsoft.com/office/drawing/2014/main" id="{DC5EF390-7693-C62F-379C-E8944F075A72}"/>
+              </a:ext>
+            </a:extLst>
+          </p:cNvPr>
+          <p:cNvCxnSpPr>
+            <a:cxnSpLocks/>
+            <a:stCxn id="7" idx="3"/>
+            <a:endCxn id="26" idx="1"/>
+          </p:cNvCxnSpPr>
+          <p:nvPr/>
+        </p:nvCxnSpPr>
+        <p:spPr>
+          <a:xfrm flipV="1">
+            <a:off x="5888680" y="2906400"/>
+            <a:ext cx="169100" cy="132000"/>
+          </a:xfrm>
+          <a:prstGeom prst="curvedConnector3">
+            <a:avLst>
+              <a:gd name="adj1" fmla="val 50000"/>
+            </a:avLst>
+          </a:prstGeom>
+          <a:ln>
+            <a:solidFill>
+              <a:srgbClr val="F7AA5F"/>
+            </a:solidFill>
+          </a:ln>
+        </p:spPr>
+        <p:style>
+          <a:lnRef idx="1">
+            <a:schemeClr val="accent1"/>
+          </a:lnRef>
+          <a:fillRef idx="0">
+            <a:schemeClr val="accent1"/>
+          </a:fillRef>
+          <a:effectRef idx="0">
+            <a:schemeClr val="accent1"/>
+          </a:effectRef>
+          <a:fontRef idx="minor">
+            <a:schemeClr val="tx1"/>
+          </a:fontRef>
+        </p:style>
+      </p:cxnSp>
+      <p:cxnSp>
+        <p:nvCxnSpPr>
+          <p:cNvPr id="121" name="连接符: 曲线 120">
+            <a:extLst>
+              <a:ext uri="{FF2B5EF4-FFF2-40B4-BE49-F238E27FC236}">
+                <a16:creationId xmlns:a16="http://schemas.microsoft.com/office/drawing/2014/main" id="{1D3BCEB4-577A-2C82-5900-26B41E83F91D}"/>
+              </a:ext>
+            </a:extLst>
+          </p:cNvPr>
+          <p:cNvCxnSpPr>
+            <a:cxnSpLocks/>
+            <a:stCxn id="7" idx="3"/>
+            <a:endCxn id="108" idx="1"/>
+          </p:cNvCxnSpPr>
+          <p:nvPr/>
+        </p:nvCxnSpPr>
+        <p:spPr>
+          <a:xfrm>
+            <a:off x="5888680" y="3038400"/>
+            <a:ext cx="160970" cy="396000"/>
+          </a:xfrm>
+          <a:prstGeom prst="curvedConnector3">
+            <a:avLst>
+              <a:gd name="adj1" fmla="val 50000"/>
+            </a:avLst>
+          </a:prstGeom>
+          <a:ln>
+            <a:solidFill>
+              <a:srgbClr val="00B050"/>
+            </a:solidFill>
+          </a:ln>
+        </p:spPr>
+        <p:style>
+          <a:lnRef idx="1">
+            <a:schemeClr val="accent1"/>
+          </a:lnRef>
+          <a:fillRef idx="0">
+            <a:schemeClr val="accent1"/>
+          </a:fillRef>
+          <a:effectRef idx="0">
+            <a:schemeClr val="accent1"/>
+          </a:effectRef>
+          <a:fontRef idx="minor">
+            <a:schemeClr val="tx1"/>
+          </a:fontRef>
+        </p:style>
+      </p:cxnSp>
+      <p:sp>
+        <p:nvSpPr>
+          <p:cNvPr id="12" name="矩形: 圆角 11">
+            <a:extLst>
+              <a:ext uri="{FF2B5EF4-FFF2-40B4-BE49-F238E27FC236}">
+                <a16:creationId xmlns:a16="http://schemas.microsoft.com/office/drawing/2014/main" id="{E4023AE0-10C4-EDDD-C931-D3E49B6AC7C9}"/>
+              </a:ext>
+            </a:extLst>
+          </p:cNvPr>
+          <p:cNvSpPr/>
+          <p:nvPr/>
+        </p:nvSpPr>
+        <p:spPr>
+          <a:xfrm>
+            <a:off x="6057780" y="3062400"/>
+            <a:ext cx="900000" cy="216000"/>
+          </a:xfrm>
+          <a:prstGeom prst="roundRect">
+            <a:avLst/>
+          </a:prstGeom>
+          <a:solidFill>
+            <a:srgbClr val="9966FF"/>
+          </a:solidFill>
+          <a:ln w="12700">
+            <a:noFill/>
+          </a:ln>
+        </p:spPr>
+        <p:style>
+          <a:lnRef idx="2">
+            <a:schemeClr val="accent1">
+              <a:shade val="15000"/>
+            </a:schemeClr>
+          </a:lnRef>
+          <a:fillRef idx="1">
+            <a:schemeClr val="accent1"/>
+          </a:fillRef>
+          <a:effectRef idx="0">
+            <a:schemeClr val="accent1"/>
+          </a:effectRef>
+          <a:fontRef idx="minor">
+            <a:schemeClr val="lt1"/>
+          </a:fontRef>
+        </p:style>
+        <p:txBody>
+          <a:bodyPr rtlCol="0" anchor="ctr"/>
+          <a:lstStyle/>
+          <a:p>
+            <a:pPr algn="ctr"/>
+            <a:r>
+              <a:rPr lang="en-US" altLang="zh-CN" sz="800">
+                <a:solidFill>
+                  <a:schemeClr val="bg1"/>
+                </a:solidFill>
+                <a:latin typeface="Quicksand Light" panose="00000400000000000000" pitchFamily="2" charset="0"/>
+              </a:rPr>
+              <a:t>Iconfont</a:t>
+            </a:r>
+            <a:endParaRPr lang="zh-CN" altLang="en-US" sz="800">
+              <a:solidFill>
+                <a:schemeClr val="bg1"/>
+              </a:solidFill>
+              <a:latin typeface="Quicksand Light" panose="00000400000000000000" pitchFamily="2" charset="0"/>
+            </a:endParaRPr>
+          </a:p>
+        </p:txBody>
+      </p:sp>
+      <p:sp>
+        <p:nvSpPr>
+          <p:cNvPr id="2" name="矩形: 圆角 1">
+            <a:extLst>
+              <a:ext uri="{FF2B5EF4-FFF2-40B4-BE49-F238E27FC236}">
+                <a16:creationId xmlns:a16="http://schemas.microsoft.com/office/drawing/2014/main" id="{83E28516-AB33-28C4-44B6-24DE28D98661}"/>
+              </a:ext>
+            </a:extLst>
+          </p:cNvPr>
+          <p:cNvSpPr/>
+          <p:nvPr/>
+        </p:nvSpPr>
+        <p:spPr>
+          <a:xfrm>
+            <a:off x="7126880" y="2798400"/>
+            <a:ext cx="900000" cy="216000"/>
+          </a:xfrm>
+          <a:prstGeom prst="roundRect">
+            <a:avLst/>
+          </a:prstGeom>
+          <a:solidFill>
+            <a:srgbClr val="CCF2E5"/>
+          </a:solidFill>
+          <a:ln w="12700">
+            <a:noFill/>
+          </a:ln>
+        </p:spPr>
+        <p:style>
+          <a:lnRef idx="2">
+            <a:schemeClr val="accent1">
+              <a:shade val="15000"/>
+            </a:schemeClr>
+          </a:lnRef>
+          <a:fillRef idx="1">
+            <a:schemeClr val="accent1"/>
+          </a:fillRef>
+          <a:effectRef idx="0">
+            <a:schemeClr val="accent1"/>
+          </a:effectRef>
+          <a:fontRef idx="minor">
+            <a:schemeClr val="lt1"/>
+          </a:fontRef>
+        </p:style>
+        <p:txBody>
+          <a:bodyPr rtlCol="0" anchor="ctr"/>
+          <a:lstStyle/>
+          <a:p>
+            <a:pPr algn="ctr"/>
+            <a:r>
+              <a:rPr lang="en-US" altLang="zh-CN" sz="800">
+                <a:solidFill>
+                  <a:sysClr val="windowText" lastClr="000000"/>
+                </a:solidFill>
+                <a:latin typeface="Quicksand Light" panose="00000400000000000000" pitchFamily="2" charset="0"/>
+              </a:rPr>
+              <a:t>Unicode</a:t>
+            </a:r>
+            <a:endParaRPr lang="zh-CN" altLang="en-US" sz="800">
+              <a:solidFill>
+                <a:sysClr val="windowText" lastClr="000000"/>
+              </a:solidFill>
+              <a:latin typeface="Quicksand Light" panose="00000400000000000000" pitchFamily="2" charset="0"/>
+            </a:endParaRPr>
+          </a:p>
+        </p:txBody>
+      </p:sp>
+      <p:sp>
+        <p:nvSpPr>
+          <p:cNvPr id="5" name="矩形: 圆角 4">
+            <a:extLst>
+              <a:ext uri="{FF2B5EF4-FFF2-40B4-BE49-F238E27FC236}">
+                <a16:creationId xmlns:a16="http://schemas.microsoft.com/office/drawing/2014/main" id="{EC9DFEFA-DE6D-C382-23DE-033158234380}"/>
+              </a:ext>
+            </a:extLst>
+          </p:cNvPr>
+          <p:cNvSpPr/>
+          <p:nvPr/>
+        </p:nvSpPr>
+        <p:spPr>
+          <a:xfrm>
+            <a:off x="7126880" y="3062400"/>
+            <a:ext cx="900000" cy="216000"/>
+          </a:xfrm>
+          <a:prstGeom prst="roundRect">
+            <a:avLst/>
+          </a:prstGeom>
+          <a:solidFill>
+            <a:srgbClr val="CCF2E5"/>
+          </a:solidFill>
+          <a:ln w="12700">
+            <a:noFill/>
+          </a:ln>
+        </p:spPr>
+        <p:style>
+          <a:lnRef idx="2">
+            <a:schemeClr val="accent1">
+              <a:shade val="15000"/>
+            </a:schemeClr>
+          </a:lnRef>
+          <a:fillRef idx="1">
+            <a:schemeClr val="accent1"/>
+          </a:fillRef>
+          <a:effectRef idx="0">
+            <a:schemeClr val="accent1"/>
+          </a:effectRef>
+          <a:fontRef idx="minor">
+            <a:schemeClr val="lt1"/>
+          </a:fontRef>
+        </p:style>
+        <p:txBody>
+          <a:bodyPr rtlCol="0" anchor="ctr"/>
+          <a:lstStyle/>
+          <a:p>
+            <a:pPr algn="ctr"/>
+            <a:r>
+              <a:rPr lang="en-US" altLang="zh-CN" sz="800">
+                <a:solidFill>
+                  <a:sysClr val="windowText" lastClr="000000"/>
+                </a:solidFill>
+                <a:latin typeface="Quicksand Light" panose="00000400000000000000" pitchFamily="2" charset="0"/>
+              </a:rPr>
+              <a:t>Unicode</a:t>
+            </a:r>
+            <a:endParaRPr lang="zh-CN" altLang="en-US" sz="800">
+              <a:solidFill>
+                <a:sysClr val="windowText" lastClr="000000"/>
+              </a:solidFill>
+              <a:latin typeface="Quicksand Light" panose="00000400000000000000" pitchFamily="2" charset="0"/>
+            </a:endParaRPr>
+          </a:p>
+        </p:txBody>
+      </p:sp>
+      <p:cxnSp>
+        <p:nvCxnSpPr>
+          <p:cNvPr id="8" name="直接连接符 7">
+            <a:extLst>
+              <a:ext uri="{FF2B5EF4-FFF2-40B4-BE49-F238E27FC236}">
+                <a16:creationId xmlns:a16="http://schemas.microsoft.com/office/drawing/2014/main" id="{9C72856E-D2DA-7E17-A337-C4361ABDE71E}"/>
+              </a:ext>
+            </a:extLst>
+          </p:cNvPr>
+          <p:cNvCxnSpPr>
+            <a:stCxn id="26" idx="3"/>
+            <a:endCxn id="2" idx="1"/>
+          </p:cNvCxnSpPr>
+          <p:nvPr/>
+        </p:nvCxnSpPr>
+        <p:spPr>
+          <a:xfrm>
+            <a:off x="6957780" y="2906400"/>
+            <a:ext cx="169100" cy="0"/>
+          </a:xfrm>
+          <a:prstGeom prst="line">
+            <a:avLst/>
+          </a:prstGeom>
+          <a:ln>
+            <a:solidFill>
+              <a:srgbClr val="F7AA5F"/>
+            </a:solidFill>
+          </a:ln>
+        </p:spPr>
+        <p:style>
+          <a:lnRef idx="1">
+            <a:schemeClr val="accent1"/>
+          </a:lnRef>
+          <a:fillRef idx="0">
+            <a:schemeClr val="accent1"/>
+          </a:fillRef>
+          <a:effectRef idx="0">
+            <a:schemeClr val="accent1"/>
+          </a:effectRef>
+          <a:fontRef idx="minor">
+            <a:schemeClr val="tx1"/>
+          </a:fontRef>
+        </p:style>
+      </p:cxnSp>
+      <p:cxnSp>
+        <p:nvCxnSpPr>
+          <p:cNvPr id="10" name="直接连接符 9">
+            <a:extLst>
+              <a:ext uri="{FF2B5EF4-FFF2-40B4-BE49-F238E27FC236}">
+                <a16:creationId xmlns:a16="http://schemas.microsoft.com/office/drawing/2014/main" id="{E671B0F8-4EB3-1F8A-06EB-35F88593DCA1}"/>
+              </a:ext>
+            </a:extLst>
+          </p:cNvPr>
+          <p:cNvCxnSpPr>
+            <a:stCxn id="12" idx="3"/>
+            <a:endCxn id="5" idx="1"/>
+          </p:cNvCxnSpPr>
+          <p:nvPr/>
+        </p:nvCxnSpPr>
+        <p:spPr>
+          <a:xfrm>
+            <a:off x="6957780" y="3170400"/>
+            <a:ext cx="169100" cy="0"/>
+          </a:xfrm>
+          <a:prstGeom prst="line">
+            <a:avLst/>
+          </a:prstGeom>
+          <a:ln>
+            <a:solidFill>
+              <a:srgbClr val="9966FF"/>
+            </a:solidFill>
+          </a:ln>
+        </p:spPr>
+        <p:style>
+          <a:lnRef idx="1">
+            <a:schemeClr val="accent1"/>
+          </a:lnRef>
+          <a:fillRef idx="0">
+            <a:schemeClr val="accent1"/>
+          </a:fillRef>
+          <a:effectRef idx="0">
+            <a:schemeClr val="accent1"/>
+          </a:effectRef>
+          <a:fontRef idx="minor">
+            <a:schemeClr val="tx1"/>
+          </a:fontRef>
+        </p:style>
+      </p:cxnSp>
+    </p:spTree>
+    <p:extLst>
+      <p:ext uri="{BB962C8B-B14F-4D97-AF65-F5344CB8AC3E}">
+        <p14:creationId xmlns:p14="http://schemas.microsoft.com/office/powerpoint/2010/main" val="825264789"/>
+      </p:ext>
+    </p:extLst>
+  </p:cSld>
+  <p:clrMapOvr>
+    <a:masterClrMapping/>
+  </p:clrMapOvr>
+</p:sld>
+</file>
+
+<file path=ppt/slides/slide6.xml><?xml version="1.0" encoding="utf-8"?>
+<p:sld xmlns:a="http://schemas.openxmlformats.org/drawingml/2006/main" xmlns:r="http://schemas.openxmlformats.org/officeDocument/2006/relationships" xmlns:p="http://schemas.openxmlformats.org/presentationml/2006/main">
+  <p:cSld>
+    <p:spTree>
+      <p:nvGrpSpPr>
         <p:cNvPr id="1" name=""/>
         <p:cNvGrpSpPr/>
         <p:nvPr/>

--- a/utils/file/charts.pptx
+++ b/utils/file/charts.pptx
@@ -10,7 +10,8 @@
     <p:sldId id="260" r:id="rId4"/>
     <p:sldId id="261" r:id="rId5"/>
     <p:sldId id="262" r:id="rId6"/>
-    <p:sldId id="256" r:id="rId7"/>
+    <p:sldId id="263" r:id="rId7"/>
+    <p:sldId id="256" r:id="rId8"/>
   </p:sldIdLst>
   <p:sldSz cx="12192000" cy="6858000"/>
   <p:notesSz cx="6858000" cy="9144000"/>
@@ -11704,6 +11705,600 @@
   <p:cSld>
     <p:spTree>
       <p:nvGrpSpPr>
+        <p:cNvPr id="1" name="">
+          <a:extLst>
+            <a:ext uri="{FF2B5EF4-FFF2-40B4-BE49-F238E27FC236}">
+              <a16:creationId xmlns:a16="http://schemas.microsoft.com/office/drawing/2014/main" id="{8E4FA66E-600A-88EF-A518-DADE5F3B4051}"/>
+            </a:ext>
+          </a:extLst>
+        </p:cNvPr>
+        <p:cNvGrpSpPr/>
+        <p:nvPr/>
+      </p:nvGrpSpPr>
+      <p:grpSpPr>
+        <a:xfrm>
+          <a:off x="0" y="0"/>
+          <a:ext cx="0" cy="0"/>
+          <a:chOff x="0" y="0"/>
+          <a:chExt cx="0" cy="0"/>
+        </a:xfrm>
+      </p:grpSpPr>
+      <p:sp>
+        <p:nvSpPr>
+          <p:cNvPr id="6" name="矩形: 圆角 5">
+            <a:extLst>
+              <a:ext uri="{FF2B5EF4-FFF2-40B4-BE49-F238E27FC236}">
+                <a16:creationId xmlns:a16="http://schemas.microsoft.com/office/drawing/2014/main" id="{D57F20E4-ECAC-3C69-D946-92C688878A43}"/>
+              </a:ext>
+            </a:extLst>
+          </p:cNvPr>
+          <p:cNvSpPr/>
+          <p:nvPr/>
+        </p:nvSpPr>
+        <p:spPr>
+          <a:xfrm>
+            <a:off x="3953609" y="1817217"/>
+            <a:ext cx="1260000" cy="216000"/>
+          </a:xfrm>
+          <a:prstGeom prst="roundRect">
+            <a:avLst/>
+          </a:prstGeom>
+          <a:solidFill>
+            <a:srgbClr val="00BC7B"/>
+          </a:solidFill>
+          <a:ln w="6350">
+            <a:solidFill>
+              <a:srgbClr val="00BC7B"/>
+            </a:solidFill>
+          </a:ln>
+        </p:spPr>
+        <p:style>
+          <a:lnRef idx="2">
+            <a:schemeClr val="accent1">
+              <a:shade val="15000"/>
+            </a:schemeClr>
+          </a:lnRef>
+          <a:fillRef idx="1">
+            <a:schemeClr val="accent1"/>
+          </a:fillRef>
+          <a:effectRef idx="0">
+            <a:schemeClr val="accent1"/>
+          </a:effectRef>
+          <a:fontRef idx="minor">
+            <a:schemeClr val="lt1"/>
+          </a:fontRef>
+        </p:style>
+        <p:txBody>
+          <a:bodyPr rtlCol="0" anchor="ctr"/>
+          <a:lstStyle/>
+          <a:p>
+            <a:pPr algn="ctr"/>
+            <a:r>
+              <a:rPr lang="en-US" altLang="zh-CN" sz="800">
+                <a:solidFill>
+                  <a:schemeClr val="bg1"/>
+                </a:solidFill>
+                <a:latin typeface="Quicksand" panose="00000500000000000000" pitchFamily="2" charset="0"/>
+              </a:rPr>
+              <a:t>Requirement Analysis</a:t>
+            </a:r>
+            <a:endParaRPr lang="zh-CN" altLang="en-US" sz="800">
+              <a:solidFill>
+                <a:schemeClr val="bg1"/>
+              </a:solidFill>
+              <a:latin typeface="Quicksand" panose="00000500000000000000" pitchFamily="2" charset="0"/>
+            </a:endParaRPr>
+          </a:p>
+        </p:txBody>
+      </p:sp>
+      <p:sp>
+        <p:nvSpPr>
+          <p:cNvPr id="9" name="矩形: 圆角 8">
+            <a:extLst>
+              <a:ext uri="{FF2B5EF4-FFF2-40B4-BE49-F238E27FC236}">
+                <a16:creationId xmlns:a16="http://schemas.microsoft.com/office/drawing/2014/main" id="{5597D093-6974-ED06-D730-7114EA069376}"/>
+              </a:ext>
+            </a:extLst>
+          </p:cNvPr>
+          <p:cNvSpPr/>
+          <p:nvPr/>
+        </p:nvSpPr>
+        <p:spPr>
+          <a:xfrm>
+            <a:off x="3953609" y="2105368"/>
+            <a:ext cx="1260000" cy="216000"/>
+          </a:xfrm>
+          <a:prstGeom prst="roundRect">
+            <a:avLst/>
+          </a:prstGeom>
+          <a:solidFill>
+            <a:srgbClr val="00BC7B">
+              <a:alpha val="89804"/>
+            </a:srgbClr>
+          </a:solidFill>
+          <a:ln w="6350">
+            <a:solidFill>
+              <a:srgbClr val="00BC7B"/>
+            </a:solidFill>
+          </a:ln>
+        </p:spPr>
+        <p:style>
+          <a:lnRef idx="2">
+            <a:schemeClr val="accent1">
+              <a:shade val="15000"/>
+            </a:schemeClr>
+          </a:lnRef>
+          <a:fillRef idx="1">
+            <a:schemeClr val="accent1"/>
+          </a:fillRef>
+          <a:effectRef idx="0">
+            <a:schemeClr val="accent1"/>
+          </a:effectRef>
+          <a:fontRef idx="minor">
+            <a:schemeClr val="lt1"/>
+          </a:fontRef>
+        </p:style>
+        <p:txBody>
+          <a:bodyPr rtlCol="0" anchor="ctr"/>
+          <a:lstStyle/>
+          <a:p>
+            <a:pPr algn="ctr"/>
+            <a:r>
+              <a:rPr lang="en-US" altLang="zh-CN" sz="800">
+                <a:solidFill>
+                  <a:schemeClr val="bg1"/>
+                </a:solidFill>
+                <a:latin typeface="Quicksand" panose="00000500000000000000" pitchFamily="2" charset="0"/>
+              </a:rPr>
+              <a:t>Design</a:t>
+            </a:r>
+            <a:endParaRPr lang="zh-CN" altLang="en-US" sz="800">
+              <a:solidFill>
+                <a:schemeClr val="bg1"/>
+              </a:solidFill>
+              <a:latin typeface="Quicksand" panose="00000500000000000000" pitchFamily="2" charset="0"/>
+            </a:endParaRPr>
+          </a:p>
+        </p:txBody>
+      </p:sp>
+      <p:sp>
+        <p:nvSpPr>
+          <p:cNvPr id="22" name="矩形: 圆角 21">
+            <a:extLst>
+              <a:ext uri="{FF2B5EF4-FFF2-40B4-BE49-F238E27FC236}">
+                <a16:creationId xmlns:a16="http://schemas.microsoft.com/office/drawing/2014/main" id="{1361E683-1693-04EF-E70F-E35AA21CF2C3}"/>
+              </a:ext>
+            </a:extLst>
+          </p:cNvPr>
+          <p:cNvSpPr/>
+          <p:nvPr/>
+        </p:nvSpPr>
+        <p:spPr>
+          <a:xfrm>
+            <a:off x="3953609" y="2393519"/>
+            <a:ext cx="1260000" cy="216000"/>
+          </a:xfrm>
+          <a:prstGeom prst="roundRect">
+            <a:avLst/>
+          </a:prstGeom>
+          <a:solidFill>
+            <a:srgbClr val="00BC7B">
+              <a:alpha val="80000"/>
+            </a:srgbClr>
+          </a:solidFill>
+          <a:ln w="6350">
+            <a:solidFill>
+              <a:srgbClr val="00BC7B"/>
+            </a:solidFill>
+          </a:ln>
+        </p:spPr>
+        <p:style>
+          <a:lnRef idx="2">
+            <a:schemeClr val="accent1">
+              <a:shade val="15000"/>
+            </a:schemeClr>
+          </a:lnRef>
+          <a:fillRef idx="1">
+            <a:schemeClr val="accent1"/>
+          </a:fillRef>
+          <a:effectRef idx="0">
+            <a:schemeClr val="accent1"/>
+          </a:effectRef>
+          <a:fontRef idx="minor">
+            <a:schemeClr val="lt1"/>
+          </a:fontRef>
+        </p:style>
+        <p:txBody>
+          <a:bodyPr rtlCol="0" anchor="ctr"/>
+          <a:lstStyle/>
+          <a:p>
+            <a:pPr algn="ctr"/>
+            <a:r>
+              <a:rPr lang="en-US" altLang="zh-CN" sz="800">
+                <a:solidFill>
+                  <a:schemeClr val="bg1"/>
+                </a:solidFill>
+                <a:latin typeface="Quicksand" panose="00000500000000000000" pitchFamily="2" charset="0"/>
+              </a:rPr>
+              <a:t>Implementation</a:t>
+            </a:r>
+            <a:endParaRPr lang="zh-CN" altLang="en-US" sz="800">
+              <a:solidFill>
+                <a:schemeClr val="bg1"/>
+              </a:solidFill>
+              <a:latin typeface="Quicksand" panose="00000500000000000000" pitchFamily="2" charset="0"/>
+            </a:endParaRPr>
+          </a:p>
+        </p:txBody>
+      </p:sp>
+      <p:sp>
+        <p:nvSpPr>
+          <p:cNvPr id="24" name="矩形: 圆角 23">
+            <a:extLst>
+              <a:ext uri="{FF2B5EF4-FFF2-40B4-BE49-F238E27FC236}">
+                <a16:creationId xmlns:a16="http://schemas.microsoft.com/office/drawing/2014/main" id="{36076773-2B44-CA3D-7678-FDF5C69A883C}"/>
+              </a:ext>
+            </a:extLst>
+          </p:cNvPr>
+          <p:cNvSpPr/>
+          <p:nvPr/>
+        </p:nvSpPr>
+        <p:spPr>
+          <a:xfrm>
+            <a:off x="3953609" y="2681670"/>
+            <a:ext cx="1260000" cy="216000"/>
+          </a:xfrm>
+          <a:prstGeom prst="roundRect">
+            <a:avLst/>
+          </a:prstGeom>
+          <a:solidFill>
+            <a:srgbClr val="00BC7B">
+              <a:alpha val="69804"/>
+            </a:srgbClr>
+          </a:solidFill>
+          <a:ln w="6350">
+            <a:solidFill>
+              <a:srgbClr val="00BC7B"/>
+            </a:solidFill>
+          </a:ln>
+        </p:spPr>
+        <p:style>
+          <a:lnRef idx="2">
+            <a:schemeClr val="accent1">
+              <a:shade val="15000"/>
+            </a:schemeClr>
+          </a:lnRef>
+          <a:fillRef idx="1">
+            <a:schemeClr val="accent1"/>
+          </a:fillRef>
+          <a:effectRef idx="0">
+            <a:schemeClr val="accent1"/>
+          </a:effectRef>
+          <a:fontRef idx="minor">
+            <a:schemeClr val="lt1"/>
+          </a:fontRef>
+        </p:style>
+        <p:txBody>
+          <a:bodyPr rtlCol="0" anchor="ctr"/>
+          <a:lstStyle/>
+          <a:p>
+            <a:pPr algn="ctr"/>
+            <a:r>
+              <a:rPr lang="en-US" altLang="zh-CN" sz="800">
+                <a:solidFill>
+                  <a:schemeClr val="bg1"/>
+                </a:solidFill>
+                <a:latin typeface="Quicksand" panose="00000500000000000000" pitchFamily="2" charset="0"/>
+              </a:rPr>
+              <a:t>Registration</a:t>
+            </a:r>
+            <a:endParaRPr lang="zh-CN" altLang="en-US" sz="800">
+              <a:solidFill>
+                <a:schemeClr val="bg1"/>
+              </a:solidFill>
+              <a:latin typeface="Quicksand" panose="00000500000000000000" pitchFamily="2" charset="0"/>
+            </a:endParaRPr>
+          </a:p>
+        </p:txBody>
+      </p:sp>
+      <p:sp>
+        <p:nvSpPr>
+          <p:cNvPr id="25" name="矩形: 圆角 24">
+            <a:extLst>
+              <a:ext uri="{FF2B5EF4-FFF2-40B4-BE49-F238E27FC236}">
+                <a16:creationId xmlns:a16="http://schemas.microsoft.com/office/drawing/2014/main" id="{661091DA-005D-6AFD-E428-0A9DFA171857}"/>
+              </a:ext>
+            </a:extLst>
+          </p:cNvPr>
+          <p:cNvSpPr/>
+          <p:nvPr/>
+        </p:nvSpPr>
+        <p:spPr>
+          <a:xfrm>
+            <a:off x="3953609" y="2969821"/>
+            <a:ext cx="1260000" cy="216000"/>
+          </a:xfrm>
+          <a:prstGeom prst="roundRect">
+            <a:avLst/>
+          </a:prstGeom>
+          <a:solidFill>
+            <a:srgbClr val="00BC7B">
+              <a:alpha val="60000"/>
+            </a:srgbClr>
+          </a:solidFill>
+          <a:ln w="6350">
+            <a:solidFill>
+              <a:srgbClr val="00BC7B"/>
+            </a:solidFill>
+          </a:ln>
+        </p:spPr>
+        <p:style>
+          <a:lnRef idx="2">
+            <a:schemeClr val="accent1">
+              <a:shade val="15000"/>
+            </a:schemeClr>
+          </a:lnRef>
+          <a:fillRef idx="1">
+            <a:schemeClr val="accent1"/>
+          </a:fillRef>
+          <a:effectRef idx="0">
+            <a:schemeClr val="accent1"/>
+          </a:effectRef>
+          <a:fontRef idx="minor">
+            <a:schemeClr val="lt1"/>
+          </a:fontRef>
+        </p:style>
+        <p:txBody>
+          <a:bodyPr rtlCol="0" anchor="ctr"/>
+          <a:lstStyle/>
+          <a:p>
+            <a:pPr algn="ctr"/>
+            <a:r>
+              <a:rPr lang="en-US" altLang="zh-CN" sz="800">
+                <a:solidFill>
+                  <a:schemeClr val="bg1"/>
+                </a:solidFill>
+                <a:latin typeface="Quicksand" panose="00000500000000000000" pitchFamily="2" charset="0"/>
+              </a:rPr>
+              <a:t>Usage</a:t>
+            </a:r>
+            <a:endParaRPr lang="zh-CN" altLang="en-US" sz="800">
+              <a:solidFill>
+                <a:schemeClr val="bg1"/>
+              </a:solidFill>
+              <a:latin typeface="Quicksand" panose="00000500000000000000" pitchFamily="2" charset="0"/>
+            </a:endParaRPr>
+          </a:p>
+        </p:txBody>
+      </p:sp>
+      <p:sp>
+        <p:nvSpPr>
+          <p:cNvPr id="26" name="矩形: 圆角 25">
+            <a:extLst>
+              <a:ext uri="{FF2B5EF4-FFF2-40B4-BE49-F238E27FC236}">
+                <a16:creationId xmlns:a16="http://schemas.microsoft.com/office/drawing/2014/main" id="{5CE0235D-565A-3452-E27C-103902C81866}"/>
+              </a:ext>
+            </a:extLst>
+          </p:cNvPr>
+          <p:cNvSpPr/>
+          <p:nvPr/>
+        </p:nvSpPr>
+        <p:spPr>
+          <a:xfrm>
+            <a:off x="3953609" y="3257972"/>
+            <a:ext cx="1260000" cy="216000"/>
+          </a:xfrm>
+          <a:prstGeom prst="roundRect">
+            <a:avLst/>
+          </a:prstGeom>
+          <a:solidFill>
+            <a:srgbClr val="00BC7B">
+              <a:alpha val="50196"/>
+            </a:srgbClr>
+          </a:solidFill>
+          <a:ln w="6350">
+            <a:solidFill>
+              <a:srgbClr val="00BC7B"/>
+            </a:solidFill>
+          </a:ln>
+        </p:spPr>
+        <p:style>
+          <a:lnRef idx="2">
+            <a:schemeClr val="accent1">
+              <a:shade val="15000"/>
+            </a:schemeClr>
+          </a:lnRef>
+          <a:fillRef idx="1">
+            <a:schemeClr val="accent1"/>
+          </a:fillRef>
+          <a:effectRef idx="0">
+            <a:schemeClr val="accent1"/>
+          </a:effectRef>
+          <a:fontRef idx="minor">
+            <a:schemeClr val="lt1"/>
+          </a:fontRef>
+        </p:style>
+        <p:txBody>
+          <a:bodyPr rtlCol="0" anchor="ctr"/>
+          <a:lstStyle/>
+          <a:p>
+            <a:pPr algn="ctr"/>
+            <a:r>
+              <a:rPr lang="en-US" altLang="zh-CN" sz="800">
+                <a:solidFill>
+                  <a:schemeClr val="bg1"/>
+                </a:solidFill>
+                <a:latin typeface="Quicksand" panose="00000500000000000000" pitchFamily="2" charset="0"/>
+              </a:rPr>
+              <a:t>Testing</a:t>
+            </a:r>
+            <a:endParaRPr lang="zh-CN" altLang="en-US" sz="800">
+              <a:solidFill>
+                <a:schemeClr val="bg1"/>
+              </a:solidFill>
+              <a:latin typeface="Quicksand" panose="00000500000000000000" pitchFamily="2" charset="0"/>
+            </a:endParaRPr>
+          </a:p>
+        </p:txBody>
+      </p:sp>
+      <p:sp>
+        <p:nvSpPr>
+          <p:cNvPr id="28" name="矩形: 圆角 27">
+            <a:extLst>
+              <a:ext uri="{FF2B5EF4-FFF2-40B4-BE49-F238E27FC236}">
+                <a16:creationId xmlns:a16="http://schemas.microsoft.com/office/drawing/2014/main" id="{C9306ADC-F827-C894-8106-892A4AA114F9}"/>
+              </a:ext>
+            </a:extLst>
+          </p:cNvPr>
+          <p:cNvSpPr/>
+          <p:nvPr/>
+        </p:nvSpPr>
+        <p:spPr>
+          <a:xfrm>
+            <a:off x="3953609" y="3546123"/>
+            <a:ext cx="1260000" cy="216000"/>
+          </a:xfrm>
+          <a:prstGeom prst="roundRect">
+            <a:avLst/>
+          </a:prstGeom>
+          <a:solidFill>
+            <a:srgbClr val="00BC7B">
+              <a:alpha val="40000"/>
+            </a:srgbClr>
+          </a:solidFill>
+          <a:ln w="6350">
+            <a:solidFill>
+              <a:srgbClr val="00BC7B"/>
+            </a:solidFill>
+          </a:ln>
+        </p:spPr>
+        <p:style>
+          <a:lnRef idx="2">
+            <a:schemeClr val="accent1">
+              <a:shade val="15000"/>
+            </a:schemeClr>
+          </a:lnRef>
+          <a:fillRef idx="1">
+            <a:schemeClr val="accent1"/>
+          </a:fillRef>
+          <a:effectRef idx="0">
+            <a:schemeClr val="accent1"/>
+          </a:effectRef>
+          <a:fontRef idx="minor">
+            <a:schemeClr val="lt1"/>
+          </a:fontRef>
+        </p:style>
+        <p:txBody>
+          <a:bodyPr rtlCol="0" anchor="ctr"/>
+          <a:lstStyle/>
+          <a:p>
+            <a:pPr algn="ctr"/>
+            <a:r>
+              <a:rPr lang="en-US" altLang="zh-CN" sz="800">
+                <a:solidFill>
+                  <a:schemeClr val="bg1"/>
+                </a:solidFill>
+                <a:latin typeface="Quicksand" panose="00000500000000000000" pitchFamily="2" charset="0"/>
+              </a:rPr>
+              <a:t>Optimization</a:t>
+            </a:r>
+            <a:endParaRPr lang="zh-CN" altLang="en-US" sz="800">
+              <a:solidFill>
+                <a:schemeClr val="bg1"/>
+              </a:solidFill>
+              <a:latin typeface="Quicksand" panose="00000500000000000000" pitchFamily="2" charset="0"/>
+            </a:endParaRPr>
+          </a:p>
+        </p:txBody>
+      </p:sp>
+      <p:sp>
+        <p:nvSpPr>
+          <p:cNvPr id="29" name="矩形: 圆角 28">
+            <a:extLst>
+              <a:ext uri="{FF2B5EF4-FFF2-40B4-BE49-F238E27FC236}">
+                <a16:creationId xmlns:a16="http://schemas.microsoft.com/office/drawing/2014/main" id="{358B77B1-B7DD-B732-DF56-A31D0F6B7361}"/>
+              </a:ext>
+            </a:extLst>
+          </p:cNvPr>
+          <p:cNvSpPr/>
+          <p:nvPr/>
+        </p:nvSpPr>
+        <p:spPr>
+          <a:xfrm>
+            <a:off x="3953609" y="3834275"/>
+            <a:ext cx="1260000" cy="216000"/>
+          </a:xfrm>
+          <a:prstGeom prst="roundRect">
+            <a:avLst/>
+          </a:prstGeom>
+          <a:solidFill>
+            <a:srgbClr val="00BC7B">
+              <a:alpha val="30196"/>
+            </a:srgbClr>
+          </a:solidFill>
+          <a:ln w="6350">
+            <a:solidFill>
+              <a:srgbClr val="00BC7B"/>
+            </a:solidFill>
+          </a:ln>
+        </p:spPr>
+        <p:style>
+          <a:lnRef idx="2">
+            <a:schemeClr val="accent1">
+              <a:shade val="15000"/>
+            </a:schemeClr>
+          </a:lnRef>
+          <a:fillRef idx="1">
+            <a:schemeClr val="accent1"/>
+          </a:fillRef>
+          <a:effectRef idx="0">
+            <a:schemeClr val="accent1"/>
+          </a:effectRef>
+          <a:fontRef idx="minor">
+            <a:schemeClr val="lt1"/>
+          </a:fontRef>
+        </p:style>
+        <p:txBody>
+          <a:bodyPr rtlCol="0" anchor="ctr"/>
+          <a:lstStyle/>
+          <a:p>
+            <a:pPr algn="ctr"/>
+            <a:r>
+              <a:rPr lang="en-US" altLang="zh-CN" sz="800">
+                <a:solidFill>
+                  <a:schemeClr val="bg1"/>
+                </a:solidFill>
+                <a:latin typeface="Quicksand" panose="00000500000000000000" pitchFamily="2" charset="0"/>
+              </a:rPr>
+              <a:t>Documentation</a:t>
+            </a:r>
+            <a:endParaRPr lang="zh-CN" altLang="en-US" sz="800">
+              <a:solidFill>
+                <a:schemeClr val="bg1"/>
+              </a:solidFill>
+              <a:latin typeface="Quicksand" panose="00000500000000000000" pitchFamily="2" charset="0"/>
+            </a:endParaRPr>
+          </a:p>
+        </p:txBody>
+      </p:sp>
+    </p:spTree>
+    <p:extLst>
+      <p:ext uri="{BB962C8B-B14F-4D97-AF65-F5344CB8AC3E}">
+        <p14:creationId xmlns:p14="http://schemas.microsoft.com/office/powerpoint/2010/main" val="520715998"/>
+      </p:ext>
+    </p:extLst>
+  </p:cSld>
+  <p:clrMapOvr>
+    <a:masterClrMapping/>
+  </p:clrMapOvr>
+</p:sld>
+</file>
+
+<file path=ppt/slides/slide7.xml><?xml version="1.0" encoding="utf-8"?>
+<p:sld xmlns:a="http://schemas.openxmlformats.org/drawingml/2006/main" xmlns:r="http://schemas.openxmlformats.org/officeDocument/2006/relationships" xmlns:p="http://schemas.openxmlformats.org/presentationml/2006/main">
+  <p:cSld>
+    <p:spTree>
+      <p:nvGrpSpPr>
         <p:cNvPr id="1" name=""/>
         <p:cNvGrpSpPr/>
         <p:nvPr/>

--- a/utils/file/charts.pptx
+++ b/utils/file/charts.pptx
@@ -11,7 +11,8 @@
     <p:sldId id="261" r:id="rId5"/>
     <p:sldId id="262" r:id="rId6"/>
     <p:sldId id="263" r:id="rId7"/>
-    <p:sldId id="256" r:id="rId8"/>
+    <p:sldId id="264" r:id="rId8"/>
+    <p:sldId id="256" r:id="rId9"/>
   </p:sldIdLst>
   <p:sldSz cx="12192000" cy="6858000"/>
   <p:notesSz cx="6858000" cy="9144000"/>
@@ -265,7 +266,7 @@
           <a:p>
             <a:fld id="{C0F7C65B-F23F-479A-8AFF-E7E0FC962F06}" type="datetimeFigureOut">
               <a:rPr lang="zh-CN" altLang="en-US" smtClean="0"/>
-              <a:t>2025/6/11</a:t>
+              <a:t>2025/6/13</a:t>
             </a:fld>
             <a:endParaRPr lang="zh-CN" altLang="en-US"/>
           </a:p>
@@ -463,7 +464,7 @@
           <a:p>
             <a:fld id="{C0F7C65B-F23F-479A-8AFF-E7E0FC962F06}" type="datetimeFigureOut">
               <a:rPr lang="zh-CN" altLang="en-US" smtClean="0"/>
-              <a:t>2025/6/11</a:t>
+              <a:t>2025/6/13</a:t>
             </a:fld>
             <a:endParaRPr lang="zh-CN" altLang="en-US"/>
           </a:p>
@@ -671,7 +672,7 @@
           <a:p>
             <a:fld id="{C0F7C65B-F23F-479A-8AFF-E7E0FC962F06}" type="datetimeFigureOut">
               <a:rPr lang="zh-CN" altLang="en-US" smtClean="0"/>
-              <a:t>2025/6/11</a:t>
+              <a:t>2025/6/13</a:t>
             </a:fld>
             <a:endParaRPr lang="zh-CN" altLang="en-US"/>
           </a:p>
@@ -869,7 +870,7 @@
           <a:p>
             <a:fld id="{C0F7C65B-F23F-479A-8AFF-E7E0FC962F06}" type="datetimeFigureOut">
               <a:rPr lang="zh-CN" altLang="en-US" smtClean="0"/>
-              <a:t>2025/6/11</a:t>
+              <a:t>2025/6/13</a:t>
             </a:fld>
             <a:endParaRPr lang="zh-CN" altLang="en-US"/>
           </a:p>
@@ -1144,7 +1145,7 @@
           <a:p>
             <a:fld id="{C0F7C65B-F23F-479A-8AFF-E7E0FC962F06}" type="datetimeFigureOut">
               <a:rPr lang="zh-CN" altLang="en-US" smtClean="0"/>
-              <a:t>2025/6/11</a:t>
+              <a:t>2025/6/13</a:t>
             </a:fld>
             <a:endParaRPr lang="zh-CN" altLang="en-US"/>
           </a:p>
@@ -1409,7 +1410,7 @@
           <a:p>
             <a:fld id="{C0F7C65B-F23F-479A-8AFF-E7E0FC962F06}" type="datetimeFigureOut">
               <a:rPr lang="zh-CN" altLang="en-US" smtClean="0"/>
-              <a:t>2025/6/11</a:t>
+              <a:t>2025/6/13</a:t>
             </a:fld>
             <a:endParaRPr lang="zh-CN" altLang="en-US"/>
           </a:p>
@@ -1821,7 +1822,7 @@
           <a:p>
             <a:fld id="{C0F7C65B-F23F-479A-8AFF-E7E0FC962F06}" type="datetimeFigureOut">
               <a:rPr lang="zh-CN" altLang="en-US" smtClean="0"/>
-              <a:t>2025/6/11</a:t>
+              <a:t>2025/6/13</a:t>
             </a:fld>
             <a:endParaRPr lang="zh-CN" altLang="en-US"/>
           </a:p>
@@ -1962,7 +1963,7 @@
           <a:p>
             <a:fld id="{C0F7C65B-F23F-479A-8AFF-E7E0FC962F06}" type="datetimeFigureOut">
               <a:rPr lang="zh-CN" altLang="en-US" smtClean="0"/>
-              <a:t>2025/6/11</a:t>
+              <a:t>2025/6/13</a:t>
             </a:fld>
             <a:endParaRPr lang="zh-CN" altLang="en-US"/>
           </a:p>
@@ -2075,7 +2076,7 @@
           <a:p>
             <a:fld id="{C0F7C65B-F23F-479A-8AFF-E7E0FC962F06}" type="datetimeFigureOut">
               <a:rPr lang="zh-CN" altLang="en-US" smtClean="0"/>
-              <a:t>2025/6/11</a:t>
+              <a:t>2025/6/13</a:t>
             </a:fld>
             <a:endParaRPr lang="zh-CN" altLang="en-US"/>
           </a:p>
@@ -2386,7 +2387,7 @@
           <a:p>
             <a:fld id="{C0F7C65B-F23F-479A-8AFF-E7E0FC962F06}" type="datetimeFigureOut">
               <a:rPr lang="zh-CN" altLang="en-US" smtClean="0"/>
-              <a:t>2025/6/11</a:t>
+              <a:t>2025/6/13</a:t>
             </a:fld>
             <a:endParaRPr lang="zh-CN" altLang="en-US"/>
           </a:p>
@@ -2674,7 +2675,7 @@
           <a:p>
             <a:fld id="{C0F7C65B-F23F-479A-8AFF-E7E0FC962F06}" type="datetimeFigureOut">
               <a:rPr lang="zh-CN" altLang="en-US" smtClean="0"/>
-              <a:t>2025/6/11</a:t>
+              <a:t>2025/6/13</a:t>
             </a:fld>
             <a:endParaRPr lang="zh-CN" altLang="en-US"/>
           </a:p>
@@ -2915,7 +2916,7 @@
           <a:p>
             <a:fld id="{C0F7C65B-F23F-479A-8AFF-E7E0FC962F06}" type="datetimeFigureOut">
               <a:rPr lang="zh-CN" altLang="en-US" smtClean="0"/>
-              <a:t>2025/6/11</a:t>
+              <a:t>2025/6/13</a:t>
             </a:fld>
             <a:endParaRPr lang="zh-CN" altLang="en-US"/>
           </a:p>
@@ -11023,7 +11024,7 @@
               <a:rPr lang="en-US" altLang="zh-CN" sz="800">
                 <a:latin typeface="Quicksand" panose="00000500000000000000" pitchFamily="2" charset="0"/>
               </a:rPr>
-              <a:t>li::before</a:t>
+              <a:t>::before</a:t>
             </a:r>
             <a:endParaRPr lang="zh-CN" altLang="en-US" sz="800">
               <a:latin typeface="Quicksand" panose="00000500000000000000" pitchFamily="2" charset="0"/>
@@ -11669,6 +11670,218 @@
           <a:ln>
             <a:solidFill>
               <a:srgbClr val="9966FF"/>
+            </a:solidFill>
+          </a:ln>
+        </p:spPr>
+        <p:style>
+          <a:lnRef idx="1">
+            <a:schemeClr val="accent1"/>
+          </a:lnRef>
+          <a:fillRef idx="0">
+            <a:schemeClr val="accent1"/>
+          </a:fillRef>
+          <a:effectRef idx="0">
+            <a:schemeClr val="accent1"/>
+          </a:effectRef>
+          <a:fontRef idx="minor">
+            <a:schemeClr val="tx1"/>
+          </a:fontRef>
+        </p:style>
+      </p:cxnSp>
+      <p:sp>
+        <p:nvSpPr>
+          <p:cNvPr id="3" name="矩形: 圆角 2">
+            <a:extLst>
+              <a:ext uri="{FF2B5EF4-FFF2-40B4-BE49-F238E27FC236}">
+                <a16:creationId xmlns:a16="http://schemas.microsoft.com/office/drawing/2014/main" id="{C3064634-CD22-075E-68B9-962F834B311B}"/>
+              </a:ext>
+            </a:extLst>
+          </p:cNvPr>
+          <p:cNvSpPr/>
+          <p:nvPr/>
+        </p:nvSpPr>
+        <p:spPr>
+          <a:xfrm>
+            <a:off x="3927709" y="3179700"/>
+            <a:ext cx="900000" cy="216000"/>
+          </a:xfrm>
+          <a:prstGeom prst="roundRect">
+            <a:avLst/>
+          </a:prstGeom>
+          <a:solidFill>
+            <a:schemeClr val="tx1"/>
+          </a:solidFill>
+          <a:ln w="12700">
+            <a:noFill/>
+          </a:ln>
+        </p:spPr>
+        <p:style>
+          <a:lnRef idx="2">
+            <a:schemeClr val="accent1">
+              <a:shade val="15000"/>
+            </a:schemeClr>
+          </a:lnRef>
+          <a:fillRef idx="1">
+            <a:schemeClr val="accent1"/>
+          </a:fillRef>
+          <a:effectRef idx="0">
+            <a:schemeClr val="accent1"/>
+          </a:effectRef>
+          <a:fontRef idx="minor">
+            <a:schemeClr val="lt1"/>
+          </a:fontRef>
+        </p:style>
+        <p:txBody>
+          <a:bodyPr rtlCol="0" anchor="ctr"/>
+          <a:lstStyle/>
+          <a:p>
+            <a:pPr algn="ctr"/>
+            <a:r>
+              <a:rPr lang="en-US" altLang="zh-CN" sz="800">
+                <a:latin typeface="Quicksand Medium" panose="00000600000000000000" pitchFamily="2" charset="0"/>
+              </a:rPr>
+              <a:t>&lt;li&gt;</a:t>
+            </a:r>
+            <a:endParaRPr lang="zh-CN" altLang="en-US" sz="800">
+              <a:latin typeface="Quicksand Medium" panose="00000600000000000000" pitchFamily="2" charset="0"/>
+            </a:endParaRPr>
+          </a:p>
+        </p:txBody>
+      </p:sp>
+      <p:sp>
+        <p:nvSpPr>
+          <p:cNvPr id="4" name="矩形: 圆角 3">
+            <a:extLst>
+              <a:ext uri="{FF2B5EF4-FFF2-40B4-BE49-F238E27FC236}">
+                <a16:creationId xmlns:a16="http://schemas.microsoft.com/office/drawing/2014/main" id="{D464FB6F-32E1-97B7-CAC2-14F5345557D4}"/>
+              </a:ext>
+            </a:extLst>
+          </p:cNvPr>
+          <p:cNvSpPr/>
+          <p:nvPr/>
+        </p:nvSpPr>
+        <p:spPr>
+          <a:xfrm>
+            <a:off x="4988679" y="3429000"/>
+            <a:ext cx="900000" cy="216000"/>
+          </a:xfrm>
+          <a:prstGeom prst="roundRect">
+            <a:avLst/>
+          </a:prstGeom>
+          <a:solidFill>
+            <a:srgbClr val="335BA3">
+              <a:alpha val="89804"/>
+            </a:srgbClr>
+          </a:solidFill>
+          <a:ln w="12700">
+            <a:noFill/>
+          </a:ln>
+        </p:spPr>
+        <p:style>
+          <a:lnRef idx="2">
+            <a:schemeClr val="accent1">
+              <a:shade val="15000"/>
+            </a:schemeClr>
+          </a:lnRef>
+          <a:fillRef idx="1">
+            <a:schemeClr val="accent1"/>
+          </a:fillRef>
+          <a:effectRef idx="0">
+            <a:schemeClr val="accent1"/>
+          </a:effectRef>
+          <a:fontRef idx="minor">
+            <a:schemeClr val="lt1"/>
+          </a:fontRef>
+        </p:style>
+        <p:txBody>
+          <a:bodyPr rtlCol="0" anchor="ctr"/>
+          <a:lstStyle/>
+          <a:p>
+            <a:pPr algn="ctr"/>
+            <a:r>
+              <a:rPr lang="en-US" altLang="zh-CN" sz="800">
+                <a:latin typeface="Quicksand" panose="00000500000000000000" pitchFamily="2" charset="0"/>
+              </a:rPr>
+              <a:t>::after</a:t>
+            </a:r>
+            <a:endParaRPr lang="zh-CN" altLang="en-US" sz="800">
+              <a:latin typeface="Quicksand" panose="00000500000000000000" pitchFamily="2" charset="0"/>
+            </a:endParaRPr>
+          </a:p>
+        </p:txBody>
+      </p:sp>
+      <p:cxnSp>
+        <p:nvCxnSpPr>
+          <p:cNvPr id="6" name="连接符: 曲线 5">
+            <a:extLst>
+              <a:ext uri="{FF2B5EF4-FFF2-40B4-BE49-F238E27FC236}">
+                <a16:creationId xmlns:a16="http://schemas.microsoft.com/office/drawing/2014/main" id="{A49DEFA1-8658-B2E8-502E-F97718CFD37A}"/>
+              </a:ext>
+            </a:extLst>
+          </p:cNvPr>
+          <p:cNvCxnSpPr>
+            <a:cxnSpLocks/>
+            <a:stCxn id="3" idx="3"/>
+            <a:endCxn id="7" idx="1"/>
+          </p:cNvCxnSpPr>
+          <p:nvPr/>
+        </p:nvCxnSpPr>
+        <p:spPr>
+          <a:xfrm flipV="1">
+            <a:off x="4827709" y="3038400"/>
+            <a:ext cx="160971" cy="249300"/>
+          </a:xfrm>
+          <a:prstGeom prst="curvedConnector3">
+            <a:avLst/>
+          </a:prstGeom>
+          <a:ln>
+            <a:solidFill>
+              <a:schemeClr val="tx1"/>
+            </a:solidFill>
+          </a:ln>
+        </p:spPr>
+        <p:style>
+          <a:lnRef idx="1">
+            <a:schemeClr val="accent1"/>
+          </a:lnRef>
+          <a:fillRef idx="0">
+            <a:schemeClr val="accent1"/>
+          </a:fillRef>
+          <a:effectRef idx="0">
+            <a:schemeClr val="accent1"/>
+          </a:effectRef>
+          <a:fontRef idx="minor">
+            <a:schemeClr val="tx1"/>
+          </a:fontRef>
+        </p:style>
+      </p:cxnSp>
+      <p:cxnSp>
+        <p:nvCxnSpPr>
+          <p:cNvPr id="13" name="连接符: 曲线 12">
+            <a:extLst>
+              <a:ext uri="{FF2B5EF4-FFF2-40B4-BE49-F238E27FC236}">
+                <a16:creationId xmlns:a16="http://schemas.microsoft.com/office/drawing/2014/main" id="{24C1CA78-5496-27AF-13AD-7BE3E7DD4AE2}"/>
+              </a:ext>
+            </a:extLst>
+          </p:cNvPr>
+          <p:cNvCxnSpPr>
+            <a:cxnSpLocks/>
+            <a:stCxn id="3" idx="3"/>
+            <a:endCxn id="4" idx="1"/>
+          </p:cNvCxnSpPr>
+          <p:nvPr/>
+        </p:nvCxnSpPr>
+        <p:spPr>
+          <a:xfrm>
+            <a:off x="4827709" y="3287700"/>
+            <a:ext cx="160970" cy="249300"/>
+          </a:xfrm>
+          <a:prstGeom prst="curvedConnector3">
+            <a:avLst/>
+          </a:prstGeom>
+          <a:ln>
+            <a:solidFill>
+              <a:schemeClr val="tx1"/>
             </a:solidFill>
           </a:ln>
         </p:spPr>
@@ -12295,6 +12508,66 @@
 </file>
 
 <file path=ppt/slides/slide7.xml><?xml version="1.0" encoding="utf-8"?>
+<p:sld xmlns:a="http://schemas.openxmlformats.org/drawingml/2006/main" xmlns:r="http://schemas.openxmlformats.org/officeDocument/2006/relationships" xmlns:p="http://schemas.openxmlformats.org/presentationml/2006/main">
+  <p:cSld>
+    <p:spTree>
+      <p:nvGrpSpPr>
+        <p:cNvPr id="1" name=""/>
+        <p:cNvGrpSpPr/>
+        <p:nvPr/>
+      </p:nvGrpSpPr>
+      <p:grpSpPr>
+        <a:xfrm>
+          <a:off x="0" y="0"/>
+          <a:ext cx="0" cy="0"/>
+          <a:chOff x="0" y="0"/>
+          <a:chExt cx="0" cy="0"/>
+        </a:xfrm>
+      </p:grpSpPr>
+      <p:pic>
+        <p:nvPicPr>
+          <p:cNvPr id="3" name="图片 2">
+            <a:extLst>
+              <a:ext uri="{FF2B5EF4-FFF2-40B4-BE49-F238E27FC236}">
+                <a16:creationId xmlns:a16="http://schemas.microsoft.com/office/drawing/2014/main" id="{7ECC09FE-D9D2-2E76-0948-E1F27A08CD34}"/>
+              </a:ext>
+            </a:extLst>
+          </p:cNvPr>
+          <p:cNvPicPr>
+            <a:picLocks noChangeAspect="1"/>
+          </p:cNvPicPr>
+          <p:nvPr/>
+        </p:nvPicPr>
+        <p:blipFill>
+          <a:blip r:embed="rId2"/>
+          <a:stretch>
+            <a:fillRect/>
+          </a:stretch>
+        </p:blipFill>
+        <p:spPr>
+          <a:xfrm>
+            <a:off x="5043340" y="1842866"/>
+            <a:ext cx="2105319" cy="3172268"/>
+          </a:xfrm>
+          <a:prstGeom prst="rect">
+            <a:avLst/>
+          </a:prstGeom>
+        </p:spPr>
+      </p:pic>
+    </p:spTree>
+    <p:extLst>
+      <p:ext uri="{BB962C8B-B14F-4D97-AF65-F5344CB8AC3E}">
+        <p14:creationId xmlns:p14="http://schemas.microsoft.com/office/powerpoint/2010/main" val="2672122669"/>
+      </p:ext>
+    </p:extLst>
+  </p:cSld>
+  <p:clrMapOvr>
+    <a:masterClrMapping/>
+  </p:clrMapOvr>
+</p:sld>
+</file>
+
+<file path=ppt/slides/slide8.xml><?xml version="1.0" encoding="utf-8"?>
 <p:sld xmlns:a="http://schemas.openxmlformats.org/drawingml/2006/main" xmlns:r="http://schemas.openxmlformats.org/officeDocument/2006/relationships" xmlns:p="http://schemas.openxmlformats.org/presentationml/2006/main">
   <p:cSld>
     <p:spTree>

--- a/utils/file/charts.pptx
+++ b/utils/file/charts.pptx
@@ -14,8 +14,9 @@
     <p:sldId id="265" r:id="rId8"/>
     <p:sldId id="266" r:id="rId9"/>
     <p:sldId id="267" r:id="rId10"/>
-    <p:sldId id="264" r:id="rId11"/>
-    <p:sldId id="256" r:id="rId12"/>
+    <p:sldId id="268" r:id="rId11"/>
+    <p:sldId id="264" r:id="rId12"/>
+    <p:sldId id="256" r:id="rId13"/>
   </p:sldIdLst>
   <p:sldSz cx="12192000" cy="6858000"/>
   <p:notesSz cx="6858000" cy="9144000"/>
@@ -269,7 +270,7 @@
           <a:p>
             <a:fld id="{C0F7C65B-F23F-479A-8AFF-E7E0FC962F06}" type="datetimeFigureOut">
               <a:rPr lang="zh-CN" altLang="en-US" smtClean="0"/>
-              <a:t>2025/6/14</a:t>
+              <a:t>2025/6/17</a:t>
             </a:fld>
             <a:endParaRPr lang="zh-CN" altLang="en-US"/>
           </a:p>
@@ -467,7 +468,7 @@
           <a:p>
             <a:fld id="{C0F7C65B-F23F-479A-8AFF-E7E0FC962F06}" type="datetimeFigureOut">
               <a:rPr lang="zh-CN" altLang="en-US" smtClean="0"/>
-              <a:t>2025/6/14</a:t>
+              <a:t>2025/6/17</a:t>
             </a:fld>
             <a:endParaRPr lang="zh-CN" altLang="en-US"/>
           </a:p>
@@ -675,7 +676,7 @@
           <a:p>
             <a:fld id="{C0F7C65B-F23F-479A-8AFF-E7E0FC962F06}" type="datetimeFigureOut">
               <a:rPr lang="zh-CN" altLang="en-US" smtClean="0"/>
-              <a:t>2025/6/14</a:t>
+              <a:t>2025/6/17</a:t>
             </a:fld>
             <a:endParaRPr lang="zh-CN" altLang="en-US"/>
           </a:p>
@@ -873,7 +874,7 @@
           <a:p>
             <a:fld id="{C0F7C65B-F23F-479A-8AFF-E7E0FC962F06}" type="datetimeFigureOut">
               <a:rPr lang="zh-CN" altLang="en-US" smtClean="0"/>
-              <a:t>2025/6/14</a:t>
+              <a:t>2025/6/17</a:t>
             </a:fld>
             <a:endParaRPr lang="zh-CN" altLang="en-US"/>
           </a:p>
@@ -1148,7 +1149,7 @@
           <a:p>
             <a:fld id="{C0F7C65B-F23F-479A-8AFF-E7E0FC962F06}" type="datetimeFigureOut">
               <a:rPr lang="zh-CN" altLang="en-US" smtClean="0"/>
-              <a:t>2025/6/14</a:t>
+              <a:t>2025/6/17</a:t>
             </a:fld>
             <a:endParaRPr lang="zh-CN" altLang="en-US"/>
           </a:p>
@@ -1413,7 +1414,7 @@
           <a:p>
             <a:fld id="{C0F7C65B-F23F-479A-8AFF-E7E0FC962F06}" type="datetimeFigureOut">
               <a:rPr lang="zh-CN" altLang="en-US" smtClean="0"/>
-              <a:t>2025/6/14</a:t>
+              <a:t>2025/6/17</a:t>
             </a:fld>
             <a:endParaRPr lang="zh-CN" altLang="en-US"/>
           </a:p>
@@ -1825,7 +1826,7 @@
           <a:p>
             <a:fld id="{C0F7C65B-F23F-479A-8AFF-E7E0FC962F06}" type="datetimeFigureOut">
               <a:rPr lang="zh-CN" altLang="en-US" smtClean="0"/>
-              <a:t>2025/6/14</a:t>
+              <a:t>2025/6/17</a:t>
             </a:fld>
             <a:endParaRPr lang="zh-CN" altLang="en-US"/>
           </a:p>
@@ -1966,7 +1967,7 @@
           <a:p>
             <a:fld id="{C0F7C65B-F23F-479A-8AFF-E7E0FC962F06}" type="datetimeFigureOut">
               <a:rPr lang="zh-CN" altLang="en-US" smtClean="0"/>
-              <a:t>2025/6/14</a:t>
+              <a:t>2025/6/17</a:t>
             </a:fld>
             <a:endParaRPr lang="zh-CN" altLang="en-US"/>
           </a:p>
@@ -2079,7 +2080,7 @@
           <a:p>
             <a:fld id="{C0F7C65B-F23F-479A-8AFF-E7E0FC962F06}" type="datetimeFigureOut">
               <a:rPr lang="zh-CN" altLang="en-US" smtClean="0"/>
-              <a:t>2025/6/14</a:t>
+              <a:t>2025/6/17</a:t>
             </a:fld>
             <a:endParaRPr lang="zh-CN" altLang="en-US"/>
           </a:p>
@@ -2390,7 +2391,7 @@
           <a:p>
             <a:fld id="{C0F7C65B-F23F-479A-8AFF-E7E0FC962F06}" type="datetimeFigureOut">
               <a:rPr lang="zh-CN" altLang="en-US" smtClean="0"/>
-              <a:t>2025/6/14</a:t>
+              <a:t>2025/6/17</a:t>
             </a:fld>
             <a:endParaRPr lang="zh-CN" altLang="en-US"/>
           </a:p>
@@ -2678,7 +2679,7 @@
           <a:p>
             <a:fld id="{C0F7C65B-F23F-479A-8AFF-E7E0FC962F06}" type="datetimeFigureOut">
               <a:rPr lang="zh-CN" altLang="en-US" smtClean="0"/>
-              <a:t>2025/6/14</a:t>
+              <a:t>2025/6/17</a:t>
             </a:fld>
             <a:endParaRPr lang="zh-CN" altLang="en-US"/>
           </a:p>
@@ -2919,7 +2920,7 @@
           <a:p>
             <a:fld id="{C0F7C65B-F23F-479A-8AFF-E7E0FC962F06}" type="datetimeFigureOut">
               <a:rPr lang="zh-CN" altLang="en-US" smtClean="0"/>
-              <a:t>2025/6/14</a:t>
+              <a:t>2025/6/17</a:t>
             </a:fld>
             <a:endParaRPr lang="zh-CN" altLang="en-US"/>
           </a:p>
@@ -4553,6 +4554,320 @@
           <a:chExt cx="0" cy="0"/>
         </a:xfrm>
       </p:grpSpPr>
+      <p:sp>
+        <p:nvSpPr>
+          <p:cNvPr id="2" name="Rectangle 1">
+            <a:extLst>
+              <a:ext uri="{FF2B5EF4-FFF2-40B4-BE49-F238E27FC236}">
+                <a16:creationId xmlns:a16="http://schemas.microsoft.com/office/drawing/2014/main" id="{A24F91BB-348B-06D0-B374-47FB2A5928F0}"/>
+              </a:ext>
+            </a:extLst>
+          </p:cNvPr>
+          <p:cNvSpPr/>
+          <p:nvPr/>
+        </p:nvSpPr>
+        <p:spPr>
+          <a:xfrm>
+            <a:off x="3757723" y="1589964"/>
+            <a:ext cx="3600000" cy="2160000"/>
+          </a:xfrm>
+          <a:prstGeom prst="rect">
+            <a:avLst/>
+          </a:prstGeom>
+          <a:solidFill>
+            <a:schemeClr val="bg1">
+              <a:lumMod val="95000"/>
+            </a:schemeClr>
+          </a:solidFill>
+          <a:ln>
+            <a:noFill/>
+          </a:ln>
+        </p:spPr>
+        <p:style>
+          <a:lnRef idx="2">
+            <a:schemeClr val="accent1">
+              <a:shade val="15000"/>
+            </a:schemeClr>
+          </a:lnRef>
+          <a:fillRef idx="1">
+            <a:schemeClr val="accent1"/>
+          </a:fillRef>
+          <a:effectRef idx="0">
+            <a:schemeClr val="accent1"/>
+          </a:effectRef>
+          <a:fontRef idx="minor">
+            <a:schemeClr val="lt1"/>
+          </a:fontRef>
+        </p:style>
+        <p:txBody>
+          <a:bodyPr rtlCol="0" anchor="ctr"/>
+          <a:lstStyle/>
+          <a:p>
+            <a:pPr algn="ctr"/>
+            <a:r>
+              <a:rPr lang="en-US" altLang="zh-CN" sz="1200">
+                <a:solidFill>
+                  <a:schemeClr val="accent6">
+                    <a:lumMod val="75000"/>
+                  </a:schemeClr>
+                </a:solidFill>
+                <a:latin typeface="Poppins" panose="00000500000000000000" pitchFamily="2" charset="0"/>
+                <a:cs typeface="Poppins" panose="00000500000000000000" pitchFamily="2" charset="0"/>
+              </a:rPr>
+              <a:t>Animation zone</a:t>
+            </a:r>
+            <a:endParaRPr lang="zh-CN" altLang="en-US" sz="1200">
+              <a:solidFill>
+                <a:schemeClr val="accent6">
+                  <a:lumMod val="75000"/>
+                </a:schemeClr>
+              </a:solidFill>
+              <a:latin typeface="Poppins" panose="00000500000000000000" pitchFamily="2" charset="0"/>
+              <a:cs typeface="Poppins" panose="00000500000000000000" pitchFamily="2" charset="0"/>
+            </a:endParaRPr>
+          </a:p>
+        </p:txBody>
+      </p:sp>
+      <p:sp>
+        <p:nvSpPr>
+          <p:cNvPr id="3" name="Rectangle 2">
+            <a:extLst>
+              <a:ext uri="{FF2B5EF4-FFF2-40B4-BE49-F238E27FC236}">
+                <a16:creationId xmlns:a16="http://schemas.microsoft.com/office/drawing/2014/main" id="{C01DB03E-0DC7-CCD6-56FB-5BD61B31D643}"/>
+              </a:ext>
+            </a:extLst>
+          </p:cNvPr>
+          <p:cNvSpPr/>
+          <p:nvPr/>
+        </p:nvSpPr>
+        <p:spPr>
+          <a:xfrm>
+            <a:off x="3757723" y="1589964"/>
+            <a:ext cx="3600000" cy="711802"/>
+          </a:xfrm>
+          <a:prstGeom prst="rect">
+            <a:avLst/>
+          </a:prstGeom>
+          <a:solidFill>
+            <a:srgbClr val="92D050"/>
+          </a:solidFill>
+          <a:ln>
+            <a:noFill/>
+          </a:ln>
+        </p:spPr>
+        <p:style>
+          <a:lnRef idx="2">
+            <a:schemeClr val="accent1">
+              <a:shade val="15000"/>
+            </a:schemeClr>
+          </a:lnRef>
+          <a:fillRef idx="1">
+            <a:schemeClr val="accent1"/>
+          </a:fillRef>
+          <a:effectRef idx="0">
+            <a:schemeClr val="accent1"/>
+          </a:effectRef>
+          <a:fontRef idx="minor">
+            <a:schemeClr val="lt1"/>
+          </a:fontRef>
+        </p:style>
+        <p:txBody>
+          <a:bodyPr rtlCol="0" anchor="b" anchorCtr="0"/>
+          <a:lstStyle/>
+          <a:p>
+            <a:r>
+              <a:rPr lang="en-US" altLang="zh-CN" sz="800">
+                <a:latin typeface="Poppins" panose="00000500000000000000" pitchFamily="2" charset="0"/>
+                <a:cs typeface="Poppins" panose="00000500000000000000" pitchFamily="2" charset="0"/>
+              </a:rPr>
+              <a:t>start</a:t>
+            </a:r>
+            <a:endParaRPr lang="zh-CN" altLang="en-US" sz="800">
+              <a:latin typeface="Poppins" panose="00000500000000000000" pitchFamily="2" charset="0"/>
+              <a:cs typeface="Poppins" panose="00000500000000000000" pitchFamily="2" charset="0"/>
+            </a:endParaRPr>
+          </a:p>
+        </p:txBody>
+      </p:sp>
+      <p:sp>
+        <p:nvSpPr>
+          <p:cNvPr id="4" name="Rectangle 3">
+            <a:extLst>
+              <a:ext uri="{FF2B5EF4-FFF2-40B4-BE49-F238E27FC236}">
+                <a16:creationId xmlns:a16="http://schemas.microsoft.com/office/drawing/2014/main" id="{65F99D6D-D34F-E3B4-BD58-06E8A76280E8}"/>
+              </a:ext>
+            </a:extLst>
+          </p:cNvPr>
+          <p:cNvSpPr/>
+          <p:nvPr/>
+        </p:nvSpPr>
+        <p:spPr>
+          <a:xfrm>
+            <a:off x="3757723" y="3342290"/>
+            <a:ext cx="3600000" cy="407674"/>
+          </a:xfrm>
+          <a:prstGeom prst="rect">
+            <a:avLst/>
+          </a:prstGeom>
+          <a:solidFill>
+            <a:srgbClr val="92D050"/>
+          </a:solidFill>
+          <a:ln>
+            <a:noFill/>
+          </a:ln>
+        </p:spPr>
+        <p:style>
+          <a:lnRef idx="2">
+            <a:schemeClr val="accent1">
+              <a:shade val="15000"/>
+            </a:schemeClr>
+          </a:lnRef>
+          <a:fillRef idx="1">
+            <a:schemeClr val="accent1"/>
+          </a:fillRef>
+          <a:effectRef idx="0">
+            <a:schemeClr val="accent1"/>
+          </a:effectRef>
+          <a:fontRef idx="minor">
+            <a:schemeClr val="lt1"/>
+          </a:fontRef>
+        </p:style>
+        <p:txBody>
+          <a:bodyPr rtlCol="0" anchor="t" anchorCtr="0"/>
+          <a:lstStyle/>
+          <a:p>
+            <a:r>
+              <a:rPr lang="en-US" altLang="zh-CN" sz="800">
+                <a:latin typeface="Poppins" panose="00000500000000000000" pitchFamily="2" charset="0"/>
+                <a:cs typeface="Poppins" panose="00000500000000000000" pitchFamily="2" charset="0"/>
+              </a:rPr>
+              <a:t>end</a:t>
+            </a:r>
+            <a:endParaRPr lang="zh-CN" altLang="en-US" sz="800">
+              <a:latin typeface="Poppins" panose="00000500000000000000" pitchFamily="2" charset="0"/>
+              <a:cs typeface="Poppins" panose="00000500000000000000" pitchFamily="2" charset="0"/>
+            </a:endParaRPr>
+          </a:p>
+        </p:txBody>
+      </p:sp>
+      <p:cxnSp>
+        <p:nvCxnSpPr>
+          <p:cNvPr id="6" name="Straight Arrow Connector 5">
+            <a:extLst>
+              <a:ext uri="{FF2B5EF4-FFF2-40B4-BE49-F238E27FC236}">
+                <a16:creationId xmlns:a16="http://schemas.microsoft.com/office/drawing/2014/main" id="{4EDDBF91-1C20-1884-F1E1-72ACC7AD03D8}"/>
+              </a:ext>
+            </a:extLst>
+          </p:cNvPr>
+          <p:cNvCxnSpPr>
+            <a:cxnSpLocks/>
+          </p:cNvCxnSpPr>
+          <p:nvPr/>
+        </p:nvCxnSpPr>
+        <p:spPr>
+          <a:xfrm>
+            <a:off x="4126023" y="1589964"/>
+            <a:ext cx="0" cy="711802"/>
+          </a:xfrm>
+          <a:prstGeom prst="straightConnector1">
+            <a:avLst/>
+          </a:prstGeom>
+          <a:ln>
+            <a:solidFill>
+              <a:schemeClr val="bg1"/>
+            </a:solidFill>
+            <a:tailEnd type="triangle"/>
+          </a:ln>
+        </p:spPr>
+        <p:style>
+          <a:lnRef idx="1">
+            <a:schemeClr val="accent1"/>
+          </a:lnRef>
+          <a:fillRef idx="0">
+            <a:schemeClr val="accent1"/>
+          </a:fillRef>
+          <a:effectRef idx="0">
+            <a:schemeClr val="accent1"/>
+          </a:effectRef>
+          <a:fontRef idx="minor">
+            <a:schemeClr val="tx1"/>
+          </a:fontRef>
+        </p:style>
+      </p:cxnSp>
+      <p:cxnSp>
+        <p:nvCxnSpPr>
+          <p:cNvPr id="8" name="Straight Arrow Connector 7">
+            <a:extLst>
+              <a:ext uri="{FF2B5EF4-FFF2-40B4-BE49-F238E27FC236}">
+                <a16:creationId xmlns:a16="http://schemas.microsoft.com/office/drawing/2014/main" id="{9D05E6DD-B191-1792-8698-813C50F10AD1}"/>
+              </a:ext>
+            </a:extLst>
+          </p:cNvPr>
+          <p:cNvCxnSpPr>
+            <a:cxnSpLocks/>
+          </p:cNvCxnSpPr>
+          <p:nvPr/>
+        </p:nvCxnSpPr>
+        <p:spPr>
+          <a:xfrm flipV="1">
+            <a:off x="4126023" y="3342290"/>
+            <a:ext cx="0" cy="407674"/>
+          </a:xfrm>
+          <a:prstGeom prst="straightConnector1">
+            <a:avLst/>
+          </a:prstGeom>
+          <a:ln>
+            <a:solidFill>
+              <a:schemeClr val="bg1"/>
+            </a:solidFill>
+            <a:tailEnd type="triangle"/>
+          </a:ln>
+        </p:spPr>
+        <p:style>
+          <a:lnRef idx="1">
+            <a:schemeClr val="accent1"/>
+          </a:lnRef>
+          <a:fillRef idx="0">
+            <a:schemeClr val="accent1"/>
+          </a:fillRef>
+          <a:effectRef idx="0">
+            <a:schemeClr val="accent1"/>
+          </a:effectRef>
+          <a:fontRef idx="minor">
+            <a:schemeClr val="tx1"/>
+          </a:fontRef>
+        </p:style>
+      </p:cxnSp>
+    </p:spTree>
+    <p:extLst>
+      <p:ext uri="{BB962C8B-B14F-4D97-AF65-F5344CB8AC3E}">
+        <p14:creationId xmlns:p14="http://schemas.microsoft.com/office/powerpoint/2010/main" val="1393457208"/>
+      </p:ext>
+    </p:extLst>
+  </p:cSld>
+  <p:clrMapOvr>
+    <a:masterClrMapping/>
+  </p:clrMapOvr>
+</p:sld>
+</file>
+
+<file path=ppt/slides/slide11.xml><?xml version="1.0" encoding="utf-8"?>
+<p:sld xmlns:a="http://schemas.openxmlformats.org/drawingml/2006/main" xmlns:r="http://schemas.openxmlformats.org/officeDocument/2006/relationships" xmlns:p="http://schemas.openxmlformats.org/presentationml/2006/main">
+  <p:cSld>
+    <p:spTree>
+      <p:nvGrpSpPr>
+        <p:cNvPr id="1" name=""/>
+        <p:cNvGrpSpPr/>
+        <p:nvPr/>
+      </p:nvGrpSpPr>
+      <p:grpSpPr>
+        <a:xfrm>
+          <a:off x="0" y="0"/>
+          <a:ext cx="0" cy="0"/>
+          <a:chOff x="0" y="0"/>
+          <a:chExt cx="0" cy="0"/>
+        </a:xfrm>
+      </p:grpSpPr>
       <p:pic>
         <p:nvPicPr>
           <p:cNvPr id="3" name="图片 2">
@@ -4596,7 +4911,7 @@
 </p:sld>
 </file>
 
-<file path=ppt/slides/slide11.xml><?xml version="1.0" encoding="utf-8"?>
+<file path=ppt/slides/slide12.xml><?xml version="1.0" encoding="utf-8"?>
 <p:sld xmlns:a="http://schemas.openxmlformats.org/drawingml/2006/main" xmlns:r="http://schemas.openxmlformats.org/officeDocument/2006/relationships" xmlns:p="http://schemas.openxmlformats.org/presentationml/2006/main">
   <p:cSld>
     <p:spTree>

--- a/utils/file/charts.pptx
+++ b/utils/file/charts.pptx
@@ -8,15 +8,16 @@
     <p:sldId id="258" r:id="rId2"/>
     <p:sldId id="259" r:id="rId3"/>
     <p:sldId id="260" r:id="rId4"/>
-    <p:sldId id="261" r:id="rId5"/>
-    <p:sldId id="262" r:id="rId6"/>
-    <p:sldId id="263" r:id="rId7"/>
-    <p:sldId id="265" r:id="rId8"/>
-    <p:sldId id="266" r:id="rId9"/>
-    <p:sldId id="267" r:id="rId10"/>
-    <p:sldId id="268" r:id="rId11"/>
-    <p:sldId id="264" r:id="rId12"/>
-    <p:sldId id="256" r:id="rId13"/>
+    <p:sldId id="269" r:id="rId5"/>
+    <p:sldId id="261" r:id="rId6"/>
+    <p:sldId id="262" r:id="rId7"/>
+    <p:sldId id="263" r:id="rId8"/>
+    <p:sldId id="265" r:id="rId9"/>
+    <p:sldId id="266" r:id="rId10"/>
+    <p:sldId id="267" r:id="rId11"/>
+    <p:sldId id="268" r:id="rId12"/>
+    <p:sldId id="264" r:id="rId13"/>
+    <p:sldId id="256" r:id="rId14"/>
   </p:sldIdLst>
   <p:sldSz cx="12192000" cy="6858000"/>
   <p:notesSz cx="6858000" cy="9144000"/>
@@ -270,7 +271,7 @@
           <a:p>
             <a:fld id="{C0F7C65B-F23F-479A-8AFF-E7E0FC962F06}" type="datetimeFigureOut">
               <a:rPr lang="zh-CN" altLang="en-US" smtClean="0"/>
-              <a:t>2025/6/17</a:t>
+              <a:t>2025/6/20</a:t>
             </a:fld>
             <a:endParaRPr lang="zh-CN" altLang="en-US"/>
           </a:p>
@@ -468,7 +469,7 @@
           <a:p>
             <a:fld id="{C0F7C65B-F23F-479A-8AFF-E7E0FC962F06}" type="datetimeFigureOut">
               <a:rPr lang="zh-CN" altLang="en-US" smtClean="0"/>
-              <a:t>2025/6/17</a:t>
+              <a:t>2025/6/20</a:t>
             </a:fld>
             <a:endParaRPr lang="zh-CN" altLang="en-US"/>
           </a:p>
@@ -676,7 +677,7 @@
           <a:p>
             <a:fld id="{C0F7C65B-F23F-479A-8AFF-E7E0FC962F06}" type="datetimeFigureOut">
               <a:rPr lang="zh-CN" altLang="en-US" smtClean="0"/>
-              <a:t>2025/6/17</a:t>
+              <a:t>2025/6/20</a:t>
             </a:fld>
             <a:endParaRPr lang="zh-CN" altLang="en-US"/>
           </a:p>
@@ -874,7 +875,7 @@
           <a:p>
             <a:fld id="{C0F7C65B-F23F-479A-8AFF-E7E0FC962F06}" type="datetimeFigureOut">
               <a:rPr lang="zh-CN" altLang="en-US" smtClean="0"/>
-              <a:t>2025/6/17</a:t>
+              <a:t>2025/6/20</a:t>
             </a:fld>
             <a:endParaRPr lang="zh-CN" altLang="en-US"/>
           </a:p>
@@ -1149,7 +1150,7 @@
           <a:p>
             <a:fld id="{C0F7C65B-F23F-479A-8AFF-E7E0FC962F06}" type="datetimeFigureOut">
               <a:rPr lang="zh-CN" altLang="en-US" smtClean="0"/>
-              <a:t>2025/6/17</a:t>
+              <a:t>2025/6/20</a:t>
             </a:fld>
             <a:endParaRPr lang="zh-CN" altLang="en-US"/>
           </a:p>
@@ -1414,7 +1415,7 @@
           <a:p>
             <a:fld id="{C0F7C65B-F23F-479A-8AFF-E7E0FC962F06}" type="datetimeFigureOut">
               <a:rPr lang="zh-CN" altLang="en-US" smtClean="0"/>
-              <a:t>2025/6/17</a:t>
+              <a:t>2025/6/20</a:t>
             </a:fld>
             <a:endParaRPr lang="zh-CN" altLang="en-US"/>
           </a:p>
@@ -1826,7 +1827,7 @@
           <a:p>
             <a:fld id="{C0F7C65B-F23F-479A-8AFF-E7E0FC962F06}" type="datetimeFigureOut">
               <a:rPr lang="zh-CN" altLang="en-US" smtClean="0"/>
-              <a:t>2025/6/17</a:t>
+              <a:t>2025/6/20</a:t>
             </a:fld>
             <a:endParaRPr lang="zh-CN" altLang="en-US"/>
           </a:p>
@@ -1967,7 +1968,7 @@
           <a:p>
             <a:fld id="{C0F7C65B-F23F-479A-8AFF-E7E0FC962F06}" type="datetimeFigureOut">
               <a:rPr lang="zh-CN" altLang="en-US" smtClean="0"/>
-              <a:t>2025/6/17</a:t>
+              <a:t>2025/6/20</a:t>
             </a:fld>
             <a:endParaRPr lang="zh-CN" altLang="en-US"/>
           </a:p>
@@ -2080,7 +2081,7 @@
           <a:p>
             <a:fld id="{C0F7C65B-F23F-479A-8AFF-E7E0FC962F06}" type="datetimeFigureOut">
               <a:rPr lang="zh-CN" altLang="en-US" smtClean="0"/>
-              <a:t>2025/6/17</a:t>
+              <a:t>2025/6/20</a:t>
             </a:fld>
             <a:endParaRPr lang="zh-CN" altLang="en-US"/>
           </a:p>
@@ -2391,7 +2392,7 @@
           <a:p>
             <a:fld id="{C0F7C65B-F23F-479A-8AFF-E7E0FC962F06}" type="datetimeFigureOut">
               <a:rPr lang="zh-CN" altLang="en-US" smtClean="0"/>
-              <a:t>2025/6/17</a:t>
+              <a:t>2025/6/20</a:t>
             </a:fld>
             <a:endParaRPr lang="zh-CN" altLang="en-US"/>
           </a:p>
@@ -2679,7 +2680,7 @@
           <a:p>
             <a:fld id="{C0F7C65B-F23F-479A-8AFF-E7E0FC962F06}" type="datetimeFigureOut">
               <a:rPr lang="zh-CN" altLang="en-US" smtClean="0"/>
-              <a:t>2025/6/17</a:t>
+              <a:t>2025/6/20</a:t>
             </a:fld>
             <a:endParaRPr lang="zh-CN" altLang="en-US"/>
           </a:p>
@@ -2920,7 +2921,7 @@
           <a:p>
             <a:fld id="{C0F7C65B-F23F-479A-8AFF-E7E0FC962F06}" type="datetimeFigureOut">
               <a:rPr lang="zh-CN" altLang="en-US" smtClean="0"/>
-              <a:t>2025/6/17</a:t>
+              <a:t>2025/6/20</a:t>
             </a:fld>
             <a:endParaRPr lang="zh-CN" altLang="en-US"/>
           </a:p>
@@ -4556,10 +4557,10 @@
       </p:grpSpPr>
       <p:sp>
         <p:nvSpPr>
-          <p:cNvPr id="2" name="Rectangle 1">
-            <a:extLst>
-              <a:ext uri="{FF2B5EF4-FFF2-40B4-BE49-F238E27FC236}">
-                <a16:creationId xmlns:a16="http://schemas.microsoft.com/office/drawing/2014/main" id="{A24F91BB-348B-06D0-B374-47FB2A5928F0}"/>
+          <p:cNvPr id="2" name="矩形: 圆角 1">
+            <a:extLst>
+              <a:ext uri="{FF2B5EF4-FFF2-40B4-BE49-F238E27FC236}">
+                <a16:creationId xmlns:a16="http://schemas.microsoft.com/office/drawing/2014/main" id="{7B4ED021-0865-33C8-DDD1-E2284E485441}"/>
               </a:ext>
             </a:extLst>
           </p:cNvPr>
@@ -4568,18 +4569,16 @@
         </p:nvSpPr>
         <p:spPr>
           <a:xfrm>
-            <a:off x="3757723" y="1589964"/>
-            <a:ext cx="3600000" cy="2160000"/>
-          </a:xfrm>
-          <a:prstGeom prst="rect">
+            <a:off x="3406738" y="3279372"/>
+            <a:ext cx="720000" cy="216000"/>
+          </a:xfrm>
+          <a:prstGeom prst="roundRect">
             <a:avLst/>
           </a:prstGeom>
           <a:solidFill>
-            <a:schemeClr val="bg1">
-              <a:lumMod val="95000"/>
-            </a:schemeClr>
+            <a:srgbClr val="20BF6B"/>
           </a:solidFill>
-          <a:ln>
+          <a:ln w="12700">
             <a:noFill/>
           </a:ln>
         </p:spPr>
@@ -4605,35 +4604,23 @@
           <a:p>
             <a:pPr algn="ctr"/>
             <a:r>
-              <a:rPr lang="en-US" altLang="zh-CN" sz="1200">
-                <a:solidFill>
-                  <a:schemeClr val="accent6">
-                    <a:lumMod val="75000"/>
-                  </a:schemeClr>
-                </a:solidFill>
-                <a:latin typeface="Poppins" panose="00000500000000000000" pitchFamily="2" charset="0"/>
-                <a:cs typeface="Poppins" panose="00000500000000000000" pitchFamily="2" charset="0"/>
+              <a:rPr lang="en-US" altLang="zh-CN" sz="800">
+                <a:latin typeface="Quicksand" panose="00000500000000000000" pitchFamily="2" charset="0"/>
               </a:rPr>
-              <a:t>Animation zone</a:t>
+              <a:t>grid</a:t>
             </a:r>
-            <a:endParaRPr lang="zh-CN" altLang="en-US" sz="1200">
-              <a:solidFill>
-                <a:schemeClr val="accent6">
-                  <a:lumMod val="75000"/>
-                </a:schemeClr>
-              </a:solidFill>
-              <a:latin typeface="Poppins" panose="00000500000000000000" pitchFamily="2" charset="0"/>
-              <a:cs typeface="Poppins" panose="00000500000000000000" pitchFamily="2" charset="0"/>
+            <a:endParaRPr lang="zh-CN" altLang="en-US" sz="800">
+              <a:latin typeface="Quicksand" panose="00000500000000000000" pitchFamily="2" charset="0"/>
             </a:endParaRPr>
           </a:p>
         </p:txBody>
       </p:sp>
       <p:sp>
         <p:nvSpPr>
-          <p:cNvPr id="3" name="Rectangle 2">
-            <a:extLst>
-              <a:ext uri="{FF2B5EF4-FFF2-40B4-BE49-F238E27FC236}">
-                <a16:creationId xmlns:a16="http://schemas.microsoft.com/office/drawing/2014/main" id="{C01DB03E-0DC7-CCD6-56FB-5BD61B31D643}"/>
+          <p:cNvPr id="3" name="矩形: 圆角 2">
+            <a:extLst>
+              <a:ext uri="{FF2B5EF4-FFF2-40B4-BE49-F238E27FC236}">
+                <a16:creationId xmlns:a16="http://schemas.microsoft.com/office/drawing/2014/main" id="{E1F53804-1978-3549-2A00-F2BEE89A5F08}"/>
               </a:ext>
             </a:extLst>
           </p:cNvPr>
@@ -4642,16 +4629,18 @@
         </p:nvSpPr>
         <p:spPr>
           <a:xfrm>
-            <a:off x="3757723" y="1589964"/>
-            <a:ext cx="3600000" cy="711802"/>
-          </a:xfrm>
-          <a:prstGeom prst="rect">
+            <a:off x="4239109" y="2821402"/>
+            <a:ext cx="900000" cy="216000"/>
+          </a:xfrm>
+          <a:prstGeom prst="roundRect">
             <a:avLst/>
           </a:prstGeom>
           <a:solidFill>
-            <a:srgbClr val="92D050"/>
+            <a:srgbClr val="20BF6B">
+              <a:alpha val="80000"/>
+            </a:srgbClr>
           </a:solidFill>
-          <a:ln>
+          <a:ln w="12700">
             <a:noFill/>
           </a:ln>
         </p:spPr>
@@ -4672,29 +4661,28 @@
           </a:fontRef>
         </p:style>
         <p:txBody>
-          <a:bodyPr rtlCol="0" anchor="b" anchorCtr="0"/>
+          <a:bodyPr rtlCol="0" anchor="ctr"/>
           <a:lstStyle/>
           <a:p>
+            <a:pPr algn="ctr"/>
             <a:r>
               <a:rPr lang="en-US" altLang="zh-CN" sz="800">
-                <a:latin typeface="Poppins" panose="00000500000000000000" pitchFamily="2" charset="0"/>
-                <a:cs typeface="Poppins" panose="00000500000000000000" pitchFamily="2" charset="0"/>
+                <a:latin typeface="Quicksand" panose="00000500000000000000" pitchFamily="2" charset="0"/>
               </a:rPr>
-              <a:t>start</a:t>
+              <a:t>container</a:t>
             </a:r>
             <a:endParaRPr lang="zh-CN" altLang="en-US" sz="800">
-              <a:latin typeface="Poppins" panose="00000500000000000000" pitchFamily="2" charset="0"/>
-              <a:cs typeface="Poppins" panose="00000500000000000000" pitchFamily="2" charset="0"/>
+              <a:latin typeface="Quicksand" panose="00000500000000000000" pitchFamily="2" charset="0"/>
             </a:endParaRPr>
           </a:p>
         </p:txBody>
       </p:sp>
       <p:sp>
         <p:nvSpPr>
-          <p:cNvPr id="4" name="Rectangle 3">
-            <a:extLst>
-              <a:ext uri="{FF2B5EF4-FFF2-40B4-BE49-F238E27FC236}">
-                <a16:creationId xmlns:a16="http://schemas.microsoft.com/office/drawing/2014/main" id="{65F99D6D-D34F-E3B4-BD58-06E8A76280E8}"/>
+          <p:cNvPr id="4" name="矩形: 圆角 3">
+            <a:extLst>
+              <a:ext uri="{FF2B5EF4-FFF2-40B4-BE49-F238E27FC236}">
+                <a16:creationId xmlns:a16="http://schemas.microsoft.com/office/drawing/2014/main" id="{1F9D61A7-6BE5-7501-7B6E-50DDFBFEC31E}"/>
               </a:ext>
             </a:extLst>
           </p:cNvPr>
@@ -4703,16 +4691,18 @@
         </p:nvSpPr>
         <p:spPr>
           <a:xfrm>
-            <a:off x="3757723" y="3342290"/>
-            <a:ext cx="3600000" cy="407674"/>
-          </a:xfrm>
-          <a:prstGeom prst="rect">
+            <a:off x="4239109" y="3737342"/>
+            <a:ext cx="900000" cy="216000"/>
+          </a:xfrm>
+          <a:prstGeom prst="roundRect">
             <a:avLst/>
           </a:prstGeom>
           <a:solidFill>
-            <a:srgbClr val="92D050"/>
+            <a:srgbClr val="20BF6B">
+              <a:alpha val="80000"/>
+            </a:srgbClr>
           </a:solidFill>
-          <a:ln>
+          <a:ln w="12700">
             <a:noFill/>
           </a:ln>
         </p:spPr>
@@ -4733,50 +4723,52 @@
           </a:fontRef>
         </p:style>
         <p:txBody>
-          <a:bodyPr rtlCol="0" anchor="t" anchorCtr="0"/>
+          <a:bodyPr rtlCol="0" anchor="ctr"/>
           <a:lstStyle/>
           <a:p>
+            <a:pPr algn="ctr"/>
             <a:r>
               <a:rPr lang="en-US" altLang="zh-CN" sz="800">
-                <a:latin typeface="Poppins" panose="00000500000000000000" pitchFamily="2" charset="0"/>
-                <a:cs typeface="Poppins" panose="00000500000000000000" pitchFamily="2" charset="0"/>
+                <a:latin typeface="Quicksand" panose="00000500000000000000" pitchFamily="2" charset="0"/>
               </a:rPr>
-              <a:t>end</a:t>
+              <a:t>item</a:t>
             </a:r>
             <a:endParaRPr lang="zh-CN" altLang="en-US" sz="800">
-              <a:latin typeface="Poppins" panose="00000500000000000000" pitchFamily="2" charset="0"/>
-              <a:cs typeface="Poppins" panose="00000500000000000000" pitchFamily="2" charset="0"/>
+              <a:latin typeface="Quicksand" panose="00000500000000000000" pitchFamily="2" charset="0"/>
             </a:endParaRPr>
           </a:p>
         </p:txBody>
       </p:sp>
       <p:cxnSp>
         <p:nvCxnSpPr>
-          <p:cNvPr id="6" name="Straight Arrow Connector 5">
-            <a:extLst>
-              <a:ext uri="{FF2B5EF4-FFF2-40B4-BE49-F238E27FC236}">
-                <a16:creationId xmlns:a16="http://schemas.microsoft.com/office/drawing/2014/main" id="{4EDDBF91-1C20-1884-F1E1-72ACC7AD03D8}"/>
+          <p:cNvPr id="5" name="连接符: 曲线 4">
+            <a:extLst>
+              <a:ext uri="{FF2B5EF4-FFF2-40B4-BE49-F238E27FC236}">
+                <a16:creationId xmlns:a16="http://schemas.microsoft.com/office/drawing/2014/main" id="{2BCE9284-9F65-E657-6C73-E1231C74B881}"/>
               </a:ext>
             </a:extLst>
           </p:cNvPr>
           <p:cNvCxnSpPr>
             <a:cxnSpLocks/>
+            <a:stCxn id="19" idx="3"/>
+            <a:endCxn id="2" idx="1"/>
           </p:cNvCxnSpPr>
           <p:nvPr/>
         </p:nvCxnSpPr>
         <p:spPr>
           <a:xfrm>
-            <a:off x="4126023" y="1589964"/>
-            <a:ext cx="0" cy="711802"/>
-          </a:xfrm>
-          <a:prstGeom prst="straightConnector1">
-            <a:avLst/>
+            <a:off x="3287624" y="2861750"/>
+            <a:ext cx="119114" cy="525622"/>
+          </a:xfrm>
+          <a:prstGeom prst="curvedConnector3">
+            <a:avLst>
+              <a:gd name="adj1" fmla="val 50000"/>
+            </a:avLst>
           </a:prstGeom>
           <a:ln>
             <a:solidFill>
-              <a:schemeClr val="bg1"/>
+              <a:srgbClr val="00B050"/>
             </a:solidFill>
-            <a:tailEnd type="triangle"/>
           </a:ln>
         </p:spPr>
         <p:style>
@@ -4796,31 +4788,1126 @@
       </p:cxnSp>
       <p:cxnSp>
         <p:nvCxnSpPr>
-          <p:cNvPr id="8" name="Straight Arrow Connector 7">
-            <a:extLst>
-              <a:ext uri="{FF2B5EF4-FFF2-40B4-BE49-F238E27FC236}">
-                <a16:creationId xmlns:a16="http://schemas.microsoft.com/office/drawing/2014/main" id="{9D05E6DD-B191-1792-8698-813C50F10AD1}"/>
+          <p:cNvPr id="6" name="连接符: 曲线 5">
+            <a:extLst>
+              <a:ext uri="{FF2B5EF4-FFF2-40B4-BE49-F238E27FC236}">
+                <a16:creationId xmlns:a16="http://schemas.microsoft.com/office/drawing/2014/main" id="{8ADE194A-02E4-68D3-0947-04F857CE5FBB}"/>
               </a:ext>
             </a:extLst>
           </p:cNvPr>
           <p:cNvCxnSpPr>
             <a:cxnSpLocks/>
+            <a:stCxn id="4" idx="1"/>
+            <a:endCxn id="2" idx="3"/>
           </p:cNvCxnSpPr>
           <p:nvPr/>
         </p:nvCxnSpPr>
         <p:spPr>
-          <a:xfrm flipV="1">
-            <a:off x="4126023" y="3342290"/>
-            <a:ext cx="0" cy="407674"/>
-          </a:xfrm>
-          <a:prstGeom prst="straightConnector1">
+          <a:xfrm rot="10800000">
+            <a:off x="4126739" y="3387372"/>
+            <a:ext cx="112371" cy="457970"/>
+          </a:xfrm>
+          <a:prstGeom prst="curvedConnector3">
             <a:avLst/>
           </a:prstGeom>
           <a:ln>
             <a:solidFill>
-              <a:schemeClr val="bg1"/>
+              <a:srgbClr val="00B050"/>
             </a:solidFill>
-            <a:tailEnd type="triangle"/>
+          </a:ln>
+        </p:spPr>
+        <p:style>
+          <a:lnRef idx="1">
+            <a:schemeClr val="accent1"/>
+          </a:lnRef>
+          <a:fillRef idx="0">
+            <a:schemeClr val="accent1"/>
+          </a:fillRef>
+          <a:effectRef idx="0">
+            <a:schemeClr val="accent1"/>
+          </a:effectRef>
+          <a:fontRef idx="minor">
+            <a:schemeClr val="tx1"/>
+          </a:fontRef>
+        </p:style>
+      </p:cxnSp>
+      <p:sp>
+        <p:nvSpPr>
+          <p:cNvPr id="7" name="矩形: 圆角 6">
+            <a:extLst>
+              <a:ext uri="{FF2B5EF4-FFF2-40B4-BE49-F238E27FC236}">
+                <a16:creationId xmlns:a16="http://schemas.microsoft.com/office/drawing/2014/main" id="{6A817759-10D0-2EAB-D76E-BAC2A79B98EB}"/>
+              </a:ext>
+            </a:extLst>
+          </p:cNvPr>
+          <p:cNvSpPr/>
+          <p:nvPr/>
+        </p:nvSpPr>
+        <p:spPr>
+          <a:xfrm>
+            <a:off x="5255524" y="2695570"/>
+            <a:ext cx="2160000" cy="216000"/>
+          </a:xfrm>
+          <a:prstGeom prst="roundRect">
+            <a:avLst/>
+          </a:prstGeom>
+          <a:noFill/>
+          <a:ln w="12700">
+            <a:noFill/>
+          </a:ln>
+        </p:spPr>
+        <p:style>
+          <a:lnRef idx="2">
+            <a:schemeClr val="accent1">
+              <a:shade val="15000"/>
+            </a:schemeClr>
+          </a:lnRef>
+          <a:fillRef idx="1">
+            <a:schemeClr val="accent1"/>
+          </a:fillRef>
+          <a:effectRef idx="0">
+            <a:schemeClr val="accent1"/>
+          </a:effectRef>
+          <a:fontRef idx="minor">
+            <a:schemeClr val="lt1"/>
+          </a:fontRef>
+        </p:style>
+        <p:txBody>
+          <a:bodyPr rtlCol="0" anchor="ctr"/>
+          <a:lstStyle/>
+          <a:p>
+            <a:pPr algn="just"/>
+            <a:r>
+              <a:rPr lang="en-US" altLang="zh-CN" sz="800">
+                <a:solidFill>
+                  <a:sysClr val="windowText" lastClr="000000"/>
+                </a:solidFill>
+                <a:latin typeface="Quicksand" panose="00000500000000000000" pitchFamily="2" charset="0"/>
+              </a:rPr>
+              <a:t>justify-items</a:t>
+            </a:r>
+            <a:r>
+              <a:rPr lang="zh-CN" altLang="en-US" sz="800">
+                <a:solidFill>
+                  <a:sysClr val="windowText" lastClr="000000"/>
+                </a:solidFill>
+                <a:latin typeface="Quicksand" panose="00000500000000000000" pitchFamily="2" charset="0"/>
+              </a:rPr>
+              <a:t>、</a:t>
+            </a:r>
+            <a:r>
+              <a:rPr lang="en-US" altLang="zh-CN" sz="800">
+                <a:solidFill>
+                  <a:sysClr val="windowText" lastClr="000000"/>
+                </a:solidFill>
+                <a:latin typeface="Quicksand" panose="00000500000000000000" pitchFamily="2" charset="0"/>
+              </a:rPr>
+              <a:t>align-items</a:t>
+            </a:r>
+            <a:r>
+              <a:rPr lang="zh-CN" altLang="en-US" sz="800">
+                <a:solidFill>
+                  <a:sysClr val="windowText" lastClr="000000"/>
+                </a:solidFill>
+                <a:latin typeface="Quicksand" panose="00000500000000000000" pitchFamily="2" charset="0"/>
+              </a:rPr>
+              <a:t>、</a:t>
+            </a:r>
+            <a:r>
+              <a:rPr lang="en-US" altLang="zh-CN" sz="800">
+                <a:solidFill>
+                  <a:sysClr val="windowText" lastClr="000000"/>
+                </a:solidFill>
+                <a:latin typeface="Quicksand" panose="00000500000000000000" pitchFamily="2" charset="0"/>
+              </a:rPr>
+              <a:t>place-items</a:t>
+            </a:r>
+            <a:endParaRPr lang="zh-CN" altLang="en-US" sz="800">
+              <a:solidFill>
+                <a:sysClr val="windowText" lastClr="000000"/>
+              </a:solidFill>
+              <a:latin typeface="Quicksand" panose="00000500000000000000" pitchFamily="2" charset="0"/>
+            </a:endParaRPr>
+          </a:p>
+        </p:txBody>
+      </p:sp>
+      <p:sp>
+        <p:nvSpPr>
+          <p:cNvPr id="8" name="矩形: 圆角 7">
+            <a:extLst>
+              <a:ext uri="{FF2B5EF4-FFF2-40B4-BE49-F238E27FC236}">
+                <a16:creationId xmlns:a16="http://schemas.microsoft.com/office/drawing/2014/main" id="{69A16CC7-CCF0-240E-37A0-AF08576584ED}"/>
+              </a:ext>
+            </a:extLst>
+          </p:cNvPr>
+          <p:cNvSpPr/>
+          <p:nvPr/>
+        </p:nvSpPr>
+        <p:spPr>
+          <a:xfrm>
+            <a:off x="5255524" y="2947234"/>
+            <a:ext cx="2520000" cy="216000"/>
+          </a:xfrm>
+          <a:prstGeom prst="roundRect">
+            <a:avLst/>
+          </a:prstGeom>
+          <a:noFill/>
+          <a:ln w="12700">
+            <a:noFill/>
+          </a:ln>
+        </p:spPr>
+        <p:style>
+          <a:lnRef idx="2">
+            <a:schemeClr val="accent1">
+              <a:shade val="15000"/>
+            </a:schemeClr>
+          </a:lnRef>
+          <a:fillRef idx="1">
+            <a:schemeClr val="accent1"/>
+          </a:fillRef>
+          <a:effectRef idx="0">
+            <a:schemeClr val="accent1"/>
+          </a:effectRef>
+          <a:fontRef idx="minor">
+            <a:schemeClr val="lt1"/>
+          </a:fontRef>
+        </p:style>
+        <p:txBody>
+          <a:bodyPr rtlCol="0" anchor="ctr"/>
+          <a:lstStyle/>
+          <a:p>
+            <a:pPr algn="just"/>
+            <a:r>
+              <a:rPr lang="en-US" altLang="zh-CN" sz="800">
+                <a:solidFill>
+                  <a:sysClr val="windowText" lastClr="000000"/>
+                </a:solidFill>
+                <a:latin typeface="Quicksand" panose="00000500000000000000" pitchFamily="2" charset="0"/>
+              </a:rPr>
+              <a:t>justify-content</a:t>
+            </a:r>
+            <a:r>
+              <a:rPr lang="zh-CN" altLang="en-US" sz="800">
+                <a:solidFill>
+                  <a:sysClr val="windowText" lastClr="000000"/>
+                </a:solidFill>
+                <a:latin typeface="Quicksand" panose="00000500000000000000" pitchFamily="2" charset="0"/>
+              </a:rPr>
+              <a:t>、</a:t>
+            </a:r>
+            <a:r>
+              <a:rPr lang="en-US" altLang="zh-CN" sz="800">
+                <a:solidFill>
+                  <a:sysClr val="windowText" lastClr="000000"/>
+                </a:solidFill>
+                <a:latin typeface="Quicksand" panose="00000500000000000000" pitchFamily="2" charset="0"/>
+              </a:rPr>
+              <a:t>align-content</a:t>
+            </a:r>
+            <a:r>
+              <a:rPr lang="zh-CN" altLang="en-US" sz="800">
+                <a:solidFill>
+                  <a:sysClr val="windowText" lastClr="000000"/>
+                </a:solidFill>
+                <a:latin typeface="Quicksand" panose="00000500000000000000" pitchFamily="2" charset="0"/>
+              </a:rPr>
+              <a:t>、</a:t>
+            </a:r>
+            <a:r>
+              <a:rPr lang="en-US" altLang="zh-CN" sz="800">
+                <a:solidFill>
+                  <a:sysClr val="windowText" lastClr="000000"/>
+                </a:solidFill>
+                <a:latin typeface="Quicksand" panose="00000500000000000000" pitchFamily="2" charset="0"/>
+              </a:rPr>
+              <a:t>place-content</a:t>
+            </a:r>
+            <a:endParaRPr lang="zh-CN" altLang="en-US" sz="800">
+              <a:solidFill>
+                <a:sysClr val="windowText" lastClr="000000"/>
+              </a:solidFill>
+              <a:latin typeface="Quicksand" panose="00000500000000000000" pitchFamily="2" charset="0"/>
+            </a:endParaRPr>
+          </a:p>
+        </p:txBody>
+      </p:sp>
+      <p:sp>
+        <p:nvSpPr>
+          <p:cNvPr id="9" name="矩形: 圆角 8">
+            <a:extLst>
+              <a:ext uri="{FF2B5EF4-FFF2-40B4-BE49-F238E27FC236}">
+                <a16:creationId xmlns:a16="http://schemas.microsoft.com/office/drawing/2014/main" id="{99B80305-9B15-D2EE-3DF1-CEE7D6394074}"/>
+              </a:ext>
+            </a:extLst>
+          </p:cNvPr>
+          <p:cNvSpPr/>
+          <p:nvPr/>
+        </p:nvSpPr>
+        <p:spPr>
+          <a:xfrm>
+            <a:off x="5255524" y="3367084"/>
+            <a:ext cx="1440000" cy="216000"/>
+          </a:xfrm>
+          <a:prstGeom prst="roundRect">
+            <a:avLst/>
+          </a:prstGeom>
+          <a:noFill/>
+          <a:ln w="12700">
+            <a:noFill/>
+          </a:ln>
+        </p:spPr>
+        <p:style>
+          <a:lnRef idx="2">
+            <a:schemeClr val="accent1">
+              <a:shade val="15000"/>
+            </a:schemeClr>
+          </a:lnRef>
+          <a:fillRef idx="1">
+            <a:schemeClr val="accent1"/>
+          </a:fillRef>
+          <a:effectRef idx="0">
+            <a:schemeClr val="accent1"/>
+          </a:effectRef>
+          <a:fontRef idx="minor">
+            <a:schemeClr val="lt1"/>
+          </a:fontRef>
+        </p:style>
+        <p:txBody>
+          <a:bodyPr rtlCol="0" anchor="ctr"/>
+          <a:lstStyle/>
+          <a:p>
+            <a:pPr algn="just"/>
+            <a:r>
+              <a:rPr lang="en-US" altLang="zh-CN" sz="800">
+                <a:solidFill>
+                  <a:sysClr val="windowText" lastClr="000000"/>
+                </a:solidFill>
+                <a:latin typeface="Quicksand" panose="00000500000000000000" pitchFamily="2" charset="0"/>
+              </a:rPr>
+              <a:t>grid-column</a:t>
+            </a:r>
+            <a:endParaRPr lang="zh-CN" altLang="en-US" sz="800">
+              <a:solidFill>
+                <a:sysClr val="windowText" lastClr="000000"/>
+              </a:solidFill>
+              <a:latin typeface="Quicksand" panose="00000500000000000000" pitchFamily="2" charset="0"/>
+            </a:endParaRPr>
+          </a:p>
+        </p:txBody>
+      </p:sp>
+      <p:sp>
+        <p:nvSpPr>
+          <p:cNvPr id="10" name="矩形: 圆角 9">
+            <a:extLst>
+              <a:ext uri="{FF2B5EF4-FFF2-40B4-BE49-F238E27FC236}">
+                <a16:creationId xmlns:a16="http://schemas.microsoft.com/office/drawing/2014/main" id="{782DC8B9-FD3F-F1F8-44EE-89DB48E293DE}"/>
+              </a:ext>
+            </a:extLst>
+          </p:cNvPr>
+          <p:cNvSpPr/>
+          <p:nvPr/>
+        </p:nvSpPr>
+        <p:spPr>
+          <a:xfrm>
+            <a:off x="5255524" y="3611884"/>
+            <a:ext cx="1440000" cy="216000"/>
+          </a:xfrm>
+          <a:prstGeom prst="roundRect">
+            <a:avLst/>
+          </a:prstGeom>
+          <a:noFill/>
+          <a:ln w="12700">
+            <a:noFill/>
+          </a:ln>
+        </p:spPr>
+        <p:style>
+          <a:lnRef idx="2">
+            <a:schemeClr val="accent1">
+              <a:shade val="15000"/>
+            </a:schemeClr>
+          </a:lnRef>
+          <a:fillRef idx="1">
+            <a:schemeClr val="accent1"/>
+          </a:fillRef>
+          <a:effectRef idx="0">
+            <a:schemeClr val="accent1"/>
+          </a:effectRef>
+          <a:fontRef idx="minor">
+            <a:schemeClr val="lt1"/>
+          </a:fontRef>
+        </p:style>
+        <p:txBody>
+          <a:bodyPr rtlCol="0" anchor="ctr"/>
+          <a:lstStyle/>
+          <a:p>
+            <a:pPr algn="just"/>
+            <a:r>
+              <a:rPr lang="en-US" altLang="zh-CN" sz="800">
+                <a:solidFill>
+                  <a:sysClr val="windowText" lastClr="000000"/>
+                </a:solidFill>
+                <a:latin typeface="Quicksand" panose="00000500000000000000" pitchFamily="2" charset="0"/>
+              </a:rPr>
+              <a:t>grid-row</a:t>
+            </a:r>
+            <a:endParaRPr lang="zh-CN" altLang="en-US" sz="800">
+              <a:solidFill>
+                <a:sysClr val="windowText" lastClr="000000"/>
+              </a:solidFill>
+              <a:latin typeface="Quicksand" panose="00000500000000000000" pitchFamily="2" charset="0"/>
+            </a:endParaRPr>
+          </a:p>
+        </p:txBody>
+      </p:sp>
+      <p:sp>
+        <p:nvSpPr>
+          <p:cNvPr id="19" name="矩形: 圆角 18">
+            <a:extLst>
+              <a:ext uri="{FF2B5EF4-FFF2-40B4-BE49-F238E27FC236}">
+                <a16:creationId xmlns:a16="http://schemas.microsoft.com/office/drawing/2014/main" id="{1E79B629-9EA5-ACE9-A1CC-1FA35B83B45F}"/>
+              </a:ext>
+            </a:extLst>
+          </p:cNvPr>
+          <p:cNvSpPr/>
+          <p:nvPr/>
+        </p:nvSpPr>
+        <p:spPr>
+          <a:xfrm>
+            <a:off x="1991624" y="2753750"/>
+            <a:ext cx="1296000" cy="216000"/>
+          </a:xfrm>
+          <a:prstGeom prst="roundRect">
+            <a:avLst/>
+          </a:prstGeom>
+          <a:noFill/>
+          <a:ln w="12700">
+            <a:noFill/>
+          </a:ln>
+        </p:spPr>
+        <p:style>
+          <a:lnRef idx="2">
+            <a:schemeClr val="accent1">
+              <a:shade val="15000"/>
+            </a:schemeClr>
+          </a:lnRef>
+          <a:fillRef idx="1">
+            <a:schemeClr val="accent1"/>
+          </a:fillRef>
+          <a:effectRef idx="0">
+            <a:schemeClr val="accent1"/>
+          </a:effectRef>
+          <a:fontRef idx="minor">
+            <a:schemeClr val="lt1"/>
+          </a:fontRef>
+        </p:style>
+        <p:txBody>
+          <a:bodyPr rtlCol="0" anchor="ctr"/>
+          <a:lstStyle/>
+          <a:p>
+            <a:pPr algn="just"/>
+            <a:r>
+              <a:rPr lang="en-US" altLang="zh-CN" sz="800">
+                <a:solidFill>
+                  <a:sysClr val="windowText" lastClr="000000"/>
+                </a:solidFill>
+                <a:latin typeface="Quicksand" panose="00000500000000000000" pitchFamily="2" charset="0"/>
+              </a:rPr>
+              <a:t>grid-template-columns</a:t>
+            </a:r>
+            <a:endParaRPr lang="zh-CN" altLang="en-US" sz="800">
+              <a:solidFill>
+                <a:sysClr val="windowText" lastClr="000000"/>
+              </a:solidFill>
+              <a:latin typeface="Quicksand" panose="00000500000000000000" pitchFamily="2" charset="0"/>
+            </a:endParaRPr>
+          </a:p>
+        </p:txBody>
+      </p:sp>
+      <p:sp>
+        <p:nvSpPr>
+          <p:cNvPr id="20" name="矩形: 圆角 19">
+            <a:extLst>
+              <a:ext uri="{FF2B5EF4-FFF2-40B4-BE49-F238E27FC236}">
+                <a16:creationId xmlns:a16="http://schemas.microsoft.com/office/drawing/2014/main" id="{9527B925-A3B0-0D5E-97DF-8180DA154CEC}"/>
+              </a:ext>
+            </a:extLst>
+          </p:cNvPr>
+          <p:cNvSpPr/>
+          <p:nvPr/>
+        </p:nvSpPr>
+        <p:spPr>
+          <a:xfrm>
+            <a:off x="1991624" y="3003973"/>
+            <a:ext cx="1296000" cy="216000"/>
+          </a:xfrm>
+          <a:prstGeom prst="roundRect">
+            <a:avLst/>
+          </a:prstGeom>
+          <a:noFill/>
+          <a:ln w="12700">
+            <a:noFill/>
+          </a:ln>
+        </p:spPr>
+        <p:style>
+          <a:lnRef idx="2">
+            <a:schemeClr val="accent1">
+              <a:shade val="15000"/>
+            </a:schemeClr>
+          </a:lnRef>
+          <a:fillRef idx="1">
+            <a:schemeClr val="accent1"/>
+          </a:fillRef>
+          <a:effectRef idx="0">
+            <a:schemeClr val="accent1"/>
+          </a:effectRef>
+          <a:fontRef idx="minor">
+            <a:schemeClr val="lt1"/>
+          </a:fontRef>
+        </p:style>
+        <p:txBody>
+          <a:bodyPr rtlCol="0" anchor="ctr"/>
+          <a:lstStyle/>
+          <a:p>
+            <a:pPr algn="just"/>
+            <a:r>
+              <a:rPr lang="en-US" altLang="zh-CN" sz="800">
+                <a:solidFill>
+                  <a:sysClr val="windowText" lastClr="000000"/>
+                </a:solidFill>
+                <a:latin typeface="Quicksand" panose="00000500000000000000" pitchFamily="2" charset="0"/>
+              </a:rPr>
+              <a:t>grid-template-rows</a:t>
+            </a:r>
+            <a:endParaRPr lang="zh-CN" altLang="en-US" sz="800">
+              <a:solidFill>
+                <a:sysClr val="windowText" lastClr="000000"/>
+              </a:solidFill>
+              <a:latin typeface="Quicksand" panose="00000500000000000000" pitchFamily="2" charset="0"/>
+            </a:endParaRPr>
+          </a:p>
+        </p:txBody>
+      </p:sp>
+      <p:sp>
+        <p:nvSpPr>
+          <p:cNvPr id="21" name="矩形: 圆角 20">
+            <a:extLst>
+              <a:ext uri="{FF2B5EF4-FFF2-40B4-BE49-F238E27FC236}">
+                <a16:creationId xmlns:a16="http://schemas.microsoft.com/office/drawing/2014/main" id="{356CA4B0-61D7-11FF-B48D-12467910047C}"/>
+              </a:ext>
+            </a:extLst>
+          </p:cNvPr>
+          <p:cNvSpPr/>
+          <p:nvPr/>
+        </p:nvSpPr>
+        <p:spPr>
+          <a:xfrm>
+            <a:off x="1991624" y="3257750"/>
+            <a:ext cx="1296000" cy="216000"/>
+          </a:xfrm>
+          <a:prstGeom prst="roundRect">
+            <a:avLst/>
+          </a:prstGeom>
+          <a:noFill/>
+          <a:ln w="12700">
+            <a:noFill/>
+          </a:ln>
+        </p:spPr>
+        <p:style>
+          <a:lnRef idx="2">
+            <a:schemeClr val="accent1">
+              <a:shade val="15000"/>
+            </a:schemeClr>
+          </a:lnRef>
+          <a:fillRef idx="1">
+            <a:schemeClr val="accent1"/>
+          </a:fillRef>
+          <a:effectRef idx="0">
+            <a:schemeClr val="accent1"/>
+          </a:effectRef>
+          <a:fontRef idx="minor">
+            <a:schemeClr val="lt1"/>
+          </a:fontRef>
+        </p:style>
+        <p:txBody>
+          <a:bodyPr rtlCol="0" anchor="ctr"/>
+          <a:lstStyle/>
+          <a:p>
+            <a:pPr algn="just"/>
+            <a:r>
+              <a:rPr lang="en-US" altLang="zh-CN" sz="800">
+                <a:solidFill>
+                  <a:sysClr val="windowText" lastClr="000000"/>
+                </a:solidFill>
+                <a:latin typeface="Quicksand" panose="00000500000000000000" pitchFamily="2" charset="0"/>
+              </a:rPr>
+              <a:t>grid-template-areas</a:t>
+            </a:r>
+            <a:endParaRPr lang="zh-CN" altLang="en-US" sz="800">
+              <a:solidFill>
+                <a:sysClr val="windowText" lastClr="000000"/>
+              </a:solidFill>
+              <a:latin typeface="Quicksand" panose="00000500000000000000" pitchFamily="2" charset="0"/>
+            </a:endParaRPr>
+          </a:p>
+        </p:txBody>
+      </p:sp>
+      <p:cxnSp>
+        <p:nvCxnSpPr>
+          <p:cNvPr id="25" name="连接符: 曲线 24">
+            <a:extLst>
+              <a:ext uri="{FF2B5EF4-FFF2-40B4-BE49-F238E27FC236}">
+                <a16:creationId xmlns:a16="http://schemas.microsoft.com/office/drawing/2014/main" id="{5FE449A0-09D8-F166-F482-A9A2F2AED471}"/>
+              </a:ext>
+            </a:extLst>
+          </p:cNvPr>
+          <p:cNvCxnSpPr>
+            <a:cxnSpLocks/>
+            <a:stCxn id="34" idx="3"/>
+            <a:endCxn id="2" idx="1"/>
+          </p:cNvCxnSpPr>
+          <p:nvPr/>
+        </p:nvCxnSpPr>
+        <p:spPr>
+          <a:xfrm flipV="1">
+            <a:off x="3287624" y="3387372"/>
+            <a:ext cx="119114" cy="482378"/>
+          </a:xfrm>
+          <a:prstGeom prst="curvedConnector3">
+            <a:avLst>
+              <a:gd name="adj1" fmla="val 50000"/>
+            </a:avLst>
+          </a:prstGeom>
+          <a:ln>
+            <a:solidFill>
+              <a:srgbClr val="00B050"/>
+            </a:solidFill>
+          </a:ln>
+        </p:spPr>
+        <p:style>
+          <a:lnRef idx="1">
+            <a:schemeClr val="accent1"/>
+          </a:lnRef>
+          <a:fillRef idx="0">
+            <a:schemeClr val="accent1"/>
+          </a:fillRef>
+          <a:effectRef idx="0">
+            <a:schemeClr val="accent1"/>
+          </a:effectRef>
+          <a:fontRef idx="minor">
+            <a:schemeClr val="tx1"/>
+          </a:fontRef>
+        </p:style>
+      </p:cxnSp>
+      <p:cxnSp>
+        <p:nvCxnSpPr>
+          <p:cNvPr id="28" name="连接符: 曲线 27">
+            <a:extLst>
+              <a:ext uri="{FF2B5EF4-FFF2-40B4-BE49-F238E27FC236}">
+                <a16:creationId xmlns:a16="http://schemas.microsoft.com/office/drawing/2014/main" id="{3A6BBE73-4BE6-5B24-F2A7-73612F1CC1B0}"/>
+              </a:ext>
+            </a:extLst>
+          </p:cNvPr>
+          <p:cNvCxnSpPr>
+            <a:cxnSpLocks/>
+            <a:stCxn id="3" idx="1"/>
+            <a:endCxn id="2" idx="3"/>
+          </p:cNvCxnSpPr>
+          <p:nvPr/>
+        </p:nvCxnSpPr>
+        <p:spPr>
+          <a:xfrm rot="10800000" flipV="1">
+            <a:off x="4126739" y="2929402"/>
+            <a:ext cx="112371" cy="457970"/>
+          </a:xfrm>
+          <a:prstGeom prst="curvedConnector3">
+            <a:avLst>
+              <a:gd name="adj1" fmla="val 50000"/>
+            </a:avLst>
+          </a:prstGeom>
+          <a:ln>
+            <a:solidFill>
+              <a:srgbClr val="00B050"/>
+            </a:solidFill>
+          </a:ln>
+        </p:spPr>
+        <p:style>
+          <a:lnRef idx="1">
+            <a:schemeClr val="accent1"/>
+          </a:lnRef>
+          <a:fillRef idx="0">
+            <a:schemeClr val="accent1"/>
+          </a:fillRef>
+          <a:effectRef idx="0">
+            <a:schemeClr val="accent1"/>
+          </a:effectRef>
+          <a:fontRef idx="minor">
+            <a:schemeClr val="tx1"/>
+          </a:fontRef>
+        </p:style>
+      </p:cxnSp>
+      <p:sp>
+        <p:nvSpPr>
+          <p:cNvPr id="32" name="矩形: 圆角 31">
+            <a:extLst>
+              <a:ext uri="{FF2B5EF4-FFF2-40B4-BE49-F238E27FC236}">
+                <a16:creationId xmlns:a16="http://schemas.microsoft.com/office/drawing/2014/main" id="{AB131909-9112-225D-1804-CF3E2D49CE32}"/>
+              </a:ext>
+            </a:extLst>
+          </p:cNvPr>
+          <p:cNvSpPr/>
+          <p:nvPr/>
+        </p:nvSpPr>
+        <p:spPr>
+          <a:xfrm>
+            <a:off x="1991624" y="3509750"/>
+            <a:ext cx="1296000" cy="216000"/>
+          </a:xfrm>
+          <a:prstGeom prst="roundRect">
+            <a:avLst/>
+          </a:prstGeom>
+          <a:noFill/>
+          <a:ln w="12700">
+            <a:noFill/>
+          </a:ln>
+        </p:spPr>
+        <p:style>
+          <a:lnRef idx="2">
+            <a:schemeClr val="accent1">
+              <a:shade val="15000"/>
+            </a:schemeClr>
+          </a:lnRef>
+          <a:fillRef idx="1">
+            <a:schemeClr val="accent1"/>
+          </a:fillRef>
+          <a:effectRef idx="0">
+            <a:schemeClr val="accent1"/>
+          </a:effectRef>
+          <a:fontRef idx="minor">
+            <a:schemeClr val="lt1"/>
+          </a:fontRef>
+        </p:style>
+        <p:txBody>
+          <a:bodyPr rtlCol="0" anchor="ctr"/>
+          <a:lstStyle/>
+          <a:p>
+            <a:pPr algn="just"/>
+            <a:r>
+              <a:rPr lang="en-US" altLang="zh-CN" sz="800">
+                <a:solidFill>
+                  <a:sysClr val="windowText" lastClr="000000"/>
+                </a:solidFill>
+                <a:latin typeface="Quicksand" panose="00000500000000000000" pitchFamily="2" charset="0"/>
+              </a:rPr>
+              <a:t>grid-auto-flow</a:t>
+            </a:r>
+            <a:endParaRPr lang="zh-CN" altLang="en-US" sz="800">
+              <a:solidFill>
+                <a:sysClr val="windowText" lastClr="000000"/>
+              </a:solidFill>
+              <a:latin typeface="Quicksand" panose="00000500000000000000" pitchFamily="2" charset="0"/>
+            </a:endParaRPr>
+          </a:p>
+        </p:txBody>
+      </p:sp>
+      <p:sp>
+        <p:nvSpPr>
+          <p:cNvPr id="34" name="矩形: 圆角 33">
+            <a:extLst>
+              <a:ext uri="{FF2B5EF4-FFF2-40B4-BE49-F238E27FC236}">
+                <a16:creationId xmlns:a16="http://schemas.microsoft.com/office/drawing/2014/main" id="{734F5254-C953-E514-4325-A5F7247E5289}"/>
+              </a:ext>
+            </a:extLst>
+          </p:cNvPr>
+          <p:cNvSpPr/>
+          <p:nvPr/>
+        </p:nvSpPr>
+        <p:spPr>
+          <a:xfrm>
+            <a:off x="1991624" y="3761750"/>
+            <a:ext cx="1296000" cy="216000"/>
+          </a:xfrm>
+          <a:prstGeom prst="roundRect">
+            <a:avLst/>
+          </a:prstGeom>
+          <a:noFill/>
+          <a:ln w="12700">
+            <a:noFill/>
+          </a:ln>
+        </p:spPr>
+        <p:style>
+          <a:lnRef idx="2">
+            <a:schemeClr val="accent1">
+              <a:shade val="15000"/>
+            </a:schemeClr>
+          </a:lnRef>
+          <a:fillRef idx="1">
+            <a:schemeClr val="accent1"/>
+          </a:fillRef>
+          <a:effectRef idx="0">
+            <a:schemeClr val="accent1"/>
+          </a:effectRef>
+          <a:fontRef idx="minor">
+            <a:schemeClr val="lt1"/>
+          </a:fontRef>
+        </p:style>
+        <p:txBody>
+          <a:bodyPr rtlCol="0" anchor="ctr"/>
+          <a:lstStyle/>
+          <a:p>
+            <a:pPr algn="just"/>
+            <a:r>
+              <a:rPr lang="en-US" altLang="zh-CN" sz="800">
+                <a:solidFill>
+                  <a:sysClr val="windowText" lastClr="000000"/>
+                </a:solidFill>
+                <a:latin typeface="Quicksand" panose="00000500000000000000" pitchFamily="2" charset="0"/>
+              </a:rPr>
+              <a:t>gap</a:t>
+            </a:r>
+            <a:endParaRPr lang="zh-CN" altLang="en-US" sz="800">
+              <a:solidFill>
+                <a:sysClr val="windowText" lastClr="000000"/>
+              </a:solidFill>
+              <a:latin typeface="Quicksand" panose="00000500000000000000" pitchFamily="2" charset="0"/>
+            </a:endParaRPr>
+          </a:p>
+        </p:txBody>
+      </p:sp>
+      <p:sp>
+        <p:nvSpPr>
+          <p:cNvPr id="36" name="矩形: 圆角 35">
+            <a:extLst>
+              <a:ext uri="{FF2B5EF4-FFF2-40B4-BE49-F238E27FC236}">
+                <a16:creationId xmlns:a16="http://schemas.microsoft.com/office/drawing/2014/main" id="{5784A573-8A5F-3AB6-E006-03DCCD9AD2FD}"/>
+              </a:ext>
+            </a:extLst>
+          </p:cNvPr>
+          <p:cNvSpPr/>
+          <p:nvPr/>
+        </p:nvSpPr>
+        <p:spPr>
+          <a:xfrm>
+            <a:off x="5255524" y="3862800"/>
+            <a:ext cx="1440000" cy="216000"/>
+          </a:xfrm>
+          <a:prstGeom prst="roundRect">
+            <a:avLst/>
+          </a:prstGeom>
+          <a:noFill/>
+          <a:ln w="12700">
+            <a:noFill/>
+          </a:ln>
+        </p:spPr>
+        <p:style>
+          <a:lnRef idx="2">
+            <a:schemeClr val="accent1">
+              <a:shade val="15000"/>
+            </a:schemeClr>
+          </a:lnRef>
+          <a:fillRef idx="1">
+            <a:schemeClr val="accent1"/>
+          </a:fillRef>
+          <a:effectRef idx="0">
+            <a:schemeClr val="accent1"/>
+          </a:effectRef>
+          <a:fontRef idx="minor">
+            <a:schemeClr val="lt1"/>
+          </a:fontRef>
+        </p:style>
+        <p:txBody>
+          <a:bodyPr rtlCol="0" anchor="ctr"/>
+          <a:lstStyle/>
+          <a:p>
+            <a:pPr algn="just"/>
+            <a:r>
+              <a:rPr lang="en-US" altLang="zh-CN" sz="800">
+                <a:solidFill>
+                  <a:sysClr val="windowText" lastClr="000000"/>
+                </a:solidFill>
+                <a:latin typeface="Quicksand" panose="00000500000000000000" pitchFamily="2" charset="0"/>
+              </a:rPr>
+              <a:t>grid-area</a:t>
+            </a:r>
+            <a:endParaRPr lang="zh-CN" altLang="en-US" sz="800">
+              <a:solidFill>
+                <a:sysClr val="windowText" lastClr="000000"/>
+              </a:solidFill>
+              <a:latin typeface="Quicksand" panose="00000500000000000000" pitchFamily="2" charset="0"/>
+            </a:endParaRPr>
+          </a:p>
+        </p:txBody>
+      </p:sp>
+      <p:sp>
+        <p:nvSpPr>
+          <p:cNvPr id="37" name="矩形: 圆角 36">
+            <a:extLst>
+              <a:ext uri="{FF2B5EF4-FFF2-40B4-BE49-F238E27FC236}">
+                <a16:creationId xmlns:a16="http://schemas.microsoft.com/office/drawing/2014/main" id="{03E03E94-0B5A-158F-A4AF-89464ED65D83}"/>
+              </a:ext>
+            </a:extLst>
+          </p:cNvPr>
+          <p:cNvSpPr/>
+          <p:nvPr/>
+        </p:nvSpPr>
+        <p:spPr>
+          <a:xfrm>
+            <a:off x="5255524" y="4114800"/>
+            <a:ext cx="2160000" cy="216000"/>
+          </a:xfrm>
+          <a:prstGeom prst="roundRect">
+            <a:avLst/>
+          </a:prstGeom>
+          <a:noFill/>
+          <a:ln w="12700">
+            <a:noFill/>
+          </a:ln>
+        </p:spPr>
+        <p:style>
+          <a:lnRef idx="2">
+            <a:schemeClr val="accent1">
+              <a:shade val="15000"/>
+            </a:schemeClr>
+          </a:lnRef>
+          <a:fillRef idx="1">
+            <a:schemeClr val="accent1"/>
+          </a:fillRef>
+          <a:effectRef idx="0">
+            <a:schemeClr val="accent1"/>
+          </a:effectRef>
+          <a:fontRef idx="minor">
+            <a:schemeClr val="lt1"/>
+          </a:fontRef>
+        </p:style>
+        <p:txBody>
+          <a:bodyPr rtlCol="0" anchor="ctr"/>
+          <a:lstStyle/>
+          <a:p>
+            <a:pPr algn="just"/>
+            <a:r>
+              <a:rPr lang="en-US" altLang="zh-CN" sz="800">
+                <a:solidFill>
+                  <a:sysClr val="windowText" lastClr="000000"/>
+                </a:solidFill>
+                <a:latin typeface="Quicksand" panose="00000500000000000000" pitchFamily="2" charset="0"/>
+              </a:rPr>
+              <a:t>justify-self</a:t>
+            </a:r>
+            <a:r>
+              <a:rPr lang="zh-CN" altLang="en-US" sz="800">
+                <a:solidFill>
+                  <a:sysClr val="windowText" lastClr="000000"/>
+                </a:solidFill>
+                <a:latin typeface="Quicksand" panose="00000500000000000000" pitchFamily="2" charset="0"/>
+              </a:rPr>
+              <a:t>、</a:t>
+            </a:r>
+            <a:r>
+              <a:rPr lang="en-US" altLang="zh-CN" sz="800">
+                <a:solidFill>
+                  <a:sysClr val="windowText" lastClr="000000"/>
+                </a:solidFill>
+                <a:latin typeface="Quicksand" panose="00000500000000000000" pitchFamily="2" charset="0"/>
+              </a:rPr>
+              <a:t>align-self</a:t>
+            </a:r>
+            <a:r>
+              <a:rPr lang="zh-CN" altLang="en-US" sz="800">
+                <a:solidFill>
+                  <a:sysClr val="windowText" lastClr="000000"/>
+                </a:solidFill>
+                <a:latin typeface="Quicksand" panose="00000500000000000000" pitchFamily="2" charset="0"/>
+              </a:rPr>
+              <a:t>、</a:t>
+            </a:r>
+            <a:r>
+              <a:rPr lang="en-US" altLang="zh-CN" sz="800">
+                <a:solidFill>
+                  <a:sysClr val="windowText" lastClr="000000"/>
+                </a:solidFill>
+                <a:latin typeface="Quicksand" panose="00000500000000000000" pitchFamily="2" charset="0"/>
+              </a:rPr>
+              <a:t>place-self</a:t>
+            </a:r>
+            <a:endParaRPr lang="zh-CN" altLang="en-US" sz="800">
+              <a:solidFill>
+                <a:sysClr val="windowText" lastClr="000000"/>
+              </a:solidFill>
+              <a:latin typeface="Quicksand" panose="00000500000000000000" pitchFamily="2" charset="0"/>
+            </a:endParaRPr>
+          </a:p>
+        </p:txBody>
+      </p:sp>
+      <p:cxnSp>
+        <p:nvCxnSpPr>
+          <p:cNvPr id="38" name="连接符: 曲线 37">
+            <a:extLst>
+              <a:ext uri="{FF2B5EF4-FFF2-40B4-BE49-F238E27FC236}">
+                <a16:creationId xmlns:a16="http://schemas.microsoft.com/office/drawing/2014/main" id="{56F3030D-E969-4464-4DC4-DCB661A4F9DC}"/>
+              </a:ext>
+            </a:extLst>
+          </p:cNvPr>
+          <p:cNvCxnSpPr>
+            <a:cxnSpLocks/>
+            <a:stCxn id="8" idx="1"/>
+            <a:endCxn id="3" idx="3"/>
+          </p:cNvCxnSpPr>
+          <p:nvPr/>
+        </p:nvCxnSpPr>
+        <p:spPr>
+          <a:xfrm rot="10800000">
+            <a:off x="5139110" y="2929402"/>
+            <a:ext cx="116415" cy="125832"/>
+          </a:xfrm>
+          <a:prstGeom prst="curvedConnector3">
+            <a:avLst>
+              <a:gd name="adj1" fmla="val 50000"/>
+            </a:avLst>
+          </a:prstGeom>
+          <a:ln>
+            <a:solidFill>
+              <a:srgbClr val="00B050"/>
+            </a:solidFill>
+          </a:ln>
+        </p:spPr>
+        <p:style>
+          <a:lnRef idx="1">
+            <a:schemeClr val="accent1"/>
+          </a:lnRef>
+          <a:fillRef idx="0">
+            <a:schemeClr val="accent1"/>
+          </a:fillRef>
+          <a:effectRef idx="0">
+            <a:schemeClr val="accent1"/>
+          </a:effectRef>
+          <a:fontRef idx="minor">
+            <a:schemeClr val="tx1"/>
+          </a:fontRef>
+        </p:style>
+      </p:cxnSp>
+      <p:cxnSp>
+        <p:nvCxnSpPr>
+          <p:cNvPr id="39" name="连接符: 曲线 38">
+            <a:extLst>
+              <a:ext uri="{FF2B5EF4-FFF2-40B4-BE49-F238E27FC236}">
+                <a16:creationId xmlns:a16="http://schemas.microsoft.com/office/drawing/2014/main" id="{C4FF2915-113A-8BF5-7FCB-066A1878E78A}"/>
+              </a:ext>
+            </a:extLst>
+          </p:cNvPr>
+          <p:cNvCxnSpPr>
+            <a:cxnSpLocks/>
+            <a:stCxn id="7" idx="1"/>
+            <a:endCxn id="3" idx="3"/>
+          </p:cNvCxnSpPr>
+          <p:nvPr/>
+        </p:nvCxnSpPr>
+        <p:spPr>
+          <a:xfrm rot="10800000" flipV="1">
+            <a:off x="5139110" y="2803570"/>
+            <a:ext cx="116415" cy="125832"/>
+          </a:xfrm>
+          <a:prstGeom prst="curvedConnector3">
+            <a:avLst>
+              <a:gd name="adj1" fmla="val 50000"/>
+            </a:avLst>
+          </a:prstGeom>
+          <a:ln>
+            <a:solidFill>
+              <a:srgbClr val="00B050"/>
+            </a:solidFill>
+          </a:ln>
+        </p:spPr>
+        <p:style>
+          <a:lnRef idx="1">
+            <a:schemeClr val="accent1"/>
+          </a:lnRef>
+          <a:fillRef idx="0">
+            <a:schemeClr val="accent1"/>
+          </a:fillRef>
+          <a:effectRef idx="0">
+            <a:schemeClr val="accent1"/>
+          </a:effectRef>
+          <a:fontRef idx="minor">
+            <a:schemeClr val="tx1"/>
+          </a:fontRef>
+        </p:style>
+      </p:cxnSp>
+      <p:cxnSp>
+        <p:nvCxnSpPr>
+          <p:cNvPr id="44" name="连接符: 曲线 43">
+            <a:extLst>
+              <a:ext uri="{FF2B5EF4-FFF2-40B4-BE49-F238E27FC236}">
+                <a16:creationId xmlns:a16="http://schemas.microsoft.com/office/drawing/2014/main" id="{03E7BB68-66AE-0142-D985-87D40F381ABF}"/>
+              </a:ext>
+            </a:extLst>
+          </p:cNvPr>
+          <p:cNvCxnSpPr>
+            <a:cxnSpLocks/>
+            <a:stCxn id="37" idx="1"/>
+            <a:endCxn id="4" idx="3"/>
+          </p:cNvCxnSpPr>
+          <p:nvPr/>
+        </p:nvCxnSpPr>
+        <p:spPr>
+          <a:xfrm rot="10800000">
+            <a:off x="5139110" y="3845342"/>
+            <a:ext cx="116415" cy="377458"/>
+          </a:xfrm>
+          <a:prstGeom prst="curvedConnector3">
+            <a:avLst>
+              <a:gd name="adj1" fmla="val 50000"/>
+            </a:avLst>
+          </a:prstGeom>
+          <a:ln>
+            <a:solidFill>
+              <a:srgbClr val="00B050"/>
+            </a:solidFill>
+          </a:ln>
+        </p:spPr>
+        <p:style>
+          <a:lnRef idx="1">
+            <a:schemeClr val="accent1"/>
+          </a:lnRef>
+          <a:fillRef idx="0">
+            <a:schemeClr val="accent1"/>
+          </a:fillRef>
+          <a:effectRef idx="0">
+            <a:schemeClr val="accent1"/>
+          </a:effectRef>
+          <a:fontRef idx="minor">
+            <a:schemeClr val="tx1"/>
+          </a:fontRef>
+        </p:style>
+      </p:cxnSp>
+      <p:cxnSp>
+        <p:nvCxnSpPr>
+          <p:cNvPr id="45" name="连接符: 曲线 44">
+            <a:extLst>
+              <a:ext uri="{FF2B5EF4-FFF2-40B4-BE49-F238E27FC236}">
+                <a16:creationId xmlns:a16="http://schemas.microsoft.com/office/drawing/2014/main" id="{5D3F8CFE-DBCF-046F-664F-113FAF52BAEB}"/>
+              </a:ext>
+            </a:extLst>
+          </p:cNvPr>
+          <p:cNvCxnSpPr>
+            <a:cxnSpLocks/>
+            <a:stCxn id="9" idx="1"/>
+            <a:endCxn id="4" idx="3"/>
+          </p:cNvCxnSpPr>
+          <p:nvPr/>
+        </p:nvCxnSpPr>
+        <p:spPr>
+          <a:xfrm rot="10800000" flipV="1">
+            <a:off x="5139110" y="3475084"/>
+            <a:ext cx="116415" cy="370258"/>
+          </a:xfrm>
+          <a:prstGeom prst="curvedConnector3">
+            <a:avLst>
+              <a:gd name="adj1" fmla="val 50000"/>
+            </a:avLst>
+          </a:prstGeom>
+          <a:ln>
+            <a:solidFill>
+              <a:srgbClr val="00B050"/>
+            </a:solidFill>
           </a:ln>
         </p:spPr>
         <p:style>
@@ -4841,7 +5928,7 @@
     </p:spTree>
     <p:extLst>
       <p:ext uri="{BB962C8B-B14F-4D97-AF65-F5344CB8AC3E}">
-        <p14:creationId xmlns:p14="http://schemas.microsoft.com/office/powerpoint/2010/main" val="1393457208"/>
+        <p14:creationId xmlns:p14="http://schemas.microsoft.com/office/powerpoint/2010/main" val="3831931234"/>
       </p:ext>
     </p:extLst>
   </p:cSld>
@@ -4868,6 +5955,320 @@
           <a:chExt cx="0" cy="0"/>
         </a:xfrm>
       </p:grpSpPr>
+      <p:sp>
+        <p:nvSpPr>
+          <p:cNvPr id="2" name="Rectangle 1">
+            <a:extLst>
+              <a:ext uri="{FF2B5EF4-FFF2-40B4-BE49-F238E27FC236}">
+                <a16:creationId xmlns:a16="http://schemas.microsoft.com/office/drawing/2014/main" id="{A24F91BB-348B-06D0-B374-47FB2A5928F0}"/>
+              </a:ext>
+            </a:extLst>
+          </p:cNvPr>
+          <p:cNvSpPr/>
+          <p:nvPr/>
+        </p:nvSpPr>
+        <p:spPr>
+          <a:xfrm>
+            <a:off x="3757723" y="1589964"/>
+            <a:ext cx="3600000" cy="2160000"/>
+          </a:xfrm>
+          <a:prstGeom prst="rect">
+            <a:avLst/>
+          </a:prstGeom>
+          <a:solidFill>
+            <a:schemeClr val="bg1">
+              <a:lumMod val="95000"/>
+            </a:schemeClr>
+          </a:solidFill>
+          <a:ln>
+            <a:noFill/>
+          </a:ln>
+        </p:spPr>
+        <p:style>
+          <a:lnRef idx="2">
+            <a:schemeClr val="accent1">
+              <a:shade val="15000"/>
+            </a:schemeClr>
+          </a:lnRef>
+          <a:fillRef idx="1">
+            <a:schemeClr val="accent1"/>
+          </a:fillRef>
+          <a:effectRef idx="0">
+            <a:schemeClr val="accent1"/>
+          </a:effectRef>
+          <a:fontRef idx="minor">
+            <a:schemeClr val="lt1"/>
+          </a:fontRef>
+        </p:style>
+        <p:txBody>
+          <a:bodyPr rtlCol="0" anchor="ctr"/>
+          <a:lstStyle/>
+          <a:p>
+            <a:pPr algn="ctr"/>
+            <a:r>
+              <a:rPr lang="en-US" altLang="zh-CN" sz="1200">
+                <a:solidFill>
+                  <a:schemeClr val="accent6">
+                    <a:lumMod val="75000"/>
+                  </a:schemeClr>
+                </a:solidFill>
+                <a:latin typeface="Poppins" panose="00000500000000000000" pitchFamily="2" charset="0"/>
+                <a:cs typeface="Poppins" panose="00000500000000000000" pitchFamily="2" charset="0"/>
+              </a:rPr>
+              <a:t>Animation zone</a:t>
+            </a:r>
+            <a:endParaRPr lang="zh-CN" altLang="en-US" sz="1200">
+              <a:solidFill>
+                <a:schemeClr val="accent6">
+                  <a:lumMod val="75000"/>
+                </a:schemeClr>
+              </a:solidFill>
+              <a:latin typeface="Poppins" panose="00000500000000000000" pitchFamily="2" charset="0"/>
+              <a:cs typeface="Poppins" panose="00000500000000000000" pitchFamily="2" charset="0"/>
+            </a:endParaRPr>
+          </a:p>
+        </p:txBody>
+      </p:sp>
+      <p:sp>
+        <p:nvSpPr>
+          <p:cNvPr id="3" name="Rectangle 2">
+            <a:extLst>
+              <a:ext uri="{FF2B5EF4-FFF2-40B4-BE49-F238E27FC236}">
+                <a16:creationId xmlns:a16="http://schemas.microsoft.com/office/drawing/2014/main" id="{C01DB03E-0DC7-CCD6-56FB-5BD61B31D643}"/>
+              </a:ext>
+            </a:extLst>
+          </p:cNvPr>
+          <p:cNvSpPr/>
+          <p:nvPr/>
+        </p:nvSpPr>
+        <p:spPr>
+          <a:xfrm>
+            <a:off x="3757723" y="1589964"/>
+            <a:ext cx="3600000" cy="711802"/>
+          </a:xfrm>
+          <a:prstGeom prst="rect">
+            <a:avLst/>
+          </a:prstGeom>
+          <a:solidFill>
+            <a:srgbClr val="92D050"/>
+          </a:solidFill>
+          <a:ln>
+            <a:noFill/>
+          </a:ln>
+        </p:spPr>
+        <p:style>
+          <a:lnRef idx="2">
+            <a:schemeClr val="accent1">
+              <a:shade val="15000"/>
+            </a:schemeClr>
+          </a:lnRef>
+          <a:fillRef idx="1">
+            <a:schemeClr val="accent1"/>
+          </a:fillRef>
+          <a:effectRef idx="0">
+            <a:schemeClr val="accent1"/>
+          </a:effectRef>
+          <a:fontRef idx="minor">
+            <a:schemeClr val="lt1"/>
+          </a:fontRef>
+        </p:style>
+        <p:txBody>
+          <a:bodyPr rtlCol="0" anchor="b" anchorCtr="0"/>
+          <a:lstStyle/>
+          <a:p>
+            <a:r>
+              <a:rPr lang="en-US" altLang="zh-CN" sz="800">
+                <a:latin typeface="Poppins" panose="00000500000000000000" pitchFamily="2" charset="0"/>
+                <a:cs typeface="Poppins" panose="00000500000000000000" pitchFamily="2" charset="0"/>
+              </a:rPr>
+              <a:t>start</a:t>
+            </a:r>
+            <a:endParaRPr lang="zh-CN" altLang="en-US" sz="800">
+              <a:latin typeface="Poppins" panose="00000500000000000000" pitchFamily="2" charset="0"/>
+              <a:cs typeface="Poppins" panose="00000500000000000000" pitchFamily="2" charset="0"/>
+            </a:endParaRPr>
+          </a:p>
+        </p:txBody>
+      </p:sp>
+      <p:sp>
+        <p:nvSpPr>
+          <p:cNvPr id="4" name="Rectangle 3">
+            <a:extLst>
+              <a:ext uri="{FF2B5EF4-FFF2-40B4-BE49-F238E27FC236}">
+                <a16:creationId xmlns:a16="http://schemas.microsoft.com/office/drawing/2014/main" id="{65F99D6D-D34F-E3B4-BD58-06E8A76280E8}"/>
+              </a:ext>
+            </a:extLst>
+          </p:cNvPr>
+          <p:cNvSpPr/>
+          <p:nvPr/>
+        </p:nvSpPr>
+        <p:spPr>
+          <a:xfrm>
+            <a:off x="3757723" y="3342290"/>
+            <a:ext cx="3600000" cy="407674"/>
+          </a:xfrm>
+          <a:prstGeom prst="rect">
+            <a:avLst/>
+          </a:prstGeom>
+          <a:solidFill>
+            <a:srgbClr val="92D050"/>
+          </a:solidFill>
+          <a:ln>
+            <a:noFill/>
+          </a:ln>
+        </p:spPr>
+        <p:style>
+          <a:lnRef idx="2">
+            <a:schemeClr val="accent1">
+              <a:shade val="15000"/>
+            </a:schemeClr>
+          </a:lnRef>
+          <a:fillRef idx="1">
+            <a:schemeClr val="accent1"/>
+          </a:fillRef>
+          <a:effectRef idx="0">
+            <a:schemeClr val="accent1"/>
+          </a:effectRef>
+          <a:fontRef idx="minor">
+            <a:schemeClr val="lt1"/>
+          </a:fontRef>
+        </p:style>
+        <p:txBody>
+          <a:bodyPr rtlCol="0" anchor="t" anchorCtr="0"/>
+          <a:lstStyle/>
+          <a:p>
+            <a:r>
+              <a:rPr lang="en-US" altLang="zh-CN" sz="800">
+                <a:latin typeface="Poppins" panose="00000500000000000000" pitchFamily="2" charset="0"/>
+                <a:cs typeface="Poppins" panose="00000500000000000000" pitchFamily="2" charset="0"/>
+              </a:rPr>
+              <a:t>end</a:t>
+            </a:r>
+            <a:endParaRPr lang="zh-CN" altLang="en-US" sz="800">
+              <a:latin typeface="Poppins" panose="00000500000000000000" pitchFamily="2" charset="0"/>
+              <a:cs typeface="Poppins" panose="00000500000000000000" pitchFamily="2" charset="0"/>
+            </a:endParaRPr>
+          </a:p>
+        </p:txBody>
+      </p:sp>
+      <p:cxnSp>
+        <p:nvCxnSpPr>
+          <p:cNvPr id="6" name="Straight Arrow Connector 5">
+            <a:extLst>
+              <a:ext uri="{FF2B5EF4-FFF2-40B4-BE49-F238E27FC236}">
+                <a16:creationId xmlns:a16="http://schemas.microsoft.com/office/drawing/2014/main" id="{4EDDBF91-1C20-1884-F1E1-72ACC7AD03D8}"/>
+              </a:ext>
+            </a:extLst>
+          </p:cNvPr>
+          <p:cNvCxnSpPr>
+            <a:cxnSpLocks/>
+          </p:cNvCxnSpPr>
+          <p:nvPr/>
+        </p:nvCxnSpPr>
+        <p:spPr>
+          <a:xfrm>
+            <a:off x="4126023" y="1589964"/>
+            <a:ext cx="0" cy="711802"/>
+          </a:xfrm>
+          <a:prstGeom prst="straightConnector1">
+            <a:avLst/>
+          </a:prstGeom>
+          <a:ln>
+            <a:solidFill>
+              <a:schemeClr val="bg1"/>
+            </a:solidFill>
+            <a:tailEnd type="triangle"/>
+          </a:ln>
+        </p:spPr>
+        <p:style>
+          <a:lnRef idx="1">
+            <a:schemeClr val="accent1"/>
+          </a:lnRef>
+          <a:fillRef idx="0">
+            <a:schemeClr val="accent1"/>
+          </a:fillRef>
+          <a:effectRef idx="0">
+            <a:schemeClr val="accent1"/>
+          </a:effectRef>
+          <a:fontRef idx="minor">
+            <a:schemeClr val="tx1"/>
+          </a:fontRef>
+        </p:style>
+      </p:cxnSp>
+      <p:cxnSp>
+        <p:nvCxnSpPr>
+          <p:cNvPr id="8" name="Straight Arrow Connector 7">
+            <a:extLst>
+              <a:ext uri="{FF2B5EF4-FFF2-40B4-BE49-F238E27FC236}">
+                <a16:creationId xmlns:a16="http://schemas.microsoft.com/office/drawing/2014/main" id="{9D05E6DD-B191-1792-8698-813C50F10AD1}"/>
+              </a:ext>
+            </a:extLst>
+          </p:cNvPr>
+          <p:cNvCxnSpPr>
+            <a:cxnSpLocks/>
+          </p:cNvCxnSpPr>
+          <p:nvPr/>
+        </p:nvCxnSpPr>
+        <p:spPr>
+          <a:xfrm flipV="1">
+            <a:off x="4126023" y="3342290"/>
+            <a:ext cx="0" cy="407674"/>
+          </a:xfrm>
+          <a:prstGeom prst="straightConnector1">
+            <a:avLst/>
+          </a:prstGeom>
+          <a:ln>
+            <a:solidFill>
+              <a:schemeClr val="bg1"/>
+            </a:solidFill>
+            <a:tailEnd type="triangle"/>
+          </a:ln>
+        </p:spPr>
+        <p:style>
+          <a:lnRef idx="1">
+            <a:schemeClr val="accent1"/>
+          </a:lnRef>
+          <a:fillRef idx="0">
+            <a:schemeClr val="accent1"/>
+          </a:fillRef>
+          <a:effectRef idx="0">
+            <a:schemeClr val="accent1"/>
+          </a:effectRef>
+          <a:fontRef idx="minor">
+            <a:schemeClr val="tx1"/>
+          </a:fontRef>
+        </p:style>
+      </p:cxnSp>
+    </p:spTree>
+    <p:extLst>
+      <p:ext uri="{BB962C8B-B14F-4D97-AF65-F5344CB8AC3E}">
+        <p14:creationId xmlns:p14="http://schemas.microsoft.com/office/powerpoint/2010/main" val="1393457208"/>
+      </p:ext>
+    </p:extLst>
+  </p:cSld>
+  <p:clrMapOvr>
+    <a:masterClrMapping/>
+  </p:clrMapOvr>
+</p:sld>
+</file>
+
+<file path=ppt/slides/slide12.xml><?xml version="1.0" encoding="utf-8"?>
+<p:sld xmlns:a="http://schemas.openxmlformats.org/drawingml/2006/main" xmlns:r="http://schemas.openxmlformats.org/officeDocument/2006/relationships" xmlns:p="http://schemas.openxmlformats.org/presentationml/2006/main">
+  <p:cSld>
+    <p:spTree>
+      <p:nvGrpSpPr>
+        <p:cNvPr id="1" name=""/>
+        <p:cNvGrpSpPr/>
+        <p:nvPr/>
+      </p:nvGrpSpPr>
+      <p:grpSpPr>
+        <a:xfrm>
+          <a:off x="0" y="0"/>
+          <a:ext cx="0" cy="0"/>
+          <a:chOff x="0" y="0"/>
+          <a:chExt cx="0" cy="0"/>
+        </a:xfrm>
+      </p:grpSpPr>
       <p:pic>
         <p:nvPicPr>
           <p:cNvPr id="3" name="图片 2">
@@ -4911,7 +6312,7 @@
 </p:sld>
 </file>
 
-<file path=ppt/slides/slide12.xml><?xml version="1.0" encoding="utf-8"?>
+<file path=ppt/slides/slide13.xml><?xml version="1.0" encoding="utf-8"?>
 <p:sld xmlns:a="http://schemas.openxmlformats.org/drawingml/2006/main" xmlns:r="http://schemas.openxmlformats.org/officeDocument/2006/relationships" xmlns:p="http://schemas.openxmlformats.org/presentationml/2006/main">
   <p:cSld>
     <p:spTree>
@@ -14040,6 +15441,951 @@
         <p:cNvPr id="1" name="">
           <a:extLst>
             <a:ext uri="{FF2B5EF4-FFF2-40B4-BE49-F238E27FC236}">
+              <a16:creationId xmlns:a16="http://schemas.microsoft.com/office/drawing/2014/main" id="{17D44D37-27F9-6B4C-6ADE-230014C32D82}"/>
+            </a:ext>
+          </a:extLst>
+        </p:cNvPr>
+        <p:cNvGrpSpPr/>
+        <p:nvPr/>
+      </p:nvGrpSpPr>
+      <p:grpSpPr>
+        <a:xfrm>
+          <a:off x="0" y="0"/>
+          <a:ext cx="0" cy="0"/>
+          <a:chOff x="0" y="0"/>
+          <a:chExt cx="0" cy="0"/>
+        </a:xfrm>
+      </p:grpSpPr>
+      <p:sp>
+        <p:nvSpPr>
+          <p:cNvPr id="2" name="矩形: 圆角 1">
+            <a:extLst>
+              <a:ext uri="{FF2B5EF4-FFF2-40B4-BE49-F238E27FC236}">
+                <a16:creationId xmlns:a16="http://schemas.microsoft.com/office/drawing/2014/main" id="{78C5F840-463F-A4D0-84A1-63E21E233D5E}"/>
+              </a:ext>
+            </a:extLst>
+          </p:cNvPr>
+          <p:cNvSpPr/>
+          <p:nvPr/>
+        </p:nvSpPr>
+        <p:spPr>
+          <a:xfrm>
+            <a:off x="5267696" y="3029934"/>
+            <a:ext cx="1080000" cy="216000"/>
+          </a:xfrm>
+          <a:prstGeom prst="roundRect">
+            <a:avLst/>
+          </a:prstGeom>
+          <a:solidFill>
+            <a:schemeClr val="tx1"/>
+          </a:solidFill>
+          <a:ln w="12700">
+            <a:noFill/>
+          </a:ln>
+        </p:spPr>
+        <p:style>
+          <a:lnRef idx="2">
+            <a:schemeClr val="accent1">
+              <a:shade val="15000"/>
+            </a:schemeClr>
+          </a:lnRef>
+          <a:fillRef idx="1">
+            <a:schemeClr val="accent1"/>
+          </a:fillRef>
+          <a:effectRef idx="0">
+            <a:schemeClr val="accent1"/>
+          </a:effectRef>
+          <a:fontRef idx="minor">
+            <a:schemeClr val="lt1"/>
+          </a:fontRef>
+        </p:style>
+        <p:txBody>
+          <a:bodyPr rtlCol="0" anchor="ctr"/>
+          <a:lstStyle/>
+          <a:p>
+            <a:pPr algn="ctr"/>
+            <a:r>
+              <a:rPr lang="en-US" altLang="zh-CN" sz="800">
+                <a:latin typeface="微软雅黑" panose="020B0503020204020204" pitchFamily="34" charset="-122"/>
+                <a:ea typeface="微软雅黑" panose="020B0503020204020204" pitchFamily="34" charset="-122"/>
+              </a:rPr>
+              <a:t>background</a:t>
+            </a:r>
+            <a:endParaRPr lang="zh-CN" altLang="en-US" sz="800">
+              <a:latin typeface="微软雅黑" panose="020B0503020204020204" pitchFamily="34" charset="-122"/>
+              <a:ea typeface="微软雅黑" panose="020B0503020204020204" pitchFamily="34" charset="-122"/>
+            </a:endParaRPr>
+          </a:p>
+        </p:txBody>
+      </p:sp>
+      <p:sp>
+        <p:nvSpPr>
+          <p:cNvPr id="3" name="矩形: 圆角 2">
+            <a:extLst>
+              <a:ext uri="{FF2B5EF4-FFF2-40B4-BE49-F238E27FC236}">
+                <a16:creationId xmlns:a16="http://schemas.microsoft.com/office/drawing/2014/main" id="{F4DE9355-3EFB-8606-FA1A-6D56D6950A98}"/>
+              </a:ext>
+            </a:extLst>
+          </p:cNvPr>
+          <p:cNvSpPr/>
+          <p:nvPr/>
+        </p:nvSpPr>
+        <p:spPr>
+          <a:xfrm>
+            <a:off x="6583823" y="3218172"/>
+            <a:ext cx="1440000" cy="216000"/>
+          </a:xfrm>
+          <a:prstGeom prst="roundRect">
+            <a:avLst/>
+          </a:prstGeom>
+          <a:solidFill>
+            <a:srgbClr val="6D214F"/>
+          </a:solidFill>
+          <a:ln w="12700">
+            <a:noFill/>
+          </a:ln>
+        </p:spPr>
+        <p:style>
+          <a:lnRef idx="2">
+            <a:schemeClr val="accent1">
+              <a:shade val="15000"/>
+            </a:schemeClr>
+          </a:lnRef>
+          <a:fillRef idx="1">
+            <a:schemeClr val="accent1"/>
+          </a:fillRef>
+          <a:effectRef idx="0">
+            <a:schemeClr val="accent1"/>
+          </a:effectRef>
+          <a:fontRef idx="minor">
+            <a:schemeClr val="lt1"/>
+          </a:fontRef>
+        </p:style>
+        <p:txBody>
+          <a:bodyPr rtlCol="0" anchor="ctr"/>
+          <a:lstStyle/>
+          <a:p>
+            <a:pPr algn="ctr"/>
+            <a:r>
+              <a:rPr lang="en-US" altLang="zh-CN" sz="800">
+                <a:latin typeface="Quicksand" panose="00000500000000000000" pitchFamily="2" charset="0"/>
+              </a:rPr>
+              <a:t>background-repeat</a:t>
+            </a:r>
+            <a:endParaRPr lang="zh-CN" altLang="en-US" sz="800">
+              <a:latin typeface="Quicksand" panose="00000500000000000000" pitchFamily="2" charset="0"/>
+            </a:endParaRPr>
+          </a:p>
+        </p:txBody>
+      </p:sp>
+      <p:sp>
+        <p:nvSpPr>
+          <p:cNvPr id="4" name="矩形: 圆角 3">
+            <a:extLst>
+              <a:ext uri="{FF2B5EF4-FFF2-40B4-BE49-F238E27FC236}">
+                <a16:creationId xmlns:a16="http://schemas.microsoft.com/office/drawing/2014/main" id="{B18A25FE-C1B9-F539-4E02-CEFFCB9D0003}"/>
+              </a:ext>
+            </a:extLst>
+          </p:cNvPr>
+          <p:cNvSpPr/>
+          <p:nvPr/>
+        </p:nvSpPr>
+        <p:spPr>
+          <a:xfrm>
+            <a:off x="6583823" y="1712260"/>
+            <a:ext cx="1440000" cy="216000"/>
+          </a:xfrm>
+          <a:prstGeom prst="roundRect">
+            <a:avLst/>
+          </a:prstGeom>
+          <a:solidFill>
+            <a:srgbClr val="FA8231"/>
+          </a:solidFill>
+          <a:ln w="12700">
+            <a:noFill/>
+          </a:ln>
+        </p:spPr>
+        <p:style>
+          <a:lnRef idx="2">
+            <a:schemeClr val="accent1">
+              <a:shade val="15000"/>
+            </a:schemeClr>
+          </a:lnRef>
+          <a:fillRef idx="1">
+            <a:schemeClr val="accent1"/>
+          </a:fillRef>
+          <a:effectRef idx="0">
+            <a:schemeClr val="accent1"/>
+          </a:effectRef>
+          <a:fontRef idx="minor">
+            <a:schemeClr val="lt1"/>
+          </a:fontRef>
+        </p:style>
+        <p:txBody>
+          <a:bodyPr rtlCol="0" anchor="ctr"/>
+          <a:lstStyle/>
+          <a:p>
+            <a:pPr algn="ctr"/>
+            <a:r>
+              <a:rPr lang="en-US" altLang="zh-CN" sz="800">
+                <a:latin typeface="Quicksand" panose="00000500000000000000" pitchFamily="2" charset="0"/>
+              </a:rPr>
+              <a:t>Background-color</a:t>
+            </a:r>
+            <a:endParaRPr lang="zh-CN" altLang="en-US" sz="800">
+              <a:latin typeface="Quicksand" panose="00000500000000000000" pitchFamily="2" charset="0"/>
+            </a:endParaRPr>
+          </a:p>
+        </p:txBody>
+      </p:sp>
+      <p:sp>
+        <p:nvSpPr>
+          <p:cNvPr id="5" name="矩形: 圆角 4">
+            <a:extLst>
+              <a:ext uri="{FF2B5EF4-FFF2-40B4-BE49-F238E27FC236}">
+                <a16:creationId xmlns:a16="http://schemas.microsoft.com/office/drawing/2014/main" id="{87A792D5-D640-E90C-F6FA-DE21142430A7}"/>
+              </a:ext>
+            </a:extLst>
+          </p:cNvPr>
+          <p:cNvSpPr/>
+          <p:nvPr/>
+        </p:nvSpPr>
+        <p:spPr>
+          <a:xfrm>
+            <a:off x="6583823" y="2088738"/>
+            <a:ext cx="1440000" cy="216000"/>
+          </a:xfrm>
+          <a:prstGeom prst="roundRect">
+            <a:avLst/>
+          </a:prstGeom>
+          <a:solidFill>
+            <a:srgbClr val="EB3B5A"/>
+          </a:solidFill>
+          <a:ln w="12700">
+            <a:noFill/>
+          </a:ln>
+        </p:spPr>
+        <p:style>
+          <a:lnRef idx="2">
+            <a:schemeClr val="accent1">
+              <a:shade val="15000"/>
+            </a:schemeClr>
+          </a:lnRef>
+          <a:fillRef idx="1">
+            <a:schemeClr val="accent1"/>
+          </a:fillRef>
+          <a:effectRef idx="0">
+            <a:schemeClr val="accent1"/>
+          </a:effectRef>
+          <a:fontRef idx="minor">
+            <a:schemeClr val="lt1"/>
+          </a:fontRef>
+        </p:style>
+        <p:txBody>
+          <a:bodyPr rtlCol="0" anchor="ctr"/>
+          <a:lstStyle/>
+          <a:p>
+            <a:pPr algn="ctr"/>
+            <a:r>
+              <a:rPr lang="en-US" altLang="zh-CN" sz="800">
+                <a:latin typeface="Quicksand" panose="00000500000000000000" pitchFamily="2" charset="0"/>
+              </a:rPr>
+              <a:t>background-img</a:t>
+            </a:r>
+            <a:endParaRPr lang="zh-CN" altLang="en-US" sz="800">
+              <a:latin typeface="Quicksand" panose="00000500000000000000" pitchFamily="2" charset="0"/>
+            </a:endParaRPr>
+          </a:p>
+        </p:txBody>
+      </p:sp>
+      <p:sp>
+        <p:nvSpPr>
+          <p:cNvPr id="6" name="矩形: 圆角 5">
+            <a:extLst>
+              <a:ext uri="{FF2B5EF4-FFF2-40B4-BE49-F238E27FC236}">
+                <a16:creationId xmlns:a16="http://schemas.microsoft.com/office/drawing/2014/main" id="{F001F596-A9BC-961B-AB7F-13C5672DF725}"/>
+              </a:ext>
+            </a:extLst>
+          </p:cNvPr>
+          <p:cNvSpPr/>
+          <p:nvPr/>
+        </p:nvSpPr>
+        <p:spPr>
+          <a:xfrm>
+            <a:off x="6583823" y="2465216"/>
+            <a:ext cx="1440000" cy="216000"/>
+          </a:xfrm>
+          <a:prstGeom prst="roundRect">
+            <a:avLst/>
+          </a:prstGeom>
+          <a:solidFill>
+            <a:srgbClr val="F78FB3"/>
+          </a:solidFill>
+          <a:ln w="12700">
+            <a:noFill/>
+          </a:ln>
+        </p:spPr>
+        <p:style>
+          <a:lnRef idx="2">
+            <a:schemeClr val="accent1">
+              <a:shade val="15000"/>
+            </a:schemeClr>
+          </a:lnRef>
+          <a:fillRef idx="1">
+            <a:schemeClr val="accent1"/>
+          </a:fillRef>
+          <a:effectRef idx="0">
+            <a:schemeClr val="accent1"/>
+          </a:effectRef>
+          <a:fontRef idx="minor">
+            <a:schemeClr val="lt1"/>
+          </a:fontRef>
+        </p:style>
+        <p:txBody>
+          <a:bodyPr rtlCol="0" anchor="ctr"/>
+          <a:lstStyle/>
+          <a:p>
+            <a:pPr algn="ctr"/>
+            <a:r>
+              <a:rPr lang="en-US" altLang="zh-CN" sz="800">
+                <a:latin typeface="Quicksand" panose="00000500000000000000" pitchFamily="2" charset="0"/>
+              </a:rPr>
+              <a:t>background-position</a:t>
+            </a:r>
+            <a:endParaRPr lang="zh-CN" altLang="en-US" sz="800">
+              <a:latin typeface="Quicksand" panose="00000500000000000000" pitchFamily="2" charset="0"/>
+            </a:endParaRPr>
+          </a:p>
+        </p:txBody>
+      </p:sp>
+      <p:cxnSp>
+        <p:nvCxnSpPr>
+          <p:cNvPr id="13" name="连接符: 曲线 12">
+            <a:extLst>
+              <a:ext uri="{FF2B5EF4-FFF2-40B4-BE49-F238E27FC236}">
+                <a16:creationId xmlns:a16="http://schemas.microsoft.com/office/drawing/2014/main" id="{D857022F-FD57-CB9F-109D-F0FEA004375B}"/>
+              </a:ext>
+            </a:extLst>
+          </p:cNvPr>
+          <p:cNvCxnSpPr>
+            <a:cxnSpLocks/>
+            <a:stCxn id="2" idx="3"/>
+            <a:endCxn id="3" idx="1"/>
+          </p:cNvCxnSpPr>
+          <p:nvPr/>
+        </p:nvCxnSpPr>
+        <p:spPr>
+          <a:xfrm>
+            <a:off x="6347696" y="3137934"/>
+            <a:ext cx="236127" cy="188238"/>
+          </a:xfrm>
+          <a:prstGeom prst="curvedConnector3">
+            <a:avLst>
+              <a:gd name="adj1" fmla="val 50000"/>
+            </a:avLst>
+          </a:prstGeom>
+          <a:ln>
+            <a:solidFill>
+              <a:srgbClr val="6D214F"/>
+            </a:solidFill>
+          </a:ln>
+        </p:spPr>
+        <p:style>
+          <a:lnRef idx="1">
+            <a:schemeClr val="accent1"/>
+          </a:lnRef>
+          <a:fillRef idx="0">
+            <a:schemeClr val="accent1"/>
+          </a:fillRef>
+          <a:effectRef idx="0">
+            <a:schemeClr val="accent1"/>
+          </a:effectRef>
+          <a:fontRef idx="minor">
+            <a:schemeClr val="tx1"/>
+          </a:fontRef>
+        </p:style>
+      </p:cxnSp>
+      <p:cxnSp>
+        <p:nvCxnSpPr>
+          <p:cNvPr id="14" name="连接符: 曲线 13">
+            <a:extLst>
+              <a:ext uri="{FF2B5EF4-FFF2-40B4-BE49-F238E27FC236}">
+                <a16:creationId xmlns:a16="http://schemas.microsoft.com/office/drawing/2014/main" id="{DF152018-D11C-FF19-7282-EC631DB77FDB}"/>
+              </a:ext>
+            </a:extLst>
+          </p:cNvPr>
+          <p:cNvCxnSpPr>
+            <a:stCxn id="2" idx="3"/>
+            <a:endCxn id="5" idx="1"/>
+          </p:cNvCxnSpPr>
+          <p:nvPr/>
+        </p:nvCxnSpPr>
+        <p:spPr>
+          <a:xfrm flipV="1">
+            <a:off x="6347696" y="2196738"/>
+            <a:ext cx="236127" cy="941196"/>
+          </a:xfrm>
+          <a:prstGeom prst="curvedConnector3">
+            <a:avLst/>
+          </a:prstGeom>
+          <a:ln>
+            <a:solidFill>
+              <a:srgbClr val="FF0000"/>
+            </a:solidFill>
+          </a:ln>
+        </p:spPr>
+        <p:style>
+          <a:lnRef idx="1">
+            <a:schemeClr val="accent1"/>
+          </a:lnRef>
+          <a:fillRef idx="0">
+            <a:schemeClr val="accent1"/>
+          </a:fillRef>
+          <a:effectRef idx="0">
+            <a:schemeClr val="accent1"/>
+          </a:effectRef>
+          <a:fontRef idx="minor">
+            <a:schemeClr val="tx1"/>
+          </a:fontRef>
+        </p:style>
+      </p:cxnSp>
+      <p:cxnSp>
+        <p:nvCxnSpPr>
+          <p:cNvPr id="15" name="连接符: 曲线 14">
+            <a:extLst>
+              <a:ext uri="{FF2B5EF4-FFF2-40B4-BE49-F238E27FC236}">
+                <a16:creationId xmlns:a16="http://schemas.microsoft.com/office/drawing/2014/main" id="{D776544B-8805-064E-FB86-8357089F4115}"/>
+              </a:ext>
+            </a:extLst>
+          </p:cNvPr>
+          <p:cNvCxnSpPr>
+            <a:stCxn id="2" idx="3"/>
+            <a:endCxn id="6" idx="1"/>
+          </p:cNvCxnSpPr>
+          <p:nvPr/>
+        </p:nvCxnSpPr>
+        <p:spPr>
+          <a:xfrm flipV="1">
+            <a:off x="6347696" y="2573216"/>
+            <a:ext cx="236127" cy="564718"/>
+          </a:xfrm>
+          <a:prstGeom prst="curvedConnector3">
+            <a:avLst/>
+          </a:prstGeom>
+          <a:ln>
+            <a:solidFill>
+              <a:srgbClr val="F78FB3"/>
+            </a:solidFill>
+          </a:ln>
+        </p:spPr>
+        <p:style>
+          <a:lnRef idx="1">
+            <a:schemeClr val="accent1"/>
+          </a:lnRef>
+          <a:fillRef idx="0">
+            <a:schemeClr val="accent1"/>
+          </a:fillRef>
+          <a:effectRef idx="0">
+            <a:schemeClr val="accent1"/>
+          </a:effectRef>
+          <a:fontRef idx="minor">
+            <a:schemeClr val="tx1"/>
+          </a:fontRef>
+        </p:style>
+      </p:cxnSp>
+      <p:cxnSp>
+        <p:nvCxnSpPr>
+          <p:cNvPr id="16" name="连接符: 曲线 15">
+            <a:extLst>
+              <a:ext uri="{FF2B5EF4-FFF2-40B4-BE49-F238E27FC236}">
+                <a16:creationId xmlns:a16="http://schemas.microsoft.com/office/drawing/2014/main" id="{5530CC53-CE6B-A691-48F9-E0FE20C352A0}"/>
+              </a:ext>
+            </a:extLst>
+          </p:cNvPr>
+          <p:cNvCxnSpPr>
+            <a:stCxn id="4" idx="1"/>
+            <a:endCxn id="2" idx="3"/>
+          </p:cNvCxnSpPr>
+          <p:nvPr/>
+        </p:nvCxnSpPr>
+        <p:spPr>
+          <a:xfrm rot="10800000" flipV="1">
+            <a:off x="6347697" y="1820260"/>
+            <a:ext cx="236127" cy="1317674"/>
+          </a:xfrm>
+          <a:prstGeom prst="curvedConnector3">
+            <a:avLst/>
+          </a:prstGeom>
+          <a:ln>
+            <a:solidFill>
+              <a:srgbClr val="FFC000"/>
+            </a:solidFill>
+          </a:ln>
+        </p:spPr>
+        <p:style>
+          <a:lnRef idx="1">
+            <a:schemeClr val="accent1"/>
+          </a:lnRef>
+          <a:fillRef idx="0">
+            <a:schemeClr val="accent1"/>
+          </a:fillRef>
+          <a:effectRef idx="0">
+            <a:schemeClr val="accent1"/>
+          </a:effectRef>
+          <a:fontRef idx="minor">
+            <a:schemeClr val="tx1"/>
+          </a:fontRef>
+        </p:style>
+      </p:cxnSp>
+      <p:sp>
+        <p:nvSpPr>
+          <p:cNvPr id="12" name="矩形: 圆角 11">
+            <a:extLst>
+              <a:ext uri="{FF2B5EF4-FFF2-40B4-BE49-F238E27FC236}">
+                <a16:creationId xmlns:a16="http://schemas.microsoft.com/office/drawing/2014/main" id="{CA690FCB-6050-34A5-12AA-227C0F7253CA}"/>
+              </a:ext>
+            </a:extLst>
+          </p:cNvPr>
+          <p:cNvSpPr/>
+          <p:nvPr/>
+        </p:nvSpPr>
+        <p:spPr>
+          <a:xfrm>
+            <a:off x="6583823" y="2841694"/>
+            <a:ext cx="1440000" cy="216000"/>
+          </a:xfrm>
+          <a:prstGeom prst="roundRect">
+            <a:avLst/>
+          </a:prstGeom>
+          <a:solidFill>
+            <a:srgbClr val="8854D0"/>
+          </a:solidFill>
+          <a:ln w="12700">
+            <a:noFill/>
+          </a:ln>
+        </p:spPr>
+        <p:style>
+          <a:lnRef idx="2">
+            <a:schemeClr val="accent1">
+              <a:shade val="15000"/>
+            </a:schemeClr>
+          </a:lnRef>
+          <a:fillRef idx="1">
+            <a:schemeClr val="accent1"/>
+          </a:fillRef>
+          <a:effectRef idx="0">
+            <a:schemeClr val="accent1"/>
+          </a:effectRef>
+          <a:fontRef idx="minor">
+            <a:schemeClr val="lt1"/>
+          </a:fontRef>
+        </p:style>
+        <p:txBody>
+          <a:bodyPr rtlCol="0" anchor="ctr"/>
+          <a:lstStyle/>
+          <a:p>
+            <a:pPr algn="ctr"/>
+            <a:r>
+              <a:rPr lang="en-US" altLang="zh-CN" sz="800">
+                <a:latin typeface="Quicksand" panose="00000500000000000000" pitchFamily="2" charset="0"/>
+              </a:rPr>
+              <a:t>background-size</a:t>
+            </a:r>
+            <a:endParaRPr lang="zh-CN" altLang="en-US" sz="800">
+              <a:latin typeface="Quicksand" panose="00000500000000000000" pitchFamily="2" charset="0"/>
+            </a:endParaRPr>
+          </a:p>
+        </p:txBody>
+      </p:sp>
+      <p:cxnSp>
+        <p:nvCxnSpPr>
+          <p:cNvPr id="21" name="连接符: 曲线 20">
+            <a:extLst>
+              <a:ext uri="{FF2B5EF4-FFF2-40B4-BE49-F238E27FC236}">
+                <a16:creationId xmlns:a16="http://schemas.microsoft.com/office/drawing/2014/main" id="{B1FC38B2-3763-8A0C-56A4-C088C18DDBC2}"/>
+              </a:ext>
+            </a:extLst>
+          </p:cNvPr>
+          <p:cNvCxnSpPr>
+            <a:cxnSpLocks/>
+            <a:stCxn id="2" idx="3"/>
+            <a:endCxn id="12" idx="1"/>
+          </p:cNvCxnSpPr>
+          <p:nvPr/>
+        </p:nvCxnSpPr>
+        <p:spPr>
+          <a:xfrm flipV="1">
+            <a:off x="6347696" y="2949694"/>
+            <a:ext cx="236127" cy="188240"/>
+          </a:xfrm>
+          <a:prstGeom prst="curvedConnector3">
+            <a:avLst>
+              <a:gd name="adj1" fmla="val 50000"/>
+            </a:avLst>
+          </a:prstGeom>
+          <a:ln>
+            <a:solidFill>
+              <a:srgbClr val="8854D0"/>
+            </a:solidFill>
+          </a:ln>
+        </p:spPr>
+        <p:style>
+          <a:lnRef idx="1">
+            <a:schemeClr val="accent1"/>
+          </a:lnRef>
+          <a:fillRef idx="0">
+            <a:schemeClr val="accent1"/>
+          </a:fillRef>
+          <a:effectRef idx="0">
+            <a:schemeClr val="accent1"/>
+          </a:effectRef>
+          <a:fontRef idx="minor">
+            <a:schemeClr val="tx1"/>
+          </a:fontRef>
+        </p:style>
+      </p:cxnSp>
+      <p:sp>
+        <p:nvSpPr>
+          <p:cNvPr id="9" name="矩形: 圆角 8">
+            <a:extLst>
+              <a:ext uri="{FF2B5EF4-FFF2-40B4-BE49-F238E27FC236}">
+                <a16:creationId xmlns:a16="http://schemas.microsoft.com/office/drawing/2014/main" id="{5704B543-A087-6258-53B2-3382506CB5CB}"/>
+              </a:ext>
+            </a:extLst>
+          </p:cNvPr>
+          <p:cNvSpPr/>
+          <p:nvPr/>
+        </p:nvSpPr>
+        <p:spPr>
+          <a:xfrm>
+            <a:off x="6583823" y="3971128"/>
+            <a:ext cx="1440000" cy="216000"/>
+          </a:xfrm>
+          <a:prstGeom prst="roundRect">
+            <a:avLst/>
+          </a:prstGeom>
+          <a:solidFill>
+            <a:srgbClr val="3DC1D3"/>
+          </a:solidFill>
+          <a:ln w="12700">
+            <a:noFill/>
+          </a:ln>
+        </p:spPr>
+        <p:style>
+          <a:lnRef idx="2">
+            <a:schemeClr val="accent1">
+              <a:shade val="15000"/>
+            </a:schemeClr>
+          </a:lnRef>
+          <a:fillRef idx="1">
+            <a:schemeClr val="accent1"/>
+          </a:fillRef>
+          <a:effectRef idx="0">
+            <a:schemeClr val="accent1"/>
+          </a:effectRef>
+          <a:fontRef idx="minor">
+            <a:schemeClr val="lt1"/>
+          </a:fontRef>
+        </p:style>
+        <p:txBody>
+          <a:bodyPr rtlCol="0" anchor="ctr"/>
+          <a:lstStyle/>
+          <a:p>
+            <a:pPr algn="ctr"/>
+            <a:r>
+              <a:rPr lang="en-US" altLang="zh-CN" sz="800">
+                <a:latin typeface="Quicksand" panose="00000500000000000000" pitchFamily="2" charset="0"/>
+              </a:rPr>
+              <a:t>background-clip</a:t>
+            </a:r>
+            <a:endParaRPr lang="zh-CN" altLang="en-US" sz="800">
+              <a:latin typeface="Quicksand" panose="00000500000000000000" pitchFamily="2" charset="0"/>
+            </a:endParaRPr>
+          </a:p>
+        </p:txBody>
+      </p:sp>
+      <p:cxnSp>
+        <p:nvCxnSpPr>
+          <p:cNvPr id="11" name="连接符: 曲线 10">
+            <a:extLst>
+              <a:ext uri="{FF2B5EF4-FFF2-40B4-BE49-F238E27FC236}">
+                <a16:creationId xmlns:a16="http://schemas.microsoft.com/office/drawing/2014/main" id="{EADC1F19-9641-15F6-3ECE-3B5E53A4B1CD}"/>
+              </a:ext>
+            </a:extLst>
+          </p:cNvPr>
+          <p:cNvCxnSpPr>
+            <a:cxnSpLocks/>
+            <a:stCxn id="2" idx="3"/>
+            <a:endCxn id="9" idx="1"/>
+          </p:cNvCxnSpPr>
+          <p:nvPr/>
+        </p:nvCxnSpPr>
+        <p:spPr>
+          <a:xfrm>
+            <a:off x="6347696" y="3137934"/>
+            <a:ext cx="236127" cy="941194"/>
+          </a:xfrm>
+          <a:prstGeom prst="curvedConnector3">
+            <a:avLst>
+              <a:gd name="adj1" fmla="val 50000"/>
+            </a:avLst>
+          </a:prstGeom>
+          <a:ln>
+            <a:solidFill>
+              <a:srgbClr val="3DC1D3"/>
+            </a:solidFill>
+          </a:ln>
+        </p:spPr>
+        <p:style>
+          <a:lnRef idx="1">
+            <a:schemeClr val="accent1"/>
+          </a:lnRef>
+          <a:fillRef idx="0">
+            <a:schemeClr val="accent1"/>
+          </a:fillRef>
+          <a:effectRef idx="0">
+            <a:schemeClr val="accent1"/>
+          </a:effectRef>
+          <a:fontRef idx="minor">
+            <a:schemeClr val="tx1"/>
+          </a:fontRef>
+        </p:style>
+      </p:cxnSp>
+      <p:sp>
+        <p:nvSpPr>
+          <p:cNvPr id="28" name="矩形: 圆角 27">
+            <a:extLst>
+              <a:ext uri="{FF2B5EF4-FFF2-40B4-BE49-F238E27FC236}">
+                <a16:creationId xmlns:a16="http://schemas.microsoft.com/office/drawing/2014/main" id="{2D76B52C-A377-4760-EE4D-8E1F7250DC8F}"/>
+              </a:ext>
+            </a:extLst>
+          </p:cNvPr>
+          <p:cNvSpPr/>
+          <p:nvPr/>
+        </p:nvSpPr>
+        <p:spPr>
+          <a:xfrm>
+            <a:off x="6583823" y="3594650"/>
+            <a:ext cx="1440000" cy="216000"/>
+          </a:xfrm>
+          <a:prstGeom prst="roundRect">
+            <a:avLst/>
+          </a:prstGeom>
+          <a:solidFill>
+            <a:srgbClr val="20BF6B"/>
+          </a:solidFill>
+          <a:ln w="12700">
+            <a:noFill/>
+          </a:ln>
+        </p:spPr>
+        <p:style>
+          <a:lnRef idx="2">
+            <a:schemeClr val="accent1">
+              <a:shade val="15000"/>
+            </a:schemeClr>
+          </a:lnRef>
+          <a:fillRef idx="1">
+            <a:schemeClr val="accent1"/>
+          </a:fillRef>
+          <a:effectRef idx="0">
+            <a:schemeClr val="accent1"/>
+          </a:effectRef>
+          <a:fontRef idx="minor">
+            <a:schemeClr val="lt1"/>
+          </a:fontRef>
+        </p:style>
+        <p:txBody>
+          <a:bodyPr rtlCol="0" anchor="ctr"/>
+          <a:lstStyle/>
+          <a:p>
+            <a:pPr algn="ctr"/>
+            <a:r>
+              <a:rPr lang="en-US" altLang="zh-CN" sz="800">
+                <a:latin typeface="Quicksand" panose="00000500000000000000" pitchFamily="2" charset="0"/>
+              </a:rPr>
+              <a:t>background-origin</a:t>
+            </a:r>
+            <a:endParaRPr lang="zh-CN" altLang="en-US" sz="800">
+              <a:latin typeface="Quicksand" panose="00000500000000000000" pitchFamily="2" charset="0"/>
+            </a:endParaRPr>
+          </a:p>
+        </p:txBody>
+      </p:sp>
+      <p:cxnSp>
+        <p:nvCxnSpPr>
+          <p:cNvPr id="29" name="连接符: 曲线 28">
+            <a:extLst>
+              <a:ext uri="{FF2B5EF4-FFF2-40B4-BE49-F238E27FC236}">
+                <a16:creationId xmlns:a16="http://schemas.microsoft.com/office/drawing/2014/main" id="{EF08E3E2-D366-FE1C-85A8-77605DB967B3}"/>
+              </a:ext>
+            </a:extLst>
+          </p:cNvPr>
+          <p:cNvCxnSpPr>
+            <a:cxnSpLocks/>
+            <a:stCxn id="28" idx="1"/>
+            <a:endCxn id="2" idx="3"/>
+          </p:cNvCxnSpPr>
+          <p:nvPr/>
+        </p:nvCxnSpPr>
+        <p:spPr>
+          <a:xfrm rot="10800000">
+            <a:off x="6347697" y="3137934"/>
+            <a:ext cx="236127" cy="564716"/>
+          </a:xfrm>
+          <a:prstGeom prst="curvedConnector3">
+            <a:avLst>
+              <a:gd name="adj1" fmla="val 50000"/>
+            </a:avLst>
+          </a:prstGeom>
+          <a:ln>
+            <a:solidFill>
+              <a:srgbClr val="20BF6B"/>
+            </a:solidFill>
+          </a:ln>
+        </p:spPr>
+        <p:style>
+          <a:lnRef idx="1">
+            <a:schemeClr val="accent1"/>
+          </a:lnRef>
+          <a:fillRef idx="0">
+            <a:schemeClr val="accent1"/>
+          </a:fillRef>
+          <a:effectRef idx="0">
+            <a:schemeClr val="accent1"/>
+          </a:effectRef>
+          <a:fontRef idx="minor">
+            <a:schemeClr val="tx1"/>
+          </a:fontRef>
+        </p:style>
+      </p:cxnSp>
+      <p:sp>
+        <p:nvSpPr>
+          <p:cNvPr id="24" name="矩形: 圆角 8">
+            <a:extLst>
+              <a:ext uri="{FF2B5EF4-FFF2-40B4-BE49-F238E27FC236}">
+                <a16:creationId xmlns:a16="http://schemas.microsoft.com/office/drawing/2014/main" id="{A6C27A23-18E4-76C2-DEF7-34D22EC06C21}"/>
+              </a:ext>
+            </a:extLst>
+          </p:cNvPr>
+          <p:cNvSpPr/>
+          <p:nvPr/>
+        </p:nvSpPr>
+        <p:spPr>
+          <a:xfrm>
+            <a:off x="6583823" y="4347608"/>
+            <a:ext cx="1440000" cy="216000"/>
+          </a:xfrm>
+          <a:prstGeom prst="roundRect">
+            <a:avLst/>
+          </a:prstGeom>
+          <a:solidFill>
+            <a:srgbClr val="0070C0"/>
+          </a:solidFill>
+          <a:ln w="12700">
+            <a:noFill/>
+          </a:ln>
+        </p:spPr>
+        <p:style>
+          <a:lnRef idx="2">
+            <a:schemeClr val="accent1">
+              <a:shade val="15000"/>
+            </a:schemeClr>
+          </a:lnRef>
+          <a:fillRef idx="1">
+            <a:schemeClr val="accent1"/>
+          </a:fillRef>
+          <a:effectRef idx="0">
+            <a:schemeClr val="accent1"/>
+          </a:effectRef>
+          <a:fontRef idx="minor">
+            <a:schemeClr val="lt1"/>
+          </a:fontRef>
+        </p:style>
+        <p:txBody>
+          <a:bodyPr rtlCol="0" anchor="ctr"/>
+          <a:lstStyle/>
+          <a:p>
+            <a:pPr algn="ctr"/>
+            <a:r>
+              <a:rPr lang="en-US" altLang="zh-CN" sz="800">
+                <a:latin typeface="Quicksand" panose="00000500000000000000" pitchFamily="2" charset="0"/>
+              </a:rPr>
+              <a:t>background-attachment</a:t>
+            </a:r>
+            <a:endParaRPr lang="zh-CN" altLang="en-US" sz="800">
+              <a:latin typeface="Quicksand" panose="00000500000000000000" pitchFamily="2" charset="0"/>
+            </a:endParaRPr>
+          </a:p>
+        </p:txBody>
+      </p:sp>
+      <p:cxnSp>
+        <p:nvCxnSpPr>
+          <p:cNvPr id="46" name="连接符: 曲线 10">
+            <a:extLst>
+              <a:ext uri="{FF2B5EF4-FFF2-40B4-BE49-F238E27FC236}">
+                <a16:creationId xmlns:a16="http://schemas.microsoft.com/office/drawing/2014/main" id="{32E5C4EC-C977-10C6-8D74-4BEFAAD30A4E}"/>
+              </a:ext>
+            </a:extLst>
+          </p:cNvPr>
+          <p:cNvCxnSpPr>
+            <a:cxnSpLocks/>
+            <a:stCxn id="2" idx="3"/>
+            <a:endCxn id="24" idx="1"/>
+          </p:cNvCxnSpPr>
+          <p:nvPr/>
+        </p:nvCxnSpPr>
+        <p:spPr>
+          <a:xfrm>
+            <a:off x="6347696" y="3137934"/>
+            <a:ext cx="236127" cy="1317674"/>
+          </a:xfrm>
+          <a:prstGeom prst="curvedConnector3">
+            <a:avLst>
+              <a:gd name="adj1" fmla="val 50000"/>
+            </a:avLst>
+          </a:prstGeom>
+          <a:ln>
+            <a:solidFill>
+              <a:srgbClr val="0070C0"/>
+            </a:solidFill>
+          </a:ln>
+        </p:spPr>
+        <p:style>
+          <a:lnRef idx="1">
+            <a:schemeClr val="accent1"/>
+          </a:lnRef>
+          <a:fillRef idx="0">
+            <a:schemeClr val="accent1"/>
+          </a:fillRef>
+          <a:effectRef idx="0">
+            <a:schemeClr val="accent1"/>
+          </a:effectRef>
+          <a:fontRef idx="minor">
+            <a:schemeClr val="tx1"/>
+          </a:fontRef>
+        </p:style>
+      </p:cxnSp>
+    </p:spTree>
+    <p:extLst>
+      <p:ext uri="{BB962C8B-B14F-4D97-AF65-F5344CB8AC3E}">
+        <p14:creationId xmlns:p14="http://schemas.microsoft.com/office/powerpoint/2010/main" val="1414077195"/>
+      </p:ext>
+    </p:extLst>
+  </p:cSld>
+  <p:clrMapOvr>
+    <a:masterClrMapping/>
+  </p:clrMapOvr>
+</p:sld>
+</file>
+
+<file path=ppt/slides/slide5.xml><?xml version="1.0" encoding="utf-8"?>
+<p:sld xmlns:a="http://schemas.openxmlformats.org/drawingml/2006/main" xmlns:r="http://schemas.openxmlformats.org/officeDocument/2006/relationships" xmlns:p="http://schemas.openxmlformats.org/presentationml/2006/main">
+  <p:cSld>
+    <p:spTree>
+      <p:nvGrpSpPr>
+        <p:cNvPr id="1" name="">
+          <a:extLst>
+            <a:ext uri="{FF2B5EF4-FFF2-40B4-BE49-F238E27FC236}">
               <a16:creationId xmlns:a16="http://schemas.microsoft.com/office/drawing/2014/main" id="{18E2CAE3-A1AC-3F4E-935C-0F5B86F0EE15}"/>
             </a:ext>
           </a:extLst>
@@ -15761,7 +18107,7 @@
 </p:sld>
 </file>
 
-<file path=ppt/slides/slide5.xml><?xml version="1.0" encoding="utf-8"?>
+<file path=ppt/slides/slide6.xml><?xml version="1.0" encoding="utf-8"?>
 <p:sld xmlns:a="http://schemas.openxmlformats.org/drawingml/2006/main" xmlns:r="http://schemas.openxmlformats.org/officeDocument/2006/relationships" xmlns:p="http://schemas.openxmlformats.org/presentationml/2006/main">
   <p:cSld>
     <p:spTree>
@@ -16727,7 +19073,7 @@
 </p:sld>
 </file>
 
-<file path=ppt/slides/slide6.xml><?xml version="1.0" encoding="utf-8"?>
+<file path=ppt/slides/slide7.xml><?xml version="1.0" encoding="utf-8"?>
 <p:sld xmlns:a="http://schemas.openxmlformats.org/drawingml/2006/main" xmlns:r="http://schemas.openxmlformats.org/officeDocument/2006/relationships" xmlns:p="http://schemas.openxmlformats.org/presentationml/2006/main">
   <p:cSld>
     <p:spTree>
@@ -17321,7 +19667,7 @@
 </p:sld>
 </file>
 
-<file path=ppt/slides/slide7.xml><?xml version="1.0" encoding="utf-8"?>
+<file path=ppt/slides/slide8.xml><?xml version="1.0" encoding="utf-8"?>
 <p:sld xmlns:a="http://schemas.openxmlformats.org/drawingml/2006/main" xmlns:r="http://schemas.openxmlformats.org/officeDocument/2006/relationships" xmlns:p="http://schemas.openxmlformats.org/presentationml/2006/main">
   <p:cSld>
     <p:spTree>
@@ -18936,7 +21282,7 @@
 </p:sld>
 </file>
 
-<file path=ppt/slides/slide8.xml><?xml version="1.0" encoding="utf-8"?>
+<file path=ppt/slides/slide9.xml><?xml version="1.0" encoding="utf-8"?>
 <p:sld xmlns:a="http://schemas.openxmlformats.org/drawingml/2006/main" xmlns:r="http://schemas.openxmlformats.org/officeDocument/2006/relationships" xmlns:p="http://schemas.openxmlformats.org/presentationml/2006/main">
   <p:cSld>
     <p:spTree>
@@ -21932,1406 +24278,6 @@
     <p:extLst>
       <p:ext uri="{BB962C8B-B14F-4D97-AF65-F5344CB8AC3E}">
         <p14:creationId xmlns:p14="http://schemas.microsoft.com/office/powerpoint/2010/main" val="3073288407"/>
-      </p:ext>
-    </p:extLst>
-  </p:cSld>
-  <p:clrMapOvr>
-    <a:masterClrMapping/>
-  </p:clrMapOvr>
-</p:sld>
-</file>
-
-<file path=ppt/slides/slide9.xml><?xml version="1.0" encoding="utf-8"?>
-<p:sld xmlns:a="http://schemas.openxmlformats.org/drawingml/2006/main" xmlns:r="http://schemas.openxmlformats.org/officeDocument/2006/relationships" xmlns:p="http://schemas.openxmlformats.org/presentationml/2006/main">
-  <p:cSld>
-    <p:spTree>
-      <p:nvGrpSpPr>
-        <p:cNvPr id="1" name=""/>
-        <p:cNvGrpSpPr/>
-        <p:nvPr/>
-      </p:nvGrpSpPr>
-      <p:grpSpPr>
-        <a:xfrm>
-          <a:off x="0" y="0"/>
-          <a:ext cx="0" cy="0"/>
-          <a:chOff x="0" y="0"/>
-          <a:chExt cx="0" cy="0"/>
-        </a:xfrm>
-      </p:grpSpPr>
-      <p:sp>
-        <p:nvSpPr>
-          <p:cNvPr id="2" name="矩形: 圆角 1">
-            <a:extLst>
-              <a:ext uri="{FF2B5EF4-FFF2-40B4-BE49-F238E27FC236}">
-                <a16:creationId xmlns:a16="http://schemas.microsoft.com/office/drawing/2014/main" id="{7B4ED021-0865-33C8-DDD1-E2284E485441}"/>
-              </a:ext>
-            </a:extLst>
-          </p:cNvPr>
-          <p:cNvSpPr/>
-          <p:nvPr/>
-        </p:nvSpPr>
-        <p:spPr>
-          <a:xfrm>
-            <a:off x="3406738" y="3279372"/>
-            <a:ext cx="720000" cy="216000"/>
-          </a:xfrm>
-          <a:prstGeom prst="roundRect">
-            <a:avLst/>
-          </a:prstGeom>
-          <a:solidFill>
-            <a:srgbClr val="20BF6B"/>
-          </a:solidFill>
-          <a:ln w="12700">
-            <a:noFill/>
-          </a:ln>
-        </p:spPr>
-        <p:style>
-          <a:lnRef idx="2">
-            <a:schemeClr val="accent1">
-              <a:shade val="15000"/>
-            </a:schemeClr>
-          </a:lnRef>
-          <a:fillRef idx="1">
-            <a:schemeClr val="accent1"/>
-          </a:fillRef>
-          <a:effectRef idx="0">
-            <a:schemeClr val="accent1"/>
-          </a:effectRef>
-          <a:fontRef idx="minor">
-            <a:schemeClr val="lt1"/>
-          </a:fontRef>
-        </p:style>
-        <p:txBody>
-          <a:bodyPr rtlCol="0" anchor="ctr"/>
-          <a:lstStyle/>
-          <a:p>
-            <a:pPr algn="ctr"/>
-            <a:r>
-              <a:rPr lang="en-US" altLang="zh-CN" sz="800">
-                <a:latin typeface="Quicksand" panose="00000500000000000000" pitchFamily="2" charset="0"/>
-              </a:rPr>
-              <a:t>grid</a:t>
-            </a:r>
-            <a:endParaRPr lang="zh-CN" altLang="en-US" sz="800">
-              <a:latin typeface="Quicksand" panose="00000500000000000000" pitchFamily="2" charset="0"/>
-            </a:endParaRPr>
-          </a:p>
-        </p:txBody>
-      </p:sp>
-      <p:sp>
-        <p:nvSpPr>
-          <p:cNvPr id="3" name="矩形: 圆角 2">
-            <a:extLst>
-              <a:ext uri="{FF2B5EF4-FFF2-40B4-BE49-F238E27FC236}">
-                <a16:creationId xmlns:a16="http://schemas.microsoft.com/office/drawing/2014/main" id="{E1F53804-1978-3549-2A00-F2BEE89A5F08}"/>
-              </a:ext>
-            </a:extLst>
-          </p:cNvPr>
-          <p:cNvSpPr/>
-          <p:nvPr/>
-        </p:nvSpPr>
-        <p:spPr>
-          <a:xfrm>
-            <a:off x="4239109" y="2821402"/>
-            <a:ext cx="900000" cy="216000"/>
-          </a:xfrm>
-          <a:prstGeom prst="roundRect">
-            <a:avLst/>
-          </a:prstGeom>
-          <a:solidFill>
-            <a:srgbClr val="20BF6B">
-              <a:alpha val="80000"/>
-            </a:srgbClr>
-          </a:solidFill>
-          <a:ln w="12700">
-            <a:noFill/>
-          </a:ln>
-        </p:spPr>
-        <p:style>
-          <a:lnRef idx="2">
-            <a:schemeClr val="accent1">
-              <a:shade val="15000"/>
-            </a:schemeClr>
-          </a:lnRef>
-          <a:fillRef idx="1">
-            <a:schemeClr val="accent1"/>
-          </a:fillRef>
-          <a:effectRef idx="0">
-            <a:schemeClr val="accent1"/>
-          </a:effectRef>
-          <a:fontRef idx="minor">
-            <a:schemeClr val="lt1"/>
-          </a:fontRef>
-        </p:style>
-        <p:txBody>
-          <a:bodyPr rtlCol="0" anchor="ctr"/>
-          <a:lstStyle/>
-          <a:p>
-            <a:pPr algn="ctr"/>
-            <a:r>
-              <a:rPr lang="en-US" altLang="zh-CN" sz="800">
-                <a:latin typeface="Quicksand" panose="00000500000000000000" pitchFamily="2" charset="0"/>
-              </a:rPr>
-              <a:t>container</a:t>
-            </a:r>
-            <a:endParaRPr lang="zh-CN" altLang="en-US" sz="800">
-              <a:latin typeface="Quicksand" panose="00000500000000000000" pitchFamily="2" charset="0"/>
-            </a:endParaRPr>
-          </a:p>
-        </p:txBody>
-      </p:sp>
-      <p:sp>
-        <p:nvSpPr>
-          <p:cNvPr id="4" name="矩形: 圆角 3">
-            <a:extLst>
-              <a:ext uri="{FF2B5EF4-FFF2-40B4-BE49-F238E27FC236}">
-                <a16:creationId xmlns:a16="http://schemas.microsoft.com/office/drawing/2014/main" id="{1F9D61A7-6BE5-7501-7B6E-50DDFBFEC31E}"/>
-              </a:ext>
-            </a:extLst>
-          </p:cNvPr>
-          <p:cNvSpPr/>
-          <p:nvPr/>
-        </p:nvSpPr>
-        <p:spPr>
-          <a:xfrm>
-            <a:off x="4239109" y="3737342"/>
-            <a:ext cx="900000" cy="216000"/>
-          </a:xfrm>
-          <a:prstGeom prst="roundRect">
-            <a:avLst/>
-          </a:prstGeom>
-          <a:solidFill>
-            <a:srgbClr val="20BF6B">
-              <a:alpha val="80000"/>
-            </a:srgbClr>
-          </a:solidFill>
-          <a:ln w="12700">
-            <a:noFill/>
-          </a:ln>
-        </p:spPr>
-        <p:style>
-          <a:lnRef idx="2">
-            <a:schemeClr val="accent1">
-              <a:shade val="15000"/>
-            </a:schemeClr>
-          </a:lnRef>
-          <a:fillRef idx="1">
-            <a:schemeClr val="accent1"/>
-          </a:fillRef>
-          <a:effectRef idx="0">
-            <a:schemeClr val="accent1"/>
-          </a:effectRef>
-          <a:fontRef idx="minor">
-            <a:schemeClr val="lt1"/>
-          </a:fontRef>
-        </p:style>
-        <p:txBody>
-          <a:bodyPr rtlCol="0" anchor="ctr"/>
-          <a:lstStyle/>
-          <a:p>
-            <a:pPr algn="ctr"/>
-            <a:r>
-              <a:rPr lang="en-US" altLang="zh-CN" sz="800">
-                <a:latin typeface="Quicksand" panose="00000500000000000000" pitchFamily="2" charset="0"/>
-              </a:rPr>
-              <a:t>item</a:t>
-            </a:r>
-            <a:endParaRPr lang="zh-CN" altLang="en-US" sz="800">
-              <a:latin typeface="Quicksand" panose="00000500000000000000" pitchFamily="2" charset="0"/>
-            </a:endParaRPr>
-          </a:p>
-        </p:txBody>
-      </p:sp>
-      <p:cxnSp>
-        <p:nvCxnSpPr>
-          <p:cNvPr id="5" name="连接符: 曲线 4">
-            <a:extLst>
-              <a:ext uri="{FF2B5EF4-FFF2-40B4-BE49-F238E27FC236}">
-                <a16:creationId xmlns:a16="http://schemas.microsoft.com/office/drawing/2014/main" id="{2BCE9284-9F65-E657-6C73-E1231C74B881}"/>
-              </a:ext>
-            </a:extLst>
-          </p:cNvPr>
-          <p:cNvCxnSpPr>
-            <a:cxnSpLocks/>
-            <a:stCxn id="19" idx="3"/>
-            <a:endCxn id="2" idx="1"/>
-          </p:cNvCxnSpPr>
-          <p:nvPr/>
-        </p:nvCxnSpPr>
-        <p:spPr>
-          <a:xfrm>
-            <a:off x="3287624" y="2861750"/>
-            <a:ext cx="119114" cy="525622"/>
-          </a:xfrm>
-          <a:prstGeom prst="curvedConnector3">
-            <a:avLst>
-              <a:gd name="adj1" fmla="val 50000"/>
-            </a:avLst>
-          </a:prstGeom>
-          <a:ln>
-            <a:solidFill>
-              <a:srgbClr val="00B050"/>
-            </a:solidFill>
-          </a:ln>
-        </p:spPr>
-        <p:style>
-          <a:lnRef idx="1">
-            <a:schemeClr val="accent1"/>
-          </a:lnRef>
-          <a:fillRef idx="0">
-            <a:schemeClr val="accent1"/>
-          </a:fillRef>
-          <a:effectRef idx="0">
-            <a:schemeClr val="accent1"/>
-          </a:effectRef>
-          <a:fontRef idx="minor">
-            <a:schemeClr val="tx1"/>
-          </a:fontRef>
-        </p:style>
-      </p:cxnSp>
-      <p:cxnSp>
-        <p:nvCxnSpPr>
-          <p:cNvPr id="6" name="连接符: 曲线 5">
-            <a:extLst>
-              <a:ext uri="{FF2B5EF4-FFF2-40B4-BE49-F238E27FC236}">
-                <a16:creationId xmlns:a16="http://schemas.microsoft.com/office/drawing/2014/main" id="{8ADE194A-02E4-68D3-0947-04F857CE5FBB}"/>
-              </a:ext>
-            </a:extLst>
-          </p:cNvPr>
-          <p:cNvCxnSpPr>
-            <a:cxnSpLocks/>
-            <a:stCxn id="4" idx="1"/>
-            <a:endCxn id="2" idx="3"/>
-          </p:cNvCxnSpPr>
-          <p:nvPr/>
-        </p:nvCxnSpPr>
-        <p:spPr>
-          <a:xfrm rot="10800000">
-            <a:off x="4126739" y="3387372"/>
-            <a:ext cx="112371" cy="457970"/>
-          </a:xfrm>
-          <a:prstGeom prst="curvedConnector3">
-            <a:avLst/>
-          </a:prstGeom>
-          <a:ln>
-            <a:solidFill>
-              <a:srgbClr val="00B050"/>
-            </a:solidFill>
-          </a:ln>
-        </p:spPr>
-        <p:style>
-          <a:lnRef idx="1">
-            <a:schemeClr val="accent1"/>
-          </a:lnRef>
-          <a:fillRef idx="0">
-            <a:schemeClr val="accent1"/>
-          </a:fillRef>
-          <a:effectRef idx="0">
-            <a:schemeClr val="accent1"/>
-          </a:effectRef>
-          <a:fontRef idx="minor">
-            <a:schemeClr val="tx1"/>
-          </a:fontRef>
-        </p:style>
-      </p:cxnSp>
-      <p:sp>
-        <p:nvSpPr>
-          <p:cNvPr id="7" name="矩形: 圆角 6">
-            <a:extLst>
-              <a:ext uri="{FF2B5EF4-FFF2-40B4-BE49-F238E27FC236}">
-                <a16:creationId xmlns:a16="http://schemas.microsoft.com/office/drawing/2014/main" id="{6A817759-10D0-2EAB-D76E-BAC2A79B98EB}"/>
-              </a:ext>
-            </a:extLst>
-          </p:cNvPr>
-          <p:cNvSpPr/>
-          <p:nvPr/>
-        </p:nvSpPr>
-        <p:spPr>
-          <a:xfrm>
-            <a:off x="5255524" y="2695570"/>
-            <a:ext cx="2160000" cy="216000"/>
-          </a:xfrm>
-          <a:prstGeom prst="roundRect">
-            <a:avLst/>
-          </a:prstGeom>
-          <a:noFill/>
-          <a:ln w="12700">
-            <a:noFill/>
-          </a:ln>
-        </p:spPr>
-        <p:style>
-          <a:lnRef idx="2">
-            <a:schemeClr val="accent1">
-              <a:shade val="15000"/>
-            </a:schemeClr>
-          </a:lnRef>
-          <a:fillRef idx="1">
-            <a:schemeClr val="accent1"/>
-          </a:fillRef>
-          <a:effectRef idx="0">
-            <a:schemeClr val="accent1"/>
-          </a:effectRef>
-          <a:fontRef idx="minor">
-            <a:schemeClr val="lt1"/>
-          </a:fontRef>
-        </p:style>
-        <p:txBody>
-          <a:bodyPr rtlCol="0" anchor="ctr"/>
-          <a:lstStyle/>
-          <a:p>
-            <a:pPr algn="just"/>
-            <a:r>
-              <a:rPr lang="en-US" altLang="zh-CN" sz="800">
-                <a:solidFill>
-                  <a:sysClr val="windowText" lastClr="000000"/>
-                </a:solidFill>
-                <a:latin typeface="Quicksand" panose="00000500000000000000" pitchFamily="2" charset="0"/>
-              </a:rPr>
-              <a:t>justify-items</a:t>
-            </a:r>
-            <a:r>
-              <a:rPr lang="zh-CN" altLang="en-US" sz="800">
-                <a:solidFill>
-                  <a:sysClr val="windowText" lastClr="000000"/>
-                </a:solidFill>
-                <a:latin typeface="Quicksand" panose="00000500000000000000" pitchFamily="2" charset="0"/>
-              </a:rPr>
-              <a:t>、</a:t>
-            </a:r>
-            <a:r>
-              <a:rPr lang="en-US" altLang="zh-CN" sz="800">
-                <a:solidFill>
-                  <a:sysClr val="windowText" lastClr="000000"/>
-                </a:solidFill>
-                <a:latin typeface="Quicksand" panose="00000500000000000000" pitchFamily="2" charset="0"/>
-              </a:rPr>
-              <a:t>align-items</a:t>
-            </a:r>
-            <a:r>
-              <a:rPr lang="zh-CN" altLang="en-US" sz="800">
-                <a:solidFill>
-                  <a:sysClr val="windowText" lastClr="000000"/>
-                </a:solidFill>
-                <a:latin typeface="Quicksand" panose="00000500000000000000" pitchFamily="2" charset="0"/>
-              </a:rPr>
-              <a:t>、</a:t>
-            </a:r>
-            <a:r>
-              <a:rPr lang="en-US" altLang="zh-CN" sz="800">
-                <a:solidFill>
-                  <a:sysClr val="windowText" lastClr="000000"/>
-                </a:solidFill>
-                <a:latin typeface="Quicksand" panose="00000500000000000000" pitchFamily="2" charset="0"/>
-              </a:rPr>
-              <a:t>place-items</a:t>
-            </a:r>
-            <a:endParaRPr lang="zh-CN" altLang="en-US" sz="800">
-              <a:solidFill>
-                <a:sysClr val="windowText" lastClr="000000"/>
-              </a:solidFill>
-              <a:latin typeface="Quicksand" panose="00000500000000000000" pitchFamily="2" charset="0"/>
-            </a:endParaRPr>
-          </a:p>
-        </p:txBody>
-      </p:sp>
-      <p:sp>
-        <p:nvSpPr>
-          <p:cNvPr id="8" name="矩形: 圆角 7">
-            <a:extLst>
-              <a:ext uri="{FF2B5EF4-FFF2-40B4-BE49-F238E27FC236}">
-                <a16:creationId xmlns:a16="http://schemas.microsoft.com/office/drawing/2014/main" id="{69A16CC7-CCF0-240E-37A0-AF08576584ED}"/>
-              </a:ext>
-            </a:extLst>
-          </p:cNvPr>
-          <p:cNvSpPr/>
-          <p:nvPr/>
-        </p:nvSpPr>
-        <p:spPr>
-          <a:xfrm>
-            <a:off x="5255524" y="2947234"/>
-            <a:ext cx="2520000" cy="216000"/>
-          </a:xfrm>
-          <a:prstGeom prst="roundRect">
-            <a:avLst/>
-          </a:prstGeom>
-          <a:noFill/>
-          <a:ln w="12700">
-            <a:noFill/>
-          </a:ln>
-        </p:spPr>
-        <p:style>
-          <a:lnRef idx="2">
-            <a:schemeClr val="accent1">
-              <a:shade val="15000"/>
-            </a:schemeClr>
-          </a:lnRef>
-          <a:fillRef idx="1">
-            <a:schemeClr val="accent1"/>
-          </a:fillRef>
-          <a:effectRef idx="0">
-            <a:schemeClr val="accent1"/>
-          </a:effectRef>
-          <a:fontRef idx="minor">
-            <a:schemeClr val="lt1"/>
-          </a:fontRef>
-        </p:style>
-        <p:txBody>
-          <a:bodyPr rtlCol="0" anchor="ctr"/>
-          <a:lstStyle/>
-          <a:p>
-            <a:pPr algn="just"/>
-            <a:r>
-              <a:rPr lang="en-US" altLang="zh-CN" sz="800">
-                <a:solidFill>
-                  <a:sysClr val="windowText" lastClr="000000"/>
-                </a:solidFill>
-                <a:latin typeface="Quicksand" panose="00000500000000000000" pitchFamily="2" charset="0"/>
-              </a:rPr>
-              <a:t>justify-content</a:t>
-            </a:r>
-            <a:r>
-              <a:rPr lang="zh-CN" altLang="en-US" sz="800">
-                <a:solidFill>
-                  <a:sysClr val="windowText" lastClr="000000"/>
-                </a:solidFill>
-                <a:latin typeface="Quicksand" panose="00000500000000000000" pitchFamily="2" charset="0"/>
-              </a:rPr>
-              <a:t>、</a:t>
-            </a:r>
-            <a:r>
-              <a:rPr lang="en-US" altLang="zh-CN" sz="800">
-                <a:solidFill>
-                  <a:sysClr val="windowText" lastClr="000000"/>
-                </a:solidFill>
-                <a:latin typeface="Quicksand" panose="00000500000000000000" pitchFamily="2" charset="0"/>
-              </a:rPr>
-              <a:t>align-content</a:t>
-            </a:r>
-            <a:r>
-              <a:rPr lang="zh-CN" altLang="en-US" sz="800">
-                <a:solidFill>
-                  <a:sysClr val="windowText" lastClr="000000"/>
-                </a:solidFill>
-                <a:latin typeface="Quicksand" panose="00000500000000000000" pitchFamily="2" charset="0"/>
-              </a:rPr>
-              <a:t>、</a:t>
-            </a:r>
-            <a:r>
-              <a:rPr lang="en-US" altLang="zh-CN" sz="800">
-                <a:solidFill>
-                  <a:sysClr val="windowText" lastClr="000000"/>
-                </a:solidFill>
-                <a:latin typeface="Quicksand" panose="00000500000000000000" pitchFamily="2" charset="0"/>
-              </a:rPr>
-              <a:t>place-content</a:t>
-            </a:r>
-            <a:endParaRPr lang="zh-CN" altLang="en-US" sz="800">
-              <a:solidFill>
-                <a:sysClr val="windowText" lastClr="000000"/>
-              </a:solidFill>
-              <a:latin typeface="Quicksand" panose="00000500000000000000" pitchFamily="2" charset="0"/>
-            </a:endParaRPr>
-          </a:p>
-        </p:txBody>
-      </p:sp>
-      <p:sp>
-        <p:nvSpPr>
-          <p:cNvPr id="9" name="矩形: 圆角 8">
-            <a:extLst>
-              <a:ext uri="{FF2B5EF4-FFF2-40B4-BE49-F238E27FC236}">
-                <a16:creationId xmlns:a16="http://schemas.microsoft.com/office/drawing/2014/main" id="{99B80305-9B15-D2EE-3DF1-CEE7D6394074}"/>
-              </a:ext>
-            </a:extLst>
-          </p:cNvPr>
-          <p:cNvSpPr/>
-          <p:nvPr/>
-        </p:nvSpPr>
-        <p:spPr>
-          <a:xfrm>
-            <a:off x="5255524" y="3367084"/>
-            <a:ext cx="1440000" cy="216000"/>
-          </a:xfrm>
-          <a:prstGeom prst="roundRect">
-            <a:avLst/>
-          </a:prstGeom>
-          <a:noFill/>
-          <a:ln w="12700">
-            <a:noFill/>
-          </a:ln>
-        </p:spPr>
-        <p:style>
-          <a:lnRef idx="2">
-            <a:schemeClr val="accent1">
-              <a:shade val="15000"/>
-            </a:schemeClr>
-          </a:lnRef>
-          <a:fillRef idx="1">
-            <a:schemeClr val="accent1"/>
-          </a:fillRef>
-          <a:effectRef idx="0">
-            <a:schemeClr val="accent1"/>
-          </a:effectRef>
-          <a:fontRef idx="minor">
-            <a:schemeClr val="lt1"/>
-          </a:fontRef>
-        </p:style>
-        <p:txBody>
-          <a:bodyPr rtlCol="0" anchor="ctr"/>
-          <a:lstStyle/>
-          <a:p>
-            <a:pPr algn="just"/>
-            <a:r>
-              <a:rPr lang="en-US" altLang="zh-CN" sz="800">
-                <a:solidFill>
-                  <a:sysClr val="windowText" lastClr="000000"/>
-                </a:solidFill>
-                <a:latin typeface="Quicksand" panose="00000500000000000000" pitchFamily="2" charset="0"/>
-              </a:rPr>
-              <a:t>grid-column</a:t>
-            </a:r>
-            <a:endParaRPr lang="zh-CN" altLang="en-US" sz="800">
-              <a:solidFill>
-                <a:sysClr val="windowText" lastClr="000000"/>
-              </a:solidFill>
-              <a:latin typeface="Quicksand" panose="00000500000000000000" pitchFamily="2" charset="0"/>
-            </a:endParaRPr>
-          </a:p>
-        </p:txBody>
-      </p:sp>
-      <p:sp>
-        <p:nvSpPr>
-          <p:cNvPr id="10" name="矩形: 圆角 9">
-            <a:extLst>
-              <a:ext uri="{FF2B5EF4-FFF2-40B4-BE49-F238E27FC236}">
-                <a16:creationId xmlns:a16="http://schemas.microsoft.com/office/drawing/2014/main" id="{782DC8B9-FD3F-F1F8-44EE-89DB48E293DE}"/>
-              </a:ext>
-            </a:extLst>
-          </p:cNvPr>
-          <p:cNvSpPr/>
-          <p:nvPr/>
-        </p:nvSpPr>
-        <p:spPr>
-          <a:xfrm>
-            <a:off x="5255524" y="3611884"/>
-            <a:ext cx="1440000" cy="216000"/>
-          </a:xfrm>
-          <a:prstGeom prst="roundRect">
-            <a:avLst/>
-          </a:prstGeom>
-          <a:noFill/>
-          <a:ln w="12700">
-            <a:noFill/>
-          </a:ln>
-        </p:spPr>
-        <p:style>
-          <a:lnRef idx="2">
-            <a:schemeClr val="accent1">
-              <a:shade val="15000"/>
-            </a:schemeClr>
-          </a:lnRef>
-          <a:fillRef idx="1">
-            <a:schemeClr val="accent1"/>
-          </a:fillRef>
-          <a:effectRef idx="0">
-            <a:schemeClr val="accent1"/>
-          </a:effectRef>
-          <a:fontRef idx="minor">
-            <a:schemeClr val="lt1"/>
-          </a:fontRef>
-        </p:style>
-        <p:txBody>
-          <a:bodyPr rtlCol="0" anchor="ctr"/>
-          <a:lstStyle/>
-          <a:p>
-            <a:pPr algn="just"/>
-            <a:r>
-              <a:rPr lang="en-US" altLang="zh-CN" sz="800">
-                <a:solidFill>
-                  <a:sysClr val="windowText" lastClr="000000"/>
-                </a:solidFill>
-                <a:latin typeface="Quicksand" panose="00000500000000000000" pitchFamily="2" charset="0"/>
-              </a:rPr>
-              <a:t>grid-row</a:t>
-            </a:r>
-            <a:endParaRPr lang="zh-CN" altLang="en-US" sz="800">
-              <a:solidFill>
-                <a:sysClr val="windowText" lastClr="000000"/>
-              </a:solidFill>
-              <a:latin typeface="Quicksand" panose="00000500000000000000" pitchFamily="2" charset="0"/>
-            </a:endParaRPr>
-          </a:p>
-        </p:txBody>
-      </p:sp>
-      <p:sp>
-        <p:nvSpPr>
-          <p:cNvPr id="19" name="矩形: 圆角 18">
-            <a:extLst>
-              <a:ext uri="{FF2B5EF4-FFF2-40B4-BE49-F238E27FC236}">
-                <a16:creationId xmlns:a16="http://schemas.microsoft.com/office/drawing/2014/main" id="{1E79B629-9EA5-ACE9-A1CC-1FA35B83B45F}"/>
-              </a:ext>
-            </a:extLst>
-          </p:cNvPr>
-          <p:cNvSpPr/>
-          <p:nvPr/>
-        </p:nvSpPr>
-        <p:spPr>
-          <a:xfrm>
-            <a:off x="1991624" y="2753750"/>
-            <a:ext cx="1296000" cy="216000"/>
-          </a:xfrm>
-          <a:prstGeom prst="roundRect">
-            <a:avLst/>
-          </a:prstGeom>
-          <a:noFill/>
-          <a:ln w="12700">
-            <a:noFill/>
-          </a:ln>
-        </p:spPr>
-        <p:style>
-          <a:lnRef idx="2">
-            <a:schemeClr val="accent1">
-              <a:shade val="15000"/>
-            </a:schemeClr>
-          </a:lnRef>
-          <a:fillRef idx="1">
-            <a:schemeClr val="accent1"/>
-          </a:fillRef>
-          <a:effectRef idx="0">
-            <a:schemeClr val="accent1"/>
-          </a:effectRef>
-          <a:fontRef idx="minor">
-            <a:schemeClr val="lt1"/>
-          </a:fontRef>
-        </p:style>
-        <p:txBody>
-          <a:bodyPr rtlCol="0" anchor="ctr"/>
-          <a:lstStyle/>
-          <a:p>
-            <a:pPr algn="just"/>
-            <a:r>
-              <a:rPr lang="en-US" altLang="zh-CN" sz="800">
-                <a:solidFill>
-                  <a:sysClr val="windowText" lastClr="000000"/>
-                </a:solidFill>
-                <a:latin typeface="Quicksand" panose="00000500000000000000" pitchFamily="2" charset="0"/>
-              </a:rPr>
-              <a:t>grid-template-columns</a:t>
-            </a:r>
-            <a:endParaRPr lang="zh-CN" altLang="en-US" sz="800">
-              <a:solidFill>
-                <a:sysClr val="windowText" lastClr="000000"/>
-              </a:solidFill>
-              <a:latin typeface="Quicksand" panose="00000500000000000000" pitchFamily="2" charset="0"/>
-            </a:endParaRPr>
-          </a:p>
-        </p:txBody>
-      </p:sp>
-      <p:sp>
-        <p:nvSpPr>
-          <p:cNvPr id="20" name="矩形: 圆角 19">
-            <a:extLst>
-              <a:ext uri="{FF2B5EF4-FFF2-40B4-BE49-F238E27FC236}">
-                <a16:creationId xmlns:a16="http://schemas.microsoft.com/office/drawing/2014/main" id="{9527B925-A3B0-0D5E-97DF-8180DA154CEC}"/>
-              </a:ext>
-            </a:extLst>
-          </p:cNvPr>
-          <p:cNvSpPr/>
-          <p:nvPr/>
-        </p:nvSpPr>
-        <p:spPr>
-          <a:xfrm>
-            <a:off x="1991624" y="3003973"/>
-            <a:ext cx="1296000" cy="216000"/>
-          </a:xfrm>
-          <a:prstGeom prst="roundRect">
-            <a:avLst/>
-          </a:prstGeom>
-          <a:noFill/>
-          <a:ln w="12700">
-            <a:noFill/>
-          </a:ln>
-        </p:spPr>
-        <p:style>
-          <a:lnRef idx="2">
-            <a:schemeClr val="accent1">
-              <a:shade val="15000"/>
-            </a:schemeClr>
-          </a:lnRef>
-          <a:fillRef idx="1">
-            <a:schemeClr val="accent1"/>
-          </a:fillRef>
-          <a:effectRef idx="0">
-            <a:schemeClr val="accent1"/>
-          </a:effectRef>
-          <a:fontRef idx="minor">
-            <a:schemeClr val="lt1"/>
-          </a:fontRef>
-        </p:style>
-        <p:txBody>
-          <a:bodyPr rtlCol="0" anchor="ctr"/>
-          <a:lstStyle/>
-          <a:p>
-            <a:pPr algn="just"/>
-            <a:r>
-              <a:rPr lang="en-US" altLang="zh-CN" sz="800">
-                <a:solidFill>
-                  <a:sysClr val="windowText" lastClr="000000"/>
-                </a:solidFill>
-                <a:latin typeface="Quicksand" panose="00000500000000000000" pitchFamily="2" charset="0"/>
-              </a:rPr>
-              <a:t>grid-template-rows</a:t>
-            </a:r>
-            <a:endParaRPr lang="zh-CN" altLang="en-US" sz="800">
-              <a:solidFill>
-                <a:sysClr val="windowText" lastClr="000000"/>
-              </a:solidFill>
-              <a:latin typeface="Quicksand" panose="00000500000000000000" pitchFamily="2" charset="0"/>
-            </a:endParaRPr>
-          </a:p>
-        </p:txBody>
-      </p:sp>
-      <p:sp>
-        <p:nvSpPr>
-          <p:cNvPr id="21" name="矩形: 圆角 20">
-            <a:extLst>
-              <a:ext uri="{FF2B5EF4-FFF2-40B4-BE49-F238E27FC236}">
-                <a16:creationId xmlns:a16="http://schemas.microsoft.com/office/drawing/2014/main" id="{356CA4B0-61D7-11FF-B48D-12467910047C}"/>
-              </a:ext>
-            </a:extLst>
-          </p:cNvPr>
-          <p:cNvSpPr/>
-          <p:nvPr/>
-        </p:nvSpPr>
-        <p:spPr>
-          <a:xfrm>
-            <a:off x="1991624" y="3257750"/>
-            <a:ext cx="1296000" cy="216000"/>
-          </a:xfrm>
-          <a:prstGeom prst="roundRect">
-            <a:avLst/>
-          </a:prstGeom>
-          <a:noFill/>
-          <a:ln w="12700">
-            <a:noFill/>
-          </a:ln>
-        </p:spPr>
-        <p:style>
-          <a:lnRef idx="2">
-            <a:schemeClr val="accent1">
-              <a:shade val="15000"/>
-            </a:schemeClr>
-          </a:lnRef>
-          <a:fillRef idx="1">
-            <a:schemeClr val="accent1"/>
-          </a:fillRef>
-          <a:effectRef idx="0">
-            <a:schemeClr val="accent1"/>
-          </a:effectRef>
-          <a:fontRef idx="minor">
-            <a:schemeClr val="lt1"/>
-          </a:fontRef>
-        </p:style>
-        <p:txBody>
-          <a:bodyPr rtlCol="0" anchor="ctr"/>
-          <a:lstStyle/>
-          <a:p>
-            <a:pPr algn="just"/>
-            <a:r>
-              <a:rPr lang="en-US" altLang="zh-CN" sz="800">
-                <a:solidFill>
-                  <a:sysClr val="windowText" lastClr="000000"/>
-                </a:solidFill>
-                <a:latin typeface="Quicksand" panose="00000500000000000000" pitchFamily="2" charset="0"/>
-              </a:rPr>
-              <a:t>grid-template-areas</a:t>
-            </a:r>
-            <a:endParaRPr lang="zh-CN" altLang="en-US" sz="800">
-              <a:solidFill>
-                <a:sysClr val="windowText" lastClr="000000"/>
-              </a:solidFill>
-              <a:latin typeface="Quicksand" panose="00000500000000000000" pitchFamily="2" charset="0"/>
-            </a:endParaRPr>
-          </a:p>
-        </p:txBody>
-      </p:sp>
-      <p:cxnSp>
-        <p:nvCxnSpPr>
-          <p:cNvPr id="25" name="连接符: 曲线 24">
-            <a:extLst>
-              <a:ext uri="{FF2B5EF4-FFF2-40B4-BE49-F238E27FC236}">
-                <a16:creationId xmlns:a16="http://schemas.microsoft.com/office/drawing/2014/main" id="{5FE449A0-09D8-F166-F482-A9A2F2AED471}"/>
-              </a:ext>
-            </a:extLst>
-          </p:cNvPr>
-          <p:cNvCxnSpPr>
-            <a:cxnSpLocks/>
-            <a:stCxn id="34" idx="3"/>
-            <a:endCxn id="2" idx="1"/>
-          </p:cNvCxnSpPr>
-          <p:nvPr/>
-        </p:nvCxnSpPr>
-        <p:spPr>
-          <a:xfrm flipV="1">
-            <a:off x="3287624" y="3387372"/>
-            <a:ext cx="119114" cy="482378"/>
-          </a:xfrm>
-          <a:prstGeom prst="curvedConnector3">
-            <a:avLst>
-              <a:gd name="adj1" fmla="val 50000"/>
-            </a:avLst>
-          </a:prstGeom>
-          <a:ln>
-            <a:solidFill>
-              <a:srgbClr val="00B050"/>
-            </a:solidFill>
-          </a:ln>
-        </p:spPr>
-        <p:style>
-          <a:lnRef idx="1">
-            <a:schemeClr val="accent1"/>
-          </a:lnRef>
-          <a:fillRef idx="0">
-            <a:schemeClr val="accent1"/>
-          </a:fillRef>
-          <a:effectRef idx="0">
-            <a:schemeClr val="accent1"/>
-          </a:effectRef>
-          <a:fontRef idx="minor">
-            <a:schemeClr val="tx1"/>
-          </a:fontRef>
-        </p:style>
-      </p:cxnSp>
-      <p:cxnSp>
-        <p:nvCxnSpPr>
-          <p:cNvPr id="28" name="连接符: 曲线 27">
-            <a:extLst>
-              <a:ext uri="{FF2B5EF4-FFF2-40B4-BE49-F238E27FC236}">
-                <a16:creationId xmlns:a16="http://schemas.microsoft.com/office/drawing/2014/main" id="{3A6BBE73-4BE6-5B24-F2A7-73612F1CC1B0}"/>
-              </a:ext>
-            </a:extLst>
-          </p:cNvPr>
-          <p:cNvCxnSpPr>
-            <a:cxnSpLocks/>
-            <a:stCxn id="3" idx="1"/>
-            <a:endCxn id="2" idx="3"/>
-          </p:cNvCxnSpPr>
-          <p:nvPr/>
-        </p:nvCxnSpPr>
-        <p:spPr>
-          <a:xfrm rot="10800000" flipV="1">
-            <a:off x="4126739" y="2929402"/>
-            <a:ext cx="112371" cy="457970"/>
-          </a:xfrm>
-          <a:prstGeom prst="curvedConnector3">
-            <a:avLst>
-              <a:gd name="adj1" fmla="val 50000"/>
-            </a:avLst>
-          </a:prstGeom>
-          <a:ln>
-            <a:solidFill>
-              <a:srgbClr val="00B050"/>
-            </a:solidFill>
-          </a:ln>
-        </p:spPr>
-        <p:style>
-          <a:lnRef idx="1">
-            <a:schemeClr val="accent1"/>
-          </a:lnRef>
-          <a:fillRef idx="0">
-            <a:schemeClr val="accent1"/>
-          </a:fillRef>
-          <a:effectRef idx="0">
-            <a:schemeClr val="accent1"/>
-          </a:effectRef>
-          <a:fontRef idx="minor">
-            <a:schemeClr val="tx1"/>
-          </a:fontRef>
-        </p:style>
-      </p:cxnSp>
-      <p:sp>
-        <p:nvSpPr>
-          <p:cNvPr id="32" name="矩形: 圆角 31">
-            <a:extLst>
-              <a:ext uri="{FF2B5EF4-FFF2-40B4-BE49-F238E27FC236}">
-                <a16:creationId xmlns:a16="http://schemas.microsoft.com/office/drawing/2014/main" id="{AB131909-9112-225D-1804-CF3E2D49CE32}"/>
-              </a:ext>
-            </a:extLst>
-          </p:cNvPr>
-          <p:cNvSpPr/>
-          <p:nvPr/>
-        </p:nvSpPr>
-        <p:spPr>
-          <a:xfrm>
-            <a:off x="1991624" y="3509750"/>
-            <a:ext cx="1296000" cy="216000"/>
-          </a:xfrm>
-          <a:prstGeom prst="roundRect">
-            <a:avLst/>
-          </a:prstGeom>
-          <a:noFill/>
-          <a:ln w="12700">
-            <a:noFill/>
-          </a:ln>
-        </p:spPr>
-        <p:style>
-          <a:lnRef idx="2">
-            <a:schemeClr val="accent1">
-              <a:shade val="15000"/>
-            </a:schemeClr>
-          </a:lnRef>
-          <a:fillRef idx="1">
-            <a:schemeClr val="accent1"/>
-          </a:fillRef>
-          <a:effectRef idx="0">
-            <a:schemeClr val="accent1"/>
-          </a:effectRef>
-          <a:fontRef idx="minor">
-            <a:schemeClr val="lt1"/>
-          </a:fontRef>
-        </p:style>
-        <p:txBody>
-          <a:bodyPr rtlCol="0" anchor="ctr"/>
-          <a:lstStyle/>
-          <a:p>
-            <a:pPr algn="just"/>
-            <a:r>
-              <a:rPr lang="en-US" altLang="zh-CN" sz="800">
-                <a:solidFill>
-                  <a:sysClr val="windowText" lastClr="000000"/>
-                </a:solidFill>
-                <a:latin typeface="Quicksand" panose="00000500000000000000" pitchFamily="2" charset="0"/>
-              </a:rPr>
-              <a:t>grid-auto-flow</a:t>
-            </a:r>
-            <a:endParaRPr lang="zh-CN" altLang="en-US" sz="800">
-              <a:solidFill>
-                <a:sysClr val="windowText" lastClr="000000"/>
-              </a:solidFill>
-              <a:latin typeface="Quicksand" panose="00000500000000000000" pitchFamily="2" charset="0"/>
-            </a:endParaRPr>
-          </a:p>
-        </p:txBody>
-      </p:sp>
-      <p:sp>
-        <p:nvSpPr>
-          <p:cNvPr id="34" name="矩形: 圆角 33">
-            <a:extLst>
-              <a:ext uri="{FF2B5EF4-FFF2-40B4-BE49-F238E27FC236}">
-                <a16:creationId xmlns:a16="http://schemas.microsoft.com/office/drawing/2014/main" id="{734F5254-C953-E514-4325-A5F7247E5289}"/>
-              </a:ext>
-            </a:extLst>
-          </p:cNvPr>
-          <p:cNvSpPr/>
-          <p:nvPr/>
-        </p:nvSpPr>
-        <p:spPr>
-          <a:xfrm>
-            <a:off x="1991624" y="3761750"/>
-            <a:ext cx="1296000" cy="216000"/>
-          </a:xfrm>
-          <a:prstGeom prst="roundRect">
-            <a:avLst/>
-          </a:prstGeom>
-          <a:noFill/>
-          <a:ln w="12700">
-            <a:noFill/>
-          </a:ln>
-        </p:spPr>
-        <p:style>
-          <a:lnRef idx="2">
-            <a:schemeClr val="accent1">
-              <a:shade val="15000"/>
-            </a:schemeClr>
-          </a:lnRef>
-          <a:fillRef idx="1">
-            <a:schemeClr val="accent1"/>
-          </a:fillRef>
-          <a:effectRef idx="0">
-            <a:schemeClr val="accent1"/>
-          </a:effectRef>
-          <a:fontRef idx="minor">
-            <a:schemeClr val="lt1"/>
-          </a:fontRef>
-        </p:style>
-        <p:txBody>
-          <a:bodyPr rtlCol="0" anchor="ctr"/>
-          <a:lstStyle/>
-          <a:p>
-            <a:pPr algn="just"/>
-            <a:r>
-              <a:rPr lang="en-US" altLang="zh-CN" sz="800">
-                <a:solidFill>
-                  <a:sysClr val="windowText" lastClr="000000"/>
-                </a:solidFill>
-                <a:latin typeface="Quicksand" panose="00000500000000000000" pitchFamily="2" charset="0"/>
-              </a:rPr>
-              <a:t>gap</a:t>
-            </a:r>
-            <a:endParaRPr lang="zh-CN" altLang="en-US" sz="800">
-              <a:solidFill>
-                <a:sysClr val="windowText" lastClr="000000"/>
-              </a:solidFill>
-              <a:latin typeface="Quicksand" panose="00000500000000000000" pitchFamily="2" charset="0"/>
-            </a:endParaRPr>
-          </a:p>
-        </p:txBody>
-      </p:sp>
-      <p:sp>
-        <p:nvSpPr>
-          <p:cNvPr id="36" name="矩形: 圆角 35">
-            <a:extLst>
-              <a:ext uri="{FF2B5EF4-FFF2-40B4-BE49-F238E27FC236}">
-                <a16:creationId xmlns:a16="http://schemas.microsoft.com/office/drawing/2014/main" id="{5784A573-8A5F-3AB6-E006-03DCCD9AD2FD}"/>
-              </a:ext>
-            </a:extLst>
-          </p:cNvPr>
-          <p:cNvSpPr/>
-          <p:nvPr/>
-        </p:nvSpPr>
-        <p:spPr>
-          <a:xfrm>
-            <a:off x="5255524" y="3862800"/>
-            <a:ext cx="1440000" cy="216000"/>
-          </a:xfrm>
-          <a:prstGeom prst="roundRect">
-            <a:avLst/>
-          </a:prstGeom>
-          <a:noFill/>
-          <a:ln w="12700">
-            <a:noFill/>
-          </a:ln>
-        </p:spPr>
-        <p:style>
-          <a:lnRef idx="2">
-            <a:schemeClr val="accent1">
-              <a:shade val="15000"/>
-            </a:schemeClr>
-          </a:lnRef>
-          <a:fillRef idx="1">
-            <a:schemeClr val="accent1"/>
-          </a:fillRef>
-          <a:effectRef idx="0">
-            <a:schemeClr val="accent1"/>
-          </a:effectRef>
-          <a:fontRef idx="minor">
-            <a:schemeClr val="lt1"/>
-          </a:fontRef>
-        </p:style>
-        <p:txBody>
-          <a:bodyPr rtlCol="0" anchor="ctr"/>
-          <a:lstStyle/>
-          <a:p>
-            <a:pPr algn="just"/>
-            <a:r>
-              <a:rPr lang="en-US" altLang="zh-CN" sz="800">
-                <a:solidFill>
-                  <a:sysClr val="windowText" lastClr="000000"/>
-                </a:solidFill>
-                <a:latin typeface="Quicksand" panose="00000500000000000000" pitchFamily="2" charset="0"/>
-              </a:rPr>
-              <a:t>grid-area</a:t>
-            </a:r>
-            <a:endParaRPr lang="zh-CN" altLang="en-US" sz="800">
-              <a:solidFill>
-                <a:sysClr val="windowText" lastClr="000000"/>
-              </a:solidFill>
-              <a:latin typeface="Quicksand" panose="00000500000000000000" pitchFamily="2" charset="0"/>
-            </a:endParaRPr>
-          </a:p>
-        </p:txBody>
-      </p:sp>
-      <p:sp>
-        <p:nvSpPr>
-          <p:cNvPr id="37" name="矩形: 圆角 36">
-            <a:extLst>
-              <a:ext uri="{FF2B5EF4-FFF2-40B4-BE49-F238E27FC236}">
-                <a16:creationId xmlns:a16="http://schemas.microsoft.com/office/drawing/2014/main" id="{03E03E94-0B5A-158F-A4AF-89464ED65D83}"/>
-              </a:ext>
-            </a:extLst>
-          </p:cNvPr>
-          <p:cNvSpPr/>
-          <p:nvPr/>
-        </p:nvSpPr>
-        <p:spPr>
-          <a:xfrm>
-            <a:off x="5255524" y="4114800"/>
-            <a:ext cx="2160000" cy="216000"/>
-          </a:xfrm>
-          <a:prstGeom prst="roundRect">
-            <a:avLst/>
-          </a:prstGeom>
-          <a:noFill/>
-          <a:ln w="12700">
-            <a:noFill/>
-          </a:ln>
-        </p:spPr>
-        <p:style>
-          <a:lnRef idx="2">
-            <a:schemeClr val="accent1">
-              <a:shade val="15000"/>
-            </a:schemeClr>
-          </a:lnRef>
-          <a:fillRef idx="1">
-            <a:schemeClr val="accent1"/>
-          </a:fillRef>
-          <a:effectRef idx="0">
-            <a:schemeClr val="accent1"/>
-          </a:effectRef>
-          <a:fontRef idx="minor">
-            <a:schemeClr val="lt1"/>
-          </a:fontRef>
-        </p:style>
-        <p:txBody>
-          <a:bodyPr rtlCol="0" anchor="ctr"/>
-          <a:lstStyle/>
-          <a:p>
-            <a:pPr algn="just"/>
-            <a:r>
-              <a:rPr lang="en-US" altLang="zh-CN" sz="800">
-                <a:solidFill>
-                  <a:sysClr val="windowText" lastClr="000000"/>
-                </a:solidFill>
-                <a:latin typeface="Quicksand" panose="00000500000000000000" pitchFamily="2" charset="0"/>
-              </a:rPr>
-              <a:t>justify-self</a:t>
-            </a:r>
-            <a:r>
-              <a:rPr lang="zh-CN" altLang="en-US" sz="800">
-                <a:solidFill>
-                  <a:sysClr val="windowText" lastClr="000000"/>
-                </a:solidFill>
-                <a:latin typeface="Quicksand" panose="00000500000000000000" pitchFamily="2" charset="0"/>
-              </a:rPr>
-              <a:t>、</a:t>
-            </a:r>
-            <a:r>
-              <a:rPr lang="en-US" altLang="zh-CN" sz="800">
-                <a:solidFill>
-                  <a:sysClr val="windowText" lastClr="000000"/>
-                </a:solidFill>
-                <a:latin typeface="Quicksand" panose="00000500000000000000" pitchFamily="2" charset="0"/>
-              </a:rPr>
-              <a:t>align-self</a:t>
-            </a:r>
-            <a:r>
-              <a:rPr lang="zh-CN" altLang="en-US" sz="800">
-                <a:solidFill>
-                  <a:sysClr val="windowText" lastClr="000000"/>
-                </a:solidFill>
-                <a:latin typeface="Quicksand" panose="00000500000000000000" pitchFamily="2" charset="0"/>
-              </a:rPr>
-              <a:t>、</a:t>
-            </a:r>
-            <a:r>
-              <a:rPr lang="en-US" altLang="zh-CN" sz="800">
-                <a:solidFill>
-                  <a:sysClr val="windowText" lastClr="000000"/>
-                </a:solidFill>
-                <a:latin typeface="Quicksand" panose="00000500000000000000" pitchFamily="2" charset="0"/>
-              </a:rPr>
-              <a:t>place-self</a:t>
-            </a:r>
-            <a:endParaRPr lang="zh-CN" altLang="en-US" sz="800">
-              <a:solidFill>
-                <a:sysClr val="windowText" lastClr="000000"/>
-              </a:solidFill>
-              <a:latin typeface="Quicksand" panose="00000500000000000000" pitchFamily="2" charset="0"/>
-            </a:endParaRPr>
-          </a:p>
-        </p:txBody>
-      </p:sp>
-      <p:cxnSp>
-        <p:nvCxnSpPr>
-          <p:cNvPr id="38" name="连接符: 曲线 37">
-            <a:extLst>
-              <a:ext uri="{FF2B5EF4-FFF2-40B4-BE49-F238E27FC236}">
-                <a16:creationId xmlns:a16="http://schemas.microsoft.com/office/drawing/2014/main" id="{56F3030D-E969-4464-4DC4-DCB661A4F9DC}"/>
-              </a:ext>
-            </a:extLst>
-          </p:cNvPr>
-          <p:cNvCxnSpPr>
-            <a:cxnSpLocks/>
-            <a:stCxn id="8" idx="1"/>
-            <a:endCxn id="3" idx="3"/>
-          </p:cNvCxnSpPr>
-          <p:nvPr/>
-        </p:nvCxnSpPr>
-        <p:spPr>
-          <a:xfrm rot="10800000">
-            <a:off x="5139110" y="2929402"/>
-            <a:ext cx="116415" cy="125832"/>
-          </a:xfrm>
-          <a:prstGeom prst="curvedConnector3">
-            <a:avLst>
-              <a:gd name="adj1" fmla="val 50000"/>
-            </a:avLst>
-          </a:prstGeom>
-          <a:ln>
-            <a:solidFill>
-              <a:srgbClr val="00B050"/>
-            </a:solidFill>
-          </a:ln>
-        </p:spPr>
-        <p:style>
-          <a:lnRef idx="1">
-            <a:schemeClr val="accent1"/>
-          </a:lnRef>
-          <a:fillRef idx="0">
-            <a:schemeClr val="accent1"/>
-          </a:fillRef>
-          <a:effectRef idx="0">
-            <a:schemeClr val="accent1"/>
-          </a:effectRef>
-          <a:fontRef idx="minor">
-            <a:schemeClr val="tx1"/>
-          </a:fontRef>
-        </p:style>
-      </p:cxnSp>
-      <p:cxnSp>
-        <p:nvCxnSpPr>
-          <p:cNvPr id="39" name="连接符: 曲线 38">
-            <a:extLst>
-              <a:ext uri="{FF2B5EF4-FFF2-40B4-BE49-F238E27FC236}">
-                <a16:creationId xmlns:a16="http://schemas.microsoft.com/office/drawing/2014/main" id="{C4FF2915-113A-8BF5-7FCB-066A1878E78A}"/>
-              </a:ext>
-            </a:extLst>
-          </p:cNvPr>
-          <p:cNvCxnSpPr>
-            <a:cxnSpLocks/>
-            <a:stCxn id="7" idx="1"/>
-            <a:endCxn id="3" idx="3"/>
-          </p:cNvCxnSpPr>
-          <p:nvPr/>
-        </p:nvCxnSpPr>
-        <p:spPr>
-          <a:xfrm rot="10800000" flipV="1">
-            <a:off x="5139110" y="2803570"/>
-            <a:ext cx="116415" cy="125832"/>
-          </a:xfrm>
-          <a:prstGeom prst="curvedConnector3">
-            <a:avLst>
-              <a:gd name="adj1" fmla="val 50000"/>
-            </a:avLst>
-          </a:prstGeom>
-          <a:ln>
-            <a:solidFill>
-              <a:srgbClr val="00B050"/>
-            </a:solidFill>
-          </a:ln>
-        </p:spPr>
-        <p:style>
-          <a:lnRef idx="1">
-            <a:schemeClr val="accent1"/>
-          </a:lnRef>
-          <a:fillRef idx="0">
-            <a:schemeClr val="accent1"/>
-          </a:fillRef>
-          <a:effectRef idx="0">
-            <a:schemeClr val="accent1"/>
-          </a:effectRef>
-          <a:fontRef idx="minor">
-            <a:schemeClr val="tx1"/>
-          </a:fontRef>
-        </p:style>
-      </p:cxnSp>
-      <p:cxnSp>
-        <p:nvCxnSpPr>
-          <p:cNvPr id="44" name="连接符: 曲线 43">
-            <a:extLst>
-              <a:ext uri="{FF2B5EF4-FFF2-40B4-BE49-F238E27FC236}">
-                <a16:creationId xmlns:a16="http://schemas.microsoft.com/office/drawing/2014/main" id="{03E7BB68-66AE-0142-D985-87D40F381ABF}"/>
-              </a:ext>
-            </a:extLst>
-          </p:cNvPr>
-          <p:cNvCxnSpPr>
-            <a:cxnSpLocks/>
-            <a:stCxn id="37" idx="1"/>
-            <a:endCxn id="4" idx="3"/>
-          </p:cNvCxnSpPr>
-          <p:nvPr/>
-        </p:nvCxnSpPr>
-        <p:spPr>
-          <a:xfrm rot="10800000">
-            <a:off x="5139110" y="3845342"/>
-            <a:ext cx="116415" cy="377458"/>
-          </a:xfrm>
-          <a:prstGeom prst="curvedConnector3">
-            <a:avLst>
-              <a:gd name="adj1" fmla="val 50000"/>
-            </a:avLst>
-          </a:prstGeom>
-          <a:ln>
-            <a:solidFill>
-              <a:srgbClr val="00B050"/>
-            </a:solidFill>
-          </a:ln>
-        </p:spPr>
-        <p:style>
-          <a:lnRef idx="1">
-            <a:schemeClr val="accent1"/>
-          </a:lnRef>
-          <a:fillRef idx="0">
-            <a:schemeClr val="accent1"/>
-          </a:fillRef>
-          <a:effectRef idx="0">
-            <a:schemeClr val="accent1"/>
-          </a:effectRef>
-          <a:fontRef idx="minor">
-            <a:schemeClr val="tx1"/>
-          </a:fontRef>
-        </p:style>
-      </p:cxnSp>
-      <p:cxnSp>
-        <p:nvCxnSpPr>
-          <p:cNvPr id="45" name="连接符: 曲线 44">
-            <a:extLst>
-              <a:ext uri="{FF2B5EF4-FFF2-40B4-BE49-F238E27FC236}">
-                <a16:creationId xmlns:a16="http://schemas.microsoft.com/office/drawing/2014/main" id="{5D3F8CFE-DBCF-046F-664F-113FAF52BAEB}"/>
-              </a:ext>
-            </a:extLst>
-          </p:cNvPr>
-          <p:cNvCxnSpPr>
-            <a:cxnSpLocks/>
-            <a:stCxn id="9" idx="1"/>
-            <a:endCxn id="4" idx="3"/>
-          </p:cNvCxnSpPr>
-          <p:nvPr/>
-        </p:nvCxnSpPr>
-        <p:spPr>
-          <a:xfrm rot="10800000" flipV="1">
-            <a:off x="5139110" y="3475084"/>
-            <a:ext cx="116415" cy="370258"/>
-          </a:xfrm>
-          <a:prstGeom prst="curvedConnector3">
-            <a:avLst>
-              <a:gd name="adj1" fmla="val 50000"/>
-            </a:avLst>
-          </a:prstGeom>
-          <a:ln>
-            <a:solidFill>
-              <a:srgbClr val="00B050"/>
-            </a:solidFill>
-          </a:ln>
-        </p:spPr>
-        <p:style>
-          <a:lnRef idx="1">
-            <a:schemeClr val="accent1"/>
-          </a:lnRef>
-          <a:fillRef idx="0">
-            <a:schemeClr val="accent1"/>
-          </a:fillRef>
-          <a:effectRef idx="0">
-            <a:schemeClr val="accent1"/>
-          </a:effectRef>
-          <a:fontRef idx="minor">
-            <a:schemeClr val="tx1"/>
-          </a:fontRef>
-        </p:style>
-      </p:cxnSp>
-    </p:spTree>
-    <p:extLst>
-      <p:ext uri="{BB962C8B-B14F-4D97-AF65-F5344CB8AC3E}">
-        <p14:creationId xmlns:p14="http://schemas.microsoft.com/office/powerpoint/2010/main" val="3831931234"/>
       </p:ext>
     </p:extLst>
   </p:cSld>

--- a/utils/file/charts.pptx
+++ b/utils/file/charts.pptx
@@ -5,19 +5,20 @@
     <p:sldMasterId id="2147483648" r:id="rId1"/>
   </p:sldMasterIdLst>
   <p:sldIdLst>
-    <p:sldId id="258" r:id="rId2"/>
-    <p:sldId id="259" r:id="rId3"/>
-    <p:sldId id="260" r:id="rId4"/>
-    <p:sldId id="269" r:id="rId5"/>
-    <p:sldId id="261" r:id="rId6"/>
-    <p:sldId id="262" r:id="rId7"/>
-    <p:sldId id="263" r:id="rId8"/>
-    <p:sldId id="265" r:id="rId9"/>
-    <p:sldId id="266" r:id="rId10"/>
-    <p:sldId id="267" r:id="rId11"/>
-    <p:sldId id="268" r:id="rId12"/>
-    <p:sldId id="264" r:id="rId13"/>
-    <p:sldId id="256" r:id="rId14"/>
+    <p:sldId id="270" r:id="rId2"/>
+    <p:sldId id="258" r:id="rId3"/>
+    <p:sldId id="259" r:id="rId4"/>
+    <p:sldId id="260" r:id="rId5"/>
+    <p:sldId id="269" r:id="rId6"/>
+    <p:sldId id="261" r:id="rId7"/>
+    <p:sldId id="262" r:id="rId8"/>
+    <p:sldId id="263" r:id="rId9"/>
+    <p:sldId id="265" r:id="rId10"/>
+    <p:sldId id="266" r:id="rId11"/>
+    <p:sldId id="267" r:id="rId12"/>
+    <p:sldId id="268" r:id="rId13"/>
+    <p:sldId id="264" r:id="rId14"/>
+    <p:sldId id="256" r:id="rId15"/>
   </p:sldIdLst>
   <p:sldSz cx="12192000" cy="6858000"/>
   <p:notesSz cx="6858000" cy="9144000"/>
@@ -271,7 +272,7 @@
           <a:p>
             <a:fld id="{C0F7C65B-F23F-479A-8AFF-E7E0FC962F06}" type="datetimeFigureOut">
               <a:rPr lang="zh-CN" altLang="en-US" smtClean="0"/>
-              <a:t>2025/6/20</a:t>
+              <a:t>2025/6/21</a:t>
             </a:fld>
             <a:endParaRPr lang="zh-CN" altLang="en-US"/>
           </a:p>
@@ -469,7 +470,7 @@
           <a:p>
             <a:fld id="{C0F7C65B-F23F-479A-8AFF-E7E0FC962F06}" type="datetimeFigureOut">
               <a:rPr lang="zh-CN" altLang="en-US" smtClean="0"/>
-              <a:t>2025/6/20</a:t>
+              <a:t>2025/6/21</a:t>
             </a:fld>
             <a:endParaRPr lang="zh-CN" altLang="en-US"/>
           </a:p>
@@ -677,7 +678,7 @@
           <a:p>
             <a:fld id="{C0F7C65B-F23F-479A-8AFF-E7E0FC962F06}" type="datetimeFigureOut">
               <a:rPr lang="zh-CN" altLang="en-US" smtClean="0"/>
-              <a:t>2025/6/20</a:t>
+              <a:t>2025/6/21</a:t>
             </a:fld>
             <a:endParaRPr lang="zh-CN" altLang="en-US"/>
           </a:p>
@@ -875,7 +876,7 @@
           <a:p>
             <a:fld id="{C0F7C65B-F23F-479A-8AFF-E7E0FC962F06}" type="datetimeFigureOut">
               <a:rPr lang="zh-CN" altLang="en-US" smtClean="0"/>
-              <a:t>2025/6/20</a:t>
+              <a:t>2025/6/21</a:t>
             </a:fld>
             <a:endParaRPr lang="zh-CN" altLang="en-US"/>
           </a:p>
@@ -1150,7 +1151,7 @@
           <a:p>
             <a:fld id="{C0F7C65B-F23F-479A-8AFF-E7E0FC962F06}" type="datetimeFigureOut">
               <a:rPr lang="zh-CN" altLang="en-US" smtClean="0"/>
-              <a:t>2025/6/20</a:t>
+              <a:t>2025/6/21</a:t>
             </a:fld>
             <a:endParaRPr lang="zh-CN" altLang="en-US"/>
           </a:p>
@@ -1415,7 +1416,7 @@
           <a:p>
             <a:fld id="{C0F7C65B-F23F-479A-8AFF-E7E0FC962F06}" type="datetimeFigureOut">
               <a:rPr lang="zh-CN" altLang="en-US" smtClean="0"/>
-              <a:t>2025/6/20</a:t>
+              <a:t>2025/6/21</a:t>
             </a:fld>
             <a:endParaRPr lang="zh-CN" altLang="en-US"/>
           </a:p>
@@ -1827,7 +1828,7 @@
           <a:p>
             <a:fld id="{C0F7C65B-F23F-479A-8AFF-E7E0FC962F06}" type="datetimeFigureOut">
               <a:rPr lang="zh-CN" altLang="en-US" smtClean="0"/>
-              <a:t>2025/6/20</a:t>
+              <a:t>2025/6/21</a:t>
             </a:fld>
             <a:endParaRPr lang="zh-CN" altLang="en-US"/>
           </a:p>
@@ -1968,7 +1969,7 @@
           <a:p>
             <a:fld id="{C0F7C65B-F23F-479A-8AFF-E7E0FC962F06}" type="datetimeFigureOut">
               <a:rPr lang="zh-CN" altLang="en-US" smtClean="0"/>
-              <a:t>2025/6/20</a:t>
+              <a:t>2025/6/21</a:t>
             </a:fld>
             <a:endParaRPr lang="zh-CN" altLang="en-US"/>
           </a:p>
@@ -2081,7 +2082,7 @@
           <a:p>
             <a:fld id="{C0F7C65B-F23F-479A-8AFF-E7E0FC962F06}" type="datetimeFigureOut">
               <a:rPr lang="zh-CN" altLang="en-US" smtClean="0"/>
-              <a:t>2025/6/20</a:t>
+              <a:t>2025/6/21</a:t>
             </a:fld>
             <a:endParaRPr lang="zh-CN" altLang="en-US"/>
           </a:p>
@@ -2392,7 +2393,7 @@
           <a:p>
             <a:fld id="{C0F7C65B-F23F-479A-8AFF-E7E0FC962F06}" type="datetimeFigureOut">
               <a:rPr lang="zh-CN" altLang="en-US" smtClean="0"/>
-              <a:t>2025/6/20</a:t>
+              <a:t>2025/6/21</a:t>
             </a:fld>
             <a:endParaRPr lang="zh-CN" altLang="en-US"/>
           </a:p>
@@ -2680,7 +2681,7 @@
           <a:p>
             <a:fld id="{C0F7C65B-F23F-479A-8AFF-E7E0FC962F06}" type="datetimeFigureOut">
               <a:rPr lang="zh-CN" altLang="en-US" smtClean="0"/>
-              <a:t>2025/6/20</a:t>
+              <a:t>2025/6/21</a:t>
             </a:fld>
             <a:endParaRPr lang="zh-CN" altLang="en-US"/>
           </a:p>
@@ -2921,7 +2922,7 @@
           <a:p>
             <a:fld id="{C0F7C65B-F23F-479A-8AFF-E7E0FC962F06}" type="datetimeFigureOut">
               <a:rPr lang="zh-CN" altLang="en-US" smtClean="0"/>
-              <a:t>2025/6/20</a:t>
+              <a:t>2025/6/21</a:t>
             </a:fld>
             <a:endParaRPr lang="zh-CN" altLang="en-US"/>
           </a:p>
@@ -3338,1197 +3339,264 @@
           <a:chExt cx="0" cy="0"/>
         </a:xfrm>
       </p:grpSpPr>
+      <p:pic>
+        <p:nvPicPr>
+          <p:cNvPr id="3" name="Picture 2">
+            <a:extLst>
+              <a:ext uri="{FF2B5EF4-FFF2-40B4-BE49-F238E27FC236}">
+                <a16:creationId xmlns:a16="http://schemas.microsoft.com/office/drawing/2014/main" id="{12784C53-BFA5-5113-457B-3F9CFE00985E}"/>
+              </a:ext>
+            </a:extLst>
+          </p:cNvPr>
+          <p:cNvPicPr>
+            <a:picLocks noChangeAspect="1"/>
+          </p:cNvPicPr>
+          <p:nvPr/>
+        </p:nvPicPr>
+        <p:blipFill>
+          <a:blip r:embed="rId2">
+            <a:extLst>
+              <a:ext uri="{28A0092B-C50C-407E-A947-70E740481C1C}">
+                <a14:useLocalDpi xmlns:a14="http://schemas.microsoft.com/office/drawing/2010/main" val="0"/>
+              </a:ext>
+            </a:extLst>
+          </a:blip>
+          <a:stretch>
+            <a:fillRect/>
+          </a:stretch>
+        </p:blipFill>
+        <p:spPr>
+          <a:xfrm>
+            <a:off x="4167554" y="0"/>
+            <a:ext cx="3856892" cy="6858000"/>
+          </a:xfrm>
+          <a:prstGeom prst="rect">
+            <a:avLst/>
+          </a:prstGeom>
+        </p:spPr>
+      </p:pic>
       <p:sp>
         <p:nvSpPr>
-          <p:cNvPr id="2" name="矩形: 圆角 1">
-            <a:extLst>
-              <a:ext uri="{FF2B5EF4-FFF2-40B4-BE49-F238E27FC236}">
-                <a16:creationId xmlns:a16="http://schemas.microsoft.com/office/drawing/2014/main" id="{797F6B51-F2A4-1F52-B525-B119B11E43B7}"/>
-              </a:ext>
-            </a:extLst>
-          </p:cNvPr>
-          <p:cNvSpPr/>
+          <p:cNvPr id="4" name="TextBox 3">
+            <a:extLst>
+              <a:ext uri="{FF2B5EF4-FFF2-40B4-BE49-F238E27FC236}">
+                <a16:creationId xmlns:a16="http://schemas.microsoft.com/office/drawing/2014/main" id="{99B6DCC9-8EA6-6763-1964-406022EB4852}"/>
+              </a:ext>
+            </a:extLst>
+          </p:cNvPr>
+          <p:cNvSpPr txBox="1"/>
           <p:nvPr/>
         </p:nvSpPr>
         <p:spPr>
           <a:xfrm>
-            <a:off x="2611582" y="3141518"/>
-            <a:ext cx="1080000" cy="216000"/>
-          </a:xfrm>
-          <a:prstGeom prst="roundRect">
+            <a:off x="7347338" y="4212076"/>
+            <a:ext cx="677108" cy="913070"/>
+          </a:xfrm>
+          <a:prstGeom prst="rect">
             <a:avLst/>
           </a:prstGeom>
-          <a:solidFill>
-            <a:schemeClr val="tx1"/>
-          </a:solidFill>
-          <a:ln w="12700">
-            <a:solidFill>
-              <a:schemeClr val="bg2">
-                <a:lumMod val="50000"/>
-              </a:schemeClr>
-            </a:solidFill>
-          </a:ln>
-        </p:spPr>
-        <p:style>
-          <a:lnRef idx="2">
-            <a:schemeClr val="accent1">
-              <a:shade val="15000"/>
-            </a:schemeClr>
-          </a:lnRef>
-          <a:fillRef idx="1">
-            <a:schemeClr val="accent1"/>
-          </a:fillRef>
-          <a:effectRef idx="0">
-            <a:schemeClr val="accent1"/>
-          </a:effectRef>
-          <a:fontRef idx="minor">
-            <a:schemeClr val="lt1"/>
-          </a:fontRef>
-        </p:style>
+          <a:noFill/>
+        </p:spPr>
         <p:txBody>
-          <a:bodyPr rtlCol="0" anchor="ctr"/>
+          <a:bodyPr vert="eaVert" wrap="none" rtlCol="0">
+            <a:spAutoFit/>
+          </a:bodyPr>
           <a:lstStyle/>
           <a:p>
-            <a:pPr algn="ctr"/>
             <a:r>
-              <a:rPr lang="en-US" altLang="zh-CN" sz="800">
-                <a:latin typeface="Quicksand Medium" panose="00000600000000000000" pitchFamily="2" charset="0"/>
+              <a:rPr lang="zh-CN" altLang="en-US" sz="3200">
+                <a:solidFill>
+                  <a:schemeClr val="bg1"/>
+                </a:solidFill>
+                <a:effectLst>
+                  <a:outerShdw blurRad="50800" dist="38100" dir="2700000" algn="tl" rotWithShape="0">
+                    <a:prstClr val="black">
+                      <a:alpha val="40000"/>
+                    </a:prstClr>
+                  </a:outerShdw>
+                </a:effectLst>
+                <a:latin typeface="禹卫行书字体" panose="02000603000000000000" pitchFamily="2" charset="-122"/>
+                <a:ea typeface="禹卫行书字体" panose="02000603000000000000" pitchFamily="2" charset="-122"/>
               </a:rPr>
-              <a:t>&lt;table&gt;</a:t>
+              <a:t>夏至</a:t>
             </a:r>
-            <a:endParaRPr lang="zh-CN" altLang="en-US" sz="800">
-              <a:latin typeface="Quicksand Medium" panose="00000600000000000000" pitchFamily="2" charset="0"/>
-            </a:endParaRPr>
           </a:p>
         </p:txBody>
       </p:sp>
       <p:sp>
         <p:nvSpPr>
-          <p:cNvPr id="3" name="矩形: 圆角 2">
-            <a:extLst>
-              <a:ext uri="{FF2B5EF4-FFF2-40B4-BE49-F238E27FC236}">
-                <a16:creationId xmlns:a16="http://schemas.microsoft.com/office/drawing/2014/main" id="{F73B3E66-69AB-3336-40D5-F3BEDEE3263A}"/>
-              </a:ext>
-            </a:extLst>
-          </p:cNvPr>
-          <p:cNvSpPr/>
+          <p:cNvPr id="5" name="TextBox 4">
+            <a:extLst>
+              <a:ext uri="{FF2B5EF4-FFF2-40B4-BE49-F238E27FC236}">
+                <a16:creationId xmlns:a16="http://schemas.microsoft.com/office/drawing/2014/main" id="{3599556A-7089-80ED-2E2C-F18382A2D073}"/>
+              </a:ext>
+            </a:extLst>
+          </p:cNvPr>
+          <p:cNvSpPr txBox="1"/>
           <p:nvPr/>
         </p:nvSpPr>
         <p:spPr>
           <a:xfrm>
-            <a:off x="3927709" y="1963112"/>
-            <a:ext cx="900000" cy="216000"/>
-          </a:xfrm>
-          <a:prstGeom prst="roundRect">
+            <a:off x="6918144" y="5897577"/>
+            <a:ext cx="1019831" cy="276999"/>
+          </a:xfrm>
+          <a:prstGeom prst="rect">
             <a:avLst/>
           </a:prstGeom>
-          <a:solidFill>
-            <a:srgbClr val="4472C4">
-              <a:alpha val="89804"/>
-            </a:srgbClr>
-          </a:solidFill>
-          <a:ln w="12700">
-            <a:solidFill>
-              <a:schemeClr val="accent1">
-                <a:lumMod val="60000"/>
-                <a:lumOff val="40000"/>
-              </a:schemeClr>
-            </a:solidFill>
-          </a:ln>
-        </p:spPr>
-        <p:style>
-          <a:lnRef idx="2">
-            <a:schemeClr val="accent1">
-              <a:shade val="15000"/>
-            </a:schemeClr>
-          </a:lnRef>
-          <a:fillRef idx="1">
-            <a:schemeClr val="accent1"/>
-          </a:fillRef>
-          <a:effectRef idx="0">
-            <a:schemeClr val="accent1"/>
-          </a:effectRef>
-          <a:fontRef idx="minor">
-            <a:schemeClr val="lt1"/>
-          </a:fontRef>
-        </p:style>
+          <a:noFill/>
+        </p:spPr>
         <p:txBody>
-          <a:bodyPr rtlCol="0" anchor="ctr"/>
+          <a:bodyPr wrap="none" rtlCol="0">
+            <a:spAutoFit/>
+          </a:bodyPr>
           <a:lstStyle/>
           <a:p>
-            <a:pPr algn="ctr"/>
             <a:r>
-              <a:rPr lang="en-US" altLang="zh-CN" sz="800">
-                <a:latin typeface="Quicksand" panose="00000500000000000000" pitchFamily="2" charset="0"/>
+              <a:rPr lang="en-US" altLang="zh-CN" sz="1200" i="1">
+                <a:solidFill>
+                  <a:schemeClr val="bg1"/>
+                </a:solidFill>
+                <a:latin typeface="Poppins" panose="00000500000000000000" pitchFamily="2" charset="0"/>
+                <a:cs typeface="Poppins" panose="00000500000000000000" pitchFamily="2" charset="0"/>
               </a:rPr>
-              <a:t>&lt;caption&gt;</a:t>
+              <a:t>2025-06-21</a:t>
             </a:r>
-            <a:endParaRPr lang="zh-CN" altLang="en-US" sz="800">
-              <a:latin typeface="Quicksand" panose="00000500000000000000" pitchFamily="2" charset="0"/>
+            <a:endParaRPr lang="zh-CN" altLang="en-US" sz="1200" i="1">
+              <a:solidFill>
+                <a:schemeClr val="bg1"/>
+              </a:solidFill>
+              <a:latin typeface="Poppins" panose="00000500000000000000" pitchFamily="2" charset="0"/>
+              <a:cs typeface="Poppins" panose="00000500000000000000" pitchFamily="2" charset="0"/>
             </a:endParaRPr>
           </a:p>
         </p:txBody>
       </p:sp>
       <p:sp>
         <p:nvSpPr>
-          <p:cNvPr id="4" name="矩形: 圆角 3">
-            <a:extLst>
-              <a:ext uri="{FF2B5EF4-FFF2-40B4-BE49-F238E27FC236}">
-                <a16:creationId xmlns:a16="http://schemas.microsoft.com/office/drawing/2014/main" id="{0596E695-765B-68B5-C900-FFE2E7915C23}"/>
-              </a:ext>
-            </a:extLst>
-          </p:cNvPr>
-          <p:cNvSpPr/>
+          <p:cNvPr id="6" name="TextBox 5">
+            <a:extLst>
+              <a:ext uri="{FF2B5EF4-FFF2-40B4-BE49-F238E27FC236}">
+                <a16:creationId xmlns:a16="http://schemas.microsoft.com/office/drawing/2014/main" id="{227B2CA7-30FB-4CAE-F9F4-C1672E6C3BC0}"/>
+              </a:ext>
+            </a:extLst>
+          </p:cNvPr>
+          <p:cNvSpPr txBox="1"/>
           <p:nvPr/>
         </p:nvSpPr>
         <p:spPr>
           <a:xfrm>
-            <a:off x="3927709" y="2748716"/>
-            <a:ext cx="900000" cy="216000"/>
-          </a:xfrm>
-          <a:prstGeom prst="roundRect">
+            <a:off x="8696528" y="2636196"/>
+            <a:ext cx="45719" cy="369332"/>
+          </a:xfrm>
+          <a:prstGeom prst="rect">
             <a:avLst/>
           </a:prstGeom>
-          <a:solidFill>
-            <a:srgbClr val="F6A04D">
-              <a:alpha val="89804"/>
-            </a:srgbClr>
-          </a:solidFill>
-          <a:ln w="12700">
-            <a:solidFill>
-              <a:srgbClr val="F9BE83"/>
-            </a:solidFill>
-          </a:ln>
-        </p:spPr>
-        <p:style>
-          <a:lnRef idx="2">
-            <a:schemeClr val="accent1">
-              <a:shade val="15000"/>
-            </a:schemeClr>
-          </a:lnRef>
-          <a:fillRef idx="1">
-            <a:schemeClr val="accent1"/>
-          </a:fillRef>
-          <a:effectRef idx="0">
-            <a:schemeClr val="accent1"/>
-          </a:effectRef>
-          <a:fontRef idx="minor">
-            <a:schemeClr val="lt1"/>
-          </a:fontRef>
-        </p:style>
+          <a:noFill/>
+        </p:spPr>
         <p:txBody>
-          <a:bodyPr rtlCol="0" anchor="ctr"/>
+          <a:bodyPr wrap="square" rtlCol="0">
+            <a:spAutoFit/>
+          </a:bodyPr>
           <a:lstStyle/>
           <a:p>
-            <a:pPr algn="ctr"/>
-            <a:r>
-              <a:rPr lang="en-US" altLang="zh-CN" sz="800">
-                <a:latin typeface="Quicksand" panose="00000500000000000000" pitchFamily="2" charset="0"/>
-              </a:rPr>
-              <a:t>&lt;thead&gt;</a:t>
-            </a:r>
-            <a:endParaRPr lang="zh-CN" altLang="en-US" sz="800">
-              <a:latin typeface="Quicksand" panose="00000500000000000000" pitchFamily="2" charset="0"/>
-            </a:endParaRPr>
+            <a:endParaRPr lang="zh-CN" altLang="en-US"/>
           </a:p>
         </p:txBody>
       </p:sp>
       <p:sp>
         <p:nvSpPr>
-          <p:cNvPr id="5" name="矩形: 圆角 4">
-            <a:extLst>
-              <a:ext uri="{FF2B5EF4-FFF2-40B4-BE49-F238E27FC236}">
-                <a16:creationId xmlns:a16="http://schemas.microsoft.com/office/drawing/2014/main" id="{02EB47C9-057A-4EF8-A2BF-4D0134159B27}"/>
-              </a:ext>
-            </a:extLst>
-          </p:cNvPr>
-          <p:cNvSpPr/>
+          <p:cNvPr id="7" name="TextBox 6">
+            <a:extLst>
+              <a:ext uri="{FF2B5EF4-FFF2-40B4-BE49-F238E27FC236}">
+                <a16:creationId xmlns:a16="http://schemas.microsoft.com/office/drawing/2014/main" id="{0DEDD46D-A02D-8965-5D8E-02F25216A25B}"/>
+              </a:ext>
+            </a:extLst>
+          </p:cNvPr>
+          <p:cNvSpPr txBox="1"/>
           <p:nvPr/>
         </p:nvSpPr>
         <p:spPr>
           <a:xfrm>
-            <a:off x="3927709" y="3534320"/>
-            <a:ext cx="900000" cy="216000"/>
-          </a:xfrm>
-          <a:prstGeom prst="roundRect">
+            <a:off x="5907727" y="5236431"/>
+            <a:ext cx="2030248" cy="738664"/>
+          </a:xfrm>
+          <a:prstGeom prst="rect">
             <a:avLst/>
           </a:prstGeom>
-          <a:solidFill>
-            <a:srgbClr val="F9423A">
-              <a:alpha val="89804"/>
-            </a:srgbClr>
-          </a:solidFill>
-          <a:ln w="12700">
-            <a:solidFill>
-              <a:srgbClr val="FB746D"/>
-            </a:solidFill>
-          </a:ln>
-        </p:spPr>
-        <p:style>
-          <a:lnRef idx="2">
-            <a:schemeClr val="accent1">
-              <a:shade val="15000"/>
-            </a:schemeClr>
-          </a:lnRef>
-          <a:fillRef idx="1">
-            <a:schemeClr val="accent1"/>
-          </a:fillRef>
-          <a:effectRef idx="0">
-            <a:schemeClr val="accent1"/>
-          </a:effectRef>
-          <a:fontRef idx="minor">
-            <a:schemeClr val="lt1"/>
-          </a:fontRef>
-        </p:style>
+          <a:noFill/>
+        </p:spPr>
         <p:txBody>
-          <a:bodyPr rtlCol="0" anchor="ctr"/>
+          <a:bodyPr wrap="square" rtlCol="0">
+            <a:spAutoFit/>
+          </a:bodyPr>
           <a:lstStyle/>
           <a:p>
-            <a:pPr algn="ctr"/>
+            <a:pPr algn="just"/>
             <a:r>
-              <a:rPr lang="en-US" altLang="zh-CN" sz="800">
-                <a:latin typeface="Quicksand" panose="00000500000000000000" pitchFamily="2" charset="0"/>
+              <a:rPr lang="zh-CN" altLang="en-US" sz="1400">
+                <a:solidFill>
+                  <a:schemeClr val="bg1"/>
+                </a:solidFill>
+                <a:latin typeface="Microsoft YaHei Light" panose="020B0502040204020203" pitchFamily="34" charset="-122"/>
+                <a:ea typeface="Microsoft YaHei Light" panose="020B0502040204020203" pitchFamily="34" charset="-122"/>
               </a:rPr>
-              <a:t>&lt;tbody&gt;</a:t>
+              <a:t>祭神祀祖、观莲节、吃夏至面、放荷灯、消夏避伏</a:t>
             </a:r>
-            <a:endParaRPr lang="zh-CN" altLang="en-US" sz="800">
-              <a:latin typeface="Quicksand" panose="00000500000000000000" pitchFamily="2" charset="0"/>
-            </a:endParaRPr>
           </a:p>
         </p:txBody>
       </p:sp>
       <p:sp>
         <p:nvSpPr>
-          <p:cNvPr id="6" name="矩形: 圆角 5">
-            <a:extLst>
-              <a:ext uri="{FF2B5EF4-FFF2-40B4-BE49-F238E27FC236}">
-                <a16:creationId xmlns:a16="http://schemas.microsoft.com/office/drawing/2014/main" id="{9A98E275-1E96-FAB7-F617-AE6834538469}"/>
-              </a:ext>
-            </a:extLst>
-          </p:cNvPr>
-          <p:cNvSpPr/>
+          <p:cNvPr id="8" name="TextBox 7">
+            <a:extLst>
+              <a:ext uri="{FF2B5EF4-FFF2-40B4-BE49-F238E27FC236}">
+                <a16:creationId xmlns:a16="http://schemas.microsoft.com/office/drawing/2014/main" id="{E610FF4D-EE92-3A21-3B40-7E1C70EE290E}"/>
+              </a:ext>
+            </a:extLst>
+          </p:cNvPr>
+          <p:cNvSpPr txBox="1"/>
           <p:nvPr/>
         </p:nvSpPr>
         <p:spPr>
           <a:xfrm>
-            <a:off x="3927709" y="4319925"/>
-            <a:ext cx="900000" cy="216000"/>
-          </a:xfrm>
-          <a:prstGeom prst="roundRect">
+            <a:off x="5820578" y="4637235"/>
+            <a:ext cx="1608133" cy="707886"/>
+          </a:xfrm>
+          <a:prstGeom prst="rect">
             <a:avLst/>
           </a:prstGeom>
-          <a:solidFill>
-            <a:srgbClr val="00BC7B">
-              <a:alpha val="89804"/>
-            </a:srgbClr>
-          </a:solidFill>
-          <a:ln w="12700">
-            <a:solidFill>
-              <a:srgbClr val="00DA8C"/>
-            </a:solidFill>
-          </a:ln>
-        </p:spPr>
-        <p:style>
-          <a:lnRef idx="2">
-            <a:schemeClr val="accent1">
-              <a:shade val="15000"/>
-            </a:schemeClr>
-          </a:lnRef>
-          <a:fillRef idx="1">
-            <a:schemeClr val="accent1"/>
-          </a:fillRef>
-          <a:effectRef idx="0">
-            <a:schemeClr val="accent1"/>
-          </a:effectRef>
-          <a:fontRef idx="minor">
-            <a:schemeClr val="lt1"/>
-          </a:fontRef>
-        </p:style>
+          <a:noFill/>
+        </p:spPr>
         <p:txBody>
-          <a:bodyPr rtlCol="0" anchor="ctr"/>
+          <a:bodyPr wrap="none" rtlCol="0">
+            <a:spAutoFit/>
+          </a:bodyPr>
           <a:lstStyle/>
           <a:p>
-            <a:pPr algn="ctr"/>
             <a:r>
-              <a:rPr lang="en-US" altLang="zh-CN" sz="800">
-                <a:latin typeface="Quicksand" panose="00000500000000000000" pitchFamily="2" charset="0"/>
+              <a:rPr lang="en-US" altLang="zh-CN" sz="4000">
+                <a:solidFill>
+                  <a:schemeClr val="bg1"/>
+                </a:solidFill>
+                <a:latin typeface="Great Vibes" panose="02000507080000020002" pitchFamily="2" charset="0"/>
+                <a:cs typeface="Poppins" panose="00000500000000000000" pitchFamily="2" charset="0"/>
               </a:rPr>
-              <a:t>&lt;tfoot&gt;</a:t>
+              <a:t>Summer</a:t>
             </a:r>
-            <a:endParaRPr lang="zh-CN" altLang="en-US" sz="800">
-              <a:latin typeface="Quicksand" panose="00000500000000000000" pitchFamily="2" charset="0"/>
+            <a:endParaRPr lang="zh-CN" altLang="en-US" sz="4000">
+              <a:solidFill>
+                <a:schemeClr val="bg1"/>
+              </a:solidFill>
+              <a:latin typeface="Great Vibes" panose="02000507080000020002" pitchFamily="2" charset="0"/>
+              <a:cs typeface="Poppins" panose="00000500000000000000" pitchFamily="2" charset="0"/>
             </a:endParaRPr>
           </a:p>
         </p:txBody>
       </p:sp>
-      <p:sp>
-        <p:nvSpPr>
-          <p:cNvPr id="7" name="矩形: 圆角 6">
-            <a:extLst>
-              <a:ext uri="{FF2B5EF4-FFF2-40B4-BE49-F238E27FC236}">
-                <a16:creationId xmlns:a16="http://schemas.microsoft.com/office/drawing/2014/main" id="{1364CE8F-F9FF-ED29-6F39-C09735082C89}"/>
-              </a:ext>
-            </a:extLst>
-          </p:cNvPr>
-          <p:cNvSpPr/>
-          <p:nvPr/>
-        </p:nvSpPr>
-        <p:spPr>
-          <a:xfrm>
-            <a:off x="4988680" y="2563091"/>
-            <a:ext cx="720000" cy="216000"/>
-          </a:xfrm>
-          <a:prstGeom prst="roundRect">
-            <a:avLst/>
-          </a:prstGeom>
-          <a:solidFill>
-            <a:srgbClr val="FDECDB">
-              <a:alpha val="89804"/>
-            </a:srgbClr>
-          </a:solidFill>
-          <a:ln w="12700">
-            <a:solidFill>
-              <a:srgbClr val="FDECDB"/>
-            </a:solidFill>
-          </a:ln>
-        </p:spPr>
-        <p:style>
-          <a:lnRef idx="2">
-            <a:schemeClr val="accent1">
-              <a:shade val="15000"/>
-            </a:schemeClr>
-          </a:lnRef>
-          <a:fillRef idx="1">
-            <a:schemeClr val="accent1"/>
-          </a:fillRef>
-          <a:effectRef idx="0">
-            <a:schemeClr val="accent1"/>
-          </a:effectRef>
-          <a:fontRef idx="minor">
-            <a:schemeClr val="lt1"/>
-          </a:fontRef>
-        </p:style>
-        <p:txBody>
-          <a:bodyPr rtlCol="0" anchor="ctr"/>
-          <a:lstStyle/>
-          <a:p>
-            <a:pPr algn="ctr"/>
-            <a:r>
-              <a:rPr lang="en-US" altLang="zh-CN" sz="800">
-                <a:solidFill>
-                  <a:sysClr val="windowText" lastClr="000000"/>
-                </a:solidFill>
-                <a:latin typeface="Quicksand Light" panose="00000400000000000000" pitchFamily="2" charset="0"/>
-              </a:rPr>
-              <a:t>&lt;tr&gt;</a:t>
-            </a:r>
-            <a:endParaRPr lang="zh-CN" altLang="en-US" sz="800">
-              <a:solidFill>
-                <a:sysClr val="windowText" lastClr="000000"/>
-              </a:solidFill>
-              <a:latin typeface="Quicksand Light" panose="00000400000000000000" pitchFamily="2" charset="0"/>
-            </a:endParaRPr>
-          </a:p>
-        </p:txBody>
-      </p:sp>
-      <p:sp>
-        <p:nvSpPr>
-          <p:cNvPr id="8" name="矩形: 圆角 7">
-            <a:extLst>
-              <a:ext uri="{FF2B5EF4-FFF2-40B4-BE49-F238E27FC236}">
-                <a16:creationId xmlns:a16="http://schemas.microsoft.com/office/drawing/2014/main" id="{41E16CF2-21EE-CCD8-6CF8-C9DF7E974007}"/>
-              </a:ext>
-            </a:extLst>
-          </p:cNvPr>
-          <p:cNvSpPr/>
-          <p:nvPr/>
-        </p:nvSpPr>
-        <p:spPr>
-          <a:xfrm>
-            <a:off x="4988680" y="2902528"/>
-            <a:ext cx="720000" cy="216000"/>
-          </a:xfrm>
-          <a:prstGeom prst="roundRect">
-            <a:avLst/>
-          </a:prstGeom>
-          <a:solidFill>
-            <a:srgbClr val="FDECDB">
-              <a:alpha val="89804"/>
-            </a:srgbClr>
-          </a:solidFill>
-          <a:ln w="12700">
-            <a:solidFill>
-              <a:srgbClr val="FDECDB"/>
-            </a:solidFill>
-          </a:ln>
-        </p:spPr>
-        <p:style>
-          <a:lnRef idx="2">
-            <a:schemeClr val="accent1">
-              <a:shade val="15000"/>
-            </a:schemeClr>
-          </a:lnRef>
-          <a:fillRef idx="1">
-            <a:schemeClr val="accent1"/>
-          </a:fillRef>
-          <a:effectRef idx="0">
-            <a:schemeClr val="accent1"/>
-          </a:effectRef>
-          <a:fontRef idx="minor">
-            <a:schemeClr val="lt1"/>
-          </a:fontRef>
-        </p:style>
-        <p:txBody>
-          <a:bodyPr rtlCol="0" anchor="ctr"/>
-          <a:lstStyle/>
-          <a:p>
-            <a:pPr algn="ctr"/>
-            <a:r>
-              <a:rPr lang="en-US" altLang="zh-CN" sz="800">
-                <a:solidFill>
-                  <a:sysClr val="windowText" lastClr="000000"/>
-                </a:solidFill>
-                <a:latin typeface="Quicksand Light" panose="00000400000000000000" pitchFamily="2" charset="0"/>
-              </a:rPr>
-              <a:t>&lt;th&gt;</a:t>
-            </a:r>
-            <a:endParaRPr lang="zh-CN" altLang="en-US" sz="800">
-              <a:solidFill>
-                <a:sysClr val="windowText" lastClr="000000"/>
-              </a:solidFill>
-              <a:latin typeface="Quicksand Light" panose="00000400000000000000" pitchFamily="2" charset="0"/>
-            </a:endParaRPr>
-          </a:p>
-        </p:txBody>
-      </p:sp>
-      <p:sp>
-        <p:nvSpPr>
-          <p:cNvPr id="9" name="矩形: 圆角 8">
-            <a:extLst>
-              <a:ext uri="{FF2B5EF4-FFF2-40B4-BE49-F238E27FC236}">
-                <a16:creationId xmlns:a16="http://schemas.microsoft.com/office/drawing/2014/main" id="{F36CB3ED-C818-AA5A-27A7-5D321CF65E6F}"/>
-              </a:ext>
-            </a:extLst>
-          </p:cNvPr>
-          <p:cNvSpPr/>
-          <p:nvPr/>
-        </p:nvSpPr>
-        <p:spPr>
-          <a:xfrm>
-            <a:off x="4988680" y="3380509"/>
-            <a:ext cx="720000" cy="216000"/>
-          </a:xfrm>
-          <a:prstGeom prst="roundRect">
-            <a:avLst/>
-          </a:prstGeom>
-          <a:solidFill>
-            <a:srgbClr val="FED9D8">
-              <a:alpha val="89804"/>
-            </a:srgbClr>
-          </a:solidFill>
-          <a:ln w="12700">
-            <a:solidFill>
-              <a:srgbClr val="FED9D8"/>
-            </a:solidFill>
-          </a:ln>
-        </p:spPr>
-        <p:style>
-          <a:lnRef idx="2">
-            <a:schemeClr val="accent1">
-              <a:shade val="15000"/>
-            </a:schemeClr>
-          </a:lnRef>
-          <a:fillRef idx="1">
-            <a:schemeClr val="accent1"/>
-          </a:fillRef>
-          <a:effectRef idx="0">
-            <a:schemeClr val="accent1"/>
-          </a:effectRef>
-          <a:fontRef idx="minor">
-            <a:schemeClr val="lt1"/>
-          </a:fontRef>
-        </p:style>
-        <p:txBody>
-          <a:bodyPr rtlCol="0" anchor="ctr"/>
-          <a:lstStyle/>
-          <a:p>
-            <a:pPr algn="ctr"/>
-            <a:r>
-              <a:rPr lang="en-US" altLang="zh-CN" sz="800">
-                <a:solidFill>
-                  <a:sysClr val="windowText" lastClr="000000"/>
-                </a:solidFill>
-                <a:latin typeface="Quicksand Light" panose="00000400000000000000" pitchFamily="2" charset="0"/>
-              </a:rPr>
-              <a:t>&lt;tr&gt;</a:t>
-            </a:r>
-            <a:endParaRPr lang="zh-CN" altLang="en-US" sz="800">
-              <a:solidFill>
-                <a:sysClr val="windowText" lastClr="000000"/>
-              </a:solidFill>
-              <a:latin typeface="Quicksand Light" panose="00000400000000000000" pitchFamily="2" charset="0"/>
-            </a:endParaRPr>
-          </a:p>
-        </p:txBody>
-      </p:sp>
-      <p:sp>
-        <p:nvSpPr>
-          <p:cNvPr id="10" name="矩形: 圆角 9">
-            <a:extLst>
-              <a:ext uri="{FF2B5EF4-FFF2-40B4-BE49-F238E27FC236}">
-                <a16:creationId xmlns:a16="http://schemas.microsoft.com/office/drawing/2014/main" id="{4DF699C5-ADF4-C7BA-0E33-FD433133C491}"/>
-              </a:ext>
-            </a:extLst>
-          </p:cNvPr>
-          <p:cNvSpPr/>
-          <p:nvPr/>
-        </p:nvSpPr>
-        <p:spPr>
-          <a:xfrm>
-            <a:off x="4988680" y="3719946"/>
-            <a:ext cx="720000" cy="216000"/>
-          </a:xfrm>
-          <a:prstGeom prst="roundRect">
-            <a:avLst/>
-          </a:prstGeom>
-          <a:solidFill>
-            <a:srgbClr val="FED9D8">
-              <a:alpha val="89804"/>
-            </a:srgbClr>
-          </a:solidFill>
-          <a:ln w="12700">
-            <a:solidFill>
-              <a:srgbClr val="FED9D8"/>
-            </a:solidFill>
-          </a:ln>
-        </p:spPr>
-        <p:style>
-          <a:lnRef idx="2">
-            <a:schemeClr val="accent1">
-              <a:shade val="15000"/>
-            </a:schemeClr>
-          </a:lnRef>
-          <a:fillRef idx="1">
-            <a:schemeClr val="accent1"/>
-          </a:fillRef>
-          <a:effectRef idx="0">
-            <a:schemeClr val="accent1"/>
-          </a:effectRef>
-          <a:fontRef idx="minor">
-            <a:schemeClr val="lt1"/>
-          </a:fontRef>
-        </p:style>
-        <p:txBody>
-          <a:bodyPr rtlCol="0" anchor="ctr"/>
-          <a:lstStyle/>
-          <a:p>
-            <a:pPr algn="ctr"/>
-            <a:r>
-              <a:rPr lang="en-US" altLang="zh-CN" sz="800">
-                <a:solidFill>
-                  <a:sysClr val="windowText" lastClr="000000"/>
-                </a:solidFill>
-                <a:latin typeface="Quicksand Light" panose="00000400000000000000" pitchFamily="2" charset="0"/>
-              </a:rPr>
-              <a:t>&lt;td&gt;</a:t>
-            </a:r>
-            <a:endParaRPr lang="zh-CN" altLang="en-US" sz="800">
-              <a:solidFill>
-                <a:sysClr val="windowText" lastClr="000000"/>
-              </a:solidFill>
-              <a:latin typeface="Quicksand Light" panose="00000400000000000000" pitchFamily="2" charset="0"/>
-            </a:endParaRPr>
-          </a:p>
-        </p:txBody>
-      </p:sp>
-      <p:sp>
-        <p:nvSpPr>
-          <p:cNvPr id="11" name="矩形: 圆角 10">
-            <a:extLst>
-              <a:ext uri="{FF2B5EF4-FFF2-40B4-BE49-F238E27FC236}">
-                <a16:creationId xmlns:a16="http://schemas.microsoft.com/office/drawing/2014/main" id="{9A7CBB2E-7A46-5370-A481-60C05098B4F7}"/>
-              </a:ext>
-            </a:extLst>
-          </p:cNvPr>
-          <p:cNvSpPr/>
-          <p:nvPr/>
-        </p:nvSpPr>
-        <p:spPr>
-          <a:xfrm>
-            <a:off x="4988680" y="4150206"/>
-            <a:ext cx="720000" cy="216000"/>
-          </a:xfrm>
-          <a:prstGeom prst="roundRect">
-            <a:avLst/>
-          </a:prstGeom>
-          <a:solidFill>
-            <a:srgbClr val="CCF2E5">
-              <a:alpha val="89804"/>
-            </a:srgbClr>
-          </a:solidFill>
-          <a:ln w="12700">
-            <a:solidFill>
-              <a:srgbClr val="CCF2E5"/>
-            </a:solidFill>
-          </a:ln>
-        </p:spPr>
-        <p:style>
-          <a:lnRef idx="2">
-            <a:schemeClr val="accent1">
-              <a:shade val="15000"/>
-            </a:schemeClr>
-          </a:lnRef>
-          <a:fillRef idx="1">
-            <a:schemeClr val="accent1"/>
-          </a:fillRef>
-          <a:effectRef idx="0">
-            <a:schemeClr val="accent1"/>
-          </a:effectRef>
-          <a:fontRef idx="minor">
-            <a:schemeClr val="lt1"/>
-          </a:fontRef>
-        </p:style>
-        <p:txBody>
-          <a:bodyPr rtlCol="0" anchor="ctr"/>
-          <a:lstStyle/>
-          <a:p>
-            <a:pPr algn="ctr"/>
-            <a:r>
-              <a:rPr lang="en-US" altLang="zh-CN" sz="800">
-                <a:solidFill>
-                  <a:sysClr val="windowText" lastClr="000000"/>
-                </a:solidFill>
-                <a:latin typeface="Quicksand Light" panose="00000400000000000000" pitchFamily="2" charset="0"/>
-              </a:rPr>
-              <a:t>&lt;tr&gt;</a:t>
-            </a:r>
-            <a:endParaRPr lang="zh-CN" altLang="en-US" sz="800">
-              <a:solidFill>
-                <a:sysClr val="windowText" lastClr="000000"/>
-              </a:solidFill>
-              <a:latin typeface="Quicksand Light" panose="00000400000000000000" pitchFamily="2" charset="0"/>
-            </a:endParaRPr>
-          </a:p>
-        </p:txBody>
-      </p:sp>
-      <p:sp>
-        <p:nvSpPr>
-          <p:cNvPr id="12" name="矩形: 圆角 11">
-            <a:extLst>
-              <a:ext uri="{FF2B5EF4-FFF2-40B4-BE49-F238E27FC236}">
-                <a16:creationId xmlns:a16="http://schemas.microsoft.com/office/drawing/2014/main" id="{D4779CBA-FFDD-895A-53AD-886208DEAA4A}"/>
-              </a:ext>
-            </a:extLst>
-          </p:cNvPr>
-          <p:cNvSpPr/>
-          <p:nvPr/>
-        </p:nvSpPr>
-        <p:spPr>
-          <a:xfrm>
-            <a:off x="4988680" y="4489643"/>
-            <a:ext cx="720000" cy="216000"/>
-          </a:xfrm>
-          <a:prstGeom prst="roundRect">
-            <a:avLst/>
-          </a:prstGeom>
-          <a:solidFill>
-            <a:srgbClr val="CCF2E5">
-              <a:alpha val="89804"/>
-            </a:srgbClr>
-          </a:solidFill>
-          <a:ln w="12700">
-            <a:solidFill>
-              <a:srgbClr val="CCF2E5"/>
-            </a:solidFill>
-          </a:ln>
-        </p:spPr>
-        <p:style>
-          <a:lnRef idx="2">
-            <a:schemeClr val="accent1">
-              <a:shade val="15000"/>
-            </a:schemeClr>
-          </a:lnRef>
-          <a:fillRef idx="1">
-            <a:schemeClr val="accent1"/>
-          </a:fillRef>
-          <a:effectRef idx="0">
-            <a:schemeClr val="accent1"/>
-          </a:effectRef>
-          <a:fontRef idx="minor">
-            <a:schemeClr val="lt1"/>
-          </a:fontRef>
-        </p:style>
-        <p:txBody>
-          <a:bodyPr rtlCol="0" anchor="ctr"/>
-          <a:lstStyle/>
-          <a:p>
-            <a:pPr algn="ctr"/>
-            <a:r>
-              <a:rPr lang="en-US" altLang="zh-CN" sz="800">
-                <a:solidFill>
-                  <a:sysClr val="windowText" lastClr="000000"/>
-                </a:solidFill>
-                <a:latin typeface="Quicksand Light" panose="00000400000000000000" pitchFamily="2" charset="0"/>
-              </a:rPr>
-              <a:t>&lt;td&gt;</a:t>
-            </a:r>
-            <a:endParaRPr lang="zh-CN" altLang="en-US" sz="800">
-              <a:solidFill>
-                <a:sysClr val="windowText" lastClr="000000"/>
-              </a:solidFill>
-              <a:latin typeface="Quicksand Light" panose="00000400000000000000" pitchFamily="2" charset="0"/>
-            </a:endParaRPr>
-          </a:p>
-        </p:txBody>
-      </p:sp>
-      <p:cxnSp>
-        <p:nvCxnSpPr>
-          <p:cNvPr id="13" name="连接符: 曲线 12">
-            <a:extLst>
-              <a:ext uri="{FF2B5EF4-FFF2-40B4-BE49-F238E27FC236}">
-                <a16:creationId xmlns:a16="http://schemas.microsoft.com/office/drawing/2014/main" id="{298359A6-17E1-0350-06F2-6B8C8E407376}"/>
-              </a:ext>
-            </a:extLst>
-          </p:cNvPr>
-          <p:cNvCxnSpPr>
-            <a:cxnSpLocks/>
-            <a:stCxn id="2" idx="3"/>
-            <a:endCxn id="3" idx="1"/>
-          </p:cNvCxnSpPr>
-          <p:nvPr/>
-        </p:nvCxnSpPr>
-        <p:spPr>
-          <a:xfrm flipV="1">
-            <a:off x="3691582" y="2071112"/>
-            <a:ext cx="236127" cy="1178406"/>
-          </a:xfrm>
-          <a:prstGeom prst="curvedConnector3">
-            <a:avLst/>
-          </a:prstGeom>
-          <a:ln>
-            <a:solidFill>
-              <a:schemeClr val="accent1">
-                <a:lumMod val="60000"/>
-                <a:lumOff val="40000"/>
-              </a:schemeClr>
-            </a:solidFill>
-          </a:ln>
-        </p:spPr>
-        <p:style>
-          <a:lnRef idx="1">
-            <a:schemeClr val="accent1"/>
-          </a:lnRef>
-          <a:fillRef idx="0">
-            <a:schemeClr val="accent1"/>
-          </a:fillRef>
-          <a:effectRef idx="0">
-            <a:schemeClr val="accent1"/>
-          </a:effectRef>
-          <a:fontRef idx="minor">
-            <a:schemeClr val="tx1"/>
-          </a:fontRef>
-        </p:style>
-      </p:cxnSp>
-      <p:cxnSp>
-        <p:nvCxnSpPr>
-          <p:cNvPr id="14" name="连接符: 曲线 13">
-            <a:extLst>
-              <a:ext uri="{FF2B5EF4-FFF2-40B4-BE49-F238E27FC236}">
-                <a16:creationId xmlns:a16="http://schemas.microsoft.com/office/drawing/2014/main" id="{06C5FD35-9516-24EE-5628-FB328882111E}"/>
-              </a:ext>
-            </a:extLst>
-          </p:cNvPr>
-          <p:cNvCxnSpPr>
-            <a:stCxn id="2" idx="3"/>
-            <a:endCxn id="5" idx="1"/>
-          </p:cNvCxnSpPr>
-          <p:nvPr/>
-        </p:nvCxnSpPr>
-        <p:spPr>
-          <a:xfrm>
-            <a:off x="3691582" y="3249518"/>
-            <a:ext cx="236127" cy="392802"/>
-          </a:xfrm>
-          <a:prstGeom prst="curvedConnector3">
-            <a:avLst/>
-          </a:prstGeom>
-          <a:ln>
-            <a:solidFill>
-              <a:srgbClr val="FF0000"/>
-            </a:solidFill>
-          </a:ln>
-        </p:spPr>
-        <p:style>
-          <a:lnRef idx="1">
-            <a:schemeClr val="accent1"/>
-          </a:lnRef>
-          <a:fillRef idx="0">
-            <a:schemeClr val="accent1"/>
-          </a:fillRef>
-          <a:effectRef idx="0">
-            <a:schemeClr val="accent1"/>
-          </a:effectRef>
-          <a:fontRef idx="minor">
-            <a:schemeClr val="tx1"/>
-          </a:fontRef>
-        </p:style>
-      </p:cxnSp>
-      <p:cxnSp>
-        <p:nvCxnSpPr>
-          <p:cNvPr id="15" name="连接符: 曲线 14">
-            <a:extLst>
-              <a:ext uri="{FF2B5EF4-FFF2-40B4-BE49-F238E27FC236}">
-                <a16:creationId xmlns:a16="http://schemas.microsoft.com/office/drawing/2014/main" id="{91DC556E-624C-A24F-4281-CC2AD6C86AA9}"/>
-              </a:ext>
-            </a:extLst>
-          </p:cNvPr>
-          <p:cNvCxnSpPr>
-            <a:stCxn id="2" idx="3"/>
-            <a:endCxn id="6" idx="1"/>
-          </p:cNvCxnSpPr>
-          <p:nvPr/>
-        </p:nvCxnSpPr>
-        <p:spPr>
-          <a:xfrm>
-            <a:off x="3691582" y="3249518"/>
-            <a:ext cx="236127" cy="1178407"/>
-          </a:xfrm>
-          <a:prstGeom prst="curvedConnector3">
-            <a:avLst/>
-          </a:prstGeom>
-          <a:ln>
-            <a:solidFill>
-              <a:srgbClr val="92D050"/>
-            </a:solidFill>
-          </a:ln>
-        </p:spPr>
-        <p:style>
-          <a:lnRef idx="1">
-            <a:schemeClr val="accent1"/>
-          </a:lnRef>
-          <a:fillRef idx="0">
-            <a:schemeClr val="accent1"/>
-          </a:fillRef>
-          <a:effectRef idx="0">
-            <a:schemeClr val="accent1"/>
-          </a:effectRef>
-          <a:fontRef idx="minor">
-            <a:schemeClr val="tx1"/>
-          </a:fontRef>
-        </p:style>
-      </p:cxnSp>
-      <p:cxnSp>
-        <p:nvCxnSpPr>
-          <p:cNvPr id="16" name="连接符: 曲线 15">
-            <a:extLst>
-              <a:ext uri="{FF2B5EF4-FFF2-40B4-BE49-F238E27FC236}">
-                <a16:creationId xmlns:a16="http://schemas.microsoft.com/office/drawing/2014/main" id="{2CF8CB28-1C39-C7E8-6324-ADA008E9F11F}"/>
-              </a:ext>
-            </a:extLst>
-          </p:cNvPr>
-          <p:cNvCxnSpPr>
-            <a:stCxn id="4" idx="1"/>
-            <a:endCxn id="2" idx="3"/>
-          </p:cNvCxnSpPr>
-          <p:nvPr/>
-        </p:nvCxnSpPr>
-        <p:spPr>
-          <a:xfrm rot="10800000" flipV="1">
-            <a:off x="3691583" y="2856716"/>
-            <a:ext cx="236127" cy="392802"/>
-          </a:xfrm>
-          <a:prstGeom prst="curvedConnector3">
-            <a:avLst/>
-          </a:prstGeom>
-          <a:ln>
-            <a:solidFill>
-              <a:srgbClr val="FFC000"/>
-            </a:solidFill>
-          </a:ln>
-        </p:spPr>
-        <p:style>
-          <a:lnRef idx="1">
-            <a:schemeClr val="accent1"/>
-          </a:lnRef>
-          <a:fillRef idx="0">
-            <a:schemeClr val="accent1"/>
-          </a:fillRef>
-          <a:effectRef idx="0">
-            <a:schemeClr val="accent1"/>
-          </a:effectRef>
-          <a:fontRef idx="minor">
-            <a:schemeClr val="tx1"/>
-          </a:fontRef>
-        </p:style>
-      </p:cxnSp>
-      <p:cxnSp>
-        <p:nvCxnSpPr>
-          <p:cNvPr id="17" name="连接符: 曲线 16">
-            <a:extLst>
-              <a:ext uri="{FF2B5EF4-FFF2-40B4-BE49-F238E27FC236}">
-                <a16:creationId xmlns:a16="http://schemas.microsoft.com/office/drawing/2014/main" id="{114D0B9D-2E4E-56E2-D1E7-E651846577ED}"/>
-              </a:ext>
-            </a:extLst>
-          </p:cNvPr>
-          <p:cNvCxnSpPr>
-            <a:stCxn id="4" idx="3"/>
-            <a:endCxn id="7" idx="1"/>
-          </p:cNvCxnSpPr>
-          <p:nvPr/>
-        </p:nvCxnSpPr>
-        <p:spPr>
-          <a:xfrm flipV="1">
-            <a:off x="4827709" y="2671091"/>
-            <a:ext cx="160971" cy="185625"/>
-          </a:xfrm>
-          <a:prstGeom prst="curvedConnector3">
-            <a:avLst/>
-          </a:prstGeom>
-          <a:ln>
-            <a:solidFill>
-              <a:srgbClr val="FFC000"/>
-            </a:solidFill>
-          </a:ln>
-        </p:spPr>
-        <p:style>
-          <a:lnRef idx="1">
-            <a:schemeClr val="accent1"/>
-          </a:lnRef>
-          <a:fillRef idx="0">
-            <a:schemeClr val="accent1"/>
-          </a:fillRef>
-          <a:effectRef idx="0">
-            <a:schemeClr val="accent1"/>
-          </a:effectRef>
-          <a:fontRef idx="minor">
-            <a:schemeClr val="tx1"/>
-          </a:fontRef>
-        </p:style>
-      </p:cxnSp>
-      <p:cxnSp>
-        <p:nvCxnSpPr>
-          <p:cNvPr id="18" name="连接符: 曲线 17">
-            <a:extLst>
-              <a:ext uri="{FF2B5EF4-FFF2-40B4-BE49-F238E27FC236}">
-                <a16:creationId xmlns:a16="http://schemas.microsoft.com/office/drawing/2014/main" id="{3C59A80E-8E6B-72B2-C1E1-4C880C4C93DD}"/>
-              </a:ext>
-            </a:extLst>
-          </p:cNvPr>
-          <p:cNvCxnSpPr>
-            <a:stCxn id="8" idx="1"/>
-            <a:endCxn id="4" idx="3"/>
-          </p:cNvCxnSpPr>
-          <p:nvPr/>
-        </p:nvCxnSpPr>
-        <p:spPr>
-          <a:xfrm rot="10800000">
-            <a:off x="4827710" y="2856716"/>
-            <a:ext cx="160971" cy="153812"/>
-          </a:xfrm>
-          <a:prstGeom prst="curvedConnector3">
-            <a:avLst/>
-          </a:prstGeom>
-          <a:ln>
-            <a:solidFill>
-              <a:srgbClr val="FFC000"/>
-            </a:solidFill>
-          </a:ln>
-        </p:spPr>
-        <p:style>
-          <a:lnRef idx="1">
-            <a:schemeClr val="accent1"/>
-          </a:lnRef>
-          <a:fillRef idx="0">
-            <a:schemeClr val="accent1"/>
-          </a:fillRef>
-          <a:effectRef idx="0">
-            <a:schemeClr val="accent1"/>
-          </a:effectRef>
-          <a:fontRef idx="minor">
-            <a:schemeClr val="tx1"/>
-          </a:fontRef>
-        </p:style>
-      </p:cxnSp>
-      <p:cxnSp>
-        <p:nvCxnSpPr>
-          <p:cNvPr id="19" name="连接符: 曲线 18">
-            <a:extLst>
-              <a:ext uri="{FF2B5EF4-FFF2-40B4-BE49-F238E27FC236}">
-                <a16:creationId xmlns:a16="http://schemas.microsoft.com/office/drawing/2014/main" id="{041D7C9F-7D99-7824-58C7-2BA40BC232D6}"/>
-              </a:ext>
-            </a:extLst>
-          </p:cNvPr>
-          <p:cNvCxnSpPr>
-            <a:stCxn id="5" idx="3"/>
-            <a:endCxn id="9" idx="1"/>
-          </p:cNvCxnSpPr>
-          <p:nvPr/>
-        </p:nvCxnSpPr>
-        <p:spPr>
-          <a:xfrm flipV="1">
-            <a:off x="4827709" y="3488509"/>
-            <a:ext cx="160971" cy="153811"/>
-          </a:xfrm>
-          <a:prstGeom prst="curvedConnector3">
-            <a:avLst/>
-          </a:prstGeom>
-          <a:ln>
-            <a:solidFill>
-              <a:srgbClr val="FF0000"/>
-            </a:solidFill>
-          </a:ln>
-        </p:spPr>
-        <p:style>
-          <a:lnRef idx="1">
-            <a:schemeClr val="accent1"/>
-          </a:lnRef>
-          <a:fillRef idx="0">
-            <a:schemeClr val="accent1"/>
-          </a:fillRef>
-          <a:effectRef idx="0">
-            <a:schemeClr val="accent1"/>
-          </a:effectRef>
-          <a:fontRef idx="minor">
-            <a:schemeClr val="tx1"/>
-          </a:fontRef>
-        </p:style>
-      </p:cxnSp>
-      <p:cxnSp>
-        <p:nvCxnSpPr>
-          <p:cNvPr id="20" name="连接符: 曲线 19">
-            <a:extLst>
-              <a:ext uri="{FF2B5EF4-FFF2-40B4-BE49-F238E27FC236}">
-                <a16:creationId xmlns:a16="http://schemas.microsoft.com/office/drawing/2014/main" id="{B2D7C8F8-E42C-083D-F9F9-50E9DF89B11D}"/>
-              </a:ext>
-            </a:extLst>
-          </p:cNvPr>
-          <p:cNvCxnSpPr>
-            <a:stCxn id="10" idx="1"/>
-            <a:endCxn id="5" idx="3"/>
-          </p:cNvCxnSpPr>
-          <p:nvPr/>
-        </p:nvCxnSpPr>
-        <p:spPr>
-          <a:xfrm rot="10800000">
-            <a:off x="4827710" y="3642320"/>
-            <a:ext cx="160971" cy="185626"/>
-          </a:xfrm>
-          <a:prstGeom prst="curvedConnector3">
-            <a:avLst/>
-          </a:prstGeom>
-          <a:ln>
-            <a:solidFill>
-              <a:srgbClr val="FF0000"/>
-            </a:solidFill>
-          </a:ln>
-        </p:spPr>
-        <p:style>
-          <a:lnRef idx="1">
-            <a:schemeClr val="accent1"/>
-          </a:lnRef>
-          <a:fillRef idx="0">
-            <a:schemeClr val="accent1"/>
-          </a:fillRef>
-          <a:effectRef idx="0">
-            <a:schemeClr val="accent1"/>
-          </a:effectRef>
-          <a:fontRef idx="minor">
-            <a:schemeClr val="tx1"/>
-          </a:fontRef>
-        </p:style>
-      </p:cxnSp>
-      <p:cxnSp>
-        <p:nvCxnSpPr>
-          <p:cNvPr id="21" name="连接符: 曲线 20">
-            <a:extLst>
-              <a:ext uri="{FF2B5EF4-FFF2-40B4-BE49-F238E27FC236}">
-                <a16:creationId xmlns:a16="http://schemas.microsoft.com/office/drawing/2014/main" id="{F1E01BA5-8E56-BB2F-4CFB-53C05DABA25C}"/>
-              </a:ext>
-            </a:extLst>
-          </p:cNvPr>
-          <p:cNvCxnSpPr>
-            <a:stCxn id="6" idx="3"/>
-            <a:endCxn id="11" idx="1"/>
-          </p:cNvCxnSpPr>
-          <p:nvPr/>
-        </p:nvCxnSpPr>
-        <p:spPr>
-          <a:xfrm flipV="1">
-            <a:off x="4827709" y="4258206"/>
-            <a:ext cx="160971" cy="169719"/>
-          </a:xfrm>
-          <a:prstGeom prst="curvedConnector3">
-            <a:avLst/>
-          </a:prstGeom>
-          <a:ln>
-            <a:solidFill>
-              <a:srgbClr val="92D050"/>
-            </a:solidFill>
-          </a:ln>
-        </p:spPr>
-        <p:style>
-          <a:lnRef idx="1">
-            <a:schemeClr val="accent1"/>
-          </a:lnRef>
-          <a:fillRef idx="0">
-            <a:schemeClr val="accent1"/>
-          </a:fillRef>
-          <a:effectRef idx="0">
-            <a:schemeClr val="accent1"/>
-          </a:effectRef>
-          <a:fontRef idx="minor">
-            <a:schemeClr val="tx1"/>
-          </a:fontRef>
-        </p:style>
-      </p:cxnSp>
-      <p:cxnSp>
-        <p:nvCxnSpPr>
-          <p:cNvPr id="22" name="连接符: 曲线 21">
-            <a:extLst>
-              <a:ext uri="{FF2B5EF4-FFF2-40B4-BE49-F238E27FC236}">
-                <a16:creationId xmlns:a16="http://schemas.microsoft.com/office/drawing/2014/main" id="{01E3F578-BCED-37BC-DA99-F6F310A81E84}"/>
-              </a:ext>
-            </a:extLst>
-          </p:cNvPr>
-          <p:cNvCxnSpPr>
-            <a:stCxn id="12" idx="1"/>
-            <a:endCxn id="6" idx="3"/>
-          </p:cNvCxnSpPr>
-          <p:nvPr/>
-        </p:nvCxnSpPr>
-        <p:spPr>
-          <a:xfrm rot="10800000">
-            <a:off x="4827710" y="4427925"/>
-            <a:ext cx="160971" cy="169718"/>
-          </a:xfrm>
-          <a:prstGeom prst="curvedConnector3">
-            <a:avLst/>
-          </a:prstGeom>
-          <a:ln>
-            <a:solidFill>
-              <a:srgbClr val="92D050"/>
-            </a:solidFill>
-          </a:ln>
-        </p:spPr>
-        <p:style>
-          <a:lnRef idx="1">
-            <a:schemeClr val="accent1"/>
-          </a:lnRef>
-          <a:fillRef idx="0">
-            <a:schemeClr val="accent1"/>
-          </a:fillRef>
-          <a:effectRef idx="0">
-            <a:schemeClr val="accent1"/>
-          </a:effectRef>
-          <a:fontRef idx="minor">
-            <a:schemeClr val="tx1"/>
-          </a:fontRef>
-        </p:style>
-      </p:cxnSp>
     </p:spTree>
     <p:extLst>
       <p:ext uri="{BB962C8B-B14F-4D97-AF65-F5344CB8AC3E}">
-        <p14:creationId xmlns:p14="http://schemas.microsoft.com/office/powerpoint/2010/main" val="1074662793"/>
+        <p14:creationId xmlns:p14="http://schemas.microsoft.com/office/powerpoint/2010/main" val="85689160"/>
       </p:ext>
     </p:extLst>
   </p:cSld>
@@ -4539,6 +3607,3011 @@
 </file>
 
 <file path=ppt/slides/slide10.xml><?xml version="1.0" encoding="utf-8"?>
+<p:sld xmlns:a="http://schemas.openxmlformats.org/drawingml/2006/main" xmlns:r="http://schemas.openxmlformats.org/officeDocument/2006/relationships" xmlns:p="http://schemas.openxmlformats.org/presentationml/2006/main">
+  <p:cSld>
+    <p:spTree>
+      <p:nvGrpSpPr>
+        <p:cNvPr id="1" name="">
+          <a:extLst>
+            <a:ext uri="{FF2B5EF4-FFF2-40B4-BE49-F238E27FC236}">
+              <a16:creationId xmlns:a16="http://schemas.microsoft.com/office/drawing/2014/main" id="{04DA24F8-E1BD-9189-C324-9C5F7116D531}"/>
+            </a:ext>
+          </a:extLst>
+        </p:cNvPr>
+        <p:cNvGrpSpPr/>
+        <p:nvPr/>
+      </p:nvGrpSpPr>
+      <p:grpSpPr>
+        <a:xfrm>
+          <a:off x="0" y="0"/>
+          <a:ext cx="0" cy="0"/>
+          <a:chOff x="0" y="0"/>
+          <a:chExt cx="0" cy="0"/>
+        </a:xfrm>
+      </p:grpSpPr>
+      <p:sp>
+        <p:nvSpPr>
+          <p:cNvPr id="2" name="矩形: 圆角 1">
+            <a:extLst>
+              <a:ext uri="{FF2B5EF4-FFF2-40B4-BE49-F238E27FC236}">
+                <a16:creationId xmlns:a16="http://schemas.microsoft.com/office/drawing/2014/main" id="{667D5E69-AA2E-FC32-F5B1-466612F9DAEA}"/>
+              </a:ext>
+            </a:extLst>
+          </p:cNvPr>
+          <p:cNvSpPr/>
+          <p:nvPr/>
+        </p:nvSpPr>
+        <p:spPr>
+          <a:xfrm>
+            <a:off x="2090611" y="2642816"/>
+            <a:ext cx="1080000" cy="216000"/>
+          </a:xfrm>
+          <a:prstGeom prst="roundRect">
+            <a:avLst/>
+          </a:prstGeom>
+          <a:solidFill>
+            <a:schemeClr val="tx1"/>
+          </a:solidFill>
+          <a:ln w="12700">
+            <a:noFill/>
+          </a:ln>
+        </p:spPr>
+        <p:style>
+          <a:lnRef idx="2">
+            <a:schemeClr val="accent1">
+              <a:shade val="15000"/>
+            </a:schemeClr>
+          </a:lnRef>
+          <a:fillRef idx="1">
+            <a:schemeClr val="accent1"/>
+          </a:fillRef>
+          <a:effectRef idx="0">
+            <a:schemeClr val="accent1"/>
+          </a:effectRef>
+          <a:fontRef idx="minor">
+            <a:schemeClr val="lt1"/>
+          </a:fontRef>
+        </p:style>
+        <p:txBody>
+          <a:bodyPr rtlCol="0" anchor="ctr"/>
+          <a:lstStyle/>
+          <a:p>
+            <a:pPr algn="ctr"/>
+            <a:r>
+              <a:rPr lang="en-US" altLang="zh-CN" sz="800">
+                <a:latin typeface="微软雅黑" panose="020B0503020204020204" pitchFamily="34" charset="-122"/>
+                <a:ea typeface="微软雅黑" panose="020B0503020204020204" pitchFamily="34" charset="-122"/>
+              </a:rPr>
+              <a:t>Layout</a:t>
+            </a:r>
+            <a:endParaRPr lang="zh-CN" altLang="en-US" sz="800">
+              <a:latin typeface="微软雅黑" panose="020B0503020204020204" pitchFamily="34" charset="-122"/>
+              <a:ea typeface="微软雅黑" panose="020B0503020204020204" pitchFamily="34" charset="-122"/>
+            </a:endParaRPr>
+          </a:p>
+        </p:txBody>
+      </p:sp>
+      <p:sp>
+        <p:nvSpPr>
+          <p:cNvPr id="4" name="矩形: 圆角 3">
+            <a:extLst>
+              <a:ext uri="{FF2B5EF4-FFF2-40B4-BE49-F238E27FC236}">
+                <a16:creationId xmlns:a16="http://schemas.microsoft.com/office/drawing/2014/main" id="{67ABAD30-24EB-82E6-AF2D-59F60775339C}"/>
+              </a:ext>
+            </a:extLst>
+          </p:cNvPr>
+          <p:cNvSpPr/>
+          <p:nvPr/>
+        </p:nvSpPr>
+        <p:spPr>
+          <a:xfrm>
+            <a:off x="3406738" y="1669505"/>
+            <a:ext cx="720000" cy="216000"/>
+          </a:xfrm>
+          <a:prstGeom prst="roundRect">
+            <a:avLst/>
+          </a:prstGeom>
+          <a:solidFill>
+            <a:srgbClr val="FA8231"/>
+          </a:solidFill>
+          <a:ln w="12700">
+            <a:noFill/>
+          </a:ln>
+        </p:spPr>
+        <p:style>
+          <a:lnRef idx="2">
+            <a:schemeClr val="accent1">
+              <a:shade val="15000"/>
+            </a:schemeClr>
+          </a:lnRef>
+          <a:fillRef idx="1">
+            <a:schemeClr val="accent1"/>
+          </a:fillRef>
+          <a:effectRef idx="0">
+            <a:schemeClr val="accent1"/>
+          </a:effectRef>
+          <a:fontRef idx="minor">
+            <a:schemeClr val="lt1"/>
+          </a:fontRef>
+        </p:style>
+        <p:txBody>
+          <a:bodyPr rtlCol="0" anchor="ctr"/>
+          <a:lstStyle/>
+          <a:p>
+            <a:pPr algn="ctr"/>
+            <a:r>
+              <a:rPr lang="en-US" altLang="zh-CN" sz="800">
+                <a:latin typeface="Quicksand" panose="00000500000000000000" pitchFamily="2" charset="0"/>
+              </a:rPr>
+              <a:t>position</a:t>
+            </a:r>
+            <a:endParaRPr lang="zh-CN" altLang="en-US" sz="800">
+              <a:latin typeface="Quicksand" panose="00000500000000000000" pitchFamily="2" charset="0"/>
+            </a:endParaRPr>
+          </a:p>
+        </p:txBody>
+      </p:sp>
+      <p:sp>
+        <p:nvSpPr>
+          <p:cNvPr id="5" name="矩形: 圆角 4">
+            <a:extLst>
+              <a:ext uri="{FF2B5EF4-FFF2-40B4-BE49-F238E27FC236}">
+                <a16:creationId xmlns:a16="http://schemas.microsoft.com/office/drawing/2014/main" id="{8AA6A6D1-D7B3-992A-1FAD-9F693A49BEC6}"/>
+              </a:ext>
+            </a:extLst>
+          </p:cNvPr>
+          <p:cNvSpPr/>
+          <p:nvPr/>
+        </p:nvSpPr>
+        <p:spPr>
+          <a:xfrm>
+            <a:off x="3406738" y="3616127"/>
+            <a:ext cx="720000" cy="216000"/>
+          </a:xfrm>
+          <a:prstGeom prst="roundRect">
+            <a:avLst/>
+          </a:prstGeom>
+          <a:solidFill>
+            <a:srgbClr val="EB3B5A"/>
+          </a:solidFill>
+          <a:ln w="12700">
+            <a:noFill/>
+          </a:ln>
+        </p:spPr>
+        <p:style>
+          <a:lnRef idx="2">
+            <a:schemeClr val="accent1">
+              <a:shade val="15000"/>
+            </a:schemeClr>
+          </a:lnRef>
+          <a:fillRef idx="1">
+            <a:schemeClr val="accent1"/>
+          </a:fillRef>
+          <a:effectRef idx="0">
+            <a:schemeClr val="accent1"/>
+          </a:effectRef>
+          <a:fontRef idx="minor">
+            <a:schemeClr val="lt1"/>
+          </a:fontRef>
+        </p:style>
+        <p:txBody>
+          <a:bodyPr rtlCol="0" anchor="ctr"/>
+          <a:lstStyle/>
+          <a:p>
+            <a:pPr algn="ctr"/>
+            <a:r>
+              <a:rPr lang="en-US" altLang="zh-CN" sz="800">
+                <a:latin typeface="Quicksand" panose="00000500000000000000" pitchFamily="2" charset="0"/>
+              </a:rPr>
+              <a:t>flex</a:t>
+            </a:r>
+            <a:endParaRPr lang="zh-CN" altLang="en-US" sz="800">
+              <a:latin typeface="Quicksand" panose="00000500000000000000" pitchFamily="2" charset="0"/>
+            </a:endParaRPr>
+          </a:p>
+        </p:txBody>
+      </p:sp>
+      <p:sp>
+        <p:nvSpPr>
+          <p:cNvPr id="6" name="矩形: 圆角 5">
+            <a:extLst>
+              <a:ext uri="{FF2B5EF4-FFF2-40B4-BE49-F238E27FC236}">
+                <a16:creationId xmlns:a16="http://schemas.microsoft.com/office/drawing/2014/main" id="{6C42CB4E-5C44-7042-49A8-6E7C64C23FF1}"/>
+              </a:ext>
+            </a:extLst>
+          </p:cNvPr>
+          <p:cNvSpPr/>
+          <p:nvPr/>
+        </p:nvSpPr>
+        <p:spPr>
+          <a:xfrm>
+            <a:off x="3406738" y="5639223"/>
+            <a:ext cx="720000" cy="216000"/>
+          </a:xfrm>
+          <a:prstGeom prst="roundRect">
+            <a:avLst/>
+          </a:prstGeom>
+          <a:solidFill>
+            <a:srgbClr val="20BF6B"/>
+          </a:solidFill>
+          <a:ln w="12700">
+            <a:noFill/>
+          </a:ln>
+        </p:spPr>
+        <p:style>
+          <a:lnRef idx="2">
+            <a:schemeClr val="accent1">
+              <a:shade val="15000"/>
+            </a:schemeClr>
+          </a:lnRef>
+          <a:fillRef idx="1">
+            <a:schemeClr val="accent1"/>
+          </a:fillRef>
+          <a:effectRef idx="0">
+            <a:schemeClr val="accent1"/>
+          </a:effectRef>
+          <a:fontRef idx="minor">
+            <a:schemeClr val="lt1"/>
+          </a:fontRef>
+        </p:style>
+        <p:txBody>
+          <a:bodyPr rtlCol="0" anchor="ctr"/>
+          <a:lstStyle/>
+          <a:p>
+            <a:pPr algn="ctr"/>
+            <a:r>
+              <a:rPr lang="en-US" altLang="zh-CN" sz="800">
+                <a:latin typeface="Quicksand" panose="00000500000000000000" pitchFamily="2" charset="0"/>
+              </a:rPr>
+              <a:t>grid</a:t>
+            </a:r>
+            <a:endParaRPr lang="zh-CN" altLang="en-US" sz="800">
+              <a:latin typeface="Quicksand" panose="00000500000000000000" pitchFamily="2" charset="0"/>
+            </a:endParaRPr>
+          </a:p>
+        </p:txBody>
+      </p:sp>
+      <p:sp>
+        <p:nvSpPr>
+          <p:cNvPr id="7" name="矩形: 圆角 6">
+            <a:extLst>
+              <a:ext uri="{FF2B5EF4-FFF2-40B4-BE49-F238E27FC236}">
+                <a16:creationId xmlns:a16="http://schemas.microsoft.com/office/drawing/2014/main" id="{1B393F4E-D343-21EE-8EB7-F6279D93491C}"/>
+              </a:ext>
+            </a:extLst>
+          </p:cNvPr>
+          <p:cNvSpPr/>
+          <p:nvPr/>
+        </p:nvSpPr>
+        <p:spPr>
+          <a:xfrm>
+            <a:off x="4239109" y="1543992"/>
+            <a:ext cx="900000" cy="216000"/>
+          </a:xfrm>
+          <a:prstGeom prst="roundRect">
+            <a:avLst/>
+          </a:prstGeom>
+          <a:solidFill>
+            <a:srgbClr val="FA8231">
+              <a:alpha val="80000"/>
+            </a:srgbClr>
+          </a:solidFill>
+          <a:ln w="12700">
+            <a:noFill/>
+          </a:ln>
+        </p:spPr>
+        <p:style>
+          <a:lnRef idx="2">
+            <a:schemeClr val="accent1">
+              <a:shade val="15000"/>
+            </a:schemeClr>
+          </a:lnRef>
+          <a:fillRef idx="1">
+            <a:schemeClr val="accent1"/>
+          </a:fillRef>
+          <a:effectRef idx="0">
+            <a:schemeClr val="accent1"/>
+          </a:effectRef>
+          <a:fontRef idx="minor">
+            <a:schemeClr val="lt1"/>
+          </a:fontRef>
+        </p:style>
+        <p:txBody>
+          <a:bodyPr rtlCol="0" anchor="ctr"/>
+          <a:lstStyle/>
+          <a:p>
+            <a:pPr algn="ctr"/>
+            <a:r>
+              <a:rPr lang="en-US" altLang="zh-CN" sz="800">
+                <a:latin typeface="Quicksand" panose="00000500000000000000" pitchFamily="2" charset="0"/>
+              </a:rPr>
+              <a:t>absolute</a:t>
+            </a:r>
+            <a:endParaRPr lang="zh-CN" altLang="en-US" sz="800">
+              <a:latin typeface="Quicksand" panose="00000500000000000000" pitchFamily="2" charset="0"/>
+            </a:endParaRPr>
+          </a:p>
+        </p:txBody>
+      </p:sp>
+      <p:sp>
+        <p:nvSpPr>
+          <p:cNvPr id="8" name="矩形: 圆角 7">
+            <a:extLst>
+              <a:ext uri="{FF2B5EF4-FFF2-40B4-BE49-F238E27FC236}">
+                <a16:creationId xmlns:a16="http://schemas.microsoft.com/office/drawing/2014/main" id="{35EF32C5-5CD8-2361-E4BA-17E8BD8F84C4}"/>
+              </a:ext>
+            </a:extLst>
+          </p:cNvPr>
+          <p:cNvSpPr/>
+          <p:nvPr/>
+        </p:nvSpPr>
+        <p:spPr>
+          <a:xfrm>
+            <a:off x="4239109" y="1292968"/>
+            <a:ext cx="900000" cy="216000"/>
+          </a:xfrm>
+          <a:prstGeom prst="roundRect">
+            <a:avLst/>
+          </a:prstGeom>
+          <a:solidFill>
+            <a:srgbClr val="FA8231">
+              <a:alpha val="80000"/>
+            </a:srgbClr>
+          </a:solidFill>
+          <a:ln w="12700">
+            <a:noFill/>
+          </a:ln>
+        </p:spPr>
+        <p:style>
+          <a:lnRef idx="2">
+            <a:schemeClr val="accent1">
+              <a:shade val="15000"/>
+            </a:schemeClr>
+          </a:lnRef>
+          <a:fillRef idx="1">
+            <a:schemeClr val="accent1"/>
+          </a:fillRef>
+          <a:effectRef idx="0">
+            <a:schemeClr val="accent1"/>
+          </a:effectRef>
+          <a:fontRef idx="minor">
+            <a:schemeClr val="lt1"/>
+          </a:fontRef>
+        </p:style>
+        <p:txBody>
+          <a:bodyPr rtlCol="0" anchor="ctr"/>
+          <a:lstStyle/>
+          <a:p>
+            <a:pPr algn="ctr"/>
+            <a:r>
+              <a:rPr lang="en-US" altLang="zh-CN" sz="800">
+                <a:latin typeface="Quicksand" panose="00000500000000000000" pitchFamily="2" charset="0"/>
+              </a:rPr>
+              <a:t>relative</a:t>
+            </a:r>
+            <a:endParaRPr lang="zh-CN" altLang="en-US" sz="800">
+              <a:latin typeface="Quicksand" panose="00000500000000000000" pitchFamily="2" charset="0"/>
+            </a:endParaRPr>
+          </a:p>
+        </p:txBody>
+      </p:sp>
+      <p:sp>
+        <p:nvSpPr>
+          <p:cNvPr id="10" name="矩形: 圆角 9">
+            <a:extLst>
+              <a:ext uri="{FF2B5EF4-FFF2-40B4-BE49-F238E27FC236}">
+                <a16:creationId xmlns:a16="http://schemas.microsoft.com/office/drawing/2014/main" id="{46706059-CEF5-0406-0DE9-CE356B0DB39C}"/>
+              </a:ext>
+            </a:extLst>
+          </p:cNvPr>
+          <p:cNvSpPr/>
+          <p:nvPr/>
+        </p:nvSpPr>
+        <p:spPr>
+          <a:xfrm>
+            <a:off x="4239109" y="3017962"/>
+            <a:ext cx="900000" cy="216000"/>
+          </a:xfrm>
+          <a:prstGeom prst="roundRect">
+            <a:avLst/>
+          </a:prstGeom>
+          <a:solidFill>
+            <a:srgbClr val="EB3B5A">
+              <a:alpha val="80000"/>
+            </a:srgbClr>
+          </a:solidFill>
+          <a:ln w="12700">
+            <a:noFill/>
+          </a:ln>
+        </p:spPr>
+        <p:style>
+          <a:lnRef idx="2">
+            <a:schemeClr val="accent1">
+              <a:shade val="15000"/>
+            </a:schemeClr>
+          </a:lnRef>
+          <a:fillRef idx="1">
+            <a:schemeClr val="accent1"/>
+          </a:fillRef>
+          <a:effectRef idx="0">
+            <a:schemeClr val="accent1"/>
+          </a:effectRef>
+          <a:fontRef idx="minor">
+            <a:schemeClr val="lt1"/>
+          </a:fontRef>
+        </p:style>
+        <p:txBody>
+          <a:bodyPr rtlCol="0" anchor="ctr"/>
+          <a:lstStyle/>
+          <a:p>
+            <a:pPr algn="ctr"/>
+            <a:r>
+              <a:rPr lang="en-US" altLang="zh-CN" sz="800">
+                <a:latin typeface="Quicksand" panose="00000500000000000000" pitchFamily="2" charset="0"/>
+              </a:rPr>
+              <a:t>container</a:t>
+            </a:r>
+            <a:endParaRPr lang="zh-CN" altLang="en-US" sz="800">
+              <a:latin typeface="Quicksand" panose="00000500000000000000" pitchFamily="2" charset="0"/>
+            </a:endParaRPr>
+          </a:p>
+        </p:txBody>
+      </p:sp>
+      <p:cxnSp>
+        <p:nvCxnSpPr>
+          <p:cNvPr id="14" name="连接符: 曲线 13">
+            <a:extLst>
+              <a:ext uri="{FF2B5EF4-FFF2-40B4-BE49-F238E27FC236}">
+                <a16:creationId xmlns:a16="http://schemas.microsoft.com/office/drawing/2014/main" id="{790A38DE-9A2B-5F8D-ED2A-6B8A26FD3E39}"/>
+              </a:ext>
+            </a:extLst>
+          </p:cNvPr>
+          <p:cNvCxnSpPr>
+            <a:cxnSpLocks/>
+            <a:stCxn id="2" idx="3"/>
+            <a:endCxn id="5" idx="1"/>
+          </p:cNvCxnSpPr>
+          <p:nvPr/>
+        </p:nvCxnSpPr>
+        <p:spPr>
+          <a:xfrm>
+            <a:off x="3170611" y="2750816"/>
+            <a:ext cx="236127" cy="973311"/>
+          </a:xfrm>
+          <a:prstGeom prst="curvedConnector3">
+            <a:avLst/>
+          </a:prstGeom>
+          <a:ln>
+            <a:solidFill>
+              <a:srgbClr val="FF0000"/>
+            </a:solidFill>
+          </a:ln>
+        </p:spPr>
+        <p:style>
+          <a:lnRef idx="1">
+            <a:schemeClr val="accent1"/>
+          </a:lnRef>
+          <a:fillRef idx="0">
+            <a:schemeClr val="accent1"/>
+          </a:fillRef>
+          <a:effectRef idx="0">
+            <a:schemeClr val="accent1"/>
+          </a:effectRef>
+          <a:fontRef idx="minor">
+            <a:schemeClr val="tx1"/>
+          </a:fontRef>
+        </p:style>
+      </p:cxnSp>
+      <p:cxnSp>
+        <p:nvCxnSpPr>
+          <p:cNvPr id="15" name="连接符: 曲线 14">
+            <a:extLst>
+              <a:ext uri="{FF2B5EF4-FFF2-40B4-BE49-F238E27FC236}">
+                <a16:creationId xmlns:a16="http://schemas.microsoft.com/office/drawing/2014/main" id="{535BF5A3-8481-B09F-E621-2DAEFDB577F2}"/>
+              </a:ext>
+            </a:extLst>
+          </p:cNvPr>
+          <p:cNvCxnSpPr>
+            <a:cxnSpLocks/>
+            <a:stCxn id="2" idx="3"/>
+            <a:endCxn id="6" idx="1"/>
+          </p:cNvCxnSpPr>
+          <p:nvPr/>
+        </p:nvCxnSpPr>
+        <p:spPr>
+          <a:xfrm>
+            <a:off x="3170611" y="2750816"/>
+            <a:ext cx="236127" cy="2996407"/>
+          </a:xfrm>
+          <a:prstGeom prst="curvedConnector3">
+            <a:avLst/>
+          </a:prstGeom>
+          <a:ln>
+            <a:solidFill>
+              <a:srgbClr val="00B050"/>
+            </a:solidFill>
+          </a:ln>
+        </p:spPr>
+        <p:style>
+          <a:lnRef idx="1">
+            <a:schemeClr val="accent1"/>
+          </a:lnRef>
+          <a:fillRef idx="0">
+            <a:schemeClr val="accent1"/>
+          </a:fillRef>
+          <a:effectRef idx="0">
+            <a:schemeClr val="accent1"/>
+          </a:effectRef>
+          <a:fontRef idx="minor">
+            <a:schemeClr val="tx1"/>
+          </a:fontRef>
+        </p:style>
+      </p:cxnSp>
+      <p:cxnSp>
+        <p:nvCxnSpPr>
+          <p:cNvPr id="16" name="连接符: 曲线 15">
+            <a:extLst>
+              <a:ext uri="{FF2B5EF4-FFF2-40B4-BE49-F238E27FC236}">
+                <a16:creationId xmlns:a16="http://schemas.microsoft.com/office/drawing/2014/main" id="{95B4C45D-2215-D351-EBD0-9C11C2A0EE8F}"/>
+              </a:ext>
+            </a:extLst>
+          </p:cNvPr>
+          <p:cNvCxnSpPr>
+            <a:cxnSpLocks/>
+            <a:stCxn id="4" idx="1"/>
+            <a:endCxn id="2" idx="3"/>
+          </p:cNvCxnSpPr>
+          <p:nvPr/>
+        </p:nvCxnSpPr>
+        <p:spPr>
+          <a:xfrm rot="10800000" flipV="1">
+            <a:off x="3170612" y="1777504"/>
+            <a:ext cx="236127" cy="973311"/>
+          </a:xfrm>
+          <a:prstGeom prst="curvedConnector3">
+            <a:avLst/>
+          </a:prstGeom>
+          <a:ln>
+            <a:solidFill>
+              <a:srgbClr val="FFC000"/>
+            </a:solidFill>
+          </a:ln>
+        </p:spPr>
+        <p:style>
+          <a:lnRef idx="1">
+            <a:schemeClr val="accent1"/>
+          </a:lnRef>
+          <a:fillRef idx="0">
+            <a:schemeClr val="accent1"/>
+          </a:fillRef>
+          <a:effectRef idx="0">
+            <a:schemeClr val="accent1"/>
+          </a:effectRef>
+          <a:fontRef idx="minor">
+            <a:schemeClr val="tx1"/>
+          </a:fontRef>
+        </p:style>
+      </p:cxnSp>
+      <p:cxnSp>
+        <p:nvCxnSpPr>
+          <p:cNvPr id="20" name="连接符: 曲线 19">
+            <a:extLst>
+              <a:ext uri="{FF2B5EF4-FFF2-40B4-BE49-F238E27FC236}">
+                <a16:creationId xmlns:a16="http://schemas.microsoft.com/office/drawing/2014/main" id="{ED494AB0-430F-92D5-9EC0-4C90DF974118}"/>
+              </a:ext>
+            </a:extLst>
+          </p:cNvPr>
+          <p:cNvCxnSpPr>
+            <a:cxnSpLocks/>
+            <a:stCxn id="58" idx="1"/>
+            <a:endCxn id="5" idx="3"/>
+          </p:cNvCxnSpPr>
+          <p:nvPr/>
+        </p:nvCxnSpPr>
+        <p:spPr>
+          <a:xfrm rot="10800000">
+            <a:off x="4126739" y="3724128"/>
+            <a:ext cx="112371" cy="598165"/>
+          </a:xfrm>
+          <a:prstGeom prst="curvedConnector3">
+            <a:avLst/>
+          </a:prstGeom>
+          <a:ln>
+            <a:solidFill>
+              <a:srgbClr val="EB3B5A"/>
+            </a:solidFill>
+          </a:ln>
+        </p:spPr>
+        <p:style>
+          <a:lnRef idx="1">
+            <a:schemeClr val="accent1"/>
+          </a:lnRef>
+          <a:fillRef idx="0">
+            <a:schemeClr val="accent1"/>
+          </a:fillRef>
+          <a:effectRef idx="0">
+            <a:schemeClr val="accent1"/>
+          </a:effectRef>
+          <a:fontRef idx="minor">
+            <a:schemeClr val="tx1"/>
+          </a:fontRef>
+        </p:style>
+      </p:cxnSp>
+      <p:sp>
+        <p:nvSpPr>
+          <p:cNvPr id="23" name="矩形: 圆角 22">
+            <a:extLst>
+              <a:ext uri="{FF2B5EF4-FFF2-40B4-BE49-F238E27FC236}">
+                <a16:creationId xmlns:a16="http://schemas.microsoft.com/office/drawing/2014/main" id="{454CE68F-1AD7-3B27-C278-53D0FBDE0973}"/>
+              </a:ext>
+            </a:extLst>
+          </p:cNvPr>
+          <p:cNvSpPr/>
+          <p:nvPr/>
+        </p:nvSpPr>
+        <p:spPr>
+          <a:xfrm>
+            <a:off x="4239109" y="1795017"/>
+            <a:ext cx="900000" cy="216000"/>
+          </a:xfrm>
+          <a:prstGeom prst="roundRect">
+            <a:avLst/>
+          </a:prstGeom>
+          <a:solidFill>
+            <a:srgbClr val="FA8231">
+              <a:alpha val="80000"/>
+            </a:srgbClr>
+          </a:solidFill>
+          <a:ln w="12700">
+            <a:noFill/>
+          </a:ln>
+        </p:spPr>
+        <p:style>
+          <a:lnRef idx="2">
+            <a:schemeClr val="accent1">
+              <a:shade val="15000"/>
+            </a:schemeClr>
+          </a:lnRef>
+          <a:fillRef idx="1">
+            <a:schemeClr val="accent1"/>
+          </a:fillRef>
+          <a:effectRef idx="0">
+            <a:schemeClr val="accent1"/>
+          </a:effectRef>
+          <a:fontRef idx="minor">
+            <a:schemeClr val="lt1"/>
+          </a:fontRef>
+        </p:style>
+        <p:txBody>
+          <a:bodyPr rtlCol="0" anchor="ctr"/>
+          <a:lstStyle/>
+          <a:p>
+            <a:pPr algn="ctr"/>
+            <a:r>
+              <a:rPr lang="en-US" altLang="zh-CN" sz="800">
+                <a:latin typeface="Quicksand" panose="00000500000000000000" pitchFamily="2" charset="0"/>
+              </a:rPr>
+              <a:t>fixed</a:t>
+            </a:r>
+            <a:endParaRPr lang="zh-CN" altLang="en-US" sz="800">
+              <a:latin typeface="Quicksand" panose="00000500000000000000" pitchFamily="2" charset="0"/>
+            </a:endParaRPr>
+          </a:p>
+        </p:txBody>
+      </p:sp>
+      <p:sp>
+        <p:nvSpPr>
+          <p:cNvPr id="58" name="矩形: 圆角 57">
+            <a:extLst>
+              <a:ext uri="{FF2B5EF4-FFF2-40B4-BE49-F238E27FC236}">
+                <a16:creationId xmlns:a16="http://schemas.microsoft.com/office/drawing/2014/main" id="{74C9951C-382C-0B59-1E2F-16537D777D39}"/>
+              </a:ext>
+            </a:extLst>
+          </p:cNvPr>
+          <p:cNvSpPr/>
+          <p:nvPr/>
+        </p:nvSpPr>
+        <p:spPr>
+          <a:xfrm>
+            <a:off x="4239109" y="4214292"/>
+            <a:ext cx="900000" cy="216000"/>
+          </a:xfrm>
+          <a:prstGeom prst="roundRect">
+            <a:avLst/>
+          </a:prstGeom>
+          <a:solidFill>
+            <a:srgbClr val="EB3B5A">
+              <a:alpha val="80000"/>
+            </a:srgbClr>
+          </a:solidFill>
+          <a:ln w="12700">
+            <a:noFill/>
+          </a:ln>
+        </p:spPr>
+        <p:style>
+          <a:lnRef idx="2">
+            <a:schemeClr val="accent1">
+              <a:shade val="15000"/>
+            </a:schemeClr>
+          </a:lnRef>
+          <a:fillRef idx="1">
+            <a:schemeClr val="accent1"/>
+          </a:fillRef>
+          <a:effectRef idx="0">
+            <a:schemeClr val="accent1"/>
+          </a:effectRef>
+          <a:fontRef idx="minor">
+            <a:schemeClr val="lt1"/>
+          </a:fontRef>
+        </p:style>
+        <p:txBody>
+          <a:bodyPr rtlCol="0" anchor="ctr"/>
+          <a:lstStyle/>
+          <a:p>
+            <a:pPr algn="ctr"/>
+            <a:r>
+              <a:rPr lang="en-US" altLang="zh-CN" sz="800">
+                <a:latin typeface="Quicksand" panose="00000500000000000000" pitchFamily="2" charset="0"/>
+              </a:rPr>
+              <a:t>item</a:t>
+            </a:r>
+            <a:endParaRPr lang="zh-CN" altLang="en-US" sz="800">
+              <a:latin typeface="Quicksand" panose="00000500000000000000" pitchFamily="2" charset="0"/>
+            </a:endParaRPr>
+          </a:p>
+        </p:txBody>
+      </p:sp>
+      <p:sp>
+        <p:nvSpPr>
+          <p:cNvPr id="62" name="矩形: 圆角 61">
+            <a:extLst>
+              <a:ext uri="{FF2B5EF4-FFF2-40B4-BE49-F238E27FC236}">
+                <a16:creationId xmlns:a16="http://schemas.microsoft.com/office/drawing/2014/main" id="{9392F884-1D99-06E6-073E-84586A266AE6}"/>
+              </a:ext>
+            </a:extLst>
+          </p:cNvPr>
+          <p:cNvSpPr/>
+          <p:nvPr/>
+        </p:nvSpPr>
+        <p:spPr>
+          <a:xfrm>
+            <a:off x="4239109" y="5513963"/>
+            <a:ext cx="900000" cy="216000"/>
+          </a:xfrm>
+          <a:prstGeom prst="roundRect">
+            <a:avLst/>
+          </a:prstGeom>
+          <a:solidFill>
+            <a:srgbClr val="20BF6B">
+              <a:alpha val="80000"/>
+            </a:srgbClr>
+          </a:solidFill>
+          <a:ln w="12700">
+            <a:noFill/>
+          </a:ln>
+        </p:spPr>
+        <p:style>
+          <a:lnRef idx="2">
+            <a:schemeClr val="accent1">
+              <a:shade val="15000"/>
+            </a:schemeClr>
+          </a:lnRef>
+          <a:fillRef idx="1">
+            <a:schemeClr val="accent1"/>
+          </a:fillRef>
+          <a:effectRef idx="0">
+            <a:schemeClr val="accent1"/>
+          </a:effectRef>
+          <a:fontRef idx="minor">
+            <a:schemeClr val="lt1"/>
+          </a:fontRef>
+        </p:style>
+        <p:txBody>
+          <a:bodyPr rtlCol="0" anchor="ctr"/>
+          <a:lstStyle/>
+          <a:p>
+            <a:pPr algn="ctr"/>
+            <a:r>
+              <a:rPr lang="en-US" altLang="zh-CN" sz="800">
+                <a:latin typeface="Quicksand" panose="00000500000000000000" pitchFamily="2" charset="0"/>
+              </a:rPr>
+              <a:t>container</a:t>
+            </a:r>
+            <a:endParaRPr lang="zh-CN" altLang="en-US" sz="800">
+              <a:latin typeface="Quicksand" panose="00000500000000000000" pitchFamily="2" charset="0"/>
+            </a:endParaRPr>
+          </a:p>
+        </p:txBody>
+      </p:sp>
+      <p:sp>
+        <p:nvSpPr>
+          <p:cNvPr id="63" name="矩形: 圆角 62">
+            <a:extLst>
+              <a:ext uri="{FF2B5EF4-FFF2-40B4-BE49-F238E27FC236}">
+                <a16:creationId xmlns:a16="http://schemas.microsoft.com/office/drawing/2014/main" id="{A917F5E3-9109-56D4-33BF-FB69E8ADD0D1}"/>
+              </a:ext>
+            </a:extLst>
+          </p:cNvPr>
+          <p:cNvSpPr/>
+          <p:nvPr/>
+        </p:nvSpPr>
+        <p:spPr>
+          <a:xfrm>
+            <a:off x="4239109" y="5764483"/>
+            <a:ext cx="900000" cy="216000"/>
+          </a:xfrm>
+          <a:prstGeom prst="roundRect">
+            <a:avLst/>
+          </a:prstGeom>
+          <a:solidFill>
+            <a:srgbClr val="20BF6B">
+              <a:alpha val="80000"/>
+            </a:srgbClr>
+          </a:solidFill>
+          <a:ln w="12700">
+            <a:noFill/>
+          </a:ln>
+        </p:spPr>
+        <p:style>
+          <a:lnRef idx="2">
+            <a:schemeClr val="accent1">
+              <a:shade val="15000"/>
+            </a:schemeClr>
+          </a:lnRef>
+          <a:fillRef idx="1">
+            <a:schemeClr val="accent1"/>
+          </a:fillRef>
+          <a:effectRef idx="0">
+            <a:schemeClr val="accent1"/>
+          </a:effectRef>
+          <a:fontRef idx="minor">
+            <a:schemeClr val="lt1"/>
+          </a:fontRef>
+        </p:style>
+        <p:txBody>
+          <a:bodyPr rtlCol="0" anchor="ctr"/>
+          <a:lstStyle/>
+          <a:p>
+            <a:pPr algn="ctr"/>
+            <a:r>
+              <a:rPr lang="en-US" altLang="zh-CN" sz="800">
+                <a:latin typeface="Quicksand" panose="00000500000000000000" pitchFamily="2" charset="0"/>
+              </a:rPr>
+              <a:t>item</a:t>
+            </a:r>
+            <a:endParaRPr lang="zh-CN" altLang="en-US" sz="800">
+              <a:latin typeface="Quicksand" panose="00000500000000000000" pitchFamily="2" charset="0"/>
+            </a:endParaRPr>
+          </a:p>
+        </p:txBody>
+      </p:sp>
+      <p:cxnSp>
+        <p:nvCxnSpPr>
+          <p:cNvPr id="69" name="连接符: 曲线 68">
+            <a:extLst>
+              <a:ext uri="{FF2B5EF4-FFF2-40B4-BE49-F238E27FC236}">
+                <a16:creationId xmlns:a16="http://schemas.microsoft.com/office/drawing/2014/main" id="{E3955310-D40B-9A50-04A8-3D315ACB8252}"/>
+              </a:ext>
+            </a:extLst>
+          </p:cNvPr>
+          <p:cNvCxnSpPr>
+            <a:cxnSpLocks/>
+            <a:stCxn id="62" idx="1"/>
+            <a:endCxn id="6" idx="3"/>
+          </p:cNvCxnSpPr>
+          <p:nvPr/>
+        </p:nvCxnSpPr>
+        <p:spPr>
+          <a:xfrm rot="10800000" flipV="1">
+            <a:off x="4126739" y="5621963"/>
+            <a:ext cx="112371" cy="125260"/>
+          </a:xfrm>
+          <a:prstGeom prst="curvedConnector3">
+            <a:avLst>
+              <a:gd name="adj1" fmla="val 50000"/>
+            </a:avLst>
+          </a:prstGeom>
+          <a:ln>
+            <a:solidFill>
+              <a:srgbClr val="00B050"/>
+            </a:solidFill>
+          </a:ln>
+        </p:spPr>
+        <p:style>
+          <a:lnRef idx="1">
+            <a:schemeClr val="accent1"/>
+          </a:lnRef>
+          <a:fillRef idx="0">
+            <a:schemeClr val="accent1"/>
+          </a:fillRef>
+          <a:effectRef idx="0">
+            <a:schemeClr val="accent1"/>
+          </a:effectRef>
+          <a:fontRef idx="minor">
+            <a:schemeClr val="tx1"/>
+          </a:fontRef>
+        </p:style>
+      </p:cxnSp>
+      <p:cxnSp>
+        <p:nvCxnSpPr>
+          <p:cNvPr id="71" name="连接符: 曲线 70">
+            <a:extLst>
+              <a:ext uri="{FF2B5EF4-FFF2-40B4-BE49-F238E27FC236}">
+                <a16:creationId xmlns:a16="http://schemas.microsoft.com/office/drawing/2014/main" id="{04BA7244-C215-E779-E744-80CFC8B32938}"/>
+              </a:ext>
+            </a:extLst>
+          </p:cNvPr>
+          <p:cNvCxnSpPr>
+            <a:cxnSpLocks/>
+            <a:stCxn id="63" idx="1"/>
+            <a:endCxn id="6" idx="3"/>
+          </p:cNvCxnSpPr>
+          <p:nvPr/>
+        </p:nvCxnSpPr>
+        <p:spPr>
+          <a:xfrm rot="10800000">
+            <a:off x="4126739" y="5747223"/>
+            <a:ext cx="112371" cy="125260"/>
+          </a:xfrm>
+          <a:prstGeom prst="curvedConnector3">
+            <a:avLst/>
+          </a:prstGeom>
+          <a:ln>
+            <a:solidFill>
+              <a:srgbClr val="00B050"/>
+            </a:solidFill>
+          </a:ln>
+        </p:spPr>
+        <p:style>
+          <a:lnRef idx="1">
+            <a:schemeClr val="accent1"/>
+          </a:lnRef>
+          <a:fillRef idx="0">
+            <a:schemeClr val="accent1"/>
+          </a:fillRef>
+          <a:effectRef idx="0">
+            <a:schemeClr val="accent1"/>
+          </a:effectRef>
+          <a:fontRef idx="minor">
+            <a:schemeClr val="tx1"/>
+          </a:fontRef>
+        </p:style>
+      </p:cxnSp>
+      <p:cxnSp>
+        <p:nvCxnSpPr>
+          <p:cNvPr id="105" name="连接符: 曲线 104">
+            <a:extLst>
+              <a:ext uri="{FF2B5EF4-FFF2-40B4-BE49-F238E27FC236}">
+                <a16:creationId xmlns:a16="http://schemas.microsoft.com/office/drawing/2014/main" id="{F1F59178-FEC1-F67E-09E0-8ADE07BA4BE8}"/>
+              </a:ext>
+            </a:extLst>
+          </p:cNvPr>
+          <p:cNvCxnSpPr>
+            <a:cxnSpLocks/>
+            <a:stCxn id="10" idx="1"/>
+            <a:endCxn id="5" idx="3"/>
+          </p:cNvCxnSpPr>
+          <p:nvPr/>
+        </p:nvCxnSpPr>
+        <p:spPr>
+          <a:xfrm rot="10800000" flipV="1">
+            <a:off x="4126739" y="3125961"/>
+            <a:ext cx="112371" cy="598165"/>
+          </a:xfrm>
+          <a:prstGeom prst="curvedConnector3">
+            <a:avLst>
+              <a:gd name="adj1" fmla="val 50000"/>
+            </a:avLst>
+          </a:prstGeom>
+          <a:ln>
+            <a:solidFill>
+              <a:srgbClr val="EB3B5A"/>
+            </a:solidFill>
+          </a:ln>
+        </p:spPr>
+        <p:style>
+          <a:lnRef idx="1">
+            <a:schemeClr val="accent1"/>
+          </a:lnRef>
+          <a:fillRef idx="0">
+            <a:schemeClr val="accent1"/>
+          </a:fillRef>
+          <a:effectRef idx="0">
+            <a:schemeClr val="accent1"/>
+          </a:effectRef>
+          <a:fontRef idx="minor">
+            <a:schemeClr val="tx1"/>
+          </a:fontRef>
+        </p:style>
+      </p:cxnSp>
+      <p:cxnSp>
+        <p:nvCxnSpPr>
+          <p:cNvPr id="45" name="连接符: 曲线 44">
+            <a:extLst>
+              <a:ext uri="{FF2B5EF4-FFF2-40B4-BE49-F238E27FC236}">
+                <a16:creationId xmlns:a16="http://schemas.microsoft.com/office/drawing/2014/main" id="{8D0C0C64-A215-B478-822D-5B9D37BEED0F}"/>
+              </a:ext>
+            </a:extLst>
+          </p:cNvPr>
+          <p:cNvCxnSpPr>
+            <a:cxnSpLocks/>
+            <a:stCxn id="8" idx="1"/>
+            <a:endCxn id="4" idx="3"/>
+          </p:cNvCxnSpPr>
+          <p:nvPr/>
+        </p:nvCxnSpPr>
+        <p:spPr>
+          <a:xfrm rot="10800000" flipV="1">
+            <a:off x="4126739" y="1400967"/>
+            <a:ext cx="112371" cy="376537"/>
+          </a:xfrm>
+          <a:prstGeom prst="curvedConnector3">
+            <a:avLst>
+              <a:gd name="adj1" fmla="val 50000"/>
+            </a:avLst>
+          </a:prstGeom>
+          <a:ln>
+            <a:solidFill>
+              <a:srgbClr val="FA8231"/>
+            </a:solidFill>
+          </a:ln>
+        </p:spPr>
+        <p:style>
+          <a:lnRef idx="1">
+            <a:schemeClr val="accent1"/>
+          </a:lnRef>
+          <a:fillRef idx="0">
+            <a:schemeClr val="accent1"/>
+          </a:fillRef>
+          <a:effectRef idx="0">
+            <a:schemeClr val="accent1"/>
+          </a:effectRef>
+          <a:fontRef idx="minor">
+            <a:schemeClr val="tx1"/>
+          </a:fontRef>
+        </p:style>
+      </p:cxnSp>
+      <p:sp>
+        <p:nvSpPr>
+          <p:cNvPr id="9" name="矩形: 圆角 8">
+            <a:extLst>
+              <a:ext uri="{FF2B5EF4-FFF2-40B4-BE49-F238E27FC236}">
+                <a16:creationId xmlns:a16="http://schemas.microsoft.com/office/drawing/2014/main" id="{861D15B4-1EF0-74EB-C00D-40E69113C461}"/>
+              </a:ext>
+            </a:extLst>
+          </p:cNvPr>
+          <p:cNvSpPr/>
+          <p:nvPr/>
+        </p:nvSpPr>
+        <p:spPr>
+          <a:xfrm>
+            <a:off x="3387785" y="627732"/>
+            <a:ext cx="720000" cy="216000"/>
+          </a:xfrm>
+          <a:prstGeom prst="roundRect">
+            <a:avLst/>
+          </a:prstGeom>
+          <a:solidFill>
+            <a:srgbClr val="3DC1D3"/>
+          </a:solidFill>
+          <a:ln w="12700">
+            <a:noFill/>
+          </a:ln>
+        </p:spPr>
+        <p:style>
+          <a:lnRef idx="2">
+            <a:schemeClr val="accent1">
+              <a:shade val="15000"/>
+            </a:schemeClr>
+          </a:lnRef>
+          <a:fillRef idx="1">
+            <a:schemeClr val="accent1"/>
+          </a:fillRef>
+          <a:effectRef idx="0">
+            <a:schemeClr val="accent1"/>
+          </a:effectRef>
+          <a:fontRef idx="minor">
+            <a:schemeClr val="lt1"/>
+          </a:fontRef>
+        </p:style>
+        <p:txBody>
+          <a:bodyPr rtlCol="0" anchor="ctr"/>
+          <a:lstStyle/>
+          <a:p>
+            <a:pPr algn="ctr"/>
+            <a:r>
+              <a:rPr lang="en-US" altLang="zh-CN" sz="800">
+                <a:latin typeface="Quicksand" panose="00000500000000000000" pitchFamily="2" charset="0"/>
+              </a:rPr>
+              <a:t>float</a:t>
+            </a:r>
+            <a:endParaRPr lang="zh-CN" altLang="en-US" sz="800">
+              <a:latin typeface="Quicksand" panose="00000500000000000000" pitchFamily="2" charset="0"/>
+            </a:endParaRPr>
+          </a:p>
+        </p:txBody>
+      </p:sp>
+      <p:cxnSp>
+        <p:nvCxnSpPr>
+          <p:cNvPr id="11" name="连接符: 曲线 10">
+            <a:extLst>
+              <a:ext uri="{FF2B5EF4-FFF2-40B4-BE49-F238E27FC236}">
+                <a16:creationId xmlns:a16="http://schemas.microsoft.com/office/drawing/2014/main" id="{E1639D91-96C2-1EA8-A787-5B43DB710761}"/>
+              </a:ext>
+            </a:extLst>
+          </p:cNvPr>
+          <p:cNvCxnSpPr>
+            <a:cxnSpLocks/>
+            <a:stCxn id="2" idx="3"/>
+            <a:endCxn id="9" idx="1"/>
+          </p:cNvCxnSpPr>
+          <p:nvPr/>
+        </p:nvCxnSpPr>
+        <p:spPr>
+          <a:xfrm flipV="1">
+            <a:off x="3170611" y="735732"/>
+            <a:ext cx="217174" cy="2015084"/>
+          </a:xfrm>
+          <a:prstGeom prst="curvedConnector3">
+            <a:avLst>
+              <a:gd name="adj1" fmla="val 50000"/>
+            </a:avLst>
+          </a:prstGeom>
+          <a:ln>
+            <a:solidFill>
+              <a:srgbClr val="3DC1D3"/>
+            </a:solidFill>
+          </a:ln>
+        </p:spPr>
+        <p:style>
+          <a:lnRef idx="1">
+            <a:schemeClr val="accent1"/>
+          </a:lnRef>
+          <a:fillRef idx="0">
+            <a:schemeClr val="accent1"/>
+          </a:fillRef>
+          <a:effectRef idx="0">
+            <a:schemeClr val="accent1"/>
+          </a:effectRef>
+          <a:fontRef idx="minor">
+            <a:schemeClr val="tx1"/>
+          </a:fontRef>
+        </p:style>
+      </p:cxnSp>
+      <p:sp>
+        <p:nvSpPr>
+          <p:cNvPr id="28" name="矩形: 圆角 27">
+            <a:extLst>
+              <a:ext uri="{FF2B5EF4-FFF2-40B4-BE49-F238E27FC236}">
+                <a16:creationId xmlns:a16="http://schemas.microsoft.com/office/drawing/2014/main" id="{C820E203-3D93-2EA9-8908-FBE10695325D}"/>
+              </a:ext>
+            </a:extLst>
+          </p:cNvPr>
+          <p:cNvSpPr/>
+          <p:nvPr/>
+        </p:nvSpPr>
+        <p:spPr>
+          <a:xfrm>
+            <a:off x="1215806" y="2642816"/>
+            <a:ext cx="720000" cy="216000"/>
+          </a:xfrm>
+          <a:prstGeom prst="roundRect">
+            <a:avLst/>
+          </a:prstGeom>
+          <a:solidFill>
+            <a:schemeClr val="bg2">
+              <a:lumMod val="75000"/>
+            </a:schemeClr>
+          </a:solidFill>
+          <a:ln w="12700">
+            <a:noFill/>
+          </a:ln>
+        </p:spPr>
+        <p:style>
+          <a:lnRef idx="2">
+            <a:schemeClr val="accent1">
+              <a:shade val="15000"/>
+            </a:schemeClr>
+          </a:lnRef>
+          <a:fillRef idx="1">
+            <a:schemeClr val="accent1"/>
+          </a:fillRef>
+          <a:effectRef idx="0">
+            <a:schemeClr val="accent1"/>
+          </a:effectRef>
+          <a:fontRef idx="minor">
+            <a:schemeClr val="lt1"/>
+          </a:fontRef>
+        </p:style>
+        <p:txBody>
+          <a:bodyPr rtlCol="0" anchor="ctr"/>
+          <a:lstStyle/>
+          <a:p>
+            <a:pPr algn="ctr"/>
+            <a:r>
+              <a:rPr lang="en-US" altLang="zh-CN" sz="800">
+                <a:latin typeface="Quicksand" panose="00000500000000000000" pitchFamily="2" charset="0"/>
+              </a:rPr>
+              <a:t>&lt;table&gt;</a:t>
+            </a:r>
+            <a:endParaRPr lang="zh-CN" altLang="en-US" sz="800">
+              <a:latin typeface="Quicksand" panose="00000500000000000000" pitchFamily="2" charset="0"/>
+            </a:endParaRPr>
+          </a:p>
+        </p:txBody>
+      </p:sp>
+      <p:sp>
+        <p:nvSpPr>
+          <p:cNvPr id="36" name="矩形: 圆角 35">
+            <a:extLst>
+              <a:ext uri="{FF2B5EF4-FFF2-40B4-BE49-F238E27FC236}">
+                <a16:creationId xmlns:a16="http://schemas.microsoft.com/office/drawing/2014/main" id="{2C8E297E-9902-7EFB-E7B5-DED56A221B49}"/>
+              </a:ext>
+            </a:extLst>
+          </p:cNvPr>
+          <p:cNvSpPr/>
+          <p:nvPr/>
+        </p:nvSpPr>
+        <p:spPr>
+          <a:xfrm>
+            <a:off x="4259333" y="501732"/>
+            <a:ext cx="900000" cy="216000"/>
+          </a:xfrm>
+          <a:prstGeom prst="roundRect">
+            <a:avLst/>
+          </a:prstGeom>
+          <a:solidFill>
+            <a:srgbClr val="3DC1D3">
+              <a:alpha val="80000"/>
+            </a:srgbClr>
+          </a:solidFill>
+          <a:ln w="12700">
+            <a:noFill/>
+          </a:ln>
+        </p:spPr>
+        <p:style>
+          <a:lnRef idx="2">
+            <a:schemeClr val="accent1">
+              <a:shade val="15000"/>
+            </a:schemeClr>
+          </a:lnRef>
+          <a:fillRef idx="1">
+            <a:schemeClr val="accent1"/>
+          </a:fillRef>
+          <a:effectRef idx="0">
+            <a:schemeClr val="accent1"/>
+          </a:effectRef>
+          <a:fontRef idx="minor">
+            <a:schemeClr val="lt1"/>
+          </a:fontRef>
+        </p:style>
+        <p:txBody>
+          <a:bodyPr rtlCol="0" anchor="ctr"/>
+          <a:lstStyle/>
+          <a:p>
+            <a:pPr algn="ctr"/>
+            <a:r>
+              <a:rPr lang="en-US" altLang="zh-CN" sz="800">
+                <a:latin typeface="Quicksand" panose="00000500000000000000" pitchFamily="2" charset="0"/>
+              </a:rPr>
+              <a:t>left</a:t>
+            </a:r>
+            <a:endParaRPr lang="zh-CN" altLang="en-US" sz="800">
+              <a:latin typeface="Quicksand" panose="00000500000000000000" pitchFamily="2" charset="0"/>
+            </a:endParaRPr>
+          </a:p>
+        </p:txBody>
+      </p:sp>
+      <p:sp>
+        <p:nvSpPr>
+          <p:cNvPr id="37" name="矩形: 圆角 36">
+            <a:extLst>
+              <a:ext uri="{FF2B5EF4-FFF2-40B4-BE49-F238E27FC236}">
+                <a16:creationId xmlns:a16="http://schemas.microsoft.com/office/drawing/2014/main" id="{51D0028F-EC94-2526-F176-862BC2AE41D6}"/>
+              </a:ext>
+            </a:extLst>
+          </p:cNvPr>
+          <p:cNvSpPr/>
+          <p:nvPr/>
+        </p:nvSpPr>
+        <p:spPr>
+          <a:xfrm>
+            <a:off x="4259333" y="753732"/>
+            <a:ext cx="900000" cy="216000"/>
+          </a:xfrm>
+          <a:prstGeom prst="roundRect">
+            <a:avLst/>
+          </a:prstGeom>
+          <a:solidFill>
+            <a:srgbClr val="3DC1D3">
+              <a:alpha val="80000"/>
+            </a:srgbClr>
+          </a:solidFill>
+          <a:ln w="12700">
+            <a:noFill/>
+          </a:ln>
+        </p:spPr>
+        <p:style>
+          <a:lnRef idx="2">
+            <a:schemeClr val="accent1">
+              <a:shade val="15000"/>
+            </a:schemeClr>
+          </a:lnRef>
+          <a:fillRef idx="1">
+            <a:schemeClr val="accent1"/>
+          </a:fillRef>
+          <a:effectRef idx="0">
+            <a:schemeClr val="accent1"/>
+          </a:effectRef>
+          <a:fontRef idx="minor">
+            <a:schemeClr val="lt1"/>
+          </a:fontRef>
+        </p:style>
+        <p:txBody>
+          <a:bodyPr rtlCol="0" anchor="ctr"/>
+          <a:lstStyle/>
+          <a:p>
+            <a:pPr algn="ctr"/>
+            <a:r>
+              <a:rPr lang="en-US" altLang="zh-CN" sz="800">
+                <a:latin typeface="Quicksand" panose="00000500000000000000" pitchFamily="2" charset="0"/>
+              </a:rPr>
+              <a:t>right</a:t>
+            </a:r>
+            <a:endParaRPr lang="zh-CN" altLang="en-US" sz="800">
+              <a:latin typeface="Quicksand" panose="00000500000000000000" pitchFamily="2" charset="0"/>
+            </a:endParaRPr>
+          </a:p>
+        </p:txBody>
+      </p:sp>
+      <p:sp>
+        <p:nvSpPr>
+          <p:cNvPr id="39" name="矩形: 圆角 38">
+            <a:extLst>
+              <a:ext uri="{FF2B5EF4-FFF2-40B4-BE49-F238E27FC236}">
+                <a16:creationId xmlns:a16="http://schemas.microsoft.com/office/drawing/2014/main" id="{3CA0FFF3-D7B3-A46D-CED6-A015419A04C7}"/>
+              </a:ext>
+            </a:extLst>
+          </p:cNvPr>
+          <p:cNvSpPr/>
+          <p:nvPr/>
+        </p:nvSpPr>
+        <p:spPr>
+          <a:xfrm>
+            <a:off x="5306324" y="375732"/>
+            <a:ext cx="1260000" cy="720000"/>
+          </a:xfrm>
+          <a:prstGeom prst="roundRect">
+            <a:avLst/>
+          </a:prstGeom>
+          <a:noFill/>
+          <a:ln w="12700">
+            <a:solidFill>
+              <a:srgbClr val="3DC1D3"/>
+            </a:solidFill>
+          </a:ln>
+        </p:spPr>
+        <p:style>
+          <a:lnRef idx="2">
+            <a:schemeClr val="accent1">
+              <a:shade val="15000"/>
+            </a:schemeClr>
+          </a:lnRef>
+          <a:fillRef idx="1">
+            <a:schemeClr val="accent1"/>
+          </a:fillRef>
+          <a:effectRef idx="0">
+            <a:schemeClr val="accent1"/>
+          </a:effectRef>
+          <a:fontRef idx="minor">
+            <a:schemeClr val="lt1"/>
+          </a:fontRef>
+        </p:style>
+        <p:txBody>
+          <a:bodyPr rtlCol="0" anchor="ctr"/>
+          <a:lstStyle/>
+          <a:p>
+            <a:pPr algn="just"/>
+            <a:r>
+              <a:rPr lang="en-US" altLang="zh-CN" sz="800">
+                <a:solidFill>
+                  <a:sysClr val="windowText" lastClr="000000"/>
+                </a:solidFill>
+                <a:latin typeface="Quicksand" panose="00000500000000000000" pitchFamily="2" charset="0"/>
+              </a:rPr>
+              <a:t>.clear::after {</a:t>
+            </a:r>
+          </a:p>
+          <a:p>
+            <a:pPr algn="just"/>
+            <a:r>
+              <a:rPr lang="en-US" altLang="zh-CN" sz="800">
+                <a:solidFill>
+                  <a:sysClr val="windowText" lastClr="000000"/>
+                </a:solidFill>
+                <a:latin typeface="Quicksand" panose="00000500000000000000" pitchFamily="2" charset="0"/>
+              </a:rPr>
+              <a:t>    content: '';</a:t>
+            </a:r>
+          </a:p>
+          <a:p>
+            <a:pPr algn="just"/>
+            <a:r>
+              <a:rPr lang="en-US" altLang="zh-CN" sz="800">
+                <a:solidFill>
+                  <a:sysClr val="windowText" lastClr="000000"/>
+                </a:solidFill>
+                <a:latin typeface="Quicksand" panose="00000500000000000000" pitchFamily="2" charset="0"/>
+              </a:rPr>
+              <a:t>    display: block;</a:t>
+            </a:r>
+          </a:p>
+          <a:p>
+            <a:pPr algn="just"/>
+            <a:r>
+              <a:rPr lang="en-US" altLang="zh-CN" sz="800">
+                <a:solidFill>
+                  <a:sysClr val="windowText" lastClr="000000"/>
+                </a:solidFill>
+                <a:latin typeface="Quicksand" panose="00000500000000000000" pitchFamily="2" charset="0"/>
+              </a:rPr>
+              <a:t>    clear: both;</a:t>
+            </a:r>
+          </a:p>
+          <a:p>
+            <a:pPr algn="just"/>
+            <a:r>
+              <a:rPr lang="en-US" altLang="zh-CN" sz="800">
+                <a:solidFill>
+                  <a:sysClr val="windowText" lastClr="000000"/>
+                </a:solidFill>
+                <a:latin typeface="Quicksand" panose="00000500000000000000" pitchFamily="2" charset="0"/>
+              </a:rPr>
+              <a:t>}</a:t>
+            </a:r>
+            <a:endParaRPr lang="zh-CN" altLang="en-US" sz="800">
+              <a:solidFill>
+                <a:sysClr val="windowText" lastClr="000000"/>
+              </a:solidFill>
+              <a:latin typeface="Quicksand" panose="00000500000000000000" pitchFamily="2" charset="0"/>
+            </a:endParaRPr>
+          </a:p>
+        </p:txBody>
+      </p:sp>
+      <p:cxnSp>
+        <p:nvCxnSpPr>
+          <p:cNvPr id="40" name="连接符: 曲线 39">
+            <a:extLst>
+              <a:ext uri="{FF2B5EF4-FFF2-40B4-BE49-F238E27FC236}">
+                <a16:creationId xmlns:a16="http://schemas.microsoft.com/office/drawing/2014/main" id="{FB7AA72D-FFCB-BD68-906B-23E70E95D3EE}"/>
+              </a:ext>
+            </a:extLst>
+          </p:cNvPr>
+          <p:cNvCxnSpPr>
+            <a:cxnSpLocks/>
+            <a:stCxn id="36" idx="1"/>
+            <a:endCxn id="9" idx="3"/>
+          </p:cNvCxnSpPr>
+          <p:nvPr/>
+        </p:nvCxnSpPr>
+        <p:spPr>
+          <a:xfrm rot="10800000" flipV="1">
+            <a:off x="4107785" y="609732"/>
+            <a:ext cx="151548" cy="126000"/>
+          </a:xfrm>
+          <a:prstGeom prst="curvedConnector3">
+            <a:avLst>
+              <a:gd name="adj1" fmla="val 50000"/>
+            </a:avLst>
+          </a:prstGeom>
+          <a:ln>
+            <a:solidFill>
+              <a:srgbClr val="3DC1D3"/>
+            </a:solidFill>
+          </a:ln>
+        </p:spPr>
+        <p:style>
+          <a:lnRef idx="1">
+            <a:schemeClr val="accent1"/>
+          </a:lnRef>
+          <a:fillRef idx="0">
+            <a:schemeClr val="accent1"/>
+          </a:fillRef>
+          <a:effectRef idx="0">
+            <a:schemeClr val="accent1"/>
+          </a:effectRef>
+          <a:fontRef idx="minor">
+            <a:schemeClr val="tx1"/>
+          </a:fontRef>
+        </p:style>
+      </p:cxnSp>
+      <p:cxnSp>
+        <p:nvCxnSpPr>
+          <p:cNvPr id="43" name="连接符: 曲线 42">
+            <a:extLst>
+              <a:ext uri="{FF2B5EF4-FFF2-40B4-BE49-F238E27FC236}">
+                <a16:creationId xmlns:a16="http://schemas.microsoft.com/office/drawing/2014/main" id="{94316C27-D904-2B7E-78AE-183533596ED1}"/>
+              </a:ext>
+            </a:extLst>
+          </p:cNvPr>
+          <p:cNvCxnSpPr>
+            <a:cxnSpLocks/>
+            <a:stCxn id="37" idx="1"/>
+            <a:endCxn id="9" idx="3"/>
+          </p:cNvCxnSpPr>
+          <p:nvPr/>
+        </p:nvCxnSpPr>
+        <p:spPr>
+          <a:xfrm rot="10800000">
+            <a:off x="4107785" y="735732"/>
+            <a:ext cx="151548" cy="126000"/>
+          </a:xfrm>
+          <a:prstGeom prst="curvedConnector3">
+            <a:avLst>
+              <a:gd name="adj1" fmla="val 50000"/>
+            </a:avLst>
+          </a:prstGeom>
+          <a:ln>
+            <a:solidFill>
+              <a:srgbClr val="3DC1D3"/>
+            </a:solidFill>
+          </a:ln>
+        </p:spPr>
+        <p:style>
+          <a:lnRef idx="1">
+            <a:schemeClr val="accent1"/>
+          </a:lnRef>
+          <a:fillRef idx="0">
+            <a:schemeClr val="accent1"/>
+          </a:fillRef>
+          <a:effectRef idx="0">
+            <a:schemeClr val="accent1"/>
+          </a:effectRef>
+          <a:fontRef idx="minor">
+            <a:schemeClr val="tx1"/>
+          </a:fontRef>
+        </p:style>
+      </p:cxnSp>
+      <p:sp>
+        <p:nvSpPr>
+          <p:cNvPr id="24" name="矩形: 圆角 23">
+            <a:extLst>
+              <a:ext uri="{FF2B5EF4-FFF2-40B4-BE49-F238E27FC236}">
+                <a16:creationId xmlns:a16="http://schemas.microsoft.com/office/drawing/2014/main" id="{AF199458-83C1-EF95-A883-F817515A8F61}"/>
+              </a:ext>
+            </a:extLst>
+          </p:cNvPr>
+          <p:cNvSpPr/>
+          <p:nvPr/>
+        </p:nvSpPr>
+        <p:spPr>
+          <a:xfrm>
+            <a:off x="4239109" y="2046237"/>
+            <a:ext cx="900000" cy="216000"/>
+          </a:xfrm>
+          <a:prstGeom prst="roundRect">
+            <a:avLst/>
+          </a:prstGeom>
+          <a:solidFill>
+            <a:srgbClr val="FA8231">
+              <a:alpha val="80000"/>
+            </a:srgbClr>
+          </a:solidFill>
+          <a:ln w="12700">
+            <a:noFill/>
+          </a:ln>
+        </p:spPr>
+        <p:style>
+          <a:lnRef idx="2">
+            <a:schemeClr val="accent1">
+              <a:shade val="15000"/>
+            </a:schemeClr>
+          </a:lnRef>
+          <a:fillRef idx="1">
+            <a:schemeClr val="accent1"/>
+          </a:fillRef>
+          <a:effectRef idx="0">
+            <a:schemeClr val="accent1"/>
+          </a:effectRef>
+          <a:fontRef idx="minor">
+            <a:schemeClr val="lt1"/>
+          </a:fontRef>
+        </p:style>
+        <p:txBody>
+          <a:bodyPr rtlCol="0" anchor="ctr"/>
+          <a:lstStyle/>
+          <a:p>
+            <a:pPr algn="ctr"/>
+            <a:r>
+              <a:rPr lang="en-US" altLang="zh-CN" sz="800">
+                <a:latin typeface="Quicksand" panose="00000500000000000000" pitchFamily="2" charset="0"/>
+              </a:rPr>
+              <a:t>sticky</a:t>
+            </a:r>
+            <a:endParaRPr lang="zh-CN" altLang="en-US" sz="800">
+              <a:latin typeface="Quicksand" panose="00000500000000000000" pitchFamily="2" charset="0"/>
+            </a:endParaRPr>
+          </a:p>
+        </p:txBody>
+      </p:sp>
+      <p:cxnSp>
+        <p:nvCxnSpPr>
+          <p:cNvPr id="25" name="连接符: 曲线 24">
+            <a:extLst>
+              <a:ext uri="{FF2B5EF4-FFF2-40B4-BE49-F238E27FC236}">
+                <a16:creationId xmlns:a16="http://schemas.microsoft.com/office/drawing/2014/main" id="{6A82AC47-0A34-F22D-CB63-1001B28D59BB}"/>
+              </a:ext>
+            </a:extLst>
+          </p:cNvPr>
+          <p:cNvCxnSpPr>
+            <a:cxnSpLocks/>
+            <a:stCxn id="4" idx="3"/>
+            <a:endCxn id="24" idx="1"/>
+          </p:cNvCxnSpPr>
+          <p:nvPr/>
+        </p:nvCxnSpPr>
+        <p:spPr>
+          <a:xfrm>
+            <a:off x="4126738" y="1777505"/>
+            <a:ext cx="112371" cy="376732"/>
+          </a:xfrm>
+          <a:prstGeom prst="curvedConnector3">
+            <a:avLst>
+              <a:gd name="adj1" fmla="val 50000"/>
+            </a:avLst>
+          </a:prstGeom>
+          <a:ln>
+            <a:solidFill>
+              <a:srgbClr val="FA8231"/>
+            </a:solidFill>
+          </a:ln>
+        </p:spPr>
+        <p:style>
+          <a:lnRef idx="1">
+            <a:schemeClr val="accent1"/>
+          </a:lnRef>
+          <a:fillRef idx="0">
+            <a:schemeClr val="accent1"/>
+          </a:fillRef>
+          <a:effectRef idx="0">
+            <a:schemeClr val="accent1"/>
+          </a:effectRef>
+          <a:fontRef idx="minor">
+            <a:schemeClr val="tx1"/>
+          </a:fontRef>
+        </p:style>
+      </p:cxnSp>
+      <p:sp>
+        <p:nvSpPr>
+          <p:cNvPr id="30" name="矩形: 圆角 29">
+            <a:extLst>
+              <a:ext uri="{FF2B5EF4-FFF2-40B4-BE49-F238E27FC236}">
+                <a16:creationId xmlns:a16="http://schemas.microsoft.com/office/drawing/2014/main" id="{B3CF9839-8CC9-3CA9-A81C-6244845B2B9D}"/>
+              </a:ext>
+            </a:extLst>
+          </p:cNvPr>
+          <p:cNvSpPr/>
+          <p:nvPr/>
+        </p:nvSpPr>
+        <p:spPr>
+          <a:xfrm>
+            <a:off x="5255524" y="1669505"/>
+            <a:ext cx="900000" cy="216000"/>
+          </a:xfrm>
+          <a:prstGeom prst="roundRect">
+            <a:avLst/>
+          </a:prstGeom>
+          <a:noFill/>
+          <a:ln w="12700">
+            <a:noFill/>
+          </a:ln>
+        </p:spPr>
+        <p:style>
+          <a:lnRef idx="2">
+            <a:schemeClr val="accent1">
+              <a:shade val="15000"/>
+            </a:schemeClr>
+          </a:lnRef>
+          <a:fillRef idx="1">
+            <a:schemeClr val="accent1"/>
+          </a:fillRef>
+          <a:effectRef idx="0">
+            <a:schemeClr val="accent1"/>
+          </a:effectRef>
+          <a:fontRef idx="minor">
+            <a:schemeClr val="lt1"/>
+          </a:fontRef>
+        </p:style>
+        <p:txBody>
+          <a:bodyPr rtlCol="0" anchor="ctr"/>
+          <a:lstStyle/>
+          <a:p>
+            <a:pPr algn="just"/>
+            <a:r>
+              <a:rPr lang="en-US" altLang="zh-CN" sz="800">
+                <a:solidFill>
+                  <a:sysClr val="windowText" lastClr="000000"/>
+                </a:solidFill>
+                <a:latin typeface="Quicksand" panose="00000500000000000000" pitchFamily="2" charset="0"/>
+              </a:rPr>
+              <a:t>z-index</a:t>
+            </a:r>
+            <a:endParaRPr lang="zh-CN" altLang="en-US" sz="800">
+              <a:solidFill>
+                <a:sysClr val="windowText" lastClr="000000"/>
+              </a:solidFill>
+              <a:latin typeface="Quicksand" panose="00000500000000000000" pitchFamily="2" charset="0"/>
+            </a:endParaRPr>
+          </a:p>
+        </p:txBody>
+      </p:sp>
+      <p:cxnSp>
+        <p:nvCxnSpPr>
+          <p:cNvPr id="31" name="连接符: 曲线 30">
+            <a:extLst>
+              <a:ext uri="{FF2B5EF4-FFF2-40B4-BE49-F238E27FC236}">
+                <a16:creationId xmlns:a16="http://schemas.microsoft.com/office/drawing/2014/main" id="{B8648CF6-42FB-369B-2B6C-BC879631CFA8}"/>
+              </a:ext>
+            </a:extLst>
+          </p:cNvPr>
+          <p:cNvCxnSpPr>
+            <a:cxnSpLocks/>
+            <a:stCxn id="8" idx="3"/>
+            <a:endCxn id="30" idx="1"/>
+          </p:cNvCxnSpPr>
+          <p:nvPr/>
+        </p:nvCxnSpPr>
+        <p:spPr>
+          <a:xfrm>
+            <a:off x="5139109" y="1400968"/>
+            <a:ext cx="116415" cy="376537"/>
+          </a:xfrm>
+          <a:prstGeom prst="curvedConnector3">
+            <a:avLst>
+              <a:gd name="adj1" fmla="val 50000"/>
+            </a:avLst>
+          </a:prstGeom>
+          <a:ln>
+            <a:solidFill>
+              <a:srgbClr val="FA8231"/>
+            </a:solidFill>
+          </a:ln>
+        </p:spPr>
+        <p:style>
+          <a:lnRef idx="1">
+            <a:schemeClr val="accent1"/>
+          </a:lnRef>
+          <a:fillRef idx="0">
+            <a:schemeClr val="accent1"/>
+          </a:fillRef>
+          <a:effectRef idx="0">
+            <a:schemeClr val="accent1"/>
+          </a:effectRef>
+          <a:fontRef idx="minor">
+            <a:schemeClr val="tx1"/>
+          </a:fontRef>
+        </p:style>
+      </p:cxnSp>
+      <p:cxnSp>
+        <p:nvCxnSpPr>
+          <p:cNvPr id="44" name="连接符: 曲线 43">
+            <a:extLst>
+              <a:ext uri="{FF2B5EF4-FFF2-40B4-BE49-F238E27FC236}">
+                <a16:creationId xmlns:a16="http://schemas.microsoft.com/office/drawing/2014/main" id="{D143F896-9E47-0144-A43A-F064BC94F769}"/>
+              </a:ext>
+            </a:extLst>
+          </p:cNvPr>
+          <p:cNvCxnSpPr>
+            <a:cxnSpLocks/>
+            <a:stCxn id="24" idx="3"/>
+            <a:endCxn id="30" idx="1"/>
+          </p:cNvCxnSpPr>
+          <p:nvPr/>
+        </p:nvCxnSpPr>
+        <p:spPr>
+          <a:xfrm flipV="1">
+            <a:off x="5139109" y="1777505"/>
+            <a:ext cx="116415" cy="376732"/>
+          </a:xfrm>
+          <a:prstGeom prst="curvedConnector3">
+            <a:avLst>
+              <a:gd name="adj1" fmla="val 50000"/>
+            </a:avLst>
+          </a:prstGeom>
+          <a:ln>
+            <a:solidFill>
+              <a:srgbClr val="FA8231"/>
+            </a:solidFill>
+          </a:ln>
+        </p:spPr>
+        <p:style>
+          <a:lnRef idx="1">
+            <a:schemeClr val="accent1"/>
+          </a:lnRef>
+          <a:fillRef idx="0">
+            <a:schemeClr val="accent1"/>
+          </a:fillRef>
+          <a:effectRef idx="0">
+            <a:schemeClr val="accent1"/>
+          </a:effectRef>
+          <a:fontRef idx="minor">
+            <a:schemeClr val="tx1"/>
+          </a:fontRef>
+        </p:style>
+      </p:cxnSp>
+      <p:cxnSp>
+        <p:nvCxnSpPr>
+          <p:cNvPr id="66" name="直接连接符 65">
+            <a:extLst>
+              <a:ext uri="{FF2B5EF4-FFF2-40B4-BE49-F238E27FC236}">
+                <a16:creationId xmlns:a16="http://schemas.microsoft.com/office/drawing/2014/main" id="{3AFF6F1D-82F0-A130-42F5-68BC54B1CD8B}"/>
+              </a:ext>
+            </a:extLst>
+          </p:cNvPr>
+          <p:cNvCxnSpPr>
+            <a:cxnSpLocks/>
+            <a:stCxn id="28" idx="3"/>
+            <a:endCxn id="2" idx="1"/>
+          </p:cNvCxnSpPr>
+          <p:nvPr/>
+        </p:nvCxnSpPr>
+        <p:spPr>
+          <a:xfrm>
+            <a:off x="1935806" y="2750816"/>
+            <a:ext cx="154805" cy="0"/>
+          </a:xfrm>
+          <a:prstGeom prst="line">
+            <a:avLst/>
+          </a:prstGeom>
+          <a:ln>
+            <a:solidFill>
+              <a:srgbClr val="AFABAB"/>
+            </a:solidFill>
+          </a:ln>
+        </p:spPr>
+        <p:style>
+          <a:lnRef idx="1">
+            <a:schemeClr val="accent1"/>
+          </a:lnRef>
+          <a:fillRef idx="0">
+            <a:schemeClr val="accent1"/>
+          </a:fillRef>
+          <a:effectRef idx="0">
+            <a:schemeClr val="accent1"/>
+          </a:effectRef>
+          <a:fontRef idx="minor">
+            <a:schemeClr val="tx1"/>
+          </a:fontRef>
+        </p:style>
+      </p:cxnSp>
+      <p:cxnSp>
+        <p:nvCxnSpPr>
+          <p:cNvPr id="72" name="连接符: 曲线 71">
+            <a:extLst>
+              <a:ext uri="{FF2B5EF4-FFF2-40B4-BE49-F238E27FC236}">
+                <a16:creationId xmlns:a16="http://schemas.microsoft.com/office/drawing/2014/main" id="{CD9B6E0C-9F75-365E-F8A8-85C4344BE035}"/>
+              </a:ext>
+            </a:extLst>
+          </p:cNvPr>
+          <p:cNvCxnSpPr>
+            <a:cxnSpLocks/>
+            <a:stCxn id="36" idx="3"/>
+            <a:endCxn id="39" idx="1"/>
+          </p:cNvCxnSpPr>
+          <p:nvPr/>
+        </p:nvCxnSpPr>
+        <p:spPr>
+          <a:xfrm>
+            <a:off x="5159333" y="609732"/>
+            <a:ext cx="146991" cy="126000"/>
+          </a:xfrm>
+          <a:prstGeom prst="curvedConnector3">
+            <a:avLst>
+              <a:gd name="adj1" fmla="val 50000"/>
+            </a:avLst>
+          </a:prstGeom>
+          <a:ln>
+            <a:solidFill>
+              <a:srgbClr val="3DC1D3"/>
+            </a:solidFill>
+          </a:ln>
+        </p:spPr>
+        <p:style>
+          <a:lnRef idx="1">
+            <a:schemeClr val="accent1"/>
+          </a:lnRef>
+          <a:fillRef idx="0">
+            <a:schemeClr val="accent1"/>
+          </a:fillRef>
+          <a:effectRef idx="0">
+            <a:schemeClr val="accent1"/>
+          </a:effectRef>
+          <a:fontRef idx="minor">
+            <a:schemeClr val="tx1"/>
+          </a:fontRef>
+        </p:style>
+      </p:cxnSp>
+      <p:cxnSp>
+        <p:nvCxnSpPr>
+          <p:cNvPr id="75" name="连接符: 曲线 74">
+            <a:extLst>
+              <a:ext uri="{FF2B5EF4-FFF2-40B4-BE49-F238E27FC236}">
+                <a16:creationId xmlns:a16="http://schemas.microsoft.com/office/drawing/2014/main" id="{6D19163B-D2F5-8871-E03C-BE29DC738EBB}"/>
+              </a:ext>
+            </a:extLst>
+          </p:cNvPr>
+          <p:cNvCxnSpPr>
+            <a:cxnSpLocks/>
+            <a:stCxn id="37" idx="3"/>
+            <a:endCxn id="39" idx="1"/>
+          </p:cNvCxnSpPr>
+          <p:nvPr/>
+        </p:nvCxnSpPr>
+        <p:spPr>
+          <a:xfrm flipV="1">
+            <a:off x="5159333" y="735732"/>
+            <a:ext cx="146991" cy="126000"/>
+          </a:xfrm>
+          <a:prstGeom prst="curvedConnector3">
+            <a:avLst>
+              <a:gd name="adj1" fmla="val 50000"/>
+            </a:avLst>
+          </a:prstGeom>
+          <a:ln>
+            <a:solidFill>
+              <a:srgbClr val="3DC1D3"/>
+            </a:solidFill>
+          </a:ln>
+        </p:spPr>
+        <p:style>
+          <a:lnRef idx="1">
+            <a:schemeClr val="accent1"/>
+          </a:lnRef>
+          <a:fillRef idx="0">
+            <a:schemeClr val="accent1"/>
+          </a:fillRef>
+          <a:effectRef idx="0">
+            <a:schemeClr val="accent1"/>
+          </a:effectRef>
+          <a:fontRef idx="minor">
+            <a:schemeClr val="tx1"/>
+          </a:fontRef>
+        </p:style>
+      </p:cxnSp>
+      <p:sp>
+        <p:nvSpPr>
+          <p:cNvPr id="79" name="矩形: 圆角 78">
+            <a:extLst>
+              <a:ext uri="{FF2B5EF4-FFF2-40B4-BE49-F238E27FC236}">
+                <a16:creationId xmlns:a16="http://schemas.microsoft.com/office/drawing/2014/main" id="{CCDD3B2A-467A-A3F5-2899-7C14090D296F}"/>
+              </a:ext>
+            </a:extLst>
+          </p:cNvPr>
+          <p:cNvSpPr/>
+          <p:nvPr/>
+        </p:nvSpPr>
+        <p:spPr>
+          <a:xfrm>
+            <a:off x="5255524" y="2517898"/>
+            <a:ext cx="900000" cy="216000"/>
+          </a:xfrm>
+          <a:prstGeom prst="roundRect">
+            <a:avLst/>
+          </a:prstGeom>
+          <a:noFill/>
+          <a:ln w="12700">
+            <a:noFill/>
+          </a:ln>
+        </p:spPr>
+        <p:style>
+          <a:lnRef idx="2">
+            <a:schemeClr val="accent1">
+              <a:shade val="15000"/>
+            </a:schemeClr>
+          </a:lnRef>
+          <a:fillRef idx="1">
+            <a:schemeClr val="accent1"/>
+          </a:fillRef>
+          <a:effectRef idx="0">
+            <a:schemeClr val="accent1"/>
+          </a:effectRef>
+          <a:fontRef idx="minor">
+            <a:schemeClr val="lt1"/>
+          </a:fontRef>
+        </p:style>
+        <p:txBody>
+          <a:bodyPr rtlCol="0" anchor="ctr"/>
+          <a:lstStyle/>
+          <a:p>
+            <a:pPr algn="just"/>
+            <a:r>
+              <a:rPr lang="en-US" altLang="zh-CN" sz="800">
+                <a:solidFill>
+                  <a:sysClr val="windowText" lastClr="000000"/>
+                </a:solidFill>
+                <a:latin typeface="Quicksand" panose="00000500000000000000" pitchFamily="2" charset="0"/>
+              </a:rPr>
+              <a:t>flex-direction</a:t>
+            </a:r>
+            <a:endParaRPr lang="zh-CN" altLang="en-US" sz="800">
+              <a:solidFill>
+                <a:sysClr val="windowText" lastClr="000000"/>
+              </a:solidFill>
+              <a:latin typeface="Quicksand" panose="00000500000000000000" pitchFamily="2" charset="0"/>
+            </a:endParaRPr>
+          </a:p>
+        </p:txBody>
+      </p:sp>
+      <p:sp>
+        <p:nvSpPr>
+          <p:cNvPr id="80" name="矩形: 圆角 79">
+            <a:extLst>
+              <a:ext uri="{FF2B5EF4-FFF2-40B4-BE49-F238E27FC236}">
+                <a16:creationId xmlns:a16="http://schemas.microsoft.com/office/drawing/2014/main" id="{8C7F3F4D-0106-2336-F6B1-8A5F6FE264B5}"/>
+              </a:ext>
+            </a:extLst>
+          </p:cNvPr>
+          <p:cNvSpPr/>
+          <p:nvPr/>
+        </p:nvSpPr>
+        <p:spPr>
+          <a:xfrm>
+            <a:off x="5255524" y="2769562"/>
+            <a:ext cx="900000" cy="216000"/>
+          </a:xfrm>
+          <a:prstGeom prst="roundRect">
+            <a:avLst/>
+          </a:prstGeom>
+          <a:noFill/>
+          <a:ln w="12700">
+            <a:noFill/>
+          </a:ln>
+        </p:spPr>
+        <p:style>
+          <a:lnRef idx="2">
+            <a:schemeClr val="accent1">
+              <a:shade val="15000"/>
+            </a:schemeClr>
+          </a:lnRef>
+          <a:fillRef idx="1">
+            <a:schemeClr val="accent1"/>
+          </a:fillRef>
+          <a:effectRef idx="0">
+            <a:schemeClr val="accent1"/>
+          </a:effectRef>
+          <a:fontRef idx="minor">
+            <a:schemeClr val="lt1"/>
+          </a:fontRef>
+        </p:style>
+        <p:txBody>
+          <a:bodyPr rtlCol="0" anchor="ctr"/>
+          <a:lstStyle/>
+          <a:p>
+            <a:pPr algn="just"/>
+            <a:r>
+              <a:rPr lang="en-US" altLang="zh-CN" sz="800">
+                <a:solidFill>
+                  <a:sysClr val="windowText" lastClr="000000"/>
+                </a:solidFill>
+                <a:latin typeface="Quicksand" panose="00000500000000000000" pitchFamily="2" charset="0"/>
+              </a:rPr>
+              <a:t>justify-content</a:t>
+            </a:r>
+            <a:endParaRPr lang="zh-CN" altLang="en-US" sz="800">
+              <a:solidFill>
+                <a:sysClr val="windowText" lastClr="000000"/>
+              </a:solidFill>
+              <a:latin typeface="Quicksand" panose="00000500000000000000" pitchFamily="2" charset="0"/>
+            </a:endParaRPr>
+          </a:p>
+        </p:txBody>
+      </p:sp>
+      <p:sp>
+        <p:nvSpPr>
+          <p:cNvPr id="81" name="矩形: 圆角 80">
+            <a:extLst>
+              <a:ext uri="{FF2B5EF4-FFF2-40B4-BE49-F238E27FC236}">
+                <a16:creationId xmlns:a16="http://schemas.microsoft.com/office/drawing/2014/main" id="{7FFF15F6-8DED-678E-4516-116F88EFEFC1}"/>
+              </a:ext>
+            </a:extLst>
+          </p:cNvPr>
+          <p:cNvSpPr/>
+          <p:nvPr/>
+        </p:nvSpPr>
+        <p:spPr>
+          <a:xfrm>
+            <a:off x="5255524" y="3017962"/>
+            <a:ext cx="900000" cy="216000"/>
+          </a:xfrm>
+          <a:prstGeom prst="roundRect">
+            <a:avLst/>
+          </a:prstGeom>
+          <a:noFill/>
+          <a:ln w="12700">
+            <a:noFill/>
+          </a:ln>
+        </p:spPr>
+        <p:style>
+          <a:lnRef idx="2">
+            <a:schemeClr val="accent1">
+              <a:shade val="15000"/>
+            </a:schemeClr>
+          </a:lnRef>
+          <a:fillRef idx="1">
+            <a:schemeClr val="accent1"/>
+          </a:fillRef>
+          <a:effectRef idx="0">
+            <a:schemeClr val="accent1"/>
+          </a:effectRef>
+          <a:fontRef idx="minor">
+            <a:schemeClr val="lt1"/>
+          </a:fontRef>
+        </p:style>
+        <p:txBody>
+          <a:bodyPr rtlCol="0" anchor="ctr"/>
+          <a:lstStyle/>
+          <a:p>
+            <a:pPr algn="just"/>
+            <a:r>
+              <a:rPr lang="en-US" altLang="zh-CN" sz="800">
+                <a:solidFill>
+                  <a:sysClr val="windowText" lastClr="000000"/>
+                </a:solidFill>
+                <a:latin typeface="Quicksand" panose="00000500000000000000" pitchFamily="2" charset="0"/>
+              </a:rPr>
+              <a:t>align-items</a:t>
+            </a:r>
+            <a:endParaRPr lang="zh-CN" altLang="en-US" sz="800">
+              <a:solidFill>
+                <a:sysClr val="windowText" lastClr="000000"/>
+              </a:solidFill>
+              <a:latin typeface="Quicksand" panose="00000500000000000000" pitchFamily="2" charset="0"/>
+            </a:endParaRPr>
+          </a:p>
+        </p:txBody>
+      </p:sp>
+      <p:sp>
+        <p:nvSpPr>
+          <p:cNvPr id="82" name="矩形: 圆角 81">
+            <a:extLst>
+              <a:ext uri="{FF2B5EF4-FFF2-40B4-BE49-F238E27FC236}">
+                <a16:creationId xmlns:a16="http://schemas.microsoft.com/office/drawing/2014/main" id="{385115E1-35AF-7B3F-9B0C-0FED5EC97188}"/>
+              </a:ext>
+            </a:extLst>
+          </p:cNvPr>
+          <p:cNvSpPr/>
+          <p:nvPr/>
+        </p:nvSpPr>
+        <p:spPr>
+          <a:xfrm>
+            <a:off x="5255524" y="3262762"/>
+            <a:ext cx="900000" cy="216000"/>
+          </a:xfrm>
+          <a:prstGeom prst="roundRect">
+            <a:avLst/>
+          </a:prstGeom>
+          <a:noFill/>
+          <a:ln w="12700">
+            <a:noFill/>
+          </a:ln>
+        </p:spPr>
+        <p:style>
+          <a:lnRef idx="2">
+            <a:schemeClr val="accent1">
+              <a:shade val="15000"/>
+            </a:schemeClr>
+          </a:lnRef>
+          <a:fillRef idx="1">
+            <a:schemeClr val="accent1"/>
+          </a:fillRef>
+          <a:effectRef idx="0">
+            <a:schemeClr val="accent1"/>
+          </a:effectRef>
+          <a:fontRef idx="minor">
+            <a:schemeClr val="lt1"/>
+          </a:fontRef>
+        </p:style>
+        <p:txBody>
+          <a:bodyPr rtlCol="0" anchor="ctr"/>
+          <a:lstStyle/>
+          <a:p>
+            <a:pPr algn="just"/>
+            <a:r>
+              <a:rPr lang="en-US" altLang="zh-CN" sz="800">
+                <a:solidFill>
+                  <a:sysClr val="windowText" lastClr="000000"/>
+                </a:solidFill>
+                <a:latin typeface="Quicksand" panose="00000500000000000000" pitchFamily="2" charset="0"/>
+              </a:rPr>
+              <a:t>flex-wrap</a:t>
+            </a:r>
+            <a:endParaRPr lang="zh-CN" altLang="en-US" sz="800">
+              <a:solidFill>
+                <a:sysClr val="windowText" lastClr="000000"/>
+              </a:solidFill>
+              <a:latin typeface="Quicksand" panose="00000500000000000000" pitchFamily="2" charset="0"/>
+            </a:endParaRPr>
+          </a:p>
+        </p:txBody>
+      </p:sp>
+      <p:sp>
+        <p:nvSpPr>
+          <p:cNvPr id="83" name="矩形: 圆角 82">
+            <a:extLst>
+              <a:ext uri="{FF2B5EF4-FFF2-40B4-BE49-F238E27FC236}">
+                <a16:creationId xmlns:a16="http://schemas.microsoft.com/office/drawing/2014/main" id="{98C1AB6B-3AEB-B12E-4601-AACDB8A84ABA}"/>
+              </a:ext>
+            </a:extLst>
+          </p:cNvPr>
+          <p:cNvSpPr/>
+          <p:nvPr/>
+        </p:nvSpPr>
+        <p:spPr>
+          <a:xfrm>
+            <a:off x="5255524" y="3514762"/>
+            <a:ext cx="900000" cy="216000"/>
+          </a:xfrm>
+          <a:prstGeom prst="roundRect">
+            <a:avLst/>
+          </a:prstGeom>
+          <a:noFill/>
+          <a:ln w="12700">
+            <a:noFill/>
+          </a:ln>
+        </p:spPr>
+        <p:style>
+          <a:lnRef idx="2">
+            <a:schemeClr val="accent1">
+              <a:shade val="15000"/>
+            </a:schemeClr>
+          </a:lnRef>
+          <a:fillRef idx="1">
+            <a:schemeClr val="accent1"/>
+          </a:fillRef>
+          <a:effectRef idx="0">
+            <a:schemeClr val="accent1"/>
+          </a:effectRef>
+          <a:fontRef idx="minor">
+            <a:schemeClr val="lt1"/>
+          </a:fontRef>
+        </p:style>
+        <p:txBody>
+          <a:bodyPr rtlCol="0" anchor="ctr"/>
+          <a:lstStyle/>
+          <a:p>
+            <a:pPr algn="just"/>
+            <a:r>
+              <a:rPr lang="en-US" altLang="zh-CN" sz="800">
+                <a:solidFill>
+                  <a:sysClr val="windowText" lastClr="000000"/>
+                </a:solidFill>
+                <a:latin typeface="Quicksand" panose="00000500000000000000" pitchFamily="2" charset="0"/>
+              </a:rPr>
+              <a:t>gap</a:t>
+            </a:r>
+            <a:endParaRPr lang="zh-CN" altLang="en-US" sz="800">
+              <a:solidFill>
+                <a:sysClr val="windowText" lastClr="000000"/>
+              </a:solidFill>
+              <a:latin typeface="Quicksand" panose="00000500000000000000" pitchFamily="2" charset="0"/>
+            </a:endParaRPr>
+          </a:p>
+        </p:txBody>
+      </p:sp>
+      <p:cxnSp>
+        <p:nvCxnSpPr>
+          <p:cNvPr id="84" name="连接符: 曲线 83">
+            <a:extLst>
+              <a:ext uri="{FF2B5EF4-FFF2-40B4-BE49-F238E27FC236}">
+                <a16:creationId xmlns:a16="http://schemas.microsoft.com/office/drawing/2014/main" id="{FF8EA186-1DF7-FC73-CAB9-920EC48094D4}"/>
+              </a:ext>
+            </a:extLst>
+          </p:cNvPr>
+          <p:cNvCxnSpPr>
+            <a:cxnSpLocks/>
+            <a:stCxn id="79" idx="1"/>
+            <a:endCxn id="10" idx="3"/>
+          </p:cNvCxnSpPr>
+          <p:nvPr/>
+        </p:nvCxnSpPr>
+        <p:spPr>
+          <a:xfrm rot="10800000" flipV="1">
+            <a:off x="5139110" y="2625898"/>
+            <a:ext cx="116415" cy="500064"/>
+          </a:xfrm>
+          <a:prstGeom prst="curvedConnector3">
+            <a:avLst>
+              <a:gd name="adj1" fmla="val 50000"/>
+            </a:avLst>
+          </a:prstGeom>
+          <a:ln>
+            <a:solidFill>
+              <a:srgbClr val="EB3B5A"/>
+            </a:solidFill>
+          </a:ln>
+        </p:spPr>
+        <p:style>
+          <a:lnRef idx="1">
+            <a:schemeClr val="accent1"/>
+          </a:lnRef>
+          <a:fillRef idx="0">
+            <a:schemeClr val="accent1"/>
+          </a:fillRef>
+          <a:effectRef idx="0">
+            <a:schemeClr val="accent1"/>
+          </a:effectRef>
+          <a:fontRef idx="minor">
+            <a:schemeClr val="tx1"/>
+          </a:fontRef>
+        </p:style>
+      </p:cxnSp>
+      <p:cxnSp>
+        <p:nvCxnSpPr>
+          <p:cNvPr id="88" name="连接符: 曲线 87">
+            <a:extLst>
+              <a:ext uri="{FF2B5EF4-FFF2-40B4-BE49-F238E27FC236}">
+                <a16:creationId xmlns:a16="http://schemas.microsoft.com/office/drawing/2014/main" id="{556E41C7-376D-225E-7226-3864909BE88F}"/>
+              </a:ext>
+            </a:extLst>
+          </p:cNvPr>
+          <p:cNvCxnSpPr>
+            <a:cxnSpLocks/>
+            <a:stCxn id="83" idx="1"/>
+            <a:endCxn id="10" idx="3"/>
+          </p:cNvCxnSpPr>
+          <p:nvPr/>
+        </p:nvCxnSpPr>
+        <p:spPr>
+          <a:xfrm rot="10800000">
+            <a:off x="5139110" y="3125962"/>
+            <a:ext cx="116415" cy="496800"/>
+          </a:xfrm>
+          <a:prstGeom prst="curvedConnector3">
+            <a:avLst>
+              <a:gd name="adj1" fmla="val 50000"/>
+            </a:avLst>
+          </a:prstGeom>
+          <a:ln>
+            <a:solidFill>
+              <a:srgbClr val="EB3B5A"/>
+            </a:solidFill>
+          </a:ln>
+        </p:spPr>
+        <p:style>
+          <a:lnRef idx="1">
+            <a:schemeClr val="accent1"/>
+          </a:lnRef>
+          <a:fillRef idx="0">
+            <a:schemeClr val="accent1"/>
+          </a:fillRef>
+          <a:effectRef idx="0">
+            <a:schemeClr val="accent1"/>
+          </a:effectRef>
+          <a:fontRef idx="minor">
+            <a:schemeClr val="tx1"/>
+          </a:fontRef>
+        </p:style>
+      </p:cxnSp>
+      <p:sp>
+        <p:nvSpPr>
+          <p:cNvPr id="91" name="矩形: 圆角 90">
+            <a:extLst>
+              <a:ext uri="{FF2B5EF4-FFF2-40B4-BE49-F238E27FC236}">
+                <a16:creationId xmlns:a16="http://schemas.microsoft.com/office/drawing/2014/main" id="{C2FE5135-03AC-6E02-7A45-AE1490355D0E}"/>
+              </a:ext>
+            </a:extLst>
+          </p:cNvPr>
+          <p:cNvSpPr/>
+          <p:nvPr/>
+        </p:nvSpPr>
+        <p:spPr>
+          <a:xfrm>
+            <a:off x="5255524" y="3838428"/>
+            <a:ext cx="900000" cy="216000"/>
+          </a:xfrm>
+          <a:prstGeom prst="roundRect">
+            <a:avLst/>
+          </a:prstGeom>
+          <a:noFill/>
+          <a:ln w="12700">
+            <a:noFill/>
+          </a:ln>
+        </p:spPr>
+        <p:style>
+          <a:lnRef idx="2">
+            <a:schemeClr val="accent1">
+              <a:shade val="15000"/>
+            </a:schemeClr>
+          </a:lnRef>
+          <a:fillRef idx="1">
+            <a:schemeClr val="accent1"/>
+          </a:fillRef>
+          <a:effectRef idx="0">
+            <a:schemeClr val="accent1"/>
+          </a:effectRef>
+          <a:fontRef idx="minor">
+            <a:schemeClr val="lt1"/>
+          </a:fontRef>
+        </p:style>
+        <p:txBody>
+          <a:bodyPr rtlCol="0" anchor="ctr"/>
+          <a:lstStyle/>
+          <a:p>
+            <a:pPr algn="just"/>
+            <a:r>
+              <a:rPr lang="en-US" altLang="zh-CN" sz="800">
+                <a:solidFill>
+                  <a:sysClr val="windowText" lastClr="000000"/>
+                </a:solidFill>
+                <a:latin typeface="Quicksand" panose="00000500000000000000" pitchFamily="2" charset="0"/>
+              </a:rPr>
+              <a:t>flex-basis</a:t>
+            </a:r>
+            <a:endParaRPr lang="zh-CN" altLang="en-US" sz="800">
+              <a:solidFill>
+                <a:sysClr val="windowText" lastClr="000000"/>
+              </a:solidFill>
+              <a:latin typeface="Quicksand" panose="00000500000000000000" pitchFamily="2" charset="0"/>
+            </a:endParaRPr>
+          </a:p>
+        </p:txBody>
+      </p:sp>
+      <p:sp>
+        <p:nvSpPr>
+          <p:cNvPr id="92" name="矩形: 圆角 91">
+            <a:extLst>
+              <a:ext uri="{FF2B5EF4-FFF2-40B4-BE49-F238E27FC236}">
+                <a16:creationId xmlns:a16="http://schemas.microsoft.com/office/drawing/2014/main" id="{52363A63-825D-F240-6EA0-B128399A9159}"/>
+              </a:ext>
+            </a:extLst>
+          </p:cNvPr>
+          <p:cNvSpPr/>
+          <p:nvPr/>
+        </p:nvSpPr>
+        <p:spPr>
+          <a:xfrm>
+            <a:off x="5255524" y="4090092"/>
+            <a:ext cx="900000" cy="216000"/>
+          </a:xfrm>
+          <a:prstGeom prst="roundRect">
+            <a:avLst/>
+          </a:prstGeom>
+          <a:noFill/>
+          <a:ln w="12700">
+            <a:noFill/>
+          </a:ln>
+        </p:spPr>
+        <p:style>
+          <a:lnRef idx="2">
+            <a:schemeClr val="accent1">
+              <a:shade val="15000"/>
+            </a:schemeClr>
+          </a:lnRef>
+          <a:fillRef idx="1">
+            <a:schemeClr val="accent1"/>
+          </a:fillRef>
+          <a:effectRef idx="0">
+            <a:schemeClr val="accent1"/>
+          </a:effectRef>
+          <a:fontRef idx="minor">
+            <a:schemeClr val="lt1"/>
+          </a:fontRef>
+        </p:style>
+        <p:txBody>
+          <a:bodyPr rtlCol="0" anchor="ctr"/>
+          <a:lstStyle/>
+          <a:p>
+            <a:pPr algn="just"/>
+            <a:r>
+              <a:rPr lang="en-US" altLang="zh-CN" sz="800">
+                <a:solidFill>
+                  <a:sysClr val="windowText" lastClr="000000"/>
+                </a:solidFill>
+                <a:latin typeface="Quicksand" panose="00000500000000000000" pitchFamily="2" charset="0"/>
+              </a:rPr>
+              <a:t>flex-grow</a:t>
+            </a:r>
+            <a:endParaRPr lang="zh-CN" altLang="en-US" sz="800">
+              <a:solidFill>
+                <a:sysClr val="windowText" lastClr="000000"/>
+              </a:solidFill>
+              <a:latin typeface="Quicksand" panose="00000500000000000000" pitchFamily="2" charset="0"/>
+            </a:endParaRPr>
+          </a:p>
+        </p:txBody>
+      </p:sp>
+      <p:sp>
+        <p:nvSpPr>
+          <p:cNvPr id="93" name="矩形: 圆角 92">
+            <a:extLst>
+              <a:ext uri="{FF2B5EF4-FFF2-40B4-BE49-F238E27FC236}">
+                <a16:creationId xmlns:a16="http://schemas.microsoft.com/office/drawing/2014/main" id="{4CA7F7F6-E7D5-9DAD-DE36-4F5550246268}"/>
+              </a:ext>
+            </a:extLst>
+          </p:cNvPr>
+          <p:cNvSpPr/>
+          <p:nvPr/>
+        </p:nvSpPr>
+        <p:spPr>
+          <a:xfrm>
+            <a:off x="5255524" y="4338492"/>
+            <a:ext cx="900000" cy="216000"/>
+          </a:xfrm>
+          <a:prstGeom prst="roundRect">
+            <a:avLst/>
+          </a:prstGeom>
+          <a:noFill/>
+          <a:ln w="12700">
+            <a:noFill/>
+          </a:ln>
+        </p:spPr>
+        <p:style>
+          <a:lnRef idx="2">
+            <a:schemeClr val="accent1">
+              <a:shade val="15000"/>
+            </a:schemeClr>
+          </a:lnRef>
+          <a:fillRef idx="1">
+            <a:schemeClr val="accent1"/>
+          </a:fillRef>
+          <a:effectRef idx="0">
+            <a:schemeClr val="accent1"/>
+          </a:effectRef>
+          <a:fontRef idx="minor">
+            <a:schemeClr val="lt1"/>
+          </a:fontRef>
+        </p:style>
+        <p:txBody>
+          <a:bodyPr rtlCol="0" anchor="ctr"/>
+          <a:lstStyle/>
+          <a:p>
+            <a:pPr algn="just"/>
+            <a:r>
+              <a:rPr lang="en-US" altLang="zh-CN" sz="800">
+                <a:solidFill>
+                  <a:sysClr val="windowText" lastClr="000000"/>
+                </a:solidFill>
+                <a:latin typeface="Quicksand" panose="00000500000000000000" pitchFamily="2" charset="0"/>
+              </a:rPr>
+              <a:t>flex-shrink</a:t>
+            </a:r>
+            <a:endParaRPr lang="zh-CN" altLang="en-US" sz="800">
+              <a:solidFill>
+                <a:sysClr val="windowText" lastClr="000000"/>
+              </a:solidFill>
+              <a:latin typeface="Quicksand" panose="00000500000000000000" pitchFamily="2" charset="0"/>
+            </a:endParaRPr>
+          </a:p>
+        </p:txBody>
+      </p:sp>
+      <p:sp>
+        <p:nvSpPr>
+          <p:cNvPr id="94" name="矩形: 圆角 93">
+            <a:extLst>
+              <a:ext uri="{FF2B5EF4-FFF2-40B4-BE49-F238E27FC236}">
+                <a16:creationId xmlns:a16="http://schemas.microsoft.com/office/drawing/2014/main" id="{B5CA0E07-097C-29F7-7997-8EF996EC89DA}"/>
+              </a:ext>
+            </a:extLst>
+          </p:cNvPr>
+          <p:cNvSpPr/>
+          <p:nvPr/>
+        </p:nvSpPr>
+        <p:spPr>
+          <a:xfrm>
+            <a:off x="5255524" y="4583292"/>
+            <a:ext cx="900000" cy="216000"/>
+          </a:xfrm>
+          <a:prstGeom prst="roundRect">
+            <a:avLst/>
+          </a:prstGeom>
+          <a:noFill/>
+          <a:ln w="12700">
+            <a:noFill/>
+          </a:ln>
+        </p:spPr>
+        <p:style>
+          <a:lnRef idx="2">
+            <a:schemeClr val="accent1">
+              <a:shade val="15000"/>
+            </a:schemeClr>
+          </a:lnRef>
+          <a:fillRef idx="1">
+            <a:schemeClr val="accent1"/>
+          </a:fillRef>
+          <a:effectRef idx="0">
+            <a:schemeClr val="accent1"/>
+          </a:effectRef>
+          <a:fontRef idx="minor">
+            <a:schemeClr val="lt1"/>
+          </a:fontRef>
+        </p:style>
+        <p:txBody>
+          <a:bodyPr rtlCol="0" anchor="ctr"/>
+          <a:lstStyle/>
+          <a:p>
+            <a:pPr algn="just"/>
+            <a:r>
+              <a:rPr lang="en-US" altLang="zh-CN" sz="800">
+                <a:solidFill>
+                  <a:sysClr val="windowText" lastClr="000000"/>
+                </a:solidFill>
+                <a:latin typeface="Quicksand" panose="00000500000000000000" pitchFamily="2" charset="0"/>
+              </a:rPr>
+              <a:t>order</a:t>
+            </a:r>
+            <a:endParaRPr lang="zh-CN" altLang="en-US" sz="800">
+              <a:solidFill>
+                <a:sysClr val="windowText" lastClr="000000"/>
+              </a:solidFill>
+              <a:latin typeface="Quicksand" panose="00000500000000000000" pitchFamily="2" charset="0"/>
+            </a:endParaRPr>
+          </a:p>
+        </p:txBody>
+      </p:sp>
+      <p:cxnSp>
+        <p:nvCxnSpPr>
+          <p:cNvPr id="96" name="连接符: 曲线 95">
+            <a:extLst>
+              <a:ext uri="{FF2B5EF4-FFF2-40B4-BE49-F238E27FC236}">
+                <a16:creationId xmlns:a16="http://schemas.microsoft.com/office/drawing/2014/main" id="{15F772AA-ED96-A648-62C4-CAE545578DC1}"/>
+              </a:ext>
+            </a:extLst>
+          </p:cNvPr>
+          <p:cNvCxnSpPr>
+            <a:cxnSpLocks/>
+            <a:stCxn id="91" idx="1"/>
+            <a:endCxn id="58" idx="3"/>
+          </p:cNvCxnSpPr>
+          <p:nvPr/>
+        </p:nvCxnSpPr>
+        <p:spPr>
+          <a:xfrm rot="10800000" flipV="1">
+            <a:off x="5139110" y="3946428"/>
+            <a:ext cx="116415" cy="375864"/>
+          </a:xfrm>
+          <a:prstGeom prst="curvedConnector3">
+            <a:avLst>
+              <a:gd name="adj1" fmla="val 50000"/>
+            </a:avLst>
+          </a:prstGeom>
+          <a:ln>
+            <a:solidFill>
+              <a:srgbClr val="EB3B5A"/>
+            </a:solidFill>
+          </a:ln>
+        </p:spPr>
+        <p:style>
+          <a:lnRef idx="1">
+            <a:schemeClr val="accent1"/>
+          </a:lnRef>
+          <a:fillRef idx="0">
+            <a:schemeClr val="accent1"/>
+          </a:fillRef>
+          <a:effectRef idx="0">
+            <a:schemeClr val="accent1"/>
+          </a:effectRef>
+          <a:fontRef idx="minor">
+            <a:schemeClr val="tx1"/>
+          </a:fontRef>
+        </p:style>
+      </p:cxnSp>
+      <p:cxnSp>
+        <p:nvCxnSpPr>
+          <p:cNvPr id="99" name="连接符: 曲线 98">
+            <a:extLst>
+              <a:ext uri="{FF2B5EF4-FFF2-40B4-BE49-F238E27FC236}">
+                <a16:creationId xmlns:a16="http://schemas.microsoft.com/office/drawing/2014/main" id="{BA98A774-9247-564E-74E9-DAA4A9BFA6AB}"/>
+              </a:ext>
+            </a:extLst>
+          </p:cNvPr>
+          <p:cNvCxnSpPr>
+            <a:cxnSpLocks/>
+            <a:stCxn id="94" idx="1"/>
+            <a:endCxn id="58" idx="3"/>
+          </p:cNvCxnSpPr>
+          <p:nvPr/>
+        </p:nvCxnSpPr>
+        <p:spPr>
+          <a:xfrm rot="10800000">
+            <a:off x="5139110" y="4322292"/>
+            <a:ext cx="116415" cy="369000"/>
+          </a:xfrm>
+          <a:prstGeom prst="curvedConnector3">
+            <a:avLst>
+              <a:gd name="adj1" fmla="val 50000"/>
+            </a:avLst>
+          </a:prstGeom>
+          <a:ln>
+            <a:solidFill>
+              <a:srgbClr val="EB3B5A"/>
+            </a:solidFill>
+          </a:ln>
+        </p:spPr>
+        <p:style>
+          <a:lnRef idx="1">
+            <a:schemeClr val="accent1"/>
+          </a:lnRef>
+          <a:fillRef idx="0">
+            <a:schemeClr val="accent1"/>
+          </a:fillRef>
+          <a:effectRef idx="0">
+            <a:schemeClr val="accent1"/>
+          </a:effectRef>
+          <a:fontRef idx="minor">
+            <a:schemeClr val="tx1"/>
+          </a:fontRef>
+        </p:style>
+      </p:cxnSp>
+      <p:sp>
+        <p:nvSpPr>
+          <p:cNvPr id="104" name="矩形: 圆角 103">
+            <a:extLst>
+              <a:ext uri="{FF2B5EF4-FFF2-40B4-BE49-F238E27FC236}">
+                <a16:creationId xmlns:a16="http://schemas.microsoft.com/office/drawing/2014/main" id="{ADFDF415-2E45-7615-C710-A34E668FF872}"/>
+              </a:ext>
+            </a:extLst>
+          </p:cNvPr>
+          <p:cNvSpPr/>
+          <p:nvPr/>
+        </p:nvSpPr>
+        <p:spPr>
+          <a:xfrm>
+            <a:off x="5255524" y="5127620"/>
+            <a:ext cx="1440000" cy="216000"/>
+          </a:xfrm>
+          <a:prstGeom prst="roundRect">
+            <a:avLst/>
+          </a:prstGeom>
+          <a:noFill/>
+          <a:ln w="12700">
+            <a:noFill/>
+          </a:ln>
+        </p:spPr>
+        <p:style>
+          <a:lnRef idx="2">
+            <a:schemeClr val="accent1">
+              <a:shade val="15000"/>
+            </a:schemeClr>
+          </a:lnRef>
+          <a:fillRef idx="1">
+            <a:schemeClr val="accent1"/>
+          </a:fillRef>
+          <a:effectRef idx="0">
+            <a:schemeClr val="accent1"/>
+          </a:effectRef>
+          <a:fontRef idx="minor">
+            <a:schemeClr val="lt1"/>
+          </a:fontRef>
+        </p:style>
+        <p:txBody>
+          <a:bodyPr rtlCol="0" anchor="ctr"/>
+          <a:lstStyle/>
+          <a:p>
+            <a:pPr algn="just"/>
+            <a:r>
+              <a:rPr lang="en-US" altLang="zh-CN" sz="800">
+                <a:solidFill>
+                  <a:sysClr val="windowText" lastClr="000000"/>
+                </a:solidFill>
+                <a:latin typeface="Quicksand" panose="00000500000000000000" pitchFamily="2" charset="0"/>
+              </a:rPr>
+              <a:t>grid-template-columns</a:t>
+            </a:r>
+            <a:endParaRPr lang="zh-CN" altLang="en-US" sz="800">
+              <a:solidFill>
+                <a:sysClr val="windowText" lastClr="000000"/>
+              </a:solidFill>
+              <a:latin typeface="Quicksand" panose="00000500000000000000" pitchFamily="2" charset="0"/>
+            </a:endParaRPr>
+          </a:p>
+        </p:txBody>
+      </p:sp>
+      <p:sp>
+        <p:nvSpPr>
+          <p:cNvPr id="106" name="矩形: 圆角 105">
+            <a:extLst>
+              <a:ext uri="{FF2B5EF4-FFF2-40B4-BE49-F238E27FC236}">
+                <a16:creationId xmlns:a16="http://schemas.microsoft.com/office/drawing/2014/main" id="{445B2E54-C1E9-4178-F708-1D4F19FA3239}"/>
+              </a:ext>
+            </a:extLst>
+          </p:cNvPr>
+          <p:cNvSpPr/>
+          <p:nvPr/>
+        </p:nvSpPr>
+        <p:spPr>
+          <a:xfrm>
+            <a:off x="5255524" y="5379284"/>
+            <a:ext cx="1440000" cy="216000"/>
+          </a:xfrm>
+          <a:prstGeom prst="roundRect">
+            <a:avLst/>
+          </a:prstGeom>
+          <a:noFill/>
+          <a:ln w="12700">
+            <a:noFill/>
+          </a:ln>
+        </p:spPr>
+        <p:style>
+          <a:lnRef idx="2">
+            <a:schemeClr val="accent1">
+              <a:shade val="15000"/>
+            </a:schemeClr>
+          </a:lnRef>
+          <a:fillRef idx="1">
+            <a:schemeClr val="accent1"/>
+          </a:fillRef>
+          <a:effectRef idx="0">
+            <a:schemeClr val="accent1"/>
+          </a:effectRef>
+          <a:fontRef idx="minor">
+            <a:schemeClr val="lt1"/>
+          </a:fontRef>
+        </p:style>
+        <p:txBody>
+          <a:bodyPr rtlCol="0" anchor="ctr"/>
+          <a:lstStyle/>
+          <a:p>
+            <a:pPr algn="just"/>
+            <a:r>
+              <a:rPr lang="en-US" altLang="zh-CN" sz="800">
+                <a:solidFill>
+                  <a:sysClr val="windowText" lastClr="000000"/>
+                </a:solidFill>
+                <a:latin typeface="Quicksand" panose="00000500000000000000" pitchFamily="2" charset="0"/>
+              </a:rPr>
+              <a:t>grid-template-rows</a:t>
+            </a:r>
+            <a:endParaRPr lang="zh-CN" altLang="en-US" sz="800">
+              <a:solidFill>
+                <a:sysClr val="windowText" lastClr="000000"/>
+              </a:solidFill>
+              <a:latin typeface="Quicksand" panose="00000500000000000000" pitchFamily="2" charset="0"/>
+            </a:endParaRPr>
+          </a:p>
+        </p:txBody>
+      </p:sp>
+      <p:sp>
+        <p:nvSpPr>
+          <p:cNvPr id="107" name="矩形: 圆角 106">
+            <a:extLst>
+              <a:ext uri="{FF2B5EF4-FFF2-40B4-BE49-F238E27FC236}">
+                <a16:creationId xmlns:a16="http://schemas.microsoft.com/office/drawing/2014/main" id="{6D07C76A-000A-6148-C257-84637EECBD9B}"/>
+              </a:ext>
+            </a:extLst>
+          </p:cNvPr>
+          <p:cNvSpPr/>
+          <p:nvPr/>
+        </p:nvSpPr>
+        <p:spPr>
+          <a:xfrm>
+            <a:off x="5255524" y="5627684"/>
+            <a:ext cx="1440000" cy="216000"/>
+          </a:xfrm>
+          <a:prstGeom prst="roundRect">
+            <a:avLst/>
+          </a:prstGeom>
+          <a:noFill/>
+          <a:ln w="12700">
+            <a:noFill/>
+          </a:ln>
+        </p:spPr>
+        <p:style>
+          <a:lnRef idx="2">
+            <a:schemeClr val="accent1">
+              <a:shade val="15000"/>
+            </a:schemeClr>
+          </a:lnRef>
+          <a:fillRef idx="1">
+            <a:schemeClr val="accent1"/>
+          </a:fillRef>
+          <a:effectRef idx="0">
+            <a:schemeClr val="accent1"/>
+          </a:effectRef>
+          <a:fontRef idx="minor">
+            <a:schemeClr val="lt1"/>
+          </a:fontRef>
+        </p:style>
+        <p:txBody>
+          <a:bodyPr rtlCol="0" anchor="ctr"/>
+          <a:lstStyle/>
+          <a:p>
+            <a:pPr algn="just"/>
+            <a:r>
+              <a:rPr lang="en-US" altLang="zh-CN" sz="800">
+                <a:solidFill>
+                  <a:sysClr val="windowText" lastClr="000000"/>
+                </a:solidFill>
+                <a:latin typeface="Quicksand" panose="00000500000000000000" pitchFamily="2" charset="0"/>
+              </a:rPr>
+              <a:t>grid-template-areas</a:t>
+            </a:r>
+            <a:endParaRPr lang="zh-CN" altLang="en-US" sz="800">
+              <a:solidFill>
+                <a:sysClr val="windowText" lastClr="000000"/>
+              </a:solidFill>
+              <a:latin typeface="Quicksand" panose="00000500000000000000" pitchFamily="2" charset="0"/>
+            </a:endParaRPr>
+          </a:p>
+        </p:txBody>
+      </p:sp>
+      <p:sp>
+        <p:nvSpPr>
+          <p:cNvPr id="108" name="矩形: 圆角 107">
+            <a:extLst>
+              <a:ext uri="{FF2B5EF4-FFF2-40B4-BE49-F238E27FC236}">
+                <a16:creationId xmlns:a16="http://schemas.microsoft.com/office/drawing/2014/main" id="{35D10F1B-4183-29FB-3543-DB9662DE3B23}"/>
+              </a:ext>
+            </a:extLst>
+          </p:cNvPr>
+          <p:cNvSpPr/>
+          <p:nvPr/>
+        </p:nvSpPr>
+        <p:spPr>
+          <a:xfrm>
+            <a:off x="5255524" y="5872484"/>
+            <a:ext cx="1440000" cy="216000"/>
+          </a:xfrm>
+          <a:prstGeom prst="roundRect">
+            <a:avLst/>
+          </a:prstGeom>
+          <a:noFill/>
+          <a:ln w="12700">
+            <a:noFill/>
+          </a:ln>
+        </p:spPr>
+        <p:style>
+          <a:lnRef idx="2">
+            <a:schemeClr val="accent1">
+              <a:shade val="15000"/>
+            </a:schemeClr>
+          </a:lnRef>
+          <a:fillRef idx="1">
+            <a:schemeClr val="accent1"/>
+          </a:fillRef>
+          <a:effectRef idx="0">
+            <a:schemeClr val="accent1"/>
+          </a:effectRef>
+          <a:fontRef idx="minor">
+            <a:schemeClr val="lt1"/>
+          </a:fontRef>
+        </p:style>
+        <p:txBody>
+          <a:bodyPr rtlCol="0" anchor="ctr"/>
+          <a:lstStyle/>
+          <a:p>
+            <a:pPr algn="just"/>
+            <a:r>
+              <a:rPr lang="en-US" altLang="zh-CN" sz="800">
+                <a:solidFill>
+                  <a:sysClr val="windowText" lastClr="000000"/>
+                </a:solidFill>
+                <a:latin typeface="Quicksand" panose="00000500000000000000" pitchFamily="2" charset="0"/>
+              </a:rPr>
+              <a:t>order</a:t>
+            </a:r>
+            <a:endParaRPr lang="zh-CN" altLang="en-US" sz="800">
+              <a:solidFill>
+                <a:sysClr val="windowText" lastClr="000000"/>
+              </a:solidFill>
+              <a:latin typeface="Quicksand" panose="00000500000000000000" pitchFamily="2" charset="0"/>
+            </a:endParaRPr>
+          </a:p>
+        </p:txBody>
+      </p:sp>
+    </p:spTree>
+    <p:extLst>
+      <p:ext uri="{BB962C8B-B14F-4D97-AF65-F5344CB8AC3E}">
+        <p14:creationId xmlns:p14="http://schemas.microsoft.com/office/powerpoint/2010/main" val="3073288407"/>
+      </p:ext>
+    </p:extLst>
+  </p:cSld>
+  <p:clrMapOvr>
+    <a:masterClrMapping/>
+  </p:clrMapOvr>
+</p:sld>
+</file>
+
+<file path=ppt/slides/slide11.xml><?xml version="1.0" encoding="utf-8"?>
 <p:sld xmlns:a="http://schemas.openxmlformats.org/drawingml/2006/main" xmlns:r="http://schemas.openxmlformats.org/officeDocument/2006/relationships" xmlns:p="http://schemas.openxmlformats.org/presentationml/2006/main">
   <p:cSld>
     <p:spTree>
@@ -5938,7 +8011,7 @@
 </p:sld>
 </file>
 
-<file path=ppt/slides/slide11.xml><?xml version="1.0" encoding="utf-8"?>
+<file path=ppt/slides/slide12.xml><?xml version="1.0" encoding="utf-8"?>
 <p:sld xmlns:a="http://schemas.openxmlformats.org/drawingml/2006/main" xmlns:r="http://schemas.openxmlformats.org/officeDocument/2006/relationships" xmlns:p="http://schemas.openxmlformats.org/presentationml/2006/main">
   <p:cSld>
     <p:spTree>
@@ -6252,7 +8325,7 @@
 </p:sld>
 </file>
 
-<file path=ppt/slides/slide12.xml><?xml version="1.0" encoding="utf-8"?>
+<file path=ppt/slides/slide13.xml><?xml version="1.0" encoding="utf-8"?>
 <p:sld xmlns:a="http://schemas.openxmlformats.org/drawingml/2006/main" xmlns:r="http://schemas.openxmlformats.org/officeDocument/2006/relationships" xmlns:p="http://schemas.openxmlformats.org/presentationml/2006/main">
   <p:cSld>
     <p:spTree>
@@ -6312,7 +8385,7 @@
 </p:sld>
 </file>
 
-<file path=ppt/slides/slide13.xml><?xml version="1.0" encoding="utf-8"?>
+<file path=ppt/slides/slide14.xml><?xml version="1.0" encoding="utf-8"?>
 <p:sld xmlns:a="http://schemas.openxmlformats.org/drawingml/2006/main" xmlns:r="http://schemas.openxmlformats.org/officeDocument/2006/relationships" xmlns:p="http://schemas.openxmlformats.org/presentationml/2006/main">
   <p:cSld>
     <p:spTree>
@@ -10269,6 +12342,1223 @@
   <p:cSld>
     <p:spTree>
       <p:nvGrpSpPr>
+        <p:cNvPr id="1" name=""/>
+        <p:cNvGrpSpPr/>
+        <p:nvPr/>
+      </p:nvGrpSpPr>
+      <p:grpSpPr>
+        <a:xfrm>
+          <a:off x="0" y="0"/>
+          <a:ext cx="0" cy="0"/>
+          <a:chOff x="0" y="0"/>
+          <a:chExt cx="0" cy="0"/>
+        </a:xfrm>
+      </p:grpSpPr>
+      <p:sp>
+        <p:nvSpPr>
+          <p:cNvPr id="2" name="矩形: 圆角 1">
+            <a:extLst>
+              <a:ext uri="{FF2B5EF4-FFF2-40B4-BE49-F238E27FC236}">
+                <a16:creationId xmlns:a16="http://schemas.microsoft.com/office/drawing/2014/main" id="{797F6B51-F2A4-1F52-B525-B119B11E43B7}"/>
+              </a:ext>
+            </a:extLst>
+          </p:cNvPr>
+          <p:cNvSpPr/>
+          <p:nvPr/>
+        </p:nvSpPr>
+        <p:spPr>
+          <a:xfrm>
+            <a:off x="2611582" y="3141518"/>
+            <a:ext cx="1080000" cy="216000"/>
+          </a:xfrm>
+          <a:prstGeom prst="roundRect">
+            <a:avLst/>
+          </a:prstGeom>
+          <a:solidFill>
+            <a:schemeClr val="tx1"/>
+          </a:solidFill>
+          <a:ln w="12700">
+            <a:solidFill>
+              <a:schemeClr val="bg2">
+                <a:lumMod val="50000"/>
+              </a:schemeClr>
+            </a:solidFill>
+          </a:ln>
+        </p:spPr>
+        <p:style>
+          <a:lnRef idx="2">
+            <a:schemeClr val="accent1">
+              <a:shade val="15000"/>
+            </a:schemeClr>
+          </a:lnRef>
+          <a:fillRef idx="1">
+            <a:schemeClr val="accent1"/>
+          </a:fillRef>
+          <a:effectRef idx="0">
+            <a:schemeClr val="accent1"/>
+          </a:effectRef>
+          <a:fontRef idx="minor">
+            <a:schemeClr val="lt1"/>
+          </a:fontRef>
+        </p:style>
+        <p:txBody>
+          <a:bodyPr rtlCol="0" anchor="ctr"/>
+          <a:lstStyle/>
+          <a:p>
+            <a:pPr algn="ctr"/>
+            <a:r>
+              <a:rPr lang="en-US" altLang="zh-CN" sz="800">
+                <a:latin typeface="Quicksand Medium" panose="00000600000000000000" pitchFamily="2" charset="0"/>
+              </a:rPr>
+              <a:t>&lt;table&gt;</a:t>
+            </a:r>
+            <a:endParaRPr lang="zh-CN" altLang="en-US" sz="800">
+              <a:latin typeface="Quicksand Medium" panose="00000600000000000000" pitchFamily="2" charset="0"/>
+            </a:endParaRPr>
+          </a:p>
+        </p:txBody>
+      </p:sp>
+      <p:sp>
+        <p:nvSpPr>
+          <p:cNvPr id="3" name="矩形: 圆角 2">
+            <a:extLst>
+              <a:ext uri="{FF2B5EF4-FFF2-40B4-BE49-F238E27FC236}">
+                <a16:creationId xmlns:a16="http://schemas.microsoft.com/office/drawing/2014/main" id="{F73B3E66-69AB-3336-40D5-F3BEDEE3263A}"/>
+              </a:ext>
+            </a:extLst>
+          </p:cNvPr>
+          <p:cNvSpPr/>
+          <p:nvPr/>
+        </p:nvSpPr>
+        <p:spPr>
+          <a:xfrm>
+            <a:off x="3927709" y="1963112"/>
+            <a:ext cx="900000" cy="216000"/>
+          </a:xfrm>
+          <a:prstGeom prst="roundRect">
+            <a:avLst/>
+          </a:prstGeom>
+          <a:solidFill>
+            <a:srgbClr val="4472C4">
+              <a:alpha val="89804"/>
+            </a:srgbClr>
+          </a:solidFill>
+          <a:ln w="12700">
+            <a:solidFill>
+              <a:schemeClr val="accent1">
+                <a:lumMod val="60000"/>
+                <a:lumOff val="40000"/>
+              </a:schemeClr>
+            </a:solidFill>
+          </a:ln>
+        </p:spPr>
+        <p:style>
+          <a:lnRef idx="2">
+            <a:schemeClr val="accent1">
+              <a:shade val="15000"/>
+            </a:schemeClr>
+          </a:lnRef>
+          <a:fillRef idx="1">
+            <a:schemeClr val="accent1"/>
+          </a:fillRef>
+          <a:effectRef idx="0">
+            <a:schemeClr val="accent1"/>
+          </a:effectRef>
+          <a:fontRef idx="minor">
+            <a:schemeClr val="lt1"/>
+          </a:fontRef>
+        </p:style>
+        <p:txBody>
+          <a:bodyPr rtlCol="0" anchor="ctr"/>
+          <a:lstStyle/>
+          <a:p>
+            <a:pPr algn="ctr"/>
+            <a:r>
+              <a:rPr lang="en-US" altLang="zh-CN" sz="800">
+                <a:latin typeface="Quicksand" panose="00000500000000000000" pitchFamily="2" charset="0"/>
+              </a:rPr>
+              <a:t>&lt;caption&gt;</a:t>
+            </a:r>
+            <a:endParaRPr lang="zh-CN" altLang="en-US" sz="800">
+              <a:latin typeface="Quicksand" panose="00000500000000000000" pitchFamily="2" charset="0"/>
+            </a:endParaRPr>
+          </a:p>
+        </p:txBody>
+      </p:sp>
+      <p:sp>
+        <p:nvSpPr>
+          <p:cNvPr id="4" name="矩形: 圆角 3">
+            <a:extLst>
+              <a:ext uri="{FF2B5EF4-FFF2-40B4-BE49-F238E27FC236}">
+                <a16:creationId xmlns:a16="http://schemas.microsoft.com/office/drawing/2014/main" id="{0596E695-765B-68B5-C900-FFE2E7915C23}"/>
+              </a:ext>
+            </a:extLst>
+          </p:cNvPr>
+          <p:cNvSpPr/>
+          <p:nvPr/>
+        </p:nvSpPr>
+        <p:spPr>
+          <a:xfrm>
+            <a:off x="3927709" y="2748716"/>
+            <a:ext cx="900000" cy="216000"/>
+          </a:xfrm>
+          <a:prstGeom prst="roundRect">
+            <a:avLst/>
+          </a:prstGeom>
+          <a:solidFill>
+            <a:srgbClr val="F6A04D">
+              <a:alpha val="89804"/>
+            </a:srgbClr>
+          </a:solidFill>
+          <a:ln w="12700">
+            <a:solidFill>
+              <a:srgbClr val="F9BE83"/>
+            </a:solidFill>
+          </a:ln>
+        </p:spPr>
+        <p:style>
+          <a:lnRef idx="2">
+            <a:schemeClr val="accent1">
+              <a:shade val="15000"/>
+            </a:schemeClr>
+          </a:lnRef>
+          <a:fillRef idx="1">
+            <a:schemeClr val="accent1"/>
+          </a:fillRef>
+          <a:effectRef idx="0">
+            <a:schemeClr val="accent1"/>
+          </a:effectRef>
+          <a:fontRef idx="minor">
+            <a:schemeClr val="lt1"/>
+          </a:fontRef>
+        </p:style>
+        <p:txBody>
+          <a:bodyPr rtlCol="0" anchor="ctr"/>
+          <a:lstStyle/>
+          <a:p>
+            <a:pPr algn="ctr"/>
+            <a:r>
+              <a:rPr lang="en-US" altLang="zh-CN" sz="800">
+                <a:latin typeface="Quicksand" panose="00000500000000000000" pitchFamily="2" charset="0"/>
+              </a:rPr>
+              <a:t>&lt;thead&gt;</a:t>
+            </a:r>
+            <a:endParaRPr lang="zh-CN" altLang="en-US" sz="800">
+              <a:latin typeface="Quicksand" panose="00000500000000000000" pitchFamily="2" charset="0"/>
+            </a:endParaRPr>
+          </a:p>
+        </p:txBody>
+      </p:sp>
+      <p:sp>
+        <p:nvSpPr>
+          <p:cNvPr id="5" name="矩形: 圆角 4">
+            <a:extLst>
+              <a:ext uri="{FF2B5EF4-FFF2-40B4-BE49-F238E27FC236}">
+                <a16:creationId xmlns:a16="http://schemas.microsoft.com/office/drawing/2014/main" id="{02EB47C9-057A-4EF8-A2BF-4D0134159B27}"/>
+              </a:ext>
+            </a:extLst>
+          </p:cNvPr>
+          <p:cNvSpPr/>
+          <p:nvPr/>
+        </p:nvSpPr>
+        <p:spPr>
+          <a:xfrm>
+            <a:off x="3927709" y="3534320"/>
+            <a:ext cx="900000" cy="216000"/>
+          </a:xfrm>
+          <a:prstGeom prst="roundRect">
+            <a:avLst/>
+          </a:prstGeom>
+          <a:solidFill>
+            <a:srgbClr val="F9423A">
+              <a:alpha val="89804"/>
+            </a:srgbClr>
+          </a:solidFill>
+          <a:ln w="12700">
+            <a:solidFill>
+              <a:srgbClr val="FB746D"/>
+            </a:solidFill>
+          </a:ln>
+        </p:spPr>
+        <p:style>
+          <a:lnRef idx="2">
+            <a:schemeClr val="accent1">
+              <a:shade val="15000"/>
+            </a:schemeClr>
+          </a:lnRef>
+          <a:fillRef idx="1">
+            <a:schemeClr val="accent1"/>
+          </a:fillRef>
+          <a:effectRef idx="0">
+            <a:schemeClr val="accent1"/>
+          </a:effectRef>
+          <a:fontRef idx="minor">
+            <a:schemeClr val="lt1"/>
+          </a:fontRef>
+        </p:style>
+        <p:txBody>
+          <a:bodyPr rtlCol="0" anchor="ctr"/>
+          <a:lstStyle/>
+          <a:p>
+            <a:pPr algn="ctr"/>
+            <a:r>
+              <a:rPr lang="en-US" altLang="zh-CN" sz="800">
+                <a:latin typeface="Quicksand" panose="00000500000000000000" pitchFamily="2" charset="0"/>
+              </a:rPr>
+              <a:t>&lt;tbody&gt;</a:t>
+            </a:r>
+            <a:endParaRPr lang="zh-CN" altLang="en-US" sz="800">
+              <a:latin typeface="Quicksand" panose="00000500000000000000" pitchFamily="2" charset="0"/>
+            </a:endParaRPr>
+          </a:p>
+        </p:txBody>
+      </p:sp>
+      <p:sp>
+        <p:nvSpPr>
+          <p:cNvPr id="6" name="矩形: 圆角 5">
+            <a:extLst>
+              <a:ext uri="{FF2B5EF4-FFF2-40B4-BE49-F238E27FC236}">
+                <a16:creationId xmlns:a16="http://schemas.microsoft.com/office/drawing/2014/main" id="{9A98E275-1E96-FAB7-F617-AE6834538469}"/>
+              </a:ext>
+            </a:extLst>
+          </p:cNvPr>
+          <p:cNvSpPr/>
+          <p:nvPr/>
+        </p:nvSpPr>
+        <p:spPr>
+          <a:xfrm>
+            <a:off x="3927709" y="4319925"/>
+            <a:ext cx="900000" cy="216000"/>
+          </a:xfrm>
+          <a:prstGeom prst="roundRect">
+            <a:avLst/>
+          </a:prstGeom>
+          <a:solidFill>
+            <a:srgbClr val="00BC7B">
+              <a:alpha val="89804"/>
+            </a:srgbClr>
+          </a:solidFill>
+          <a:ln w="12700">
+            <a:solidFill>
+              <a:srgbClr val="00DA8C"/>
+            </a:solidFill>
+          </a:ln>
+        </p:spPr>
+        <p:style>
+          <a:lnRef idx="2">
+            <a:schemeClr val="accent1">
+              <a:shade val="15000"/>
+            </a:schemeClr>
+          </a:lnRef>
+          <a:fillRef idx="1">
+            <a:schemeClr val="accent1"/>
+          </a:fillRef>
+          <a:effectRef idx="0">
+            <a:schemeClr val="accent1"/>
+          </a:effectRef>
+          <a:fontRef idx="minor">
+            <a:schemeClr val="lt1"/>
+          </a:fontRef>
+        </p:style>
+        <p:txBody>
+          <a:bodyPr rtlCol="0" anchor="ctr"/>
+          <a:lstStyle/>
+          <a:p>
+            <a:pPr algn="ctr"/>
+            <a:r>
+              <a:rPr lang="en-US" altLang="zh-CN" sz="800">
+                <a:latin typeface="Quicksand" panose="00000500000000000000" pitchFamily="2" charset="0"/>
+              </a:rPr>
+              <a:t>&lt;tfoot&gt;</a:t>
+            </a:r>
+            <a:endParaRPr lang="zh-CN" altLang="en-US" sz="800">
+              <a:latin typeface="Quicksand" panose="00000500000000000000" pitchFamily="2" charset="0"/>
+            </a:endParaRPr>
+          </a:p>
+        </p:txBody>
+      </p:sp>
+      <p:sp>
+        <p:nvSpPr>
+          <p:cNvPr id="7" name="矩形: 圆角 6">
+            <a:extLst>
+              <a:ext uri="{FF2B5EF4-FFF2-40B4-BE49-F238E27FC236}">
+                <a16:creationId xmlns:a16="http://schemas.microsoft.com/office/drawing/2014/main" id="{1364CE8F-F9FF-ED29-6F39-C09735082C89}"/>
+              </a:ext>
+            </a:extLst>
+          </p:cNvPr>
+          <p:cNvSpPr/>
+          <p:nvPr/>
+        </p:nvSpPr>
+        <p:spPr>
+          <a:xfrm>
+            <a:off x="4988680" y="2563091"/>
+            <a:ext cx="720000" cy="216000"/>
+          </a:xfrm>
+          <a:prstGeom prst="roundRect">
+            <a:avLst/>
+          </a:prstGeom>
+          <a:solidFill>
+            <a:srgbClr val="FDECDB">
+              <a:alpha val="89804"/>
+            </a:srgbClr>
+          </a:solidFill>
+          <a:ln w="12700">
+            <a:solidFill>
+              <a:srgbClr val="FDECDB"/>
+            </a:solidFill>
+          </a:ln>
+        </p:spPr>
+        <p:style>
+          <a:lnRef idx="2">
+            <a:schemeClr val="accent1">
+              <a:shade val="15000"/>
+            </a:schemeClr>
+          </a:lnRef>
+          <a:fillRef idx="1">
+            <a:schemeClr val="accent1"/>
+          </a:fillRef>
+          <a:effectRef idx="0">
+            <a:schemeClr val="accent1"/>
+          </a:effectRef>
+          <a:fontRef idx="minor">
+            <a:schemeClr val="lt1"/>
+          </a:fontRef>
+        </p:style>
+        <p:txBody>
+          <a:bodyPr rtlCol="0" anchor="ctr"/>
+          <a:lstStyle/>
+          <a:p>
+            <a:pPr algn="ctr"/>
+            <a:r>
+              <a:rPr lang="en-US" altLang="zh-CN" sz="800">
+                <a:solidFill>
+                  <a:sysClr val="windowText" lastClr="000000"/>
+                </a:solidFill>
+                <a:latin typeface="Quicksand Light" panose="00000400000000000000" pitchFamily="2" charset="0"/>
+              </a:rPr>
+              <a:t>&lt;tr&gt;</a:t>
+            </a:r>
+            <a:endParaRPr lang="zh-CN" altLang="en-US" sz="800">
+              <a:solidFill>
+                <a:sysClr val="windowText" lastClr="000000"/>
+              </a:solidFill>
+              <a:latin typeface="Quicksand Light" panose="00000400000000000000" pitchFamily="2" charset="0"/>
+            </a:endParaRPr>
+          </a:p>
+        </p:txBody>
+      </p:sp>
+      <p:sp>
+        <p:nvSpPr>
+          <p:cNvPr id="8" name="矩形: 圆角 7">
+            <a:extLst>
+              <a:ext uri="{FF2B5EF4-FFF2-40B4-BE49-F238E27FC236}">
+                <a16:creationId xmlns:a16="http://schemas.microsoft.com/office/drawing/2014/main" id="{41E16CF2-21EE-CCD8-6CF8-C9DF7E974007}"/>
+              </a:ext>
+            </a:extLst>
+          </p:cNvPr>
+          <p:cNvSpPr/>
+          <p:nvPr/>
+        </p:nvSpPr>
+        <p:spPr>
+          <a:xfrm>
+            <a:off x="4988680" y="2902528"/>
+            <a:ext cx="720000" cy="216000"/>
+          </a:xfrm>
+          <a:prstGeom prst="roundRect">
+            <a:avLst/>
+          </a:prstGeom>
+          <a:solidFill>
+            <a:srgbClr val="FDECDB">
+              <a:alpha val="89804"/>
+            </a:srgbClr>
+          </a:solidFill>
+          <a:ln w="12700">
+            <a:solidFill>
+              <a:srgbClr val="FDECDB"/>
+            </a:solidFill>
+          </a:ln>
+        </p:spPr>
+        <p:style>
+          <a:lnRef idx="2">
+            <a:schemeClr val="accent1">
+              <a:shade val="15000"/>
+            </a:schemeClr>
+          </a:lnRef>
+          <a:fillRef idx="1">
+            <a:schemeClr val="accent1"/>
+          </a:fillRef>
+          <a:effectRef idx="0">
+            <a:schemeClr val="accent1"/>
+          </a:effectRef>
+          <a:fontRef idx="minor">
+            <a:schemeClr val="lt1"/>
+          </a:fontRef>
+        </p:style>
+        <p:txBody>
+          <a:bodyPr rtlCol="0" anchor="ctr"/>
+          <a:lstStyle/>
+          <a:p>
+            <a:pPr algn="ctr"/>
+            <a:r>
+              <a:rPr lang="en-US" altLang="zh-CN" sz="800">
+                <a:solidFill>
+                  <a:sysClr val="windowText" lastClr="000000"/>
+                </a:solidFill>
+                <a:latin typeface="Quicksand Light" panose="00000400000000000000" pitchFamily="2" charset="0"/>
+              </a:rPr>
+              <a:t>&lt;th&gt;</a:t>
+            </a:r>
+            <a:endParaRPr lang="zh-CN" altLang="en-US" sz="800">
+              <a:solidFill>
+                <a:sysClr val="windowText" lastClr="000000"/>
+              </a:solidFill>
+              <a:latin typeface="Quicksand Light" panose="00000400000000000000" pitchFamily="2" charset="0"/>
+            </a:endParaRPr>
+          </a:p>
+        </p:txBody>
+      </p:sp>
+      <p:sp>
+        <p:nvSpPr>
+          <p:cNvPr id="9" name="矩形: 圆角 8">
+            <a:extLst>
+              <a:ext uri="{FF2B5EF4-FFF2-40B4-BE49-F238E27FC236}">
+                <a16:creationId xmlns:a16="http://schemas.microsoft.com/office/drawing/2014/main" id="{F36CB3ED-C818-AA5A-27A7-5D321CF65E6F}"/>
+              </a:ext>
+            </a:extLst>
+          </p:cNvPr>
+          <p:cNvSpPr/>
+          <p:nvPr/>
+        </p:nvSpPr>
+        <p:spPr>
+          <a:xfrm>
+            <a:off x="4988680" y="3380509"/>
+            <a:ext cx="720000" cy="216000"/>
+          </a:xfrm>
+          <a:prstGeom prst="roundRect">
+            <a:avLst/>
+          </a:prstGeom>
+          <a:solidFill>
+            <a:srgbClr val="FED9D8">
+              <a:alpha val="89804"/>
+            </a:srgbClr>
+          </a:solidFill>
+          <a:ln w="12700">
+            <a:solidFill>
+              <a:srgbClr val="FED9D8"/>
+            </a:solidFill>
+          </a:ln>
+        </p:spPr>
+        <p:style>
+          <a:lnRef idx="2">
+            <a:schemeClr val="accent1">
+              <a:shade val="15000"/>
+            </a:schemeClr>
+          </a:lnRef>
+          <a:fillRef idx="1">
+            <a:schemeClr val="accent1"/>
+          </a:fillRef>
+          <a:effectRef idx="0">
+            <a:schemeClr val="accent1"/>
+          </a:effectRef>
+          <a:fontRef idx="minor">
+            <a:schemeClr val="lt1"/>
+          </a:fontRef>
+        </p:style>
+        <p:txBody>
+          <a:bodyPr rtlCol="0" anchor="ctr"/>
+          <a:lstStyle/>
+          <a:p>
+            <a:pPr algn="ctr"/>
+            <a:r>
+              <a:rPr lang="en-US" altLang="zh-CN" sz="800">
+                <a:solidFill>
+                  <a:sysClr val="windowText" lastClr="000000"/>
+                </a:solidFill>
+                <a:latin typeface="Quicksand Light" panose="00000400000000000000" pitchFamily="2" charset="0"/>
+              </a:rPr>
+              <a:t>&lt;tr&gt;</a:t>
+            </a:r>
+            <a:endParaRPr lang="zh-CN" altLang="en-US" sz="800">
+              <a:solidFill>
+                <a:sysClr val="windowText" lastClr="000000"/>
+              </a:solidFill>
+              <a:latin typeface="Quicksand Light" panose="00000400000000000000" pitchFamily="2" charset="0"/>
+            </a:endParaRPr>
+          </a:p>
+        </p:txBody>
+      </p:sp>
+      <p:sp>
+        <p:nvSpPr>
+          <p:cNvPr id="10" name="矩形: 圆角 9">
+            <a:extLst>
+              <a:ext uri="{FF2B5EF4-FFF2-40B4-BE49-F238E27FC236}">
+                <a16:creationId xmlns:a16="http://schemas.microsoft.com/office/drawing/2014/main" id="{4DF699C5-ADF4-C7BA-0E33-FD433133C491}"/>
+              </a:ext>
+            </a:extLst>
+          </p:cNvPr>
+          <p:cNvSpPr/>
+          <p:nvPr/>
+        </p:nvSpPr>
+        <p:spPr>
+          <a:xfrm>
+            <a:off x="4988680" y="3719946"/>
+            <a:ext cx="720000" cy="216000"/>
+          </a:xfrm>
+          <a:prstGeom prst="roundRect">
+            <a:avLst/>
+          </a:prstGeom>
+          <a:solidFill>
+            <a:srgbClr val="FED9D8">
+              <a:alpha val="89804"/>
+            </a:srgbClr>
+          </a:solidFill>
+          <a:ln w="12700">
+            <a:solidFill>
+              <a:srgbClr val="FED9D8"/>
+            </a:solidFill>
+          </a:ln>
+        </p:spPr>
+        <p:style>
+          <a:lnRef idx="2">
+            <a:schemeClr val="accent1">
+              <a:shade val="15000"/>
+            </a:schemeClr>
+          </a:lnRef>
+          <a:fillRef idx="1">
+            <a:schemeClr val="accent1"/>
+          </a:fillRef>
+          <a:effectRef idx="0">
+            <a:schemeClr val="accent1"/>
+          </a:effectRef>
+          <a:fontRef idx="minor">
+            <a:schemeClr val="lt1"/>
+          </a:fontRef>
+        </p:style>
+        <p:txBody>
+          <a:bodyPr rtlCol="0" anchor="ctr"/>
+          <a:lstStyle/>
+          <a:p>
+            <a:pPr algn="ctr"/>
+            <a:r>
+              <a:rPr lang="en-US" altLang="zh-CN" sz="800">
+                <a:solidFill>
+                  <a:sysClr val="windowText" lastClr="000000"/>
+                </a:solidFill>
+                <a:latin typeface="Quicksand Light" panose="00000400000000000000" pitchFamily="2" charset="0"/>
+              </a:rPr>
+              <a:t>&lt;td&gt;</a:t>
+            </a:r>
+            <a:endParaRPr lang="zh-CN" altLang="en-US" sz="800">
+              <a:solidFill>
+                <a:sysClr val="windowText" lastClr="000000"/>
+              </a:solidFill>
+              <a:latin typeface="Quicksand Light" panose="00000400000000000000" pitchFamily="2" charset="0"/>
+            </a:endParaRPr>
+          </a:p>
+        </p:txBody>
+      </p:sp>
+      <p:sp>
+        <p:nvSpPr>
+          <p:cNvPr id="11" name="矩形: 圆角 10">
+            <a:extLst>
+              <a:ext uri="{FF2B5EF4-FFF2-40B4-BE49-F238E27FC236}">
+                <a16:creationId xmlns:a16="http://schemas.microsoft.com/office/drawing/2014/main" id="{9A7CBB2E-7A46-5370-A481-60C05098B4F7}"/>
+              </a:ext>
+            </a:extLst>
+          </p:cNvPr>
+          <p:cNvSpPr/>
+          <p:nvPr/>
+        </p:nvSpPr>
+        <p:spPr>
+          <a:xfrm>
+            <a:off x="4988680" y="4150206"/>
+            <a:ext cx="720000" cy="216000"/>
+          </a:xfrm>
+          <a:prstGeom prst="roundRect">
+            <a:avLst/>
+          </a:prstGeom>
+          <a:solidFill>
+            <a:srgbClr val="CCF2E5">
+              <a:alpha val="89804"/>
+            </a:srgbClr>
+          </a:solidFill>
+          <a:ln w="12700">
+            <a:solidFill>
+              <a:srgbClr val="CCF2E5"/>
+            </a:solidFill>
+          </a:ln>
+        </p:spPr>
+        <p:style>
+          <a:lnRef idx="2">
+            <a:schemeClr val="accent1">
+              <a:shade val="15000"/>
+            </a:schemeClr>
+          </a:lnRef>
+          <a:fillRef idx="1">
+            <a:schemeClr val="accent1"/>
+          </a:fillRef>
+          <a:effectRef idx="0">
+            <a:schemeClr val="accent1"/>
+          </a:effectRef>
+          <a:fontRef idx="minor">
+            <a:schemeClr val="lt1"/>
+          </a:fontRef>
+        </p:style>
+        <p:txBody>
+          <a:bodyPr rtlCol="0" anchor="ctr"/>
+          <a:lstStyle/>
+          <a:p>
+            <a:pPr algn="ctr"/>
+            <a:r>
+              <a:rPr lang="en-US" altLang="zh-CN" sz="800">
+                <a:solidFill>
+                  <a:sysClr val="windowText" lastClr="000000"/>
+                </a:solidFill>
+                <a:latin typeface="Quicksand Light" panose="00000400000000000000" pitchFamily="2" charset="0"/>
+              </a:rPr>
+              <a:t>&lt;tr&gt;</a:t>
+            </a:r>
+            <a:endParaRPr lang="zh-CN" altLang="en-US" sz="800">
+              <a:solidFill>
+                <a:sysClr val="windowText" lastClr="000000"/>
+              </a:solidFill>
+              <a:latin typeface="Quicksand Light" panose="00000400000000000000" pitchFamily="2" charset="0"/>
+            </a:endParaRPr>
+          </a:p>
+        </p:txBody>
+      </p:sp>
+      <p:sp>
+        <p:nvSpPr>
+          <p:cNvPr id="12" name="矩形: 圆角 11">
+            <a:extLst>
+              <a:ext uri="{FF2B5EF4-FFF2-40B4-BE49-F238E27FC236}">
+                <a16:creationId xmlns:a16="http://schemas.microsoft.com/office/drawing/2014/main" id="{D4779CBA-FFDD-895A-53AD-886208DEAA4A}"/>
+              </a:ext>
+            </a:extLst>
+          </p:cNvPr>
+          <p:cNvSpPr/>
+          <p:nvPr/>
+        </p:nvSpPr>
+        <p:spPr>
+          <a:xfrm>
+            <a:off x="4988680" y="4489643"/>
+            <a:ext cx="720000" cy="216000"/>
+          </a:xfrm>
+          <a:prstGeom prst="roundRect">
+            <a:avLst/>
+          </a:prstGeom>
+          <a:solidFill>
+            <a:srgbClr val="CCF2E5">
+              <a:alpha val="89804"/>
+            </a:srgbClr>
+          </a:solidFill>
+          <a:ln w="12700">
+            <a:solidFill>
+              <a:srgbClr val="CCF2E5"/>
+            </a:solidFill>
+          </a:ln>
+        </p:spPr>
+        <p:style>
+          <a:lnRef idx="2">
+            <a:schemeClr val="accent1">
+              <a:shade val="15000"/>
+            </a:schemeClr>
+          </a:lnRef>
+          <a:fillRef idx="1">
+            <a:schemeClr val="accent1"/>
+          </a:fillRef>
+          <a:effectRef idx="0">
+            <a:schemeClr val="accent1"/>
+          </a:effectRef>
+          <a:fontRef idx="minor">
+            <a:schemeClr val="lt1"/>
+          </a:fontRef>
+        </p:style>
+        <p:txBody>
+          <a:bodyPr rtlCol="0" anchor="ctr"/>
+          <a:lstStyle/>
+          <a:p>
+            <a:pPr algn="ctr"/>
+            <a:r>
+              <a:rPr lang="en-US" altLang="zh-CN" sz="800">
+                <a:solidFill>
+                  <a:sysClr val="windowText" lastClr="000000"/>
+                </a:solidFill>
+                <a:latin typeface="Quicksand Light" panose="00000400000000000000" pitchFamily="2" charset="0"/>
+              </a:rPr>
+              <a:t>&lt;td&gt;</a:t>
+            </a:r>
+            <a:endParaRPr lang="zh-CN" altLang="en-US" sz="800">
+              <a:solidFill>
+                <a:sysClr val="windowText" lastClr="000000"/>
+              </a:solidFill>
+              <a:latin typeface="Quicksand Light" panose="00000400000000000000" pitchFamily="2" charset="0"/>
+            </a:endParaRPr>
+          </a:p>
+        </p:txBody>
+      </p:sp>
+      <p:cxnSp>
+        <p:nvCxnSpPr>
+          <p:cNvPr id="13" name="连接符: 曲线 12">
+            <a:extLst>
+              <a:ext uri="{FF2B5EF4-FFF2-40B4-BE49-F238E27FC236}">
+                <a16:creationId xmlns:a16="http://schemas.microsoft.com/office/drawing/2014/main" id="{298359A6-17E1-0350-06F2-6B8C8E407376}"/>
+              </a:ext>
+            </a:extLst>
+          </p:cNvPr>
+          <p:cNvCxnSpPr>
+            <a:cxnSpLocks/>
+            <a:stCxn id="2" idx="3"/>
+            <a:endCxn id="3" idx="1"/>
+          </p:cNvCxnSpPr>
+          <p:nvPr/>
+        </p:nvCxnSpPr>
+        <p:spPr>
+          <a:xfrm flipV="1">
+            <a:off x="3691582" y="2071112"/>
+            <a:ext cx="236127" cy="1178406"/>
+          </a:xfrm>
+          <a:prstGeom prst="curvedConnector3">
+            <a:avLst/>
+          </a:prstGeom>
+          <a:ln>
+            <a:solidFill>
+              <a:schemeClr val="accent1">
+                <a:lumMod val="60000"/>
+                <a:lumOff val="40000"/>
+              </a:schemeClr>
+            </a:solidFill>
+          </a:ln>
+        </p:spPr>
+        <p:style>
+          <a:lnRef idx="1">
+            <a:schemeClr val="accent1"/>
+          </a:lnRef>
+          <a:fillRef idx="0">
+            <a:schemeClr val="accent1"/>
+          </a:fillRef>
+          <a:effectRef idx="0">
+            <a:schemeClr val="accent1"/>
+          </a:effectRef>
+          <a:fontRef idx="minor">
+            <a:schemeClr val="tx1"/>
+          </a:fontRef>
+        </p:style>
+      </p:cxnSp>
+      <p:cxnSp>
+        <p:nvCxnSpPr>
+          <p:cNvPr id="14" name="连接符: 曲线 13">
+            <a:extLst>
+              <a:ext uri="{FF2B5EF4-FFF2-40B4-BE49-F238E27FC236}">
+                <a16:creationId xmlns:a16="http://schemas.microsoft.com/office/drawing/2014/main" id="{06C5FD35-9516-24EE-5628-FB328882111E}"/>
+              </a:ext>
+            </a:extLst>
+          </p:cNvPr>
+          <p:cNvCxnSpPr>
+            <a:stCxn id="2" idx="3"/>
+            <a:endCxn id="5" idx="1"/>
+          </p:cNvCxnSpPr>
+          <p:nvPr/>
+        </p:nvCxnSpPr>
+        <p:spPr>
+          <a:xfrm>
+            <a:off x="3691582" y="3249518"/>
+            <a:ext cx="236127" cy="392802"/>
+          </a:xfrm>
+          <a:prstGeom prst="curvedConnector3">
+            <a:avLst/>
+          </a:prstGeom>
+          <a:ln>
+            <a:solidFill>
+              <a:srgbClr val="FF0000"/>
+            </a:solidFill>
+          </a:ln>
+        </p:spPr>
+        <p:style>
+          <a:lnRef idx="1">
+            <a:schemeClr val="accent1"/>
+          </a:lnRef>
+          <a:fillRef idx="0">
+            <a:schemeClr val="accent1"/>
+          </a:fillRef>
+          <a:effectRef idx="0">
+            <a:schemeClr val="accent1"/>
+          </a:effectRef>
+          <a:fontRef idx="minor">
+            <a:schemeClr val="tx1"/>
+          </a:fontRef>
+        </p:style>
+      </p:cxnSp>
+      <p:cxnSp>
+        <p:nvCxnSpPr>
+          <p:cNvPr id="15" name="连接符: 曲线 14">
+            <a:extLst>
+              <a:ext uri="{FF2B5EF4-FFF2-40B4-BE49-F238E27FC236}">
+                <a16:creationId xmlns:a16="http://schemas.microsoft.com/office/drawing/2014/main" id="{91DC556E-624C-A24F-4281-CC2AD6C86AA9}"/>
+              </a:ext>
+            </a:extLst>
+          </p:cNvPr>
+          <p:cNvCxnSpPr>
+            <a:stCxn id="2" idx="3"/>
+            <a:endCxn id="6" idx="1"/>
+          </p:cNvCxnSpPr>
+          <p:nvPr/>
+        </p:nvCxnSpPr>
+        <p:spPr>
+          <a:xfrm>
+            <a:off x="3691582" y="3249518"/>
+            <a:ext cx="236127" cy="1178407"/>
+          </a:xfrm>
+          <a:prstGeom prst="curvedConnector3">
+            <a:avLst/>
+          </a:prstGeom>
+          <a:ln>
+            <a:solidFill>
+              <a:srgbClr val="92D050"/>
+            </a:solidFill>
+          </a:ln>
+        </p:spPr>
+        <p:style>
+          <a:lnRef idx="1">
+            <a:schemeClr val="accent1"/>
+          </a:lnRef>
+          <a:fillRef idx="0">
+            <a:schemeClr val="accent1"/>
+          </a:fillRef>
+          <a:effectRef idx="0">
+            <a:schemeClr val="accent1"/>
+          </a:effectRef>
+          <a:fontRef idx="minor">
+            <a:schemeClr val="tx1"/>
+          </a:fontRef>
+        </p:style>
+      </p:cxnSp>
+      <p:cxnSp>
+        <p:nvCxnSpPr>
+          <p:cNvPr id="16" name="连接符: 曲线 15">
+            <a:extLst>
+              <a:ext uri="{FF2B5EF4-FFF2-40B4-BE49-F238E27FC236}">
+                <a16:creationId xmlns:a16="http://schemas.microsoft.com/office/drawing/2014/main" id="{2CF8CB28-1C39-C7E8-6324-ADA008E9F11F}"/>
+              </a:ext>
+            </a:extLst>
+          </p:cNvPr>
+          <p:cNvCxnSpPr>
+            <a:stCxn id="4" idx="1"/>
+            <a:endCxn id="2" idx="3"/>
+          </p:cNvCxnSpPr>
+          <p:nvPr/>
+        </p:nvCxnSpPr>
+        <p:spPr>
+          <a:xfrm rot="10800000" flipV="1">
+            <a:off x="3691583" y="2856716"/>
+            <a:ext cx="236127" cy="392802"/>
+          </a:xfrm>
+          <a:prstGeom prst="curvedConnector3">
+            <a:avLst/>
+          </a:prstGeom>
+          <a:ln>
+            <a:solidFill>
+              <a:srgbClr val="FFC000"/>
+            </a:solidFill>
+          </a:ln>
+        </p:spPr>
+        <p:style>
+          <a:lnRef idx="1">
+            <a:schemeClr val="accent1"/>
+          </a:lnRef>
+          <a:fillRef idx="0">
+            <a:schemeClr val="accent1"/>
+          </a:fillRef>
+          <a:effectRef idx="0">
+            <a:schemeClr val="accent1"/>
+          </a:effectRef>
+          <a:fontRef idx="minor">
+            <a:schemeClr val="tx1"/>
+          </a:fontRef>
+        </p:style>
+      </p:cxnSp>
+      <p:cxnSp>
+        <p:nvCxnSpPr>
+          <p:cNvPr id="17" name="连接符: 曲线 16">
+            <a:extLst>
+              <a:ext uri="{FF2B5EF4-FFF2-40B4-BE49-F238E27FC236}">
+                <a16:creationId xmlns:a16="http://schemas.microsoft.com/office/drawing/2014/main" id="{114D0B9D-2E4E-56E2-D1E7-E651846577ED}"/>
+              </a:ext>
+            </a:extLst>
+          </p:cNvPr>
+          <p:cNvCxnSpPr>
+            <a:stCxn id="4" idx="3"/>
+            <a:endCxn id="7" idx="1"/>
+          </p:cNvCxnSpPr>
+          <p:nvPr/>
+        </p:nvCxnSpPr>
+        <p:spPr>
+          <a:xfrm flipV="1">
+            <a:off x="4827709" y="2671091"/>
+            <a:ext cx="160971" cy="185625"/>
+          </a:xfrm>
+          <a:prstGeom prst="curvedConnector3">
+            <a:avLst/>
+          </a:prstGeom>
+          <a:ln>
+            <a:solidFill>
+              <a:srgbClr val="FFC000"/>
+            </a:solidFill>
+          </a:ln>
+        </p:spPr>
+        <p:style>
+          <a:lnRef idx="1">
+            <a:schemeClr val="accent1"/>
+          </a:lnRef>
+          <a:fillRef idx="0">
+            <a:schemeClr val="accent1"/>
+          </a:fillRef>
+          <a:effectRef idx="0">
+            <a:schemeClr val="accent1"/>
+          </a:effectRef>
+          <a:fontRef idx="minor">
+            <a:schemeClr val="tx1"/>
+          </a:fontRef>
+        </p:style>
+      </p:cxnSp>
+      <p:cxnSp>
+        <p:nvCxnSpPr>
+          <p:cNvPr id="18" name="连接符: 曲线 17">
+            <a:extLst>
+              <a:ext uri="{FF2B5EF4-FFF2-40B4-BE49-F238E27FC236}">
+                <a16:creationId xmlns:a16="http://schemas.microsoft.com/office/drawing/2014/main" id="{3C59A80E-8E6B-72B2-C1E1-4C880C4C93DD}"/>
+              </a:ext>
+            </a:extLst>
+          </p:cNvPr>
+          <p:cNvCxnSpPr>
+            <a:stCxn id="8" idx="1"/>
+            <a:endCxn id="4" idx="3"/>
+          </p:cNvCxnSpPr>
+          <p:nvPr/>
+        </p:nvCxnSpPr>
+        <p:spPr>
+          <a:xfrm rot="10800000">
+            <a:off x="4827710" y="2856716"/>
+            <a:ext cx="160971" cy="153812"/>
+          </a:xfrm>
+          <a:prstGeom prst="curvedConnector3">
+            <a:avLst/>
+          </a:prstGeom>
+          <a:ln>
+            <a:solidFill>
+              <a:srgbClr val="FFC000"/>
+            </a:solidFill>
+          </a:ln>
+        </p:spPr>
+        <p:style>
+          <a:lnRef idx="1">
+            <a:schemeClr val="accent1"/>
+          </a:lnRef>
+          <a:fillRef idx="0">
+            <a:schemeClr val="accent1"/>
+          </a:fillRef>
+          <a:effectRef idx="0">
+            <a:schemeClr val="accent1"/>
+          </a:effectRef>
+          <a:fontRef idx="minor">
+            <a:schemeClr val="tx1"/>
+          </a:fontRef>
+        </p:style>
+      </p:cxnSp>
+      <p:cxnSp>
+        <p:nvCxnSpPr>
+          <p:cNvPr id="19" name="连接符: 曲线 18">
+            <a:extLst>
+              <a:ext uri="{FF2B5EF4-FFF2-40B4-BE49-F238E27FC236}">
+                <a16:creationId xmlns:a16="http://schemas.microsoft.com/office/drawing/2014/main" id="{041D7C9F-7D99-7824-58C7-2BA40BC232D6}"/>
+              </a:ext>
+            </a:extLst>
+          </p:cNvPr>
+          <p:cNvCxnSpPr>
+            <a:stCxn id="5" idx="3"/>
+            <a:endCxn id="9" idx="1"/>
+          </p:cNvCxnSpPr>
+          <p:nvPr/>
+        </p:nvCxnSpPr>
+        <p:spPr>
+          <a:xfrm flipV="1">
+            <a:off x="4827709" y="3488509"/>
+            <a:ext cx="160971" cy="153811"/>
+          </a:xfrm>
+          <a:prstGeom prst="curvedConnector3">
+            <a:avLst/>
+          </a:prstGeom>
+          <a:ln>
+            <a:solidFill>
+              <a:srgbClr val="FF0000"/>
+            </a:solidFill>
+          </a:ln>
+        </p:spPr>
+        <p:style>
+          <a:lnRef idx="1">
+            <a:schemeClr val="accent1"/>
+          </a:lnRef>
+          <a:fillRef idx="0">
+            <a:schemeClr val="accent1"/>
+          </a:fillRef>
+          <a:effectRef idx="0">
+            <a:schemeClr val="accent1"/>
+          </a:effectRef>
+          <a:fontRef idx="minor">
+            <a:schemeClr val="tx1"/>
+          </a:fontRef>
+        </p:style>
+      </p:cxnSp>
+      <p:cxnSp>
+        <p:nvCxnSpPr>
+          <p:cNvPr id="20" name="连接符: 曲线 19">
+            <a:extLst>
+              <a:ext uri="{FF2B5EF4-FFF2-40B4-BE49-F238E27FC236}">
+                <a16:creationId xmlns:a16="http://schemas.microsoft.com/office/drawing/2014/main" id="{B2D7C8F8-E42C-083D-F9F9-50E9DF89B11D}"/>
+              </a:ext>
+            </a:extLst>
+          </p:cNvPr>
+          <p:cNvCxnSpPr>
+            <a:stCxn id="10" idx="1"/>
+            <a:endCxn id="5" idx="3"/>
+          </p:cNvCxnSpPr>
+          <p:nvPr/>
+        </p:nvCxnSpPr>
+        <p:spPr>
+          <a:xfrm rot="10800000">
+            <a:off x="4827710" y="3642320"/>
+            <a:ext cx="160971" cy="185626"/>
+          </a:xfrm>
+          <a:prstGeom prst="curvedConnector3">
+            <a:avLst/>
+          </a:prstGeom>
+          <a:ln>
+            <a:solidFill>
+              <a:srgbClr val="FF0000"/>
+            </a:solidFill>
+          </a:ln>
+        </p:spPr>
+        <p:style>
+          <a:lnRef idx="1">
+            <a:schemeClr val="accent1"/>
+          </a:lnRef>
+          <a:fillRef idx="0">
+            <a:schemeClr val="accent1"/>
+          </a:fillRef>
+          <a:effectRef idx="0">
+            <a:schemeClr val="accent1"/>
+          </a:effectRef>
+          <a:fontRef idx="minor">
+            <a:schemeClr val="tx1"/>
+          </a:fontRef>
+        </p:style>
+      </p:cxnSp>
+      <p:cxnSp>
+        <p:nvCxnSpPr>
+          <p:cNvPr id="21" name="连接符: 曲线 20">
+            <a:extLst>
+              <a:ext uri="{FF2B5EF4-FFF2-40B4-BE49-F238E27FC236}">
+                <a16:creationId xmlns:a16="http://schemas.microsoft.com/office/drawing/2014/main" id="{F1E01BA5-8E56-BB2F-4CFB-53C05DABA25C}"/>
+              </a:ext>
+            </a:extLst>
+          </p:cNvPr>
+          <p:cNvCxnSpPr>
+            <a:stCxn id="6" idx="3"/>
+            <a:endCxn id="11" idx="1"/>
+          </p:cNvCxnSpPr>
+          <p:nvPr/>
+        </p:nvCxnSpPr>
+        <p:spPr>
+          <a:xfrm flipV="1">
+            <a:off x="4827709" y="4258206"/>
+            <a:ext cx="160971" cy="169719"/>
+          </a:xfrm>
+          <a:prstGeom prst="curvedConnector3">
+            <a:avLst/>
+          </a:prstGeom>
+          <a:ln>
+            <a:solidFill>
+              <a:srgbClr val="92D050"/>
+            </a:solidFill>
+          </a:ln>
+        </p:spPr>
+        <p:style>
+          <a:lnRef idx="1">
+            <a:schemeClr val="accent1"/>
+          </a:lnRef>
+          <a:fillRef idx="0">
+            <a:schemeClr val="accent1"/>
+          </a:fillRef>
+          <a:effectRef idx="0">
+            <a:schemeClr val="accent1"/>
+          </a:effectRef>
+          <a:fontRef idx="minor">
+            <a:schemeClr val="tx1"/>
+          </a:fontRef>
+        </p:style>
+      </p:cxnSp>
+      <p:cxnSp>
+        <p:nvCxnSpPr>
+          <p:cNvPr id="22" name="连接符: 曲线 21">
+            <a:extLst>
+              <a:ext uri="{FF2B5EF4-FFF2-40B4-BE49-F238E27FC236}">
+                <a16:creationId xmlns:a16="http://schemas.microsoft.com/office/drawing/2014/main" id="{01E3F578-BCED-37BC-DA99-F6F310A81E84}"/>
+              </a:ext>
+            </a:extLst>
+          </p:cNvPr>
+          <p:cNvCxnSpPr>
+            <a:stCxn id="12" idx="1"/>
+            <a:endCxn id="6" idx="3"/>
+          </p:cNvCxnSpPr>
+          <p:nvPr/>
+        </p:nvCxnSpPr>
+        <p:spPr>
+          <a:xfrm rot="10800000">
+            <a:off x="4827710" y="4427925"/>
+            <a:ext cx="160971" cy="169718"/>
+          </a:xfrm>
+          <a:prstGeom prst="curvedConnector3">
+            <a:avLst/>
+          </a:prstGeom>
+          <a:ln>
+            <a:solidFill>
+              <a:srgbClr val="92D050"/>
+            </a:solidFill>
+          </a:ln>
+        </p:spPr>
+        <p:style>
+          <a:lnRef idx="1">
+            <a:schemeClr val="accent1"/>
+          </a:lnRef>
+          <a:fillRef idx="0">
+            <a:schemeClr val="accent1"/>
+          </a:fillRef>
+          <a:effectRef idx="0">
+            <a:schemeClr val="accent1"/>
+          </a:effectRef>
+          <a:fontRef idx="minor">
+            <a:schemeClr val="tx1"/>
+          </a:fontRef>
+        </p:style>
+      </p:cxnSp>
+    </p:spTree>
+    <p:extLst>
+      <p:ext uri="{BB962C8B-B14F-4D97-AF65-F5344CB8AC3E}">
+        <p14:creationId xmlns:p14="http://schemas.microsoft.com/office/powerpoint/2010/main" val="1074662793"/>
+      </p:ext>
+    </p:extLst>
+  </p:cSld>
+  <p:clrMapOvr>
+    <a:masterClrMapping/>
+  </p:clrMapOvr>
+</p:sld>
+</file>
+
+<file path=ppt/slides/slide3.xml><?xml version="1.0" encoding="utf-8"?>
+<p:sld xmlns:a="http://schemas.openxmlformats.org/drawingml/2006/main" xmlns:r="http://schemas.openxmlformats.org/officeDocument/2006/relationships" xmlns:p="http://schemas.openxmlformats.org/presentationml/2006/main">
+  <p:cSld>
+    <p:spTree>
+      <p:nvGrpSpPr>
         <p:cNvPr id="1" name="">
           <a:extLst>
             <a:ext uri="{FF2B5EF4-FFF2-40B4-BE49-F238E27FC236}">
@@ -13255,7 +16545,7 @@
 </p:sld>
 </file>
 
-<file path=ppt/slides/slide3.xml><?xml version="1.0" encoding="utf-8"?>
+<file path=ppt/slides/slide4.xml><?xml version="1.0" encoding="utf-8"?>
 <p:sld xmlns:a="http://schemas.openxmlformats.org/drawingml/2006/main" xmlns:r="http://schemas.openxmlformats.org/officeDocument/2006/relationships" xmlns:p="http://schemas.openxmlformats.org/presentationml/2006/main">
   <p:cSld>
     <p:spTree>
@@ -15433,7 +18723,7 @@
 </p:sld>
 </file>
 
-<file path=ppt/slides/slide4.xml><?xml version="1.0" encoding="utf-8"?>
+<file path=ppt/slides/slide5.xml><?xml version="1.0" encoding="utf-8"?>
 <p:sld xmlns:a="http://schemas.openxmlformats.org/drawingml/2006/main" xmlns:r="http://schemas.openxmlformats.org/officeDocument/2006/relationships" xmlns:p="http://schemas.openxmlformats.org/presentationml/2006/main">
   <p:cSld>
     <p:spTree>
@@ -16378,7 +19668,7 @@
 </p:sld>
 </file>
 
-<file path=ppt/slides/slide5.xml><?xml version="1.0" encoding="utf-8"?>
+<file path=ppt/slides/slide6.xml><?xml version="1.0" encoding="utf-8"?>
 <p:sld xmlns:a="http://schemas.openxmlformats.org/drawingml/2006/main" xmlns:r="http://schemas.openxmlformats.org/officeDocument/2006/relationships" xmlns:p="http://schemas.openxmlformats.org/presentationml/2006/main">
   <p:cSld>
     <p:spTree>
@@ -18107,7 +21397,7 @@
 </p:sld>
 </file>
 
-<file path=ppt/slides/slide6.xml><?xml version="1.0" encoding="utf-8"?>
+<file path=ppt/slides/slide7.xml><?xml version="1.0" encoding="utf-8"?>
 <p:sld xmlns:a="http://schemas.openxmlformats.org/drawingml/2006/main" xmlns:r="http://schemas.openxmlformats.org/officeDocument/2006/relationships" xmlns:p="http://schemas.openxmlformats.org/presentationml/2006/main">
   <p:cSld>
     <p:spTree>
@@ -19073,7 +22363,7 @@
 </p:sld>
 </file>
 
-<file path=ppt/slides/slide7.xml><?xml version="1.0" encoding="utf-8"?>
+<file path=ppt/slides/slide8.xml><?xml version="1.0" encoding="utf-8"?>
 <p:sld xmlns:a="http://schemas.openxmlformats.org/drawingml/2006/main" xmlns:r="http://schemas.openxmlformats.org/officeDocument/2006/relationships" xmlns:p="http://schemas.openxmlformats.org/presentationml/2006/main">
   <p:cSld>
     <p:spTree>
@@ -19667,7 +22957,7 @@
 </p:sld>
 </file>
 
-<file path=ppt/slides/slide8.xml><?xml version="1.0" encoding="utf-8"?>
+<file path=ppt/slides/slide9.xml><?xml version="1.0" encoding="utf-8"?>
 <p:sld xmlns:a="http://schemas.openxmlformats.org/drawingml/2006/main" xmlns:r="http://schemas.openxmlformats.org/officeDocument/2006/relationships" xmlns:p="http://schemas.openxmlformats.org/presentationml/2006/main">
   <p:cSld>
     <p:spTree>
@@ -21273,3011 +24563,6 @@
     <p:extLst>
       <p:ext uri="{BB962C8B-B14F-4D97-AF65-F5344CB8AC3E}">
         <p14:creationId xmlns:p14="http://schemas.microsoft.com/office/powerpoint/2010/main" val="2251257471"/>
-      </p:ext>
-    </p:extLst>
-  </p:cSld>
-  <p:clrMapOvr>
-    <a:masterClrMapping/>
-  </p:clrMapOvr>
-</p:sld>
-</file>
-
-<file path=ppt/slides/slide9.xml><?xml version="1.0" encoding="utf-8"?>
-<p:sld xmlns:a="http://schemas.openxmlformats.org/drawingml/2006/main" xmlns:r="http://schemas.openxmlformats.org/officeDocument/2006/relationships" xmlns:p="http://schemas.openxmlformats.org/presentationml/2006/main">
-  <p:cSld>
-    <p:spTree>
-      <p:nvGrpSpPr>
-        <p:cNvPr id="1" name="">
-          <a:extLst>
-            <a:ext uri="{FF2B5EF4-FFF2-40B4-BE49-F238E27FC236}">
-              <a16:creationId xmlns:a16="http://schemas.microsoft.com/office/drawing/2014/main" id="{04DA24F8-E1BD-9189-C324-9C5F7116D531}"/>
-            </a:ext>
-          </a:extLst>
-        </p:cNvPr>
-        <p:cNvGrpSpPr/>
-        <p:nvPr/>
-      </p:nvGrpSpPr>
-      <p:grpSpPr>
-        <a:xfrm>
-          <a:off x="0" y="0"/>
-          <a:ext cx="0" cy="0"/>
-          <a:chOff x="0" y="0"/>
-          <a:chExt cx="0" cy="0"/>
-        </a:xfrm>
-      </p:grpSpPr>
-      <p:sp>
-        <p:nvSpPr>
-          <p:cNvPr id="2" name="矩形: 圆角 1">
-            <a:extLst>
-              <a:ext uri="{FF2B5EF4-FFF2-40B4-BE49-F238E27FC236}">
-                <a16:creationId xmlns:a16="http://schemas.microsoft.com/office/drawing/2014/main" id="{667D5E69-AA2E-FC32-F5B1-466612F9DAEA}"/>
-              </a:ext>
-            </a:extLst>
-          </p:cNvPr>
-          <p:cNvSpPr/>
-          <p:nvPr/>
-        </p:nvSpPr>
-        <p:spPr>
-          <a:xfrm>
-            <a:off x="2090611" y="2642816"/>
-            <a:ext cx="1080000" cy="216000"/>
-          </a:xfrm>
-          <a:prstGeom prst="roundRect">
-            <a:avLst/>
-          </a:prstGeom>
-          <a:solidFill>
-            <a:schemeClr val="tx1"/>
-          </a:solidFill>
-          <a:ln w="12700">
-            <a:noFill/>
-          </a:ln>
-        </p:spPr>
-        <p:style>
-          <a:lnRef idx="2">
-            <a:schemeClr val="accent1">
-              <a:shade val="15000"/>
-            </a:schemeClr>
-          </a:lnRef>
-          <a:fillRef idx="1">
-            <a:schemeClr val="accent1"/>
-          </a:fillRef>
-          <a:effectRef idx="0">
-            <a:schemeClr val="accent1"/>
-          </a:effectRef>
-          <a:fontRef idx="minor">
-            <a:schemeClr val="lt1"/>
-          </a:fontRef>
-        </p:style>
-        <p:txBody>
-          <a:bodyPr rtlCol="0" anchor="ctr"/>
-          <a:lstStyle/>
-          <a:p>
-            <a:pPr algn="ctr"/>
-            <a:r>
-              <a:rPr lang="en-US" altLang="zh-CN" sz="800">
-                <a:latin typeface="微软雅黑" panose="020B0503020204020204" pitchFamily="34" charset="-122"/>
-                <a:ea typeface="微软雅黑" panose="020B0503020204020204" pitchFamily="34" charset="-122"/>
-              </a:rPr>
-              <a:t>Layout</a:t>
-            </a:r>
-            <a:endParaRPr lang="zh-CN" altLang="en-US" sz="800">
-              <a:latin typeface="微软雅黑" panose="020B0503020204020204" pitchFamily="34" charset="-122"/>
-              <a:ea typeface="微软雅黑" panose="020B0503020204020204" pitchFamily="34" charset="-122"/>
-            </a:endParaRPr>
-          </a:p>
-        </p:txBody>
-      </p:sp>
-      <p:sp>
-        <p:nvSpPr>
-          <p:cNvPr id="4" name="矩形: 圆角 3">
-            <a:extLst>
-              <a:ext uri="{FF2B5EF4-FFF2-40B4-BE49-F238E27FC236}">
-                <a16:creationId xmlns:a16="http://schemas.microsoft.com/office/drawing/2014/main" id="{67ABAD30-24EB-82E6-AF2D-59F60775339C}"/>
-              </a:ext>
-            </a:extLst>
-          </p:cNvPr>
-          <p:cNvSpPr/>
-          <p:nvPr/>
-        </p:nvSpPr>
-        <p:spPr>
-          <a:xfrm>
-            <a:off x="3406738" y="1669505"/>
-            <a:ext cx="720000" cy="216000"/>
-          </a:xfrm>
-          <a:prstGeom prst="roundRect">
-            <a:avLst/>
-          </a:prstGeom>
-          <a:solidFill>
-            <a:srgbClr val="FA8231"/>
-          </a:solidFill>
-          <a:ln w="12700">
-            <a:noFill/>
-          </a:ln>
-        </p:spPr>
-        <p:style>
-          <a:lnRef idx="2">
-            <a:schemeClr val="accent1">
-              <a:shade val="15000"/>
-            </a:schemeClr>
-          </a:lnRef>
-          <a:fillRef idx="1">
-            <a:schemeClr val="accent1"/>
-          </a:fillRef>
-          <a:effectRef idx="0">
-            <a:schemeClr val="accent1"/>
-          </a:effectRef>
-          <a:fontRef idx="minor">
-            <a:schemeClr val="lt1"/>
-          </a:fontRef>
-        </p:style>
-        <p:txBody>
-          <a:bodyPr rtlCol="0" anchor="ctr"/>
-          <a:lstStyle/>
-          <a:p>
-            <a:pPr algn="ctr"/>
-            <a:r>
-              <a:rPr lang="en-US" altLang="zh-CN" sz="800">
-                <a:latin typeface="Quicksand" panose="00000500000000000000" pitchFamily="2" charset="0"/>
-              </a:rPr>
-              <a:t>position</a:t>
-            </a:r>
-            <a:endParaRPr lang="zh-CN" altLang="en-US" sz="800">
-              <a:latin typeface="Quicksand" panose="00000500000000000000" pitchFamily="2" charset="0"/>
-            </a:endParaRPr>
-          </a:p>
-        </p:txBody>
-      </p:sp>
-      <p:sp>
-        <p:nvSpPr>
-          <p:cNvPr id="5" name="矩形: 圆角 4">
-            <a:extLst>
-              <a:ext uri="{FF2B5EF4-FFF2-40B4-BE49-F238E27FC236}">
-                <a16:creationId xmlns:a16="http://schemas.microsoft.com/office/drawing/2014/main" id="{8AA6A6D1-D7B3-992A-1FAD-9F693A49BEC6}"/>
-              </a:ext>
-            </a:extLst>
-          </p:cNvPr>
-          <p:cNvSpPr/>
-          <p:nvPr/>
-        </p:nvSpPr>
-        <p:spPr>
-          <a:xfrm>
-            <a:off x="3406738" y="3616127"/>
-            <a:ext cx="720000" cy="216000"/>
-          </a:xfrm>
-          <a:prstGeom prst="roundRect">
-            <a:avLst/>
-          </a:prstGeom>
-          <a:solidFill>
-            <a:srgbClr val="EB3B5A"/>
-          </a:solidFill>
-          <a:ln w="12700">
-            <a:noFill/>
-          </a:ln>
-        </p:spPr>
-        <p:style>
-          <a:lnRef idx="2">
-            <a:schemeClr val="accent1">
-              <a:shade val="15000"/>
-            </a:schemeClr>
-          </a:lnRef>
-          <a:fillRef idx="1">
-            <a:schemeClr val="accent1"/>
-          </a:fillRef>
-          <a:effectRef idx="0">
-            <a:schemeClr val="accent1"/>
-          </a:effectRef>
-          <a:fontRef idx="minor">
-            <a:schemeClr val="lt1"/>
-          </a:fontRef>
-        </p:style>
-        <p:txBody>
-          <a:bodyPr rtlCol="0" anchor="ctr"/>
-          <a:lstStyle/>
-          <a:p>
-            <a:pPr algn="ctr"/>
-            <a:r>
-              <a:rPr lang="en-US" altLang="zh-CN" sz="800">
-                <a:latin typeface="Quicksand" panose="00000500000000000000" pitchFamily="2" charset="0"/>
-              </a:rPr>
-              <a:t>flex</a:t>
-            </a:r>
-            <a:endParaRPr lang="zh-CN" altLang="en-US" sz="800">
-              <a:latin typeface="Quicksand" panose="00000500000000000000" pitchFamily="2" charset="0"/>
-            </a:endParaRPr>
-          </a:p>
-        </p:txBody>
-      </p:sp>
-      <p:sp>
-        <p:nvSpPr>
-          <p:cNvPr id="6" name="矩形: 圆角 5">
-            <a:extLst>
-              <a:ext uri="{FF2B5EF4-FFF2-40B4-BE49-F238E27FC236}">
-                <a16:creationId xmlns:a16="http://schemas.microsoft.com/office/drawing/2014/main" id="{6C42CB4E-5C44-7042-49A8-6E7C64C23FF1}"/>
-              </a:ext>
-            </a:extLst>
-          </p:cNvPr>
-          <p:cNvSpPr/>
-          <p:nvPr/>
-        </p:nvSpPr>
-        <p:spPr>
-          <a:xfrm>
-            <a:off x="3406738" y="5639223"/>
-            <a:ext cx="720000" cy="216000"/>
-          </a:xfrm>
-          <a:prstGeom prst="roundRect">
-            <a:avLst/>
-          </a:prstGeom>
-          <a:solidFill>
-            <a:srgbClr val="20BF6B"/>
-          </a:solidFill>
-          <a:ln w="12700">
-            <a:noFill/>
-          </a:ln>
-        </p:spPr>
-        <p:style>
-          <a:lnRef idx="2">
-            <a:schemeClr val="accent1">
-              <a:shade val="15000"/>
-            </a:schemeClr>
-          </a:lnRef>
-          <a:fillRef idx="1">
-            <a:schemeClr val="accent1"/>
-          </a:fillRef>
-          <a:effectRef idx="0">
-            <a:schemeClr val="accent1"/>
-          </a:effectRef>
-          <a:fontRef idx="minor">
-            <a:schemeClr val="lt1"/>
-          </a:fontRef>
-        </p:style>
-        <p:txBody>
-          <a:bodyPr rtlCol="0" anchor="ctr"/>
-          <a:lstStyle/>
-          <a:p>
-            <a:pPr algn="ctr"/>
-            <a:r>
-              <a:rPr lang="en-US" altLang="zh-CN" sz="800">
-                <a:latin typeface="Quicksand" panose="00000500000000000000" pitchFamily="2" charset="0"/>
-              </a:rPr>
-              <a:t>grid</a:t>
-            </a:r>
-            <a:endParaRPr lang="zh-CN" altLang="en-US" sz="800">
-              <a:latin typeface="Quicksand" panose="00000500000000000000" pitchFamily="2" charset="0"/>
-            </a:endParaRPr>
-          </a:p>
-        </p:txBody>
-      </p:sp>
-      <p:sp>
-        <p:nvSpPr>
-          <p:cNvPr id="7" name="矩形: 圆角 6">
-            <a:extLst>
-              <a:ext uri="{FF2B5EF4-FFF2-40B4-BE49-F238E27FC236}">
-                <a16:creationId xmlns:a16="http://schemas.microsoft.com/office/drawing/2014/main" id="{1B393F4E-D343-21EE-8EB7-F6279D93491C}"/>
-              </a:ext>
-            </a:extLst>
-          </p:cNvPr>
-          <p:cNvSpPr/>
-          <p:nvPr/>
-        </p:nvSpPr>
-        <p:spPr>
-          <a:xfrm>
-            <a:off x="4239109" y="1543992"/>
-            <a:ext cx="900000" cy="216000"/>
-          </a:xfrm>
-          <a:prstGeom prst="roundRect">
-            <a:avLst/>
-          </a:prstGeom>
-          <a:solidFill>
-            <a:srgbClr val="FA8231">
-              <a:alpha val="80000"/>
-            </a:srgbClr>
-          </a:solidFill>
-          <a:ln w="12700">
-            <a:noFill/>
-          </a:ln>
-        </p:spPr>
-        <p:style>
-          <a:lnRef idx="2">
-            <a:schemeClr val="accent1">
-              <a:shade val="15000"/>
-            </a:schemeClr>
-          </a:lnRef>
-          <a:fillRef idx="1">
-            <a:schemeClr val="accent1"/>
-          </a:fillRef>
-          <a:effectRef idx="0">
-            <a:schemeClr val="accent1"/>
-          </a:effectRef>
-          <a:fontRef idx="minor">
-            <a:schemeClr val="lt1"/>
-          </a:fontRef>
-        </p:style>
-        <p:txBody>
-          <a:bodyPr rtlCol="0" anchor="ctr"/>
-          <a:lstStyle/>
-          <a:p>
-            <a:pPr algn="ctr"/>
-            <a:r>
-              <a:rPr lang="en-US" altLang="zh-CN" sz="800">
-                <a:latin typeface="Quicksand" panose="00000500000000000000" pitchFamily="2" charset="0"/>
-              </a:rPr>
-              <a:t>absolute</a:t>
-            </a:r>
-            <a:endParaRPr lang="zh-CN" altLang="en-US" sz="800">
-              <a:latin typeface="Quicksand" panose="00000500000000000000" pitchFamily="2" charset="0"/>
-            </a:endParaRPr>
-          </a:p>
-        </p:txBody>
-      </p:sp>
-      <p:sp>
-        <p:nvSpPr>
-          <p:cNvPr id="8" name="矩形: 圆角 7">
-            <a:extLst>
-              <a:ext uri="{FF2B5EF4-FFF2-40B4-BE49-F238E27FC236}">
-                <a16:creationId xmlns:a16="http://schemas.microsoft.com/office/drawing/2014/main" id="{35EF32C5-5CD8-2361-E4BA-17E8BD8F84C4}"/>
-              </a:ext>
-            </a:extLst>
-          </p:cNvPr>
-          <p:cNvSpPr/>
-          <p:nvPr/>
-        </p:nvSpPr>
-        <p:spPr>
-          <a:xfrm>
-            <a:off x="4239109" y="1292968"/>
-            <a:ext cx="900000" cy="216000"/>
-          </a:xfrm>
-          <a:prstGeom prst="roundRect">
-            <a:avLst/>
-          </a:prstGeom>
-          <a:solidFill>
-            <a:srgbClr val="FA8231">
-              <a:alpha val="80000"/>
-            </a:srgbClr>
-          </a:solidFill>
-          <a:ln w="12700">
-            <a:noFill/>
-          </a:ln>
-        </p:spPr>
-        <p:style>
-          <a:lnRef idx="2">
-            <a:schemeClr val="accent1">
-              <a:shade val="15000"/>
-            </a:schemeClr>
-          </a:lnRef>
-          <a:fillRef idx="1">
-            <a:schemeClr val="accent1"/>
-          </a:fillRef>
-          <a:effectRef idx="0">
-            <a:schemeClr val="accent1"/>
-          </a:effectRef>
-          <a:fontRef idx="minor">
-            <a:schemeClr val="lt1"/>
-          </a:fontRef>
-        </p:style>
-        <p:txBody>
-          <a:bodyPr rtlCol="0" anchor="ctr"/>
-          <a:lstStyle/>
-          <a:p>
-            <a:pPr algn="ctr"/>
-            <a:r>
-              <a:rPr lang="en-US" altLang="zh-CN" sz="800">
-                <a:latin typeface="Quicksand" panose="00000500000000000000" pitchFamily="2" charset="0"/>
-              </a:rPr>
-              <a:t>relative</a:t>
-            </a:r>
-            <a:endParaRPr lang="zh-CN" altLang="en-US" sz="800">
-              <a:latin typeface="Quicksand" panose="00000500000000000000" pitchFamily="2" charset="0"/>
-            </a:endParaRPr>
-          </a:p>
-        </p:txBody>
-      </p:sp>
-      <p:sp>
-        <p:nvSpPr>
-          <p:cNvPr id="10" name="矩形: 圆角 9">
-            <a:extLst>
-              <a:ext uri="{FF2B5EF4-FFF2-40B4-BE49-F238E27FC236}">
-                <a16:creationId xmlns:a16="http://schemas.microsoft.com/office/drawing/2014/main" id="{46706059-CEF5-0406-0DE9-CE356B0DB39C}"/>
-              </a:ext>
-            </a:extLst>
-          </p:cNvPr>
-          <p:cNvSpPr/>
-          <p:nvPr/>
-        </p:nvSpPr>
-        <p:spPr>
-          <a:xfrm>
-            <a:off x="4239109" y="3017962"/>
-            <a:ext cx="900000" cy="216000"/>
-          </a:xfrm>
-          <a:prstGeom prst="roundRect">
-            <a:avLst/>
-          </a:prstGeom>
-          <a:solidFill>
-            <a:srgbClr val="EB3B5A">
-              <a:alpha val="80000"/>
-            </a:srgbClr>
-          </a:solidFill>
-          <a:ln w="12700">
-            <a:noFill/>
-          </a:ln>
-        </p:spPr>
-        <p:style>
-          <a:lnRef idx="2">
-            <a:schemeClr val="accent1">
-              <a:shade val="15000"/>
-            </a:schemeClr>
-          </a:lnRef>
-          <a:fillRef idx="1">
-            <a:schemeClr val="accent1"/>
-          </a:fillRef>
-          <a:effectRef idx="0">
-            <a:schemeClr val="accent1"/>
-          </a:effectRef>
-          <a:fontRef idx="minor">
-            <a:schemeClr val="lt1"/>
-          </a:fontRef>
-        </p:style>
-        <p:txBody>
-          <a:bodyPr rtlCol="0" anchor="ctr"/>
-          <a:lstStyle/>
-          <a:p>
-            <a:pPr algn="ctr"/>
-            <a:r>
-              <a:rPr lang="en-US" altLang="zh-CN" sz="800">
-                <a:latin typeface="Quicksand" panose="00000500000000000000" pitchFamily="2" charset="0"/>
-              </a:rPr>
-              <a:t>container</a:t>
-            </a:r>
-            <a:endParaRPr lang="zh-CN" altLang="en-US" sz="800">
-              <a:latin typeface="Quicksand" panose="00000500000000000000" pitchFamily="2" charset="0"/>
-            </a:endParaRPr>
-          </a:p>
-        </p:txBody>
-      </p:sp>
-      <p:cxnSp>
-        <p:nvCxnSpPr>
-          <p:cNvPr id="14" name="连接符: 曲线 13">
-            <a:extLst>
-              <a:ext uri="{FF2B5EF4-FFF2-40B4-BE49-F238E27FC236}">
-                <a16:creationId xmlns:a16="http://schemas.microsoft.com/office/drawing/2014/main" id="{790A38DE-9A2B-5F8D-ED2A-6B8A26FD3E39}"/>
-              </a:ext>
-            </a:extLst>
-          </p:cNvPr>
-          <p:cNvCxnSpPr>
-            <a:cxnSpLocks/>
-            <a:stCxn id="2" idx="3"/>
-            <a:endCxn id="5" idx="1"/>
-          </p:cNvCxnSpPr>
-          <p:nvPr/>
-        </p:nvCxnSpPr>
-        <p:spPr>
-          <a:xfrm>
-            <a:off x="3170611" y="2750816"/>
-            <a:ext cx="236127" cy="973311"/>
-          </a:xfrm>
-          <a:prstGeom prst="curvedConnector3">
-            <a:avLst/>
-          </a:prstGeom>
-          <a:ln>
-            <a:solidFill>
-              <a:srgbClr val="FF0000"/>
-            </a:solidFill>
-          </a:ln>
-        </p:spPr>
-        <p:style>
-          <a:lnRef idx="1">
-            <a:schemeClr val="accent1"/>
-          </a:lnRef>
-          <a:fillRef idx="0">
-            <a:schemeClr val="accent1"/>
-          </a:fillRef>
-          <a:effectRef idx="0">
-            <a:schemeClr val="accent1"/>
-          </a:effectRef>
-          <a:fontRef idx="minor">
-            <a:schemeClr val="tx1"/>
-          </a:fontRef>
-        </p:style>
-      </p:cxnSp>
-      <p:cxnSp>
-        <p:nvCxnSpPr>
-          <p:cNvPr id="15" name="连接符: 曲线 14">
-            <a:extLst>
-              <a:ext uri="{FF2B5EF4-FFF2-40B4-BE49-F238E27FC236}">
-                <a16:creationId xmlns:a16="http://schemas.microsoft.com/office/drawing/2014/main" id="{535BF5A3-8481-B09F-E621-2DAEFDB577F2}"/>
-              </a:ext>
-            </a:extLst>
-          </p:cNvPr>
-          <p:cNvCxnSpPr>
-            <a:cxnSpLocks/>
-            <a:stCxn id="2" idx="3"/>
-            <a:endCxn id="6" idx="1"/>
-          </p:cNvCxnSpPr>
-          <p:nvPr/>
-        </p:nvCxnSpPr>
-        <p:spPr>
-          <a:xfrm>
-            <a:off x="3170611" y="2750816"/>
-            <a:ext cx="236127" cy="2996407"/>
-          </a:xfrm>
-          <a:prstGeom prst="curvedConnector3">
-            <a:avLst/>
-          </a:prstGeom>
-          <a:ln>
-            <a:solidFill>
-              <a:srgbClr val="00B050"/>
-            </a:solidFill>
-          </a:ln>
-        </p:spPr>
-        <p:style>
-          <a:lnRef idx="1">
-            <a:schemeClr val="accent1"/>
-          </a:lnRef>
-          <a:fillRef idx="0">
-            <a:schemeClr val="accent1"/>
-          </a:fillRef>
-          <a:effectRef idx="0">
-            <a:schemeClr val="accent1"/>
-          </a:effectRef>
-          <a:fontRef idx="minor">
-            <a:schemeClr val="tx1"/>
-          </a:fontRef>
-        </p:style>
-      </p:cxnSp>
-      <p:cxnSp>
-        <p:nvCxnSpPr>
-          <p:cNvPr id="16" name="连接符: 曲线 15">
-            <a:extLst>
-              <a:ext uri="{FF2B5EF4-FFF2-40B4-BE49-F238E27FC236}">
-                <a16:creationId xmlns:a16="http://schemas.microsoft.com/office/drawing/2014/main" id="{95B4C45D-2215-D351-EBD0-9C11C2A0EE8F}"/>
-              </a:ext>
-            </a:extLst>
-          </p:cNvPr>
-          <p:cNvCxnSpPr>
-            <a:cxnSpLocks/>
-            <a:stCxn id="4" idx="1"/>
-            <a:endCxn id="2" idx="3"/>
-          </p:cNvCxnSpPr>
-          <p:nvPr/>
-        </p:nvCxnSpPr>
-        <p:spPr>
-          <a:xfrm rot="10800000" flipV="1">
-            <a:off x="3170612" y="1777504"/>
-            <a:ext cx="236127" cy="973311"/>
-          </a:xfrm>
-          <a:prstGeom prst="curvedConnector3">
-            <a:avLst/>
-          </a:prstGeom>
-          <a:ln>
-            <a:solidFill>
-              <a:srgbClr val="FFC000"/>
-            </a:solidFill>
-          </a:ln>
-        </p:spPr>
-        <p:style>
-          <a:lnRef idx="1">
-            <a:schemeClr val="accent1"/>
-          </a:lnRef>
-          <a:fillRef idx="0">
-            <a:schemeClr val="accent1"/>
-          </a:fillRef>
-          <a:effectRef idx="0">
-            <a:schemeClr val="accent1"/>
-          </a:effectRef>
-          <a:fontRef idx="minor">
-            <a:schemeClr val="tx1"/>
-          </a:fontRef>
-        </p:style>
-      </p:cxnSp>
-      <p:cxnSp>
-        <p:nvCxnSpPr>
-          <p:cNvPr id="20" name="连接符: 曲线 19">
-            <a:extLst>
-              <a:ext uri="{FF2B5EF4-FFF2-40B4-BE49-F238E27FC236}">
-                <a16:creationId xmlns:a16="http://schemas.microsoft.com/office/drawing/2014/main" id="{ED494AB0-430F-92D5-9EC0-4C90DF974118}"/>
-              </a:ext>
-            </a:extLst>
-          </p:cNvPr>
-          <p:cNvCxnSpPr>
-            <a:cxnSpLocks/>
-            <a:stCxn id="58" idx="1"/>
-            <a:endCxn id="5" idx="3"/>
-          </p:cNvCxnSpPr>
-          <p:nvPr/>
-        </p:nvCxnSpPr>
-        <p:spPr>
-          <a:xfrm rot="10800000">
-            <a:off x="4126739" y="3724128"/>
-            <a:ext cx="112371" cy="598165"/>
-          </a:xfrm>
-          <a:prstGeom prst="curvedConnector3">
-            <a:avLst/>
-          </a:prstGeom>
-          <a:ln>
-            <a:solidFill>
-              <a:srgbClr val="EB3B5A"/>
-            </a:solidFill>
-          </a:ln>
-        </p:spPr>
-        <p:style>
-          <a:lnRef idx="1">
-            <a:schemeClr val="accent1"/>
-          </a:lnRef>
-          <a:fillRef idx="0">
-            <a:schemeClr val="accent1"/>
-          </a:fillRef>
-          <a:effectRef idx="0">
-            <a:schemeClr val="accent1"/>
-          </a:effectRef>
-          <a:fontRef idx="minor">
-            <a:schemeClr val="tx1"/>
-          </a:fontRef>
-        </p:style>
-      </p:cxnSp>
-      <p:sp>
-        <p:nvSpPr>
-          <p:cNvPr id="23" name="矩形: 圆角 22">
-            <a:extLst>
-              <a:ext uri="{FF2B5EF4-FFF2-40B4-BE49-F238E27FC236}">
-                <a16:creationId xmlns:a16="http://schemas.microsoft.com/office/drawing/2014/main" id="{454CE68F-1AD7-3B27-C278-53D0FBDE0973}"/>
-              </a:ext>
-            </a:extLst>
-          </p:cNvPr>
-          <p:cNvSpPr/>
-          <p:nvPr/>
-        </p:nvSpPr>
-        <p:spPr>
-          <a:xfrm>
-            <a:off x="4239109" y="1795017"/>
-            <a:ext cx="900000" cy="216000"/>
-          </a:xfrm>
-          <a:prstGeom prst="roundRect">
-            <a:avLst/>
-          </a:prstGeom>
-          <a:solidFill>
-            <a:srgbClr val="FA8231">
-              <a:alpha val="80000"/>
-            </a:srgbClr>
-          </a:solidFill>
-          <a:ln w="12700">
-            <a:noFill/>
-          </a:ln>
-        </p:spPr>
-        <p:style>
-          <a:lnRef idx="2">
-            <a:schemeClr val="accent1">
-              <a:shade val="15000"/>
-            </a:schemeClr>
-          </a:lnRef>
-          <a:fillRef idx="1">
-            <a:schemeClr val="accent1"/>
-          </a:fillRef>
-          <a:effectRef idx="0">
-            <a:schemeClr val="accent1"/>
-          </a:effectRef>
-          <a:fontRef idx="minor">
-            <a:schemeClr val="lt1"/>
-          </a:fontRef>
-        </p:style>
-        <p:txBody>
-          <a:bodyPr rtlCol="0" anchor="ctr"/>
-          <a:lstStyle/>
-          <a:p>
-            <a:pPr algn="ctr"/>
-            <a:r>
-              <a:rPr lang="en-US" altLang="zh-CN" sz="800">
-                <a:latin typeface="Quicksand" panose="00000500000000000000" pitchFamily="2" charset="0"/>
-              </a:rPr>
-              <a:t>fixed</a:t>
-            </a:r>
-            <a:endParaRPr lang="zh-CN" altLang="en-US" sz="800">
-              <a:latin typeface="Quicksand" panose="00000500000000000000" pitchFamily="2" charset="0"/>
-            </a:endParaRPr>
-          </a:p>
-        </p:txBody>
-      </p:sp>
-      <p:sp>
-        <p:nvSpPr>
-          <p:cNvPr id="58" name="矩形: 圆角 57">
-            <a:extLst>
-              <a:ext uri="{FF2B5EF4-FFF2-40B4-BE49-F238E27FC236}">
-                <a16:creationId xmlns:a16="http://schemas.microsoft.com/office/drawing/2014/main" id="{74C9951C-382C-0B59-1E2F-16537D777D39}"/>
-              </a:ext>
-            </a:extLst>
-          </p:cNvPr>
-          <p:cNvSpPr/>
-          <p:nvPr/>
-        </p:nvSpPr>
-        <p:spPr>
-          <a:xfrm>
-            <a:off x="4239109" y="4214292"/>
-            <a:ext cx="900000" cy="216000"/>
-          </a:xfrm>
-          <a:prstGeom prst="roundRect">
-            <a:avLst/>
-          </a:prstGeom>
-          <a:solidFill>
-            <a:srgbClr val="EB3B5A">
-              <a:alpha val="80000"/>
-            </a:srgbClr>
-          </a:solidFill>
-          <a:ln w="12700">
-            <a:noFill/>
-          </a:ln>
-        </p:spPr>
-        <p:style>
-          <a:lnRef idx="2">
-            <a:schemeClr val="accent1">
-              <a:shade val="15000"/>
-            </a:schemeClr>
-          </a:lnRef>
-          <a:fillRef idx="1">
-            <a:schemeClr val="accent1"/>
-          </a:fillRef>
-          <a:effectRef idx="0">
-            <a:schemeClr val="accent1"/>
-          </a:effectRef>
-          <a:fontRef idx="minor">
-            <a:schemeClr val="lt1"/>
-          </a:fontRef>
-        </p:style>
-        <p:txBody>
-          <a:bodyPr rtlCol="0" anchor="ctr"/>
-          <a:lstStyle/>
-          <a:p>
-            <a:pPr algn="ctr"/>
-            <a:r>
-              <a:rPr lang="en-US" altLang="zh-CN" sz="800">
-                <a:latin typeface="Quicksand" panose="00000500000000000000" pitchFamily="2" charset="0"/>
-              </a:rPr>
-              <a:t>item</a:t>
-            </a:r>
-            <a:endParaRPr lang="zh-CN" altLang="en-US" sz="800">
-              <a:latin typeface="Quicksand" panose="00000500000000000000" pitchFamily="2" charset="0"/>
-            </a:endParaRPr>
-          </a:p>
-        </p:txBody>
-      </p:sp>
-      <p:sp>
-        <p:nvSpPr>
-          <p:cNvPr id="62" name="矩形: 圆角 61">
-            <a:extLst>
-              <a:ext uri="{FF2B5EF4-FFF2-40B4-BE49-F238E27FC236}">
-                <a16:creationId xmlns:a16="http://schemas.microsoft.com/office/drawing/2014/main" id="{9392F884-1D99-06E6-073E-84586A266AE6}"/>
-              </a:ext>
-            </a:extLst>
-          </p:cNvPr>
-          <p:cNvSpPr/>
-          <p:nvPr/>
-        </p:nvSpPr>
-        <p:spPr>
-          <a:xfrm>
-            <a:off x="4239109" y="5513963"/>
-            <a:ext cx="900000" cy="216000"/>
-          </a:xfrm>
-          <a:prstGeom prst="roundRect">
-            <a:avLst/>
-          </a:prstGeom>
-          <a:solidFill>
-            <a:srgbClr val="20BF6B">
-              <a:alpha val="80000"/>
-            </a:srgbClr>
-          </a:solidFill>
-          <a:ln w="12700">
-            <a:noFill/>
-          </a:ln>
-        </p:spPr>
-        <p:style>
-          <a:lnRef idx="2">
-            <a:schemeClr val="accent1">
-              <a:shade val="15000"/>
-            </a:schemeClr>
-          </a:lnRef>
-          <a:fillRef idx="1">
-            <a:schemeClr val="accent1"/>
-          </a:fillRef>
-          <a:effectRef idx="0">
-            <a:schemeClr val="accent1"/>
-          </a:effectRef>
-          <a:fontRef idx="minor">
-            <a:schemeClr val="lt1"/>
-          </a:fontRef>
-        </p:style>
-        <p:txBody>
-          <a:bodyPr rtlCol="0" anchor="ctr"/>
-          <a:lstStyle/>
-          <a:p>
-            <a:pPr algn="ctr"/>
-            <a:r>
-              <a:rPr lang="en-US" altLang="zh-CN" sz="800">
-                <a:latin typeface="Quicksand" panose="00000500000000000000" pitchFamily="2" charset="0"/>
-              </a:rPr>
-              <a:t>container</a:t>
-            </a:r>
-            <a:endParaRPr lang="zh-CN" altLang="en-US" sz="800">
-              <a:latin typeface="Quicksand" panose="00000500000000000000" pitchFamily="2" charset="0"/>
-            </a:endParaRPr>
-          </a:p>
-        </p:txBody>
-      </p:sp>
-      <p:sp>
-        <p:nvSpPr>
-          <p:cNvPr id="63" name="矩形: 圆角 62">
-            <a:extLst>
-              <a:ext uri="{FF2B5EF4-FFF2-40B4-BE49-F238E27FC236}">
-                <a16:creationId xmlns:a16="http://schemas.microsoft.com/office/drawing/2014/main" id="{A917F5E3-9109-56D4-33BF-FB69E8ADD0D1}"/>
-              </a:ext>
-            </a:extLst>
-          </p:cNvPr>
-          <p:cNvSpPr/>
-          <p:nvPr/>
-        </p:nvSpPr>
-        <p:spPr>
-          <a:xfrm>
-            <a:off x="4239109" y="5764483"/>
-            <a:ext cx="900000" cy="216000"/>
-          </a:xfrm>
-          <a:prstGeom prst="roundRect">
-            <a:avLst/>
-          </a:prstGeom>
-          <a:solidFill>
-            <a:srgbClr val="20BF6B">
-              <a:alpha val="80000"/>
-            </a:srgbClr>
-          </a:solidFill>
-          <a:ln w="12700">
-            <a:noFill/>
-          </a:ln>
-        </p:spPr>
-        <p:style>
-          <a:lnRef idx="2">
-            <a:schemeClr val="accent1">
-              <a:shade val="15000"/>
-            </a:schemeClr>
-          </a:lnRef>
-          <a:fillRef idx="1">
-            <a:schemeClr val="accent1"/>
-          </a:fillRef>
-          <a:effectRef idx="0">
-            <a:schemeClr val="accent1"/>
-          </a:effectRef>
-          <a:fontRef idx="minor">
-            <a:schemeClr val="lt1"/>
-          </a:fontRef>
-        </p:style>
-        <p:txBody>
-          <a:bodyPr rtlCol="0" anchor="ctr"/>
-          <a:lstStyle/>
-          <a:p>
-            <a:pPr algn="ctr"/>
-            <a:r>
-              <a:rPr lang="en-US" altLang="zh-CN" sz="800">
-                <a:latin typeface="Quicksand" panose="00000500000000000000" pitchFamily="2" charset="0"/>
-              </a:rPr>
-              <a:t>item</a:t>
-            </a:r>
-            <a:endParaRPr lang="zh-CN" altLang="en-US" sz="800">
-              <a:latin typeface="Quicksand" panose="00000500000000000000" pitchFamily="2" charset="0"/>
-            </a:endParaRPr>
-          </a:p>
-        </p:txBody>
-      </p:sp>
-      <p:cxnSp>
-        <p:nvCxnSpPr>
-          <p:cNvPr id="69" name="连接符: 曲线 68">
-            <a:extLst>
-              <a:ext uri="{FF2B5EF4-FFF2-40B4-BE49-F238E27FC236}">
-                <a16:creationId xmlns:a16="http://schemas.microsoft.com/office/drawing/2014/main" id="{E3955310-D40B-9A50-04A8-3D315ACB8252}"/>
-              </a:ext>
-            </a:extLst>
-          </p:cNvPr>
-          <p:cNvCxnSpPr>
-            <a:cxnSpLocks/>
-            <a:stCxn id="62" idx="1"/>
-            <a:endCxn id="6" idx="3"/>
-          </p:cNvCxnSpPr>
-          <p:nvPr/>
-        </p:nvCxnSpPr>
-        <p:spPr>
-          <a:xfrm rot="10800000" flipV="1">
-            <a:off x="4126739" y="5621963"/>
-            <a:ext cx="112371" cy="125260"/>
-          </a:xfrm>
-          <a:prstGeom prst="curvedConnector3">
-            <a:avLst>
-              <a:gd name="adj1" fmla="val 50000"/>
-            </a:avLst>
-          </a:prstGeom>
-          <a:ln>
-            <a:solidFill>
-              <a:srgbClr val="00B050"/>
-            </a:solidFill>
-          </a:ln>
-        </p:spPr>
-        <p:style>
-          <a:lnRef idx="1">
-            <a:schemeClr val="accent1"/>
-          </a:lnRef>
-          <a:fillRef idx="0">
-            <a:schemeClr val="accent1"/>
-          </a:fillRef>
-          <a:effectRef idx="0">
-            <a:schemeClr val="accent1"/>
-          </a:effectRef>
-          <a:fontRef idx="minor">
-            <a:schemeClr val="tx1"/>
-          </a:fontRef>
-        </p:style>
-      </p:cxnSp>
-      <p:cxnSp>
-        <p:nvCxnSpPr>
-          <p:cNvPr id="71" name="连接符: 曲线 70">
-            <a:extLst>
-              <a:ext uri="{FF2B5EF4-FFF2-40B4-BE49-F238E27FC236}">
-                <a16:creationId xmlns:a16="http://schemas.microsoft.com/office/drawing/2014/main" id="{04BA7244-C215-E779-E744-80CFC8B32938}"/>
-              </a:ext>
-            </a:extLst>
-          </p:cNvPr>
-          <p:cNvCxnSpPr>
-            <a:cxnSpLocks/>
-            <a:stCxn id="63" idx="1"/>
-            <a:endCxn id="6" idx="3"/>
-          </p:cNvCxnSpPr>
-          <p:nvPr/>
-        </p:nvCxnSpPr>
-        <p:spPr>
-          <a:xfrm rot="10800000">
-            <a:off x="4126739" y="5747223"/>
-            <a:ext cx="112371" cy="125260"/>
-          </a:xfrm>
-          <a:prstGeom prst="curvedConnector3">
-            <a:avLst/>
-          </a:prstGeom>
-          <a:ln>
-            <a:solidFill>
-              <a:srgbClr val="00B050"/>
-            </a:solidFill>
-          </a:ln>
-        </p:spPr>
-        <p:style>
-          <a:lnRef idx="1">
-            <a:schemeClr val="accent1"/>
-          </a:lnRef>
-          <a:fillRef idx="0">
-            <a:schemeClr val="accent1"/>
-          </a:fillRef>
-          <a:effectRef idx="0">
-            <a:schemeClr val="accent1"/>
-          </a:effectRef>
-          <a:fontRef idx="minor">
-            <a:schemeClr val="tx1"/>
-          </a:fontRef>
-        </p:style>
-      </p:cxnSp>
-      <p:cxnSp>
-        <p:nvCxnSpPr>
-          <p:cNvPr id="105" name="连接符: 曲线 104">
-            <a:extLst>
-              <a:ext uri="{FF2B5EF4-FFF2-40B4-BE49-F238E27FC236}">
-                <a16:creationId xmlns:a16="http://schemas.microsoft.com/office/drawing/2014/main" id="{F1F59178-FEC1-F67E-09E0-8ADE07BA4BE8}"/>
-              </a:ext>
-            </a:extLst>
-          </p:cNvPr>
-          <p:cNvCxnSpPr>
-            <a:cxnSpLocks/>
-            <a:stCxn id="10" idx="1"/>
-            <a:endCxn id="5" idx="3"/>
-          </p:cNvCxnSpPr>
-          <p:nvPr/>
-        </p:nvCxnSpPr>
-        <p:spPr>
-          <a:xfrm rot="10800000" flipV="1">
-            <a:off x="4126739" y="3125961"/>
-            <a:ext cx="112371" cy="598165"/>
-          </a:xfrm>
-          <a:prstGeom prst="curvedConnector3">
-            <a:avLst>
-              <a:gd name="adj1" fmla="val 50000"/>
-            </a:avLst>
-          </a:prstGeom>
-          <a:ln>
-            <a:solidFill>
-              <a:srgbClr val="EB3B5A"/>
-            </a:solidFill>
-          </a:ln>
-        </p:spPr>
-        <p:style>
-          <a:lnRef idx="1">
-            <a:schemeClr val="accent1"/>
-          </a:lnRef>
-          <a:fillRef idx="0">
-            <a:schemeClr val="accent1"/>
-          </a:fillRef>
-          <a:effectRef idx="0">
-            <a:schemeClr val="accent1"/>
-          </a:effectRef>
-          <a:fontRef idx="minor">
-            <a:schemeClr val="tx1"/>
-          </a:fontRef>
-        </p:style>
-      </p:cxnSp>
-      <p:cxnSp>
-        <p:nvCxnSpPr>
-          <p:cNvPr id="45" name="连接符: 曲线 44">
-            <a:extLst>
-              <a:ext uri="{FF2B5EF4-FFF2-40B4-BE49-F238E27FC236}">
-                <a16:creationId xmlns:a16="http://schemas.microsoft.com/office/drawing/2014/main" id="{8D0C0C64-A215-B478-822D-5B9D37BEED0F}"/>
-              </a:ext>
-            </a:extLst>
-          </p:cNvPr>
-          <p:cNvCxnSpPr>
-            <a:cxnSpLocks/>
-            <a:stCxn id="8" idx="1"/>
-            <a:endCxn id="4" idx="3"/>
-          </p:cNvCxnSpPr>
-          <p:nvPr/>
-        </p:nvCxnSpPr>
-        <p:spPr>
-          <a:xfrm rot="10800000" flipV="1">
-            <a:off x="4126739" y="1400967"/>
-            <a:ext cx="112371" cy="376537"/>
-          </a:xfrm>
-          <a:prstGeom prst="curvedConnector3">
-            <a:avLst>
-              <a:gd name="adj1" fmla="val 50000"/>
-            </a:avLst>
-          </a:prstGeom>
-          <a:ln>
-            <a:solidFill>
-              <a:srgbClr val="FA8231"/>
-            </a:solidFill>
-          </a:ln>
-        </p:spPr>
-        <p:style>
-          <a:lnRef idx="1">
-            <a:schemeClr val="accent1"/>
-          </a:lnRef>
-          <a:fillRef idx="0">
-            <a:schemeClr val="accent1"/>
-          </a:fillRef>
-          <a:effectRef idx="0">
-            <a:schemeClr val="accent1"/>
-          </a:effectRef>
-          <a:fontRef idx="minor">
-            <a:schemeClr val="tx1"/>
-          </a:fontRef>
-        </p:style>
-      </p:cxnSp>
-      <p:sp>
-        <p:nvSpPr>
-          <p:cNvPr id="9" name="矩形: 圆角 8">
-            <a:extLst>
-              <a:ext uri="{FF2B5EF4-FFF2-40B4-BE49-F238E27FC236}">
-                <a16:creationId xmlns:a16="http://schemas.microsoft.com/office/drawing/2014/main" id="{861D15B4-1EF0-74EB-C00D-40E69113C461}"/>
-              </a:ext>
-            </a:extLst>
-          </p:cNvPr>
-          <p:cNvSpPr/>
-          <p:nvPr/>
-        </p:nvSpPr>
-        <p:spPr>
-          <a:xfrm>
-            <a:off x="3387785" y="627732"/>
-            <a:ext cx="720000" cy="216000"/>
-          </a:xfrm>
-          <a:prstGeom prst="roundRect">
-            <a:avLst/>
-          </a:prstGeom>
-          <a:solidFill>
-            <a:srgbClr val="3DC1D3"/>
-          </a:solidFill>
-          <a:ln w="12700">
-            <a:noFill/>
-          </a:ln>
-        </p:spPr>
-        <p:style>
-          <a:lnRef idx="2">
-            <a:schemeClr val="accent1">
-              <a:shade val="15000"/>
-            </a:schemeClr>
-          </a:lnRef>
-          <a:fillRef idx="1">
-            <a:schemeClr val="accent1"/>
-          </a:fillRef>
-          <a:effectRef idx="0">
-            <a:schemeClr val="accent1"/>
-          </a:effectRef>
-          <a:fontRef idx="minor">
-            <a:schemeClr val="lt1"/>
-          </a:fontRef>
-        </p:style>
-        <p:txBody>
-          <a:bodyPr rtlCol="0" anchor="ctr"/>
-          <a:lstStyle/>
-          <a:p>
-            <a:pPr algn="ctr"/>
-            <a:r>
-              <a:rPr lang="en-US" altLang="zh-CN" sz="800">
-                <a:latin typeface="Quicksand" panose="00000500000000000000" pitchFamily="2" charset="0"/>
-              </a:rPr>
-              <a:t>float</a:t>
-            </a:r>
-            <a:endParaRPr lang="zh-CN" altLang="en-US" sz="800">
-              <a:latin typeface="Quicksand" panose="00000500000000000000" pitchFamily="2" charset="0"/>
-            </a:endParaRPr>
-          </a:p>
-        </p:txBody>
-      </p:sp>
-      <p:cxnSp>
-        <p:nvCxnSpPr>
-          <p:cNvPr id="11" name="连接符: 曲线 10">
-            <a:extLst>
-              <a:ext uri="{FF2B5EF4-FFF2-40B4-BE49-F238E27FC236}">
-                <a16:creationId xmlns:a16="http://schemas.microsoft.com/office/drawing/2014/main" id="{E1639D91-96C2-1EA8-A787-5B43DB710761}"/>
-              </a:ext>
-            </a:extLst>
-          </p:cNvPr>
-          <p:cNvCxnSpPr>
-            <a:cxnSpLocks/>
-            <a:stCxn id="2" idx="3"/>
-            <a:endCxn id="9" idx="1"/>
-          </p:cNvCxnSpPr>
-          <p:nvPr/>
-        </p:nvCxnSpPr>
-        <p:spPr>
-          <a:xfrm flipV="1">
-            <a:off x="3170611" y="735732"/>
-            <a:ext cx="217174" cy="2015084"/>
-          </a:xfrm>
-          <a:prstGeom prst="curvedConnector3">
-            <a:avLst>
-              <a:gd name="adj1" fmla="val 50000"/>
-            </a:avLst>
-          </a:prstGeom>
-          <a:ln>
-            <a:solidFill>
-              <a:srgbClr val="3DC1D3"/>
-            </a:solidFill>
-          </a:ln>
-        </p:spPr>
-        <p:style>
-          <a:lnRef idx="1">
-            <a:schemeClr val="accent1"/>
-          </a:lnRef>
-          <a:fillRef idx="0">
-            <a:schemeClr val="accent1"/>
-          </a:fillRef>
-          <a:effectRef idx="0">
-            <a:schemeClr val="accent1"/>
-          </a:effectRef>
-          <a:fontRef idx="minor">
-            <a:schemeClr val="tx1"/>
-          </a:fontRef>
-        </p:style>
-      </p:cxnSp>
-      <p:sp>
-        <p:nvSpPr>
-          <p:cNvPr id="28" name="矩形: 圆角 27">
-            <a:extLst>
-              <a:ext uri="{FF2B5EF4-FFF2-40B4-BE49-F238E27FC236}">
-                <a16:creationId xmlns:a16="http://schemas.microsoft.com/office/drawing/2014/main" id="{C820E203-3D93-2EA9-8908-FBE10695325D}"/>
-              </a:ext>
-            </a:extLst>
-          </p:cNvPr>
-          <p:cNvSpPr/>
-          <p:nvPr/>
-        </p:nvSpPr>
-        <p:spPr>
-          <a:xfrm>
-            <a:off x="1215806" y="2642816"/>
-            <a:ext cx="720000" cy="216000"/>
-          </a:xfrm>
-          <a:prstGeom prst="roundRect">
-            <a:avLst/>
-          </a:prstGeom>
-          <a:solidFill>
-            <a:schemeClr val="bg2">
-              <a:lumMod val="75000"/>
-            </a:schemeClr>
-          </a:solidFill>
-          <a:ln w="12700">
-            <a:noFill/>
-          </a:ln>
-        </p:spPr>
-        <p:style>
-          <a:lnRef idx="2">
-            <a:schemeClr val="accent1">
-              <a:shade val="15000"/>
-            </a:schemeClr>
-          </a:lnRef>
-          <a:fillRef idx="1">
-            <a:schemeClr val="accent1"/>
-          </a:fillRef>
-          <a:effectRef idx="0">
-            <a:schemeClr val="accent1"/>
-          </a:effectRef>
-          <a:fontRef idx="minor">
-            <a:schemeClr val="lt1"/>
-          </a:fontRef>
-        </p:style>
-        <p:txBody>
-          <a:bodyPr rtlCol="0" anchor="ctr"/>
-          <a:lstStyle/>
-          <a:p>
-            <a:pPr algn="ctr"/>
-            <a:r>
-              <a:rPr lang="en-US" altLang="zh-CN" sz="800">
-                <a:latin typeface="Quicksand" panose="00000500000000000000" pitchFamily="2" charset="0"/>
-              </a:rPr>
-              <a:t>&lt;table&gt;</a:t>
-            </a:r>
-            <a:endParaRPr lang="zh-CN" altLang="en-US" sz="800">
-              <a:latin typeface="Quicksand" panose="00000500000000000000" pitchFamily="2" charset="0"/>
-            </a:endParaRPr>
-          </a:p>
-        </p:txBody>
-      </p:sp>
-      <p:sp>
-        <p:nvSpPr>
-          <p:cNvPr id="36" name="矩形: 圆角 35">
-            <a:extLst>
-              <a:ext uri="{FF2B5EF4-FFF2-40B4-BE49-F238E27FC236}">
-                <a16:creationId xmlns:a16="http://schemas.microsoft.com/office/drawing/2014/main" id="{2C8E297E-9902-7EFB-E7B5-DED56A221B49}"/>
-              </a:ext>
-            </a:extLst>
-          </p:cNvPr>
-          <p:cNvSpPr/>
-          <p:nvPr/>
-        </p:nvSpPr>
-        <p:spPr>
-          <a:xfrm>
-            <a:off x="4259333" y="501732"/>
-            <a:ext cx="900000" cy="216000"/>
-          </a:xfrm>
-          <a:prstGeom prst="roundRect">
-            <a:avLst/>
-          </a:prstGeom>
-          <a:solidFill>
-            <a:srgbClr val="3DC1D3">
-              <a:alpha val="80000"/>
-            </a:srgbClr>
-          </a:solidFill>
-          <a:ln w="12700">
-            <a:noFill/>
-          </a:ln>
-        </p:spPr>
-        <p:style>
-          <a:lnRef idx="2">
-            <a:schemeClr val="accent1">
-              <a:shade val="15000"/>
-            </a:schemeClr>
-          </a:lnRef>
-          <a:fillRef idx="1">
-            <a:schemeClr val="accent1"/>
-          </a:fillRef>
-          <a:effectRef idx="0">
-            <a:schemeClr val="accent1"/>
-          </a:effectRef>
-          <a:fontRef idx="minor">
-            <a:schemeClr val="lt1"/>
-          </a:fontRef>
-        </p:style>
-        <p:txBody>
-          <a:bodyPr rtlCol="0" anchor="ctr"/>
-          <a:lstStyle/>
-          <a:p>
-            <a:pPr algn="ctr"/>
-            <a:r>
-              <a:rPr lang="en-US" altLang="zh-CN" sz="800">
-                <a:latin typeface="Quicksand" panose="00000500000000000000" pitchFamily="2" charset="0"/>
-              </a:rPr>
-              <a:t>left</a:t>
-            </a:r>
-            <a:endParaRPr lang="zh-CN" altLang="en-US" sz="800">
-              <a:latin typeface="Quicksand" panose="00000500000000000000" pitchFamily="2" charset="0"/>
-            </a:endParaRPr>
-          </a:p>
-        </p:txBody>
-      </p:sp>
-      <p:sp>
-        <p:nvSpPr>
-          <p:cNvPr id="37" name="矩形: 圆角 36">
-            <a:extLst>
-              <a:ext uri="{FF2B5EF4-FFF2-40B4-BE49-F238E27FC236}">
-                <a16:creationId xmlns:a16="http://schemas.microsoft.com/office/drawing/2014/main" id="{51D0028F-EC94-2526-F176-862BC2AE41D6}"/>
-              </a:ext>
-            </a:extLst>
-          </p:cNvPr>
-          <p:cNvSpPr/>
-          <p:nvPr/>
-        </p:nvSpPr>
-        <p:spPr>
-          <a:xfrm>
-            <a:off x="4259333" y="753732"/>
-            <a:ext cx="900000" cy="216000"/>
-          </a:xfrm>
-          <a:prstGeom prst="roundRect">
-            <a:avLst/>
-          </a:prstGeom>
-          <a:solidFill>
-            <a:srgbClr val="3DC1D3">
-              <a:alpha val="80000"/>
-            </a:srgbClr>
-          </a:solidFill>
-          <a:ln w="12700">
-            <a:noFill/>
-          </a:ln>
-        </p:spPr>
-        <p:style>
-          <a:lnRef idx="2">
-            <a:schemeClr val="accent1">
-              <a:shade val="15000"/>
-            </a:schemeClr>
-          </a:lnRef>
-          <a:fillRef idx="1">
-            <a:schemeClr val="accent1"/>
-          </a:fillRef>
-          <a:effectRef idx="0">
-            <a:schemeClr val="accent1"/>
-          </a:effectRef>
-          <a:fontRef idx="minor">
-            <a:schemeClr val="lt1"/>
-          </a:fontRef>
-        </p:style>
-        <p:txBody>
-          <a:bodyPr rtlCol="0" anchor="ctr"/>
-          <a:lstStyle/>
-          <a:p>
-            <a:pPr algn="ctr"/>
-            <a:r>
-              <a:rPr lang="en-US" altLang="zh-CN" sz="800">
-                <a:latin typeface="Quicksand" panose="00000500000000000000" pitchFamily="2" charset="0"/>
-              </a:rPr>
-              <a:t>right</a:t>
-            </a:r>
-            <a:endParaRPr lang="zh-CN" altLang="en-US" sz="800">
-              <a:latin typeface="Quicksand" panose="00000500000000000000" pitchFamily="2" charset="0"/>
-            </a:endParaRPr>
-          </a:p>
-        </p:txBody>
-      </p:sp>
-      <p:sp>
-        <p:nvSpPr>
-          <p:cNvPr id="39" name="矩形: 圆角 38">
-            <a:extLst>
-              <a:ext uri="{FF2B5EF4-FFF2-40B4-BE49-F238E27FC236}">
-                <a16:creationId xmlns:a16="http://schemas.microsoft.com/office/drawing/2014/main" id="{3CA0FFF3-D7B3-A46D-CED6-A015419A04C7}"/>
-              </a:ext>
-            </a:extLst>
-          </p:cNvPr>
-          <p:cNvSpPr/>
-          <p:nvPr/>
-        </p:nvSpPr>
-        <p:spPr>
-          <a:xfrm>
-            <a:off x="5306324" y="375732"/>
-            <a:ext cx="1260000" cy="720000"/>
-          </a:xfrm>
-          <a:prstGeom prst="roundRect">
-            <a:avLst/>
-          </a:prstGeom>
-          <a:noFill/>
-          <a:ln w="12700">
-            <a:solidFill>
-              <a:srgbClr val="3DC1D3"/>
-            </a:solidFill>
-          </a:ln>
-        </p:spPr>
-        <p:style>
-          <a:lnRef idx="2">
-            <a:schemeClr val="accent1">
-              <a:shade val="15000"/>
-            </a:schemeClr>
-          </a:lnRef>
-          <a:fillRef idx="1">
-            <a:schemeClr val="accent1"/>
-          </a:fillRef>
-          <a:effectRef idx="0">
-            <a:schemeClr val="accent1"/>
-          </a:effectRef>
-          <a:fontRef idx="minor">
-            <a:schemeClr val="lt1"/>
-          </a:fontRef>
-        </p:style>
-        <p:txBody>
-          <a:bodyPr rtlCol="0" anchor="ctr"/>
-          <a:lstStyle/>
-          <a:p>
-            <a:pPr algn="just"/>
-            <a:r>
-              <a:rPr lang="en-US" altLang="zh-CN" sz="800">
-                <a:solidFill>
-                  <a:sysClr val="windowText" lastClr="000000"/>
-                </a:solidFill>
-                <a:latin typeface="Quicksand" panose="00000500000000000000" pitchFamily="2" charset="0"/>
-              </a:rPr>
-              <a:t>.clear::after {</a:t>
-            </a:r>
-          </a:p>
-          <a:p>
-            <a:pPr algn="just"/>
-            <a:r>
-              <a:rPr lang="en-US" altLang="zh-CN" sz="800">
-                <a:solidFill>
-                  <a:sysClr val="windowText" lastClr="000000"/>
-                </a:solidFill>
-                <a:latin typeface="Quicksand" panose="00000500000000000000" pitchFamily="2" charset="0"/>
-              </a:rPr>
-              <a:t>    content: '';</a:t>
-            </a:r>
-          </a:p>
-          <a:p>
-            <a:pPr algn="just"/>
-            <a:r>
-              <a:rPr lang="en-US" altLang="zh-CN" sz="800">
-                <a:solidFill>
-                  <a:sysClr val="windowText" lastClr="000000"/>
-                </a:solidFill>
-                <a:latin typeface="Quicksand" panose="00000500000000000000" pitchFamily="2" charset="0"/>
-              </a:rPr>
-              <a:t>    display: block;</a:t>
-            </a:r>
-          </a:p>
-          <a:p>
-            <a:pPr algn="just"/>
-            <a:r>
-              <a:rPr lang="en-US" altLang="zh-CN" sz="800">
-                <a:solidFill>
-                  <a:sysClr val="windowText" lastClr="000000"/>
-                </a:solidFill>
-                <a:latin typeface="Quicksand" panose="00000500000000000000" pitchFamily="2" charset="0"/>
-              </a:rPr>
-              <a:t>    clear: both;</a:t>
-            </a:r>
-          </a:p>
-          <a:p>
-            <a:pPr algn="just"/>
-            <a:r>
-              <a:rPr lang="en-US" altLang="zh-CN" sz="800">
-                <a:solidFill>
-                  <a:sysClr val="windowText" lastClr="000000"/>
-                </a:solidFill>
-                <a:latin typeface="Quicksand" panose="00000500000000000000" pitchFamily="2" charset="0"/>
-              </a:rPr>
-              <a:t>}</a:t>
-            </a:r>
-            <a:endParaRPr lang="zh-CN" altLang="en-US" sz="800">
-              <a:solidFill>
-                <a:sysClr val="windowText" lastClr="000000"/>
-              </a:solidFill>
-              <a:latin typeface="Quicksand" panose="00000500000000000000" pitchFamily="2" charset="0"/>
-            </a:endParaRPr>
-          </a:p>
-        </p:txBody>
-      </p:sp>
-      <p:cxnSp>
-        <p:nvCxnSpPr>
-          <p:cNvPr id="40" name="连接符: 曲线 39">
-            <a:extLst>
-              <a:ext uri="{FF2B5EF4-FFF2-40B4-BE49-F238E27FC236}">
-                <a16:creationId xmlns:a16="http://schemas.microsoft.com/office/drawing/2014/main" id="{FB7AA72D-FFCB-BD68-906B-23E70E95D3EE}"/>
-              </a:ext>
-            </a:extLst>
-          </p:cNvPr>
-          <p:cNvCxnSpPr>
-            <a:cxnSpLocks/>
-            <a:stCxn id="36" idx="1"/>
-            <a:endCxn id="9" idx="3"/>
-          </p:cNvCxnSpPr>
-          <p:nvPr/>
-        </p:nvCxnSpPr>
-        <p:spPr>
-          <a:xfrm rot="10800000" flipV="1">
-            <a:off x="4107785" y="609732"/>
-            <a:ext cx="151548" cy="126000"/>
-          </a:xfrm>
-          <a:prstGeom prst="curvedConnector3">
-            <a:avLst>
-              <a:gd name="adj1" fmla="val 50000"/>
-            </a:avLst>
-          </a:prstGeom>
-          <a:ln>
-            <a:solidFill>
-              <a:srgbClr val="3DC1D3"/>
-            </a:solidFill>
-          </a:ln>
-        </p:spPr>
-        <p:style>
-          <a:lnRef idx="1">
-            <a:schemeClr val="accent1"/>
-          </a:lnRef>
-          <a:fillRef idx="0">
-            <a:schemeClr val="accent1"/>
-          </a:fillRef>
-          <a:effectRef idx="0">
-            <a:schemeClr val="accent1"/>
-          </a:effectRef>
-          <a:fontRef idx="minor">
-            <a:schemeClr val="tx1"/>
-          </a:fontRef>
-        </p:style>
-      </p:cxnSp>
-      <p:cxnSp>
-        <p:nvCxnSpPr>
-          <p:cNvPr id="43" name="连接符: 曲线 42">
-            <a:extLst>
-              <a:ext uri="{FF2B5EF4-FFF2-40B4-BE49-F238E27FC236}">
-                <a16:creationId xmlns:a16="http://schemas.microsoft.com/office/drawing/2014/main" id="{94316C27-D904-2B7E-78AE-183533596ED1}"/>
-              </a:ext>
-            </a:extLst>
-          </p:cNvPr>
-          <p:cNvCxnSpPr>
-            <a:cxnSpLocks/>
-            <a:stCxn id="37" idx="1"/>
-            <a:endCxn id="9" idx="3"/>
-          </p:cNvCxnSpPr>
-          <p:nvPr/>
-        </p:nvCxnSpPr>
-        <p:spPr>
-          <a:xfrm rot="10800000">
-            <a:off x="4107785" y="735732"/>
-            <a:ext cx="151548" cy="126000"/>
-          </a:xfrm>
-          <a:prstGeom prst="curvedConnector3">
-            <a:avLst>
-              <a:gd name="adj1" fmla="val 50000"/>
-            </a:avLst>
-          </a:prstGeom>
-          <a:ln>
-            <a:solidFill>
-              <a:srgbClr val="3DC1D3"/>
-            </a:solidFill>
-          </a:ln>
-        </p:spPr>
-        <p:style>
-          <a:lnRef idx="1">
-            <a:schemeClr val="accent1"/>
-          </a:lnRef>
-          <a:fillRef idx="0">
-            <a:schemeClr val="accent1"/>
-          </a:fillRef>
-          <a:effectRef idx="0">
-            <a:schemeClr val="accent1"/>
-          </a:effectRef>
-          <a:fontRef idx="minor">
-            <a:schemeClr val="tx1"/>
-          </a:fontRef>
-        </p:style>
-      </p:cxnSp>
-      <p:sp>
-        <p:nvSpPr>
-          <p:cNvPr id="24" name="矩形: 圆角 23">
-            <a:extLst>
-              <a:ext uri="{FF2B5EF4-FFF2-40B4-BE49-F238E27FC236}">
-                <a16:creationId xmlns:a16="http://schemas.microsoft.com/office/drawing/2014/main" id="{AF199458-83C1-EF95-A883-F817515A8F61}"/>
-              </a:ext>
-            </a:extLst>
-          </p:cNvPr>
-          <p:cNvSpPr/>
-          <p:nvPr/>
-        </p:nvSpPr>
-        <p:spPr>
-          <a:xfrm>
-            <a:off x="4239109" y="2046237"/>
-            <a:ext cx="900000" cy="216000"/>
-          </a:xfrm>
-          <a:prstGeom prst="roundRect">
-            <a:avLst/>
-          </a:prstGeom>
-          <a:solidFill>
-            <a:srgbClr val="FA8231">
-              <a:alpha val="80000"/>
-            </a:srgbClr>
-          </a:solidFill>
-          <a:ln w="12700">
-            <a:noFill/>
-          </a:ln>
-        </p:spPr>
-        <p:style>
-          <a:lnRef idx="2">
-            <a:schemeClr val="accent1">
-              <a:shade val="15000"/>
-            </a:schemeClr>
-          </a:lnRef>
-          <a:fillRef idx="1">
-            <a:schemeClr val="accent1"/>
-          </a:fillRef>
-          <a:effectRef idx="0">
-            <a:schemeClr val="accent1"/>
-          </a:effectRef>
-          <a:fontRef idx="minor">
-            <a:schemeClr val="lt1"/>
-          </a:fontRef>
-        </p:style>
-        <p:txBody>
-          <a:bodyPr rtlCol="0" anchor="ctr"/>
-          <a:lstStyle/>
-          <a:p>
-            <a:pPr algn="ctr"/>
-            <a:r>
-              <a:rPr lang="en-US" altLang="zh-CN" sz="800">
-                <a:latin typeface="Quicksand" panose="00000500000000000000" pitchFamily="2" charset="0"/>
-              </a:rPr>
-              <a:t>sticky</a:t>
-            </a:r>
-            <a:endParaRPr lang="zh-CN" altLang="en-US" sz="800">
-              <a:latin typeface="Quicksand" panose="00000500000000000000" pitchFamily="2" charset="0"/>
-            </a:endParaRPr>
-          </a:p>
-        </p:txBody>
-      </p:sp>
-      <p:cxnSp>
-        <p:nvCxnSpPr>
-          <p:cNvPr id="25" name="连接符: 曲线 24">
-            <a:extLst>
-              <a:ext uri="{FF2B5EF4-FFF2-40B4-BE49-F238E27FC236}">
-                <a16:creationId xmlns:a16="http://schemas.microsoft.com/office/drawing/2014/main" id="{6A82AC47-0A34-F22D-CB63-1001B28D59BB}"/>
-              </a:ext>
-            </a:extLst>
-          </p:cNvPr>
-          <p:cNvCxnSpPr>
-            <a:cxnSpLocks/>
-            <a:stCxn id="4" idx="3"/>
-            <a:endCxn id="24" idx="1"/>
-          </p:cNvCxnSpPr>
-          <p:nvPr/>
-        </p:nvCxnSpPr>
-        <p:spPr>
-          <a:xfrm>
-            <a:off x="4126738" y="1777505"/>
-            <a:ext cx="112371" cy="376732"/>
-          </a:xfrm>
-          <a:prstGeom prst="curvedConnector3">
-            <a:avLst>
-              <a:gd name="adj1" fmla="val 50000"/>
-            </a:avLst>
-          </a:prstGeom>
-          <a:ln>
-            <a:solidFill>
-              <a:srgbClr val="FA8231"/>
-            </a:solidFill>
-          </a:ln>
-        </p:spPr>
-        <p:style>
-          <a:lnRef idx="1">
-            <a:schemeClr val="accent1"/>
-          </a:lnRef>
-          <a:fillRef idx="0">
-            <a:schemeClr val="accent1"/>
-          </a:fillRef>
-          <a:effectRef idx="0">
-            <a:schemeClr val="accent1"/>
-          </a:effectRef>
-          <a:fontRef idx="minor">
-            <a:schemeClr val="tx1"/>
-          </a:fontRef>
-        </p:style>
-      </p:cxnSp>
-      <p:sp>
-        <p:nvSpPr>
-          <p:cNvPr id="30" name="矩形: 圆角 29">
-            <a:extLst>
-              <a:ext uri="{FF2B5EF4-FFF2-40B4-BE49-F238E27FC236}">
-                <a16:creationId xmlns:a16="http://schemas.microsoft.com/office/drawing/2014/main" id="{B3CF9839-8CC9-3CA9-A81C-6244845B2B9D}"/>
-              </a:ext>
-            </a:extLst>
-          </p:cNvPr>
-          <p:cNvSpPr/>
-          <p:nvPr/>
-        </p:nvSpPr>
-        <p:spPr>
-          <a:xfrm>
-            <a:off x="5255524" y="1669505"/>
-            <a:ext cx="900000" cy="216000"/>
-          </a:xfrm>
-          <a:prstGeom prst="roundRect">
-            <a:avLst/>
-          </a:prstGeom>
-          <a:noFill/>
-          <a:ln w="12700">
-            <a:noFill/>
-          </a:ln>
-        </p:spPr>
-        <p:style>
-          <a:lnRef idx="2">
-            <a:schemeClr val="accent1">
-              <a:shade val="15000"/>
-            </a:schemeClr>
-          </a:lnRef>
-          <a:fillRef idx="1">
-            <a:schemeClr val="accent1"/>
-          </a:fillRef>
-          <a:effectRef idx="0">
-            <a:schemeClr val="accent1"/>
-          </a:effectRef>
-          <a:fontRef idx="minor">
-            <a:schemeClr val="lt1"/>
-          </a:fontRef>
-        </p:style>
-        <p:txBody>
-          <a:bodyPr rtlCol="0" anchor="ctr"/>
-          <a:lstStyle/>
-          <a:p>
-            <a:pPr algn="just"/>
-            <a:r>
-              <a:rPr lang="en-US" altLang="zh-CN" sz="800">
-                <a:solidFill>
-                  <a:sysClr val="windowText" lastClr="000000"/>
-                </a:solidFill>
-                <a:latin typeface="Quicksand" panose="00000500000000000000" pitchFamily="2" charset="0"/>
-              </a:rPr>
-              <a:t>z-index</a:t>
-            </a:r>
-            <a:endParaRPr lang="zh-CN" altLang="en-US" sz="800">
-              <a:solidFill>
-                <a:sysClr val="windowText" lastClr="000000"/>
-              </a:solidFill>
-              <a:latin typeface="Quicksand" panose="00000500000000000000" pitchFamily="2" charset="0"/>
-            </a:endParaRPr>
-          </a:p>
-        </p:txBody>
-      </p:sp>
-      <p:cxnSp>
-        <p:nvCxnSpPr>
-          <p:cNvPr id="31" name="连接符: 曲线 30">
-            <a:extLst>
-              <a:ext uri="{FF2B5EF4-FFF2-40B4-BE49-F238E27FC236}">
-                <a16:creationId xmlns:a16="http://schemas.microsoft.com/office/drawing/2014/main" id="{B8648CF6-42FB-369B-2B6C-BC879631CFA8}"/>
-              </a:ext>
-            </a:extLst>
-          </p:cNvPr>
-          <p:cNvCxnSpPr>
-            <a:cxnSpLocks/>
-            <a:stCxn id="8" idx="3"/>
-            <a:endCxn id="30" idx="1"/>
-          </p:cNvCxnSpPr>
-          <p:nvPr/>
-        </p:nvCxnSpPr>
-        <p:spPr>
-          <a:xfrm>
-            <a:off x="5139109" y="1400968"/>
-            <a:ext cx="116415" cy="376537"/>
-          </a:xfrm>
-          <a:prstGeom prst="curvedConnector3">
-            <a:avLst>
-              <a:gd name="adj1" fmla="val 50000"/>
-            </a:avLst>
-          </a:prstGeom>
-          <a:ln>
-            <a:solidFill>
-              <a:srgbClr val="FA8231"/>
-            </a:solidFill>
-          </a:ln>
-        </p:spPr>
-        <p:style>
-          <a:lnRef idx="1">
-            <a:schemeClr val="accent1"/>
-          </a:lnRef>
-          <a:fillRef idx="0">
-            <a:schemeClr val="accent1"/>
-          </a:fillRef>
-          <a:effectRef idx="0">
-            <a:schemeClr val="accent1"/>
-          </a:effectRef>
-          <a:fontRef idx="minor">
-            <a:schemeClr val="tx1"/>
-          </a:fontRef>
-        </p:style>
-      </p:cxnSp>
-      <p:cxnSp>
-        <p:nvCxnSpPr>
-          <p:cNvPr id="44" name="连接符: 曲线 43">
-            <a:extLst>
-              <a:ext uri="{FF2B5EF4-FFF2-40B4-BE49-F238E27FC236}">
-                <a16:creationId xmlns:a16="http://schemas.microsoft.com/office/drawing/2014/main" id="{D143F896-9E47-0144-A43A-F064BC94F769}"/>
-              </a:ext>
-            </a:extLst>
-          </p:cNvPr>
-          <p:cNvCxnSpPr>
-            <a:cxnSpLocks/>
-            <a:stCxn id="24" idx="3"/>
-            <a:endCxn id="30" idx="1"/>
-          </p:cNvCxnSpPr>
-          <p:nvPr/>
-        </p:nvCxnSpPr>
-        <p:spPr>
-          <a:xfrm flipV="1">
-            <a:off x="5139109" y="1777505"/>
-            <a:ext cx="116415" cy="376732"/>
-          </a:xfrm>
-          <a:prstGeom prst="curvedConnector3">
-            <a:avLst>
-              <a:gd name="adj1" fmla="val 50000"/>
-            </a:avLst>
-          </a:prstGeom>
-          <a:ln>
-            <a:solidFill>
-              <a:srgbClr val="FA8231"/>
-            </a:solidFill>
-          </a:ln>
-        </p:spPr>
-        <p:style>
-          <a:lnRef idx="1">
-            <a:schemeClr val="accent1"/>
-          </a:lnRef>
-          <a:fillRef idx="0">
-            <a:schemeClr val="accent1"/>
-          </a:fillRef>
-          <a:effectRef idx="0">
-            <a:schemeClr val="accent1"/>
-          </a:effectRef>
-          <a:fontRef idx="minor">
-            <a:schemeClr val="tx1"/>
-          </a:fontRef>
-        </p:style>
-      </p:cxnSp>
-      <p:cxnSp>
-        <p:nvCxnSpPr>
-          <p:cNvPr id="66" name="直接连接符 65">
-            <a:extLst>
-              <a:ext uri="{FF2B5EF4-FFF2-40B4-BE49-F238E27FC236}">
-                <a16:creationId xmlns:a16="http://schemas.microsoft.com/office/drawing/2014/main" id="{3AFF6F1D-82F0-A130-42F5-68BC54B1CD8B}"/>
-              </a:ext>
-            </a:extLst>
-          </p:cNvPr>
-          <p:cNvCxnSpPr>
-            <a:cxnSpLocks/>
-            <a:stCxn id="28" idx="3"/>
-            <a:endCxn id="2" idx="1"/>
-          </p:cNvCxnSpPr>
-          <p:nvPr/>
-        </p:nvCxnSpPr>
-        <p:spPr>
-          <a:xfrm>
-            <a:off x="1935806" y="2750816"/>
-            <a:ext cx="154805" cy="0"/>
-          </a:xfrm>
-          <a:prstGeom prst="line">
-            <a:avLst/>
-          </a:prstGeom>
-          <a:ln>
-            <a:solidFill>
-              <a:srgbClr val="AFABAB"/>
-            </a:solidFill>
-          </a:ln>
-        </p:spPr>
-        <p:style>
-          <a:lnRef idx="1">
-            <a:schemeClr val="accent1"/>
-          </a:lnRef>
-          <a:fillRef idx="0">
-            <a:schemeClr val="accent1"/>
-          </a:fillRef>
-          <a:effectRef idx="0">
-            <a:schemeClr val="accent1"/>
-          </a:effectRef>
-          <a:fontRef idx="minor">
-            <a:schemeClr val="tx1"/>
-          </a:fontRef>
-        </p:style>
-      </p:cxnSp>
-      <p:cxnSp>
-        <p:nvCxnSpPr>
-          <p:cNvPr id="72" name="连接符: 曲线 71">
-            <a:extLst>
-              <a:ext uri="{FF2B5EF4-FFF2-40B4-BE49-F238E27FC236}">
-                <a16:creationId xmlns:a16="http://schemas.microsoft.com/office/drawing/2014/main" id="{CD9B6E0C-9F75-365E-F8A8-85C4344BE035}"/>
-              </a:ext>
-            </a:extLst>
-          </p:cNvPr>
-          <p:cNvCxnSpPr>
-            <a:cxnSpLocks/>
-            <a:stCxn id="36" idx="3"/>
-            <a:endCxn id="39" idx="1"/>
-          </p:cNvCxnSpPr>
-          <p:nvPr/>
-        </p:nvCxnSpPr>
-        <p:spPr>
-          <a:xfrm>
-            <a:off x="5159333" y="609732"/>
-            <a:ext cx="146991" cy="126000"/>
-          </a:xfrm>
-          <a:prstGeom prst="curvedConnector3">
-            <a:avLst>
-              <a:gd name="adj1" fmla="val 50000"/>
-            </a:avLst>
-          </a:prstGeom>
-          <a:ln>
-            <a:solidFill>
-              <a:srgbClr val="3DC1D3"/>
-            </a:solidFill>
-          </a:ln>
-        </p:spPr>
-        <p:style>
-          <a:lnRef idx="1">
-            <a:schemeClr val="accent1"/>
-          </a:lnRef>
-          <a:fillRef idx="0">
-            <a:schemeClr val="accent1"/>
-          </a:fillRef>
-          <a:effectRef idx="0">
-            <a:schemeClr val="accent1"/>
-          </a:effectRef>
-          <a:fontRef idx="minor">
-            <a:schemeClr val="tx1"/>
-          </a:fontRef>
-        </p:style>
-      </p:cxnSp>
-      <p:cxnSp>
-        <p:nvCxnSpPr>
-          <p:cNvPr id="75" name="连接符: 曲线 74">
-            <a:extLst>
-              <a:ext uri="{FF2B5EF4-FFF2-40B4-BE49-F238E27FC236}">
-                <a16:creationId xmlns:a16="http://schemas.microsoft.com/office/drawing/2014/main" id="{6D19163B-D2F5-8871-E03C-BE29DC738EBB}"/>
-              </a:ext>
-            </a:extLst>
-          </p:cNvPr>
-          <p:cNvCxnSpPr>
-            <a:cxnSpLocks/>
-            <a:stCxn id="37" idx="3"/>
-            <a:endCxn id="39" idx="1"/>
-          </p:cNvCxnSpPr>
-          <p:nvPr/>
-        </p:nvCxnSpPr>
-        <p:spPr>
-          <a:xfrm flipV="1">
-            <a:off x="5159333" y="735732"/>
-            <a:ext cx="146991" cy="126000"/>
-          </a:xfrm>
-          <a:prstGeom prst="curvedConnector3">
-            <a:avLst>
-              <a:gd name="adj1" fmla="val 50000"/>
-            </a:avLst>
-          </a:prstGeom>
-          <a:ln>
-            <a:solidFill>
-              <a:srgbClr val="3DC1D3"/>
-            </a:solidFill>
-          </a:ln>
-        </p:spPr>
-        <p:style>
-          <a:lnRef idx="1">
-            <a:schemeClr val="accent1"/>
-          </a:lnRef>
-          <a:fillRef idx="0">
-            <a:schemeClr val="accent1"/>
-          </a:fillRef>
-          <a:effectRef idx="0">
-            <a:schemeClr val="accent1"/>
-          </a:effectRef>
-          <a:fontRef idx="minor">
-            <a:schemeClr val="tx1"/>
-          </a:fontRef>
-        </p:style>
-      </p:cxnSp>
-      <p:sp>
-        <p:nvSpPr>
-          <p:cNvPr id="79" name="矩形: 圆角 78">
-            <a:extLst>
-              <a:ext uri="{FF2B5EF4-FFF2-40B4-BE49-F238E27FC236}">
-                <a16:creationId xmlns:a16="http://schemas.microsoft.com/office/drawing/2014/main" id="{CCDD3B2A-467A-A3F5-2899-7C14090D296F}"/>
-              </a:ext>
-            </a:extLst>
-          </p:cNvPr>
-          <p:cNvSpPr/>
-          <p:nvPr/>
-        </p:nvSpPr>
-        <p:spPr>
-          <a:xfrm>
-            <a:off x="5255524" y="2517898"/>
-            <a:ext cx="900000" cy="216000"/>
-          </a:xfrm>
-          <a:prstGeom prst="roundRect">
-            <a:avLst/>
-          </a:prstGeom>
-          <a:noFill/>
-          <a:ln w="12700">
-            <a:noFill/>
-          </a:ln>
-        </p:spPr>
-        <p:style>
-          <a:lnRef idx="2">
-            <a:schemeClr val="accent1">
-              <a:shade val="15000"/>
-            </a:schemeClr>
-          </a:lnRef>
-          <a:fillRef idx="1">
-            <a:schemeClr val="accent1"/>
-          </a:fillRef>
-          <a:effectRef idx="0">
-            <a:schemeClr val="accent1"/>
-          </a:effectRef>
-          <a:fontRef idx="minor">
-            <a:schemeClr val="lt1"/>
-          </a:fontRef>
-        </p:style>
-        <p:txBody>
-          <a:bodyPr rtlCol="0" anchor="ctr"/>
-          <a:lstStyle/>
-          <a:p>
-            <a:pPr algn="just"/>
-            <a:r>
-              <a:rPr lang="en-US" altLang="zh-CN" sz="800">
-                <a:solidFill>
-                  <a:sysClr val="windowText" lastClr="000000"/>
-                </a:solidFill>
-                <a:latin typeface="Quicksand" panose="00000500000000000000" pitchFamily="2" charset="0"/>
-              </a:rPr>
-              <a:t>flex-direction</a:t>
-            </a:r>
-            <a:endParaRPr lang="zh-CN" altLang="en-US" sz="800">
-              <a:solidFill>
-                <a:sysClr val="windowText" lastClr="000000"/>
-              </a:solidFill>
-              <a:latin typeface="Quicksand" panose="00000500000000000000" pitchFamily="2" charset="0"/>
-            </a:endParaRPr>
-          </a:p>
-        </p:txBody>
-      </p:sp>
-      <p:sp>
-        <p:nvSpPr>
-          <p:cNvPr id="80" name="矩形: 圆角 79">
-            <a:extLst>
-              <a:ext uri="{FF2B5EF4-FFF2-40B4-BE49-F238E27FC236}">
-                <a16:creationId xmlns:a16="http://schemas.microsoft.com/office/drawing/2014/main" id="{8C7F3F4D-0106-2336-F6B1-8A5F6FE264B5}"/>
-              </a:ext>
-            </a:extLst>
-          </p:cNvPr>
-          <p:cNvSpPr/>
-          <p:nvPr/>
-        </p:nvSpPr>
-        <p:spPr>
-          <a:xfrm>
-            <a:off x="5255524" y="2769562"/>
-            <a:ext cx="900000" cy="216000"/>
-          </a:xfrm>
-          <a:prstGeom prst="roundRect">
-            <a:avLst/>
-          </a:prstGeom>
-          <a:noFill/>
-          <a:ln w="12700">
-            <a:noFill/>
-          </a:ln>
-        </p:spPr>
-        <p:style>
-          <a:lnRef idx="2">
-            <a:schemeClr val="accent1">
-              <a:shade val="15000"/>
-            </a:schemeClr>
-          </a:lnRef>
-          <a:fillRef idx="1">
-            <a:schemeClr val="accent1"/>
-          </a:fillRef>
-          <a:effectRef idx="0">
-            <a:schemeClr val="accent1"/>
-          </a:effectRef>
-          <a:fontRef idx="minor">
-            <a:schemeClr val="lt1"/>
-          </a:fontRef>
-        </p:style>
-        <p:txBody>
-          <a:bodyPr rtlCol="0" anchor="ctr"/>
-          <a:lstStyle/>
-          <a:p>
-            <a:pPr algn="just"/>
-            <a:r>
-              <a:rPr lang="en-US" altLang="zh-CN" sz="800">
-                <a:solidFill>
-                  <a:sysClr val="windowText" lastClr="000000"/>
-                </a:solidFill>
-                <a:latin typeface="Quicksand" panose="00000500000000000000" pitchFamily="2" charset="0"/>
-              </a:rPr>
-              <a:t>justify-content</a:t>
-            </a:r>
-            <a:endParaRPr lang="zh-CN" altLang="en-US" sz="800">
-              <a:solidFill>
-                <a:sysClr val="windowText" lastClr="000000"/>
-              </a:solidFill>
-              <a:latin typeface="Quicksand" panose="00000500000000000000" pitchFamily="2" charset="0"/>
-            </a:endParaRPr>
-          </a:p>
-        </p:txBody>
-      </p:sp>
-      <p:sp>
-        <p:nvSpPr>
-          <p:cNvPr id="81" name="矩形: 圆角 80">
-            <a:extLst>
-              <a:ext uri="{FF2B5EF4-FFF2-40B4-BE49-F238E27FC236}">
-                <a16:creationId xmlns:a16="http://schemas.microsoft.com/office/drawing/2014/main" id="{7FFF15F6-8DED-678E-4516-116F88EFEFC1}"/>
-              </a:ext>
-            </a:extLst>
-          </p:cNvPr>
-          <p:cNvSpPr/>
-          <p:nvPr/>
-        </p:nvSpPr>
-        <p:spPr>
-          <a:xfrm>
-            <a:off x="5255524" y="3017962"/>
-            <a:ext cx="900000" cy="216000"/>
-          </a:xfrm>
-          <a:prstGeom prst="roundRect">
-            <a:avLst/>
-          </a:prstGeom>
-          <a:noFill/>
-          <a:ln w="12700">
-            <a:noFill/>
-          </a:ln>
-        </p:spPr>
-        <p:style>
-          <a:lnRef idx="2">
-            <a:schemeClr val="accent1">
-              <a:shade val="15000"/>
-            </a:schemeClr>
-          </a:lnRef>
-          <a:fillRef idx="1">
-            <a:schemeClr val="accent1"/>
-          </a:fillRef>
-          <a:effectRef idx="0">
-            <a:schemeClr val="accent1"/>
-          </a:effectRef>
-          <a:fontRef idx="minor">
-            <a:schemeClr val="lt1"/>
-          </a:fontRef>
-        </p:style>
-        <p:txBody>
-          <a:bodyPr rtlCol="0" anchor="ctr"/>
-          <a:lstStyle/>
-          <a:p>
-            <a:pPr algn="just"/>
-            <a:r>
-              <a:rPr lang="en-US" altLang="zh-CN" sz="800">
-                <a:solidFill>
-                  <a:sysClr val="windowText" lastClr="000000"/>
-                </a:solidFill>
-                <a:latin typeface="Quicksand" panose="00000500000000000000" pitchFamily="2" charset="0"/>
-              </a:rPr>
-              <a:t>align-items</a:t>
-            </a:r>
-            <a:endParaRPr lang="zh-CN" altLang="en-US" sz="800">
-              <a:solidFill>
-                <a:sysClr val="windowText" lastClr="000000"/>
-              </a:solidFill>
-              <a:latin typeface="Quicksand" panose="00000500000000000000" pitchFamily="2" charset="0"/>
-            </a:endParaRPr>
-          </a:p>
-        </p:txBody>
-      </p:sp>
-      <p:sp>
-        <p:nvSpPr>
-          <p:cNvPr id="82" name="矩形: 圆角 81">
-            <a:extLst>
-              <a:ext uri="{FF2B5EF4-FFF2-40B4-BE49-F238E27FC236}">
-                <a16:creationId xmlns:a16="http://schemas.microsoft.com/office/drawing/2014/main" id="{385115E1-35AF-7B3F-9B0C-0FED5EC97188}"/>
-              </a:ext>
-            </a:extLst>
-          </p:cNvPr>
-          <p:cNvSpPr/>
-          <p:nvPr/>
-        </p:nvSpPr>
-        <p:spPr>
-          <a:xfrm>
-            <a:off x="5255524" y="3262762"/>
-            <a:ext cx="900000" cy="216000"/>
-          </a:xfrm>
-          <a:prstGeom prst="roundRect">
-            <a:avLst/>
-          </a:prstGeom>
-          <a:noFill/>
-          <a:ln w="12700">
-            <a:noFill/>
-          </a:ln>
-        </p:spPr>
-        <p:style>
-          <a:lnRef idx="2">
-            <a:schemeClr val="accent1">
-              <a:shade val="15000"/>
-            </a:schemeClr>
-          </a:lnRef>
-          <a:fillRef idx="1">
-            <a:schemeClr val="accent1"/>
-          </a:fillRef>
-          <a:effectRef idx="0">
-            <a:schemeClr val="accent1"/>
-          </a:effectRef>
-          <a:fontRef idx="minor">
-            <a:schemeClr val="lt1"/>
-          </a:fontRef>
-        </p:style>
-        <p:txBody>
-          <a:bodyPr rtlCol="0" anchor="ctr"/>
-          <a:lstStyle/>
-          <a:p>
-            <a:pPr algn="just"/>
-            <a:r>
-              <a:rPr lang="en-US" altLang="zh-CN" sz="800">
-                <a:solidFill>
-                  <a:sysClr val="windowText" lastClr="000000"/>
-                </a:solidFill>
-                <a:latin typeface="Quicksand" panose="00000500000000000000" pitchFamily="2" charset="0"/>
-              </a:rPr>
-              <a:t>flex-wrap</a:t>
-            </a:r>
-            <a:endParaRPr lang="zh-CN" altLang="en-US" sz="800">
-              <a:solidFill>
-                <a:sysClr val="windowText" lastClr="000000"/>
-              </a:solidFill>
-              <a:latin typeface="Quicksand" panose="00000500000000000000" pitchFamily="2" charset="0"/>
-            </a:endParaRPr>
-          </a:p>
-        </p:txBody>
-      </p:sp>
-      <p:sp>
-        <p:nvSpPr>
-          <p:cNvPr id="83" name="矩形: 圆角 82">
-            <a:extLst>
-              <a:ext uri="{FF2B5EF4-FFF2-40B4-BE49-F238E27FC236}">
-                <a16:creationId xmlns:a16="http://schemas.microsoft.com/office/drawing/2014/main" id="{98C1AB6B-3AEB-B12E-4601-AACDB8A84ABA}"/>
-              </a:ext>
-            </a:extLst>
-          </p:cNvPr>
-          <p:cNvSpPr/>
-          <p:nvPr/>
-        </p:nvSpPr>
-        <p:spPr>
-          <a:xfrm>
-            <a:off x="5255524" y="3514762"/>
-            <a:ext cx="900000" cy="216000"/>
-          </a:xfrm>
-          <a:prstGeom prst="roundRect">
-            <a:avLst/>
-          </a:prstGeom>
-          <a:noFill/>
-          <a:ln w="12700">
-            <a:noFill/>
-          </a:ln>
-        </p:spPr>
-        <p:style>
-          <a:lnRef idx="2">
-            <a:schemeClr val="accent1">
-              <a:shade val="15000"/>
-            </a:schemeClr>
-          </a:lnRef>
-          <a:fillRef idx="1">
-            <a:schemeClr val="accent1"/>
-          </a:fillRef>
-          <a:effectRef idx="0">
-            <a:schemeClr val="accent1"/>
-          </a:effectRef>
-          <a:fontRef idx="minor">
-            <a:schemeClr val="lt1"/>
-          </a:fontRef>
-        </p:style>
-        <p:txBody>
-          <a:bodyPr rtlCol="0" anchor="ctr"/>
-          <a:lstStyle/>
-          <a:p>
-            <a:pPr algn="just"/>
-            <a:r>
-              <a:rPr lang="en-US" altLang="zh-CN" sz="800">
-                <a:solidFill>
-                  <a:sysClr val="windowText" lastClr="000000"/>
-                </a:solidFill>
-                <a:latin typeface="Quicksand" panose="00000500000000000000" pitchFamily="2" charset="0"/>
-              </a:rPr>
-              <a:t>gap</a:t>
-            </a:r>
-            <a:endParaRPr lang="zh-CN" altLang="en-US" sz="800">
-              <a:solidFill>
-                <a:sysClr val="windowText" lastClr="000000"/>
-              </a:solidFill>
-              <a:latin typeface="Quicksand" panose="00000500000000000000" pitchFamily="2" charset="0"/>
-            </a:endParaRPr>
-          </a:p>
-        </p:txBody>
-      </p:sp>
-      <p:cxnSp>
-        <p:nvCxnSpPr>
-          <p:cNvPr id="84" name="连接符: 曲线 83">
-            <a:extLst>
-              <a:ext uri="{FF2B5EF4-FFF2-40B4-BE49-F238E27FC236}">
-                <a16:creationId xmlns:a16="http://schemas.microsoft.com/office/drawing/2014/main" id="{FF8EA186-1DF7-FC73-CAB9-920EC48094D4}"/>
-              </a:ext>
-            </a:extLst>
-          </p:cNvPr>
-          <p:cNvCxnSpPr>
-            <a:cxnSpLocks/>
-            <a:stCxn id="79" idx="1"/>
-            <a:endCxn id="10" idx="3"/>
-          </p:cNvCxnSpPr>
-          <p:nvPr/>
-        </p:nvCxnSpPr>
-        <p:spPr>
-          <a:xfrm rot="10800000" flipV="1">
-            <a:off x="5139110" y="2625898"/>
-            <a:ext cx="116415" cy="500064"/>
-          </a:xfrm>
-          <a:prstGeom prst="curvedConnector3">
-            <a:avLst>
-              <a:gd name="adj1" fmla="val 50000"/>
-            </a:avLst>
-          </a:prstGeom>
-          <a:ln>
-            <a:solidFill>
-              <a:srgbClr val="EB3B5A"/>
-            </a:solidFill>
-          </a:ln>
-        </p:spPr>
-        <p:style>
-          <a:lnRef idx="1">
-            <a:schemeClr val="accent1"/>
-          </a:lnRef>
-          <a:fillRef idx="0">
-            <a:schemeClr val="accent1"/>
-          </a:fillRef>
-          <a:effectRef idx="0">
-            <a:schemeClr val="accent1"/>
-          </a:effectRef>
-          <a:fontRef idx="minor">
-            <a:schemeClr val="tx1"/>
-          </a:fontRef>
-        </p:style>
-      </p:cxnSp>
-      <p:cxnSp>
-        <p:nvCxnSpPr>
-          <p:cNvPr id="88" name="连接符: 曲线 87">
-            <a:extLst>
-              <a:ext uri="{FF2B5EF4-FFF2-40B4-BE49-F238E27FC236}">
-                <a16:creationId xmlns:a16="http://schemas.microsoft.com/office/drawing/2014/main" id="{556E41C7-376D-225E-7226-3864909BE88F}"/>
-              </a:ext>
-            </a:extLst>
-          </p:cNvPr>
-          <p:cNvCxnSpPr>
-            <a:cxnSpLocks/>
-            <a:stCxn id="83" idx="1"/>
-            <a:endCxn id="10" idx="3"/>
-          </p:cNvCxnSpPr>
-          <p:nvPr/>
-        </p:nvCxnSpPr>
-        <p:spPr>
-          <a:xfrm rot="10800000">
-            <a:off x="5139110" y="3125962"/>
-            <a:ext cx="116415" cy="496800"/>
-          </a:xfrm>
-          <a:prstGeom prst="curvedConnector3">
-            <a:avLst>
-              <a:gd name="adj1" fmla="val 50000"/>
-            </a:avLst>
-          </a:prstGeom>
-          <a:ln>
-            <a:solidFill>
-              <a:srgbClr val="EB3B5A"/>
-            </a:solidFill>
-          </a:ln>
-        </p:spPr>
-        <p:style>
-          <a:lnRef idx="1">
-            <a:schemeClr val="accent1"/>
-          </a:lnRef>
-          <a:fillRef idx="0">
-            <a:schemeClr val="accent1"/>
-          </a:fillRef>
-          <a:effectRef idx="0">
-            <a:schemeClr val="accent1"/>
-          </a:effectRef>
-          <a:fontRef idx="minor">
-            <a:schemeClr val="tx1"/>
-          </a:fontRef>
-        </p:style>
-      </p:cxnSp>
-      <p:sp>
-        <p:nvSpPr>
-          <p:cNvPr id="91" name="矩形: 圆角 90">
-            <a:extLst>
-              <a:ext uri="{FF2B5EF4-FFF2-40B4-BE49-F238E27FC236}">
-                <a16:creationId xmlns:a16="http://schemas.microsoft.com/office/drawing/2014/main" id="{C2FE5135-03AC-6E02-7A45-AE1490355D0E}"/>
-              </a:ext>
-            </a:extLst>
-          </p:cNvPr>
-          <p:cNvSpPr/>
-          <p:nvPr/>
-        </p:nvSpPr>
-        <p:spPr>
-          <a:xfrm>
-            <a:off x="5255524" y="3838428"/>
-            <a:ext cx="900000" cy="216000"/>
-          </a:xfrm>
-          <a:prstGeom prst="roundRect">
-            <a:avLst/>
-          </a:prstGeom>
-          <a:noFill/>
-          <a:ln w="12700">
-            <a:noFill/>
-          </a:ln>
-        </p:spPr>
-        <p:style>
-          <a:lnRef idx="2">
-            <a:schemeClr val="accent1">
-              <a:shade val="15000"/>
-            </a:schemeClr>
-          </a:lnRef>
-          <a:fillRef idx="1">
-            <a:schemeClr val="accent1"/>
-          </a:fillRef>
-          <a:effectRef idx="0">
-            <a:schemeClr val="accent1"/>
-          </a:effectRef>
-          <a:fontRef idx="minor">
-            <a:schemeClr val="lt1"/>
-          </a:fontRef>
-        </p:style>
-        <p:txBody>
-          <a:bodyPr rtlCol="0" anchor="ctr"/>
-          <a:lstStyle/>
-          <a:p>
-            <a:pPr algn="just"/>
-            <a:r>
-              <a:rPr lang="en-US" altLang="zh-CN" sz="800">
-                <a:solidFill>
-                  <a:sysClr val="windowText" lastClr="000000"/>
-                </a:solidFill>
-                <a:latin typeface="Quicksand" panose="00000500000000000000" pitchFamily="2" charset="0"/>
-              </a:rPr>
-              <a:t>flex-basis</a:t>
-            </a:r>
-            <a:endParaRPr lang="zh-CN" altLang="en-US" sz="800">
-              <a:solidFill>
-                <a:sysClr val="windowText" lastClr="000000"/>
-              </a:solidFill>
-              <a:latin typeface="Quicksand" panose="00000500000000000000" pitchFamily="2" charset="0"/>
-            </a:endParaRPr>
-          </a:p>
-        </p:txBody>
-      </p:sp>
-      <p:sp>
-        <p:nvSpPr>
-          <p:cNvPr id="92" name="矩形: 圆角 91">
-            <a:extLst>
-              <a:ext uri="{FF2B5EF4-FFF2-40B4-BE49-F238E27FC236}">
-                <a16:creationId xmlns:a16="http://schemas.microsoft.com/office/drawing/2014/main" id="{52363A63-825D-F240-6EA0-B128399A9159}"/>
-              </a:ext>
-            </a:extLst>
-          </p:cNvPr>
-          <p:cNvSpPr/>
-          <p:nvPr/>
-        </p:nvSpPr>
-        <p:spPr>
-          <a:xfrm>
-            <a:off x="5255524" y="4090092"/>
-            <a:ext cx="900000" cy="216000"/>
-          </a:xfrm>
-          <a:prstGeom prst="roundRect">
-            <a:avLst/>
-          </a:prstGeom>
-          <a:noFill/>
-          <a:ln w="12700">
-            <a:noFill/>
-          </a:ln>
-        </p:spPr>
-        <p:style>
-          <a:lnRef idx="2">
-            <a:schemeClr val="accent1">
-              <a:shade val="15000"/>
-            </a:schemeClr>
-          </a:lnRef>
-          <a:fillRef idx="1">
-            <a:schemeClr val="accent1"/>
-          </a:fillRef>
-          <a:effectRef idx="0">
-            <a:schemeClr val="accent1"/>
-          </a:effectRef>
-          <a:fontRef idx="minor">
-            <a:schemeClr val="lt1"/>
-          </a:fontRef>
-        </p:style>
-        <p:txBody>
-          <a:bodyPr rtlCol="0" anchor="ctr"/>
-          <a:lstStyle/>
-          <a:p>
-            <a:pPr algn="just"/>
-            <a:r>
-              <a:rPr lang="en-US" altLang="zh-CN" sz="800">
-                <a:solidFill>
-                  <a:sysClr val="windowText" lastClr="000000"/>
-                </a:solidFill>
-                <a:latin typeface="Quicksand" panose="00000500000000000000" pitchFamily="2" charset="0"/>
-              </a:rPr>
-              <a:t>flex-grow</a:t>
-            </a:r>
-            <a:endParaRPr lang="zh-CN" altLang="en-US" sz="800">
-              <a:solidFill>
-                <a:sysClr val="windowText" lastClr="000000"/>
-              </a:solidFill>
-              <a:latin typeface="Quicksand" panose="00000500000000000000" pitchFamily="2" charset="0"/>
-            </a:endParaRPr>
-          </a:p>
-        </p:txBody>
-      </p:sp>
-      <p:sp>
-        <p:nvSpPr>
-          <p:cNvPr id="93" name="矩形: 圆角 92">
-            <a:extLst>
-              <a:ext uri="{FF2B5EF4-FFF2-40B4-BE49-F238E27FC236}">
-                <a16:creationId xmlns:a16="http://schemas.microsoft.com/office/drawing/2014/main" id="{4CA7F7F6-E7D5-9DAD-DE36-4F5550246268}"/>
-              </a:ext>
-            </a:extLst>
-          </p:cNvPr>
-          <p:cNvSpPr/>
-          <p:nvPr/>
-        </p:nvSpPr>
-        <p:spPr>
-          <a:xfrm>
-            <a:off x="5255524" y="4338492"/>
-            <a:ext cx="900000" cy="216000"/>
-          </a:xfrm>
-          <a:prstGeom prst="roundRect">
-            <a:avLst/>
-          </a:prstGeom>
-          <a:noFill/>
-          <a:ln w="12700">
-            <a:noFill/>
-          </a:ln>
-        </p:spPr>
-        <p:style>
-          <a:lnRef idx="2">
-            <a:schemeClr val="accent1">
-              <a:shade val="15000"/>
-            </a:schemeClr>
-          </a:lnRef>
-          <a:fillRef idx="1">
-            <a:schemeClr val="accent1"/>
-          </a:fillRef>
-          <a:effectRef idx="0">
-            <a:schemeClr val="accent1"/>
-          </a:effectRef>
-          <a:fontRef idx="minor">
-            <a:schemeClr val="lt1"/>
-          </a:fontRef>
-        </p:style>
-        <p:txBody>
-          <a:bodyPr rtlCol="0" anchor="ctr"/>
-          <a:lstStyle/>
-          <a:p>
-            <a:pPr algn="just"/>
-            <a:r>
-              <a:rPr lang="en-US" altLang="zh-CN" sz="800">
-                <a:solidFill>
-                  <a:sysClr val="windowText" lastClr="000000"/>
-                </a:solidFill>
-                <a:latin typeface="Quicksand" panose="00000500000000000000" pitchFamily="2" charset="0"/>
-              </a:rPr>
-              <a:t>flex-shrink</a:t>
-            </a:r>
-            <a:endParaRPr lang="zh-CN" altLang="en-US" sz="800">
-              <a:solidFill>
-                <a:sysClr val="windowText" lastClr="000000"/>
-              </a:solidFill>
-              <a:latin typeface="Quicksand" panose="00000500000000000000" pitchFamily="2" charset="0"/>
-            </a:endParaRPr>
-          </a:p>
-        </p:txBody>
-      </p:sp>
-      <p:sp>
-        <p:nvSpPr>
-          <p:cNvPr id="94" name="矩形: 圆角 93">
-            <a:extLst>
-              <a:ext uri="{FF2B5EF4-FFF2-40B4-BE49-F238E27FC236}">
-                <a16:creationId xmlns:a16="http://schemas.microsoft.com/office/drawing/2014/main" id="{B5CA0E07-097C-29F7-7997-8EF996EC89DA}"/>
-              </a:ext>
-            </a:extLst>
-          </p:cNvPr>
-          <p:cNvSpPr/>
-          <p:nvPr/>
-        </p:nvSpPr>
-        <p:spPr>
-          <a:xfrm>
-            <a:off x="5255524" y="4583292"/>
-            <a:ext cx="900000" cy="216000"/>
-          </a:xfrm>
-          <a:prstGeom prst="roundRect">
-            <a:avLst/>
-          </a:prstGeom>
-          <a:noFill/>
-          <a:ln w="12700">
-            <a:noFill/>
-          </a:ln>
-        </p:spPr>
-        <p:style>
-          <a:lnRef idx="2">
-            <a:schemeClr val="accent1">
-              <a:shade val="15000"/>
-            </a:schemeClr>
-          </a:lnRef>
-          <a:fillRef idx="1">
-            <a:schemeClr val="accent1"/>
-          </a:fillRef>
-          <a:effectRef idx="0">
-            <a:schemeClr val="accent1"/>
-          </a:effectRef>
-          <a:fontRef idx="minor">
-            <a:schemeClr val="lt1"/>
-          </a:fontRef>
-        </p:style>
-        <p:txBody>
-          <a:bodyPr rtlCol="0" anchor="ctr"/>
-          <a:lstStyle/>
-          <a:p>
-            <a:pPr algn="just"/>
-            <a:r>
-              <a:rPr lang="en-US" altLang="zh-CN" sz="800">
-                <a:solidFill>
-                  <a:sysClr val="windowText" lastClr="000000"/>
-                </a:solidFill>
-                <a:latin typeface="Quicksand" panose="00000500000000000000" pitchFamily="2" charset="0"/>
-              </a:rPr>
-              <a:t>order</a:t>
-            </a:r>
-            <a:endParaRPr lang="zh-CN" altLang="en-US" sz="800">
-              <a:solidFill>
-                <a:sysClr val="windowText" lastClr="000000"/>
-              </a:solidFill>
-              <a:latin typeface="Quicksand" panose="00000500000000000000" pitchFamily="2" charset="0"/>
-            </a:endParaRPr>
-          </a:p>
-        </p:txBody>
-      </p:sp>
-      <p:cxnSp>
-        <p:nvCxnSpPr>
-          <p:cNvPr id="96" name="连接符: 曲线 95">
-            <a:extLst>
-              <a:ext uri="{FF2B5EF4-FFF2-40B4-BE49-F238E27FC236}">
-                <a16:creationId xmlns:a16="http://schemas.microsoft.com/office/drawing/2014/main" id="{15F772AA-ED96-A648-62C4-CAE545578DC1}"/>
-              </a:ext>
-            </a:extLst>
-          </p:cNvPr>
-          <p:cNvCxnSpPr>
-            <a:cxnSpLocks/>
-            <a:stCxn id="91" idx="1"/>
-            <a:endCxn id="58" idx="3"/>
-          </p:cNvCxnSpPr>
-          <p:nvPr/>
-        </p:nvCxnSpPr>
-        <p:spPr>
-          <a:xfrm rot="10800000" flipV="1">
-            <a:off x="5139110" y="3946428"/>
-            <a:ext cx="116415" cy="375864"/>
-          </a:xfrm>
-          <a:prstGeom prst="curvedConnector3">
-            <a:avLst>
-              <a:gd name="adj1" fmla="val 50000"/>
-            </a:avLst>
-          </a:prstGeom>
-          <a:ln>
-            <a:solidFill>
-              <a:srgbClr val="EB3B5A"/>
-            </a:solidFill>
-          </a:ln>
-        </p:spPr>
-        <p:style>
-          <a:lnRef idx="1">
-            <a:schemeClr val="accent1"/>
-          </a:lnRef>
-          <a:fillRef idx="0">
-            <a:schemeClr val="accent1"/>
-          </a:fillRef>
-          <a:effectRef idx="0">
-            <a:schemeClr val="accent1"/>
-          </a:effectRef>
-          <a:fontRef idx="minor">
-            <a:schemeClr val="tx1"/>
-          </a:fontRef>
-        </p:style>
-      </p:cxnSp>
-      <p:cxnSp>
-        <p:nvCxnSpPr>
-          <p:cNvPr id="99" name="连接符: 曲线 98">
-            <a:extLst>
-              <a:ext uri="{FF2B5EF4-FFF2-40B4-BE49-F238E27FC236}">
-                <a16:creationId xmlns:a16="http://schemas.microsoft.com/office/drawing/2014/main" id="{BA98A774-9247-564E-74E9-DAA4A9BFA6AB}"/>
-              </a:ext>
-            </a:extLst>
-          </p:cNvPr>
-          <p:cNvCxnSpPr>
-            <a:cxnSpLocks/>
-            <a:stCxn id="94" idx="1"/>
-            <a:endCxn id="58" idx="3"/>
-          </p:cNvCxnSpPr>
-          <p:nvPr/>
-        </p:nvCxnSpPr>
-        <p:spPr>
-          <a:xfrm rot="10800000">
-            <a:off x="5139110" y="4322292"/>
-            <a:ext cx="116415" cy="369000"/>
-          </a:xfrm>
-          <a:prstGeom prst="curvedConnector3">
-            <a:avLst>
-              <a:gd name="adj1" fmla="val 50000"/>
-            </a:avLst>
-          </a:prstGeom>
-          <a:ln>
-            <a:solidFill>
-              <a:srgbClr val="EB3B5A"/>
-            </a:solidFill>
-          </a:ln>
-        </p:spPr>
-        <p:style>
-          <a:lnRef idx="1">
-            <a:schemeClr val="accent1"/>
-          </a:lnRef>
-          <a:fillRef idx="0">
-            <a:schemeClr val="accent1"/>
-          </a:fillRef>
-          <a:effectRef idx="0">
-            <a:schemeClr val="accent1"/>
-          </a:effectRef>
-          <a:fontRef idx="minor">
-            <a:schemeClr val="tx1"/>
-          </a:fontRef>
-        </p:style>
-      </p:cxnSp>
-      <p:sp>
-        <p:nvSpPr>
-          <p:cNvPr id="104" name="矩形: 圆角 103">
-            <a:extLst>
-              <a:ext uri="{FF2B5EF4-FFF2-40B4-BE49-F238E27FC236}">
-                <a16:creationId xmlns:a16="http://schemas.microsoft.com/office/drawing/2014/main" id="{ADFDF415-2E45-7615-C710-A34E668FF872}"/>
-              </a:ext>
-            </a:extLst>
-          </p:cNvPr>
-          <p:cNvSpPr/>
-          <p:nvPr/>
-        </p:nvSpPr>
-        <p:spPr>
-          <a:xfrm>
-            <a:off x="5255524" y="5127620"/>
-            <a:ext cx="1440000" cy="216000"/>
-          </a:xfrm>
-          <a:prstGeom prst="roundRect">
-            <a:avLst/>
-          </a:prstGeom>
-          <a:noFill/>
-          <a:ln w="12700">
-            <a:noFill/>
-          </a:ln>
-        </p:spPr>
-        <p:style>
-          <a:lnRef idx="2">
-            <a:schemeClr val="accent1">
-              <a:shade val="15000"/>
-            </a:schemeClr>
-          </a:lnRef>
-          <a:fillRef idx="1">
-            <a:schemeClr val="accent1"/>
-          </a:fillRef>
-          <a:effectRef idx="0">
-            <a:schemeClr val="accent1"/>
-          </a:effectRef>
-          <a:fontRef idx="minor">
-            <a:schemeClr val="lt1"/>
-          </a:fontRef>
-        </p:style>
-        <p:txBody>
-          <a:bodyPr rtlCol="0" anchor="ctr"/>
-          <a:lstStyle/>
-          <a:p>
-            <a:pPr algn="just"/>
-            <a:r>
-              <a:rPr lang="en-US" altLang="zh-CN" sz="800">
-                <a:solidFill>
-                  <a:sysClr val="windowText" lastClr="000000"/>
-                </a:solidFill>
-                <a:latin typeface="Quicksand" panose="00000500000000000000" pitchFamily="2" charset="0"/>
-              </a:rPr>
-              <a:t>grid-template-columns</a:t>
-            </a:r>
-            <a:endParaRPr lang="zh-CN" altLang="en-US" sz="800">
-              <a:solidFill>
-                <a:sysClr val="windowText" lastClr="000000"/>
-              </a:solidFill>
-              <a:latin typeface="Quicksand" panose="00000500000000000000" pitchFamily="2" charset="0"/>
-            </a:endParaRPr>
-          </a:p>
-        </p:txBody>
-      </p:sp>
-      <p:sp>
-        <p:nvSpPr>
-          <p:cNvPr id="106" name="矩形: 圆角 105">
-            <a:extLst>
-              <a:ext uri="{FF2B5EF4-FFF2-40B4-BE49-F238E27FC236}">
-                <a16:creationId xmlns:a16="http://schemas.microsoft.com/office/drawing/2014/main" id="{445B2E54-C1E9-4178-F708-1D4F19FA3239}"/>
-              </a:ext>
-            </a:extLst>
-          </p:cNvPr>
-          <p:cNvSpPr/>
-          <p:nvPr/>
-        </p:nvSpPr>
-        <p:spPr>
-          <a:xfrm>
-            <a:off x="5255524" y="5379284"/>
-            <a:ext cx="1440000" cy="216000"/>
-          </a:xfrm>
-          <a:prstGeom prst="roundRect">
-            <a:avLst/>
-          </a:prstGeom>
-          <a:noFill/>
-          <a:ln w="12700">
-            <a:noFill/>
-          </a:ln>
-        </p:spPr>
-        <p:style>
-          <a:lnRef idx="2">
-            <a:schemeClr val="accent1">
-              <a:shade val="15000"/>
-            </a:schemeClr>
-          </a:lnRef>
-          <a:fillRef idx="1">
-            <a:schemeClr val="accent1"/>
-          </a:fillRef>
-          <a:effectRef idx="0">
-            <a:schemeClr val="accent1"/>
-          </a:effectRef>
-          <a:fontRef idx="minor">
-            <a:schemeClr val="lt1"/>
-          </a:fontRef>
-        </p:style>
-        <p:txBody>
-          <a:bodyPr rtlCol="0" anchor="ctr"/>
-          <a:lstStyle/>
-          <a:p>
-            <a:pPr algn="just"/>
-            <a:r>
-              <a:rPr lang="en-US" altLang="zh-CN" sz="800">
-                <a:solidFill>
-                  <a:sysClr val="windowText" lastClr="000000"/>
-                </a:solidFill>
-                <a:latin typeface="Quicksand" panose="00000500000000000000" pitchFamily="2" charset="0"/>
-              </a:rPr>
-              <a:t>grid-template-rows</a:t>
-            </a:r>
-            <a:endParaRPr lang="zh-CN" altLang="en-US" sz="800">
-              <a:solidFill>
-                <a:sysClr val="windowText" lastClr="000000"/>
-              </a:solidFill>
-              <a:latin typeface="Quicksand" panose="00000500000000000000" pitchFamily="2" charset="0"/>
-            </a:endParaRPr>
-          </a:p>
-        </p:txBody>
-      </p:sp>
-      <p:sp>
-        <p:nvSpPr>
-          <p:cNvPr id="107" name="矩形: 圆角 106">
-            <a:extLst>
-              <a:ext uri="{FF2B5EF4-FFF2-40B4-BE49-F238E27FC236}">
-                <a16:creationId xmlns:a16="http://schemas.microsoft.com/office/drawing/2014/main" id="{6D07C76A-000A-6148-C257-84637EECBD9B}"/>
-              </a:ext>
-            </a:extLst>
-          </p:cNvPr>
-          <p:cNvSpPr/>
-          <p:nvPr/>
-        </p:nvSpPr>
-        <p:spPr>
-          <a:xfrm>
-            <a:off x="5255524" y="5627684"/>
-            <a:ext cx="1440000" cy="216000"/>
-          </a:xfrm>
-          <a:prstGeom prst="roundRect">
-            <a:avLst/>
-          </a:prstGeom>
-          <a:noFill/>
-          <a:ln w="12700">
-            <a:noFill/>
-          </a:ln>
-        </p:spPr>
-        <p:style>
-          <a:lnRef idx="2">
-            <a:schemeClr val="accent1">
-              <a:shade val="15000"/>
-            </a:schemeClr>
-          </a:lnRef>
-          <a:fillRef idx="1">
-            <a:schemeClr val="accent1"/>
-          </a:fillRef>
-          <a:effectRef idx="0">
-            <a:schemeClr val="accent1"/>
-          </a:effectRef>
-          <a:fontRef idx="minor">
-            <a:schemeClr val="lt1"/>
-          </a:fontRef>
-        </p:style>
-        <p:txBody>
-          <a:bodyPr rtlCol="0" anchor="ctr"/>
-          <a:lstStyle/>
-          <a:p>
-            <a:pPr algn="just"/>
-            <a:r>
-              <a:rPr lang="en-US" altLang="zh-CN" sz="800">
-                <a:solidFill>
-                  <a:sysClr val="windowText" lastClr="000000"/>
-                </a:solidFill>
-                <a:latin typeface="Quicksand" panose="00000500000000000000" pitchFamily="2" charset="0"/>
-              </a:rPr>
-              <a:t>grid-template-areas</a:t>
-            </a:r>
-            <a:endParaRPr lang="zh-CN" altLang="en-US" sz="800">
-              <a:solidFill>
-                <a:sysClr val="windowText" lastClr="000000"/>
-              </a:solidFill>
-              <a:latin typeface="Quicksand" panose="00000500000000000000" pitchFamily="2" charset="0"/>
-            </a:endParaRPr>
-          </a:p>
-        </p:txBody>
-      </p:sp>
-      <p:sp>
-        <p:nvSpPr>
-          <p:cNvPr id="108" name="矩形: 圆角 107">
-            <a:extLst>
-              <a:ext uri="{FF2B5EF4-FFF2-40B4-BE49-F238E27FC236}">
-                <a16:creationId xmlns:a16="http://schemas.microsoft.com/office/drawing/2014/main" id="{35D10F1B-4183-29FB-3543-DB9662DE3B23}"/>
-              </a:ext>
-            </a:extLst>
-          </p:cNvPr>
-          <p:cNvSpPr/>
-          <p:nvPr/>
-        </p:nvSpPr>
-        <p:spPr>
-          <a:xfrm>
-            <a:off x="5255524" y="5872484"/>
-            <a:ext cx="1440000" cy="216000"/>
-          </a:xfrm>
-          <a:prstGeom prst="roundRect">
-            <a:avLst/>
-          </a:prstGeom>
-          <a:noFill/>
-          <a:ln w="12700">
-            <a:noFill/>
-          </a:ln>
-        </p:spPr>
-        <p:style>
-          <a:lnRef idx="2">
-            <a:schemeClr val="accent1">
-              <a:shade val="15000"/>
-            </a:schemeClr>
-          </a:lnRef>
-          <a:fillRef idx="1">
-            <a:schemeClr val="accent1"/>
-          </a:fillRef>
-          <a:effectRef idx="0">
-            <a:schemeClr val="accent1"/>
-          </a:effectRef>
-          <a:fontRef idx="minor">
-            <a:schemeClr val="lt1"/>
-          </a:fontRef>
-        </p:style>
-        <p:txBody>
-          <a:bodyPr rtlCol="0" anchor="ctr"/>
-          <a:lstStyle/>
-          <a:p>
-            <a:pPr algn="just"/>
-            <a:r>
-              <a:rPr lang="en-US" altLang="zh-CN" sz="800">
-                <a:solidFill>
-                  <a:sysClr val="windowText" lastClr="000000"/>
-                </a:solidFill>
-                <a:latin typeface="Quicksand" panose="00000500000000000000" pitchFamily="2" charset="0"/>
-              </a:rPr>
-              <a:t>order</a:t>
-            </a:r>
-            <a:endParaRPr lang="zh-CN" altLang="en-US" sz="800">
-              <a:solidFill>
-                <a:sysClr val="windowText" lastClr="000000"/>
-              </a:solidFill>
-              <a:latin typeface="Quicksand" panose="00000500000000000000" pitchFamily="2" charset="0"/>
-            </a:endParaRPr>
-          </a:p>
-        </p:txBody>
-      </p:sp>
-    </p:spTree>
-    <p:extLst>
-      <p:ext uri="{BB962C8B-B14F-4D97-AF65-F5344CB8AC3E}">
-        <p14:creationId xmlns:p14="http://schemas.microsoft.com/office/powerpoint/2010/main" val="3073288407"/>
       </p:ext>
     </p:extLst>
   </p:cSld>

--- a/utils/file/charts.pptx
+++ b/utils/file/charts.pptx
@@ -3438,7 +3438,7 @@
         <p:spPr>
           <a:xfrm>
             <a:off x="6918144" y="5897577"/>
-            <a:ext cx="1019831" cy="276999"/>
+            <a:ext cx="970137" cy="276999"/>
           </a:xfrm>
           <a:prstGeom prst="rect">
             <a:avLst/>
@@ -3456,7 +3456,8 @@
                 <a:solidFill>
                   <a:schemeClr val="bg1"/>
                 </a:solidFill>
-                <a:latin typeface="Poppins" panose="00000500000000000000" pitchFamily="2" charset="0"/>
+                <a:latin typeface="微软雅黑 Light" panose="020B0502040204020203" pitchFamily="34" charset="-122"/>
+                <a:ea typeface="微软雅黑 Light" panose="020B0502040204020203" pitchFamily="34" charset="-122"/>
                 <a:cs typeface="Poppins" panose="00000500000000000000" pitchFamily="2" charset="0"/>
               </a:rPr>
               <a:t>2025-06-21</a:t>
@@ -3465,41 +3466,10 @@
               <a:solidFill>
                 <a:schemeClr val="bg1"/>
               </a:solidFill>
-              <a:latin typeface="Poppins" panose="00000500000000000000" pitchFamily="2" charset="0"/>
+              <a:latin typeface="微软雅黑 Light" panose="020B0502040204020203" pitchFamily="34" charset="-122"/>
+              <a:ea typeface="微软雅黑 Light" panose="020B0502040204020203" pitchFamily="34" charset="-122"/>
               <a:cs typeface="Poppins" panose="00000500000000000000" pitchFamily="2" charset="0"/>
             </a:endParaRPr>
-          </a:p>
-        </p:txBody>
-      </p:sp>
-      <p:sp>
-        <p:nvSpPr>
-          <p:cNvPr id="6" name="TextBox 5">
-            <a:extLst>
-              <a:ext uri="{FF2B5EF4-FFF2-40B4-BE49-F238E27FC236}">
-                <a16:creationId xmlns:a16="http://schemas.microsoft.com/office/drawing/2014/main" id="{227B2CA7-30FB-4CAE-F9F4-C1672E6C3BC0}"/>
-              </a:ext>
-            </a:extLst>
-          </p:cNvPr>
-          <p:cNvSpPr txBox="1"/>
-          <p:nvPr/>
-        </p:nvSpPr>
-        <p:spPr>
-          <a:xfrm>
-            <a:off x="8696528" y="2636196"/>
-            <a:ext cx="45719" cy="369332"/>
-          </a:xfrm>
-          <a:prstGeom prst="rect">
-            <a:avLst/>
-          </a:prstGeom>
-          <a:noFill/>
-        </p:spPr>
-        <p:txBody>
-          <a:bodyPr wrap="square" rtlCol="0">
-            <a:spAutoFit/>
-          </a:bodyPr>
-          <a:lstStyle/>
-          <a:p>
-            <a:endParaRPr lang="zh-CN" altLang="en-US"/>
           </a:p>
         </p:txBody>
       </p:sp>
@@ -3537,8 +3507,8 @@
                 <a:solidFill>
                   <a:schemeClr val="bg1"/>
                 </a:solidFill>
-                <a:latin typeface="Microsoft YaHei Light" panose="020B0502040204020203" pitchFamily="34" charset="-122"/>
-                <a:ea typeface="Microsoft YaHei Light" panose="020B0502040204020203" pitchFamily="34" charset="-122"/>
+                <a:latin typeface="微软雅黑 Light" panose="020B0502040204020203" pitchFamily="34" charset="-122"/>
+                <a:ea typeface="微软雅黑 Light" panose="020B0502040204020203" pitchFamily="34" charset="-122"/>
               </a:rPr>
               <a:t>祭神祀祖、观莲节、吃夏至面、放荷灯、消夏避伏</a:t>
             </a:r>

--- a/utils/file/charts.pptx
+++ b/utils/file/charts.pptx
@@ -16,9 +16,10 @@
     <p:sldId id="265" r:id="rId10"/>
     <p:sldId id="266" r:id="rId11"/>
     <p:sldId id="267" r:id="rId12"/>
-    <p:sldId id="268" r:id="rId13"/>
-    <p:sldId id="264" r:id="rId14"/>
-    <p:sldId id="256" r:id="rId15"/>
+    <p:sldId id="271" r:id="rId13"/>
+    <p:sldId id="268" r:id="rId14"/>
+    <p:sldId id="264" r:id="rId15"/>
+    <p:sldId id="256" r:id="rId16"/>
   </p:sldIdLst>
   <p:sldSz cx="12192000" cy="6858000"/>
   <p:notesSz cx="6858000" cy="9144000"/>
@@ -272,7 +273,7 @@
           <a:p>
             <a:fld id="{C0F7C65B-F23F-479A-8AFF-E7E0FC962F06}" type="datetimeFigureOut">
               <a:rPr lang="zh-CN" altLang="en-US" smtClean="0"/>
-              <a:t>2025/6/21</a:t>
+              <a:t>2025/6/25</a:t>
             </a:fld>
             <a:endParaRPr lang="zh-CN" altLang="en-US"/>
           </a:p>
@@ -470,7 +471,7 @@
           <a:p>
             <a:fld id="{C0F7C65B-F23F-479A-8AFF-E7E0FC962F06}" type="datetimeFigureOut">
               <a:rPr lang="zh-CN" altLang="en-US" smtClean="0"/>
-              <a:t>2025/6/21</a:t>
+              <a:t>2025/6/25</a:t>
             </a:fld>
             <a:endParaRPr lang="zh-CN" altLang="en-US"/>
           </a:p>
@@ -678,7 +679,7 @@
           <a:p>
             <a:fld id="{C0F7C65B-F23F-479A-8AFF-E7E0FC962F06}" type="datetimeFigureOut">
               <a:rPr lang="zh-CN" altLang="en-US" smtClean="0"/>
-              <a:t>2025/6/21</a:t>
+              <a:t>2025/6/25</a:t>
             </a:fld>
             <a:endParaRPr lang="zh-CN" altLang="en-US"/>
           </a:p>
@@ -876,7 +877,7 @@
           <a:p>
             <a:fld id="{C0F7C65B-F23F-479A-8AFF-E7E0FC962F06}" type="datetimeFigureOut">
               <a:rPr lang="zh-CN" altLang="en-US" smtClean="0"/>
-              <a:t>2025/6/21</a:t>
+              <a:t>2025/6/25</a:t>
             </a:fld>
             <a:endParaRPr lang="zh-CN" altLang="en-US"/>
           </a:p>
@@ -1151,7 +1152,7 @@
           <a:p>
             <a:fld id="{C0F7C65B-F23F-479A-8AFF-E7E0FC962F06}" type="datetimeFigureOut">
               <a:rPr lang="zh-CN" altLang="en-US" smtClean="0"/>
-              <a:t>2025/6/21</a:t>
+              <a:t>2025/6/25</a:t>
             </a:fld>
             <a:endParaRPr lang="zh-CN" altLang="en-US"/>
           </a:p>
@@ -1416,7 +1417,7 @@
           <a:p>
             <a:fld id="{C0F7C65B-F23F-479A-8AFF-E7E0FC962F06}" type="datetimeFigureOut">
               <a:rPr lang="zh-CN" altLang="en-US" smtClean="0"/>
-              <a:t>2025/6/21</a:t>
+              <a:t>2025/6/25</a:t>
             </a:fld>
             <a:endParaRPr lang="zh-CN" altLang="en-US"/>
           </a:p>
@@ -1828,7 +1829,7 @@
           <a:p>
             <a:fld id="{C0F7C65B-F23F-479A-8AFF-E7E0FC962F06}" type="datetimeFigureOut">
               <a:rPr lang="zh-CN" altLang="en-US" smtClean="0"/>
-              <a:t>2025/6/21</a:t>
+              <a:t>2025/6/25</a:t>
             </a:fld>
             <a:endParaRPr lang="zh-CN" altLang="en-US"/>
           </a:p>
@@ -1969,7 +1970,7 @@
           <a:p>
             <a:fld id="{C0F7C65B-F23F-479A-8AFF-E7E0FC962F06}" type="datetimeFigureOut">
               <a:rPr lang="zh-CN" altLang="en-US" smtClean="0"/>
-              <a:t>2025/6/21</a:t>
+              <a:t>2025/6/25</a:t>
             </a:fld>
             <a:endParaRPr lang="zh-CN" altLang="en-US"/>
           </a:p>
@@ -2082,7 +2083,7 @@
           <a:p>
             <a:fld id="{C0F7C65B-F23F-479A-8AFF-E7E0FC962F06}" type="datetimeFigureOut">
               <a:rPr lang="zh-CN" altLang="en-US" smtClean="0"/>
-              <a:t>2025/6/21</a:t>
+              <a:t>2025/6/25</a:t>
             </a:fld>
             <a:endParaRPr lang="zh-CN" altLang="en-US"/>
           </a:p>
@@ -2393,7 +2394,7 @@
           <a:p>
             <a:fld id="{C0F7C65B-F23F-479A-8AFF-E7E0FC962F06}" type="datetimeFigureOut">
               <a:rPr lang="zh-CN" altLang="en-US" smtClean="0"/>
-              <a:t>2025/6/21</a:t>
+              <a:t>2025/6/25</a:t>
             </a:fld>
             <a:endParaRPr lang="zh-CN" altLang="en-US"/>
           </a:p>
@@ -2681,7 +2682,7 @@
           <a:p>
             <a:fld id="{C0F7C65B-F23F-479A-8AFF-E7E0FC962F06}" type="datetimeFigureOut">
               <a:rPr lang="zh-CN" altLang="en-US" smtClean="0"/>
-              <a:t>2025/6/21</a:t>
+              <a:t>2025/6/25</a:t>
             </a:fld>
             <a:endParaRPr lang="zh-CN" altLang="en-US"/>
           </a:p>
@@ -2922,7 +2923,7 @@
           <a:p>
             <a:fld id="{C0F7C65B-F23F-479A-8AFF-E7E0FC962F06}" type="datetimeFigureOut">
               <a:rPr lang="zh-CN" altLang="en-US" smtClean="0"/>
-              <a:t>2025/6/21</a:t>
+              <a:t>2025/6/25</a:t>
             </a:fld>
             <a:endParaRPr lang="zh-CN" altLang="en-US"/>
           </a:p>
@@ -3649,13 +3650,13 @@
             <a:pPr algn="ctr"/>
             <a:r>
               <a:rPr lang="en-US" altLang="zh-CN" sz="800">
-                <a:latin typeface="微软雅黑" panose="020B0503020204020204" pitchFamily="34" charset="-122"/>
+                <a:latin typeface="Quicksand Light" panose="00000400000000000000" pitchFamily="2" charset="0"/>
                 <a:ea typeface="微软雅黑" panose="020B0503020204020204" pitchFamily="34" charset="-122"/>
               </a:rPr>
               <a:t>Layout</a:t>
             </a:r>
             <a:endParaRPr lang="zh-CN" altLang="en-US" sz="800">
-              <a:latin typeface="微软雅黑" panose="020B0503020204020204" pitchFamily="34" charset="-122"/>
+              <a:latin typeface="Quicksand Light" panose="00000400000000000000" pitchFamily="2" charset="0"/>
               <a:ea typeface="微软雅黑" panose="020B0503020204020204" pitchFamily="34" charset="-122"/>
             </a:endParaRPr>
           </a:p>
@@ -3711,12 +3712,12 @@
             <a:pPr algn="ctr"/>
             <a:r>
               <a:rPr lang="en-US" altLang="zh-CN" sz="800">
-                <a:latin typeface="Quicksand" panose="00000500000000000000" pitchFamily="2" charset="0"/>
+                <a:latin typeface="Quicksand Light" panose="00000400000000000000" pitchFamily="2" charset="0"/>
               </a:rPr>
               <a:t>position</a:t>
             </a:r>
             <a:endParaRPr lang="zh-CN" altLang="en-US" sz="800">
-              <a:latin typeface="Quicksand" panose="00000500000000000000" pitchFamily="2" charset="0"/>
+              <a:latin typeface="Quicksand Light" panose="00000400000000000000" pitchFamily="2" charset="0"/>
             </a:endParaRPr>
           </a:p>
         </p:txBody>
@@ -3771,12 +3772,12 @@
             <a:pPr algn="ctr"/>
             <a:r>
               <a:rPr lang="en-US" altLang="zh-CN" sz="800">
-                <a:latin typeface="Quicksand" panose="00000500000000000000" pitchFamily="2" charset="0"/>
+                <a:latin typeface="Quicksand Light" panose="00000400000000000000" pitchFamily="2" charset="0"/>
               </a:rPr>
               <a:t>flex</a:t>
             </a:r>
             <a:endParaRPr lang="zh-CN" altLang="en-US" sz="800">
-              <a:latin typeface="Quicksand" panose="00000500000000000000" pitchFamily="2" charset="0"/>
+              <a:latin typeface="Quicksand Light" panose="00000400000000000000" pitchFamily="2" charset="0"/>
             </a:endParaRPr>
           </a:p>
         </p:txBody>
@@ -3831,12 +3832,12 @@
             <a:pPr algn="ctr"/>
             <a:r>
               <a:rPr lang="en-US" altLang="zh-CN" sz="800">
-                <a:latin typeface="Quicksand" panose="00000500000000000000" pitchFamily="2" charset="0"/>
+                <a:latin typeface="Quicksand Light" panose="00000400000000000000" pitchFamily="2" charset="0"/>
               </a:rPr>
               <a:t>grid</a:t>
             </a:r>
             <a:endParaRPr lang="zh-CN" altLang="en-US" sz="800">
-              <a:latin typeface="Quicksand" panose="00000500000000000000" pitchFamily="2" charset="0"/>
+              <a:latin typeface="Quicksand Light" panose="00000400000000000000" pitchFamily="2" charset="0"/>
             </a:endParaRPr>
           </a:p>
         </p:txBody>
@@ -3893,12 +3894,12 @@
             <a:pPr algn="ctr"/>
             <a:r>
               <a:rPr lang="en-US" altLang="zh-CN" sz="800">
-                <a:latin typeface="Quicksand" panose="00000500000000000000" pitchFamily="2" charset="0"/>
+                <a:latin typeface="Quicksand Light" panose="00000400000000000000" pitchFamily="2" charset="0"/>
               </a:rPr>
               <a:t>absolute</a:t>
             </a:r>
             <a:endParaRPr lang="zh-CN" altLang="en-US" sz="800">
-              <a:latin typeface="Quicksand" panose="00000500000000000000" pitchFamily="2" charset="0"/>
+              <a:latin typeface="Quicksand Light" panose="00000400000000000000" pitchFamily="2" charset="0"/>
             </a:endParaRPr>
           </a:p>
         </p:txBody>
@@ -3955,12 +3956,12 @@
             <a:pPr algn="ctr"/>
             <a:r>
               <a:rPr lang="en-US" altLang="zh-CN" sz="800">
-                <a:latin typeface="Quicksand" panose="00000500000000000000" pitchFamily="2" charset="0"/>
+                <a:latin typeface="Quicksand Light" panose="00000400000000000000" pitchFamily="2" charset="0"/>
               </a:rPr>
               <a:t>relative</a:t>
             </a:r>
             <a:endParaRPr lang="zh-CN" altLang="en-US" sz="800">
-              <a:latin typeface="Quicksand" panose="00000500000000000000" pitchFamily="2" charset="0"/>
+              <a:latin typeface="Quicksand Light" panose="00000400000000000000" pitchFamily="2" charset="0"/>
             </a:endParaRPr>
           </a:p>
         </p:txBody>
@@ -4017,12 +4018,12 @@
             <a:pPr algn="ctr"/>
             <a:r>
               <a:rPr lang="en-US" altLang="zh-CN" sz="800">
-                <a:latin typeface="Quicksand" panose="00000500000000000000" pitchFamily="2" charset="0"/>
+                <a:latin typeface="Quicksand Light" panose="00000400000000000000" pitchFamily="2" charset="0"/>
               </a:rPr>
               <a:t>container</a:t>
             </a:r>
             <a:endParaRPr lang="zh-CN" altLang="en-US" sz="800">
-              <a:latin typeface="Quicksand" panose="00000500000000000000" pitchFamily="2" charset="0"/>
+              <a:latin typeface="Quicksand Light" panose="00000400000000000000" pitchFamily="2" charset="0"/>
             </a:endParaRPr>
           </a:p>
         </p:txBody>
@@ -4259,12 +4260,12 @@
             <a:pPr algn="ctr"/>
             <a:r>
               <a:rPr lang="en-US" altLang="zh-CN" sz="800">
-                <a:latin typeface="Quicksand" panose="00000500000000000000" pitchFamily="2" charset="0"/>
+                <a:latin typeface="Quicksand Light" panose="00000400000000000000" pitchFamily="2" charset="0"/>
               </a:rPr>
               <a:t>fixed</a:t>
             </a:r>
             <a:endParaRPr lang="zh-CN" altLang="en-US" sz="800">
-              <a:latin typeface="Quicksand" panose="00000500000000000000" pitchFamily="2" charset="0"/>
+              <a:latin typeface="Quicksand Light" panose="00000400000000000000" pitchFamily="2" charset="0"/>
             </a:endParaRPr>
           </a:p>
         </p:txBody>
@@ -4321,12 +4322,12 @@
             <a:pPr algn="ctr"/>
             <a:r>
               <a:rPr lang="en-US" altLang="zh-CN" sz="800">
-                <a:latin typeface="Quicksand" panose="00000500000000000000" pitchFamily="2" charset="0"/>
+                <a:latin typeface="Quicksand Light" panose="00000400000000000000" pitchFamily="2" charset="0"/>
               </a:rPr>
               <a:t>item</a:t>
             </a:r>
             <a:endParaRPr lang="zh-CN" altLang="en-US" sz="800">
-              <a:latin typeface="Quicksand" panose="00000500000000000000" pitchFamily="2" charset="0"/>
+              <a:latin typeface="Quicksand Light" panose="00000400000000000000" pitchFamily="2" charset="0"/>
             </a:endParaRPr>
           </a:p>
         </p:txBody>
@@ -4383,12 +4384,12 @@
             <a:pPr algn="ctr"/>
             <a:r>
               <a:rPr lang="en-US" altLang="zh-CN" sz="800">
-                <a:latin typeface="Quicksand" panose="00000500000000000000" pitchFamily="2" charset="0"/>
+                <a:latin typeface="Quicksand Light" panose="00000400000000000000" pitchFamily="2" charset="0"/>
               </a:rPr>
               <a:t>container</a:t>
             </a:r>
             <a:endParaRPr lang="zh-CN" altLang="en-US" sz="800">
-              <a:latin typeface="Quicksand" panose="00000500000000000000" pitchFamily="2" charset="0"/>
+              <a:latin typeface="Quicksand Light" panose="00000400000000000000" pitchFamily="2" charset="0"/>
             </a:endParaRPr>
           </a:p>
         </p:txBody>
@@ -4445,12 +4446,12 @@
             <a:pPr algn="ctr"/>
             <a:r>
               <a:rPr lang="en-US" altLang="zh-CN" sz="800">
-                <a:latin typeface="Quicksand" panose="00000500000000000000" pitchFamily="2" charset="0"/>
+                <a:latin typeface="Quicksand Light" panose="00000400000000000000" pitchFamily="2" charset="0"/>
               </a:rPr>
               <a:t>item</a:t>
             </a:r>
             <a:endParaRPr lang="zh-CN" altLang="en-US" sz="800">
-              <a:latin typeface="Quicksand" panose="00000500000000000000" pitchFamily="2" charset="0"/>
+              <a:latin typeface="Quicksand Light" panose="00000400000000000000" pitchFamily="2" charset="0"/>
             </a:endParaRPr>
           </a:p>
         </p:txBody>
@@ -4691,12 +4692,12 @@
             <a:pPr algn="ctr"/>
             <a:r>
               <a:rPr lang="en-US" altLang="zh-CN" sz="800">
-                <a:latin typeface="Quicksand" panose="00000500000000000000" pitchFamily="2" charset="0"/>
+                <a:latin typeface="Quicksand Light" panose="00000400000000000000" pitchFamily="2" charset="0"/>
               </a:rPr>
               <a:t>float</a:t>
             </a:r>
             <a:endParaRPr lang="zh-CN" altLang="en-US" sz="800">
-              <a:latin typeface="Quicksand" panose="00000500000000000000" pitchFamily="2" charset="0"/>
+              <a:latin typeface="Quicksand Light" panose="00000400000000000000" pitchFamily="2" charset="0"/>
             </a:endParaRPr>
           </a:p>
         </p:txBody>
@@ -4800,12 +4801,12 @@
             <a:pPr algn="ctr"/>
             <a:r>
               <a:rPr lang="en-US" altLang="zh-CN" sz="800">
-                <a:latin typeface="Quicksand" panose="00000500000000000000" pitchFamily="2" charset="0"/>
+                <a:latin typeface="Quicksand Light" panose="00000400000000000000" pitchFamily="2" charset="0"/>
               </a:rPr>
               <a:t>&lt;table&gt;</a:t>
             </a:r>
             <a:endParaRPr lang="zh-CN" altLang="en-US" sz="800">
-              <a:latin typeface="Quicksand" panose="00000500000000000000" pitchFamily="2" charset="0"/>
+              <a:latin typeface="Quicksand Light" panose="00000400000000000000" pitchFamily="2" charset="0"/>
             </a:endParaRPr>
           </a:p>
         </p:txBody>
@@ -4862,12 +4863,12 @@
             <a:pPr algn="ctr"/>
             <a:r>
               <a:rPr lang="en-US" altLang="zh-CN" sz="800">
-                <a:latin typeface="Quicksand" panose="00000500000000000000" pitchFamily="2" charset="0"/>
+                <a:latin typeface="Quicksand Light" panose="00000400000000000000" pitchFamily="2" charset="0"/>
               </a:rPr>
               <a:t>left</a:t>
             </a:r>
             <a:endParaRPr lang="zh-CN" altLang="en-US" sz="800">
-              <a:latin typeface="Quicksand" panose="00000500000000000000" pitchFamily="2" charset="0"/>
+              <a:latin typeface="Quicksand Light" panose="00000400000000000000" pitchFamily="2" charset="0"/>
             </a:endParaRPr>
           </a:p>
         </p:txBody>
@@ -4924,12 +4925,12 @@
             <a:pPr algn="ctr"/>
             <a:r>
               <a:rPr lang="en-US" altLang="zh-CN" sz="800">
-                <a:latin typeface="Quicksand" panose="00000500000000000000" pitchFamily="2" charset="0"/>
+                <a:latin typeface="Quicksand Light" panose="00000400000000000000" pitchFamily="2" charset="0"/>
               </a:rPr>
               <a:t>right</a:t>
             </a:r>
             <a:endParaRPr lang="zh-CN" altLang="en-US" sz="800">
-              <a:latin typeface="Quicksand" panose="00000500000000000000" pitchFamily="2" charset="0"/>
+              <a:latin typeface="Quicksand Light" panose="00000400000000000000" pitchFamily="2" charset="0"/>
             </a:endParaRPr>
           </a:p>
         </p:txBody>
@@ -4987,7 +4988,7 @@
                 <a:solidFill>
                   <a:sysClr val="windowText" lastClr="000000"/>
                 </a:solidFill>
-                <a:latin typeface="Quicksand" panose="00000500000000000000" pitchFamily="2" charset="0"/>
+                <a:latin typeface="Quicksand Light" panose="00000400000000000000" pitchFamily="2" charset="0"/>
               </a:rPr>
               <a:t>.clear::after {</a:t>
             </a:r>
@@ -4999,7 +5000,7 @@
                 <a:solidFill>
                   <a:sysClr val="windowText" lastClr="000000"/>
                 </a:solidFill>
-                <a:latin typeface="Quicksand" panose="00000500000000000000" pitchFamily="2" charset="0"/>
+                <a:latin typeface="Quicksand Light" panose="00000400000000000000" pitchFamily="2" charset="0"/>
               </a:rPr>
               <a:t>    content: '';</a:t>
             </a:r>
@@ -5011,7 +5012,7 @@
                 <a:solidFill>
                   <a:sysClr val="windowText" lastClr="000000"/>
                 </a:solidFill>
-                <a:latin typeface="Quicksand" panose="00000500000000000000" pitchFamily="2" charset="0"/>
+                <a:latin typeface="Quicksand Light" panose="00000400000000000000" pitchFamily="2" charset="0"/>
               </a:rPr>
               <a:t>    display: block;</a:t>
             </a:r>
@@ -5023,7 +5024,7 @@
                 <a:solidFill>
                   <a:sysClr val="windowText" lastClr="000000"/>
                 </a:solidFill>
-                <a:latin typeface="Quicksand" panose="00000500000000000000" pitchFamily="2" charset="0"/>
+                <a:latin typeface="Quicksand Light" panose="00000400000000000000" pitchFamily="2" charset="0"/>
               </a:rPr>
               <a:t>    clear: both;</a:t>
             </a:r>
@@ -5035,7 +5036,7 @@
                 <a:solidFill>
                   <a:sysClr val="windowText" lastClr="000000"/>
                 </a:solidFill>
-                <a:latin typeface="Quicksand" panose="00000500000000000000" pitchFamily="2" charset="0"/>
+                <a:latin typeface="Quicksand Light" panose="00000400000000000000" pitchFamily="2" charset="0"/>
               </a:rPr>
               <a:t>}</a:t>
             </a:r>
@@ -5043,7 +5044,7 @@
               <a:solidFill>
                 <a:sysClr val="windowText" lastClr="000000"/>
               </a:solidFill>
-              <a:latin typeface="Quicksand" panose="00000500000000000000" pitchFamily="2" charset="0"/>
+              <a:latin typeface="Quicksand Light" panose="00000400000000000000" pitchFamily="2" charset="0"/>
             </a:endParaRPr>
           </a:p>
         </p:txBody>
@@ -5194,12 +5195,12 @@
             <a:pPr algn="ctr"/>
             <a:r>
               <a:rPr lang="en-US" altLang="zh-CN" sz="800">
-                <a:latin typeface="Quicksand" panose="00000500000000000000" pitchFamily="2" charset="0"/>
+                <a:latin typeface="Quicksand Light" panose="00000400000000000000" pitchFamily="2" charset="0"/>
               </a:rPr>
               <a:t>sticky</a:t>
             </a:r>
             <a:endParaRPr lang="zh-CN" altLang="en-US" sz="800">
-              <a:latin typeface="Quicksand" panose="00000500000000000000" pitchFamily="2" charset="0"/>
+              <a:latin typeface="Quicksand Light" panose="00000400000000000000" pitchFamily="2" charset="0"/>
             </a:endParaRPr>
           </a:p>
         </p:txBody>
@@ -5302,7 +5303,7 @@
                 <a:solidFill>
                   <a:sysClr val="windowText" lastClr="000000"/>
                 </a:solidFill>
-                <a:latin typeface="Quicksand" panose="00000500000000000000" pitchFamily="2" charset="0"/>
+                <a:latin typeface="Quicksand Light" panose="00000400000000000000" pitchFamily="2" charset="0"/>
               </a:rPr>
               <a:t>z-index</a:t>
             </a:r>
@@ -5310,7 +5311,7 @@
               <a:solidFill>
                 <a:sysClr val="windowText" lastClr="000000"/>
               </a:solidFill>
-              <a:latin typeface="Quicksand" panose="00000500000000000000" pitchFamily="2" charset="0"/>
+              <a:latin typeface="Quicksand Light" panose="00000400000000000000" pitchFamily="2" charset="0"/>
             </a:endParaRPr>
           </a:p>
         </p:txBody>
@@ -5599,7 +5600,7 @@
                 <a:solidFill>
                   <a:sysClr val="windowText" lastClr="000000"/>
                 </a:solidFill>
-                <a:latin typeface="Quicksand" panose="00000500000000000000" pitchFamily="2" charset="0"/>
+                <a:latin typeface="Quicksand Light" panose="00000400000000000000" pitchFamily="2" charset="0"/>
               </a:rPr>
               <a:t>flex-direction</a:t>
             </a:r>
@@ -5607,7 +5608,7 @@
               <a:solidFill>
                 <a:sysClr val="windowText" lastClr="000000"/>
               </a:solidFill>
-              <a:latin typeface="Quicksand" panose="00000500000000000000" pitchFamily="2" charset="0"/>
+              <a:latin typeface="Quicksand Light" panose="00000400000000000000" pitchFamily="2" charset="0"/>
             </a:endParaRPr>
           </a:p>
         </p:txBody>
@@ -5663,7 +5664,7 @@
                 <a:solidFill>
                   <a:sysClr val="windowText" lastClr="000000"/>
                 </a:solidFill>
-                <a:latin typeface="Quicksand" panose="00000500000000000000" pitchFamily="2" charset="0"/>
+                <a:latin typeface="Quicksand Light" panose="00000400000000000000" pitchFamily="2" charset="0"/>
               </a:rPr>
               <a:t>justify-content</a:t>
             </a:r>
@@ -5671,7 +5672,7 @@
               <a:solidFill>
                 <a:sysClr val="windowText" lastClr="000000"/>
               </a:solidFill>
-              <a:latin typeface="Quicksand" panose="00000500000000000000" pitchFamily="2" charset="0"/>
+              <a:latin typeface="Quicksand Light" panose="00000400000000000000" pitchFamily="2" charset="0"/>
             </a:endParaRPr>
           </a:p>
         </p:txBody>
@@ -5727,7 +5728,7 @@
                 <a:solidFill>
                   <a:sysClr val="windowText" lastClr="000000"/>
                 </a:solidFill>
-                <a:latin typeface="Quicksand" panose="00000500000000000000" pitchFamily="2" charset="0"/>
+                <a:latin typeface="Quicksand Light" panose="00000400000000000000" pitchFamily="2" charset="0"/>
               </a:rPr>
               <a:t>align-items</a:t>
             </a:r>
@@ -5735,7 +5736,7 @@
               <a:solidFill>
                 <a:sysClr val="windowText" lastClr="000000"/>
               </a:solidFill>
-              <a:latin typeface="Quicksand" panose="00000500000000000000" pitchFamily="2" charset="0"/>
+              <a:latin typeface="Quicksand Light" panose="00000400000000000000" pitchFamily="2" charset="0"/>
             </a:endParaRPr>
           </a:p>
         </p:txBody>
@@ -5791,7 +5792,7 @@
                 <a:solidFill>
                   <a:sysClr val="windowText" lastClr="000000"/>
                 </a:solidFill>
-                <a:latin typeface="Quicksand" panose="00000500000000000000" pitchFamily="2" charset="0"/>
+                <a:latin typeface="Quicksand Light" panose="00000400000000000000" pitchFamily="2" charset="0"/>
               </a:rPr>
               <a:t>flex-wrap</a:t>
             </a:r>
@@ -5799,7 +5800,7 @@
               <a:solidFill>
                 <a:sysClr val="windowText" lastClr="000000"/>
               </a:solidFill>
-              <a:latin typeface="Quicksand" panose="00000500000000000000" pitchFamily="2" charset="0"/>
+              <a:latin typeface="Quicksand Light" panose="00000400000000000000" pitchFamily="2" charset="0"/>
             </a:endParaRPr>
           </a:p>
         </p:txBody>
@@ -5855,7 +5856,7 @@
                 <a:solidFill>
                   <a:sysClr val="windowText" lastClr="000000"/>
                 </a:solidFill>
-                <a:latin typeface="Quicksand" panose="00000500000000000000" pitchFamily="2" charset="0"/>
+                <a:latin typeface="Quicksand Light" panose="00000400000000000000" pitchFamily="2" charset="0"/>
               </a:rPr>
               <a:t>gap</a:t>
             </a:r>
@@ -5863,7 +5864,7 @@
               <a:solidFill>
                 <a:sysClr val="windowText" lastClr="000000"/>
               </a:solidFill>
-              <a:latin typeface="Quicksand" panose="00000500000000000000" pitchFamily="2" charset="0"/>
+              <a:latin typeface="Quicksand Light" panose="00000400000000000000" pitchFamily="2" charset="0"/>
             </a:endParaRPr>
           </a:p>
         </p:txBody>
@@ -6013,7 +6014,7 @@
                 <a:solidFill>
                   <a:sysClr val="windowText" lastClr="000000"/>
                 </a:solidFill>
-                <a:latin typeface="Quicksand" panose="00000500000000000000" pitchFamily="2" charset="0"/>
+                <a:latin typeface="Quicksand Light" panose="00000400000000000000" pitchFamily="2" charset="0"/>
               </a:rPr>
               <a:t>flex-basis</a:t>
             </a:r>
@@ -6021,7 +6022,7 @@
               <a:solidFill>
                 <a:sysClr val="windowText" lastClr="000000"/>
               </a:solidFill>
-              <a:latin typeface="Quicksand" panose="00000500000000000000" pitchFamily="2" charset="0"/>
+              <a:latin typeface="Quicksand Light" panose="00000400000000000000" pitchFamily="2" charset="0"/>
             </a:endParaRPr>
           </a:p>
         </p:txBody>
@@ -6077,7 +6078,7 @@
                 <a:solidFill>
                   <a:sysClr val="windowText" lastClr="000000"/>
                 </a:solidFill>
-                <a:latin typeface="Quicksand" panose="00000500000000000000" pitchFamily="2" charset="0"/>
+                <a:latin typeface="Quicksand Light" panose="00000400000000000000" pitchFamily="2" charset="0"/>
               </a:rPr>
               <a:t>flex-grow</a:t>
             </a:r>
@@ -6085,7 +6086,7 @@
               <a:solidFill>
                 <a:sysClr val="windowText" lastClr="000000"/>
               </a:solidFill>
-              <a:latin typeface="Quicksand" panose="00000500000000000000" pitchFamily="2" charset="0"/>
+              <a:latin typeface="Quicksand Light" panose="00000400000000000000" pitchFamily="2" charset="0"/>
             </a:endParaRPr>
           </a:p>
         </p:txBody>
@@ -6141,7 +6142,7 @@
                 <a:solidFill>
                   <a:sysClr val="windowText" lastClr="000000"/>
                 </a:solidFill>
-                <a:latin typeface="Quicksand" panose="00000500000000000000" pitchFamily="2" charset="0"/>
+                <a:latin typeface="Quicksand Light" panose="00000400000000000000" pitchFamily="2" charset="0"/>
               </a:rPr>
               <a:t>flex-shrink</a:t>
             </a:r>
@@ -6149,7 +6150,7 @@
               <a:solidFill>
                 <a:sysClr val="windowText" lastClr="000000"/>
               </a:solidFill>
-              <a:latin typeface="Quicksand" panose="00000500000000000000" pitchFamily="2" charset="0"/>
+              <a:latin typeface="Quicksand Light" panose="00000400000000000000" pitchFamily="2" charset="0"/>
             </a:endParaRPr>
           </a:p>
         </p:txBody>
@@ -6205,7 +6206,7 @@
                 <a:solidFill>
                   <a:sysClr val="windowText" lastClr="000000"/>
                 </a:solidFill>
-                <a:latin typeface="Quicksand" panose="00000500000000000000" pitchFamily="2" charset="0"/>
+                <a:latin typeface="Quicksand Light" panose="00000400000000000000" pitchFamily="2" charset="0"/>
               </a:rPr>
               <a:t>order</a:t>
             </a:r>
@@ -6213,7 +6214,7 @@
               <a:solidFill>
                 <a:sysClr val="windowText" lastClr="000000"/>
               </a:solidFill>
-              <a:latin typeface="Quicksand" panose="00000500000000000000" pitchFamily="2" charset="0"/>
+              <a:latin typeface="Quicksand Light" panose="00000400000000000000" pitchFamily="2" charset="0"/>
             </a:endParaRPr>
           </a:p>
         </p:txBody>
@@ -6363,7 +6364,7 @@
                 <a:solidFill>
                   <a:sysClr val="windowText" lastClr="000000"/>
                 </a:solidFill>
-                <a:latin typeface="Quicksand" panose="00000500000000000000" pitchFamily="2" charset="0"/>
+                <a:latin typeface="Quicksand Light" panose="00000400000000000000" pitchFamily="2" charset="0"/>
               </a:rPr>
               <a:t>grid-template-columns</a:t>
             </a:r>
@@ -6371,7 +6372,7 @@
               <a:solidFill>
                 <a:sysClr val="windowText" lastClr="000000"/>
               </a:solidFill>
-              <a:latin typeface="Quicksand" panose="00000500000000000000" pitchFamily="2" charset="0"/>
+              <a:latin typeface="Quicksand Light" panose="00000400000000000000" pitchFamily="2" charset="0"/>
             </a:endParaRPr>
           </a:p>
         </p:txBody>
@@ -6427,7 +6428,7 @@
                 <a:solidFill>
                   <a:sysClr val="windowText" lastClr="000000"/>
                 </a:solidFill>
-                <a:latin typeface="Quicksand" panose="00000500000000000000" pitchFamily="2" charset="0"/>
+                <a:latin typeface="Quicksand Light" panose="00000400000000000000" pitchFamily="2" charset="0"/>
               </a:rPr>
               <a:t>grid-template-rows</a:t>
             </a:r>
@@ -6435,7 +6436,7 @@
               <a:solidFill>
                 <a:sysClr val="windowText" lastClr="000000"/>
               </a:solidFill>
-              <a:latin typeface="Quicksand" panose="00000500000000000000" pitchFamily="2" charset="0"/>
+              <a:latin typeface="Quicksand Light" panose="00000400000000000000" pitchFamily="2" charset="0"/>
             </a:endParaRPr>
           </a:p>
         </p:txBody>
@@ -6491,7 +6492,7 @@
                 <a:solidFill>
                   <a:sysClr val="windowText" lastClr="000000"/>
                 </a:solidFill>
-                <a:latin typeface="Quicksand" panose="00000500000000000000" pitchFamily="2" charset="0"/>
+                <a:latin typeface="Quicksand Light" panose="00000400000000000000" pitchFamily="2" charset="0"/>
               </a:rPr>
               <a:t>grid-template-areas</a:t>
             </a:r>
@@ -6499,7 +6500,7 @@
               <a:solidFill>
                 <a:sysClr val="windowText" lastClr="000000"/>
               </a:solidFill>
-              <a:latin typeface="Quicksand" panose="00000500000000000000" pitchFamily="2" charset="0"/>
+              <a:latin typeface="Quicksand Light" panose="00000400000000000000" pitchFamily="2" charset="0"/>
             </a:endParaRPr>
           </a:p>
         </p:txBody>
@@ -6555,7 +6556,7 @@
                 <a:solidFill>
                   <a:sysClr val="windowText" lastClr="000000"/>
                 </a:solidFill>
-                <a:latin typeface="Quicksand" panose="00000500000000000000" pitchFamily="2" charset="0"/>
+                <a:latin typeface="Quicksand Light" panose="00000400000000000000" pitchFamily="2" charset="0"/>
               </a:rPr>
               <a:t>order</a:t>
             </a:r>
@@ -6563,7 +6564,7 @@
               <a:solidFill>
                 <a:sysClr val="windowText" lastClr="000000"/>
               </a:solidFill>
-              <a:latin typeface="Quicksand" panose="00000500000000000000" pitchFamily="2" charset="0"/>
+              <a:latin typeface="Quicksand Light" panose="00000400000000000000" pitchFamily="2" charset="0"/>
             </a:endParaRPr>
           </a:p>
         </p:txBody>
@@ -7986,7 +7987,13 @@
   <p:cSld>
     <p:spTree>
       <p:nvGrpSpPr>
-        <p:cNvPr id="1" name=""/>
+        <p:cNvPr id="1" name="">
+          <a:extLst>
+            <a:ext uri="{FF2B5EF4-FFF2-40B4-BE49-F238E27FC236}">
+              <a16:creationId xmlns:a16="http://schemas.microsoft.com/office/drawing/2014/main" id="{A8BF9F13-DBAB-685B-D1B5-961E77B63E49}"/>
+            </a:ext>
+          </a:extLst>
+        </p:cNvPr>
         <p:cNvGrpSpPr/>
         <p:nvPr/>
       </p:nvGrpSpPr>
@@ -8000,10 +8007,10 @@
       </p:grpSpPr>
       <p:sp>
         <p:nvSpPr>
-          <p:cNvPr id="2" name="Rectangle 1">
-            <a:extLst>
-              <a:ext uri="{FF2B5EF4-FFF2-40B4-BE49-F238E27FC236}">
-                <a16:creationId xmlns:a16="http://schemas.microsoft.com/office/drawing/2014/main" id="{A24F91BB-348B-06D0-B374-47FB2A5928F0}"/>
+          <p:cNvPr id="7" name="矩形: 圆角 6">
+            <a:extLst>
+              <a:ext uri="{FF2B5EF4-FFF2-40B4-BE49-F238E27FC236}">
+                <a16:creationId xmlns:a16="http://schemas.microsoft.com/office/drawing/2014/main" id="{F868E4CC-F7F1-EB0B-6B78-C083E5CFDD16}"/>
               </a:ext>
             </a:extLst>
           </p:cNvPr>
@@ -8012,18 +8019,16 @@
         </p:nvSpPr>
         <p:spPr>
           <a:xfrm>
-            <a:off x="3757723" y="1589964"/>
-            <a:ext cx="3600000" cy="2160000"/>
-          </a:xfrm>
-          <a:prstGeom prst="rect">
+            <a:off x="4988680" y="2003300"/>
+            <a:ext cx="900000" cy="216000"/>
+          </a:xfrm>
+          <a:prstGeom prst="roundRect">
             <a:avLst/>
           </a:prstGeom>
           <a:solidFill>
-            <a:schemeClr val="bg1">
-              <a:lumMod val="95000"/>
-            </a:schemeClr>
+            <a:srgbClr val="F9423A"/>
           </a:solidFill>
-          <a:ln>
+          <a:ln w="12700">
             <a:noFill/>
           </a:ln>
         </p:spPr>
@@ -8049,35 +8054,23 @@
           <a:p>
             <a:pPr algn="ctr"/>
             <a:r>
-              <a:rPr lang="en-US" altLang="zh-CN" sz="1200">
-                <a:solidFill>
-                  <a:schemeClr val="accent6">
-                    <a:lumMod val="75000"/>
-                  </a:schemeClr>
-                </a:solidFill>
-                <a:latin typeface="Poppins" panose="00000500000000000000" pitchFamily="2" charset="0"/>
-                <a:cs typeface="Poppins" panose="00000500000000000000" pitchFamily="2" charset="0"/>
+              <a:rPr lang="en-US" altLang="zh-CN" sz="800">
+                <a:latin typeface="Quicksand Light" panose="00000400000000000000" pitchFamily="2" charset="0"/>
               </a:rPr>
-              <a:t>Animation zone</a:t>
-            </a:r>
-            <a:endParaRPr lang="zh-CN" altLang="en-US" sz="1200">
-              <a:solidFill>
-                <a:schemeClr val="accent6">
-                  <a:lumMod val="75000"/>
-                </a:schemeClr>
-              </a:solidFill>
-              <a:latin typeface="Poppins" panose="00000500000000000000" pitchFamily="2" charset="0"/>
-              <a:cs typeface="Poppins" panose="00000500000000000000" pitchFamily="2" charset="0"/>
+              <a:t>href</a:t>
+            </a:r>
+            <a:endParaRPr lang="zh-CN" altLang="en-US" sz="800">
+              <a:latin typeface="Quicksand Light" panose="00000400000000000000" pitchFamily="2" charset="0"/>
             </a:endParaRPr>
           </a:p>
         </p:txBody>
       </p:sp>
       <p:sp>
         <p:nvSpPr>
-          <p:cNvPr id="3" name="Rectangle 2">
-            <a:extLst>
-              <a:ext uri="{FF2B5EF4-FFF2-40B4-BE49-F238E27FC236}">
-                <a16:creationId xmlns:a16="http://schemas.microsoft.com/office/drawing/2014/main" id="{C01DB03E-0DC7-CCD6-56FB-5BD61B31D643}"/>
+          <p:cNvPr id="25" name="矩形: 圆角 24">
+            <a:extLst>
+              <a:ext uri="{FF2B5EF4-FFF2-40B4-BE49-F238E27FC236}">
+                <a16:creationId xmlns:a16="http://schemas.microsoft.com/office/drawing/2014/main" id="{B57BAADA-647B-0026-713C-19D98348E920}"/>
               </a:ext>
             </a:extLst>
           </p:cNvPr>
@@ -8086,16 +8079,14 @@
         </p:nvSpPr>
         <p:spPr>
           <a:xfrm>
-            <a:off x="3757723" y="1589964"/>
-            <a:ext cx="3600000" cy="711802"/>
-          </a:xfrm>
-          <a:prstGeom prst="rect">
-            <a:avLst/>
-          </a:prstGeom>
-          <a:solidFill>
-            <a:srgbClr val="92D050"/>
-          </a:solidFill>
-          <a:ln>
+            <a:off x="7126880" y="1607300"/>
+            <a:ext cx="792000" cy="216000"/>
+          </a:xfrm>
+          <a:prstGeom prst="roundRect">
+            <a:avLst/>
+          </a:prstGeom>
+          <a:noFill/>
+          <a:ln w="12700">
             <a:noFill/>
           </a:ln>
         </p:spPr>
@@ -8116,29 +8107,34 @@
           </a:fontRef>
         </p:style>
         <p:txBody>
-          <a:bodyPr rtlCol="0" anchor="b" anchorCtr="0"/>
+          <a:bodyPr rtlCol="0" anchor="ctr"/>
           <a:lstStyle/>
           <a:p>
+            <a:pPr algn="just"/>
             <a:r>
               <a:rPr lang="en-US" altLang="zh-CN" sz="800">
-                <a:latin typeface="Poppins" panose="00000500000000000000" pitchFamily="2" charset="0"/>
-                <a:cs typeface="Poppins" panose="00000500000000000000" pitchFamily="2" charset="0"/>
+                <a:solidFill>
+                  <a:schemeClr val="tx1"/>
+                </a:solidFill>
+                <a:latin typeface="Quicksand Light" panose="00000400000000000000" pitchFamily="2" charset="0"/>
               </a:rPr>
-              <a:t>start</a:t>
+              <a:t>html</a:t>
             </a:r>
             <a:endParaRPr lang="zh-CN" altLang="en-US" sz="800">
-              <a:latin typeface="Poppins" panose="00000500000000000000" pitchFamily="2" charset="0"/>
-              <a:cs typeface="Poppins" panose="00000500000000000000" pitchFamily="2" charset="0"/>
+              <a:solidFill>
+                <a:schemeClr val="tx1"/>
+              </a:solidFill>
+              <a:latin typeface="Quicksand Light" panose="00000400000000000000" pitchFamily="2" charset="0"/>
             </a:endParaRPr>
           </a:p>
         </p:txBody>
       </p:sp>
       <p:sp>
         <p:nvSpPr>
-          <p:cNvPr id="4" name="Rectangle 3">
-            <a:extLst>
-              <a:ext uri="{FF2B5EF4-FFF2-40B4-BE49-F238E27FC236}">
-                <a16:creationId xmlns:a16="http://schemas.microsoft.com/office/drawing/2014/main" id="{65F99D6D-D34F-E3B4-BD58-06E8A76280E8}"/>
+          <p:cNvPr id="26" name="矩形: 圆角 25">
+            <a:extLst>
+              <a:ext uri="{FF2B5EF4-FFF2-40B4-BE49-F238E27FC236}">
+                <a16:creationId xmlns:a16="http://schemas.microsoft.com/office/drawing/2014/main" id="{4BA830DB-8C10-2D47-A591-B5A8B816B0B1}"/>
               </a:ext>
             </a:extLst>
           </p:cNvPr>
@@ -8147,16 +8143,16 @@
         </p:nvSpPr>
         <p:spPr>
           <a:xfrm>
-            <a:off x="3757723" y="3342290"/>
-            <a:ext cx="3600000" cy="407674"/>
-          </a:xfrm>
-          <a:prstGeom prst="rect">
+            <a:off x="6057780" y="2003300"/>
+            <a:ext cx="900000" cy="216000"/>
+          </a:xfrm>
+          <a:prstGeom prst="roundRect">
             <a:avLst/>
           </a:prstGeom>
           <a:solidFill>
-            <a:srgbClr val="92D050"/>
+            <a:srgbClr val="FDB8B5"/>
           </a:solidFill>
-          <a:ln>
+          <a:ln w="12700">
             <a:noFill/>
           </a:ln>
         </p:spPr>
@@ -8177,50 +8173,460 @@
           </a:fontRef>
         </p:style>
         <p:txBody>
-          <a:bodyPr rtlCol="0" anchor="t" anchorCtr="0"/>
+          <a:bodyPr rtlCol="0" anchor="ctr"/>
           <a:lstStyle/>
           <a:p>
+            <a:pPr algn="ctr"/>
             <a:r>
               <a:rPr lang="en-US" altLang="zh-CN" sz="800">
-                <a:latin typeface="Poppins" panose="00000500000000000000" pitchFamily="2" charset="0"/>
-                <a:cs typeface="Poppins" panose="00000500000000000000" pitchFamily="2" charset="0"/>
+                <a:solidFill>
+                  <a:sysClr val="windowText" lastClr="000000"/>
+                </a:solidFill>
+                <a:latin typeface="Quicksand Light" panose="00000400000000000000" pitchFamily="2" charset="0"/>
               </a:rPr>
-              <a:t>end</a:t>
+              <a:t>URL</a:t>
             </a:r>
             <a:endParaRPr lang="zh-CN" altLang="en-US" sz="800">
-              <a:latin typeface="Poppins" panose="00000500000000000000" pitchFamily="2" charset="0"/>
-              <a:cs typeface="Poppins" panose="00000500000000000000" pitchFamily="2" charset="0"/>
+              <a:solidFill>
+                <a:sysClr val="windowText" lastClr="000000"/>
+              </a:solidFill>
+              <a:latin typeface="Quicksand Light" panose="00000400000000000000" pitchFamily="2" charset="0"/>
             </a:endParaRPr>
           </a:p>
         </p:txBody>
       </p:sp>
       <p:cxnSp>
         <p:nvCxnSpPr>
-          <p:cNvPr id="6" name="Straight Arrow Connector 5">
-            <a:extLst>
-              <a:ext uri="{FF2B5EF4-FFF2-40B4-BE49-F238E27FC236}">
-                <a16:creationId xmlns:a16="http://schemas.microsoft.com/office/drawing/2014/main" id="{4EDDBF91-1C20-1884-F1E1-72ACC7AD03D8}"/>
+          <p:cNvPr id="28" name="连接符: 曲线 27">
+            <a:extLst>
+              <a:ext uri="{FF2B5EF4-FFF2-40B4-BE49-F238E27FC236}">
+                <a16:creationId xmlns:a16="http://schemas.microsoft.com/office/drawing/2014/main" id="{02ED209C-345D-4F5F-AAB7-CA706FBCA778}"/>
               </a:ext>
             </a:extLst>
           </p:cNvPr>
           <p:cNvCxnSpPr>
             <a:cxnSpLocks/>
+            <a:stCxn id="26" idx="3"/>
+            <a:endCxn id="25" idx="1"/>
           </p:cNvCxnSpPr>
           <p:nvPr/>
         </p:nvCxnSpPr>
         <p:spPr>
-          <a:xfrm>
-            <a:off x="4126023" y="1589964"/>
-            <a:ext cx="0" cy="711802"/>
-          </a:xfrm>
-          <a:prstGeom prst="straightConnector1">
+          <a:xfrm flipV="1">
+            <a:off x="6957780" y="1715300"/>
+            <a:ext cx="169100" cy="396000"/>
+          </a:xfrm>
+          <a:prstGeom prst="curvedConnector3">
             <a:avLst/>
           </a:prstGeom>
           <a:ln>
             <a:solidFill>
-              <a:schemeClr val="bg1"/>
+              <a:srgbClr val="FA554E"/>
             </a:solidFill>
-            <a:tailEnd type="triangle"/>
+          </a:ln>
+        </p:spPr>
+        <p:style>
+          <a:lnRef idx="1">
+            <a:schemeClr val="accent1"/>
+          </a:lnRef>
+          <a:fillRef idx="0">
+            <a:schemeClr val="accent1"/>
+          </a:fillRef>
+          <a:effectRef idx="0">
+            <a:schemeClr val="accent1"/>
+          </a:effectRef>
+          <a:fontRef idx="minor">
+            <a:schemeClr val="tx1"/>
+          </a:fontRef>
+        </p:style>
+      </p:cxnSp>
+      <p:sp>
+        <p:nvSpPr>
+          <p:cNvPr id="108" name="矩形: 圆角 107">
+            <a:extLst>
+              <a:ext uri="{FF2B5EF4-FFF2-40B4-BE49-F238E27FC236}">
+                <a16:creationId xmlns:a16="http://schemas.microsoft.com/office/drawing/2014/main" id="{90AF6EF7-53CF-A524-331E-456686B2C086}"/>
+              </a:ext>
+            </a:extLst>
+          </p:cNvPr>
+          <p:cNvSpPr/>
+          <p:nvPr/>
+        </p:nvSpPr>
+        <p:spPr>
+          <a:xfrm>
+            <a:off x="7126880" y="2399300"/>
+            <a:ext cx="792000" cy="216000"/>
+          </a:xfrm>
+          <a:prstGeom prst="roundRect">
+            <a:avLst/>
+          </a:prstGeom>
+          <a:noFill/>
+          <a:ln w="12700">
+            <a:noFill/>
+          </a:ln>
+        </p:spPr>
+        <p:style>
+          <a:lnRef idx="2">
+            <a:schemeClr val="accent1">
+              <a:shade val="15000"/>
+            </a:schemeClr>
+          </a:lnRef>
+          <a:fillRef idx="1">
+            <a:schemeClr val="accent1"/>
+          </a:fillRef>
+          <a:effectRef idx="0">
+            <a:schemeClr val="accent1"/>
+          </a:effectRef>
+          <a:fontRef idx="minor">
+            <a:schemeClr val="lt1"/>
+          </a:fontRef>
+        </p:style>
+        <p:txBody>
+          <a:bodyPr rtlCol="0" anchor="ctr"/>
+          <a:lstStyle/>
+          <a:p>
+            <a:pPr algn="just"/>
+            <a:r>
+              <a:rPr lang="en-US" altLang="zh-CN" sz="800">
+                <a:solidFill>
+                  <a:schemeClr val="tx1"/>
+                </a:solidFill>
+                <a:latin typeface="Quicksand Light" panose="00000400000000000000" pitchFamily="2" charset="0"/>
+              </a:rPr>
+              <a:t>multimedia</a:t>
+            </a:r>
+            <a:endParaRPr lang="zh-CN" altLang="en-US" sz="800">
+              <a:solidFill>
+                <a:schemeClr val="tx1"/>
+              </a:solidFill>
+              <a:latin typeface="Quicksand Light" panose="00000400000000000000" pitchFamily="2" charset="0"/>
+            </a:endParaRPr>
+          </a:p>
+        </p:txBody>
+      </p:sp>
+      <p:cxnSp>
+        <p:nvCxnSpPr>
+          <p:cNvPr id="121" name="连接符: 曲线 120">
+            <a:extLst>
+              <a:ext uri="{FF2B5EF4-FFF2-40B4-BE49-F238E27FC236}">
+                <a16:creationId xmlns:a16="http://schemas.microsoft.com/office/drawing/2014/main" id="{BA119F6E-0FAD-DF64-6D44-09811AB9893A}"/>
+              </a:ext>
+            </a:extLst>
+          </p:cNvPr>
+          <p:cNvCxnSpPr>
+            <a:cxnSpLocks/>
+            <a:stCxn id="26" idx="3"/>
+            <a:endCxn id="108" idx="1"/>
+          </p:cNvCxnSpPr>
+          <p:nvPr/>
+        </p:nvCxnSpPr>
+        <p:spPr>
+          <a:xfrm>
+            <a:off x="6957780" y="2111300"/>
+            <a:ext cx="169100" cy="396000"/>
+          </a:xfrm>
+          <a:prstGeom prst="curvedConnector3">
+            <a:avLst>
+              <a:gd name="adj1" fmla="val 50000"/>
+            </a:avLst>
+          </a:prstGeom>
+          <a:ln>
+            <a:solidFill>
+              <a:srgbClr val="FA554E"/>
+            </a:solidFill>
+          </a:ln>
+        </p:spPr>
+        <p:style>
+          <a:lnRef idx="1">
+            <a:schemeClr val="accent1"/>
+          </a:lnRef>
+          <a:fillRef idx="0">
+            <a:schemeClr val="accent1"/>
+          </a:fillRef>
+          <a:effectRef idx="0">
+            <a:schemeClr val="accent1"/>
+          </a:effectRef>
+          <a:fontRef idx="minor">
+            <a:schemeClr val="tx1"/>
+          </a:fontRef>
+        </p:style>
+      </p:cxnSp>
+      <p:sp>
+        <p:nvSpPr>
+          <p:cNvPr id="2" name="矩形: 圆角 1">
+            <a:extLst>
+              <a:ext uri="{FF2B5EF4-FFF2-40B4-BE49-F238E27FC236}">
+                <a16:creationId xmlns:a16="http://schemas.microsoft.com/office/drawing/2014/main" id="{94E736D0-484B-E0CA-ACC9-FB4F83E60EB2}"/>
+              </a:ext>
+            </a:extLst>
+          </p:cNvPr>
+          <p:cNvSpPr/>
+          <p:nvPr/>
+        </p:nvSpPr>
+        <p:spPr>
+          <a:xfrm>
+            <a:off x="7126880" y="1871300"/>
+            <a:ext cx="792000" cy="216000"/>
+          </a:xfrm>
+          <a:prstGeom prst="roundRect">
+            <a:avLst/>
+          </a:prstGeom>
+          <a:noFill/>
+          <a:ln w="12700">
+            <a:noFill/>
+          </a:ln>
+        </p:spPr>
+        <p:style>
+          <a:lnRef idx="2">
+            <a:schemeClr val="accent1">
+              <a:shade val="15000"/>
+            </a:schemeClr>
+          </a:lnRef>
+          <a:fillRef idx="1">
+            <a:schemeClr val="accent1"/>
+          </a:fillRef>
+          <a:effectRef idx="0">
+            <a:schemeClr val="accent1"/>
+          </a:effectRef>
+          <a:fontRef idx="minor">
+            <a:schemeClr val="lt1"/>
+          </a:fontRef>
+        </p:style>
+        <p:txBody>
+          <a:bodyPr rtlCol="0" anchor="ctr"/>
+          <a:lstStyle/>
+          <a:p>
+            <a:pPr algn="just"/>
+            <a:r>
+              <a:rPr lang="en-US" altLang="zh-CN" sz="800">
+                <a:solidFill>
+                  <a:schemeClr val="tx1"/>
+                </a:solidFill>
+                <a:latin typeface="Quicksand Light" panose="00000400000000000000" pitchFamily="2" charset="0"/>
+              </a:rPr>
+              <a:t>image</a:t>
+            </a:r>
+            <a:endParaRPr lang="zh-CN" altLang="en-US" sz="800">
+              <a:solidFill>
+                <a:schemeClr val="tx1"/>
+              </a:solidFill>
+              <a:latin typeface="Quicksand Light" panose="00000400000000000000" pitchFamily="2" charset="0"/>
+            </a:endParaRPr>
+          </a:p>
+        </p:txBody>
+      </p:sp>
+      <p:sp>
+        <p:nvSpPr>
+          <p:cNvPr id="5" name="矩形: 圆角 4">
+            <a:extLst>
+              <a:ext uri="{FF2B5EF4-FFF2-40B4-BE49-F238E27FC236}">
+                <a16:creationId xmlns:a16="http://schemas.microsoft.com/office/drawing/2014/main" id="{4566CF62-4ABB-8C46-F1F1-DF9BBE08EB5C}"/>
+              </a:ext>
+            </a:extLst>
+          </p:cNvPr>
+          <p:cNvSpPr/>
+          <p:nvPr/>
+        </p:nvSpPr>
+        <p:spPr>
+          <a:xfrm>
+            <a:off x="7126880" y="2135300"/>
+            <a:ext cx="792000" cy="216000"/>
+          </a:xfrm>
+          <a:prstGeom prst="roundRect">
+            <a:avLst/>
+          </a:prstGeom>
+          <a:noFill/>
+          <a:ln w="12700">
+            <a:noFill/>
+          </a:ln>
+        </p:spPr>
+        <p:style>
+          <a:lnRef idx="2">
+            <a:schemeClr val="accent1">
+              <a:shade val="15000"/>
+            </a:schemeClr>
+          </a:lnRef>
+          <a:fillRef idx="1">
+            <a:schemeClr val="accent1"/>
+          </a:fillRef>
+          <a:effectRef idx="0">
+            <a:schemeClr val="accent1"/>
+          </a:effectRef>
+          <a:fontRef idx="minor">
+            <a:schemeClr val="lt1"/>
+          </a:fontRef>
+        </p:style>
+        <p:txBody>
+          <a:bodyPr rtlCol="0" anchor="ctr"/>
+          <a:lstStyle/>
+          <a:p>
+            <a:pPr algn="just"/>
+            <a:r>
+              <a:rPr lang="en-US" altLang="zh-CN" sz="800">
+                <a:solidFill>
+                  <a:schemeClr val="tx1"/>
+                </a:solidFill>
+                <a:latin typeface="Quicksand Light" panose="00000400000000000000" pitchFamily="2" charset="0"/>
+              </a:rPr>
+              <a:t>document</a:t>
+            </a:r>
+            <a:endParaRPr lang="zh-CN" altLang="en-US" sz="800">
+              <a:solidFill>
+                <a:schemeClr val="tx1"/>
+              </a:solidFill>
+              <a:latin typeface="Quicksand Light" panose="00000400000000000000" pitchFamily="2" charset="0"/>
+            </a:endParaRPr>
+          </a:p>
+        </p:txBody>
+      </p:sp>
+      <p:sp>
+        <p:nvSpPr>
+          <p:cNvPr id="3" name="矩形: 圆角 2">
+            <a:extLst>
+              <a:ext uri="{FF2B5EF4-FFF2-40B4-BE49-F238E27FC236}">
+                <a16:creationId xmlns:a16="http://schemas.microsoft.com/office/drawing/2014/main" id="{5700F627-A64C-E1BB-E92B-BB2800C93682}"/>
+              </a:ext>
+            </a:extLst>
+          </p:cNvPr>
+          <p:cNvSpPr/>
+          <p:nvPr/>
+        </p:nvSpPr>
+        <p:spPr>
+          <a:xfrm>
+            <a:off x="3927709" y="2716150"/>
+            <a:ext cx="900000" cy="216000"/>
+          </a:xfrm>
+          <a:prstGeom prst="roundRect">
+            <a:avLst/>
+          </a:prstGeom>
+          <a:solidFill>
+            <a:schemeClr val="tx1"/>
+          </a:solidFill>
+          <a:ln w="12700">
+            <a:noFill/>
+          </a:ln>
+        </p:spPr>
+        <p:style>
+          <a:lnRef idx="2">
+            <a:schemeClr val="accent1">
+              <a:shade val="15000"/>
+            </a:schemeClr>
+          </a:lnRef>
+          <a:fillRef idx="1">
+            <a:schemeClr val="accent1"/>
+          </a:fillRef>
+          <a:effectRef idx="0">
+            <a:schemeClr val="accent1"/>
+          </a:effectRef>
+          <a:fontRef idx="minor">
+            <a:schemeClr val="lt1"/>
+          </a:fontRef>
+        </p:style>
+        <p:txBody>
+          <a:bodyPr rtlCol="0" anchor="ctr"/>
+          <a:lstStyle/>
+          <a:p>
+            <a:pPr algn="ctr"/>
+            <a:r>
+              <a:rPr lang="en-US" altLang="zh-CN" sz="800">
+                <a:latin typeface="Quicksand Light" panose="00000400000000000000" pitchFamily="2" charset="0"/>
+              </a:rPr>
+              <a:t>&lt;a&gt;</a:t>
+            </a:r>
+            <a:endParaRPr lang="zh-CN" altLang="en-US" sz="800">
+              <a:latin typeface="Quicksand Light" panose="00000400000000000000" pitchFamily="2" charset="0"/>
+            </a:endParaRPr>
+          </a:p>
+        </p:txBody>
+      </p:sp>
+      <p:sp>
+        <p:nvSpPr>
+          <p:cNvPr id="4" name="矩形: 圆角 3">
+            <a:extLst>
+              <a:ext uri="{FF2B5EF4-FFF2-40B4-BE49-F238E27FC236}">
+                <a16:creationId xmlns:a16="http://schemas.microsoft.com/office/drawing/2014/main" id="{0B33C22E-5A27-D8B0-69FB-D8E7042F698A}"/>
+              </a:ext>
+            </a:extLst>
+          </p:cNvPr>
+          <p:cNvSpPr/>
+          <p:nvPr/>
+        </p:nvSpPr>
+        <p:spPr>
+          <a:xfrm>
+            <a:off x="4988679" y="3458550"/>
+            <a:ext cx="900000" cy="216000"/>
+          </a:xfrm>
+          <a:prstGeom prst="roundRect">
+            <a:avLst/>
+          </a:prstGeom>
+          <a:solidFill>
+            <a:srgbClr val="20BF6B"/>
+          </a:solidFill>
+          <a:ln w="12700">
+            <a:noFill/>
+          </a:ln>
+        </p:spPr>
+        <p:style>
+          <a:lnRef idx="2">
+            <a:schemeClr val="accent1">
+              <a:shade val="15000"/>
+            </a:schemeClr>
+          </a:lnRef>
+          <a:fillRef idx="1">
+            <a:schemeClr val="accent1"/>
+          </a:fillRef>
+          <a:effectRef idx="0">
+            <a:schemeClr val="accent1"/>
+          </a:effectRef>
+          <a:fontRef idx="minor">
+            <a:schemeClr val="lt1"/>
+          </a:fontRef>
+        </p:style>
+        <p:txBody>
+          <a:bodyPr rtlCol="0" anchor="ctr"/>
+          <a:lstStyle/>
+          <a:p>
+            <a:pPr algn="ctr"/>
+            <a:r>
+              <a:rPr lang="en-US" altLang="zh-CN" sz="800">
+                <a:latin typeface="Quicksand Light" panose="00000400000000000000" pitchFamily="2" charset="0"/>
+              </a:rPr>
+              <a:t>target</a:t>
+            </a:r>
+            <a:endParaRPr lang="zh-CN" altLang="en-US" sz="800">
+              <a:latin typeface="Quicksand Light" panose="00000400000000000000" pitchFamily="2" charset="0"/>
+            </a:endParaRPr>
+          </a:p>
+        </p:txBody>
+      </p:sp>
+      <p:cxnSp>
+        <p:nvCxnSpPr>
+          <p:cNvPr id="6" name="连接符: 曲线 5">
+            <a:extLst>
+              <a:ext uri="{FF2B5EF4-FFF2-40B4-BE49-F238E27FC236}">
+                <a16:creationId xmlns:a16="http://schemas.microsoft.com/office/drawing/2014/main" id="{988A9D9D-B0C5-3301-4A7E-5991653E9741}"/>
+              </a:ext>
+            </a:extLst>
+          </p:cNvPr>
+          <p:cNvCxnSpPr>
+            <a:cxnSpLocks/>
+            <a:stCxn id="3" idx="3"/>
+            <a:endCxn id="7" idx="1"/>
+          </p:cNvCxnSpPr>
+          <p:nvPr/>
+        </p:nvCxnSpPr>
+        <p:spPr>
+          <a:xfrm flipV="1">
+            <a:off x="4827709" y="2111300"/>
+            <a:ext cx="160971" cy="712850"/>
+          </a:xfrm>
+          <a:prstGeom prst="curvedConnector3">
+            <a:avLst/>
+          </a:prstGeom>
+          <a:ln>
+            <a:solidFill>
+              <a:srgbClr val="FA554E"/>
+            </a:solidFill>
           </a:ln>
         </p:spPr>
         <p:style>
@@ -8240,31 +8646,520 @@
       </p:cxnSp>
       <p:cxnSp>
         <p:nvCxnSpPr>
-          <p:cNvPr id="8" name="Straight Arrow Connector 7">
-            <a:extLst>
-              <a:ext uri="{FF2B5EF4-FFF2-40B4-BE49-F238E27FC236}">
-                <a16:creationId xmlns:a16="http://schemas.microsoft.com/office/drawing/2014/main" id="{9D05E6DD-B191-1792-8698-813C50F10AD1}"/>
+          <p:cNvPr id="13" name="连接符: 曲线 12">
+            <a:extLst>
+              <a:ext uri="{FF2B5EF4-FFF2-40B4-BE49-F238E27FC236}">
+                <a16:creationId xmlns:a16="http://schemas.microsoft.com/office/drawing/2014/main" id="{2367766C-CC35-B272-7FB8-E59515D169D3}"/>
               </a:ext>
             </a:extLst>
           </p:cNvPr>
           <p:cNvCxnSpPr>
             <a:cxnSpLocks/>
+            <a:stCxn id="3" idx="3"/>
+            <a:endCxn id="4" idx="1"/>
           </p:cNvCxnSpPr>
           <p:nvPr/>
         </p:nvCxnSpPr>
         <p:spPr>
-          <a:xfrm flipV="1">
-            <a:off x="4126023" y="3342290"/>
-            <a:ext cx="0" cy="407674"/>
-          </a:xfrm>
-          <a:prstGeom prst="straightConnector1">
+          <a:xfrm>
+            <a:off x="4827709" y="2824150"/>
+            <a:ext cx="160970" cy="742400"/>
+          </a:xfrm>
+          <a:prstGeom prst="curvedConnector3">
             <a:avLst/>
           </a:prstGeom>
           <a:ln>
             <a:solidFill>
-              <a:schemeClr val="bg1"/>
+              <a:srgbClr val="20BF6B"/>
             </a:solidFill>
-            <a:tailEnd type="triangle"/>
+          </a:ln>
+        </p:spPr>
+        <p:style>
+          <a:lnRef idx="1">
+            <a:schemeClr val="accent1"/>
+          </a:lnRef>
+          <a:fillRef idx="0">
+            <a:schemeClr val="accent1"/>
+          </a:fillRef>
+          <a:effectRef idx="0">
+            <a:schemeClr val="accent1"/>
+          </a:effectRef>
+          <a:fontRef idx="minor">
+            <a:schemeClr val="tx1"/>
+          </a:fontRef>
+        </p:style>
+      </p:cxnSp>
+      <p:sp>
+        <p:nvSpPr>
+          <p:cNvPr id="9" name="矩形: 圆角 8">
+            <a:extLst>
+              <a:ext uri="{FF2B5EF4-FFF2-40B4-BE49-F238E27FC236}">
+                <a16:creationId xmlns:a16="http://schemas.microsoft.com/office/drawing/2014/main" id="{58B48571-E03E-32ED-08C4-56450543AAF0}"/>
+              </a:ext>
+            </a:extLst>
+          </p:cNvPr>
+          <p:cNvSpPr/>
+          <p:nvPr/>
+        </p:nvSpPr>
+        <p:spPr>
+          <a:xfrm>
+            <a:off x="6049650" y="3326550"/>
+            <a:ext cx="900000" cy="216000"/>
+          </a:xfrm>
+          <a:prstGeom prst="roundRect">
+            <a:avLst/>
+          </a:prstGeom>
+          <a:solidFill>
+            <a:srgbClr val="CCF2E5"/>
+          </a:solidFill>
+          <a:ln w="12700">
+            <a:noFill/>
+          </a:ln>
+        </p:spPr>
+        <p:style>
+          <a:lnRef idx="2">
+            <a:schemeClr val="accent1">
+              <a:shade val="15000"/>
+            </a:schemeClr>
+          </a:lnRef>
+          <a:fillRef idx="1">
+            <a:schemeClr val="accent1"/>
+          </a:fillRef>
+          <a:effectRef idx="0">
+            <a:schemeClr val="accent1"/>
+          </a:effectRef>
+          <a:fontRef idx="minor">
+            <a:schemeClr val="lt1"/>
+          </a:fontRef>
+        </p:style>
+        <p:txBody>
+          <a:bodyPr rtlCol="0" anchor="ctr"/>
+          <a:lstStyle/>
+          <a:p>
+            <a:pPr algn="ctr"/>
+            <a:r>
+              <a:rPr lang="en-US" altLang="zh-CN" sz="800">
+                <a:solidFill>
+                  <a:sysClr val="windowText" lastClr="000000"/>
+                </a:solidFill>
+                <a:latin typeface="Quicksand Light" panose="00000400000000000000" pitchFamily="2" charset="0"/>
+              </a:rPr>
+              <a:t>_self</a:t>
+            </a:r>
+            <a:endParaRPr lang="zh-CN" altLang="en-US" sz="800">
+              <a:solidFill>
+                <a:sysClr val="windowText" lastClr="000000"/>
+              </a:solidFill>
+              <a:latin typeface="Quicksand Light" panose="00000400000000000000" pitchFamily="2" charset="0"/>
+            </a:endParaRPr>
+          </a:p>
+        </p:txBody>
+      </p:sp>
+      <p:sp>
+        <p:nvSpPr>
+          <p:cNvPr id="14" name="矩形: 圆角 13">
+            <a:extLst>
+              <a:ext uri="{FF2B5EF4-FFF2-40B4-BE49-F238E27FC236}">
+                <a16:creationId xmlns:a16="http://schemas.microsoft.com/office/drawing/2014/main" id="{66DEF6C5-2681-D90B-F652-E91E85D8331F}"/>
+              </a:ext>
+            </a:extLst>
+          </p:cNvPr>
+          <p:cNvSpPr/>
+          <p:nvPr/>
+        </p:nvSpPr>
+        <p:spPr>
+          <a:xfrm>
+            <a:off x="6049650" y="3590550"/>
+            <a:ext cx="900000" cy="216000"/>
+          </a:xfrm>
+          <a:prstGeom prst="roundRect">
+            <a:avLst/>
+          </a:prstGeom>
+          <a:solidFill>
+            <a:srgbClr val="CCF2E5"/>
+          </a:solidFill>
+          <a:ln w="12700">
+            <a:noFill/>
+          </a:ln>
+        </p:spPr>
+        <p:style>
+          <a:lnRef idx="2">
+            <a:schemeClr val="accent1">
+              <a:shade val="15000"/>
+            </a:schemeClr>
+          </a:lnRef>
+          <a:fillRef idx="1">
+            <a:schemeClr val="accent1"/>
+          </a:fillRef>
+          <a:effectRef idx="0">
+            <a:schemeClr val="accent1"/>
+          </a:effectRef>
+          <a:fontRef idx="minor">
+            <a:schemeClr val="lt1"/>
+          </a:fontRef>
+        </p:style>
+        <p:txBody>
+          <a:bodyPr rtlCol="0" anchor="ctr"/>
+          <a:lstStyle/>
+          <a:p>
+            <a:pPr algn="ctr"/>
+            <a:r>
+              <a:rPr lang="en-US" altLang="zh-CN" sz="800">
+                <a:solidFill>
+                  <a:sysClr val="windowText" lastClr="000000"/>
+                </a:solidFill>
+                <a:latin typeface="Quicksand Light" panose="00000400000000000000" pitchFamily="2" charset="0"/>
+              </a:rPr>
+              <a:t>_blank</a:t>
+            </a:r>
+            <a:endParaRPr lang="zh-CN" altLang="en-US" sz="800">
+              <a:solidFill>
+                <a:sysClr val="windowText" lastClr="000000"/>
+              </a:solidFill>
+              <a:latin typeface="Quicksand Light" panose="00000400000000000000" pitchFamily="2" charset="0"/>
+            </a:endParaRPr>
+          </a:p>
+        </p:txBody>
+      </p:sp>
+      <p:cxnSp>
+        <p:nvCxnSpPr>
+          <p:cNvPr id="15" name="连接符: 曲线 14">
+            <a:extLst>
+              <a:ext uri="{FF2B5EF4-FFF2-40B4-BE49-F238E27FC236}">
+                <a16:creationId xmlns:a16="http://schemas.microsoft.com/office/drawing/2014/main" id="{D512F3E2-7708-097A-CFDF-4572EE28B491}"/>
+              </a:ext>
+            </a:extLst>
+          </p:cNvPr>
+          <p:cNvCxnSpPr>
+            <a:cxnSpLocks/>
+            <a:stCxn id="4" idx="3"/>
+            <a:endCxn id="9" idx="1"/>
+          </p:cNvCxnSpPr>
+          <p:nvPr/>
+        </p:nvCxnSpPr>
+        <p:spPr>
+          <a:xfrm flipV="1">
+            <a:off x="5888679" y="3434550"/>
+            <a:ext cx="160971" cy="132000"/>
+          </a:xfrm>
+          <a:prstGeom prst="curvedConnector3">
+            <a:avLst>
+              <a:gd name="adj1" fmla="val 50000"/>
+            </a:avLst>
+          </a:prstGeom>
+          <a:ln>
+            <a:solidFill>
+              <a:srgbClr val="20BF6B"/>
+            </a:solidFill>
+          </a:ln>
+        </p:spPr>
+        <p:style>
+          <a:lnRef idx="1">
+            <a:schemeClr val="accent1"/>
+          </a:lnRef>
+          <a:fillRef idx="0">
+            <a:schemeClr val="accent1"/>
+          </a:fillRef>
+          <a:effectRef idx="0">
+            <a:schemeClr val="accent1"/>
+          </a:effectRef>
+          <a:fontRef idx="minor">
+            <a:schemeClr val="tx1"/>
+          </a:fontRef>
+        </p:style>
+      </p:cxnSp>
+      <p:cxnSp>
+        <p:nvCxnSpPr>
+          <p:cNvPr id="18" name="连接符: 曲线 17">
+            <a:extLst>
+              <a:ext uri="{FF2B5EF4-FFF2-40B4-BE49-F238E27FC236}">
+                <a16:creationId xmlns:a16="http://schemas.microsoft.com/office/drawing/2014/main" id="{5226A2A6-1B86-E4B9-B9CB-2CA1E5FD66FF}"/>
+              </a:ext>
+            </a:extLst>
+          </p:cNvPr>
+          <p:cNvCxnSpPr>
+            <a:cxnSpLocks/>
+            <a:stCxn id="4" idx="3"/>
+            <a:endCxn id="14" idx="1"/>
+          </p:cNvCxnSpPr>
+          <p:nvPr/>
+        </p:nvCxnSpPr>
+        <p:spPr>
+          <a:xfrm>
+            <a:off x="5888679" y="3566550"/>
+            <a:ext cx="160971" cy="132000"/>
+          </a:xfrm>
+          <a:prstGeom prst="curvedConnector3">
+            <a:avLst>
+              <a:gd name="adj1" fmla="val 50000"/>
+            </a:avLst>
+          </a:prstGeom>
+          <a:ln>
+            <a:solidFill>
+              <a:srgbClr val="20BF6B"/>
+            </a:solidFill>
+          </a:ln>
+        </p:spPr>
+        <p:style>
+          <a:lnRef idx="1">
+            <a:schemeClr val="accent1"/>
+          </a:lnRef>
+          <a:fillRef idx="0">
+            <a:schemeClr val="accent1"/>
+          </a:fillRef>
+          <a:effectRef idx="0">
+            <a:schemeClr val="accent1"/>
+          </a:effectRef>
+          <a:fontRef idx="minor">
+            <a:schemeClr val="tx1"/>
+          </a:fontRef>
+        </p:style>
+      </p:cxnSp>
+      <p:cxnSp>
+        <p:nvCxnSpPr>
+          <p:cNvPr id="27" name="直接连接符 26">
+            <a:extLst>
+              <a:ext uri="{FF2B5EF4-FFF2-40B4-BE49-F238E27FC236}">
+                <a16:creationId xmlns:a16="http://schemas.microsoft.com/office/drawing/2014/main" id="{BF9CA73D-B169-EF8D-190F-64A1033F62F1}"/>
+              </a:ext>
+            </a:extLst>
+          </p:cNvPr>
+          <p:cNvCxnSpPr>
+            <a:stCxn id="7" idx="3"/>
+            <a:endCxn id="26" idx="1"/>
+          </p:cNvCxnSpPr>
+          <p:nvPr/>
+        </p:nvCxnSpPr>
+        <p:spPr>
+          <a:xfrm>
+            <a:off x="5888680" y="2111300"/>
+            <a:ext cx="169100" cy="0"/>
+          </a:xfrm>
+          <a:prstGeom prst="line">
+            <a:avLst/>
+          </a:prstGeom>
+          <a:ln>
+            <a:solidFill>
+              <a:srgbClr val="FA554E"/>
+            </a:solidFill>
+          </a:ln>
+        </p:spPr>
+        <p:style>
+          <a:lnRef idx="1">
+            <a:schemeClr val="accent1"/>
+          </a:lnRef>
+          <a:fillRef idx="0">
+            <a:schemeClr val="accent1"/>
+          </a:fillRef>
+          <a:effectRef idx="0">
+            <a:schemeClr val="accent1"/>
+          </a:effectRef>
+          <a:fontRef idx="minor">
+            <a:schemeClr val="tx1"/>
+          </a:fontRef>
+        </p:style>
+      </p:cxnSp>
+      <p:sp>
+        <p:nvSpPr>
+          <p:cNvPr id="29" name="矩形: 圆角 28">
+            <a:extLst>
+              <a:ext uri="{FF2B5EF4-FFF2-40B4-BE49-F238E27FC236}">
+                <a16:creationId xmlns:a16="http://schemas.microsoft.com/office/drawing/2014/main" id="{5940B801-CFDC-0CA4-2642-8484312789E7}"/>
+              </a:ext>
+            </a:extLst>
+          </p:cNvPr>
+          <p:cNvSpPr/>
+          <p:nvPr/>
+        </p:nvSpPr>
+        <p:spPr>
+          <a:xfrm>
+            <a:off x="8037230" y="1480300"/>
+            <a:ext cx="900000" cy="216000"/>
+          </a:xfrm>
+          <a:prstGeom prst="roundRect">
+            <a:avLst/>
+          </a:prstGeom>
+          <a:noFill/>
+          <a:ln w="12700">
+            <a:noFill/>
+          </a:ln>
+        </p:spPr>
+        <p:style>
+          <a:lnRef idx="2">
+            <a:schemeClr val="accent1">
+              <a:shade val="15000"/>
+            </a:schemeClr>
+          </a:lnRef>
+          <a:fillRef idx="1">
+            <a:schemeClr val="accent1"/>
+          </a:fillRef>
+          <a:effectRef idx="0">
+            <a:schemeClr val="accent1"/>
+          </a:effectRef>
+          <a:fontRef idx="minor">
+            <a:schemeClr val="lt1"/>
+          </a:fontRef>
+        </p:style>
+        <p:txBody>
+          <a:bodyPr rtlCol="0" anchor="ctr"/>
+          <a:lstStyle/>
+          <a:p>
+            <a:pPr algn="just"/>
+            <a:r>
+              <a:rPr lang="en-US" altLang="zh-CN" sz="800">
+                <a:solidFill>
+                  <a:sysClr val="windowText" lastClr="000000"/>
+                </a:solidFill>
+                <a:latin typeface="Quicksand Light" panose="00000400000000000000" pitchFamily="2" charset="0"/>
+              </a:rPr>
+              <a:t>local</a:t>
+            </a:r>
+            <a:endParaRPr lang="zh-CN" altLang="en-US" sz="800">
+              <a:solidFill>
+                <a:sysClr val="windowText" lastClr="000000"/>
+              </a:solidFill>
+              <a:latin typeface="Quicksand Light" panose="00000400000000000000" pitchFamily="2" charset="0"/>
+            </a:endParaRPr>
+          </a:p>
+        </p:txBody>
+      </p:sp>
+      <p:sp>
+        <p:nvSpPr>
+          <p:cNvPr id="30" name="矩形: 圆角 29">
+            <a:extLst>
+              <a:ext uri="{FF2B5EF4-FFF2-40B4-BE49-F238E27FC236}">
+                <a16:creationId xmlns:a16="http://schemas.microsoft.com/office/drawing/2014/main" id="{4986B4C0-CD0C-54D2-F99B-C52C648B5E43}"/>
+              </a:ext>
+            </a:extLst>
+          </p:cNvPr>
+          <p:cNvSpPr/>
+          <p:nvPr/>
+        </p:nvSpPr>
+        <p:spPr>
+          <a:xfrm>
+            <a:off x="8037230" y="1744300"/>
+            <a:ext cx="900000" cy="216000"/>
+          </a:xfrm>
+          <a:prstGeom prst="roundRect">
+            <a:avLst/>
+          </a:prstGeom>
+          <a:noFill/>
+          <a:ln w="12700">
+            <a:noFill/>
+          </a:ln>
+        </p:spPr>
+        <p:style>
+          <a:lnRef idx="2">
+            <a:schemeClr val="accent1">
+              <a:shade val="15000"/>
+            </a:schemeClr>
+          </a:lnRef>
+          <a:fillRef idx="1">
+            <a:schemeClr val="accent1"/>
+          </a:fillRef>
+          <a:effectRef idx="0">
+            <a:schemeClr val="accent1"/>
+          </a:effectRef>
+          <a:fontRef idx="minor">
+            <a:schemeClr val="lt1"/>
+          </a:fontRef>
+        </p:style>
+        <p:txBody>
+          <a:bodyPr rtlCol="0" anchor="ctr"/>
+          <a:lstStyle/>
+          <a:p>
+            <a:pPr algn="just"/>
+            <a:r>
+              <a:rPr lang="en-US" altLang="zh-CN" sz="800">
+                <a:solidFill>
+                  <a:sysClr val="windowText" lastClr="000000"/>
+                </a:solidFill>
+                <a:latin typeface="Quicksand Light" panose="00000400000000000000" pitchFamily="2" charset="0"/>
+              </a:rPr>
+              <a:t>remote</a:t>
+            </a:r>
+            <a:endParaRPr lang="zh-CN" altLang="en-US" sz="800">
+              <a:solidFill>
+                <a:sysClr val="windowText" lastClr="000000"/>
+              </a:solidFill>
+              <a:latin typeface="Quicksand Light" panose="00000400000000000000" pitchFamily="2" charset="0"/>
+            </a:endParaRPr>
+          </a:p>
+        </p:txBody>
+      </p:sp>
+      <p:cxnSp>
+        <p:nvCxnSpPr>
+          <p:cNvPr id="31" name="连接符: 曲线 30">
+            <a:extLst>
+              <a:ext uri="{FF2B5EF4-FFF2-40B4-BE49-F238E27FC236}">
+                <a16:creationId xmlns:a16="http://schemas.microsoft.com/office/drawing/2014/main" id="{0BF61FC3-590B-F511-9A8D-B7329B46B1ED}"/>
+              </a:ext>
+            </a:extLst>
+          </p:cNvPr>
+          <p:cNvCxnSpPr>
+            <a:cxnSpLocks/>
+            <a:stCxn id="25" idx="3"/>
+            <a:endCxn id="29" idx="1"/>
+          </p:cNvCxnSpPr>
+          <p:nvPr/>
+        </p:nvCxnSpPr>
+        <p:spPr>
+          <a:xfrm flipV="1">
+            <a:off x="7918880" y="1588300"/>
+            <a:ext cx="118350" cy="127000"/>
+          </a:xfrm>
+          <a:prstGeom prst="curvedConnector3">
+            <a:avLst/>
+          </a:prstGeom>
+          <a:ln>
+            <a:solidFill>
+              <a:srgbClr val="FA554E"/>
+            </a:solidFill>
+          </a:ln>
+        </p:spPr>
+        <p:style>
+          <a:lnRef idx="1">
+            <a:schemeClr val="accent1"/>
+          </a:lnRef>
+          <a:fillRef idx="0">
+            <a:schemeClr val="accent1"/>
+          </a:fillRef>
+          <a:effectRef idx="0">
+            <a:schemeClr val="accent1"/>
+          </a:effectRef>
+          <a:fontRef idx="minor">
+            <a:schemeClr val="tx1"/>
+          </a:fontRef>
+        </p:style>
+      </p:cxnSp>
+      <p:cxnSp>
+        <p:nvCxnSpPr>
+          <p:cNvPr id="35" name="连接符: 曲线 34">
+            <a:extLst>
+              <a:ext uri="{FF2B5EF4-FFF2-40B4-BE49-F238E27FC236}">
+                <a16:creationId xmlns:a16="http://schemas.microsoft.com/office/drawing/2014/main" id="{E5D83A58-D9DB-1E62-FFBF-3B7E2E97483D}"/>
+              </a:ext>
+            </a:extLst>
+          </p:cNvPr>
+          <p:cNvCxnSpPr>
+            <a:cxnSpLocks/>
+            <a:stCxn id="25" idx="3"/>
+            <a:endCxn id="30" idx="1"/>
+          </p:cNvCxnSpPr>
+          <p:nvPr/>
+        </p:nvCxnSpPr>
+        <p:spPr>
+          <a:xfrm>
+            <a:off x="7918880" y="1715300"/>
+            <a:ext cx="118350" cy="137000"/>
+          </a:xfrm>
+          <a:prstGeom prst="curvedConnector3">
+            <a:avLst/>
+          </a:prstGeom>
+          <a:ln>
+            <a:solidFill>
+              <a:srgbClr val="FA554E"/>
+            </a:solidFill>
           </a:ln>
         </p:spPr>
         <p:style>
@@ -8285,7 +9180,7 @@
     </p:spTree>
     <p:extLst>
       <p:ext uri="{BB962C8B-B14F-4D97-AF65-F5344CB8AC3E}">
-        <p14:creationId xmlns:p14="http://schemas.microsoft.com/office/powerpoint/2010/main" val="1393457208"/>
+        <p14:creationId xmlns:p14="http://schemas.microsoft.com/office/powerpoint/2010/main" val="4288534407"/>
       </p:ext>
     </p:extLst>
   </p:cSld>
@@ -8312,6 +9207,320 @@
           <a:chExt cx="0" cy="0"/>
         </a:xfrm>
       </p:grpSpPr>
+      <p:sp>
+        <p:nvSpPr>
+          <p:cNvPr id="2" name="Rectangle 1">
+            <a:extLst>
+              <a:ext uri="{FF2B5EF4-FFF2-40B4-BE49-F238E27FC236}">
+                <a16:creationId xmlns:a16="http://schemas.microsoft.com/office/drawing/2014/main" id="{A24F91BB-348B-06D0-B374-47FB2A5928F0}"/>
+              </a:ext>
+            </a:extLst>
+          </p:cNvPr>
+          <p:cNvSpPr/>
+          <p:nvPr/>
+        </p:nvSpPr>
+        <p:spPr>
+          <a:xfrm>
+            <a:off x="3757723" y="1589964"/>
+            <a:ext cx="3600000" cy="2160000"/>
+          </a:xfrm>
+          <a:prstGeom prst="rect">
+            <a:avLst/>
+          </a:prstGeom>
+          <a:solidFill>
+            <a:schemeClr val="bg1">
+              <a:lumMod val="95000"/>
+            </a:schemeClr>
+          </a:solidFill>
+          <a:ln>
+            <a:noFill/>
+          </a:ln>
+        </p:spPr>
+        <p:style>
+          <a:lnRef idx="2">
+            <a:schemeClr val="accent1">
+              <a:shade val="15000"/>
+            </a:schemeClr>
+          </a:lnRef>
+          <a:fillRef idx="1">
+            <a:schemeClr val="accent1"/>
+          </a:fillRef>
+          <a:effectRef idx="0">
+            <a:schemeClr val="accent1"/>
+          </a:effectRef>
+          <a:fontRef idx="minor">
+            <a:schemeClr val="lt1"/>
+          </a:fontRef>
+        </p:style>
+        <p:txBody>
+          <a:bodyPr rtlCol="0" anchor="ctr"/>
+          <a:lstStyle/>
+          <a:p>
+            <a:pPr algn="ctr"/>
+            <a:r>
+              <a:rPr lang="en-US" altLang="zh-CN" sz="1200">
+                <a:solidFill>
+                  <a:schemeClr val="accent6">
+                    <a:lumMod val="75000"/>
+                  </a:schemeClr>
+                </a:solidFill>
+                <a:latin typeface="Poppins" panose="00000500000000000000" pitchFamily="2" charset="0"/>
+                <a:cs typeface="Poppins" panose="00000500000000000000" pitchFamily="2" charset="0"/>
+              </a:rPr>
+              <a:t>Animation zone</a:t>
+            </a:r>
+            <a:endParaRPr lang="zh-CN" altLang="en-US" sz="1200">
+              <a:solidFill>
+                <a:schemeClr val="accent6">
+                  <a:lumMod val="75000"/>
+                </a:schemeClr>
+              </a:solidFill>
+              <a:latin typeface="Poppins" panose="00000500000000000000" pitchFamily="2" charset="0"/>
+              <a:cs typeface="Poppins" panose="00000500000000000000" pitchFamily="2" charset="0"/>
+            </a:endParaRPr>
+          </a:p>
+        </p:txBody>
+      </p:sp>
+      <p:sp>
+        <p:nvSpPr>
+          <p:cNvPr id="3" name="Rectangle 2">
+            <a:extLst>
+              <a:ext uri="{FF2B5EF4-FFF2-40B4-BE49-F238E27FC236}">
+                <a16:creationId xmlns:a16="http://schemas.microsoft.com/office/drawing/2014/main" id="{C01DB03E-0DC7-CCD6-56FB-5BD61B31D643}"/>
+              </a:ext>
+            </a:extLst>
+          </p:cNvPr>
+          <p:cNvSpPr/>
+          <p:nvPr/>
+        </p:nvSpPr>
+        <p:spPr>
+          <a:xfrm>
+            <a:off x="3757723" y="1589964"/>
+            <a:ext cx="3600000" cy="711802"/>
+          </a:xfrm>
+          <a:prstGeom prst="rect">
+            <a:avLst/>
+          </a:prstGeom>
+          <a:solidFill>
+            <a:srgbClr val="92D050"/>
+          </a:solidFill>
+          <a:ln>
+            <a:noFill/>
+          </a:ln>
+        </p:spPr>
+        <p:style>
+          <a:lnRef idx="2">
+            <a:schemeClr val="accent1">
+              <a:shade val="15000"/>
+            </a:schemeClr>
+          </a:lnRef>
+          <a:fillRef idx="1">
+            <a:schemeClr val="accent1"/>
+          </a:fillRef>
+          <a:effectRef idx="0">
+            <a:schemeClr val="accent1"/>
+          </a:effectRef>
+          <a:fontRef idx="minor">
+            <a:schemeClr val="lt1"/>
+          </a:fontRef>
+        </p:style>
+        <p:txBody>
+          <a:bodyPr rtlCol="0" anchor="b" anchorCtr="0"/>
+          <a:lstStyle/>
+          <a:p>
+            <a:r>
+              <a:rPr lang="en-US" altLang="zh-CN" sz="800">
+                <a:latin typeface="Poppins" panose="00000500000000000000" pitchFamily="2" charset="0"/>
+                <a:cs typeface="Poppins" panose="00000500000000000000" pitchFamily="2" charset="0"/>
+              </a:rPr>
+              <a:t>start</a:t>
+            </a:r>
+            <a:endParaRPr lang="zh-CN" altLang="en-US" sz="800">
+              <a:latin typeface="Poppins" panose="00000500000000000000" pitchFamily="2" charset="0"/>
+              <a:cs typeface="Poppins" panose="00000500000000000000" pitchFamily="2" charset="0"/>
+            </a:endParaRPr>
+          </a:p>
+        </p:txBody>
+      </p:sp>
+      <p:sp>
+        <p:nvSpPr>
+          <p:cNvPr id="4" name="Rectangle 3">
+            <a:extLst>
+              <a:ext uri="{FF2B5EF4-FFF2-40B4-BE49-F238E27FC236}">
+                <a16:creationId xmlns:a16="http://schemas.microsoft.com/office/drawing/2014/main" id="{65F99D6D-D34F-E3B4-BD58-06E8A76280E8}"/>
+              </a:ext>
+            </a:extLst>
+          </p:cNvPr>
+          <p:cNvSpPr/>
+          <p:nvPr/>
+        </p:nvSpPr>
+        <p:spPr>
+          <a:xfrm>
+            <a:off x="3757723" y="3342290"/>
+            <a:ext cx="3600000" cy="407674"/>
+          </a:xfrm>
+          <a:prstGeom prst="rect">
+            <a:avLst/>
+          </a:prstGeom>
+          <a:solidFill>
+            <a:srgbClr val="92D050"/>
+          </a:solidFill>
+          <a:ln>
+            <a:noFill/>
+          </a:ln>
+        </p:spPr>
+        <p:style>
+          <a:lnRef idx="2">
+            <a:schemeClr val="accent1">
+              <a:shade val="15000"/>
+            </a:schemeClr>
+          </a:lnRef>
+          <a:fillRef idx="1">
+            <a:schemeClr val="accent1"/>
+          </a:fillRef>
+          <a:effectRef idx="0">
+            <a:schemeClr val="accent1"/>
+          </a:effectRef>
+          <a:fontRef idx="minor">
+            <a:schemeClr val="lt1"/>
+          </a:fontRef>
+        </p:style>
+        <p:txBody>
+          <a:bodyPr rtlCol="0" anchor="t" anchorCtr="0"/>
+          <a:lstStyle/>
+          <a:p>
+            <a:r>
+              <a:rPr lang="en-US" altLang="zh-CN" sz="800">
+                <a:latin typeface="Poppins" panose="00000500000000000000" pitchFamily="2" charset="0"/>
+                <a:cs typeface="Poppins" panose="00000500000000000000" pitchFamily="2" charset="0"/>
+              </a:rPr>
+              <a:t>end</a:t>
+            </a:r>
+            <a:endParaRPr lang="zh-CN" altLang="en-US" sz="800">
+              <a:latin typeface="Poppins" panose="00000500000000000000" pitchFamily="2" charset="0"/>
+              <a:cs typeface="Poppins" panose="00000500000000000000" pitchFamily="2" charset="0"/>
+            </a:endParaRPr>
+          </a:p>
+        </p:txBody>
+      </p:sp>
+      <p:cxnSp>
+        <p:nvCxnSpPr>
+          <p:cNvPr id="6" name="Straight Arrow Connector 5">
+            <a:extLst>
+              <a:ext uri="{FF2B5EF4-FFF2-40B4-BE49-F238E27FC236}">
+                <a16:creationId xmlns:a16="http://schemas.microsoft.com/office/drawing/2014/main" id="{4EDDBF91-1C20-1884-F1E1-72ACC7AD03D8}"/>
+              </a:ext>
+            </a:extLst>
+          </p:cNvPr>
+          <p:cNvCxnSpPr>
+            <a:cxnSpLocks/>
+          </p:cNvCxnSpPr>
+          <p:nvPr/>
+        </p:nvCxnSpPr>
+        <p:spPr>
+          <a:xfrm>
+            <a:off x="4126023" y="1589964"/>
+            <a:ext cx="0" cy="711802"/>
+          </a:xfrm>
+          <a:prstGeom prst="straightConnector1">
+            <a:avLst/>
+          </a:prstGeom>
+          <a:ln>
+            <a:solidFill>
+              <a:schemeClr val="bg1"/>
+            </a:solidFill>
+            <a:tailEnd type="triangle"/>
+          </a:ln>
+        </p:spPr>
+        <p:style>
+          <a:lnRef idx="1">
+            <a:schemeClr val="accent1"/>
+          </a:lnRef>
+          <a:fillRef idx="0">
+            <a:schemeClr val="accent1"/>
+          </a:fillRef>
+          <a:effectRef idx="0">
+            <a:schemeClr val="accent1"/>
+          </a:effectRef>
+          <a:fontRef idx="minor">
+            <a:schemeClr val="tx1"/>
+          </a:fontRef>
+        </p:style>
+      </p:cxnSp>
+      <p:cxnSp>
+        <p:nvCxnSpPr>
+          <p:cNvPr id="8" name="Straight Arrow Connector 7">
+            <a:extLst>
+              <a:ext uri="{FF2B5EF4-FFF2-40B4-BE49-F238E27FC236}">
+                <a16:creationId xmlns:a16="http://schemas.microsoft.com/office/drawing/2014/main" id="{9D05E6DD-B191-1792-8698-813C50F10AD1}"/>
+              </a:ext>
+            </a:extLst>
+          </p:cNvPr>
+          <p:cNvCxnSpPr>
+            <a:cxnSpLocks/>
+          </p:cNvCxnSpPr>
+          <p:nvPr/>
+        </p:nvCxnSpPr>
+        <p:spPr>
+          <a:xfrm flipV="1">
+            <a:off x="4126023" y="3342290"/>
+            <a:ext cx="0" cy="407674"/>
+          </a:xfrm>
+          <a:prstGeom prst="straightConnector1">
+            <a:avLst/>
+          </a:prstGeom>
+          <a:ln>
+            <a:solidFill>
+              <a:schemeClr val="bg1"/>
+            </a:solidFill>
+            <a:tailEnd type="triangle"/>
+          </a:ln>
+        </p:spPr>
+        <p:style>
+          <a:lnRef idx="1">
+            <a:schemeClr val="accent1"/>
+          </a:lnRef>
+          <a:fillRef idx="0">
+            <a:schemeClr val="accent1"/>
+          </a:fillRef>
+          <a:effectRef idx="0">
+            <a:schemeClr val="accent1"/>
+          </a:effectRef>
+          <a:fontRef idx="minor">
+            <a:schemeClr val="tx1"/>
+          </a:fontRef>
+        </p:style>
+      </p:cxnSp>
+    </p:spTree>
+    <p:extLst>
+      <p:ext uri="{BB962C8B-B14F-4D97-AF65-F5344CB8AC3E}">
+        <p14:creationId xmlns:p14="http://schemas.microsoft.com/office/powerpoint/2010/main" val="1393457208"/>
+      </p:ext>
+    </p:extLst>
+  </p:cSld>
+  <p:clrMapOvr>
+    <a:masterClrMapping/>
+  </p:clrMapOvr>
+</p:sld>
+</file>
+
+<file path=ppt/slides/slide14.xml><?xml version="1.0" encoding="utf-8"?>
+<p:sld xmlns:a="http://schemas.openxmlformats.org/drawingml/2006/main" xmlns:r="http://schemas.openxmlformats.org/officeDocument/2006/relationships" xmlns:p="http://schemas.openxmlformats.org/presentationml/2006/main">
+  <p:cSld>
+    <p:spTree>
+      <p:nvGrpSpPr>
+        <p:cNvPr id="1" name=""/>
+        <p:cNvGrpSpPr/>
+        <p:nvPr/>
+      </p:nvGrpSpPr>
+      <p:grpSpPr>
+        <a:xfrm>
+          <a:off x="0" y="0"/>
+          <a:ext cx="0" cy="0"/>
+          <a:chOff x="0" y="0"/>
+          <a:chExt cx="0" cy="0"/>
+        </a:xfrm>
+      </p:grpSpPr>
       <p:pic>
         <p:nvPicPr>
           <p:cNvPr id="3" name="图片 2">
@@ -8355,7 +9564,7 @@
 </p:sld>
 </file>
 
-<file path=ppt/slides/slide14.xml><?xml version="1.0" encoding="utf-8"?>
+<file path=ppt/slides/slide15.xml><?xml version="1.0" encoding="utf-8"?>
 <p:sld xmlns:a="http://schemas.openxmlformats.org/drawingml/2006/main" xmlns:r="http://schemas.openxmlformats.org/officeDocument/2006/relationships" xmlns:p="http://schemas.openxmlformats.org/presentationml/2006/main">
   <p:cSld>
     <p:spTree>
@@ -12338,7 +13547,7 @@
         </p:nvSpPr>
         <p:spPr>
           <a:xfrm>
-            <a:off x="2611582" y="3141518"/>
+            <a:off x="2611582" y="3142550"/>
             <a:ext cx="1080000" cy="216000"/>
           </a:xfrm>
           <a:prstGeom prst="roundRect">
@@ -12348,11 +13557,7 @@
             <a:schemeClr val="tx1"/>
           </a:solidFill>
           <a:ln w="12700">
-            <a:solidFill>
-              <a:schemeClr val="bg2">
-                <a:lumMod val="50000"/>
-              </a:schemeClr>
-            </a:solidFill>
+            <a:noFill/>
           </a:ln>
         </p:spPr>
         <p:style>
@@ -12378,12 +13583,12 @@
             <a:pPr algn="ctr"/>
             <a:r>
               <a:rPr lang="en-US" altLang="zh-CN" sz="800">
-                <a:latin typeface="Quicksand Medium" panose="00000600000000000000" pitchFamily="2" charset="0"/>
+                <a:latin typeface="Quicksand Light" panose="00000400000000000000" pitchFamily="2" charset="0"/>
               </a:rPr>
               <a:t>&lt;table&gt;</a:t>
             </a:r>
             <a:endParaRPr lang="zh-CN" altLang="en-US" sz="800">
-              <a:latin typeface="Quicksand Medium" panose="00000600000000000000" pitchFamily="2" charset="0"/>
+              <a:latin typeface="Quicksand Light" panose="00000400000000000000" pitchFamily="2" charset="0"/>
             </a:endParaRPr>
           </a:p>
         </p:txBody>
@@ -12402,7 +13607,7 @@
         </p:nvSpPr>
         <p:spPr>
           <a:xfrm>
-            <a:off x="3927709" y="1963112"/>
+            <a:off x="3927709" y="2217112"/>
             <a:ext cx="900000" cy="216000"/>
           </a:xfrm>
           <a:prstGeom prst="roundRect">
@@ -12414,12 +13619,7 @@
             </a:srgbClr>
           </a:solidFill>
           <a:ln w="12700">
-            <a:solidFill>
-              <a:schemeClr val="accent1">
-                <a:lumMod val="60000"/>
-                <a:lumOff val="40000"/>
-              </a:schemeClr>
-            </a:solidFill>
+            <a:noFill/>
           </a:ln>
         </p:spPr>
         <p:style>
@@ -12445,12 +13645,12 @@
             <a:pPr algn="ctr"/>
             <a:r>
               <a:rPr lang="en-US" altLang="zh-CN" sz="800">
-                <a:latin typeface="Quicksand" panose="00000500000000000000" pitchFamily="2" charset="0"/>
+                <a:latin typeface="Quicksand Light" panose="00000400000000000000" pitchFamily="2" charset="0"/>
               </a:rPr>
               <a:t>&lt;caption&gt;</a:t>
             </a:r>
             <a:endParaRPr lang="zh-CN" altLang="en-US" sz="800">
-              <a:latin typeface="Quicksand" panose="00000500000000000000" pitchFamily="2" charset="0"/>
+              <a:latin typeface="Quicksand Light" panose="00000400000000000000" pitchFamily="2" charset="0"/>
             </a:endParaRPr>
           </a:p>
         </p:txBody>
@@ -12469,7 +13669,7 @@
         </p:nvSpPr>
         <p:spPr>
           <a:xfrm>
-            <a:off x="3927709" y="2748716"/>
+            <a:off x="3927709" y="2855550"/>
             <a:ext cx="900000" cy="216000"/>
           </a:xfrm>
           <a:prstGeom prst="roundRect">
@@ -12481,9 +13681,7 @@
             </a:srgbClr>
           </a:solidFill>
           <a:ln w="12700">
-            <a:solidFill>
-              <a:srgbClr val="F9BE83"/>
-            </a:solidFill>
+            <a:noFill/>
           </a:ln>
         </p:spPr>
         <p:style>
@@ -12509,12 +13707,12 @@
             <a:pPr algn="ctr"/>
             <a:r>
               <a:rPr lang="en-US" altLang="zh-CN" sz="800">
-                <a:latin typeface="Quicksand" panose="00000500000000000000" pitchFamily="2" charset="0"/>
+                <a:latin typeface="Quicksand Light" panose="00000400000000000000" pitchFamily="2" charset="0"/>
               </a:rPr>
               <a:t>&lt;thead&gt;</a:t>
             </a:r>
             <a:endParaRPr lang="zh-CN" altLang="en-US" sz="800">
-              <a:latin typeface="Quicksand" panose="00000500000000000000" pitchFamily="2" charset="0"/>
+              <a:latin typeface="Quicksand Light" panose="00000400000000000000" pitchFamily="2" charset="0"/>
             </a:endParaRPr>
           </a:p>
         </p:txBody>
@@ -12533,7 +13731,7 @@
         </p:nvSpPr>
         <p:spPr>
           <a:xfrm>
-            <a:off x="3927709" y="3534320"/>
+            <a:off x="3927709" y="3429550"/>
             <a:ext cx="900000" cy="216000"/>
           </a:xfrm>
           <a:prstGeom prst="roundRect">
@@ -12545,9 +13743,7 @@
             </a:srgbClr>
           </a:solidFill>
           <a:ln w="12700">
-            <a:solidFill>
-              <a:srgbClr val="FB746D"/>
-            </a:solidFill>
+            <a:noFill/>
           </a:ln>
         </p:spPr>
         <p:style>
@@ -12573,12 +13769,12 @@
             <a:pPr algn="ctr"/>
             <a:r>
               <a:rPr lang="en-US" altLang="zh-CN" sz="800">
-                <a:latin typeface="Quicksand" panose="00000500000000000000" pitchFamily="2" charset="0"/>
+                <a:latin typeface="Quicksand Light" panose="00000400000000000000" pitchFamily="2" charset="0"/>
               </a:rPr>
               <a:t>&lt;tbody&gt;</a:t>
             </a:r>
             <a:endParaRPr lang="zh-CN" altLang="en-US" sz="800">
-              <a:latin typeface="Quicksand" panose="00000500000000000000" pitchFamily="2" charset="0"/>
+              <a:latin typeface="Quicksand Light" panose="00000400000000000000" pitchFamily="2" charset="0"/>
             </a:endParaRPr>
           </a:p>
         </p:txBody>
@@ -12597,7 +13793,7 @@
         </p:nvSpPr>
         <p:spPr>
           <a:xfrm>
-            <a:off x="3927709" y="4319925"/>
+            <a:off x="3927709" y="3992950"/>
             <a:ext cx="900000" cy="216000"/>
           </a:xfrm>
           <a:prstGeom prst="roundRect">
@@ -12609,9 +13805,7 @@
             </a:srgbClr>
           </a:solidFill>
           <a:ln w="12700">
-            <a:solidFill>
-              <a:srgbClr val="00DA8C"/>
-            </a:solidFill>
+            <a:noFill/>
           </a:ln>
         </p:spPr>
         <p:style>
@@ -12637,12 +13831,12 @@
             <a:pPr algn="ctr"/>
             <a:r>
               <a:rPr lang="en-US" altLang="zh-CN" sz="800">
-                <a:latin typeface="Quicksand" panose="00000500000000000000" pitchFamily="2" charset="0"/>
+                <a:latin typeface="Quicksand Light" panose="00000400000000000000" pitchFamily="2" charset="0"/>
               </a:rPr>
               <a:t>&lt;tfoot&gt;</a:t>
             </a:r>
             <a:endParaRPr lang="zh-CN" altLang="en-US" sz="800">
-              <a:latin typeface="Quicksand" panose="00000500000000000000" pitchFamily="2" charset="0"/>
+              <a:latin typeface="Quicksand Light" panose="00000400000000000000" pitchFamily="2" charset="0"/>
             </a:endParaRPr>
           </a:p>
         </p:txBody>
@@ -12661,7 +13855,7 @@
         </p:nvSpPr>
         <p:spPr>
           <a:xfrm>
-            <a:off x="4988680" y="2563091"/>
+            <a:off x="4988680" y="2729550"/>
             <a:ext cx="720000" cy="216000"/>
           </a:xfrm>
           <a:prstGeom prst="roundRect">
@@ -12673,9 +13867,7 @@
             </a:srgbClr>
           </a:solidFill>
           <a:ln w="12700">
-            <a:solidFill>
-              <a:srgbClr val="FDECDB"/>
-            </a:solidFill>
+            <a:noFill/>
           </a:ln>
         </p:spPr>
         <p:style>
@@ -12731,7 +13923,7 @@
         </p:nvSpPr>
         <p:spPr>
           <a:xfrm>
-            <a:off x="4988680" y="2902528"/>
+            <a:off x="4988680" y="2981550"/>
             <a:ext cx="720000" cy="216000"/>
           </a:xfrm>
           <a:prstGeom prst="roundRect">
@@ -12743,9 +13935,7 @@
             </a:srgbClr>
           </a:solidFill>
           <a:ln w="12700">
-            <a:solidFill>
-              <a:srgbClr val="FDECDB"/>
-            </a:solidFill>
+            <a:noFill/>
           </a:ln>
         </p:spPr>
         <p:style>
@@ -12801,7 +13991,7 @@
         </p:nvSpPr>
         <p:spPr>
           <a:xfrm>
-            <a:off x="4988680" y="3380509"/>
+            <a:off x="4988680" y="3303550"/>
             <a:ext cx="720000" cy="216000"/>
           </a:xfrm>
           <a:prstGeom prst="roundRect">
@@ -12813,9 +14003,7 @@
             </a:srgbClr>
           </a:solidFill>
           <a:ln w="12700">
-            <a:solidFill>
-              <a:srgbClr val="FED9D8"/>
-            </a:solidFill>
+            <a:noFill/>
           </a:ln>
         </p:spPr>
         <p:style>
@@ -12871,7 +14059,7 @@
         </p:nvSpPr>
         <p:spPr>
           <a:xfrm>
-            <a:off x="4988680" y="3719946"/>
+            <a:off x="4988680" y="3555550"/>
             <a:ext cx="720000" cy="216000"/>
           </a:xfrm>
           <a:prstGeom prst="roundRect">
@@ -12883,9 +14071,7 @@
             </a:srgbClr>
           </a:solidFill>
           <a:ln w="12700">
-            <a:solidFill>
-              <a:srgbClr val="FED9D8"/>
-            </a:solidFill>
+            <a:noFill/>
           </a:ln>
         </p:spPr>
         <p:style>
@@ -12941,7 +14127,7 @@
         </p:nvSpPr>
         <p:spPr>
           <a:xfrm>
-            <a:off x="4988680" y="4150206"/>
+            <a:off x="4988680" y="3866950"/>
             <a:ext cx="720000" cy="216000"/>
           </a:xfrm>
           <a:prstGeom prst="roundRect">
@@ -12953,9 +14139,7 @@
             </a:srgbClr>
           </a:solidFill>
           <a:ln w="12700">
-            <a:solidFill>
-              <a:srgbClr val="CCF2E5"/>
-            </a:solidFill>
+            <a:noFill/>
           </a:ln>
         </p:spPr>
         <p:style>
@@ -13011,7 +14195,7 @@
         </p:nvSpPr>
         <p:spPr>
           <a:xfrm>
-            <a:off x="4988680" y="4489643"/>
+            <a:off x="4988680" y="4118950"/>
             <a:ext cx="720000" cy="216000"/>
           </a:xfrm>
           <a:prstGeom prst="roundRect">
@@ -13023,9 +14207,7 @@
             </a:srgbClr>
           </a:solidFill>
           <a:ln w="12700">
-            <a:solidFill>
-              <a:srgbClr val="CCF2E5"/>
-            </a:solidFill>
+            <a:noFill/>
           </a:ln>
         </p:spPr>
         <p:style>
@@ -13085,8 +14267,8 @@
         </p:nvCxnSpPr>
         <p:spPr>
           <a:xfrm flipV="1">
-            <a:off x="3691582" y="2071112"/>
-            <a:ext cx="236127" cy="1178406"/>
+            <a:off x="3691582" y="2325112"/>
+            <a:ext cx="236127" cy="925438"/>
           </a:xfrm>
           <a:prstGeom prst="curvedConnector3">
             <a:avLst/>
@@ -13132,8 +14314,8 @@
         </p:nvCxnSpPr>
         <p:spPr>
           <a:xfrm>
-            <a:off x="3691582" y="3249518"/>
-            <a:ext cx="236127" cy="392802"/>
+            <a:off x="3691582" y="3250550"/>
+            <a:ext cx="236127" cy="287000"/>
           </a:xfrm>
           <a:prstGeom prst="curvedConnector3">
             <a:avLst/>
@@ -13176,8 +14358,8 @@
         </p:nvCxnSpPr>
         <p:spPr>
           <a:xfrm>
-            <a:off x="3691582" y="3249518"/>
-            <a:ext cx="236127" cy="1178407"/>
+            <a:off x="3691582" y="3250550"/>
+            <a:ext cx="236127" cy="850400"/>
           </a:xfrm>
           <a:prstGeom prst="curvedConnector3">
             <a:avLst/>
@@ -13220,8 +14402,8 @@
         </p:nvCxnSpPr>
         <p:spPr>
           <a:xfrm rot="10800000" flipV="1">
-            <a:off x="3691583" y="2856716"/>
-            <a:ext cx="236127" cy="392802"/>
+            <a:off x="3691583" y="2963550"/>
+            <a:ext cx="236127" cy="287000"/>
           </a:xfrm>
           <a:prstGeom prst="curvedConnector3">
             <a:avLst/>
@@ -13264,8 +14446,8 @@
         </p:nvCxnSpPr>
         <p:spPr>
           <a:xfrm flipV="1">
-            <a:off x="4827709" y="2671091"/>
-            <a:ext cx="160971" cy="185625"/>
+            <a:off x="4827709" y="2837550"/>
+            <a:ext cx="160971" cy="126000"/>
           </a:xfrm>
           <a:prstGeom prst="curvedConnector3">
             <a:avLst/>
@@ -13308,8 +14490,8 @@
         </p:nvCxnSpPr>
         <p:spPr>
           <a:xfrm rot="10800000">
-            <a:off x="4827710" y="2856716"/>
-            <a:ext cx="160971" cy="153812"/>
+            <a:off x="4827710" y="2963550"/>
+            <a:ext cx="160971" cy="126000"/>
           </a:xfrm>
           <a:prstGeom prst="curvedConnector3">
             <a:avLst/>
@@ -13352,8 +14534,8 @@
         </p:nvCxnSpPr>
         <p:spPr>
           <a:xfrm flipV="1">
-            <a:off x="4827709" y="3488509"/>
-            <a:ext cx="160971" cy="153811"/>
+            <a:off x="4827709" y="3411550"/>
+            <a:ext cx="160971" cy="126000"/>
           </a:xfrm>
           <a:prstGeom prst="curvedConnector3">
             <a:avLst/>
@@ -13396,8 +14578,8 @@
         </p:nvCxnSpPr>
         <p:spPr>
           <a:xfrm rot="10800000">
-            <a:off x="4827710" y="3642320"/>
-            <a:ext cx="160971" cy="185626"/>
+            <a:off x="4827710" y="3537550"/>
+            <a:ext cx="160971" cy="126000"/>
           </a:xfrm>
           <a:prstGeom prst="curvedConnector3">
             <a:avLst/>
@@ -13440,8 +14622,8 @@
         </p:nvCxnSpPr>
         <p:spPr>
           <a:xfrm flipV="1">
-            <a:off x="4827709" y="4258206"/>
-            <a:ext cx="160971" cy="169719"/>
+            <a:off x="4827709" y="3974950"/>
+            <a:ext cx="160971" cy="126000"/>
           </a:xfrm>
           <a:prstGeom prst="curvedConnector3">
             <a:avLst/>
@@ -13484,8 +14666,8 @@
         </p:nvCxnSpPr>
         <p:spPr>
           <a:xfrm rot="10800000">
-            <a:off x="4827710" y="4427925"/>
-            <a:ext cx="160971" cy="169718"/>
+            <a:off x="4827710" y="4100950"/>
+            <a:ext cx="160971" cy="126000"/>
           </a:xfrm>
           <a:prstGeom prst="curvedConnector3">
             <a:avLst/>
@@ -13561,7 +14743,7 @@
         </p:nvSpPr>
         <p:spPr>
           <a:xfrm>
-            <a:off x="2611582" y="3271114"/>
+            <a:off x="2611582" y="3272280"/>
             <a:ext cx="1080000" cy="216000"/>
           </a:xfrm>
           <a:prstGeom prst="roundRect">
@@ -13571,11 +14753,7 @@
             <a:schemeClr val="tx1"/>
           </a:solidFill>
           <a:ln w="12700">
-            <a:solidFill>
-              <a:schemeClr val="bg2">
-                <a:lumMod val="50000"/>
-              </a:schemeClr>
-            </a:solidFill>
+            <a:noFill/>
           </a:ln>
         </p:spPr>
         <p:style>
@@ -13601,12 +14779,12 @@
             <a:pPr algn="ctr"/>
             <a:r>
               <a:rPr lang="en-US" altLang="zh-CN" sz="800">
-                <a:latin typeface="Quicksand Medium" panose="00000600000000000000" pitchFamily="2" charset="0"/>
+                <a:latin typeface="Quicksand Light" panose="00000400000000000000" pitchFamily="2" charset="0"/>
               </a:rPr>
               <a:t>&lt;form&gt;</a:t>
             </a:r>
             <a:endParaRPr lang="zh-CN" altLang="en-US" sz="800">
-              <a:latin typeface="Quicksand Medium" panose="00000600000000000000" pitchFamily="2" charset="0"/>
+              <a:latin typeface="Quicksand Light" panose="00000400000000000000" pitchFamily="2" charset="0"/>
             </a:endParaRPr>
           </a:p>
         </p:txBody>
@@ -13625,7 +14803,7 @@
         </p:nvSpPr>
         <p:spPr>
           <a:xfrm>
-            <a:off x="3927709" y="1938060"/>
+            <a:off x="3927709" y="2890560"/>
             <a:ext cx="900000" cy="216000"/>
           </a:xfrm>
           <a:prstGeom prst="roundRect">
@@ -13637,12 +14815,7 @@
             </a:srgbClr>
           </a:solidFill>
           <a:ln w="12700">
-            <a:solidFill>
-              <a:schemeClr val="accent1">
-                <a:lumMod val="60000"/>
-                <a:lumOff val="40000"/>
-              </a:schemeClr>
-            </a:solidFill>
+            <a:noFill/>
           </a:ln>
         </p:spPr>
         <p:style>
@@ -13668,12 +14841,12 @@
             <a:pPr algn="ctr"/>
             <a:r>
               <a:rPr lang="en-US" altLang="zh-CN" sz="800">
-                <a:latin typeface="Quicksand" panose="00000500000000000000" pitchFamily="2" charset="0"/>
+                <a:latin typeface="Quicksand Light" panose="00000400000000000000" pitchFamily="2" charset="0"/>
               </a:rPr>
               <a:t>&lt;label&gt;</a:t>
             </a:r>
             <a:endParaRPr lang="zh-CN" altLang="en-US" sz="800">
-              <a:latin typeface="Quicksand" panose="00000500000000000000" pitchFamily="2" charset="0"/>
+              <a:latin typeface="Quicksand Light" panose="00000400000000000000" pitchFamily="2" charset="0"/>
             </a:endParaRPr>
           </a:p>
         </p:txBody>
@@ -13692,7 +14865,7 @@
         </p:nvSpPr>
         <p:spPr>
           <a:xfrm>
-            <a:off x="3927709" y="2831250"/>
+            <a:off x="3927709" y="2250000"/>
             <a:ext cx="900000" cy="216000"/>
           </a:xfrm>
           <a:prstGeom prst="roundRect">
@@ -13704,9 +14877,7 @@
             </a:srgbClr>
           </a:solidFill>
           <a:ln w="12700">
-            <a:solidFill>
-              <a:srgbClr val="F9BE83"/>
-            </a:solidFill>
+            <a:noFill/>
           </a:ln>
         </p:spPr>
         <p:style>
@@ -13732,12 +14903,12 @@
             <a:pPr algn="ctr"/>
             <a:r>
               <a:rPr lang="en-US" altLang="zh-CN" sz="800">
-                <a:latin typeface="Quicksand" panose="00000500000000000000" pitchFamily="2" charset="0"/>
+                <a:latin typeface="Quicksand Light" panose="00000400000000000000" pitchFamily="2" charset="0"/>
               </a:rPr>
               <a:t>&lt;input&gt;</a:t>
             </a:r>
             <a:endParaRPr lang="zh-CN" altLang="en-US" sz="800">
-              <a:latin typeface="Quicksand" panose="00000500000000000000" pitchFamily="2" charset="0"/>
+              <a:latin typeface="Quicksand Light" panose="00000400000000000000" pitchFamily="2" charset="0"/>
             </a:endParaRPr>
           </a:p>
         </p:txBody>
@@ -13756,7 +14927,7 @@
         </p:nvSpPr>
         <p:spPr>
           <a:xfrm>
-            <a:off x="3927709" y="3848030"/>
+            <a:off x="3927709" y="3780000"/>
             <a:ext cx="900000" cy="216000"/>
           </a:xfrm>
           <a:prstGeom prst="roundRect">
@@ -13768,9 +14939,7 @@
             </a:srgbClr>
           </a:solidFill>
           <a:ln w="12700">
-            <a:solidFill>
-              <a:srgbClr val="FB746D"/>
-            </a:solidFill>
+            <a:noFill/>
           </a:ln>
         </p:spPr>
         <p:style>
@@ -13796,12 +14965,12 @@
             <a:pPr algn="ctr"/>
             <a:r>
               <a:rPr lang="en-US" altLang="zh-CN" sz="800">
-                <a:latin typeface="Quicksand" panose="00000500000000000000" pitchFamily="2" charset="0"/>
+                <a:latin typeface="Quicksand Light" panose="00000400000000000000" pitchFamily="2" charset="0"/>
               </a:rPr>
               <a:t>&lt;textarea&gt;</a:t>
             </a:r>
             <a:endParaRPr lang="zh-CN" altLang="en-US" sz="800">
-              <a:latin typeface="Quicksand" panose="00000500000000000000" pitchFamily="2" charset="0"/>
+              <a:latin typeface="Quicksand Light" panose="00000400000000000000" pitchFamily="2" charset="0"/>
             </a:endParaRPr>
           </a:p>
         </p:txBody>
@@ -13820,7 +14989,7 @@
         </p:nvSpPr>
         <p:spPr>
           <a:xfrm>
-            <a:off x="3927709" y="4838966"/>
+            <a:off x="3927709" y="4711650"/>
             <a:ext cx="900000" cy="216000"/>
           </a:xfrm>
           <a:prstGeom prst="roundRect">
@@ -13832,9 +15001,7 @@
             </a:srgbClr>
           </a:solidFill>
           <a:ln w="12700">
-            <a:solidFill>
-              <a:srgbClr val="00DA8C"/>
-            </a:solidFill>
+            <a:noFill/>
           </a:ln>
         </p:spPr>
         <p:style>
@@ -13860,12 +15027,12 @@
             <a:pPr algn="ctr"/>
             <a:r>
               <a:rPr lang="en-US" altLang="zh-CN" sz="800">
-                <a:latin typeface="Quicksand" panose="00000500000000000000" pitchFamily="2" charset="0"/>
+                <a:latin typeface="Quicksand Light" panose="00000400000000000000" pitchFamily="2" charset="0"/>
               </a:rPr>
               <a:t>&lt;button&gt;</a:t>
             </a:r>
             <a:endParaRPr lang="zh-CN" altLang="en-US" sz="800">
-              <a:latin typeface="Quicksand" panose="00000500000000000000" pitchFamily="2" charset="0"/>
+              <a:latin typeface="Quicksand Light" panose="00000400000000000000" pitchFamily="2" charset="0"/>
             </a:endParaRPr>
           </a:p>
         </p:txBody>
@@ -13884,21 +15051,17 @@
         </p:nvSpPr>
         <p:spPr>
           <a:xfrm>
-            <a:off x="4988680" y="2565107"/>
+            <a:off x="4988680" y="1998000"/>
             <a:ext cx="900000" cy="216000"/>
           </a:xfrm>
           <a:prstGeom prst="roundRect">
             <a:avLst/>
           </a:prstGeom>
           <a:solidFill>
-            <a:srgbClr val="FDECDB">
-              <a:alpha val="89804"/>
-            </a:srgbClr>
+            <a:srgbClr val="FDECDB"/>
           </a:solidFill>
           <a:ln w="12700">
-            <a:solidFill>
-              <a:srgbClr val="FDECDB"/>
-            </a:solidFill>
+            <a:noFill/>
           </a:ln>
         </p:spPr>
         <p:style>
@@ -13954,21 +15117,17 @@
         </p:nvSpPr>
         <p:spPr>
           <a:xfrm>
-            <a:off x="4988680" y="2830241"/>
+            <a:off x="4988680" y="2250000"/>
             <a:ext cx="900000" cy="216000"/>
           </a:xfrm>
           <a:prstGeom prst="roundRect">
             <a:avLst/>
           </a:prstGeom>
           <a:solidFill>
-            <a:srgbClr val="FDECDB">
-              <a:alpha val="89804"/>
-            </a:srgbClr>
+            <a:srgbClr val="FDECDB"/>
           </a:solidFill>
           <a:ln w="12700">
-            <a:solidFill>
-              <a:srgbClr val="FDECDB"/>
-            </a:solidFill>
+            <a:noFill/>
           </a:ln>
         </p:spPr>
         <p:style>
@@ -14024,7 +15183,7 @@
         </p:nvSpPr>
         <p:spPr>
           <a:xfrm>
-            <a:off x="4988680" y="3436876"/>
+            <a:off x="4988680" y="3276000"/>
             <a:ext cx="900000" cy="216000"/>
           </a:xfrm>
           <a:prstGeom prst="roundRect">
@@ -14036,9 +15195,7 @@
             </a:srgbClr>
           </a:solidFill>
           <a:ln w="12700">
-            <a:solidFill>
-              <a:srgbClr val="FED9D8"/>
-            </a:solidFill>
+            <a:noFill/>
           </a:ln>
         </p:spPr>
         <p:style>
@@ -14094,7 +15251,7 @@
         </p:nvSpPr>
         <p:spPr>
           <a:xfrm>
-            <a:off x="4988680" y="3710978"/>
+            <a:off x="4988680" y="3528000"/>
             <a:ext cx="900000" cy="216000"/>
           </a:xfrm>
           <a:prstGeom prst="roundRect">
@@ -14106,9 +15263,7 @@
             </a:srgbClr>
           </a:solidFill>
           <a:ln w="12700">
-            <a:solidFill>
-              <a:srgbClr val="FED9D8"/>
-            </a:solidFill>
+            <a:noFill/>
           </a:ln>
         </p:spPr>
         <p:style>
@@ -14164,7 +15319,7 @@
         </p:nvSpPr>
         <p:spPr>
           <a:xfrm>
-            <a:off x="4988680" y="4838966"/>
+            <a:off x="4988680" y="4711650"/>
             <a:ext cx="900000" cy="216000"/>
           </a:xfrm>
           <a:prstGeom prst="roundRect">
@@ -14176,9 +15331,7 @@
             </a:srgbClr>
           </a:solidFill>
           <a:ln w="12700">
-            <a:solidFill>
-              <a:srgbClr val="CCF2E5"/>
-            </a:solidFill>
+            <a:noFill/>
           </a:ln>
         </p:spPr>
         <p:style>
@@ -14238,8 +15391,8 @@
         </p:nvCxnSpPr>
         <p:spPr>
           <a:xfrm flipV="1">
-            <a:off x="3691582" y="2046060"/>
-            <a:ext cx="236127" cy="1333054"/>
+            <a:off x="3691582" y="2998560"/>
+            <a:ext cx="236127" cy="381720"/>
           </a:xfrm>
           <a:prstGeom prst="curvedConnector3">
             <a:avLst/>
@@ -14285,8 +15438,8 @@
         </p:nvCxnSpPr>
         <p:spPr>
           <a:xfrm>
-            <a:off x="3691582" y="3379114"/>
-            <a:ext cx="236127" cy="576916"/>
+            <a:off x="3691582" y="3380280"/>
+            <a:ext cx="236127" cy="507720"/>
           </a:xfrm>
           <a:prstGeom prst="curvedConnector3">
             <a:avLst/>
@@ -14329,8 +15482,8 @@
         </p:nvCxnSpPr>
         <p:spPr>
           <a:xfrm>
-            <a:off x="3691582" y="3379114"/>
-            <a:ext cx="236127" cy="1567852"/>
+            <a:off x="3691582" y="3380280"/>
+            <a:ext cx="236127" cy="1439370"/>
           </a:xfrm>
           <a:prstGeom prst="curvedConnector3">
             <a:avLst/>
@@ -14373,8 +15526,8 @@
         </p:nvCxnSpPr>
         <p:spPr>
           <a:xfrm rot="10800000" flipV="1">
-            <a:off x="3691583" y="2939250"/>
-            <a:ext cx="236127" cy="439864"/>
+            <a:off x="3691583" y="2358000"/>
+            <a:ext cx="236127" cy="1022280"/>
           </a:xfrm>
           <a:prstGeom prst="curvedConnector3">
             <a:avLst/>
@@ -14417,8 +15570,8 @@
         </p:nvCxnSpPr>
         <p:spPr>
           <a:xfrm flipV="1">
-            <a:off x="4827709" y="2673107"/>
-            <a:ext cx="160971" cy="266143"/>
+            <a:off x="4827709" y="2106000"/>
+            <a:ext cx="160971" cy="252000"/>
           </a:xfrm>
           <a:prstGeom prst="curvedConnector3">
             <a:avLst/>
@@ -14462,8 +15615,8 @@
         </p:nvCxnSpPr>
         <p:spPr>
           <a:xfrm rot="10800000">
-            <a:off x="4827710" y="2939250"/>
-            <a:ext cx="160971" cy="266142"/>
+            <a:off x="4827710" y="2358000"/>
+            <a:ext cx="160971" cy="252000"/>
           </a:xfrm>
           <a:prstGeom prst="curvedConnector3">
             <a:avLst/>
@@ -14506,8 +15659,8 @@
         </p:nvCxnSpPr>
         <p:spPr>
           <a:xfrm flipV="1">
-            <a:off x="4827709" y="3544876"/>
-            <a:ext cx="160971" cy="411154"/>
+            <a:off x="4827709" y="3384000"/>
+            <a:ext cx="160971" cy="504000"/>
           </a:xfrm>
           <a:prstGeom prst="curvedConnector3">
             <a:avLst/>
@@ -14544,15 +15697,15 @@
           </p:cNvPr>
           <p:cNvCxnSpPr>
             <a:cxnSpLocks/>
-            <a:stCxn id="58" idx="1"/>
+            <a:stCxn id="101" idx="1"/>
             <a:endCxn id="5" idx="3"/>
           </p:cNvCxnSpPr>
           <p:nvPr/>
         </p:nvCxnSpPr>
         <p:spPr>
           <a:xfrm rot="10800000">
-            <a:off x="4827710" y="3956030"/>
-            <a:ext cx="160971" cy="137050"/>
+            <a:off x="4827709" y="3888000"/>
+            <a:ext cx="160970" cy="252000"/>
           </a:xfrm>
           <a:prstGeom prst="curvedConnector3">
             <a:avLst/>
@@ -14592,21 +15745,17 @@
         </p:nvSpPr>
         <p:spPr>
           <a:xfrm>
-            <a:off x="4988680" y="3097392"/>
+            <a:off x="4988680" y="2502000"/>
             <a:ext cx="900000" cy="216000"/>
           </a:xfrm>
           <a:prstGeom prst="roundRect">
             <a:avLst/>
           </a:prstGeom>
           <a:solidFill>
-            <a:srgbClr val="FDECDB">
-              <a:alpha val="89804"/>
-            </a:srgbClr>
+            <a:srgbClr val="FDECDB"/>
           </a:solidFill>
           <a:ln w="12700">
-            <a:solidFill>
-              <a:srgbClr val="FDECDB"/>
-            </a:solidFill>
+            <a:noFill/>
           </a:ln>
         </p:spPr>
         <p:style>
@@ -14662,24 +15811,19 @@
         </p:nvSpPr>
         <p:spPr>
           <a:xfrm>
-            <a:off x="4988680" y="1943682"/>
+            <a:off x="4988680" y="2890560"/>
             <a:ext cx="900000" cy="216000"/>
           </a:xfrm>
           <a:prstGeom prst="roundRect">
             <a:avLst/>
           </a:prstGeom>
           <a:solidFill>
-            <a:srgbClr val="6D91D1">
+            <a:srgbClr val="A2B9E2">
               <a:alpha val="89804"/>
             </a:srgbClr>
           </a:solidFill>
           <a:ln w="12700">
-            <a:solidFill>
-              <a:schemeClr val="accent1">
-                <a:lumMod val="60000"/>
-                <a:lumOff val="40000"/>
-              </a:schemeClr>
-            </a:solidFill>
+            <a:noFill/>
           </a:ln>
         </p:spPr>
         <p:style>
@@ -14705,12 +15849,18 @@
             <a:pPr algn="ctr"/>
             <a:r>
               <a:rPr lang="en-US" altLang="zh-CN" sz="800">
-                <a:latin typeface="Quicksand" panose="00000500000000000000" pitchFamily="2" charset="0"/>
+                <a:solidFill>
+                  <a:sysClr val="windowText" lastClr="000000"/>
+                </a:solidFill>
+                <a:latin typeface="Quicksand Light" panose="00000400000000000000" pitchFamily="2" charset="0"/>
               </a:rPr>
               <a:t>for</a:t>
             </a:r>
             <a:endParaRPr lang="zh-CN" altLang="en-US" sz="800">
-              <a:latin typeface="Quicksand" panose="00000500000000000000" pitchFamily="2" charset="0"/>
+              <a:solidFill>
+                <a:sysClr val="windowText" lastClr="000000"/>
+              </a:solidFill>
+              <a:latin typeface="Quicksand Light" panose="00000400000000000000" pitchFamily="2" charset="0"/>
             </a:endParaRPr>
           </a:p>
         </p:txBody>
@@ -14729,21 +15879,15 @@
         </p:nvSpPr>
         <p:spPr>
           <a:xfrm>
-            <a:off x="6057780" y="1943932"/>
-            <a:ext cx="900000" cy="216000"/>
+            <a:off x="6057780" y="1620000"/>
+            <a:ext cx="720000" cy="216000"/>
           </a:xfrm>
           <a:prstGeom prst="roundRect">
             <a:avLst/>
           </a:prstGeom>
-          <a:solidFill>
-            <a:srgbClr val="F87F57">
-              <a:alpha val="89804"/>
-            </a:srgbClr>
-          </a:solidFill>
+          <a:noFill/>
           <a:ln w="12700">
-            <a:solidFill>
-              <a:srgbClr val="FDECDB"/>
-            </a:solidFill>
+            <a:noFill/>
           </a:ln>
         </p:spPr>
         <p:style>
@@ -14766,11 +15910,11 @@
           <a:bodyPr rtlCol="0" anchor="ctr"/>
           <a:lstStyle/>
           <a:p>
-            <a:pPr algn="ctr"/>
+            <a:pPr algn="just"/>
             <a:r>
               <a:rPr lang="en-US" altLang="zh-CN" sz="800">
                 <a:solidFill>
-                  <a:schemeClr val="bg1"/>
+                  <a:sysClr val="windowText" lastClr="000000"/>
                 </a:solidFill>
                 <a:latin typeface="Quicksand Light" panose="00000400000000000000" pitchFamily="2" charset="0"/>
               </a:rPr>
@@ -14778,7 +15922,7 @@
             </a:r>
             <a:endParaRPr lang="zh-CN" altLang="en-US" sz="800">
               <a:solidFill>
-                <a:schemeClr val="bg1"/>
+                <a:sysClr val="windowText" lastClr="000000"/>
               </a:solidFill>
               <a:latin typeface="Quicksand Light" panose="00000400000000000000" pitchFamily="2" charset="0"/>
             </a:endParaRPr>
@@ -14799,21 +15943,15 @@
         </p:nvSpPr>
         <p:spPr>
           <a:xfrm>
-            <a:off x="6057780" y="2224041"/>
-            <a:ext cx="900000" cy="216000"/>
+            <a:off x="6057780" y="1872000"/>
+            <a:ext cx="720000" cy="216000"/>
           </a:xfrm>
           <a:prstGeom prst="roundRect">
             <a:avLst/>
           </a:prstGeom>
-          <a:solidFill>
-            <a:srgbClr val="F87F57">
-              <a:alpha val="89804"/>
-            </a:srgbClr>
-          </a:solidFill>
+          <a:noFill/>
           <a:ln w="12700">
-            <a:solidFill>
-              <a:srgbClr val="FDECDB"/>
-            </a:solidFill>
+            <a:noFill/>
           </a:ln>
         </p:spPr>
         <p:style>
@@ -14836,11 +15974,11 @@
           <a:bodyPr rtlCol="0" anchor="ctr"/>
           <a:lstStyle/>
           <a:p>
-            <a:pPr algn="ctr"/>
+            <a:pPr algn="just"/>
             <a:r>
               <a:rPr lang="en-US" altLang="zh-CN" sz="800">
                 <a:solidFill>
-                  <a:schemeClr val="bg1"/>
+                  <a:sysClr val="windowText" lastClr="000000"/>
                 </a:solidFill>
                 <a:latin typeface="Quicksand Light" panose="00000400000000000000" pitchFamily="2" charset="0"/>
               </a:rPr>
@@ -14848,7 +15986,7 @@
             </a:r>
             <a:endParaRPr lang="zh-CN" altLang="en-US" sz="800">
               <a:solidFill>
-                <a:schemeClr val="bg1"/>
+                <a:sysClr val="windowText" lastClr="000000"/>
               </a:solidFill>
               <a:latin typeface="Quicksand Light" panose="00000400000000000000" pitchFamily="2" charset="0"/>
             </a:endParaRPr>
@@ -14869,21 +16007,15 @@
         </p:nvSpPr>
         <p:spPr>
           <a:xfrm>
-            <a:off x="6057780" y="2834363"/>
-            <a:ext cx="900000" cy="216000"/>
+            <a:off x="6057780" y="2124000"/>
+            <a:ext cx="720000" cy="216000"/>
           </a:xfrm>
           <a:prstGeom prst="roundRect">
             <a:avLst/>
           </a:prstGeom>
-          <a:solidFill>
-            <a:srgbClr val="F87F57">
-              <a:alpha val="89804"/>
-            </a:srgbClr>
-          </a:solidFill>
+          <a:noFill/>
           <a:ln w="12700">
-            <a:solidFill>
-              <a:srgbClr val="FDECDB"/>
-            </a:solidFill>
+            <a:noFill/>
           </a:ln>
         </p:spPr>
         <p:style>
@@ -14906,11 +16038,11 @@
           <a:bodyPr rtlCol="0" anchor="ctr"/>
           <a:lstStyle/>
           <a:p>
-            <a:pPr algn="ctr"/>
+            <a:pPr algn="just"/>
             <a:r>
               <a:rPr lang="en-US" altLang="zh-CN" sz="800">
                 <a:solidFill>
-                  <a:schemeClr val="bg1"/>
+                  <a:sysClr val="windowText" lastClr="000000"/>
                 </a:solidFill>
                 <a:latin typeface="Quicksand Light" panose="00000400000000000000" pitchFamily="2" charset="0"/>
               </a:rPr>
@@ -14918,7 +16050,7 @@
             </a:r>
             <a:endParaRPr lang="zh-CN" altLang="en-US" sz="800">
               <a:solidFill>
-                <a:schemeClr val="bg1"/>
+                <a:sysClr val="windowText" lastClr="000000"/>
               </a:solidFill>
               <a:latin typeface="Quicksand Light" panose="00000400000000000000" pitchFamily="2" charset="0"/>
             </a:endParaRPr>
@@ -14943,8 +16075,8 @@
         </p:nvCxnSpPr>
         <p:spPr>
           <a:xfrm flipV="1">
-            <a:off x="5888680" y="2051932"/>
-            <a:ext cx="169100" cy="621175"/>
+            <a:off x="5888680" y="1728000"/>
+            <a:ext cx="169100" cy="378000"/>
           </a:xfrm>
           <a:prstGeom prst="curvedConnector3">
             <a:avLst/>
@@ -14988,8 +16120,8 @@
         </p:nvCxnSpPr>
         <p:spPr>
           <a:xfrm>
-            <a:off x="5888680" y="2673107"/>
-            <a:ext cx="169100" cy="269256"/>
+            <a:off x="5888680" y="2106000"/>
+            <a:ext cx="169100" cy="126000"/>
           </a:xfrm>
           <a:prstGeom prst="curvedConnector3">
             <a:avLst/>
@@ -15033,7 +16165,7 @@
         </p:nvCxnSpPr>
         <p:spPr>
           <a:xfrm>
-            <a:off x="4827709" y="4946966"/>
+            <a:off x="4827709" y="4819650"/>
             <a:ext cx="160971" cy="0"/>
           </a:xfrm>
           <a:prstGeom prst="line">
@@ -15078,8 +16210,8 @@
         </p:nvCxnSpPr>
         <p:spPr>
           <a:xfrm>
-            <a:off x="4827709" y="2046060"/>
-            <a:ext cx="160971" cy="5622"/>
+            <a:off x="4827709" y="2998560"/>
+            <a:ext cx="160971" cy="0"/>
           </a:xfrm>
           <a:prstGeom prst="line">
             <a:avLst/>
@@ -15125,9 +16257,9 @@
           <p:nvPr/>
         </p:nvCxnSpPr>
         <p:spPr>
-          <a:xfrm flipV="1">
-            <a:off x="4827709" y="2938241"/>
-            <a:ext cx="160971" cy="1009"/>
+          <a:xfrm>
+            <a:off x="4827709" y="2358000"/>
+            <a:ext cx="160971" cy="0"/>
           </a:xfrm>
           <a:prstGeom prst="line">
             <a:avLst/>
@@ -15167,21 +16299,17 @@
         </p:nvSpPr>
         <p:spPr>
           <a:xfrm>
-            <a:off x="7279720" y="2083987"/>
+            <a:off x="6866970" y="1619950"/>
             <a:ext cx="900000" cy="216000"/>
           </a:xfrm>
           <a:prstGeom prst="roundRect">
             <a:avLst/>
           </a:prstGeom>
           <a:solidFill>
-            <a:srgbClr val="FDECDB">
-              <a:alpha val="89804"/>
-            </a:srgbClr>
+            <a:srgbClr val="FDECDB"/>
           </a:solidFill>
           <a:ln w="12700">
-            <a:solidFill>
-              <a:srgbClr val="FDECDB"/>
-            </a:solidFill>
+            <a:noFill/>
           </a:ln>
         </p:spPr>
         <p:style>
@@ -15237,7 +16365,7 @@
         </p:nvSpPr>
         <p:spPr>
           <a:xfrm>
-            <a:off x="4988680" y="3985080"/>
+            <a:off x="4988680" y="3780000"/>
             <a:ext cx="900000" cy="216000"/>
           </a:xfrm>
           <a:prstGeom prst="roundRect">
@@ -15249,9 +16377,7 @@
             </a:srgbClr>
           </a:solidFill>
           <a:ln w="12700">
-            <a:solidFill>
-              <a:srgbClr val="FED9D8"/>
-            </a:solidFill>
+            <a:noFill/>
           </a:ln>
         </p:spPr>
         <p:style>
@@ -15307,21 +16433,15 @@
         </p:nvSpPr>
         <p:spPr>
           <a:xfrm>
-            <a:off x="6096000" y="4570701"/>
-            <a:ext cx="900000" cy="216000"/>
+            <a:off x="6096000" y="4459650"/>
+            <a:ext cx="720000" cy="216000"/>
           </a:xfrm>
           <a:prstGeom prst="roundRect">
             <a:avLst/>
           </a:prstGeom>
-          <a:solidFill>
-            <a:srgbClr val="CCF2E5">
-              <a:alpha val="89804"/>
-            </a:srgbClr>
-          </a:solidFill>
+          <a:noFill/>
           <a:ln w="12700">
-            <a:solidFill>
-              <a:srgbClr val="CCF2E5"/>
-            </a:solidFill>
+            <a:noFill/>
           </a:ln>
         </p:spPr>
         <p:style>
@@ -15344,7 +16464,7 @@
           <a:bodyPr rtlCol="0" anchor="ctr"/>
           <a:lstStyle/>
           <a:p>
-            <a:pPr algn="ctr"/>
+            <a:pPr algn="just"/>
             <a:r>
               <a:rPr lang="en-US" altLang="zh-CN" sz="800">
                 <a:solidFill>
@@ -15377,21 +16497,15 @@
         </p:nvSpPr>
         <p:spPr>
           <a:xfrm>
-            <a:off x="6096000" y="4838966"/>
-            <a:ext cx="900000" cy="216000"/>
+            <a:off x="6096000" y="4711650"/>
+            <a:ext cx="720000" cy="216000"/>
           </a:xfrm>
           <a:prstGeom prst="roundRect">
             <a:avLst/>
           </a:prstGeom>
-          <a:solidFill>
-            <a:srgbClr val="CCF2E5">
-              <a:alpha val="89804"/>
-            </a:srgbClr>
-          </a:solidFill>
+          <a:noFill/>
           <a:ln w="12700">
-            <a:solidFill>
-              <a:srgbClr val="CCF2E5"/>
-            </a:solidFill>
+            <a:noFill/>
           </a:ln>
         </p:spPr>
         <p:style>
@@ -15414,7 +16528,7 @@
           <a:bodyPr rtlCol="0" anchor="ctr"/>
           <a:lstStyle/>
           <a:p>
-            <a:pPr algn="ctr"/>
+            <a:pPr algn="just"/>
             <a:r>
               <a:rPr lang="en-US" altLang="zh-CN" sz="800">
                 <a:solidFill>
@@ -15447,21 +16561,15 @@
         </p:nvSpPr>
         <p:spPr>
           <a:xfrm>
-            <a:off x="6096000" y="5107232"/>
-            <a:ext cx="900000" cy="216000"/>
+            <a:off x="6096000" y="4963650"/>
+            <a:ext cx="720000" cy="216000"/>
           </a:xfrm>
           <a:prstGeom prst="roundRect">
             <a:avLst/>
           </a:prstGeom>
-          <a:solidFill>
-            <a:srgbClr val="CCF2E5">
-              <a:alpha val="89804"/>
-            </a:srgbClr>
-          </a:solidFill>
+          <a:noFill/>
           <a:ln w="12700">
-            <a:solidFill>
-              <a:srgbClr val="CCF2E5"/>
-            </a:solidFill>
+            <a:noFill/>
           </a:ln>
         </p:spPr>
         <p:style>
@@ -15484,7 +16592,7 @@
           <a:bodyPr rtlCol="0" anchor="ctr"/>
           <a:lstStyle/>
           <a:p>
-            <a:pPr algn="ctr"/>
+            <a:pPr algn="just"/>
             <a:r>
               <a:rPr lang="en-US" altLang="zh-CN" sz="800">
                 <a:solidFill>
@@ -15521,7 +16629,7 @@
         </p:nvCxnSpPr>
         <p:spPr>
           <a:xfrm>
-            <a:off x="5888680" y="4946966"/>
+            <a:off x="5888680" y="4819650"/>
             <a:ext cx="207320" cy="0"/>
           </a:xfrm>
           <a:prstGeom prst="line">
@@ -15565,8 +16673,8 @@
         </p:nvCxnSpPr>
         <p:spPr>
           <a:xfrm rot="10800000" flipV="1">
-            <a:off x="5888680" y="4678700"/>
-            <a:ext cx="207320" cy="268265"/>
+            <a:off x="5888680" y="4567650"/>
+            <a:ext cx="207320" cy="252000"/>
           </a:xfrm>
           <a:prstGeom prst="curvedConnector3">
             <a:avLst/>
@@ -15609,8 +16717,8 @@
         </p:nvCxnSpPr>
         <p:spPr>
           <a:xfrm rot="10800000">
-            <a:off x="5888680" y="4946966"/>
-            <a:ext cx="207320" cy="268266"/>
+            <a:off x="5888680" y="4819650"/>
+            <a:ext cx="207320" cy="252000"/>
           </a:xfrm>
           <a:prstGeom prst="curvedConnector3">
             <a:avLst/>
@@ -15650,21 +16758,17 @@
         </p:nvSpPr>
         <p:spPr>
           <a:xfrm>
-            <a:off x="7279720" y="2694309"/>
+            <a:off x="6866970" y="2123950"/>
             <a:ext cx="900000" cy="216000"/>
           </a:xfrm>
           <a:prstGeom prst="roundRect">
             <a:avLst/>
           </a:prstGeom>
           <a:solidFill>
-            <a:srgbClr val="FDECDB">
-              <a:alpha val="89804"/>
-            </a:srgbClr>
+            <a:srgbClr val="FDECDB"/>
           </a:solidFill>
           <a:ln w="12700">
-            <a:solidFill>
-              <a:srgbClr val="FDECDB"/>
-            </a:solidFill>
+            <a:noFill/>
           </a:ln>
         </p:spPr>
         <p:style>
@@ -15720,21 +16824,17 @@
         </p:nvSpPr>
         <p:spPr>
           <a:xfrm>
-            <a:off x="7279720" y="2974417"/>
+            <a:off x="6866970" y="2627950"/>
             <a:ext cx="900000" cy="216000"/>
           </a:xfrm>
           <a:prstGeom prst="roundRect">
             <a:avLst/>
           </a:prstGeom>
           <a:solidFill>
-            <a:srgbClr val="FDECDB">
-              <a:alpha val="89804"/>
-            </a:srgbClr>
+            <a:srgbClr val="FDECDB"/>
           </a:solidFill>
           <a:ln w="12700">
-            <a:solidFill>
-              <a:srgbClr val="FDECDB"/>
-            </a:solidFill>
+            <a:noFill/>
           </a:ln>
         </p:spPr>
         <p:style>
@@ -15776,100 +16876,6 @@
           </a:p>
         </p:txBody>
       </p:sp>
-      <p:cxnSp>
-        <p:nvCxnSpPr>
-          <p:cNvPr id="82" name="连接符: 曲线 81">
-            <a:extLst>
-              <a:ext uri="{FF2B5EF4-FFF2-40B4-BE49-F238E27FC236}">
-                <a16:creationId xmlns:a16="http://schemas.microsoft.com/office/drawing/2014/main" id="{E646E216-D49A-51CF-F9E8-587FA7117716}"/>
-              </a:ext>
-            </a:extLst>
-          </p:cNvPr>
-          <p:cNvCxnSpPr>
-            <a:cxnSpLocks/>
-            <a:stCxn id="27" idx="3"/>
-            <a:endCxn id="99" idx="1"/>
-          </p:cNvCxnSpPr>
-          <p:nvPr/>
-        </p:nvCxnSpPr>
-        <p:spPr>
-          <a:xfrm>
-            <a:off x="6957780" y="2942363"/>
-            <a:ext cx="321940" cy="420164"/>
-          </a:xfrm>
-          <a:prstGeom prst="curvedConnector3">
-            <a:avLst>
-              <a:gd name="adj1" fmla="val 50000"/>
-            </a:avLst>
-          </a:prstGeom>
-          <a:ln>
-            <a:solidFill>
-              <a:srgbClr val="FFC000"/>
-            </a:solidFill>
-          </a:ln>
-        </p:spPr>
-        <p:style>
-          <a:lnRef idx="1">
-            <a:schemeClr val="accent1"/>
-          </a:lnRef>
-          <a:fillRef idx="0">
-            <a:schemeClr val="accent1"/>
-          </a:fillRef>
-          <a:effectRef idx="0">
-            <a:schemeClr val="accent1"/>
-          </a:effectRef>
-          <a:fontRef idx="minor">
-            <a:schemeClr val="tx1"/>
-          </a:fontRef>
-        </p:style>
-      </p:cxnSp>
-      <p:cxnSp>
-        <p:nvCxnSpPr>
-          <p:cNvPr id="83" name="连接符: 曲线 82">
-            <a:extLst>
-              <a:ext uri="{FF2B5EF4-FFF2-40B4-BE49-F238E27FC236}">
-                <a16:creationId xmlns:a16="http://schemas.microsoft.com/office/drawing/2014/main" id="{7FD483EC-C2E8-49DD-E220-713594CB9A7F}"/>
-              </a:ext>
-            </a:extLst>
-          </p:cNvPr>
-          <p:cNvCxnSpPr>
-            <a:cxnSpLocks/>
-            <a:stCxn id="108" idx="3"/>
-            <a:endCxn id="72" idx="1"/>
-          </p:cNvCxnSpPr>
-          <p:nvPr/>
-        </p:nvCxnSpPr>
-        <p:spPr>
-          <a:xfrm flipV="1">
-            <a:off x="6949650" y="2802309"/>
-            <a:ext cx="330070" cy="420162"/>
-          </a:xfrm>
-          <a:prstGeom prst="curvedConnector3">
-            <a:avLst>
-              <a:gd name="adj1" fmla="val 50000"/>
-            </a:avLst>
-          </a:prstGeom>
-          <a:ln>
-            <a:solidFill>
-              <a:srgbClr val="FFC000"/>
-            </a:solidFill>
-          </a:ln>
-        </p:spPr>
-        <p:style>
-          <a:lnRef idx="1">
-            <a:schemeClr val="accent1"/>
-          </a:lnRef>
-          <a:fillRef idx="0">
-            <a:schemeClr val="accent1"/>
-          </a:fillRef>
-          <a:effectRef idx="0">
-            <a:schemeClr val="accent1"/>
-          </a:effectRef>
-          <a:fontRef idx="minor">
-            <a:schemeClr val="tx1"/>
-          </a:fontRef>
-        </p:style>
-      </p:cxnSp>
       <p:sp>
         <p:nvSpPr>
           <p:cNvPr id="99" name="矩形: 圆角 98">
@@ -15884,21 +16890,17 @@
         </p:nvSpPr>
         <p:spPr>
           <a:xfrm>
-            <a:off x="7279720" y="3254527"/>
+            <a:off x="6866970" y="2375950"/>
             <a:ext cx="900000" cy="216000"/>
           </a:xfrm>
           <a:prstGeom prst="roundRect">
             <a:avLst/>
           </a:prstGeom>
           <a:solidFill>
-            <a:srgbClr val="FDECDB">
-              <a:alpha val="89804"/>
-            </a:srgbClr>
+            <a:srgbClr val="FDECDB"/>
           </a:solidFill>
           <a:ln w="12700">
-            <a:solidFill>
-              <a:srgbClr val="FDECDB"/>
-            </a:solidFill>
+            <a:noFill/>
           </a:ln>
         </p:spPr>
         <p:style>
@@ -15954,21 +16956,17 @@
         </p:nvSpPr>
         <p:spPr>
           <a:xfrm>
-            <a:off x="7279720" y="1803878"/>
+            <a:off x="6866970" y="1367950"/>
             <a:ext cx="900000" cy="216000"/>
           </a:xfrm>
           <a:prstGeom prst="roundRect">
             <a:avLst/>
           </a:prstGeom>
           <a:solidFill>
-            <a:srgbClr val="FDECDB">
-              <a:alpha val="89804"/>
-            </a:srgbClr>
+            <a:srgbClr val="FDECDB"/>
           </a:solidFill>
           <a:ln w="12700">
-            <a:solidFill>
-              <a:srgbClr val="FDECDB"/>
-            </a:solidFill>
+            <a:noFill/>
           </a:ln>
         </p:spPr>
         <p:style>
@@ -16024,7 +17022,7 @@
         </p:nvSpPr>
         <p:spPr>
           <a:xfrm>
-            <a:off x="4988679" y="4259183"/>
+            <a:off x="4988679" y="4032000"/>
             <a:ext cx="900000" cy="216000"/>
           </a:xfrm>
           <a:prstGeom prst="roundRect">
@@ -16036,9 +17034,7 @@
             </a:srgbClr>
           </a:solidFill>
           <a:ln w="12700">
-            <a:solidFill>
-              <a:srgbClr val="FED9D8"/>
-            </a:solidFill>
+            <a:noFill/>
           </a:ln>
         </p:spPr>
         <p:style>
@@ -16091,15 +17087,15 @@
           </p:cNvPr>
           <p:cNvCxnSpPr>
             <a:cxnSpLocks/>
-            <a:stCxn id="101" idx="1"/>
+            <a:stCxn id="53" idx="1"/>
             <a:endCxn id="5" idx="3"/>
           </p:cNvCxnSpPr>
           <p:nvPr/>
         </p:nvCxnSpPr>
         <p:spPr>
           <a:xfrm rot="10800000">
-            <a:off x="4827709" y="3956031"/>
-            <a:ext cx="160970" cy="411153"/>
+            <a:off x="4827709" y="3888000"/>
+            <a:ext cx="160970" cy="511200"/>
           </a:xfrm>
           <a:prstGeom prst="curvedConnector3">
             <a:avLst>
@@ -16145,8 +17141,8 @@
         </p:nvCxnSpPr>
         <p:spPr>
           <a:xfrm rot="10800000" flipV="1">
-            <a:off x="4827710" y="3818978"/>
-            <a:ext cx="160971" cy="137052"/>
+            <a:off x="4827710" y="3636000"/>
+            <a:ext cx="160971" cy="252000"/>
           </a:xfrm>
           <a:prstGeom prst="curvedConnector3">
             <a:avLst>
@@ -16188,21 +17184,15 @@
         </p:nvSpPr>
         <p:spPr>
           <a:xfrm>
-            <a:off x="6049650" y="3114471"/>
-            <a:ext cx="900000" cy="216000"/>
+            <a:off x="6049650" y="2376000"/>
+            <a:ext cx="720000" cy="216000"/>
           </a:xfrm>
           <a:prstGeom prst="roundRect">
             <a:avLst/>
           </a:prstGeom>
-          <a:solidFill>
-            <a:srgbClr val="F87F57">
-              <a:alpha val="89804"/>
-            </a:srgbClr>
-          </a:solidFill>
+          <a:noFill/>
           <a:ln w="12700">
-            <a:solidFill>
-              <a:srgbClr val="FDECDB"/>
-            </a:solidFill>
+            <a:noFill/>
           </a:ln>
         </p:spPr>
         <p:style>
@@ -16225,11 +17215,11 @@
           <a:bodyPr rtlCol="0" anchor="ctr"/>
           <a:lstStyle/>
           <a:p>
-            <a:pPr algn="ctr"/>
+            <a:pPr algn="just"/>
             <a:r>
               <a:rPr lang="en-US" altLang="zh-CN" sz="800">
                 <a:solidFill>
-                  <a:schemeClr val="bg1"/>
+                  <a:sysClr val="windowText" lastClr="000000"/>
                 </a:solidFill>
                 <a:latin typeface="Quicksand Light" panose="00000400000000000000" pitchFamily="2" charset="0"/>
               </a:rPr>
@@ -16237,7 +17227,7 @@
             </a:r>
             <a:endParaRPr lang="zh-CN" altLang="en-US" sz="800">
               <a:solidFill>
-                <a:schemeClr val="bg1"/>
+                <a:sysClr val="windowText" lastClr="000000"/>
               </a:solidFill>
               <a:latin typeface="Quicksand Light" panose="00000400000000000000" pitchFamily="2" charset="0"/>
             </a:endParaRPr>
@@ -16258,21 +17248,17 @@
         </p:nvSpPr>
         <p:spPr>
           <a:xfrm>
-            <a:off x="7279720" y="2364096"/>
+            <a:off x="6866970" y="1871950"/>
             <a:ext cx="900000" cy="216000"/>
           </a:xfrm>
           <a:prstGeom prst="roundRect">
             <a:avLst/>
           </a:prstGeom>
           <a:solidFill>
-            <a:srgbClr val="FDECDB">
-              <a:alpha val="89804"/>
-            </a:srgbClr>
+            <a:srgbClr val="FDECDB"/>
           </a:solidFill>
           <a:ln w="12700">
-            <a:solidFill>
-              <a:srgbClr val="FDECDB"/>
-            </a:solidFill>
+            <a:noFill/>
           </a:ln>
         </p:spPr>
         <p:style>
@@ -16332,8 +17318,8 @@
         </p:nvCxnSpPr>
         <p:spPr>
           <a:xfrm flipV="1">
-            <a:off x="5888680" y="2332041"/>
-            <a:ext cx="169100" cy="341066"/>
+            <a:off x="5888680" y="1980000"/>
+            <a:ext cx="169100" cy="126000"/>
           </a:xfrm>
           <a:prstGeom prst="curvedConnector3">
             <a:avLst>
@@ -16379,8 +17365,8 @@
         </p:nvCxnSpPr>
         <p:spPr>
           <a:xfrm>
-            <a:off x="5888680" y="2673107"/>
-            <a:ext cx="160970" cy="549364"/>
+            <a:off x="5888680" y="2106000"/>
+            <a:ext cx="160970" cy="378000"/>
           </a:xfrm>
           <a:prstGeom prst="curvedConnector3">
             <a:avLst>
@@ -16408,26 +17394,152 @@
           </a:fontRef>
         </p:style>
       </p:cxnSp>
+      <p:sp>
+        <p:nvSpPr>
+          <p:cNvPr id="12" name="矩形: 圆角 11">
+            <a:extLst>
+              <a:ext uri="{FF2B5EF4-FFF2-40B4-BE49-F238E27FC236}">
+                <a16:creationId xmlns:a16="http://schemas.microsoft.com/office/drawing/2014/main" id="{A4AC0C05-156D-C5D0-C545-BF157792D2B0}"/>
+              </a:ext>
+            </a:extLst>
+          </p:cNvPr>
+          <p:cNvSpPr/>
+          <p:nvPr/>
+        </p:nvSpPr>
+        <p:spPr>
+          <a:xfrm>
+            <a:off x="3927708" y="5113863"/>
+            <a:ext cx="900000" cy="216000"/>
+          </a:xfrm>
+          <a:prstGeom prst="roundRect">
+            <a:avLst/>
+          </a:prstGeom>
+          <a:solidFill>
+            <a:srgbClr val="8854D0"/>
+          </a:solidFill>
+          <a:ln w="12700">
+            <a:noFill/>
+          </a:ln>
+        </p:spPr>
+        <p:style>
+          <a:lnRef idx="2">
+            <a:schemeClr val="accent1">
+              <a:shade val="15000"/>
+            </a:schemeClr>
+          </a:lnRef>
+          <a:fillRef idx="1">
+            <a:schemeClr val="accent1"/>
+          </a:fillRef>
+          <a:effectRef idx="0">
+            <a:schemeClr val="accent1"/>
+          </a:effectRef>
+          <a:fontRef idx="minor">
+            <a:schemeClr val="lt1"/>
+          </a:fontRef>
+        </p:style>
+        <p:txBody>
+          <a:bodyPr rtlCol="0" anchor="ctr"/>
+          <a:lstStyle/>
+          <a:p>
+            <a:pPr algn="ctr"/>
+            <a:r>
+              <a:rPr lang="en-US" altLang="zh-CN" sz="800">
+                <a:latin typeface="Quicksand Light" panose="00000400000000000000" pitchFamily="2" charset="0"/>
+              </a:rPr>
+              <a:t>&lt;select&gt;</a:t>
+            </a:r>
+            <a:endParaRPr lang="zh-CN" altLang="en-US" sz="800">
+              <a:latin typeface="Quicksand Light" panose="00000400000000000000" pitchFamily="2" charset="0"/>
+            </a:endParaRPr>
+          </a:p>
+        </p:txBody>
+      </p:sp>
+      <p:sp>
+        <p:nvSpPr>
+          <p:cNvPr id="21" name="矩形: 圆角 20">
+            <a:extLst>
+              <a:ext uri="{FF2B5EF4-FFF2-40B4-BE49-F238E27FC236}">
+                <a16:creationId xmlns:a16="http://schemas.microsoft.com/office/drawing/2014/main" id="{6F226371-3586-C9B9-645E-F5F23E0FBA5A}"/>
+              </a:ext>
+            </a:extLst>
+          </p:cNvPr>
+          <p:cNvSpPr/>
+          <p:nvPr/>
+        </p:nvSpPr>
+        <p:spPr>
+          <a:xfrm>
+            <a:off x="4988679" y="5119485"/>
+            <a:ext cx="900000" cy="216000"/>
+          </a:xfrm>
+          <a:prstGeom prst="roundRect">
+            <a:avLst/>
+          </a:prstGeom>
+          <a:solidFill>
+            <a:srgbClr val="C7ADE9"/>
+          </a:solidFill>
+          <a:ln w="12700">
+            <a:noFill/>
+          </a:ln>
+        </p:spPr>
+        <p:style>
+          <a:lnRef idx="2">
+            <a:schemeClr val="accent1">
+              <a:shade val="15000"/>
+            </a:schemeClr>
+          </a:lnRef>
+          <a:fillRef idx="1">
+            <a:schemeClr val="accent1"/>
+          </a:fillRef>
+          <a:effectRef idx="0">
+            <a:schemeClr val="accent1"/>
+          </a:effectRef>
+          <a:fontRef idx="minor">
+            <a:schemeClr val="lt1"/>
+          </a:fontRef>
+        </p:style>
+        <p:txBody>
+          <a:bodyPr rtlCol="0" anchor="ctr"/>
+          <a:lstStyle/>
+          <a:p>
+            <a:pPr algn="ctr"/>
+            <a:r>
+              <a:rPr lang="en-US" altLang="zh-CN" sz="800">
+                <a:solidFill>
+                  <a:sysClr val="windowText" lastClr="000000"/>
+                </a:solidFill>
+                <a:latin typeface="Quicksand Light" panose="00000400000000000000" pitchFamily="2" charset="0"/>
+              </a:rPr>
+              <a:t>&lt;option&gt;</a:t>
+            </a:r>
+            <a:endParaRPr lang="zh-CN" altLang="en-US" sz="800">
+              <a:solidFill>
+                <a:sysClr val="windowText" lastClr="000000"/>
+              </a:solidFill>
+              <a:latin typeface="Quicksand Light" panose="00000400000000000000" pitchFamily="2" charset="0"/>
+            </a:endParaRPr>
+          </a:p>
+        </p:txBody>
+      </p:sp>
       <p:cxnSp>
         <p:nvCxnSpPr>
-          <p:cNvPr id="124" name="连接符: 曲线 123">
-            <a:extLst>
-              <a:ext uri="{FF2B5EF4-FFF2-40B4-BE49-F238E27FC236}">
-                <a16:creationId xmlns:a16="http://schemas.microsoft.com/office/drawing/2014/main" id="{85B5DD2D-BD44-062C-C62C-8C14728381C0}"/>
+          <p:cNvPr id="22" name="连接符: 曲线 21">
+            <a:extLst>
+              <a:ext uri="{FF2B5EF4-FFF2-40B4-BE49-F238E27FC236}">
+                <a16:creationId xmlns:a16="http://schemas.microsoft.com/office/drawing/2014/main" id="{560BCEDC-8BB8-2E4F-60F6-1ED7C6624D55}"/>
               </a:ext>
             </a:extLst>
           </p:cNvPr>
           <p:cNvCxnSpPr>
             <a:cxnSpLocks/>
-            <a:stCxn id="26" idx="3"/>
-            <a:endCxn id="100" idx="1"/>
+            <a:stCxn id="2" idx="3"/>
+            <a:endCxn id="12" idx="1"/>
           </p:cNvCxnSpPr>
           <p:nvPr/>
         </p:nvCxnSpPr>
         <p:spPr>
-          <a:xfrm flipV="1">
-            <a:off x="6957780" y="1911878"/>
-            <a:ext cx="321940" cy="420163"/>
+          <a:xfrm>
+            <a:off x="3691582" y="3380280"/>
+            <a:ext cx="236126" cy="1841583"/>
           </a:xfrm>
           <a:prstGeom prst="curvedConnector3">
             <a:avLst>
@@ -16436,7 +17548,7 @@
           </a:prstGeom>
           <a:ln>
             <a:solidFill>
-              <a:srgbClr val="FFC000"/>
+              <a:srgbClr val="8854D0"/>
             </a:solidFill>
           </a:ln>
         </p:spPr>
@@ -16457,29 +17569,317 @@
       </p:cxnSp>
       <p:cxnSp>
         <p:nvCxnSpPr>
-          <p:cNvPr id="127" name="连接符: 曲线 126">
-            <a:extLst>
-              <a:ext uri="{FF2B5EF4-FFF2-40B4-BE49-F238E27FC236}">
-                <a16:creationId xmlns:a16="http://schemas.microsoft.com/office/drawing/2014/main" id="{DAC9482C-8805-38F5-78BC-1A1BA52E7885}"/>
+          <p:cNvPr id="32" name="直接连接符 31">
+            <a:extLst>
+              <a:ext uri="{FF2B5EF4-FFF2-40B4-BE49-F238E27FC236}">
+                <a16:creationId xmlns:a16="http://schemas.microsoft.com/office/drawing/2014/main" id="{30C63155-C7C4-547C-CBE0-9D0EA7EE8B52}"/>
+              </a:ext>
+            </a:extLst>
+          </p:cNvPr>
+          <p:cNvCxnSpPr>
+            <a:stCxn id="12" idx="3"/>
+            <a:endCxn id="21" idx="1"/>
+          </p:cNvCxnSpPr>
+          <p:nvPr/>
+        </p:nvCxnSpPr>
+        <p:spPr>
+          <a:xfrm>
+            <a:off x="4827708" y="5221863"/>
+            <a:ext cx="160971" cy="5622"/>
+          </a:xfrm>
+          <a:prstGeom prst="line">
+            <a:avLst/>
+          </a:prstGeom>
+          <a:ln>
+            <a:solidFill>
+              <a:srgbClr val="8854D0"/>
+            </a:solidFill>
+          </a:ln>
+        </p:spPr>
+        <p:style>
+          <a:lnRef idx="1">
+            <a:schemeClr val="accent1"/>
+          </a:lnRef>
+          <a:fillRef idx="0">
+            <a:schemeClr val="accent1"/>
+          </a:fillRef>
+          <a:effectRef idx="0">
+            <a:schemeClr val="accent1"/>
+          </a:effectRef>
+          <a:fontRef idx="minor">
+            <a:schemeClr val="tx1"/>
+          </a:fontRef>
+        </p:style>
+      </p:cxnSp>
+      <p:sp>
+        <p:nvSpPr>
+          <p:cNvPr id="53" name="矩形: 圆角 52">
+            <a:extLst>
+              <a:ext uri="{FF2B5EF4-FFF2-40B4-BE49-F238E27FC236}">
+                <a16:creationId xmlns:a16="http://schemas.microsoft.com/office/drawing/2014/main" id="{85D068B9-591C-C95F-AABD-776BB23EA30C}"/>
+              </a:ext>
+            </a:extLst>
+          </p:cNvPr>
+          <p:cNvSpPr/>
+          <p:nvPr/>
+        </p:nvSpPr>
+        <p:spPr>
+          <a:xfrm>
+            <a:off x="4988679" y="4291200"/>
+            <a:ext cx="900000" cy="216000"/>
+          </a:xfrm>
+          <a:prstGeom prst="roundRect">
+            <a:avLst/>
+          </a:prstGeom>
+          <a:solidFill>
+            <a:srgbClr val="FED9D8">
+              <a:alpha val="89804"/>
+            </a:srgbClr>
+          </a:solidFill>
+          <a:ln w="12700">
+            <a:noFill/>
+          </a:ln>
+        </p:spPr>
+        <p:style>
+          <a:lnRef idx="2">
+            <a:schemeClr val="accent1">
+              <a:shade val="15000"/>
+            </a:schemeClr>
+          </a:lnRef>
+          <a:fillRef idx="1">
+            <a:schemeClr val="accent1"/>
+          </a:fillRef>
+          <a:effectRef idx="0">
+            <a:schemeClr val="accent1"/>
+          </a:effectRef>
+          <a:fontRef idx="minor">
+            <a:schemeClr val="lt1"/>
+          </a:fontRef>
+        </p:style>
+        <p:txBody>
+          <a:bodyPr rtlCol="0" anchor="ctr"/>
+          <a:lstStyle/>
+          <a:p>
+            <a:pPr algn="ctr"/>
+            <a:r>
+              <a:rPr lang="en-US" altLang="zh-CN" sz="800">
+                <a:solidFill>
+                  <a:sysClr val="windowText" lastClr="000000"/>
+                </a:solidFill>
+                <a:latin typeface="Quicksand Light" panose="00000400000000000000" pitchFamily="2" charset="0"/>
+              </a:rPr>
+              <a:t>required</a:t>
+            </a:r>
+            <a:endParaRPr lang="zh-CN" altLang="en-US" sz="800">
+              <a:solidFill>
+                <a:sysClr val="windowText" lastClr="000000"/>
+              </a:solidFill>
+              <a:latin typeface="Quicksand Light" panose="00000400000000000000" pitchFamily="2" charset="0"/>
+            </a:endParaRPr>
+          </a:p>
+        </p:txBody>
+      </p:sp>
+      <p:cxnSp>
+        <p:nvCxnSpPr>
+          <p:cNvPr id="57" name="直接连接符 56">
+            <a:extLst>
+              <a:ext uri="{FF2B5EF4-FFF2-40B4-BE49-F238E27FC236}">
+                <a16:creationId xmlns:a16="http://schemas.microsoft.com/office/drawing/2014/main" id="{9F854D6C-16BF-D7A9-DA69-C3AFB8FC137B}"/>
+              </a:ext>
+            </a:extLst>
+          </p:cNvPr>
+          <p:cNvCxnSpPr>
+            <a:stCxn id="5" idx="3"/>
+            <a:endCxn id="58" idx="1"/>
+          </p:cNvCxnSpPr>
+          <p:nvPr/>
+        </p:nvCxnSpPr>
+        <p:spPr>
+          <a:xfrm>
+            <a:off x="4827709" y="3888000"/>
+            <a:ext cx="160971" cy="0"/>
+          </a:xfrm>
+          <a:prstGeom prst="line">
+            <a:avLst/>
+          </a:prstGeom>
+          <a:ln>
+            <a:solidFill>
+              <a:srgbClr val="FF0000"/>
+            </a:solidFill>
+          </a:ln>
+        </p:spPr>
+        <p:style>
+          <a:lnRef idx="1">
+            <a:schemeClr val="accent1"/>
+          </a:lnRef>
+          <a:fillRef idx="0">
+            <a:schemeClr val="accent1"/>
+          </a:fillRef>
+          <a:effectRef idx="0">
+            <a:schemeClr val="accent1"/>
+          </a:effectRef>
+          <a:fontRef idx="minor">
+            <a:schemeClr val="tx1"/>
+          </a:fontRef>
+        </p:style>
+      </p:cxnSp>
+      <p:cxnSp>
+        <p:nvCxnSpPr>
+          <p:cNvPr id="60" name="直接连接符 59">
+            <a:extLst>
+              <a:ext uri="{FF2B5EF4-FFF2-40B4-BE49-F238E27FC236}">
+                <a16:creationId xmlns:a16="http://schemas.microsoft.com/office/drawing/2014/main" id="{300ADA2C-CE4D-12A0-0817-D564DCFC3109}"/>
+              </a:ext>
+            </a:extLst>
+          </p:cNvPr>
+          <p:cNvCxnSpPr>
+            <a:stCxn id="27" idx="3"/>
+            <a:endCxn id="72" idx="1"/>
+          </p:cNvCxnSpPr>
+          <p:nvPr/>
+        </p:nvCxnSpPr>
+        <p:spPr>
+          <a:xfrm flipV="1">
+            <a:off x="6777780" y="2231950"/>
+            <a:ext cx="89190" cy="50"/>
+          </a:xfrm>
+          <a:prstGeom prst="line">
+            <a:avLst/>
+          </a:prstGeom>
+          <a:ln>
+            <a:solidFill>
+              <a:srgbClr val="FFC000"/>
+            </a:solidFill>
+          </a:ln>
+        </p:spPr>
+        <p:style>
+          <a:lnRef idx="1">
+            <a:schemeClr val="accent1"/>
+          </a:lnRef>
+          <a:fillRef idx="0">
+            <a:schemeClr val="accent1"/>
+          </a:fillRef>
+          <a:effectRef idx="0">
+            <a:schemeClr val="accent1"/>
+          </a:effectRef>
+          <a:fontRef idx="minor">
+            <a:schemeClr val="tx1"/>
+          </a:fontRef>
+        </p:style>
+      </p:cxnSp>
+      <p:cxnSp>
+        <p:nvCxnSpPr>
+          <p:cNvPr id="61" name="直接连接符 60">
+            <a:extLst>
+              <a:ext uri="{FF2B5EF4-FFF2-40B4-BE49-F238E27FC236}">
+                <a16:creationId xmlns:a16="http://schemas.microsoft.com/office/drawing/2014/main" id="{523440AD-FF8B-8C27-8FD7-66B27F2159C2}"/>
+              </a:ext>
+            </a:extLst>
+          </p:cNvPr>
+          <p:cNvCxnSpPr>
+            <a:cxnSpLocks/>
+            <a:stCxn id="108" idx="3"/>
+            <a:endCxn id="73" idx="1"/>
+          </p:cNvCxnSpPr>
+          <p:nvPr/>
+        </p:nvCxnSpPr>
+        <p:spPr>
+          <a:xfrm>
+            <a:off x="6769650" y="2484000"/>
+            <a:ext cx="97320" cy="251950"/>
+          </a:xfrm>
+          <a:prstGeom prst="line">
+            <a:avLst/>
+          </a:prstGeom>
+          <a:ln>
+            <a:solidFill>
+              <a:srgbClr val="FFC000"/>
+            </a:solidFill>
+          </a:ln>
+        </p:spPr>
+        <p:style>
+          <a:lnRef idx="1">
+            <a:schemeClr val="accent1"/>
+          </a:lnRef>
+          <a:fillRef idx="0">
+            <a:schemeClr val="accent1"/>
+          </a:fillRef>
+          <a:effectRef idx="0">
+            <a:schemeClr val="accent1"/>
+          </a:effectRef>
+          <a:fontRef idx="minor">
+            <a:schemeClr val="tx1"/>
+          </a:fontRef>
+        </p:style>
+      </p:cxnSp>
+      <p:cxnSp>
+        <p:nvCxnSpPr>
+          <p:cNvPr id="68" name="直接连接符 67">
+            <a:extLst>
+              <a:ext uri="{FF2B5EF4-FFF2-40B4-BE49-F238E27FC236}">
+                <a16:creationId xmlns:a16="http://schemas.microsoft.com/office/drawing/2014/main" id="{2537ED9D-A966-4186-B6EA-7DFF40C6A6BA}"/>
               </a:ext>
             </a:extLst>
           </p:cNvPr>
           <p:cNvCxnSpPr>
             <a:cxnSpLocks/>
             <a:stCxn id="25" idx="3"/>
+            <a:endCxn id="100" idx="1"/>
+          </p:cNvCxnSpPr>
+          <p:nvPr/>
+        </p:nvCxnSpPr>
+        <p:spPr>
+          <a:xfrm flipV="1">
+            <a:off x="6777780" y="1475950"/>
+            <a:ext cx="89190" cy="252050"/>
+          </a:xfrm>
+          <a:prstGeom prst="line">
+            <a:avLst/>
+          </a:prstGeom>
+          <a:ln>
+            <a:solidFill>
+              <a:srgbClr val="FFC000"/>
+            </a:solidFill>
+          </a:ln>
+        </p:spPr>
+        <p:style>
+          <a:lnRef idx="1">
+            <a:schemeClr val="accent1"/>
+          </a:lnRef>
+          <a:fillRef idx="0">
+            <a:schemeClr val="accent1"/>
+          </a:fillRef>
+          <a:effectRef idx="0">
+            <a:schemeClr val="accent1"/>
+          </a:effectRef>
+          <a:fontRef idx="minor">
+            <a:schemeClr val="tx1"/>
+          </a:fontRef>
+        </p:style>
+      </p:cxnSp>
+      <p:cxnSp>
+        <p:nvCxnSpPr>
+          <p:cNvPr id="77" name="直接连接符 76">
+            <a:extLst>
+              <a:ext uri="{FF2B5EF4-FFF2-40B4-BE49-F238E27FC236}">
+                <a16:creationId xmlns:a16="http://schemas.microsoft.com/office/drawing/2014/main" id="{06F786CE-CB00-37D5-6948-3AE8D93F996C}"/>
+              </a:ext>
+            </a:extLst>
+          </p:cNvPr>
+          <p:cNvCxnSpPr>
+            <a:cxnSpLocks/>
+            <a:stCxn id="26" idx="3"/>
             <a:endCxn id="116" idx="1"/>
           </p:cNvCxnSpPr>
           <p:nvPr/>
         </p:nvCxnSpPr>
         <p:spPr>
-          <a:xfrm>
-            <a:off x="6957780" y="2051932"/>
-            <a:ext cx="321940" cy="420164"/>
-          </a:xfrm>
-          <a:prstGeom prst="curvedConnector3">
-            <a:avLst>
-              <a:gd name="adj1" fmla="val 50000"/>
-            </a:avLst>
+          <a:xfrm flipV="1">
+            <a:off x="6777780" y="1979950"/>
+            <a:ext cx="89190" cy="50"/>
+          </a:xfrm>
+          <a:prstGeom prst="line">
+            <a:avLst/>
           </a:prstGeom>
           <a:ln>
             <a:solidFill>
@@ -16588,13 +17988,13 @@
             <a:pPr algn="ctr"/>
             <a:r>
               <a:rPr lang="en-US" altLang="zh-CN" sz="800">
-                <a:latin typeface="微软雅黑" panose="020B0503020204020204" pitchFamily="34" charset="-122"/>
+                <a:latin typeface="Quicksand Light" panose="00000400000000000000" pitchFamily="2" charset="0"/>
                 <a:ea typeface="微软雅黑" panose="020B0503020204020204" pitchFamily="34" charset="-122"/>
               </a:rPr>
               <a:t>Multimedia</a:t>
             </a:r>
             <a:endParaRPr lang="zh-CN" altLang="en-US" sz="800">
-              <a:latin typeface="微软雅黑" panose="020B0503020204020204" pitchFamily="34" charset="-122"/>
+              <a:latin typeface="Quicksand Light" panose="00000400000000000000" pitchFamily="2" charset="0"/>
               <a:ea typeface="微软雅黑" panose="020B0503020204020204" pitchFamily="34" charset="-122"/>
             </a:endParaRPr>
           </a:p>
@@ -16650,12 +18050,12 @@
             <a:pPr algn="ctr"/>
             <a:r>
               <a:rPr lang="en-US" altLang="zh-CN" sz="800">
-                <a:latin typeface="Quicksand" panose="00000500000000000000" pitchFamily="2" charset="0"/>
+                <a:latin typeface="Quicksand Light" panose="00000400000000000000" pitchFamily="2" charset="0"/>
               </a:rPr>
               <a:t>&lt;svg&gt;</a:t>
             </a:r>
             <a:endParaRPr lang="zh-CN" altLang="en-US" sz="800">
-              <a:latin typeface="Quicksand" panose="00000500000000000000" pitchFamily="2" charset="0"/>
+              <a:latin typeface="Quicksand Light" panose="00000400000000000000" pitchFamily="2" charset="0"/>
             </a:endParaRPr>
           </a:p>
         </p:txBody>
@@ -16710,12 +18110,12 @@
             <a:pPr algn="ctr"/>
             <a:r>
               <a:rPr lang="en-US" altLang="zh-CN" sz="800">
-                <a:latin typeface="Quicksand" panose="00000500000000000000" pitchFamily="2" charset="0"/>
+                <a:latin typeface="Quicksand Light" panose="00000400000000000000" pitchFamily="2" charset="0"/>
               </a:rPr>
               <a:t>&lt;img&gt;</a:t>
             </a:r>
             <a:endParaRPr lang="zh-CN" altLang="en-US" sz="800">
-              <a:latin typeface="Quicksand" panose="00000500000000000000" pitchFamily="2" charset="0"/>
+              <a:latin typeface="Quicksand Light" panose="00000400000000000000" pitchFamily="2" charset="0"/>
             </a:endParaRPr>
           </a:p>
         </p:txBody>
@@ -16770,12 +18170,12 @@
             <a:pPr algn="ctr"/>
             <a:r>
               <a:rPr lang="en-US" altLang="zh-CN" sz="800">
-                <a:latin typeface="Quicksand" panose="00000500000000000000" pitchFamily="2" charset="0"/>
+                <a:latin typeface="Quicksand Light" panose="00000400000000000000" pitchFamily="2" charset="0"/>
               </a:rPr>
               <a:t>&lt;figure&gt;</a:t>
             </a:r>
             <a:endParaRPr lang="zh-CN" altLang="en-US" sz="800">
-              <a:latin typeface="Quicksand" panose="00000500000000000000" pitchFamily="2" charset="0"/>
+              <a:latin typeface="Quicksand Light" panose="00000400000000000000" pitchFamily="2" charset="0"/>
             </a:endParaRPr>
           </a:p>
         </p:txBody>
@@ -16830,12 +18230,12 @@
             <a:pPr algn="ctr"/>
             <a:r>
               <a:rPr lang="en-US" altLang="zh-CN" sz="800">
-                <a:latin typeface="Quicksand" panose="00000500000000000000" pitchFamily="2" charset="0"/>
+                <a:latin typeface="Quicksand Light" panose="00000400000000000000" pitchFamily="2" charset="0"/>
               </a:rPr>
               <a:t>&lt;picture&gt;</a:t>
             </a:r>
             <a:endParaRPr lang="zh-CN" altLang="en-US" sz="800">
-              <a:latin typeface="Quicksand" panose="00000500000000000000" pitchFamily="2" charset="0"/>
+              <a:latin typeface="Quicksand Light" panose="00000400000000000000" pitchFamily="2" charset="0"/>
             </a:endParaRPr>
           </a:p>
         </p:txBody>
@@ -16892,12 +18292,12 @@
             <a:pPr algn="ctr"/>
             <a:r>
               <a:rPr lang="en-US" altLang="zh-CN" sz="800">
-                <a:latin typeface="Quicksand" panose="00000500000000000000" pitchFamily="2" charset="0"/>
+                <a:latin typeface="Quicksand Light" panose="00000400000000000000" pitchFamily="2" charset="0"/>
               </a:rPr>
               <a:t>alt</a:t>
             </a:r>
             <a:endParaRPr lang="zh-CN" altLang="en-US" sz="800">
-              <a:latin typeface="Quicksand" panose="00000500000000000000" pitchFamily="2" charset="0"/>
+              <a:latin typeface="Quicksand Light" panose="00000400000000000000" pitchFamily="2" charset="0"/>
             </a:endParaRPr>
           </a:p>
         </p:txBody>
@@ -16954,12 +18354,12 @@
             <a:pPr algn="ctr"/>
             <a:r>
               <a:rPr lang="en-US" altLang="zh-CN" sz="800">
-                <a:latin typeface="Quicksand" panose="00000500000000000000" pitchFamily="2" charset="0"/>
+                <a:latin typeface="Quicksand Light" panose="00000400000000000000" pitchFamily="2" charset="0"/>
               </a:rPr>
               <a:t>src</a:t>
             </a:r>
             <a:endParaRPr lang="zh-CN" altLang="en-US" sz="800">
-              <a:latin typeface="Quicksand" panose="00000500000000000000" pitchFamily="2" charset="0"/>
+              <a:latin typeface="Quicksand Light" panose="00000400000000000000" pitchFamily="2" charset="0"/>
             </a:endParaRPr>
           </a:p>
         </p:txBody>
@@ -17016,12 +18416,12 @@
             <a:pPr algn="ctr"/>
             <a:r>
               <a:rPr lang="en-US" altLang="zh-CN" sz="800">
-                <a:latin typeface="Quicksand" panose="00000500000000000000" pitchFamily="2" charset="0"/>
+                <a:latin typeface="Quicksand Light" panose="00000400000000000000" pitchFamily="2" charset="0"/>
               </a:rPr>
               <a:t>&lt;figcaption&gt;</a:t>
             </a:r>
             <a:endParaRPr lang="zh-CN" altLang="en-US" sz="800">
-              <a:latin typeface="Quicksand" panose="00000500000000000000" pitchFamily="2" charset="0"/>
+              <a:latin typeface="Quicksand Light" panose="00000400000000000000" pitchFamily="2" charset="0"/>
             </a:endParaRPr>
           </a:p>
         </p:txBody>
@@ -17391,12 +18791,12 @@
             <a:pPr algn="ctr"/>
             <a:r>
               <a:rPr lang="en-US" altLang="zh-CN" sz="800">
-                <a:latin typeface="Quicksand" panose="00000500000000000000" pitchFamily="2" charset="0"/>
+                <a:latin typeface="Quicksand Light" panose="00000400000000000000" pitchFamily="2" charset="0"/>
               </a:rPr>
               <a:t>title</a:t>
             </a:r>
             <a:endParaRPr lang="zh-CN" altLang="en-US" sz="800">
-              <a:latin typeface="Quicksand" panose="00000500000000000000" pitchFamily="2" charset="0"/>
+              <a:latin typeface="Quicksand Light" panose="00000400000000000000" pitchFamily="2" charset="0"/>
             </a:endParaRPr>
           </a:p>
         </p:txBody>
@@ -17453,12 +18853,12 @@
             <a:pPr algn="ctr"/>
             <a:r>
               <a:rPr lang="en-US" altLang="zh-CN" sz="800">
-                <a:latin typeface="Quicksand" panose="00000500000000000000" pitchFamily="2" charset="0"/>
+                <a:latin typeface="Quicksand Light" panose="00000400000000000000" pitchFamily="2" charset="0"/>
               </a:rPr>
               <a:t>&lt;Img&gt;…</a:t>
             </a:r>
             <a:endParaRPr lang="zh-CN" altLang="en-US" sz="800">
-              <a:latin typeface="Quicksand" panose="00000500000000000000" pitchFamily="2" charset="0"/>
+              <a:latin typeface="Quicksand Light" panose="00000400000000000000" pitchFamily="2" charset="0"/>
             </a:endParaRPr>
           </a:p>
         </p:txBody>
@@ -17515,12 +18915,12 @@
             <a:pPr algn="ctr"/>
             <a:r>
               <a:rPr lang="en-US" altLang="zh-CN" sz="800">
-                <a:latin typeface="Quicksand" panose="00000500000000000000" pitchFamily="2" charset="0"/>
+                <a:latin typeface="Quicksand Light" panose="00000400000000000000" pitchFamily="2" charset="0"/>
               </a:rPr>
               <a:t>&lt;source&gt;</a:t>
             </a:r>
             <a:endParaRPr lang="zh-CN" altLang="en-US" sz="800">
-              <a:latin typeface="Quicksand" panose="00000500000000000000" pitchFamily="2" charset="0"/>
+              <a:latin typeface="Quicksand Light" panose="00000400000000000000" pitchFamily="2" charset="0"/>
             </a:endParaRPr>
           </a:p>
         </p:txBody>
@@ -17577,12 +18977,12 @@
             <a:pPr algn="ctr"/>
             <a:r>
               <a:rPr lang="en-US" altLang="zh-CN" sz="800">
-                <a:latin typeface="Quicksand" panose="00000500000000000000" pitchFamily="2" charset="0"/>
+                <a:latin typeface="Quicksand Light" panose="00000400000000000000" pitchFamily="2" charset="0"/>
               </a:rPr>
               <a:t>&lt;img&gt;</a:t>
             </a:r>
             <a:endParaRPr lang="zh-CN" altLang="en-US" sz="800">
-              <a:latin typeface="Quicksand" panose="00000500000000000000" pitchFamily="2" charset="0"/>
+              <a:latin typeface="Quicksand Light" panose="00000400000000000000" pitchFamily="2" charset="0"/>
             </a:endParaRPr>
           </a:p>
         </p:txBody>
@@ -17776,12 +19176,12 @@
             <a:pPr algn="ctr"/>
             <a:r>
               <a:rPr lang="en-US" altLang="zh-CN" sz="800">
-                <a:latin typeface="Quicksand" panose="00000500000000000000" pitchFamily="2" charset="0"/>
+                <a:latin typeface="Quicksand Light" panose="00000400000000000000" pitchFamily="2" charset="0"/>
               </a:rPr>
               <a:t>&lt;canvas&gt;</a:t>
             </a:r>
             <a:endParaRPr lang="zh-CN" altLang="en-US" sz="800">
-              <a:latin typeface="Quicksand" panose="00000500000000000000" pitchFamily="2" charset="0"/>
+              <a:latin typeface="Quicksand Light" panose="00000400000000000000" pitchFamily="2" charset="0"/>
             </a:endParaRPr>
           </a:p>
         </p:txBody>
@@ -17930,12 +19330,12 @@
             <a:pPr algn="ctr"/>
             <a:r>
               <a:rPr lang="en-US" altLang="zh-CN" sz="800">
-                <a:latin typeface="Quicksand" panose="00000500000000000000" pitchFamily="2" charset="0"/>
+                <a:latin typeface="Quicksand Light" panose="00000400000000000000" pitchFamily="2" charset="0"/>
               </a:rPr>
               <a:t>&lt;video&gt;</a:t>
             </a:r>
             <a:endParaRPr lang="zh-CN" altLang="en-US" sz="800">
-              <a:latin typeface="Quicksand" panose="00000500000000000000" pitchFamily="2" charset="0"/>
+              <a:latin typeface="Quicksand Light" panose="00000400000000000000" pitchFamily="2" charset="0"/>
             </a:endParaRPr>
           </a:p>
         </p:txBody>
@@ -18037,12 +19437,12 @@
             <a:pPr algn="ctr"/>
             <a:r>
               <a:rPr lang="en-US" altLang="zh-CN" sz="800">
-                <a:latin typeface="Quicksand" panose="00000500000000000000" pitchFamily="2" charset="0"/>
+                <a:latin typeface="Quicksand Light" panose="00000400000000000000" pitchFamily="2" charset="0"/>
               </a:rPr>
               <a:t>&lt;audio&gt;</a:t>
             </a:r>
             <a:endParaRPr lang="zh-CN" altLang="en-US" sz="800">
-              <a:latin typeface="Quicksand" panose="00000500000000000000" pitchFamily="2" charset="0"/>
+              <a:latin typeface="Quicksand Light" panose="00000400000000000000" pitchFamily="2" charset="0"/>
             </a:endParaRPr>
           </a:p>
         </p:txBody>
@@ -18144,12 +19544,12 @@
             <a:pPr algn="ctr"/>
             <a:r>
               <a:rPr lang="en-US" altLang="zh-CN" sz="800">
-                <a:latin typeface="Quicksand" panose="00000500000000000000" pitchFamily="2" charset="0"/>
+                <a:latin typeface="Quicksand Light" panose="00000400000000000000" pitchFamily="2" charset="0"/>
               </a:rPr>
               <a:t>src</a:t>
             </a:r>
             <a:endParaRPr lang="zh-CN" altLang="en-US" sz="800">
-              <a:latin typeface="Quicksand" panose="00000500000000000000" pitchFamily="2" charset="0"/>
+              <a:latin typeface="Quicksand Light" panose="00000400000000000000" pitchFamily="2" charset="0"/>
             </a:endParaRPr>
           </a:p>
         </p:txBody>
@@ -18206,12 +19606,12 @@
             <a:pPr algn="ctr"/>
             <a:r>
               <a:rPr lang="en-US" altLang="zh-CN" sz="800">
-                <a:latin typeface="Quicksand" panose="00000500000000000000" pitchFamily="2" charset="0"/>
+                <a:latin typeface="Quicksand Light" panose="00000400000000000000" pitchFamily="2" charset="0"/>
               </a:rPr>
               <a:t>autoplay</a:t>
             </a:r>
             <a:endParaRPr lang="zh-CN" altLang="en-US" sz="800">
-              <a:latin typeface="Quicksand" panose="00000500000000000000" pitchFamily="2" charset="0"/>
+              <a:latin typeface="Quicksand Light" panose="00000400000000000000" pitchFamily="2" charset="0"/>
             </a:endParaRPr>
           </a:p>
         </p:txBody>
@@ -18268,12 +19668,12 @@
             <a:pPr algn="ctr"/>
             <a:r>
               <a:rPr lang="en-US" altLang="zh-CN" sz="800">
-                <a:latin typeface="Quicksand" panose="00000500000000000000" pitchFamily="2" charset="0"/>
+                <a:latin typeface="Quicksand Light" panose="00000400000000000000" pitchFamily="2" charset="0"/>
               </a:rPr>
               <a:t>controls</a:t>
             </a:r>
             <a:endParaRPr lang="zh-CN" altLang="en-US" sz="800">
-              <a:latin typeface="Quicksand" panose="00000500000000000000" pitchFamily="2" charset="0"/>
+              <a:latin typeface="Quicksand Light" panose="00000400000000000000" pitchFamily="2" charset="0"/>
             </a:endParaRPr>
           </a:p>
         </p:txBody>
@@ -18330,12 +19730,12 @@
             <a:pPr algn="ctr"/>
             <a:r>
               <a:rPr lang="en-US" altLang="zh-CN" sz="800">
-                <a:latin typeface="Quicksand" panose="00000500000000000000" pitchFamily="2" charset="0"/>
+                <a:latin typeface="Quicksand Light" panose="00000400000000000000" pitchFamily="2" charset="0"/>
               </a:rPr>
               <a:t>loop</a:t>
             </a:r>
             <a:endParaRPr lang="zh-CN" altLang="en-US" sz="800">
-              <a:latin typeface="Quicksand" panose="00000500000000000000" pitchFamily="2" charset="0"/>
+              <a:latin typeface="Quicksand Light" panose="00000400000000000000" pitchFamily="2" charset="0"/>
             </a:endParaRPr>
           </a:p>
         </p:txBody>
@@ -18392,12 +19792,12 @@
             <a:pPr algn="ctr"/>
             <a:r>
               <a:rPr lang="en-US" altLang="zh-CN" sz="800">
-                <a:latin typeface="Quicksand" panose="00000500000000000000" pitchFamily="2" charset="0"/>
+                <a:latin typeface="Quicksand Light" panose="00000400000000000000" pitchFamily="2" charset="0"/>
               </a:rPr>
               <a:t>muted</a:t>
             </a:r>
             <a:endParaRPr lang="zh-CN" altLang="en-US" sz="800">
-              <a:latin typeface="Quicksand" panose="00000500000000000000" pitchFamily="2" charset="0"/>
+              <a:latin typeface="Quicksand Light" panose="00000400000000000000" pitchFamily="2" charset="0"/>
             </a:endParaRPr>
           </a:p>
         </p:txBody>
@@ -18454,12 +19854,12 @@
             <a:pPr algn="ctr"/>
             <a:r>
               <a:rPr lang="en-US" altLang="zh-CN" sz="800">
-                <a:latin typeface="Quicksand" panose="00000500000000000000" pitchFamily="2" charset="0"/>
+                <a:latin typeface="Quicksand Light" panose="00000400000000000000" pitchFamily="2" charset="0"/>
               </a:rPr>
               <a:t>preload</a:t>
             </a:r>
             <a:endParaRPr lang="zh-CN" altLang="en-US" sz="800">
-              <a:latin typeface="Quicksand" panose="00000500000000000000" pitchFamily="2" charset="0"/>
+              <a:latin typeface="Quicksand Light" panose="00000400000000000000" pitchFamily="2" charset="0"/>
             </a:endParaRPr>
           </a:p>
         </p:txBody>
@@ -18516,12 +19916,12 @@
             <a:pPr algn="ctr"/>
             <a:r>
               <a:rPr lang="en-US" altLang="zh-CN" sz="800">
-                <a:latin typeface="Quicksand" panose="00000500000000000000" pitchFamily="2" charset="0"/>
+                <a:latin typeface="Quicksand Light" panose="00000400000000000000" pitchFamily="2" charset="0"/>
               </a:rPr>
               <a:t>hidden</a:t>
             </a:r>
             <a:endParaRPr lang="zh-CN" altLang="en-US" sz="800">
-              <a:latin typeface="Quicksand" panose="00000500000000000000" pitchFamily="2" charset="0"/>
+              <a:latin typeface="Quicksand Light" panose="00000400000000000000" pitchFamily="2" charset="0"/>
             </a:endParaRPr>
           </a:p>
         </p:txBody>
@@ -18578,12 +19978,12 @@
             <a:pPr algn="ctr"/>
             <a:r>
               <a:rPr lang="en-US" altLang="zh-CN" sz="800">
-                <a:latin typeface="Quicksand" panose="00000500000000000000" pitchFamily="2" charset="0"/>
+                <a:latin typeface="Quicksand Light" panose="00000400000000000000" pitchFamily="2" charset="0"/>
               </a:rPr>
               <a:t>poster</a:t>
             </a:r>
             <a:endParaRPr lang="zh-CN" altLang="en-US" sz="800">
-              <a:latin typeface="Quicksand" panose="00000500000000000000" pitchFamily="2" charset="0"/>
+              <a:latin typeface="Quicksand Light" panose="00000400000000000000" pitchFamily="2" charset="0"/>
             </a:endParaRPr>
           </a:p>
         </p:txBody>
@@ -22256,7 +23656,7 @@
           </a:prstGeom>
           <a:ln>
             <a:solidFill>
-              <a:schemeClr val="tx1"/>
+              <a:srgbClr val="486CAC"/>
             </a:solidFill>
           </a:ln>
         </p:spPr>
@@ -22301,7 +23701,7 @@
           </a:prstGeom>
           <a:ln>
             <a:solidFill>
-              <a:schemeClr val="tx1"/>
+              <a:srgbClr val="486CAC"/>
             </a:solidFill>
           </a:ln>
         </p:spPr>
@@ -23000,13 +24400,13 @@
             <a:pPr algn="ctr"/>
             <a:r>
               <a:rPr lang="en-US" altLang="zh-CN" sz="800">
-                <a:latin typeface="微软雅黑" panose="020B0503020204020204" pitchFamily="34" charset="-122"/>
+                <a:latin typeface="Quicksand Light" panose="00000400000000000000" pitchFamily="2" charset="0"/>
                 <a:ea typeface="微软雅黑" panose="020B0503020204020204" pitchFamily="34" charset="-122"/>
               </a:rPr>
               <a:t>Layout</a:t>
             </a:r>
             <a:endParaRPr lang="zh-CN" altLang="en-US" sz="800">
-              <a:latin typeface="微软雅黑" panose="020B0503020204020204" pitchFamily="34" charset="-122"/>
+              <a:latin typeface="Quicksand Light" panose="00000400000000000000" pitchFamily="2" charset="0"/>
               <a:ea typeface="微软雅黑" panose="020B0503020204020204" pitchFamily="34" charset="-122"/>
             </a:endParaRPr>
           </a:p>
@@ -23062,12 +24462,12 @@
             <a:pPr algn="ctr"/>
             <a:r>
               <a:rPr lang="en-US" altLang="zh-CN" sz="800">
-                <a:latin typeface="Quicksand" panose="00000500000000000000" pitchFamily="2" charset="0"/>
+                <a:latin typeface="Quicksand Light" panose="00000400000000000000" pitchFamily="2" charset="0"/>
               </a:rPr>
               <a:t>position</a:t>
             </a:r>
             <a:endParaRPr lang="zh-CN" altLang="en-US" sz="800">
-              <a:latin typeface="Quicksand" panose="00000500000000000000" pitchFamily="2" charset="0"/>
+              <a:latin typeface="Quicksand Light" panose="00000400000000000000" pitchFamily="2" charset="0"/>
             </a:endParaRPr>
           </a:p>
         </p:txBody>
@@ -23122,12 +24522,12 @@
             <a:pPr algn="ctr"/>
             <a:r>
               <a:rPr lang="en-US" altLang="zh-CN" sz="800">
-                <a:latin typeface="Quicksand" panose="00000500000000000000" pitchFamily="2" charset="0"/>
+                <a:latin typeface="Quicksand Light" panose="00000400000000000000" pitchFamily="2" charset="0"/>
               </a:rPr>
               <a:t>flex</a:t>
             </a:r>
             <a:endParaRPr lang="zh-CN" altLang="en-US" sz="800">
-              <a:latin typeface="Quicksand" panose="00000500000000000000" pitchFamily="2" charset="0"/>
+              <a:latin typeface="Quicksand Light" panose="00000400000000000000" pitchFamily="2" charset="0"/>
             </a:endParaRPr>
           </a:p>
         </p:txBody>
@@ -23182,12 +24582,12 @@
             <a:pPr algn="ctr"/>
             <a:r>
               <a:rPr lang="en-US" altLang="zh-CN" sz="800">
-                <a:latin typeface="Quicksand" panose="00000500000000000000" pitchFamily="2" charset="0"/>
+                <a:latin typeface="Quicksand Light" panose="00000400000000000000" pitchFamily="2" charset="0"/>
               </a:rPr>
               <a:t>grid</a:t>
             </a:r>
             <a:endParaRPr lang="zh-CN" altLang="en-US" sz="800">
-              <a:latin typeface="Quicksand" panose="00000500000000000000" pitchFamily="2" charset="0"/>
+              <a:latin typeface="Quicksand Light" panose="00000400000000000000" pitchFamily="2" charset="0"/>
             </a:endParaRPr>
           </a:p>
         </p:txBody>
@@ -23244,12 +24644,12 @@
             <a:pPr algn="ctr"/>
             <a:r>
               <a:rPr lang="en-US" altLang="zh-CN" sz="800">
-                <a:latin typeface="Quicksand" panose="00000500000000000000" pitchFamily="2" charset="0"/>
+                <a:latin typeface="Quicksand Light" panose="00000400000000000000" pitchFamily="2" charset="0"/>
               </a:rPr>
               <a:t>absolute</a:t>
             </a:r>
             <a:endParaRPr lang="zh-CN" altLang="en-US" sz="800">
-              <a:latin typeface="Quicksand" panose="00000500000000000000" pitchFamily="2" charset="0"/>
+              <a:latin typeface="Quicksand Light" panose="00000400000000000000" pitchFamily="2" charset="0"/>
             </a:endParaRPr>
           </a:p>
         </p:txBody>
@@ -23306,12 +24706,12 @@
             <a:pPr algn="ctr"/>
             <a:r>
               <a:rPr lang="en-US" altLang="zh-CN" sz="800">
-                <a:latin typeface="Quicksand" panose="00000500000000000000" pitchFamily="2" charset="0"/>
+                <a:latin typeface="Quicksand Light" panose="00000400000000000000" pitchFamily="2" charset="0"/>
               </a:rPr>
               <a:t>relative</a:t>
             </a:r>
             <a:endParaRPr lang="zh-CN" altLang="en-US" sz="800">
-              <a:latin typeface="Quicksand" panose="00000500000000000000" pitchFamily="2" charset="0"/>
+              <a:latin typeface="Quicksand Light" panose="00000400000000000000" pitchFamily="2" charset="0"/>
             </a:endParaRPr>
           </a:p>
         </p:txBody>
@@ -23368,12 +24768,12 @@
             <a:pPr algn="ctr"/>
             <a:r>
               <a:rPr lang="en-US" altLang="zh-CN" sz="800">
-                <a:latin typeface="Quicksand" panose="00000500000000000000" pitchFamily="2" charset="0"/>
+                <a:latin typeface="Quicksand Light" panose="00000400000000000000" pitchFamily="2" charset="0"/>
               </a:rPr>
               <a:t>container</a:t>
             </a:r>
             <a:endParaRPr lang="zh-CN" altLang="en-US" sz="800">
-              <a:latin typeface="Quicksand" panose="00000500000000000000" pitchFamily="2" charset="0"/>
+              <a:latin typeface="Quicksand Light" panose="00000400000000000000" pitchFamily="2" charset="0"/>
             </a:endParaRPr>
           </a:p>
         </p:txBody>
@@ -23607,12 +25007,12 @@
             <a:pPr algn="ctr"/>
             <a:r>
               <a:rPr lang="en-US" altLang="zh-CN" sz="800">
-                <a:latin typeface="Quicksand" panose="00000500000000000000" pitchFamily="2" charset="0"/>
+                <a:latin typeface="Quicksand Light" panose="00000400000000000000" pitchFamily="2" charset="0"/>
               </a:rPr>
               <a:t>fixed</a:t>
             </a:r>
             <a:endParaRPr lang="zh-CN" altLang="en-US" sz="800">
-              <a:latin typeface="Quicksand" panose="00000500000000000000" pitchFamily="2" charset="0"/>
+              <a:latin typeface="Quicksand Light" panose="00000400000000000000" pitchFamily="2" charset="0"/>
             </a:endParaRPr>
           </a:p>
         </p:txBody>
@@ -23669,12 +25069,12 @@
             <a:pPr algn="ctr"/>
             <a:r>
               <a:rPr lang="en-US" altLang="zh-CN" sz="800">
-                <a:latin typeface="Quicksand" panose="00000500000000000000" pitchFamily="2" charset="0"/>
+                <a:latin typeface="Quicksand Light" panose="00000400000000000000" pitchFamily="2" charset="0"/>
               </a:rPr>
               <a:t>item</a:t>
             </a:r>
             <a:endParaRPr lang="zh-CN" altLang="en-US" sz="800">
-              <a:latin typeface="Quicksand" panose="00000500000000000000" pitchFamily="2" charset="0"/>
+              <a:latin typeface="Quicksand Light" panose="00000400000000000000" pitchFamily="2" charset="0"/>
             </a:endParaRPr>
           </a:p>
         </p:txBody>
@@ -23731,12 +25131,12 @@
             <a:pPr algn="ctr"/>
             <a:r>
               <a:rPr lang="en-US" altLang="zh-CN" sz="800">
-                <a:latin typeface="Quicksand" panose="00000500000000000000" pitchFamily="2" charset="0"/>
+                <a:latin typeface="Quicksand Light" panose="00000400000000000000" pitchFamily="2" charset="0"/>
               </a:rPr>
               <a:t>container</a:t>
             </a:r>
             <a:endParaRPr lang="zh-CN" altLang="en-US" sz="800">
-              <a:latin typeface="Quicksand" panose="00000500000000000000" pitchFamily="2" charset="0"/>
+              <a:latin typeface="Quicksand Light" panose="00000400000000000000" pitchFamily="2" charset="0"/>
             </a:endParaRPr>
           </a:p>
         </p:txBody>
@@ -23793,12 +25193,12 @@
             <a:pPr algn="ctr"/>
             <a:r>
               <a:rPr lang="en-US" altLang="zh-CN" sz="800">
-                <a:latin typeface="Quicksand" panose="00000500000000000000" pitchFamily="2" charset="0"/>
+                <a:latin typeface="Quicksand Light" panose="00000400000000000000" pitchFamily="2" charset="0"/>
               </a:rPr>
               <a:t>item</a:t>
             </a:r>
             <a:endParaRPr lang="zh-CN" altLang="en-US" sz="800">
-              <a:latin typeface="Quicksand" panose="00000500000000000000" pitchFamily="2" charset="0"/>
+              <a:latin typeface="Quicksand Light" panose="00000400000000000000" pitchFamily="2" charset="0"/>
             </a:endParaRPr>
           </a:p>
         </p:txBody>
@@ -24039,12 +25439,12 @@
             <a:pPr algn="ctr"/>
             <a:r>
               <a:rPr lang="en-US" altLang="zh-CN" sz="800">
-                <a:latin typeface="Quicksand" panose="00000500000000000000" pitchFamily="2" charset="0"/>
+                <a:latin typeface="Quicksand Light" panose="00000400000000000000" pitchFamily="2" charset="0"/>
               </a:rPr>
               <a:t>float</a:t>
             </a:r>
             <a:endParaRPr lang="zh-CN" altLang="en-US" sz="800">
-              <a:latin typeface="Quicksand" panose="00000500000000000000" pitchFamily="2" charset="0"/>
+              <a:latin typeface="Quicksand Light" panose="00000400000000000000" pitchFamily="2" charset="0"/>
             </a:endParaRPr>
           </a:p>
         </p:txBody>
@@ -24148,12 +25548,12 @@
             <a:pPr algn="ctr"/>
             <a:r>
               <a:rPr lang="en-US" altLang="zh-CN" sz="800">
-                <a:latin typeface="Quicksand" panose="00000500000000000000" pitchFamily="2" charset="0"/>
+                <a:latin typeface="Quicksand Light" panose="00000400000000000000" pitchFamily="2" charset="0"/>
               </a:rPr>
               <a:t>&lt;table&gt;</a:t>
             </a:r>
             <a:endParaRPr lang="zh-CN" altLang="en-US" sz="800">
-              <a:latin typeface="Quicksand" panose="00000500000000000000" pitchFamily="2" charset="0"/>
+              <a:latin typeface="Quicksand Light" panose="00000400000000000000" pitchFamily="2" charset="0"/>
             </a:endParaRPr>
           </a:p>
         </p:txBody>
@@ -24210,12 +25610,12 @@
             <a:pPr algn="ctr"/>
             <a:r>
               <a:rPr lang="en-US" altLang="zh-CN" sz="800">
-                <a:latin typeface="Quicksand" panose="00000500000000000000" pitchFamily="2" charset="0"/>
+                <a:latin typeface="Quicksand Light" panose="00000400000000000000" pitchFamily="2" charset="0"/>
               </a:rPr>
               <a:t>left</a:t>
             </a:r>
             <a:endParaRPr lang="zh-CN" altLang="en-US" sz="800">
-              <a:latin typeface="Quicksand" panose="00000500000000000000" pitchFamily="2" charset="0"/>
+              <a:latin typeface="Quicksand Light" panose="00000400000000000000" pitchFamily="2" charset="0"/>
             </a:endParaRPr>
           </a:p>
         </p:txBody>
@@ -24272,12 +25672,12 @@
             <a:pPr algn="ctr"/>
             <a:r>
               <a:rPr lang="en-US" altLang="zh-CN" sz="800">
-                <a:latin typeface="Quicksand" panose="00000500000000000000" pitchFamily="2" charset="0"/>
+                <a:latin typeface="Quicksand Light" panose="00000400000000000000" pitchFamily="2" charset="0"/>
               </a:rPr>
               <a:t>right</a:t>
             </a:r>
             <a:endParaRPr lang="zh-CN" altLang="en-US" sz="800">
-              <a:latin typeface="Quicksand" panose="00000500000000000000" pitchFamily="2" charset="0"/>
+              <a:latin typeface="Quicksand Light" panose="00000400000000000000" pitchFamily="2" charset="0"/>
             </a:endParaRPr>
           </a:p>
         </p:txBody>
@@ -24428,12 +25828,12 @@
             <a:pPr algn="ctr"/>
             <a:r>
               <a:rPr lang="en-US" altLang="zh-CN" sz="800">
-                <a:latin typeface="Quicksand" panose="00000500000000000000" pitchFamily="2" charset="0"/>
+                <a:latin typeface="Quicksand Light" panose="00000400000000000000" pitchFamily="2" charset="0"/>
               </a:rPr>
               <a:t>sticky</a:t>
             </a:r>
             <a:endParaRPr lang="zh-CN" altLang="en-US" sz="800">
-              <a:latin typeface="Quicksand" panose="00000500000000000000" pitchFamily="2" charset="0"/>
+              <a:latin typeface="Quicksand Light" panose="00000400000000000000" pitchFamily="2" charset="0"/>
             </a:endParaRPr>
           </a:p>
         </p:txBody>

--- a/utils/file/charts.pptx
+++ b/utils/file/charts.pptx
@@ -273,7 +273,7 @@
           <a:p>
             <a:fld id="{C0F7C65B-F23F-479A-8AFF-E7E0FC962F06}" type="datetimeFigureOut">
               <a:rPr lang="zh-CN" altLang="en-US" smtClean="0"/>
-              <a:t>2025/6/25</a:t>
+              <a:t>2025/6/26</a:t>
             </a:fld>
             <a:endParaRPr lang="zh-CN" altLang="en-US"/>
           </a:p>
@@ -471,7 +471,7 @@
           <a:p>
             <a:fld id="{C0F7C65B-F23F-479A-8AFF-E7E0FC962F06}" type="datetimeFigureOut">
               <a:rPr lang="zh-CN" altLang="en-US" smtClean="0"/>
-              <a:t>2025/6/25</a:t>
+              <a:t>2025/6/26</a:t>
             </a:fld>
             <a:endParaRPr lang="zh-CN" altLang="en-US"/>
           </a:p>
@@ -679,7 +679,7 @@
           <a:p>
             <a:fld id="{C0F7C65B-F23F-479A-8AFF-E7E0FC962F06}" type="datetimeFigureOut">
               <a:rPr lang="zh-CN" altLang="en-US" smtClean="0"/>
-              <a:t>2025/6/25</a:t>
+              <a:t>2025/6/26</a:t>
             </a:fld>
             <a:endParaRPr lang="zh-CN" altLang="en-US"/>
           </a:p>
@@ -877,7 +877,7 @@
           <a:p>
             <a:fld id="{C0F7C65B-F23F-479A-8AFF-E7E0FC962F06}" type="datetimeFigureOut">
               <a:rPr lang="zh-CN" altLang="en-US" smtClean="0"/>
-              <a:t>2025/6/25</a:t>
+              <a:t>2025/6/26</a:t>
             </a:fld>
             <a:endParaRPr lang="zh-CN" altLang="en-US"/>
           </a:p>
@@ -1152,7 +1152,7 @@
           <a:p>
             <a:fld id="{C0F7C65B-F23F-479A-8AFF-E7E0FC962F06}" type="datetimeFigureOut">
               <a:rPr lang="zh-CN" altLang="en-US" smtClean="0"/>
-              <a:t>2025/6/25</a:t>
+              <a:t>2025/6/26</a:t>
             </a:fld>
             <a:endParaRPr lang="zh-CN" altLang="en-US"/>
           </a:p>
@@ -1417,7 +1417,7 @@
           <a:p>
             <a:fld id="{C0F7C65B-F23F-479A-8AFF-E7E0FC962F06}" type="datetimeFigureOut">
               <a:rPr lang="zh-CN" altLang="en-US" smtClean="0"/>
-              <a:t>2025/6/25</a:t>
+              <a:t>2025/6/26</a:t>
             </a:fld>
             <a:endParaRPr lang="zh-CN" altLang="en-US"/>
           </a:p>
@@ -1829,7 +1829,7 @@
           <a:p>
             <a:fld id="{C0F7C65B-F23F-479A-8AFF-E7E0FC962F06}" type="datetimeFigureOut">
               <a:rPr lang="zh-CN" altLang="en-US" smtClean="0"/>
-              <a:t>2025/6/25</a:t>
+              <a:t>2025/6/26</a:t>
             </a:fld>
             <a:endParaRPr lang="zh-CN" altLang="en-US"/>
           </a:p>
@@ -1970,7 +1970,7 @@
           <a:p>
             <a:fld id="{C0F7C65B-F23F-479A-8AFF-E7E0FC962F06}" type="datetimeFigureOut">
               <a:rPr lang="zh-CN" altLang="en-US" smtClean="0"/>
-              <a:t>2025/6/25</a:t>
+              <a:t>2025/6/26</a:t>
             </a:fld>
             <a:endParaRPr lang="zh-CN" altLang="en-US"/>
           </a:p>
@@ -2083,7 +2083,7 @@
           <a:p>
             <a:fld id="{C0F7C65B-F23F-479A-8AFF-E7E0FC962F06}" type="datetimeFigureOut">
               <a:rPr lang="zh-CN" altLang="en-US" smtClean="0"/>
-              <a:t>2025/6/25</a:t>
+              <a:t>2025/6/26</a:t>
             </a:fld>
             <a:endParaRPr lang="zh-CN" altLang="en-US"/>
           </a:p>
@@ -2394,7 +2394,7 @@
           <a:p>
             <a:fld id="{C0F7C65B-F23F-479A-8AFF-E7E0FC962F06}" type="datetimeFigureOut">
               <a:rPr lang="zh-CN" altLang="en-US" smtClean="0"/>
-              <a:t>2025/6/25</a:t>
+              <a:t>2025/6/26</a:t>
             </a:fld>
             <a:endParaRPr lang="zh-CN" altLang="en-US"/>
           </a:p>
@@ -2682,7 +2682,7 @@
           <a:p>
             <a:fld id="{C0F7C65B-F23F-479A-8AFF-E7E0FC962F06}" type="datetimeFigureOut">
               <a:rPr lang="zh-CN" altLang="en-US" smtClean="0"/>
-              <a:t>2025/6/25</a:t>
+              <a:t>2025/6/26</a:t>
             </a:fld>
             <a:endParaRPr lang="zh-CN" altLang="en-US"/>
           </a:p>
@@ -2923,7 +2923,7 @@
           <a:p>
             <a:fld id="{C0F7C65B-F23F-479A-8AFF-E7E0FC962F06}" type="datetimeFigureOut">
               <a:rPr lang="zh-CN" altLang="en-US" smtClean="0"/>
-              <a:t>2025/6/25</a:t>
+              <a:t>2025/6/26</a:t>
             </a:fld>
             <a:endParaRPr lang="zh-CN" altLang="en-US"/>
           </a:p>
@@ -3390,8 +3390,8 @@
         </p:nvSpPr>
         <p:spPr>
           <a:xfrm>
-            <a:off x="7347338" y="4212076"/>
-            <a:ext cx="677108" cy="913070"/>
+            <a:off x="6902498" y="4498950"/>
+            <a:ext cx="1005403" cy="584775"/>
           </a:xfrm>
           <a:prstGeom prst="rect">
             <a:avLst/>
@@ -3399,7 +3399,7 @@
           <a:noFill/>
         </p:spPr>
         <p:txBody>
-          <a:bodyPr vert="eaVert" wrap="none" rtlCol="0">
+          <a:bodyPr vert="horz" wrap="none" rtlCol="0">
             <a:spAutoFit/>
           </a:bodyPr>
           <a:lstStyle/>
@@ -3426,10 +3426,10 @@
       </p:sp>
       <p:sp>
         <p:nvSpPr>
-          <p:cNvPr id="5" name="TextBox 4">
-            <a:extLst>
-              <a:ext uri="{FF2B5EF4-FFF2-40B4-BE49-F238E27FC236}">
-                <a16:creationId xmlns:a16="http://schemas.microsoft.com/office/drawing/2014/main" id="{3599556A-7089-80ED-2E2C-F18382A2D073}"/>
+          <p:cNvPr id="8" name="TextBox 7">
+            <a:extLst>
+              <a:ext uri="{FF2B5EF4-FFF2-40B4-BE49-F238E27FC236}">
+                <a16:creationId xmlns:a16="http://schemas.microsoft.com/office/drawing/2014/main" id="{E610FF4D-EE92-3A21-3B40-7E1C70EE290E}"/>
               </a:ext>
             </a:extLst>
           </p:cNvPr>
@@ -3438,99 +3438,7 @@
         </p:nvSpPr>
         <p:spPr>
           <a:xfrm>
-            <a:off x="6918144" y="5897577"/>
-            <a:ext cx="970137" cy="276999"/>
-          </a:xfrm>
-          <a:prstGeom prst="rect">
-            <a:avLst/>
-          </a:prstGeom>
-          <a:noFill/>
-        </p:spPr>
-        <p:txBody>
-          <a:bodyPr wrap="none" rtlCol="0">
-            <a:spAutoFit/>
-          </a:bodyPr>
-          <a:lstStyle/>
-          <a:p>
-            <a:r>
-              <a:rPr lang="en-US" altLang="zh-CN" sz="1200" i="1">
-                <a:solidFill>
-                  <a:schemeClr val="bg1"/>
-                </a:solidFill>
-                <a:latin typeface="微软雅黑 Light" panose="020B0502040204020203" pitchFamily="34" charset="-122"/>
-                <a:ea typeface="微软雅黑 Light" panose="020B0502040204020203" pitchFamily="34" charset="-122"/>
-                <a:cs typeface="Poppins" panose="00000500000000000000" pitchFamily="2" charset="0"/>
-              </a:rPr>
-              <a:t>2025-06-21</a:t>
-            </a:r>
-            <a:endParaRPr lang="zh-CN" altLang="en-US" sz="1200" i="1">
-              <a:solidFill>
-                <a:schemeClr val="bg1"/>
-              </a:solidFill>
-              <a:latin typeface="微软雅黑 Light" panose="020B0502040204020203" pitchFamily="34" charset="-122"/>
-              <a:ea typeface="微软雅黑 Light" panose="020B0502040204020203" pitchFamily="34" charset="-122"/>
-              <a:cs typeface="Poppins" panose="00000500000000000000" pitchFamily="2" charset="0"/>
-            </a:endParaRPr>
-          </a:p>
-        </p:txBody>
-      </p:sp>
-      <p:sp>
-        <p:nvSpPr>
-          <p:cNvPr id="7" name="TextBox 6">
-            <a:extLst>
-              <a:ext uri="{FF2B5EF4-FFF2-40B4-BE49-F238E27FC236}">
-                <a16:creationId xmlns:a16="http://schemas.microsoft.com/office/drawing/2014/main" id="{0DEDD46D-A02D-8965-5D8E-02F25216A25B}"/>
-              </a:ext>
-            </a:extLst>
-          </p:cNvPr>
-          <p:cNvSpPr txBox="1"/>
-          <p:nvPr/>
-        </p:nvSpPr>
-        <p:spPr>
-          <a:xfrm>
-            <a:off x="5907727" y="5236431"/>
-            <a:ext cx="2030248" cy="738664"/>
-          </a:xfrm>
-          <a:prstGeom prst="rect">
-            <a:avLst/>
-          </a:prstGeom>
-          <a:noFill/>
-        </p:spPr>
-        <p:txBody>
-          <a:bodyPr wrap="square" rtlCol="0">
-            <a:spAutoFit/>
-          </a:bodyPr>
-          <a:lstStyle/>
-          <a:p>
-            <a:pPr algn="just"/>
-            <a:r>
-              <a:rPr lang="zh-CN" altLang="en-US" sz="1400">
-                <a:solidFill>
-                  <a:schemeClr val="bg1"/>
-                </a:solidFill>
-                <a:latin typeface="微软雅黑 Light" panose="020B0502040204020203" pitchFamily="34" charset="-122"/>
-                <a:ea typeface="微软雅黑 Light" panose="020B0502040204020203" pitchFamily="34" charset="-122"/>
-              </a:rPr>
-              <a:t>祭神祀祖、观莲节、吃夏至面、放荷灯、消夏避伏</a:t>
-            </a:r>
-          </a:p>
-        </p:txBody>
-      </p:sp>
-      <p:sp>
-        <p:nvSpPr>
-          <p:cNvPr id="8" name="TextBox 7">
-            <a:extLst>
-              <a:ext uri="{FF2B5EF4-FFF2-40B4-BE49-F238E27FC236}">
-                <a16:creationId xmlns:a16="http://schemas.microsoft.com/office/drawing/2014/main" id="{E610FF4D-EE92-3A21-3B40-7E1C70EE290E}"/>
-              </a:ext>
-            </a:extLst>
-          </p:cNvPr>
-          <p:cNvSpPr txBox="1"/>
-          <p:nvPr/>
-        </p:nvSpPr>
-        <p:spPr>
-          <a:xfrm>
-            <a:off x="5820578" y="4637235"/>
+            <a:off x="6416313" y="4771710"/>
             <a:ext cx="1608133" cy="707886"/>
           </a:xfrm>
           <a:prstGeom prst="rect">

--- a/utils/file/charts.pptx
+++ b/utils/file/charts.pptx
@@ -19,7 +19,8 @@
     <p:sldId id="271" r:id="rId13"/>
     <p:sldId id="268" r:id="rId14"/>
     <p:sldId id="264" r:id="rId15"/>
-    <p:sldId id="256" r:id="rId16"/>
+    <p:sldId id="272" r:id="rId16"/>
+    <p:sldId id="256" r:id="rId17"/>
   </p:sldIdLst>
   <p:sldSz cx="12192000" cy="6858000"/>
   <p:notesSz cx="6858000" cy="9144000"/>
@@ -273,7 +274,7 @@
           <a:p>
             <a:fld id="{C0F7C65B-F23F-479A-8AFF-E7E0FC962F06}" type="datetimeFigureOut">
               <a:rPr lang="zh-CN" altLang="en-US" smtClean="0"/>
-              <a:t>2025/6/26</a:t>
+              <a:t>2025/6/27</a:t>
             </a:fld>
             <a:endParaRPr lang="zh-CN" altLang="en-US"/>
           </a:p>
@@ -471,7 +472,7 @@
           <a:p>
             <a:fld id="{C0F7C65B-F23F-479A-8AFF-E7E0FC962F06}" type="datetimeFigureOut">
               <a:rPr lang="zh-CN" altLang="en-US" smtClean="0"/>
-              <a:t>2025/6/26</a:t>
+              <a:t>2025/6/27</a:t>
             </a:fld>
             <a:endParaRPr lang="zh-CN" altLang="en-US"/>
           </a:p>
@@ -679,7 +680,7 @@
           <a:p>
             <a:fld id="{C0F7C65B-F23F-479A-8AFF-E7E0FC962F06}" type="datetimeFigureOut">
               <a:rPr lang="zh-CN" altLang="en-US" smtClean="0"/>
-              <a:t>2025/6/26</a:t>
+              <a:t>2025/6/27</a:t>
             </a:fld>
             <a:endParaRPr lang="zh-CN" altLang="en-US"/>
           </a:p>
@@ -877,7 +878,7 @@
           <a:p>
             <a:fld id="{C0F7C65B-F23F-479A-8AFF-E7E0FC962F06}" type="datetimeFigureOut">
               <a:rPr lang="zh-CN" altLang="en-US" smtClean="0"/>
-              <a:t>2025/6/26</a:t>
+              <a:t>2025/6/27</a:t>
             </a:fld>
             <a:endParaRPr lang="zh-CN" altLang="en-US"/>
           </a:p>
@@ -1152,7 +1153,7 @@
           <a:p>
             <a:fld id="{C0F7C65B-F23F-479A-8AFF-E7E0FC962F06}" type="datetimeFigureOut">
               <a:rPr lang="zh-CN" altLang="en-US" smtClean="0"/>
-              <a:t>2025/6/26</a:t>
+              <a:t>2025/6/27</a:t>
             </a:fld>
             <a:endParaRPr lang="zh-CN" altLang="en-US"/>
           </a:p>
@@ -1417,7 +1418,7 @@
           <a:p>
             <a:fld id="{C0F7C65B-F23F-479A-8AFF-E7E0FC962F06}" type="datetimeFigureOut">
               <a:rPr lang="zh-CN" altLang="en-US" smtClean="0"/>
-              <a:t>2025/6/26</a:t>
+              <a:t>2025/6/27</a:t>
             </a:fld>
             <a:endParaRPr lang="zh-CN" altLang="en-US"/>
           </a:p>
@@ -1829,7 +1830,7 @@
           <a:p>
             <a:fld id="{C0F7C65B-F23F-479A-8AFF-E7E0FC962F06}" type="datetimeFigureOut">
               <a:rPr lang="zh-CN" altLang="en-US" smtClean="0"/>
-              <a:t>2025/6/26</a:t>
+              <a:t>2025/6/27</a:t>
             </a:fld>
             <a:endParaRPr lang="zh-CN" altLang="en-US"/>
           </a:p>
@@ -1970,7 +1971,7 @@
           <a:p>
             <a:fld id="{C0F7C65B-F23F-479A-8AFF-E7E0FC962F06}" type="datetimeFigureOut">
               <a:rPr lang="zh-CN" altLang="en-US" smtClean="0"/>
-              <a:t>2025/6/26</a:t>
+              <a:t>2025/6/27</a:t>
             </a:fld>
             <a:endParaRPr lang="zh-CN" altLang="en-US"/>
           </a:p>
@@ -2083,7 +2084,7 @@
           <a:p>
             <a:fld id="{C0F7C65B-F23F-479A-8AFF-E7E0FC962F06}" type="datetimeFigureOut">
               <a:rPr lang="zh-CN" altLang="en-US" smtClean="0"/>
-              <a:t>2025/6/26</a:t>
+              <a:t>2025/6/27</a:t>
             </a:fld>
             <a:endParaRPr lang="zh-CN" altLang="en-US"/>
           </a:p>
@@ -2394,7 +2395,7 @@
           <a:p>
             <a:fld id="{C0F7C65B-F23F-479A-8AFF-E7E0FC962F06}" type="datetimeFigureOut">
               <a:rPr lang="zh-CN" altLang="en-US" smtClean="0"/>
-              <a:t>2025/6/26</a:t>
+              <a:t>2025/6/27</a:t>
             </a:fld>
             <a:endParaRPr lang="zh-CN" altLang="en-US"/>
           </a:p>
@@ -2682,7 +2683,7 @@
           <a:p>
             <a:fld id="{C0F7C65B-F23F-479A-8AFF-E7E0FC962F06}" type="datetimeFigureOut">
               <a:rPr lang="zh-CN" altLang="en-US" smtClean="0"/>
-              <a:t>2025/6/26</a:t>
+              <a:t>2025/6/27</a:t>
             </a:fld>
             <a:endParaRPr lang="zh-CN" altLang="en-US"/>
           </a:p>
@@ -2923,7 +2924,7 @@
           <a:p>
             <a:fld id="{C0F7C65B-F23F-479A-8AFF-E7E0FC962F06}" type="datetimeFigureOut">
               <a:rPr lang="zh-CN" altLang="en-US" smtClean="0"/>
-              <a:t>2025/6/26</a:t>
+              <a:t>2025/6/27</a:t>
             </a:fld>
             <a:endParaRPr lang="zh-CN" altLang="en-US"/>
           </a:p>
@@ -9489,6 +9490,409 @@
           <a:chExt cx="0" cy="0"/>
         </a:xfrm>
       </p:grpSpPr>
+      <p:sp>
+        <p:nvSpPr>
+          <p:cNvPr id="2" name="矩形: 圆角 1">
+            <a:extLst>
+              <a:ext uri="{FF2B5EF4-FFF2-40B4-BE49-F238E27FC236}">
+                <a16:creationId xmlns:a16="http://schemas.microsoft.com/office/drawing/2014/main" id="{DE06BA0C-6283-91C4-F4BA-E09E7F3139E7}"/>
+              </a:ext>
+            </a:extLst>
+          </p:cNvPr>
+          <p:cNvSpPr/>
+          <p:nvPr/>
+        </p:nvSpPr>
+        <p:spPr>
+          <a:xfrm>
+            <a:off x="3681691" y="2836100"/>
+            <a:ext cx="648000" cy="216000"/>
+          </a:xfrm>
+          <a:prstGeom prst="roundRect">
+            <a:avLst/>
+          </a:prstGeom>
+          <a:noFill/>
+          <a:ln w="12700">
+            <a:noFill/>
+          </a:ln>
+        </p:spPr>
+        <p:style>
+          <a:lnRef idx="2">
+            <a:schemeClr val="accent1">
+              <a:shade val="15000"/>
+            </a:schemeClr>
+          </a:lnRef>
+          <a:fillRef idx="1">
+            <a:schemeClr val="accent1"/>
+          </a:fillRef>
+          <a:effectRef idx="0">
+            <a:schemeClr val="accent1"/>
+          </a:effectRef>
+          <a:fontRef idx="minor">
+            <a:schemeClr val="lt1"/>
+          </a:fontRef>
+        </p:style>
+        <p:txBody>
+          <a:bodyPr rtlCol="0" anchor="ctr"/>
+          <a:lstStyle/>
+          <a:p>
+            <a:pPr algn="ctr"/>
+            <a:r>
+              <a:rPr lang="en-US" altLang="zh-CN" sz="800">
+                <a:solidFill>
+                  <a:sysClr val="windowText" lastClr="000000"/>
+                </a:solidFill>
+                <a:latin typeface="Quicksand Medium" panose="00000600000000000000" pitchFamily="2" charset="0"/>
+              </a:rPr>
+              <a:t>property</a:t>
+            </a:r>
+            <a:endParaRPr lang="zh-CN" altLang="en-US" sz="800">
+              <a:solidFill>
+                <a:sysClr val="windowText" lastClr="000000"/>
+              </a:solidFill>
+              <a:latin typeface="Quicksand Medium" panose="00000600000000000000" pitchFamily="2" charset="0"/>
+            </a:endParaRPr>
+          </a:p>
+        </p:txBody>
+      </p:sp>
+      <p:sp>
+        <p:nvSpPr>
+          <p:cNvPr id="3" name="文本框 2">
+            <a:extLst>
+              <a:ext uri="{FF2B5EF4-FFF2-40B4-BE49-F238E27FC236}">
+                <a16:creationId xmlns:a16="http://schemas.microsoft.com/office/drawing/2014/main" id="{1BF4DFA0-A45B-A793-3635-62C2BCB7B7E5}"/>
+              </a:ext>
+            </a:extLst>
+          </p:cNvPr>
+          <p:cNvSpPr txBox="1"/>
+          <p:nvPr/>
+        </p:nvSpPr>
+        <p:spPr>
+          <a:xfrm>
+            <a:off x="3733800" y="2152650"/>
+            <a:ext cx="1204176" cy="276999"/>
+          </a:xfrm>
+          <a:prstGeom prst="rect">
+            <a:avLst/>
+          </a:prstGeom>
+          <a:noFill/>
+        </p:spPr>
+        <p:txBody>
+          <a:bodyPr wrap="none" rtlCol="0">
+            <a:spAutoFit/>
+          </a:bodyPr>
+          <a:lstStyle/>
+          <a:p>
+            <a:r>
+              <a:rPr lang="en-US" altLang="zh-CN" sz="1200">
+                <a:latin typeface="Quicksand Medium" panose="00000600000000000000" pitchFamily="2" charset="0"/>
+              </a:rPr>
+              <a:t>width : 1024px</a:t>
+            </a:r>
+            <a:endParaRPr lang="zh-CN" altLang="en-US" sz="1200">
+              <a:latin typeface="Quicksand Medium" panose="00000600000000000000" pitchFamily="2" charset="0"/>
+            </a:endParaRPr>
+          </a:p>
+        </p:txBody>
+      </p:sp>
+      <p:sp>
+        <p:nvSpPr>
+          <p:cNvPr id="4" name="矩形: 圆角 3">
+            <a:extLst>
+              <a:ext uri="{FF2B5EF4-FFF2-40B4-BE49-F238E27FC236}">
+                <a16:creationId xmlns:a16="http://schemas.microsoft.com/office/drawing/2014/main" id="{C7735414-9923-6A1B-5E08-61B1E5335642}"/>
+              </a:ext>
+            </a:extLst>
+          </p:cNvPr>
+          <p:cNvSpPr/>
+          <p:nvPr/>
+        </p:nvSpPr>
+        <p:spPr>
+          <a:xfrm>
+            <a:off x="4265891" y="2836100"/>
+            <a:ext cx="504000" cy="216000"/>
+          </a:xfrm>
+          <a:prstGeom prst="roundRect">
+            <a:avLst/>
+          </a:prstGeom>
+          <a:noFill/>
+          <a:ln w="12700">
+            <a:noFill/>
+          </a:ln>
+        </p:spPr>
+        <p:style>
+          <a:lnRef idx="2">
+            <a:schemeClr val="accent1">
+              <a:shade val="15000"/>
+            </a:schemeClr>
+          </a:lnRef>
+          <a:fillRef idx="1">
+            <a:schemeClr val="accent1"/>
+          </a:fillRef>
+          <a:effectRef idx="0">
+            <a:schemeClr val="accent1"/>
+          </a:effectRef>
+          <a:fontRef idx="minor">
+            <a:schemeClr val="lt1"/>
+          </a:fontRef>
+        </p:style>
+        <p:txBody>
+          <a:bodyPr rtlCol="0" anchor="ctr"/>
+          <a:lstStyle/>
+          <a:p>
+            <a:pPr algn="ctr"/>
+            <a:r>
+              <a:rPr lang="en-US" altLang="zh-CN" sz="800">
+                <a:solidFill>
+                  <a:sysClr val="windowText" lastClr="000000"/>
+                </a:solidFill>
+                <a:latin typeface="Quicksand Medium" panose="00000600000000000000" pitchFamily="2" charset="0"/>
+              </a:rPr>
+              <a:t>value</a:t>
+            </a:r>
+            <a:endParaRPr lang="zh-CN" altLang="en-US" sz="800">
+              <a:solidFill>
+                <a:sysClr val="windowText" lastClr="000000"/>
+              </a:solidFill>
+              <a:latin typeface="Quicksand Medium" panose="00000600000000000000" pitchFamily="2" charset="0"/>
+            </a:endParaRPr>
+          </a:p>
+        </p:txBody>
+      </p:sp>
+      <p:sp>
+        <p:nvSpPr>
+          <p:cNvPr id="5" name="矩形: 圆角 4">
+            <a:extLst>
+              <a:ext uri="{FF2B5EF4-FFF2-40B4-BE49-F238E27FC236}">
+                <a16:creationId xmlns:a16="http://schemas.microsoft.com/office/drawing/2014/main" id="{F7AAF0E5-DEEE-811D-1957-33B4BEA1BE4F}"/>
+              </a:ext>
+            </a:extLst>
+          </p:cNvPr>
+          <p:cNvSpPr/>
+          <p:nvPr/>
+        </p:nvSpPr>
+        <p:spPr>
+          <a:xfrm>
+            <a:off x="4513541" y="2836100"/>
+            <a:ext cx="504000" cy="216000"/>
+          </a:xfrm>
+          <a:prstGeom prst="roundRect">
+            <a:avLst/>
+          </a:prstGeom>
+          <a:noFill/>
+          <a:ln w="12700">
+            <a:noFill/>
+          </a:ln>
+        </p:spPr>
+        <p:style>
+          <a:lnRef idx="2">
+            <a:schemeClr val="accent1">
+              <a:shade val="15000"/>
+            </a:schemeClr>
+          </a:lnRef>
+          <a:fillRef idx="1">
+            <a:schemeClr val="accent1"/>
+          </a:fillRef>
+          <a:effectRef idx="0">
+            <a:schemeClr val="accent1"/>
+          </a:effectRef>
+          <a:fontRef idx="minor">
+            <a:schemeClr val="lt1"/>
+          </a:fontRef>
+        </p:style>
+        <p:txBody>
+          <a:bodyPr rtlCol="0" anchor="ctr"/>
+          <a:lstStyle/>
+          <a:p>
+            <a:pPr algn="ctr"/>
+            <a:r>
+              <a:rPr lang="en-US" altLang="zh-CN" sz="800">
+                <a:solidFill>
+                  <a:sysClr val="windowText" lastClr="000000"/>
+                </a:solidFill>
+                <a:latin typeface="Quicksand Medium" panose="00000600000000000000" pitchFamily="2" charset="0"/>
+              </a:rPr>
+              <a:t>unit</a:t>
+            </a:r>
+            <a:endParaRPr lang="zh-CN" altLang="en-US" sz="800">
+              <a:solidFill>
+                <a:sysClr val="windowText" lastClr="000000"/>
+              </a:solidFill>
+              <a:latin typeface="Quicksand Medium" panose="00000600000000000000" pitchFamily="2" charset="0"/>
+            </a:endParaRPr>
+          </a:p>
+        </p:txBody>
+      </p:sp>
+      <p:cxnSp>
+        <p:nvCxnSpPr>
+          <p:cNvPr id="9" name="直接箭头连接符 8">
+            <a:extLst>
+              <a:ext uri="{FF2B5EF4-FFF2-40B4-BE49-F238E27FC236}">
+                <a16:creationId xmlns:a16="http://schemas.microsoft.com/office/drawing/2014/main" id="{43AA0F72-759C-7EAB-A6C6-60FEE7FFD186}"/>
+              </a:ext>
+            </a:extLst>
+          </p:cNvPr>
+          <p:cNvCxnSpPr>
+            <a:cxnSpLocks/>
+          </p:cNvCxnSpPr>
+          <p:nvPr/>
+        </p:nvCxnSpPr>
+        <p:spPr>
+          <a:xfrm flipV="1">
+            <a:off x="4003541" y="2432050"/>
+            <a:ext cx="0" cy="360000"/>
+          </a:xfrm>
+          <a:prstGeom prst="straightConnector1">
+            <a:avLst/>
+          </a:prstGeom>
+          <a:ln>
+            <a:solidFill>
+              <a:schemeClr val="tx1">
+                <a:lumMod val="65000"/>
+                <a:lumOff val="35000"/>
+              </a:schemeClr>
+            </a:solidFill>
+            <a:tailEnd type="triangle"/>
+          </a:ln>
+        </p:spPr>
+        <p:style>
+          <a:lnRef idx="1">
+            <a:schemeClr val="accent1"/>
+          </a:lnRef>
+          <a:fillRef idx="0">
+            <a:schemeClr val="accent1"/>
+          </a:fillRef>
+          <a:effectRef idx="0">
+            <a:schemeClr val="accent1"/>
+          </a:effectRef>
+          <a:fontRef idx="minor">
+            <a:schemeClr val="tx1"/>
+          </a:fontRef>
+        </p:style>
+      </p:cxnSp>
+      <p:cxnSp>
+        <p:nvCxnSpPr>
+          <p:cNvPr id="10" name="直接箭头连接符 9">
+            <a:extLst>
+              <a:ext uri="{FF2B5EF4-FFF2-40B4-BE49-F238E27FC236}">
+                <a16:creationId xmlns:a16="http://schemas.microsoft.com/office/drawing/2014/main" id="{FA908F67-2343-A19C-6EA2-70D4CBB6210B}"/>
+              </a:ext>
+            </a:extLst>
+          </p:cNvPr>
+          <p:cNvCxnSpPr>
+            <a:cxnSpLocks/>
+          </p:cNvCxnSpPr>
+          <p:nvPr/>
+        </p:nvCxnSpPr>
+        <p:spPr>
+          <a:xfrm flipV="1">
+            <a:off x="4517891" y="2432050"/>
+            <a:ext cx="0" cy="360000"/>
+          </a:xfrm>
+          <a:prstGeom prst="straightConnector1">
+            <a:avLst/>
+          </a:prstGeom>
+          <a:ln>
+            <a:solidFill>
+              <a:schemeClr val="tx1">
+                <a:lumMod val="65000"/>
+                <a:lumOff val="35000"/>
+              </a:schemeClr>
+            </a:solidFill>
+            <a:tailEnd type="triangle"/>
+          </a:ln>
+        </p:spPr>
+        <p:style>
+          <a:lnRef idx="1">
+            <a:schemeClr val="accent1"/>
+          </a:lnRef>
+          <a:fillRef idx="0">
+            <a:schemeClr val="accent1"/>
+          </a:fillRef>
+          <a:effectRef idx="0">
+            <a:schemeClr val="accent1"/>
+          </a:effectRef>
+          <a:fontRef idx="minor">
+            <a:schemeClr val="tx1"/>
+          </a:fontRef>
+        </p:style>
+      </p:cxnSp>
+      <p:cxnSp>
+        <p:nvCxnSpPr>
+          <p:cNvPr id="11" name="直接箭头连接符 10">
+            <a:extLst>
+              <a:ext uri="{FF2B5EF4-FFF2-40B4-BE49-F238E27FC236}">
+                <a16:creationId xmlns:a16="http://schemas.microsoft.com/office/drawing/2014/main" id="{F2B6BAE4-E058-A8A3-0AAE-176FEB20EE1B}"/>
+              </a:ext>
+            </a:extLst>
+          </p:cNvPr>
+          <p:cNvCxnSpPr>
+            <a:cxnSpLocks/>
+          </p:cNvCxnSpPr>
+          <p:nvPr/>
+        </p:nvCxnSpPr>
+        <p:spPr>
+          <a:xfrm flipV="1">
+            <a:off x="4765541" y="2432050"/>
+            <a:ext cx="0" cy="360000"/>
+          </a:xfrm>
+          <a:prstGeom prst="straightConnector1">
+            <a:avLst/>
+          </a:prstGeom>
+          <a:ln>
+            <a:solidFill>
+              <a:schemeClr val="tx1">
+                <a:lumMod val="65000"/>
+                <a:lumOff val="35000"/>
+              </a:schemeClr>
+            </a:solidFill>
+            <a:tailEnd type="triangle"/>
+          </a:ln>
+        </p:spPr>
+        <p:style>
+          <a:lnRef idx="1">
+            <a:schemeClr val="accent1"/>
+          </a:lnRef>
+          <a:fillRef idx="0">
+            <a:schemeClr val="accent1"/>
+          </a:fillRef>
+          <a:effectRef idx="0">
+            <a:schemeClr val="accent1"/>
+          </a:effectRef>
+          <a:fontRef idx="minor">
+            <a:schemeClr val="tx1"/>
+          </a:fontRef>
+        </p:style>
+      </p:cxnSp>
+    </p:spTree>
+    <p:extLst>
+      <p:ext uri="{BB962C8B-B14F-4D97-AF65-F5344CB8AC3E}">
+        <p14:creationId xmlns:p14="http://schemas.microsoft.com/office/powerpoint/2010/main" val="979191356"/>
+      </p:ext>
+    </p:extLst>
+  </p:cSld>
+  <p:clrMapOvr>
+    <a:masterClrMapping/>
+  </p:clrMapOvr>
+</p:sld>
+</file>
+
+<file path=ppt/slides/slide16.xml><?xml version="1.0" encoding="utf-8"?>
+<p:sld xmlns:a="http://schemas.openxmlformats.org/drawingml/2006/main" xmlns:r="http://schemas.openxmlformats.org/officeDocument/2006/relationships" xmlns:p="http://schemas.openxmlformats.org/presentationml/2006/main">
+  <p:cSld>
+    <p:spTree>
+      <p:nvGrpSpPr>
+        <p:cNvPr id="1" name=""/>
+        <p:cNvGrpSpPr/>
+        <p:nvPr/>
+      </p:nvGrpSpPr>
+      <p:grpSpPr>
+        <a:xfrm>
+          <a:off x="0" y="0"/>
+          <a:ext cx="0" cy="0"/>
+          <a:chOff x="0" y="0"/>
+          <a:chExt cx="0" cy="0"/>
+        </a:xfrm>
+      </p:grpSpPr>
       <p:pic>
         <p:nvPicPr>
           <p:cNvPr id="1026" name="Picture 2">

--- a/utils/file/charts.pptx
+++ b/utils/file/charts.pptx
@@ -23,9 +23,10 @@
     <p:sldId id="276" r:id="rId17"/>
     <p:sldId id="277" r:id="rId18"/>
     <p:sldId id="278" r:id="rId19"/>
-    <p:sldId id="264" r:id="rId20"/>
-    <p:sldId id="272" r:id="rId21"/>
-    <p:sldId id="256" r:id="rId22"/>
+    <p:sldId id="279" r:id="rId20"/>
+    <p:sldId id="264" r:id="rId21"/>
+    <p:sldId id="272" r:id="rId22"/>
+    <p:sldId id="256" r:id="rId23"/>
   </p:sldIdLst>
   <p:sldSz cx="12192000" cy="6858000"/>
   <p:notesSz cx="6858000" cy="9144000"/>
@@ -279,7 +280,7 @@
           <a:p>
             <a:fld id="{C0F7C65B-F23F-479A-8AFF-E7E0FC962F06}" type="datetimeFigureOut">
               <a:rPr lang="zh-CN" altLang="en-US" smtClean="0"/>
-              <a:t>2025/8/3</a:t>
+              <a:t>2025/8/15</a:t>
             </a:fld>
             <a:endParaRPr lang="zh-CN" altLang="en-US"/>
           </a:p>
@@ -477,7 +478,7 @@
           <a:p>
             <a:fld id="{C0F7C65B-F23F-479A-8AFF-E7E0FC962F06}" type="datetimeFigureOut">
               <a:rPr lang="zh-CN" altLang="en-US" smtClean="0"/>
-              <a:t>2025/8/3</a:t>
+              <a:t>2025/8/15</a:t>
             </a:fld>
             <a:endParaRPr lang="zh-CN" altLang="en-US"/>
           </a:p>
@@ -685,7 +686,7 @@
           <a:p>
             <a:fld id="{C0F7C65B-F23F-479A-8AFF-E7E0FC962F06}" type="datetimeFigureOut">
               <a:rPr lang="zh-CN" altLang="en-US" smtClean="0"/>
-              <a:t>2025/8/3</a:t>
+              <a:t>2025/8/15</a:t>
             </a:fld>
             <a:endParaRPr lang="zh-CN" altLang="en-US"/>
           </a:p>
@@ -883,7 +884,7 @@
           <a:p>
             <a:fld id="{C0F7C65B-F23F-479A-8AFF-E7E0FC962F06}" type="datetimeFigureOut">
               <a:rPr lang="zh-CN" altLang="en-US" smtClean="0"/>
-              <a:t>2025/8/3</a:t>
+              <a:t>2025/8/15</a:t>
             </a:fld>
             <a:endParaRPr lang="zh-CN" altLang="en-US"/>
           </a:p>
@@ -1158,7 +1159,7 @@
           <a:p>
             <a:fld id="{C0F7C65B-F23F-479A-8AFF-E7E0FC962F06}" type="datetimeFigureOut">
               <a:rPr lang="zh-CN" altLang="en-US" smtClean="0"/>
-              <a:t>2025/8/3</a:t>
+              <a:t>2025/8/15</a:t>
             </a:fld>
             <a:endParaRPr lang="zh-CN" altLang="en-US"/>
           </a:p>
@@ -1423,7 +1424,7 @@
           <a:p>
             <a:fld id="{C0F7C65B-F23F-479A-8AFF-E7E0FC962F06}" type="datetimeFigureOut">
               <a:rPr lang="zh-CN" altLang="en-US" smtClean="0"/>
-              <a:t>2025/8/3</a:t>
+              <a:t>2025/8/15</a:t>
             </a:fld>
             <a:endParaRPr lang="zh-CN" altLang="en-US"/>
           </a:p>
@@ -1835,7 +1836,7 @@
           <a:p>
             <a:fld id="{C0F7C65B-F23F-479A-8AFF-E7E0FC962F06}" type="datetimeFigureOut">
               <a:rPr lang="zh-CN" altLang="en-US" smtClean="0"/>
-              <a:t>2025/8/3</a:t>
+              <a:t>2025/8/15</a:t>
             </a:fld>
             <a:endParaRPr lang="zh-CN" altLang="en-US"/>
           </a:p>
@@ -1976,7 +1977,7 @@
           <a:p>
             <a:fld id="{C0F7C65B-F23F-479A-8AFF-E7E0FC962F06}" type="datetimeFigureOut">
               <a:rPr lang="zh-CN" altLang="en-US" smtClean="0"/>
-              <a:t>2025/8/3</a:t>
+              <a:t>2025/8/15</a:t>
             </a:fld>
             <a:endParaRPr lang="zh-CN" altLang="en-US"/>
           </a:p>
@@ -2089,7 +2090,7 @@
           <a:p>
             <a:fld id="{C0F7C65B-F23F-479A-8AFF-E7E0FC962F06}" type="datetimeFigureOut">
               <a:rPr lang="zh-CN" altLang="en-US" smtClean="0"/>
-              <a:t>2025/8/3</a:t>
+              <a:t>2025/8/15</a:t>
             </a:fld>
             <a:endParaRPr lang="zh-CN" altLang="en-US"/>
           </a:p>
@@ -2400,7 +2401,7 @@
           <a:p>
             <a:fld id="{C0F7C65B-F23F-479A-8AFF-E7E0FC962F06}" type="datetimeFigureOut">
               <a:rPr lang="zh-CN" altLang="en-US" smtClean="0"/>
-              <a:t>2025/8/3</a:t>
+              <a:t>2025/8/15</a:t>
             </a:fld>
             <a:endParaRPr lang="zh-CN" altLang="en-US"/>
           </a:p>
@@ -2688,7 +2689,7 @@
           <a:p>
             <a:fld id="{C0F7C65B-F23F-479A-8AFF-E7E0FC962F06}" type="datetimeFigureOut">
               <a:rPr lang="zh-CN" altLang="en-US" smtClean="0"/>
-              <a:t>2025/8/3</a:t>
+              <a:t>2025/8/15</a:t>
             </a:fld>
             <a:endParaRPr lang="zh-CN" altLang="en-US"/>
           </a:p>
@@ -2929,7 +2930,7 @@
           <a:p>
             <a:fld id="{C0F7C65B-F23F-479A-8AFF-E7E0FC962F06}" type="datetimeFigureOut">
               <a:rPr lang="zh-CN" altLang="en-US" smtClean="0"/>
-              <a:t>2025/8/3</a:t>
+              <a:t>2025/8/15</a:t>
             </a:fld>
             <a:endParaRPr lang="zh-CN" altLang="en-US"/>
           </a:p>
@@ -17302,7 +17303,13 @@
   <p:cSld>
     <p:spTree>
       <p:nvGrpSpPr>
-        <p:cNvPr id="1" name=""/>
+        <p:cNvPr id="1" name="">
+          <a:extLst>
+            <a:ext uri="{FF2B5EF4-FFF2-40B4-BE49-F238E27FC236}">
+              <a16:creationId xmlns:a16="http://schemas.microsoft.com/office/drawing/2014/main" id="{E35AAE47-927B-F5A5-CAFA-AC16AF4FF7BE}"/>
+            </a:ext>
+          </a:extLst>
+        </p:cNvPr>
         <p:cNvGrpSpPr/>
         <p:nvPr/>
       </p:nvGrpSpPr>
@@ -17314,40 +17321,1337 @@
           <a:chExt cx="0" cy="0"/>
         </a:xfrm>
       </p:grpSpPr>
-      <p:pic>
-        <p:nvPicPr>
-          <p:cNvPr id="3" name="图片 2">
-            <a:extLst>
-              <a:ext uri="{FF2B5EF4-FFF2-40B4-BE49-F238E27FC236}">
-                <a16:creationId xmlns:a16="http://schemas.microsoft.com/office/drawing/2014/main" id="{7ECC09FE-D9D2-2E76-0948-E1F27A08CD34}"/>
-              </a:ext>
-            </a:extLst>
-          </p:cNvPr>
-          <p:cNvPicPr>
-            <a:picLocks noChangeAspect="1"/>
-          </p:cNvPicPr>
-          <p:nvPr/>
-        </p:nvPicPr>
-        <p:blipFill>
-          <a:blip r:embed="rId2"/>
-          <a:stretch>
-            <a:fillRect/>
-          </a:stretch>
-        </p:blipFill>
-        <p:spPr>
-          <a:xfrm>
-            <a:off x="5043340" y="1842866"/>
-            <a:ext cx="2105319" cy="3172268"/>
+      <p:sp>
+        <p:nvSpPr>
+          <p:cNvPr id="2" name="矩形: 圆角 1">
+            <a:extLst>
+              <a:ext uri="{FF2B5EF4-FFF2-40B4-BE49-F238E27FC236}">
+                <a16:creationId xmlns:a16="http://schemas.microsoft.com/office/drawing/2014/main" id="{82B52CCE-8130-3B49-1962-12950FC9907F}"/>
+              </a:ext>
+            </a:extLst>
+          </p:cNvPr>
+          <p:cNvSpPr/>
+          <p:nvPr/>
+        </p:nvSpPr>
+        <p:spPr>
+          <a:xfrm>
+            <a:off x="3268617" y="3071006"/>
+            <a:ext cx="1440000" cy="360000"/>
+          </a:xfrm>
+          <a:prstGeom prst="roundRect">
+            <a:avLst/>
+          </a:prstGeom>
+          <a:solidFill>
+            <a:schemeClr val="tx1"/>
+          </a:solidFill>
+          <a:ln w="12700">
+            <a:noFill/>
+          </a:ln>
+        </p:spPr>
+        <p:style>
+          <a:lnRef idx="2">
+            <a:schemeClr val="accent1">
+              <a:shade val="15000"/>
+            </a:schemeClr>
+          </a:lnRef>
+          <a:fillRef idx="1">
+            <a:schemeClr val="accent1"/>
+          </a:fillRef>
+          <a:effectRef idx="0">
+            <a:schemeClr val="accent1"/>
+          </a:effectRef>
+          <a:fontRef idx="minor">
+            <a:schemeClr val="lt1"/>
+          </a:fontRef>
+        </p:style>
+        <p:txBody>
+          <a:bodyPr rtlCol="0" anchor="ctr"/>
+          <a:lstStyle/>
+          <a:p>
+            <a:pPr algn="ctr"/>
+            <a:r>
+              <a:rPr lang="en-US" altLang="zh-CN" sz="1200">
+                <a:latin typeface="Quicksand Light" panose="00000400000000000000" pitchFamily="2" charset="0"/>
+                <a:ea typeface="微软雅黑" panose="020B0503020204020204" pitchFamily="34" charset="-122"/>
+              </a:rPr>
+              <a:t>Event</a:t>
+            </a:r>
+            <a:endParaRPr lang="zh-CN" altLang="en-US" sz="1200">
+              <a:latin typeface="Quicksand Light" panose="00000400000000000000" pitchFamily="2" charset="0"/>
+              <a:ea typeface="微软雅黑" panose="020B0503020204020204" pitchFamily="34" charset="-122"/>
+            </a:endParaRPr>
+          </a:p>
+        </p:txBody>
+      </p:sp>
+      <p:sp>
+        <p:nvSpPr>
+          <p:cNvPr id="3" name="矩形: 圆角 2">
+            <a:extLst>
+              <a:ext uri="{FF2B5EF4-FFF2-40B4-BE49-F238E27FC236}">
+                <a16:creationId xmlns:a16="http://schemas.microsoft.com/office/drawing/2014/main" id="{58425A87-1473-CA69-8DD6-FE442DA26B63}"/>
+              </a:ext>
+            </a:extLst>
+          </p:cNvPr>
+          <p:cNvSpPr/>
+          <p:nvPr/>
+        </p:nvSpPr>
+        <p:spPr>
+          <a:xfrm>
+            <a:off x="5031248" y="2638488"/>
+            <a:ext cx="1440000" cy="360000"/>
+          </a:xfrm>
+          <a:prstGeom prst="roundRect">
+            <a:avLst/>
+          </a:prstGeom>
+          <a:solidFill>
+            <a:srgbClr val="EB3B5A"/>
+          </a:solidFill>
+          <a:ln w="12700">
+            <a:noFill/>
+          </a:ln>
+        </p:spPr>
+        <p:style>
+          <a:lnRef idx="2">
+            <a:schemeClr val="accent1">
+              <a:shade val="15000"/>
+            </a:schemeClr>
+          </a:lnRef>
+          <a:fillRef idx="1">
+            <a:schemeClr val="accent1"/>
+          </a:fillRef>
+          <a:effectRef idx="0">
+            <a:schemeClr val="accent1"/>
+          </a:effectRef>
+          <a:fontRef idx="minor">
+            <a:schemeClr val="lt1"/>
+          </a:fontRef>
+        </p:style>
+        <p:txBody>
+          <a:bodyPr rtlCol="0" anchor="ctr"/>
+          <a:lstStyle/>
+          <a:p>
+            <a:pPr algn="ctr"/>
+            <a:r>
+              <a:rPr lang="en-US" altLang="zh-CN" sz="1200">
+                <a:latin typeface="Quicksand Light" panose="00000400000000000000" pitchFamily="2" charset="0"/>
+              </a:rPr>
+              <a:t>mouse</a:t>
+            </a:r>
+            <a:endParaRPr lang="zh-CN" altLang="en-US" sz="1200">
+              <a:latin typeface="Quicksand Light" panose="00000400000000000000" pitchFamily="2" charset="0"/>
+            </a:endParaRPr>
+          </a:p>
+        </p:txBody>
+      </p:sp>
+      <p:sp>
+        <p:nvSpPr>
+          <p:cNvPr id="4" name="矩形: 圆角 3">
+            <a:extLst>
+              <a:ext uri="{FF2B5EF4-FFF2-40B4-BE49-F238E27FC236}">
+                <a16:creationId xmlns:a16="http://schemas.microsoft.com/office/drawing/2014/main" id="{77DF7501-FB3A-ECF4-553E-AD543710128D}"/>
+              </a:ext>
+            </a:extLst>
+          </p:cNvPr>
+          <p:cNvSpPr/>
+          <p:nvPr/>
+        </p:nvSpPr>
+        <p:spPr>
+          <a:xfrm>
+            <a:off x="5031248" y="3069000"/>
+            <a:ext cx="1440000" cy="360000"/>
+          </a:xfrm>
+          <a:prstGeom prst="roundRect">
+            <a:avLst/>
+          </a:prstGeom>
+          <a:solidFill>
+            <a:srgbClr val="FA8231">
+              <a:alpha val="80000"/>
+            </a:srgbClr>
+          </a:solidFill>
+          <a:ln w="12700">
+            <a:noFill/>
+          </a:ln>
+        </p:spPr>
+        <p:style>
+          <a:lnRef idx="2">
+            <a:schemeClr val="accent1">
+              <a:shade val="15000"/>
+            </a:schemeClr>
+          </a:lnRef>
+          <a:fillRef idx="1">
+            <a:schemeClr val="accent1"/>
+          </a:fillRef>
+          <a:effectRef idx="0">
+            <a:schemeClr val="accent1"/>
+          </a:effectRef>
+          <a:fontRef idx="minor">
+            <a:schemeClr val="lt1"/>
+          </a:fontRef>
+        </p:style>
+        <p:txBody>
+          <a:bodyPr rtlCol="0" anchor="ctr"/>
+          <a:lstStyle/>
+          <a:p>
+            <a:pPr algn="ctr"/>
+            <a:r>
+              <a:rPr lang="en-US" altLang="zh-CN" sz="1200">
+                <a:latin typeface="Quicksand Light" panose="00000400000000000000" pitchFamily="2" charset="0"/>
+              </a:rPr>
+              <a:t>window</a:t>
+            </a:r>
+            <a:endParaRPr lang="zh-CN" altLang="en-US" sz="1200">
+              <a:latin typeface="Quicksand Light" panose="00000400000000000000" pitchFamily="2" charset="0"/>
+            </a:endParaRPr>
+          </a:p>
+        </p:txBody>
+      </p:sp>
+      <p:sp>
+        <p:nvSpPr>
+          <p:cNvPr id="5" name="矩形: 圆角 4">
+            <a:extLst>
+              <a:ext uri="{FF2B5EF4-FFF2-40B4-BE49-F238E27FC236}">
+                <a16:creationId xmlns:a16="http://schemas.microsoft.com/office/drawing/2014/main" id="{61E2C1FE-98C0-9878-FC69-9D5E164F8FBA}"/>
+              </a:ext>
+            </a:extLst>
+          </p:cNvPr>
+          <p:cNvSpPr/>
+          <p:nvPr/>
+        </p:nvSpPr>
+        <p:spPr>
+          <a:xfrm>
+            <a:off x="5031248" y="3930025"/>
+            <a:ext cx="1440000" cy="360000"/>
+          </a:xfrm>
+          <a:prstGeom prst="roundRect">
+            <a:avLst/>
+          </a:prstGeom>
+          <a:solidFill>
+            <a:srgbClr val="F78FB3"/>
+          </a:solidFill>
+          <a:ln w="12700">
+            <a:noFill/>
+          </a:ln>
+        </p:spPr>
+        <p:style>
+          <a:lnRef idx="2">
+            <a:schemeClr val="accent1">
+              <a:shade val="15000"/>
+            </a:schemeClr>
+          </a:lnRef>
+          <a:fillRef idx="1">
+            <a:schemeClr val="accent1"/>
+          </a:fillRef>
+          <a:effectRef idx="0">
+            <a:schemeClr val="accent1"/>
+          </a:effectRef>
+          <a:fontRef idx="minor">
+            <a:schemeClr val="lt1"/>
+          </a:fontRef>
+        </p:style>
+        <p:txBody>
+          <a:bodyPr rtlCol="0" anchor="ctr"/>
+          <a:lstStyle/>
+          <a:p>
+            <a:pPr algn="ctr"/>
+            <a:r>
+              <a:rPr lang="en-US" altLang="zh-CN" sz="1200">
+                <a:latin typeface="Quicksand Light" panose="00000400000000000000" pitchFamily="2" charset="0"/>
+              </a:rPr>
+              <a:t>audio</a:t>
+            </a:r>
+            <a:endParaRPr lang="zh-CN" altLang="en-US" sz="1200">
+              <a:latin typeface="Quicksand Light" panose="00000400000000000000" pitchFamily="2" charset="0"/>
+            </a:endParaRPr>
+          </a:p>
+        </p:txBody>
+      </p:sp>
+      <p:cxnSp>
+        <p:nvCxnSpPr>
+          <p:cNvPr id="7" name="连接符: 曲线 6">
+            <a:extLst>
+              <a:ext uri="{FF2B5EF4-FFF2-40B4-BE49-F238E27FC236}">
+                <a16:creationId xmlns:a16="http://schemas.microsoft.com/office/drawing/2014/main" id="{A409D3D7-E7E4-DA0F-9599-D31C982DC01C}"/>
+              </a:ext>
+            </a:extLst>
+          </p:cNvPr>
+          <p:cNvCxnSpPr>
+            <a:stCxn id="2" idx="3"/>
+            <a:endCxn id="5" idx="1"/>
+          </p:cNvCxnSpPr>
+          <p:nvPr/>
+        </p:nvCxnSpPr>
+        <p:spPr>
+          <a:xfrm>
+            <a:off x="4708617" y="3251006"/>
+            <a:ext cx="322631" cy="859019"/>
+          </a:xfrm>
+          <a:prstGeom prst="curvedConnector3">
+            <a:avLst>
+              <a:gd name="adj1" fmla="val 50000"/>
+            </a:avLst>
+          </a:prstGeom>
+          <a:ln>
+            <a:solidFill>
+              <a:srgbClr val="F78FB3"/>
+            </a:solidFill>
+          </a:ln>
+        </p:spPr>
+        <p:style>
+          <a:lnRef idx="1">
+            <a:schemeClr val="accent1"/>
+          </a:lnRef>
+          <a:fillRef idx="0">
+            <a:schemeClr val="accent1"/>
+          </a:fillRef>
+          <a:effectRef idx="0">
+            <a:schemeClr val="accent1"/>
+          </a:effectRef>
+          <a:fontRef idx="minor">
+            <a:schemeClr val="tx1"/>
+          </a:fontRef>
+        </p:style>
+      </p:cxnSp>
+      <p:cxnSp>
+        <p:nvCxnSpPr>
+          <p:cNvPr id="8" name="连接符: 曲线 7">
+            <a:extLst>
+              <a:ext uri="{FF2B5EF4-FFF2-40B4-BE49-F238E27FC236}">
+                <a16:creationId xmlns:a16="http://schemas.microsoft.com/office/drawing/2014/main" id="{7D1627B6-E45C-D12D-D6C5-6775F9760FAD}"/>
+              </a:ext>
+            </a:extLst>
+          </p:cNvPr>
+          <p:cNvCxnSpPr>
+            <a:stCxn id="3" idx="1"/>
+            <a:endCxn id="2" idx="3"/>
+          </p:cNvCxnSpPr>
+          <p:nvPr/>
+        </p:nvCxnSpPr>
+        <p:spPr>
+          <a:xfrm rot="10800000" flipV="1">
+            <a:off x="4708618" y="2818488"/>
+            <a:ext cx="322631" cy="432518"/>
+          </a:xfrm>
+          <a:prstGeom prst="curvedConnector3">
+            <a:avLst>
+              <a:gd name="adj1" fmla="val 50000"/>
+            </a:avLst>
+          </a:prstGeom>
+          <a:ln>
+            <a:solidFill>
+              <a:srgbClr val="FFC000"/>
+            </a:solidFill>
+          </a:ln>
+        </p:spPr>
+        <p:style>
+          <a:lnRef idx="1">
+            <a:schemeClr val="accent1"/>
+          </a:lnRef>
+          <a:fillRef idx="0">
+            <a:schemeClr val="accent1"/>
+          </a:fillRef>
+          <a:effectRef idx="0">
+            <a:schemeClr val="accent1"/>
+          </a:effectRef>
+          <a:fontRef idx="minor">
+            <a:schemeClr val="tx1"/>
+          </a:fontRef>
+        </p:style>
+      </p:cxnSp>
+      <p:sp>
+        <p:nvSpPr>
+          <p:cNvPr id="9" name="矩形: 圆角 8">
+            <a:extLst>
+              <a:ext uri="{FF2B5EF4-FFF2-40B4-BE49-F238E27FC236}">
+                <a16:creationId xmlns:a16="http://schemas.microsoft.com/office/drawing/2014/main" id="{C0944126-5FB5-2507-E68B-9739238E8EB5}"/>
+              </a:ext>
+            </a:extLst>
+          </p:cNvPr>
+          <p:cNvSpPr/>
+          <p:nvPr/>
+        </p:nvSpPr>
+        <p:spPr>
+          <a:xfrm>
+            <a:off x="5031248" y="3499512"/>
+            <a:ext cx="1440000" cy="360000"/>
+          </a:xfrm>
+          <a:prstGeom prst="roundRect">
+            <a:avLst/>
+          </a:prstGeom>
+          <a:solidFill>
+            <a:srgbClr val="8854D0"/>
+          </a:solidFill>
+          <a:ln w="12700">
+            <a:noFill/>
+          </a:ln>
+        </p:spPr>
+        <p:style>
+          <a:lnRef idx="2">
+            <a:schemeClr val="accent1">
+              <a:shade val="15000"/>
+            </a:schemeClr>
+          </a:lnRef>
+          <a:fillRef idx="1">
+            <a:schemeClr val="accent1"/>
+          </a:fillRef>
+          <a:effectRef idx="0">
+            <a:schemeClr val="accent1"/>
+          </a:effectRef>
+          <a:fontRef idx="minor">
+            <a:schemeClr val="lt1"/>
+          </a:fontRef>
+        </p:style>
+        <p:txBody>
+          <a:bodyPr rtlCol="0" anchor="ctr"/>
+          <a:lstStyle/>
+          <a:p>
+            <a:pPr algn="ctr"/>
+            <a:r>
+              <a:rPr lang="en-US" altLang="zh-CN" sz="1200">
+                <a:latin typeface="Quicksand Light" panose="00000400000000000000" pitchFamily="2" charset="0"/>
+              </a:rPr>
+              <a:t> document/element</a:t>
+            </a:r>
+            <a:endParaRPr lang="zh-CN" altLang="en-US" sz="1200">
+              <a:latin typeface="Quicksand Light" panose="00000400000000000000" pitchFamily="2" charset="0"/>
+            </a:endParaRPr>
+          </a:p>
+        </p:txBody>
+      </p:sp>
+      <p:cxnSp>
+        <p:nvCxnSpPr>
+          <p:cNvPr id="10" name="连接符: 曲线 9">
+            <a:extLst>
+              <a:ext uri="{FF2B5EF4-FFF2-40B4-BE49-F238E27FC236}">
+                <a16:creationId xmlns:a16="http://schemas.microsoft.com/office/drawing/2014/main" id="{B01049DC-8D3F-3178-D251-DA8C42BFC03F}"/>
+              </a:ext>
+            </a:extLst>
+          </p:cNvPr>
+          <p:cNvCxnSpPr>
+            <a:cxnSpLocks/>
+            <a:stCxn id="2" idx="3"/>
+            <a:endCxn id="9" idx="1"/>
+          </p:cNvCxnSpPr>
+          <p:nvPr/>
+        </p:nvCxnSpPr>
+        <p:spPr>
+          <a:xfrm>
+            <a:off x="4708617" y="3251006"/>
+            <a:ext cx="322631" cy="428506"/>
+          </a:xfrm>
+          <a:prstGeom prst="curvedConnector3">
+            <a:avLst>
+              <a:gd name="adj1" fmla="val 50000"/>
+            </a:avLst>
+          </a:prstGeom>
+          <a:ln>
+            <a:solidFill>
+              <a:srgbClr val="8854D0"/>
+            </a:solidFill>
+          </a:ln>
+        </p:spPr>
+        <p:style>
+          <a:lnRef idx="1">
+            <a:schemeClr val="accent1"/>
+          </a:lnRef>
+          <a:fillRef idx="0">
+            <a:schemeClr val="accent1"/>
+          </a:fillRef>
+          <a:effectRef idx="0">
+            <a:schemeClr val="accent1"/>
+          </a:effectRef>
+          <a:fontRef idx="minor">
+            <a:schemeClr val="tx1"/>
+          </a:fontRef>
+        </p:style>
+      </p:cxnSp>
+      <p:sp>
+        <p:nvSpPr>
+          <p:cNvPr id="11" name="矩形: 圆角 10">
+            <a:extLst>
+              <a:ext uri="{FF2B5EF4-FFF2-40B4-BE49-F238E27FC236}">
+                <a16:creationId xmlns:a16="http://schemas.microsoft.com/office/drawing/2014/main" id="{08E46C2E-163E-1439-2DF8-FFDDD4640EEA}"/>
+              </a:ext>
+            </a:extLst>
+          </p:cNvPr>
+          <p:cNvSpPr/>
+          <p:nvPr/>
+        </p:nvSpPr>
+        <p:spPr>
+          <a:xfrm>
+            <a:off x="5031248" y="1781474"/>
+            <a:ext cx="1440000" cy="360000"/>
+          </a:xfrm>
+          <a:prstGeom prst="roundRect">
+            <a:avLst/>
+          </a:prstGeom>
+          <a:solidFill>
+            <a:schemeClr val="accent5">
+              <a:lumMod val="75000"/>
+              <a:alpha val="80000"/>
+            </a:schemeClr>
+          </a:solidFill>
+          <a:ln w="12700">
+            <a:noFill/>
+          </a:ln>
+        </p:spPr>
+        <p:style>
+          <a:lnRef idx="2">
+            <a:schemeClr val="accent1">
+              <a:shade val="15000"/>
+            </a:schemeClr>
+          </a:lnRef>
+          <a:fillRef idx="1">
+            <a:schemeClr val="accent1"/>
+          </a:fillRef>
+          <a:effectRef idx="0">
+            <a:schemeClr val="accent1"/>
+          </a:effectRef>
+          <a:fontRef idx="minor">
+            <a:schemeClr val="lt1"/>
+          </a:fontRef>
+        </p:style>
+        <p:txBody>
+          <a:bodyPr rtlCol="0" anchor="ctr"/>
+          <a:lstStyle/>
+          <a:p>
+            <a:pPr algn="ctr"/>
+            <a:r>
+              <a:rPr lang="en-US" altLang="zh-CN" sz="1200">
+                <a:latin typeface="Quicksand Light" panose="00000400000000000000" pitchFamily="2" charset="0"/>
+              </a:rPr>
+              <a:t>form</a:t>
+            </a:r>
+            <a:endParaRPr lang="zh-CN" altLang="en-US" sz="1200">
+              <a:latin typeface="Quicksand Light" panose="00000400000000000000" pitchFamily="2" charset="0"/>
+            </a:endParaRPr>
+          </a:p>
+        </p:txBody>
+      </p:sp>
+      <p:cxnSp>
+        <p:nvCxnSpPr>
+          <p:cNvPr id="12" name="连接符: 曲线 11">
+            <a:extLst>
+              <a:ext uri="{FF2B5EF4-FFF2-40B4-BE49-F238E27FC236}">
+                <a16:creationId xmlns:a16="http://schemas.microsoft.com/office/drawing/2014/main" id="{B38AA8FE-3C11-184B-9D0F-5FA3A82D4A9F}"/>
+              </a:ext>
+            </a:extLst>
+          </p:cNvPr>
+          <p:cNvCxnSpPr>
+            <a:cxnSpLocks/>
+            <a:stCxn id="2" idx="3"/>
+            <a:endCxn id="11" idx="1"/>
+          </p:cNvCxnSpPr>
+          <p:nvPr/>
+        </p:nvCxnSpPr>
+        <p:spPr>
+          <a:xfrm flipV="1">
+            <a:off x="4708617" y="1961474"/>
+            <a:ext cx="322631" cy="1289532"/>
+          </a:xfrm>
+          <a:prstGeom prst="curvedConnector3">
+            <a:avLst>
+              <a:gd name="adj1" fmla="val 50000"/>
+            </a:avLst>
+          </a:prstGeom>
+          <a:ln>
+            <a:solidFill>
+              <a:srgbClr val="3DC1D3"/>
+            </a:solidFill>
+          </a:ln>
+        </p:spPr>
+        <p:style>
+          <a:lnRef idx="1">
+            <a:schemeClr val="accent1"/>
+          </a:lnRef>
+          <a:fillRef idx="0">
+            <a:schemeClr val="accent1"/>
+          </a:fillRef>
+          <a:effectRef idx="0">
+            <a:schemeClr val="accent1"/>
+          </a:effectRef>
+          <a:fontRef idx="minor">
+            <a:schemeClr val="tx1"/>
+          </a:fontRef>
+        </p:style>
+      </p:cxnSp>
+      <p:sp>
+        <p:nvSpPr>
+          <p:cNvPr id="13" name="矩形: 圆角 12">
+            <a:extLst>
+              <a:ext uri="{FF2B5EF4-FFF2-40B4-BE49-F238E27FC236}">
+                <a16:creationId xmlns:a16="http://schemas.microsoft.com/office/drawing/2014/main" id="{79D8125B-2580-7918-B99E-E0392B0ABC11}"/>
+              </a:ext>
+            </a:extLst>
+          </p:cNvPr>
+          <p:cNvSpPr/>
+          <p:nvPr/>
+        </p:nvSpPr>
+        <p:spPr>
+          <a:xfrm>
+            <a:off x="5031248" y="2211987"/>
+            <a:ext cx="1440000" cy="360000"/>
+          </a:xfrm>
+          <a:prstGeom prst="roundRect">
+            <a:avLst/>
+          </a:prstGeom>
+          <a:solidFill>
+            <a:srgbClr val="92D050"/>
+          </a:solidFill>
+          <a:ln w="12700">
+            <a:noFill/>
+          </a:ln>
+        </p:spPr>
+        <p:style>
+          <a:lnRef idx="2">
+            <a:schemeClr val="accent1">
+              <a:shade val="15000"/>
+            </a:schemeClr>
+          </a:lnRef>
+          <a:fillRef idx="1">
+            <a:schemeClr val="accent1"/>
+          </a:fillRef>
+          <a:effectRef idx="0">
+            <a:schemeClr val="accent1"/>
+          </a:effectRef>
+          <a:fontRef idx="minor">
+            <a:schemeClr val="lt1"/>
+          </a:fontRef>
+        </p:style>
+        <p:txBody>
+          <a:bodyPr rtlCol="0" anchor="ctr"/>
+          <a:lstStyle/>
+          <a:p>
+            <a:pPr algn="ctr"/>
+            <a:r>
+              <a:rPr lang="en-US" altLang="zh-CN" sz="1200">
+                <a:latin typeface="Quicksand Light" panose="00000400000000000000" pitchFamily="2" charset="0"/>
+                <a:ea typeface="微软雅黑" panose="020B0503020204020204" pitchFamily="34" charset="-122"/>
+              </a:rPr>
+              <a:t>key</a:t>
+            </a:r>
+            <a:endParaRPr lang="zh-CN" altLang="en-US" sz="1200">
+              <a:latin typeface="Quicksand Light" panose="00000400000000000000" pitchFamily="2" charset="0"/>
+              <a:ea typeface="微软雅黑" panose="020B0503020204020204" pitchFamily="34" charset="-122"/>
+            </a:endParaRPr>
+          </a:p>
+        </p:txBody>
+      </p:sp>
+      <p:cxnSp>
+        <p:nvCxnSpPr>
+          <p:cNvPr id="14" name="连接符: 曲线 13">
+            <a:extLst>
+              <a:ext uri="{FF2B5EF4-FFF2-40B4-BE49-F238E27FC236}">
+                <a16:creationId xmlns:a16="http://schemas.microsoft.com/office/drawing/2014/main" id="{6C1AB90B-B13F-6571-439B-47462EF8AC89}"/>
+              </a:ext>
+            </a:extLst>
+          </p:cNvPr>
+          <p:cNvCxnSpPr>
+            <a:cxnSpLocks/>
+            <a:stCxn id="13" idx="1"/>
+            <a:endCxn id="2" idx="3"/>
+          </p:cNvCxnSpPr>
+          <p:nvPr/>
+        </p:nvCxnSpPr>
+        <p:spPr>
+          <a:xfrm rot="10800000" flipV="1">
+            <a:off x="4708618" y="2391986"/>
+            <a:ext cx="322631" cy="859019"/>
+          </a:xfrm>
+          <a:prstGeom prst="curvedConnector3">
+            <a:avLst>
+              <a:gd name="adj1" fmla="val 50000"/>
+            </a:avLst>
+          </a:prstGeom>
+          <a:ln>
+            <a:solidFill>
+              <a:srgbClr val="20BF6B"/>
+            </a:solidFill>
+          </a:ln>
+        </p:spPr>
+        <p:style>
+          <a:lnRef idx="1">
+            <a:schemeClr val="accent1"/>
+          </a:lnRef>
+          <a:fillRef idx="0">
+            <a:schemeClr val="accent1"/>
+          </a:fillRef>
+          <a:effectRef idx="0">
+            <a:schemeClr val="accent1"/>
+          </a:effectRef>
+          <a:fontRef idx="minor">
+            <a:schemeClr val="tx1"/>
+          </a:fontRef>
+        </p:style>
+      </p:cxnSp>
+      <p:sp>
+        <p:nvSpPr>
+          <p:cNvPr id="24" name="矩形: 圆角 23">
+            <a:extLst>
+              <a:ext uri="{FF2B5EF4-FFF2-40B4-BE49-F238E27FC236}">
+                <a16:creationId xmlns:a16="http://schemas.microsoft.com/office/drawing/2014/main" id="{26F832C2-D827-51B2-8CC7-784EB1D3B38C}"/>
+              </a:ext>
+            </a:extLst>
+          </p:cNvPr>
+          <p:cNvSpPr/>
+          <p:nvPr/>
+        </p:nvSpPr>
+        <p:spPr>
+          <a:xfrm>
+            <a:off x="5031248" y="4360538"/>
+            <a:ext cx="1440000" cy="360000"/>
+          </a:xfrm>
+          <a:prstGeom prst="roundRect">
+            <a:avLst/>
+          </a:prstGeom>
+          <a:solidFill>
+            <a:srgbClr val="3DC1D3"/>
+          </a:solidFill>
+          <a:ln w="12700">
+            <a:noFill/>
+          </a:ln>
+        </p:spPr>
+        <p:style>
+          <a:lnRef idx="2">
+            <a:schemeClr val="accent1">
+              <a:shade val="15000"/>
+            </a:schemeClr>
+          </a:lnRef>
+          <a:fillRef idx="1">
+            <a:schemeClr val="accent1"/>
+          </a:fillRef>
+          <a:effectRef idx="0">
+            <a:schemeClr val="accent1"/>
+          </a:effectRef>
+          <a:fontRef idx="minor">
+            <a:schemeClr val="lt1"/>
+          </a:fontRef>
+        </p:style>
+        <p:txBody>
+          <a:bodyPr rtlCol="0" anchor="ctr"/>
+          <a:lstStyle/>
+          <a:p>
+            <a:pPr algn="ctr"/>
+            <a:r>
+              <a:rPr lang="en-US" altLang="zh-CN" sz="1200">
+                <a:latin typeface="Quicksand Light" panose="00000400000000000000" pitchFamily="2" charset="0"/>
+              </a:rPr>
+              <a:t>video</a:t>
+            </a:r>
+            <a:endParaRPr lang="zh-CN" altLang="en-US" sz="1200">
+              <a:latin typeface="Quicksand Light" panose="00000400000000000000" pitchFamily="2" charset="0"/>
+            </a:endParaRPr>
+          </a:p>
+        </p:txBody>
+      </p:sp>
+      <p:cxnSp>
+        <p:nvCxnSpPr>
+          <p:cNvPr id="25" name="连接符: 曲线 24">
+            <a:extLst>
+              <a:ext uri="{FF2B5EF4-FFF2-40B4-BE49-F238E27FC236}">
+                <a16:creationId xmlns:a16="http://schemas.microsoft.com/office/drawing/2014/main" id="{1E91EABC-CC33-1534-AA85-D2F14FFCD505}"/>
+              </a:ext>
+            </a:extLst>
+          </p:cNvPr>
+          <p:cNvCxnSpPr>
+            <a:cxnSpLocks/>
+            <a:stCxn id="2" idx="3"/>
+            <a:endCxn id="24" idx="1"/>
+          </p:cNvCxnSpPr>
+          <p:nvPr/>
+        </p:nvCxnSpPr>
+        <p:spPr>
+          <a:xfrm>
+            <a:off x="4708617" y="3251006"/>
+            <a:ext cx="322631" cy="1289532"/>
+          </a:xfrm>
+          <a:prstGeom prst="curvedConnector3">
+            <a:avLst>
+              <a:gd name="adj1" fmla="val 50000"/>
+            </a:avLst>
+          </a:prstGeom>
+          <a:ln>
+            <a:solidFill>
+              <a:srgbClr val="FFFFFF"/>
+            </a:solidFill>
+          </a:ln>
+        </p:spPr>
+        <p:style>
+          <a:lnRef idx="1">
+            <a:schemeClr val="accent1"/>
+          </a:lnRef>
+          <a:fillRef idx="0">
+            <a:schemeClr val="accent1"/>
+          </a:fillRef>
+          <a:effectRef idx="0">
+            <a:schemeClr val="accent1"/>
+          </a:effectRef>
+          <a:fontRef idx="minor">
+            <a:schemeClr val="tx1"/>
+          </a:fontRef>
+        </p:style>
+      </p:cxnSp>
+      <p:cxnSp>
+        <p:nvCxnSpPr>
+          <p:cNvPr id="35" name="直接连接符 34">
+            <a:extLst>
+              <a:ext uri="{FF2B5EF4-FFF2-40B4-BE49-F238E27FC236}">
+                <a16:creationId xmlns:a16="http://schemas.microsoft.com/office/drawing/2014/main" id="{1F897BB2-B122-6EFE-AB4F-EBE978B1F67C}"/>
+              </a:ext>
+            </a:extLst>
+          </p:cNvPr>
+          <p:cNvCxnSpPr>
+            <a:stCxn id="2" idx="3"/>
+            <a:endCxn id="4" idx="1"/>
+          </p:cNvCxnSpPr>
+          <p:nvPr/>
+        </p:nvCxnSpPr>
+        <p:spPr>
+          <a:xfrm flipV="1">
+            <a:off x="4708617" y="3249000"/>
+            <a:ext cx="322631" cy="2006"/>
+          </a:xfrm>
+          <a:prstGeom prst="line">
+            <a:avLst/>
+          </a:prstGeom>
+          <a:ln>
+            <a:solidFill>
+              <a:srgbClr val="FB9B5A"/>
+            </a:solidFill>
+          </a:ln>
+        </p:spPr>
+        <p:style>
+          <a:lnRef idx="1">
+            <a:schemeClr val="accent1"/>
+          </a:lnRef>
+          <a:fillRef idx="0">
+            <a:schemeClr val="accent1"/>
+          </a:fillRef>
+          <a:effectRef idx="0">
+            <a:schemeClr val="accent1"/>
+          </a:effectRef>
+          <a:fontRef idx="minor">
+            <a:schemeClr val="tx1"/>
+          </a:fontRef>
+        </p:style>
+      </p:cxnSp>
+      <p:sp>
+        <p:nvSpPr>
+          <p:cNvPr id="36" name="矩形: 圆角 35">
+            <a:extLst>
+              <a:ext uri="{FF2B5EF4-FFF2-40B4-BE49-F238E27FC236}">
+                <a16:creationId xmlns:a16="http://schemas.microsoft.com/office/drawing/2014/main" id="{C7EA5793-673C-0056-BD53-017078764D5B}"/>
+              </a:ext>
+            </a:extLst>
+          </p:cNvPr>
+          <p:cNvSpPr/>
+          <p:nvPr/>
+        </p:nvSpPr>
+        <p:spPr>
+          <a:xfrm>
+            <a:off x="1145987" y="3072847"/>
+            <a:ext cx="1800000" cy="360000"/>
+          </a:xfrm>
+          <a:prstGeom prst="roundRect">
+            <a:avLst/>
+          </a:prstGeom>
+          <a:solidFill>
+            <a:srgbClr val="20BF6B"/>
+          </a:solidFill>
+          <a:ln w="12700">
+            <a:noFill/>
+          </a:ln>
+        </p:spPr>
+        <p:style>
+          <a:lnRef idx="2">
+            <a:schemeClr val="accent1">
+              <a:shade val="15000"/>
+            </a:schemeClr>
+          </a:lnRef>
+          <a:fillRef idx="1">
+            <a:schemeClr val="accent1"/>
+          </a:fillRef>
+          <a:effectRef idx="0">
+            <a:schemeClr val="accent1"/>
+          </a:effectRef>
+          <a:fontRef idx="minor">
+            <a:schemeClr val="lt1"/>
+          </a:fontRef>
+        </p:style>
+        <p:txBody>
+          <a:bodyPr rtlCol="0" anchor="ctr"/>
+          <a:lstStyle/>
+          <a:p>
+            <a:pPr algn="ctr"/>
+            <a:r>
+              <a:rPr lang="en-US" altLang="zh-CN" sz="1200">
+                <a:latin typeface="Quicksand Light" panose="00000400000000000000" pitchFamily="2" charset="0"/>
+              </a:rPr>
+              <a:t>Instance Properties</a:t>
+            </a:r>
+            <a:endParaRPr lang="zh-CN" altLang="en-US" sz="1200">
+              <a:latin typeface="Quicksand Light" panose="00000400000000000000" pitchFamily="2" charset="0"/>
+            </a:endParaRPr>
+          </a:p>
+        </p:txBody>
+      </p:sp>
+      <p:sp>
+        <p:nvSpPr>
+          <p:cNvPr id="37" name="矩形: 圆角 36">
+            <a:extLst>
+              <a:ext uri="{FF2B5EF4-FFF2-40B4-BE49-F238E27FC236}">
+                <a16:creationId xmlns:a16="http://schemas.microsoft.com/office/drawing/2014/main" id="{08925D5E-3469-3CFC-F4A1-CC2E940D6670}"/>
+              </a:ext>
+            </a:extLst>
+          </p:cNvPr>
+          <p:cNvSpPr/>
+          <p:nvPr/>
+        </p:nvSpPr>
+        <p:spPr>
+          <a:xfrm>
+            <a:off x="1145987" y="2648013"/>
+            <a:ext cx="1800000" cy="360000"/>
+          </a:xfrm>
+          <a:prstGeom prst="roundRect">
+            <a:avLst/>
+          </a:prstGeom>
+          <a:solidFill>
+            <a:srgbClr val="20BF6B"/>
+          </a:solidFill>
+          <a:ln w="12700">
+            <a:noFill/>
+          </a:ln>
+        </p:spPr>
+        <p:style>
+          <a:lnRef idx="2">
+            <a:schemeClr val="accent1">
+              <a:shade val="15000"/>
+            </a:schemeClr>
+          </a:lnRef>
+          <a:fillRef idx="1">
+            <a:schemeClr val="accent1"/>
+          </a:fillRef>
+          <a:effectRef idx="0">
+            <a:schemeClr val="accent1"/>
+          </a:effectRef>
+          <a:fontRef idx="minor">
+            <a:schemeClr val="lt1"/>
+          </a:fontRef>
+        </p:style>
+        <p:txBody>
+          <a:bodyPr rtlCol="0" anchor="ctr"/>
+          <a:lstStyle/>
+          <a:p>
+            <a:pPr algn="ctr"/>
+            <a:r>
+              <a:rPr lang="en-US" altLang="zh-CN" sz="1200">
+                <a:latin typeface="Quicksand Light" panose="00000400000000000000" pitchFamily="2" charset="0"/>
+              </a:rPr>
+              <a:t>Tag Attribute</a:t>
+            </a:r>
+            <a:endParaRPr lang="zh-CN" altLang="en-US" sz="1200">
+              <a:latin typeface="Quicksand Light" panose="00000400000000000000" pitchFamily="2" charset="0"/>
+            </a:endParaRPr>
+          </a:p>
+        </p:txBody>
+      </p:sp>
+      <p:sp>
+        <p:nvSpPr>
+          <p:cNvPr id="38" name="矩形: 圆角 37">
+            <a:extLst>
+              <a:ext uri="{FF2B5EF4-FFF2-40B4-BE49-F238E27FC236}">
+                <a16:creationId xmlns:a16="http://schemas.microsoft.com/office/drawing/2014/main" id="{5FF63853-34F3-F503-06EF-1A4EFCBC7016}"/>
+              </a:ext>
+            </a:extLst>
+          </p:cNvPr>
+          <p:cNvSpPr/>
+          <p:nvPr/>
+        </p:nvSpPr>
+        <p:spPr>
+          <a:xfrm>
+            <a:off x="1145987" y="3499512"/>
+            <a:ext cx="1800000" cy="360000"/>
+          </a:xfrm>
+          <a:prstGeom prst="roundRect">
+            <a:avLst/>
+          </a:prstGeom>
+          <a:solidFill>
+            <a:srgbClr val="20BF6B"/>
+          </a:solidFill>
+          <a:ln w="12700">
+            <a:noFill/>
+          </a:ln>
+        </p:spPr>
+        <p:style>
+          <a:lnRef idx="2">
+            <a:schemeClr val="accent1">
+              <a:shade val="15000"/>
+            </a:schemeClr>
+          </a:lnRef>
+          <a:fillRef idx="1">
+            <a:schemeClr val="accent1"/>
+          </a:fillRef>
+          <a:effectRef idx="0">
+            <a:schemeClr val="accent1"/>
+          </a:effectRef>
+          <a:fontRef idx="minor">
+            <a:schemeClr val="lt1"/>
+          </a:fontRef>
+        </p:style>
+        <p:txBody>
+          <a:bodyPr rtlCol="0" anchor="ctr"/>
+          <a:lstStyle/>
+          <a:p>
+            <a:pPr algn="ctr"/>
+            <a:r>
+              <a:rPr lang="en-US" altLang="zh-CN" sz="1200">
+                <a:latin typeface="Quicksand Light" panose="00000400000000000000" pitchFamily="2" charset="0"/>
+              </a:rPr>
+              <a:t>Event AddEventListene</a:t>
+            </a:r>
+            <a:endParaRPr lang="zh-CN" altLang="en-US" sz="1200">
+              <a:latin typeface="Quicksand Light" panose="00000400000000000000" pitchFamily="2" charset="0"/>
+            </a:endParaRPr>
+          </a:p>
+        </p:txBody>
+      </p:sp>
+      <p:cxnSp>
+        <p:nvCxnSpPr>
+          <p:cNvPr id="39" name="连接符: 曲线 38">
+            <a:extLst>
+              <a:ext uri="{FF2B5EF4-FFF2-40B4-BE49-F238E27FC236}">
+                <a16:creationId xmlns:a16="http://schemas.microsoft.com/office/drawing/2014/main" id="{4A95C584-0549-55D1-E407-C026569F15E4}"/>
+              </a:ext>
+            </a:extLst>
+          </p:cNvPr>
+          <p:cNvCxnSpPr>
+            <a:cxnSpLocks/>
+            <a:stCxn id="2" idx="1"/>
+            <a:endCxn id="37" idx="3"/>
+          </p:cNvCxnSpPr>
+          <p:nvPr/>
+        </p:nvCxnSpPr>
+        <p:spPr>
+          <a:xfrm rot="10800000">
+            <a:off x="2945987" y="2828014"/>
+            <a:ext cx="322630" cy="422993"/>
+          </a:xfrm>
+          <a:prstGeom prst="curvedConnector3">
+            <a:avLst>
+              <a:gd name="adj1" fmla="val 50000"/>
+            </a:avLst>
+          </a:prstGeom>
+          <a:ln>
+            <a:solidFill>
+              <a:srgbClr val="3DC1D3"/>
+            </a:solidFill>
+          </a:ln>
+        </p:spPr>
+        <p:style>
+          <a:lnRef idx="1">
+            <a:schemeClr val="accent1"/>
+          </a:lnRef>
+          <a:fillRef idx="0">
+            <a:schemeClr val="accent1"/>
+          </a:fillRef>
+          <a:effectRef idx="0">
+            <a:schemeClr val="accent1"/>
+          </a:effectRef>
+          <a:fontRef idx="minor">
+            <a:schemeClr val="tx1"/>
+          </a:fontRef>
+        </p:style>
+      </p:cxnSp>
+      <p:cxnSp>
+        <p:nvCxnSpPr>
+          <p:cNvPr id="42" name="连接符: 曲线 41">
+            <a:extLst>
+              <a:ext uri="{FF2B5EF4-FFF2-40B4-BE49-F238E27FC236}">
+                <a16:creationId xmlns:a16="http://schemas.microsoft.com/office/drawing/2014/main" id="{4A34405E-4816-5E33-B97D-003FD8338F5F}"/>
+              </a:ext>
+            </a:extLst>
+          </p:cNvPr>
+          <p:cNvCxnSpPr>
+            <a:cxnSpLocks/>
+            <a:stCxn id="38" idx="3"/>
+            <a:endCxn id="2" idx="1"/>
+          </p:cNvCxnSpPr>
+          <p:nvPr/>
+        </p:nvCxnSpPr>
+        <p:spPr>
+          <a:xfrm flipV="1">
+            <a:off x="2945987" y="3251006"/>
+            <a:ext cx="322630" cy="428506"/>
+          </a:xfrm>
+          <a:prstGeom prst="curvedConnector3">
+            <a:avLst>
+              <a:gd name="adj1" fmla="val 50000"/>
+            </a:avLst>
+          </a:prstGeom>
+          <a:ln>
+            <a:solidFill>
+              <a:srgbClr val="3DC1D3"/>
+            </a:solidFill>
+          </a:ln>
+        </p:spPr>
+        <p:style>
+          <a:lnRef idx="1">
+            <a:schemeClr val="accent1"/>
+          </a:lnRef>
+          <a:fillRef idx="0">
+            <a:schemeClr val="accent1"/>
+          </a:fillRef>
+          <a:effectRef idx="0">
+            <a:schemeClr val="accent1"/>
+          </a:effectRef>
+          <a:fontRef idx="minor">
+            <a:schemeClr val="tx1"/>
+          </a:fontRef>
+        </p:style>
+      </p:cxnSp>
+      <p:sp>
+        <p:nvSpPr>
+          <p:cNvPr id="6" name="矩形: 圆角 5">
+            <a:extLst>
+              <a:ext uri="{FF2B5EF4-FFF2-40B4-BE49-F238E27FC236}">
+                <a16:creationId xmlns:a16="http://schemas.microsoft.com/office/drawing/2014/main" id="{D39DD1A4-0B06-81AD-266E-8FE06A9D57C5}"/>
+              </a:ext>
+            </a:extLst>
+          </p:cNvPr>
+          <p:cNvSpPr/>
+          <p:nvPr/>
+        </p:nvSpPr>
+        <p:spPr>
+          <a:xfrm>
+            <a:off x="6750424" y="1873624"/>
+            <a:ext cx="5047129" cy="3576917"/>
+          </a:xfrm>
+          <a:prstGeom prst="roundRect">
+            <a:avLst>
+              <a:gd name="adj" fmla="val 3133"/>
+            </a:avLst>
+          </a:prstGeom>
+          <a:noFill/>
+          <a:ln w="12700">
+            <a:solidFill>
+              <a:srgbClr val="20BF6B"/>
+            </a:solidFill>
+          </a:ln>
+        </p:spPr>
+        <p:style>
+          <a:lnRef idx="2">
+            <a:schemeClr val="accent1">
+              <a:shade val="15000"/>
+            </a:schemeClr>
+          </a:lnRef>
+          <a:fillRef idx="1">
+            <a:schemeClr val="accent1"/>
+          </a:fillRef>
+          <a:effectRef idx="0">
+            <a:schemeClr val="accent1"/>
+          </a:effectRef>
+          <a:fontRef idx="minor">
+            <a:schemeClr val="lt1"/>
+          </a:fontRef>
+        </p:style>
+        <p:txBody>
+          <a:bodyPr rtlCol="0" anchor="t" anchorCtr="0"/>
+          <a:lstStyle/>
+          <a:p>
+            <a:r>
+              <a:rPr lang="en-US" altLang="zh-CN" sz="1200">
+                <a:solidFill>
+                  <a:srgbClr val="20BF6B"/>
+                </a:solidFill>
+                <a:latin typeface="Roboto" panose="02000000000000000000" pitchFamily="2" charset="0"/>
+                <a:ea typeface="Roboto" panose="02000000000000000000" pitchFamily="2" charset="0"/>
+              </a:rPr>
+              <a:t>bind:tap=</a:t>
+            </a:r>
+            <a:r>
+              <a:rPr lang="zh-CN" altLang="en-US" sz="1200">
+                <a:solidFill>
+                  <a:srgbClr val="20BF6B"/>
+                </a:solidFill>
+                <a:latin typeface="Roboto" panose="02000000000000000000" pitchFamily="2" charset="0"/>
+              </a:rPr>
+              <a:t>‘</a:t>
+            </a:r>
+            <a:r>
+              <a:rPr lang="en-US" altLang="zh-CN" sz="1200">
+                <a:solidFill>
+                  <a:srgbClr val="20BF6B"/>
+                </a:solidFill>
+                <a:latin typeface="Roboto" panose="02000000000000000000" pitchFamily="2" charset="0"/>
+                <a:ea typeface="Roboto" panose="02000000000000000000" pitchFamily="2" charset="0"/>
+              </a:rPr>
+              <a:t>closeModal’</a:t>
+            </a:r>
+            <a:endParaRPr lang="zh-CN" altLang="en-US" sz="1200">
+              <a:solidFill>
+                <a:srgbClr val="20BF6B"/>
+              </a:solidFill>
+              <a:latin typeface="Roboto" panose="02000000000000000000" pitchFamily="2" charset="0"/>
+            </a:endParaRPr>
+          </a:p>
+        </p:txBody>
+      </p:sp>
+      <p:sp>
+        <p:nvSpPr>
+          <p:cNvPr id="15" name="矩形: 圆角 14">
+            <a:extLst>
+              <a:ext uri="{FF2B5EF4-FFF2-40B4-BE49-F238E27FC236}">
+                <a16:creationId xmlns:a16="http://schemas.microsoft.com/office/drawing/2014/main" id="{9C890D3C-4652-4282-E773-A99EB937E6A3}"/>
+              </a:ext>
+            </a:extLst>
+          </p:cNvPr>
+          <p:cNvSpPr/>
+          <p:nvPr/>
+        </p:nvSpPr>
+        <p:spPr>
+          <a:xfrm>
+            <a:off x="6750423" y="3116027"/>
+            <a:ext cx="5047128" cy="2334514"/>
+          </a:xfrm>
+          <a:prstGeom prst="roundRect">
+            <a:avLst>
+              <a:gd name="adj" fmla="val 3133"/>
+            </a:avLst>
+          </a:prstGeom>
+          <a:noFill/>
+          <a:ln w="12700">
+            <a:solidFill>
+              <a:srgbClr val="20BF6B"/>
+            </a:solidFill>
+          </a:ln>
+        </p:spPr>
+        <p:style>
+          <a:lnRef idx="2">
+            <a:schemeClr val="accent1">
+              <a:shade val="15000"/>
+            </a:schemeClr>
+          </a:lnRef>
+          <a:fillRef idx="1">
+            <a:schemeClr val="accent1"/>
+          </a:fillRef>
+          <a:effectRef idx="0">
+            <a:schemeClr val="accent1"/>
+          </a:effectRef>
+          <a:fontRef idx="minor">
+            <a:schemeClr val="lt1"/>
+          </a:fontRef>
+        </p:style>
+        <p:txBody>
+          <a:bodyPr rtlCol="0" anchor="t" anchorCtr="0"/>
+          <a:lstStyle/>
+          <a:p>
+            <a:r>
+              <a:rPr lang="en-US" altLang="zh-CN" sz="1200">
+                <a:solidFill>
+                  <a:srgbClr val="20BF6B"/>
+                </a:solidFill>
+                <a:latin typeface="Roboto" panose="02000000000000000000" pitchFamily="2" charset="0"/>
+                <a:ea typeface="Roboto" panose="02000000000000000000" pitchFamily="2" charset="0"/>
+              </a:rPr>
+              <a:t>catch:tap=‘NULL’</a:t>
+            </a:r>
+            <a:endParaRPr lang="zh-CN" altLang="en-US" sz="1200">
+              <a:solidFill>
+                <a:srgbClr val="20BF6B"/>
+              </a:solidFill>
+              <a:latin typeface="Roboto" panose="02000000000000000000" pitchFamily="2" charset="0"/>
+            </a:endParaRPr>
+          </a:p>
+        </p:txBody>
+      </p:sp>
+      <p:sp>
+        <p:nvSpPr>
+          <p:cNvPr id="17" name="文本框 16">
+            <a:extLst>
+              <a:ext uri="{FF2B5EF4-FFF2-40B4-BE49-F238E27FC236}">
+                <a16:creationId xmlns:a16="http://schemas.microsoft.com/office/drawing/2014/main" id="{E98F2205-107F-0D61-B3CF-179046CD8A54}"/>
+              </a:ext>
+            </a:extLst>
+          </p:cNvPr>
+          <p:cNvSpPr txBox="1"/>
+          <p:nvPr/>
+        </p:nvSpPr>
+        <p:spPr>
+          <a:xfrm>
+            <a:off x="11383595" y="3095927"/>
+            <a:ext cx="285656" cy="369332"/>
           </a:xfrm>
           <a:prstGeom prst="rect">
             <a:avLst/>
           </a:prstGeom>
-        </p:spPr>
-      </p:pic>
+          <a:noFill/>
+        </p:spPr>
+        <p:txBody>
+          <a:bodyPr wrap="none" rtlCol="0">
+            <a:spAutoFit/>
+          </a:bodyPr>
+          <a:lstStyle/>
+          <a:p>
+            <a:r>
+              <a:rPr lang="en-US" altLang="zh-CN">
+                <a:solidFill>
+                  <a:srgbClr val="20BF6B"/>
+                </a:solidFill>
+              </a:rPr>
+              <a:t>x</a:t>
+            </a:r>
+            <a:endParaRPr lang="zh-CN" altLang="en-US">
+              <a:solidFill>
+                <a:srgbClr val="20BF6B"/>
+              </a:solidFill>
+            </a:endParaRPr>
+          </a:p>
+        </p:txBody>
+      </p:sp>
+      <p:sp>
+        <p:nvSpPr>
+          <p:cNvPr id="18" name="文本框 17">
+            <a:extLst>
+              <a:ext uri="{FF2B5EF4-FFF2-40B4-BE49-F238E27FC236}">
+                <a16:creationId xmlns:a16="http://schemas.microsoft.com/office/drawing/2014/main" id="{F9B7D640-BE0E-86E7-7FCE-00C462E0FE01}"/>
+              </a:ext>
+            </a:extLst>
+          </p:cNvPr>
+          <p:cNvSpPr txBox="1"/>
+          <p:nvPr/>
+        </p:nvSpPr>
+        <p:spPr>
+          <a:xfrm>
+            <a:off x="9403976" y="1407459"/>
+            <a:ext cx="1678665" cy="276999"/>
+          </a:xfrm>
+          <a:prstGeom prst="rect">
+            <a:avLst/>
+          </a:prstGeom>
+          <a:noFill/>
+        </p:spPr>
+        <p:txBody>
+          <a:bodyPr wrap="none" rtlCol="0">
+            <a:spAutoFit/>
+          </a:bodyPr>
+          <a:lstStyle/>
+          <a:p>
+            <a:r>
+              <a:rPr lang="en-US" altLang="zh-CN" sz="1200">
+                <a:solidFill>
+                  <a:srgbClr val="20BF6B"/>
+                </a:solidFill>
+                <a:latin typeface="Roboto" panose="02000000000000000000" pitchFamily="2" charset="0"/>
+                <a:ea typeface="Roboto" panose="02000000000000000000" pitchFamily="2" charset="0"/>
+              </a:rPr>
+              <a:t>bind:tap=‘closeModal’</a:t>
+            </a:r>
+          </a:p>
+        </p:txBody>
+      </p:sp>
     </p:spTree>
     <p:extLst>
       <p:ext uri="{BB962C8B-B14F-4D97-AF65-F5344CB8AC3E}">
-        <p14:creationId xmlns:p14="http://schemas.microsoft.com/office/powerpoint/2010/main" val="2672122669"/>
+        <p14:creationId xmlns:p14="http://schemas.microsoft.com/office/powerpoint/2010/main" val="3434537094"/>
       </p:ext>
     </p:extLst>
   </p:cSld>
@@ -18564,6 +19868,66 @@
           <a:chExt cx="0" cy="0"/>
         </a:xfrm>
       </p:grpSpPr>
+      <p:pic>
+        <p:nvPicPr>
+          <p:cNvPr id="3" name="图片 2">
+            <a:extLst>
+              <a:ext uri="{FF2B5EF4-FFF2-40B4-BE49-F238E27FC236}">
+                <a16:creationId xmlns:a16="http://schemas.microsoft.com/office/drawing/2014/main" id="{7ECC09FE-D9D2-2E76-0948-E1F27A08CD34}"/>
+              </a:ext>
+            </a:extLst>
+          </p:cNvPr>
+          <p:cNvPicPr>
+            <a:picLocks noChangeAspect="1"/>
+          </p:cNvPicPr>
+          <p:nvPr/>
+        </p:nvPicPr>
+        <p:blipFill>
+          <a:blip r:embed="rId2"/>
+          <a:stretch>
+            <a:fillRect/>
+          </a:stretch>
+        </p:blipFill>
+        <p:spPr>
+          <a:xfrm>
+            <a:off x="5043340" y="1842866"/>
+            <a:ext cx="2105319" cy="3172268"/>
+          </a:xfrm>
+          <a:prstGeom prst="rect">
+            <a:avLst/>
+          </a:prstGeom>
+        </p:spPr>
+      </p:pic>
+    </p:spTree>
+    <p:extLst>
+      <p:ext uri="{BB962C8B-B14F-4D97-AF65-F5344CB8AC3E}">
+        <p14:creationId xmlns:p14="http://schemas.microsoft.com/office/powerpoint/2010/main" val="2672122669"/>
+      </p:ext>
+    </p:extLst>
+  </p:cSld>
+  <p:clrMapOvr>
+    <a:masterClrMapping/>
+  </p:clrMapOvr>
+</p:sld>
+</file>
+
+<file path=ppt/slides/slide21.xml><?xml version="1.0" encoding="utf-8"?>
+<p:sld xmlns:a="http://schemas.openxmlformats.org/drawingml/2006/main" xmlns:r="http://schemas.openxmlformats.org/officeDocument/2006/relationships" xmlns:p="http://schemas.openxmlformats.org/presentationml/2006/main">
+  <p:cSld>
+    <p:spTree>
+      <p:nvGrpSpPr>
+        <p:cNvPr id="1" name=""/>
+        <p:cNvGrpSpPr/>
+        <p:nvPr/>
+      </p:nvGrpSpPr>
+      <p:grpSpPr>
+        <a:xfrm>
+          <a:off x="0" y="0"/>
+          <a:ext cx="0" cy="0"/>
+          <a:chOff x="0" y="0"/>
+          <a:chExt cx="0" cy="0"/>
+        </a:xfrm>
+      </p:grpSpPr>
       <p:sp>
         <p:nvSpPr>
           <p:cNvPr id="2" name="矩形: 圆角 1">
@@ -18950,7 +20314,7 @@
 </p:sld>
 </file>
 
-<file path=ppt/slides/slide21.xml><?xml version="1.0" encoding="utf-8"?>
+<file path=ppt/slides/slide22.xml><?xml version="1.0" encoding="utf-8"?>
 <p:sld xmlns:a="http://schemas.openxmlformats.org/drawingml/2006/main" xmlns:r="http://schemas.openxmlformats.org/officeDocument/2006/relationships" xmlns:p="http://schemas.openxmlformats.org/presentationml/2006/main">
   <p:cSld>
     <p:spTree>

--- a/utils/file/charts.pptx
+++ b/utils/file/charts.pptx
@@ -24,9 +24,10 @@
     <p:sldId id="277" r:id="rId18"/>
     <p:sldId id="278" r:id="rId19"/>
     <p:sldId id="279" r:id="rId20"/>
-    <p:sldId id="264" r:id="rId21"/>
-    <p:sldId id="272" r:id="rId22"/>
-    <p:sldId id="256" r:id="rId23"/>
+    <p:sldId id="280" r:id="rId21"/>
+    <p:sldId id="264" r:id="rId22"/>
+    <p:sldId id="272" r:id="rId23"/>
+    <p:sldId id="256" r:id="rId24"/>
   </p:sldIdLst>
   <p:sldSz cx="12192000" cy="6858000"/>
   <p:notesSz cx="6858000" cy="9144000"/>
@@ -280,7 +281,7 @@
           <a:p>
             <a:fld id="{C0F7C65B-F23F-479A-8AFF-E7E0FC962F06}" type="datetimeFigureOut">
               <a:rPr lang="zh-CN" altLang="en-US" smtClean="0"/>
-              <a:t>2025/8/15</a:t>
+              <a:t>2025/8/28</a:t>
             </a:fld>
             <a:endParaRPr lang="zh-CN" altLang="en-US"/>
           </a:p>
@@ -478,7 +479,7 @@
           <a:p>
             <a:fld id="{C0F7C65B-F23F-479A-8AFF-E7E0FC962F06}" type="datetimeFigureOut">
               <a:rPr lang="zh-CN" altLang="en-US" smtClean="0"/>
-              <a:t>2025/8/15</a:t>
+              <a:t>2025/8/28</a:t>
             </a:fld>
             <a:endParaRPr lang="zh-CN" altLang="en-US"/>
           </a:p>
@@ -686,7 +687,7 @@
           <a:p>
             <a:fld id="{C0F7C65B-F23F-479A-8AFF-E7E0FC962F06}" type="datetimeFigureOut">
               <a:rPr lang="zh-CN" altLang="en-US" smtClean="0"/>
-              <a:t>2025/8/15</a:t>
+              <a:t>2025/8/28</a:t>
             </a:fld>
             <a:endParaRPr lang="zh-CN" altLang="en-US"/>
           </a:p>
@@ -884,7 +885,7 @@
           <a:p>
             <a:fld id="{C0F7C65B-F23F-479A-8AFF-E7E0FC962F06}" type="datetimeFigureOut">
               <a:rPr lang="zh-CN" altLang="en-US" smtClean="0"/>
-              <a:t>2025/8/15</a:t>
+              <a:t>2025/8/28</a:t>
             </a:fld>
             <a:endParaRPr lang="zh-CN" altLang="en-US"/>
           </a:p>
@@ -1159,7 +1160,7 @@
           <a:p>
             <a:fld id="{C0F7C65B-F23F-479A-8AFF-E7E0FC962F06}" type="datetimeFigureOut">
               <a:rPr lang="zh-CN" altLang="en-US" smtClean="0"/>
-              <a:t>2025/8/15</a:t>
+              <a:t>2025/8/28</a:t>
             </a:fld>
             <a:endParaRPr lang="zh-CN" altLang="en-US"/>
           </a:p>
@@ -1424,7 +1425,7 @@
           <a:p>
             <a:fld id="{C0F7C65B-F23F-479A-8AFF-E7E0FC962F06}" type="datetimeFigureOut">
               <a:rPr lang="zh-CN" altLang="en-US" smtClean="0"/>
-              <a:t>2025/8/15</a:t>
+              <a:t>2025/8/28</a:t>
             </a:fld>
             <a:endParaRPr lang="zh-CN" altLang="en-US"/>
           </a:p>
@@ -1836,7 +1837,7 @@
           <a:p>
             <a:fld id="{C0F7C65B-F23F-479A-8AFF-E7E0FC962F06}" type="datetimeFigureOut">
               <a:rPr lang="zh-CN" altLang="en-US" smtClean="0"/>
-              <a:t>2025/8/15</a:t>
+              <a:t>2025/8/28</a:t>
             </a:fld>
             <a:endParaRPr lang="zh-CN" altLang="en-US"/>
           </a:p>
@@ -1977,7 +1978,7 @@
           <a:p>
             <a:fld id="{C0F7C65B-F23F-479A-8AFF-E7E0FC962F06}" type="datetimeFigureOut">
               <a:rPr lang="zh-CN" altLang="en-US" smtClean="0"/>
-              <a:t>2025/8/15</a:t>
+              <a:t>2025/8/28</a:t>
             </a:fld>
             <a:endParaRPr lang="zh-CN" altLang="en-US"/>
           </a:p>
@@ -2090,7 +2091,7 @@
           <a:p>
             <a:fld id="{C0F7C65B-F23F-479A-8AFF-E7E0FC962F06}" type="datetimeFigureOut">
               <a:rPr lang="zh-CN" altLang="en-US" smtClean="0"/>
-              <a:t>2025/8/15</a:t>
+              <a:t>2025/8/28</a:t>
             </a:fld>
             <a:endParaRPr lang="zh-CN" altLang="en-US"/>
           </a:p>
@@ -2401,7 +2402,7 @@
           <a:p>
             <a:fld id="{C0F7C65B-F23F-479A-8AFF-E7E0FC962F06}" type="datetimeFigureOut">
               <a:rPr lang="zh-CN" altLang="en-US" smtClean="0"/>
-              <a:t>2025/8/15</a:t>
+              <a:t>2025/8/28</a:t>
             </a:fld>
             <a:endParaRPr lang="zh-CN" altLang="en-US"/>
           </a:p>
@@ -2689,7 +2690,7 @@
           <a:p>
             <a:fld id="{C0F7C65B-F23F-479A-8AFF-E7E0FC962F06}" type="datetimeFigureOut">
               <a:rPr lang="zh-CN" altLang="en-US" smtClean="0"/>
-              <a:t>2025/8/15</a:t>
+              <a:t>2025/8/28</a:t>
             </a:fld>
             <a:endParaRPr lang="zh-CN" altLang="en-US"/>
           </a:p>
@@ -2930,7 +2931,7 @@
           <a:p>
             <a:fld id="{C0F7C65B-F23F-479A-8AFF-E7E0FC962F06}" type="datetimeFigureOut">
               <a:rPr lang="zh-CN" altLang="en-US" smtClean="0"/>
-              <a:t>2025/8/15</a:t>
+              <a:t>2025/8/28</a:t>
             </a:fld>
             <a:endParaRPr lang="zh-CN" altLang="en-US"/>
           </a:p>
@@ -19868,40 +19869,1074 @@
           <a:chExt cx="0" cy="0"/>
         </a:xfrm>
       </p:grpSpPr>
-      <p:pic>
-        <p:nvPicPr>
-          <p:cNvPr id="3" name="图片 2">
-            <a:extLst>
-              <a:ext uri="{FF2B5EF4-FFF2-40B4-BE49-F238E27FC236}">
-                <a16:creationId xmlns:a16="http://schemas.microsoft.com/office/drawing/2014/main" id="{7ECC09FE-D9D2-2E76-0948-E1F27A08CD34}"/>
-              </a:ext>
-            </a:extLst>
-          </p:cNvPr>
-          <p:cNvPicPr>
-            <a:picLocks noChangeAspect="1"/>
-          </p:cNvPicPr>
-          <p:nvPr/>
-        </p:nvPicPr>
-        <p:blipFill>
-          <a:blip r:embed="rId2"/>
-          <a:stretch>
-            <a:fillRect/>
-          </a:stretch>
-        </p:blipFill>
-        <p:spPr>
-          <a:xfrm>
-            <a:off x="5043340" y="1842866"/>
-            <a:ext cx="2105319" cy="3172268"/>
-          </a:xfrm>
-          <a:prstGeom prst="rect">
-            <a:avLst/>
-          </a:prstGeom>
-        </p:spPr>
-      </p:pic>
+      <p:sp>
+        <p:nvSpPr>
+          <p:cNvPr id="2" name="矩形: 圆角 1">
+            <a:extLst>
+              <a:ext uri="{FF2B5EF4-FFF2-40B4-BE49-F238E27FC236}">
+                <a16:creationId xmlns:a16="http://schemas.microsoft.com/office/drawing/2014/main" id="{7CE4D4CF-0466-1DC3-08B4-9C28D4A64E27}"/>
+              </a:ext>
+            </a:extLst>
+          </p:cNvPr>
+          <p:cNvSpPr/>
+          <p:nvPr/>
+        </p:nvSpPr>
+        <p:spPr>
+          <a:xfrm>
+            <a:off x="2622449" y="3094613"/>
+            <a:ext cx="1440000" cy="360000"/>
+          </a:xfrm>
+          <a:prstGeom prst="roundRect">
+            <a:avLst/>
+          </a:prstGeom>
+          <a:solidFill>
+            <a:schemeClr val="tx1"/>
+          </a:solidFill>
+          <a:ln w="12700">
+            <a:noFill/>
+          </a:ln>
+        </p:spPr>
+        <p:style>
+          <a:lnRef idx="2">
+            <a:schemeClr val="accent1">
+              <a:shade val="15000"/>
+            </a:schemeClr>
+          </a:lnRef>
+          <a:fillRef idx="1">
+            <a:schemeClr val="accent1"/>
+          </a:fillRef>
+          <a:effectRef idx="0">
+            <a:schemeClr val="accent1"/>
+          </a:effectRef>
+          <a:fontRef idx="minor">
+            <a:schemeClr val="lt1"/>
+          </a:fontRef>
+        </p:style>
+        <p:txBody>
+          <a:bodyPr rtlCol="0" anchor="ctr"/>
+          <a:lstStyle/>
+          <a:p>
+            <a:pPr algn="ctr"/>
+            <a:r>
+              <a:rPr lang="en-US" altLang="zh-CN" sz="1200">
+                <a:latin typeface="Quicksand Light" panose="00000400000000000000" pitchFamily="2" charset="0"/>
+                <a:ea typeface="微软雅黑" panose="020B0503020204020204" pitchFamily="34" charset="-122"/>
+              </a:rPr>
+              <a:t>&lt;scroll-view&gt;</a:t>
+            </a:r>
+            <a:endParaRPr lang="zh-CN" altLang="en-US" sz="1200">
+              <a:latin typeface="Quicksand Light" panose="00000400000000000000" pitchFamily="2" charset="0"/>
+              <a:ea typeface="微软雅黑" panose="020B0503020204020204" pitchFamily="34" charset="-122"/>
+            </a:endParaRPr>
+          </a:p>
+        </p:txBody>
+      </p:sp>
+      <p:sp>
+        <p:nvSpPr>
+          <p:cNvPr id="3" name="矩形: 圆角 2">
+            <a:extLst>
+              <a:ext uri="{FF2B5EF4-FFF2-40B4-BE49-F238E27FC236}">
+                <a16:creationId xmlns:a16="http://schemas.microsoft.com/office/drawing/2014/main" id="{6EE8E41B-FB18-64FF-0539-7D9127F8FC67}"/>
+              </a:ext>
+            </a:extLst>
+          </p:cNvPr>
+          <p:cNvSpPr/>
+          <p:nvPr/>
+        </p:nvSpPr>
+        <p:spPr>
+          <a:xfrm>
+            <a:off x="5806701" y="3107478"/>
+            <a:ext cx="1620000" cy="360000"/>
+          </a:xfrm>
+          <a:prstGeom prst="roundRect">
+            <a:avLst/>
+          </a:prstGeom>
+          <a:noFill/>
+          <a:ln w="12700">
+            <a:solidFill>
+              <a:srgbClr val="EB3B5A"/>
+            </a:solidFill>
+            <a:prstDash val="dash"/>
+          </a:ln>
+        </p:spPr>
+        <p:style>
+          <a:lnRef idx="2">
+            <a:schemeClr val="accent1">
+              <a:shade val="15000"/>
+            </a:schemeClr>
+          </a:lnRef>
+          <a:fillRef idx="1">
+            <a:schemeClr val="accent1"/>
+          </a:fillRef>
+          <a:effectRef idx="0">
+            <a:schemeClr val="accent1"/>
+          </a:effectRef>
+          <a:fontRef idx="minor">
+            <a:schemeClr val="lt1"/>
+          </a:fontRef>
+        </p:style>
+        <p:txBody>
+          <a:bodyPr rtlCol="0" anchor="ctr"/>
+          <a:lstStyle/>
+          <a:p>
+            <a:pPr algn="ctr"/>
+            <a:r>
+              <a:rPr lang="zh-CN" altLang="en-US" sz="1200">
+                <a:solidFill>
+                  <a:sysClr val="windowText" lastClr="000000"/>
+                </a:solidFill>
+                <a:latin typeface="Quicksand Light" panose="00000400000000000000" pitchFamily="2" charset="0"/>
+              </a:rPr>
+              <a:t>浮动 </a:t>
+            </a:r>
+            <a:r>
+              <a:rPr lang="en-US" altLang="zh-CN" sz="1200">
+                <a:solidFill>
+                  <a:sysClr val="windowText" lastClr="000000"/>
+                </a:solidFill>
+                <a:latin typeface="Quicksand Light" panose="00000400000000000000" pitchFamily="2" charset="0"/>
+              </a:rPr>
+              <a:t>float</a:t>
+            </a:r>
+            <a:endParaRPr lang="zh-CN" altLang="en-US" sz="1200">
+              <a:solidFill>
+                <a:sysClr val="windowText" lastClr="000000"/>
+              </a:solidFill>
+              <a:latin typeface="Quicksand Light" panose="00000400000000000000" pitchFamily="2" charset="0"/>
+            </a:endParaRPr>
+          </a:p>
+        </p:txBody>
+      </p:sp>
+      <p:sp>
+        <p:nvSpPr>
+          <p:cNvPr id="8" name="矩形: 圆角 7">
+            <a:extLst>
+              <a:ext uri="{FF2B5EF4-FFF2-40B4-BE49-F238E27FC236}">
+                <a16:creationId xmlns:a16="http://schemas.microsoft.com/office/drawing/2014/main" id="{06699B4A-F636-A7C1-FB1E-69E3110ACB30}"/>
+              </a:ext>
+            </a:extLst>
+          </p:cNvPr>
+          <p:cNvSpPr/>
+          <p:nvPr/>
+        </p:nvSpPr>
+        <p:spPr>
+          <a:xfrm>
+            <a:off x="4394575" y="3950396"/>
+            <a:ext cx="1080000" cy="360000"/>
+          </a:xfrm>
+          <a:prstGeom prst="roundRect">
+            <a:avLst/>
+          </a:prstGeom>
+          <a:solidFill>
+            <a:srgbClr val="3DC1D3"/>
+          </a:solidFill>
+          <a:ln w="12700">
+            <a:noFill/>
+          </a:ln>
+        </p:spPr>
+        <p:style>
+          <a:lnRef idx="2">
+            <a:schemeClr val="accent1">
+              <a:shade val="15000"/>
+            </a:schemeClr>
+          </a:lnRef>
+          <a:fillRef idx="1">
+            <a:schemeClr val="accent1"/>
+          </a:fillRef>
+          <a:effectRef idx="0">
+            <a:schemeClr val="accent1"/>
+          </a:effectRef>
+          <a:fontRef idx="minor">
+            <a:schemeClr val="lt1"/>
+          </a:fontRef>
+        </p:style>
+        <p:txBody>
+          <a:bodyPr rtlCol="0" anchor="ctr"/>
+          <a:lstStyle/>
+          <a:p>
+            <a:pPr algn="ctr"/>
+            <a:r>
+              <a:rPr lang="zh-CN" altLang="en-US" sz="1200">
+                <a:latin typeface="Quicksand Light" panose="00000400000000000000" pitchFamily="2" charset="0"/>
+              </a:rPr>
+              <a:t>垂直滚动</a:t>
+            </a:r>
+          </a:p>
+        </p:txBody>
+      </p:sp>
+      <p:sp>
+        <p:nvSpPr>
+          <p:cNvPr id="9" name="矩形: 圆角 8">
+            <a:extLst>
+              <a:ext uri="{FF2B5EF4-FFF2-40B4-BE49-F238E27FC236}">
+                <a16:creationId xmlns:a16="http://schemas.microsoft.com/office/drawing/2014/main" id="{63EC0026-3C9E-C410-1B1D-25D54ACB2F10}"/>
+              </a:ext>
+            </a:extLst>
+          </p:cNvPr>
+          <p:cNvSpPr/>
+          <p:nvPr/>
+        </p:nvSpPr>
+        <p:spPr>
+          <a:xfrm>
+            <a:off x="4394575" y="3094613"/>
+            <a:ext cx="1080000" cy="360000"/>
+          </a:xfrm>
+          <a:prstGeom prst="roundRect">
+            <a:avLst/>
+          </a:prstGeom>
+          <a:solidFill>
+            <a:srgbClr val="EB3B5A"/>
+          </a:solidFill>
+          <a:ln w="12700">
+            <a:noFill/>
+          </a:ln>
+        </p:spPr>
+        <p:style>
+          <a:lnRef idx="2">
+            <a:schemeClr val="accent1">
+              <a:shade val="15000"/>
+            </a:schemeClr>
+          </a:lnRef>
+          <a:fillRef idx="1">
+            <a:schemeClr val="accent1"/>
+          </a:fillRef>
+          <a:effectRef idx="0">
+            <a:schemeClr val="accent1"/>
+          </a:effectRef>
+          <a:fontRef idx="minor">
+            <a:schemeClr val="lt1"/>
+          </a:fontRef>
+        </p:style>
+        <p:txBody>
+          <a:bodyPr rtlCol="0" anchor="ctr"/>
+          <a:lstStyle/>
+          <a:p>
+            <a:pPr algn="ctr"/>
+            <a:r>
+              <a:rPr lang="zh-CN" altLang="en-US" sz="1200">
+                <a:latin typeface="Quicksand Light" panose="00000400000000000000" pitchFamily="2" charset="0"/>
+              </a:rPr>
+              <a:t>水平滚动</a:t>
+            </a:r>
+          </a:p>
+        </p:txBody>
+      </p:sp>
+      <p:cxnSp>
+        <p:nvCxnSpPr>
+          <p:cNvPr id="10" name="连接符: 曲线 9">
+            <a:extLst>
+              <a:ext uri="{FF2B5EF4-FFF2-40B4-BE49-F238E27FC236}">
+                <a16:creationId xmlns:a16="http://schemas.microsoft.com/office/drawing/2014/main" id="{89376DA1-2871-7B3F-3D7E-34DF204828CA}"/>
+              </a:ext>
+            </a:extLst>
+          </p:cNvPr>
+          <p:cNvCxnSpPr>
+            <a:cxnSpLocks/>
+            <a:stCxn id="9" idx="3"/>
+            <a:endCxn id="17" idx="1"/>
+          </p:cNvCxnSpPr>
+          <p:nvPr/>
+        </p:nvCxnSpPr>
+        <p:spPr>
+          <a:xfrm flipV="1">
+            <a:off x="5474575" y="2311024"/>
+            <a:ext cx="332126" cy="963589"/>
+          </a:xfrm>
+          <a:prstGeom prst="curvedConnector3">
+            <a:avLst>
+              <a:gd name="adj1" fmla="val 50000"/>
+            </a:avLst>
+          </a:prstGeom>
+          <a:ln>
+            <a:solidFill>
+              <a:srgbClr val="EB3B5A"/>
+            </a:solidFill>
+          </a:ln>
+        </p:spPr>
+        <p:style>
+          <a:lnRef idx="1">
+            <a:schemeClr val="accent1"/>
+          </a:lnRef>
+          <a:fillRef idx="0">
+            <a:schemeClr val="accent1"/>
+          </a:fillRef>
+          <a:effectRef idx="0">
+            <a:schemeClr val="accent1"/>
+          </a:effectRef>
+          <a:fontRef idx="minor">
+            <a:schemeClr val="tx1"/>
+          </a:fontRef>
+        </p:style>
+      </p:cxnSp>
+      <p:cxnSp>
+        <p:nvCxnSpPr>
+          <p:cNvPr id="15" name="直接连接符 14">
+            <a:extLst>
+              <a:ext uri="{FF2B5EF4-FFF2-40B4-BE49-F238E27FC236}">
+                <a16:creationId xmlns:a16="http://schemas.microsoft.com/office/drawing/2014/main" id="{B3AF8529-84E5-3299-2E12-01B446E0607B}"/>
+              </a:ext>
+            </a:extLst>
+          </p:cNvPr>
+          <p:cNvCxnSpPr>
+            <a:stCxn id="2" idx="3"/>
+            <a:endCxn id="9" idx="1"/>
+          </p:cNvCxnSpPr>
+          <p:nvPr/>
+        </p:nvCxnSpPr>
+        <p:spPr>
+          <a:xfrm>
+            <a:off x="4062449" y="3274613"/>
+            <a:ext cx="332126" cy="0"/>
+          </a:xfrm>
+          <a:prstGeom prst="line">
+            <a:avLst/>
+          </a:prstGeom>
+          <a:ln>
+            <a:solidFill>
+              <a:srgbClr val="EB3B5A"/>
+            </a:solidFill>
+          </a:ln>
+        </p:spPr>
+        <p:style>
+          <a:lnRef idx="1">
+            <a:schemeClr val="accent1"/>
+          </a:lnRef>
+          <a:fillRef idx="0">
+            <a:schemeClr val="accent1"/>
+          </a:fillRef>
+          <a:effectRef idx="0">
+            <a:schemeClr val="accent1"/>
+          </a:effectRef>
+          <a:fontRef idx="minor">
+            <a:schemeClr val="tx1"/>
+          </a:fontRef>
+        </p:style>
+      </p:cxnSp>
+      <p:sp>
+        <p:nvSpPr>
+          <p:cNvPr id="16" name="矩形: 圆角 15">
+            <a:extLst>
+              <a:ext uri="{FF2B5EF4-FFF2-40B4-BE49-F238E27FC236}">
+                <a16:creationId xmlns:a16="http://schemas.microsoft.com/office/drawing/2014/main" id="{FA81A049-32C6-0464-CB2F-FE666FC0CCAF}"/>
+              </a:ext>
+            </a:extLst>
+          </p:cNvPr>
+          <p:cNvSpPr/>
+          <p:nvPr/>
+        </p:nvSpPr>
+        <p:spPr>
+          <a:xfrm>
+            <a:off x="5806701" y="2619251"/>
+            <a:ext cx="1620000" cy="360000"/>
+          </a:xfrm>
+          <a:prstGeom prst="roundRect">
+            <a:avLst/>
+          </a:prstGeom>
+          <a:noFill/>
+          <a:ln w="12700">
+            <a:solidFill>
+              <a:srgbClr val="EB3B5A"/>
+            </a:solidFill>
+          </a:ln>
+        </p:spPr>
+        <p:style>
+          <a:lnRef idx="2">
+            <a:schemeClr val="accent1">
+              <a:shade val="15000"/>
+            </a:schemeClr>
+          </a:lnRef>
+          <a:fillRef idx="1">
+            <a:schemeClr val="accent1"/>
+          </a:fillRef>
+          <a:effectRef idx="0">
+            <a:schemeClr val="accent1"/>
+          </a:effectRef>
+          <a:fontRef idx="minor">
+            <a:schemeClr val="lt1"/>
+          </a:fontRef>
+        </p:style>
+        <p:txBody>
+          <a:bodyPr rtlCol="0" anchor="ctr"/>
+          <a:lstStyle/>
+          <a:p>
+            <a:pPr algn="ctr"/>
+            <a:r>
+              <a:rPr lang="zh-CN" altLang="en-US" sz="1200">
+                <a:solidFill>
+                  <a:sysClr val="windowText" lastClr="000000"/>
+                </a:solidFill>
+                <a:latin typeface="Quicksand Light" panose="00000400000000000000" pitchFamily="2" charset="0"/>
+              </a:rPr>
+              <a:t>容器 </a:t>
+            </a:r>
+            <a:r>
+              <a:rPr lang="en-US" altLang="zh-CN" sz="1200">
+                <a:solidFill>
+                  <a:sysClr val="windowText" lastClr="000000"/>
+                </a:solidFill>
+                <a:latin typeface="Quicksand Light" panose="00000400000000000000" pitchFamily="2" charset="0"/>
+              </a:rPr>
+              <a:t>wrap</a:t>
+            </a:r>
+            <a:endParaRPr lang="zh-CN" altLang="en-US" sz="1200">
+              <a:solidFill>
+                <a:sysClr val="windowText" lastClr="000000"/>
+              </a:solidFill>
+              <a:latin typeface="Quicksand Light" panose="00000400000000000000" pitchFamily="2" charset="0"/>
+            </a:endParaRPr>
+          </a:p>
+        </p:txBody>
+      </p:sp>
+      <p:sp>
+        <p:nvSpPr>
+          <p:cNvPr id="17" name="矩形: 圆角 16">
+            <a:extLst>
+              <a:ext uri="{FF2B5EF4-FFF2-40B4-BE49-F238E27FC236}">
+                <a16:creationId xmlns:a16="http://schemas.microsoft.com/office/drawing/2014/main" id="{DF07C0A6-7F4B-674A-E488-85EB77ABE14F}"/>
+              </a:ext>
+            </a:extLst>
+          </p:cNvPr>
+          <p:cNvSpPr/>
+          <p:nvPr/>
+        </p:nvSpPr>
+        <p:spPr>
+          <a:xfrm>
+            <a:off x="5806701" y="2131024"/>
+            <a:ext cx="1620000" cy="360000"/>
+          </a:xfrm>
+          <a:prstGeom prst="roundRect">
+            <a:avLst/>
+          </a:prstGeom>
+          <a:noFill/>
+          <a:ln w="12700">
+            <a:solidFill>
+              <a:srgbClr val="EB3B5A"/>
+            </a:solidFill>
+          </a:ln>
+        </p:spPr>
+        <p:style>
+          <a:lnRef idx="2">
+            <a:schemeClr val="accent1">
+              <a:shade val="15000"/>
+            </a:schemeClr>
+          </a:lnRef>
+          <a:fillRef idx="1">
+            <a:schemeClr val="accent1"/>
+          </a:fillRef>
+          <a:effectRef idx="0">
+            <a:schemeClr val="accent1"/>
+          </a:effectRef>
+          <a:fontRef idx="minor">
+            <a:schemeClr val="lt1"/>
+          </a:fontRef>
+        </p:style>
+        <p:txBody>
+          <a:bodyPr rtlCol="0" anchor="ctr"/>
+          <a:lstStyle/>
+          <a:p>
+            <a:pPr algn="ctr"/>
+            <a:r>
+              <a:rPr lang="en-US" altLang="zh-CN" sz="1200">
+                <a:solidFill>
+                  <a:sysClr val="windowText" lastClr="000000"/>
+                </a:solidFill>
+                <a:latin typeface="Quicksand Light" panose="00000400000000000000" pitchFamily="2" charset="0"/>
+              </a:rPr>
+              <a:t>enable-flex</a:t>
+            </a:r>
+            <a:endParaRPr lang="zh-CN" altLang="en-US" sz="1200">
+              <a:solidFill>
+                <a:sysClr val="windowText" lastClr="000000"/>
+              </a:solidFill>
+              <a:latin typeface="Quicksand Light" panose="00000400000000000000" pitchFamily="2" charset="0"/>
+            </a:endParaRPr>
+          </a:p>
+        </p:txBody>
+      </p:sp>
+      <p:sp>
+        <p:nvSpPr>
+          <p:cNvPr id="18" name="矩形: 圆角 17">
+            <a:extLst>
+              <a:ext uri="{FF2B5EF4-FFF2-40B4-BE49-F238E27FC236}">
+                <a16:creationId xmlns:a16="http://schemas.microsoft.com/office/drawing/2014/main" id="{79DE23DA-ADA0-B751-DD89-7669F999E79D}"/>
+              </a:ext>
+            </a:extLst>
+          </p:cNvPr>
+          <p:cNvSpPr/>
+          <p:nvPr/>
+        </p:nvSpPr>
+        <p:spPr>
+          <a:xfrm>
+            <a:off x="5806701" y="3595705"/>
+            <a:ext cx="1620000" cy="360000"/>
+          </a:xfrm>
+          <a:prstGeom prst="roundRect">
+            <a:avLst/>
+          </a:prstGeom>
+          <a:noFill/>
+          <a:ln w="12700">
+            <a:solidFill>
+              <a:srgbClr val="EB3B5A"/>
+            </a:solidFill>
+            <a:prstDash val="dash"/>
+          </a:ln>
+        </p:spPr>
+        <p:style>
+          <a:lnRef idx="2">
+            <a:schemeClr val="accent1">
+              <a:shade val="15000"/>
+            </a:schemeClr>
+          </a:lnRef>
+          <a:fillRef idx="1">
+            <a:schemeClr val="accent1"/>
+          </a:fillRef>
+          <a:effectRef idx="0">
+            <a:schemeClr val="accent1"/>
+          </a:effectRef>
+          <a:fontRef idx="minor">
+            <a:schemeClr val="lt1"/>
+          </a:fontRef>
+        </p:style>
+        <p:txBody>
+          <a:bodyPr rtlCol="0" anchor="ctr"/>
+          <a:lstStyle/>
+          <a:p>
+            <a:pPr algn="ctr"/>
+            <a:r>
+              <a:rPr lang="zh-CN" altLang="en-US" sz="1200">
+                <a:solidFill>
+                  <a:sysClr val="windowText" lastClr="000000"/>
+                </a:solidFill>
+                <a:latin typeface="Quicksand Light" panose="00000400000000000000" pitchFamily="2" charset="0"/>
+              </a:rPr>
+              <a:t>行内 </a:t>
+            </a:r>
+            <a:r>
+              <a:rPr lang="en-US" altLang="zh-CN" sz="1200">
+                <a:solidFill>
+                  <a:sysClr val="windowText" lastClr="000000"/>
+                </a:solidFill>
+                <a:latin typeface="Quicksand Light" panose="00000400000000000000" pitchFamily="2" charset="0"/>
+              </a:rPr>
+              <a:t>inline</a:t>
+            </a:r>
+            <a:endParaRPr lang="zh-CN" altLang="en-US" sz="1200">
+              <a:solidFill>
+                <a:sysClr val="windowText" lastClr="000000"/>
+              </a:solidFill>
+              <a:latin typeface="Quicksand Light" panose="00000400000000000000" pitchFamily="2" charset="0"/>
+            </a:endParaRPr>
+          </a:p>
+        </p:txBody>
+      </p:sp>
+      <p:sp>
+        <p:nvSpPr>
+          <p:cNvPr id="19" name="矩形: 圆角 18">
+            <a:extLst>
+              <a:ext uri="{FF2B5EF4-FFF2-40B4-BE49-F238E27FC236}">
+                <a16:creationId xmlns:a16="http://schemas.microsoft.com/office/drawing/2014/main" id="{03E4ED18-20DE-9A2D-F3D6-31F089C7D92C}"/>
+              </a:ext>
+            </a:extLst>
+          </p:cNvPr>
+          <p:cNvSpPr/>
+          <p:nvPr/>
+        </p:nvSpPr>
+        <p:spPr>
+          <a:xfrm>
+            <a:off x="5806701" y="4083932"/>
+            <a:ext cx="1620000" cy="360000"/>
+          </a:xfrm>
+          <a:prstGeom prst="roundRect">
+            <a:avLst/>
+          </a:prstGeom>
+          <a:noFill/>
+          <a:ln w="12700">
+            <a:solidFill>
+              <a:srgbClr val="EB3B5A"/>
+            </a:solidFill>
+            <a:prstDash val="dash"/>
+          </a:ln>
+        </p:spPr>
+        <p:style>
+          <a:lnRef idx="2">
+            <a:schemeClr val="accent1">
+              <a:shade val="15000"/>
+            </a:schemeClr>
+          </a:lnRef>
+          <a:fillRef idx="1">
+            <a:schemeClr val="accent1"/>
+          </a:fillRef>
+          <a:effectRef idx="0">
+            <a:schemeClr val="accent1"/>
+          </a:effectRef>
+          <a:fontRef idx="minor">
+            <a:schemeClr val="lt1"/>
+          </a:fontRef>
+        </p:style>
+        <p:txBody>
+          <a:bodyPr rtlCol="0" anchor="ctr"/>
+          <a:lstStyle/>
+          <a:p>
+            <a:pPr algn="ctr"/>
+            <a:r>
+              <a:rPr lang="zh-CN" altLang="en-US" sz="1200">
+                <a:solidFill>
+                  <a:sysClr val="windowText" lastClr="000000"/>
+                </a:solidFill>
+                <a:latin typeface="Quicksand Light" panose="00000400000000000000" pitchFamily="2" charset="0"/>
+              </a:rPr>
+              <a:t>行内块 </a:t>
+            </a:r>
+            <a:r>
+              <a:rPr lang="en-US" altLang="zh-CN" sz="1200">
+                <a:solidFill>
+                  <a:sysClr val="windowText" lastClr="000000"/>
+                </a:solidFill>
+                <a:latin typeface="Quicksand Light" panose="00000400000000000000" pitchFamily="2" charset="0"/>
+              </a:rPr>
+              <a:t>inline-block</a:t>
+            </a:r>
+            <a:endParaRPr lang="zh-CN" altLang="en-US" sz="1200">
+              <a:solidFill>
+                <a:sysClr val="windowText" lastClr="000000"/>
+              </a:solidFill>
+              <a:latin typeface="Quicksand Light" panose="00000400000000000000" pitchFamily="2" charset="0"/>
+            </a:endParaRPr>
+          </a:p>
+        </p:txBody>
+      </p:sp>
+      <p:cxnSp>
+        <p:nvCxnSpPr>
+          <p:cNvPr id="22" name="连接符: 曲线 21">
+            <a:extLst>
+              <a:ext uri="{FF2B5EF4-FFF2-40B4-BE49-F238E27FC236}">
+                <a16:creationId xmlns:a16="http://schemas.microsoft.com/office/drawing/2014/main" id="{D99A8B47-6D7E-2EA4-8359-4BD4F43E0B70}"/>
+              </a:ext>
+            </a:extLst>
+          </p:cNvPr>
+          <p:cNvCxnSpPr>
+            <a:cxnSpLocks/>
+            <a:stCxn id="9" idx="3"/>
+            <a:endCxn id="19" idx="1"/>
+          </p:cNvCxnSpPr>
+          <p:nvPr/>
+        </p:nvCxnSpPr>
+        <p:spPr>
+          <a:xfrm>
+            <a:off x="5474575" y="3274613"/>
+            <a:ext cx="332126" cy="989319"/>
+          </a:xfrm>
+          <a:prstGeom prst="curvedConnector3">
+            <a:avLst>
+              <a:gd name="adj1" fmla="val 50000"/>
+            </a:avLst>
+          </a:prstGeom>
+          <a:ln>
+            <a:solidFill>
+              <a:srgbClr val="EB3B5A"/>
+            </a:solidFill>
+          </a:ln>
+        </p:spPr>
+        <p:style>
+          <a:lnRef idx="1">
+            <a:schemeClr val="accent1"/>
+          </a:lnRef>
+          <a:fillRef idx="0">
+            <a:schemeClr val="accent1"/>
+          </a:fillRef>
+          <a:effectRef idx="0">
+            <a:schemeClr val="accent1"/>
+          </a:effectRef>
+          <a:fontRef idx="minor">
+            <a:schemeClr val="tx1"/>
+          </a:fontRef>
+        </p:style>
+      </p:cxnSp>
+      <p:cxnSp>
+        <p:nvCxnSpPr>
+          <p:cNvPr id="26" name="连接符: 曲线 25">
+            <a:extLst>
+              <a:ext uri="{FF2B5EF4-FFF2-40B4-BE49-F238E27FC236}">
+                <a16:creationId xmlns:a16="http://schemas.microsoft.com/office/drawing/2014/main" id="{46C1E541-71B5-21B2-7273-4EAC0DC70F03}"/>
+              </a:ext>
+            </a:extLst>
+          </p:cNvPr>
+          <p:cNvCxnSpPr>
+            <a:cxnSpLocks/>
+            <a:stCxn id="8" idx="1"/>
+            <a:endCxn id="2" idx="3"/>
+          </p:cNvCxnSpPr>
+          <p:nvPr/>
+        </p:nvCxnSpPr>
+        <p:spPr>
+          <a:xfrm rot="10800000">
+            <a:off x="4062449" y="3274614"/>
+            <a:ext cx="332126" cy="855783"/>
+          </a:xfrm>
+          <a:prstGeom prst="curvedConnector3">
+            <a:avLst>
+              <a:gd name="adj1" fmla="val 50000"/>
+            </a:avLst>
+          </a:prstGeom>
+          <a:ln>
+            <a:solidFill>
+              <a:srgbClr val="3DC1D3"/>
+            </a:solidFill>
+          </a:ln>
+        </p:spPr>
+        <p:style>
+          <a:lnRef idx="1">
+            <a:schemeClr val="accent1"/>
+          </a:lnRef>
+          <a:fillRef idx="0">
+            <a:schemeClr val="accent1"/>
+          </a:fillRef>
+          <a:effectRef idx="0">
+            <a:schemeClr val="accent1"/>
+          </a:effectRef>
+          <a:fontRef idx="minor">
+            <a:schemeClr val="tx1"/>
+          </a:fontRef>
+        </p:style>
+      </p:cxnSp>
+      <p:sp>
+        <p:nvSpPr>
+          <p:cNvPr id="31" name="矩形: 圆角 30">
+            <a:extLst>
+              <a:ext uri="{FF2B5EF4-FFF2-40B4-BE49-F238E27FC236}">
+                <a16:creationId xmlns:a16="http://schemas.microsoft.com/office/drawing/2014/main" id="{E8C9255D-9B6B-1495-9667-75E062A30160}"/>
+              </a:ext>
+            </a:extLst>
+          </p:cNvPr>
+          <p:cNvSpPr/>
+          <p:nvPr/>
+        </p:nvSpPr>
+        <p:spPr>
+          <a:xfrm>
+            <a:off x="4394575" y="4806178"/>
+            <a:ext cx="1080000" cy="360000"/>
+          </a:xfrm>
+          <a:prstGeom prst="roundRect">
+            <a:avLst/>
+          </a:prstGeom>
+          <a:solidFill>
+            <a:schemeClr val="accent6">
+              <a:lumMod val="60000"/>
+              <a:lumOff val="40000"/>
+            </a:schemeClr>
+          </a:solidFill>
+          <a:ln w="12700">
+            <a:noFill/>
+          </a:ln>
+        </p:spPr>
+        <p:style>
+          <a:lnRef idx="2">
+            <a:schemeClr val="accent1">
+              <a:shade val="15000"/>
+            </a:schemeClr>
+          </a:lnRef>
+          <a:fillRef idx="1">
+            <a:schemeClr val="accent1"/>
+          </a:fillRef>
+          <a:effectRef idx="0">
+            <a:schemeClr val="accent1"/>
+          </a:effectRef>
+          <a:fontRef idx="minor">
+            <a:schemeClr val="lt1"/>
+          </a:fontRef>
+        </p:style>
+        <p:txBody>
+          <a:bodyPr rtlCol="0" anchor="ctr"/>
+          <a:lstStyle/>
+          <a:p>
+            <a:pPr algn="ctr"/>
+            <a:r>
+              <a:rPr lang="zh-CN" altLang="en-US" sz="1200">
+                <a:latin typeface="Quicksand Light" panose="00000400000000000000" pitchFamily="2" charset="0"/>
+              </a:rPr>
+              <a:t>导航</a:t>
+            </a:r>
+          </a:p>
+        </p:txBody>
+      </p:sp>
+      <p:cxnSp>
+        <p:nvCxnSpPr>
+          <p:cNvPr id="32" name="连接符: 曲线 31">
+            <a:extLst>
+              <a:ext uri="{FF2B5EF4-FFF2-40B4-BE49-F238E27FC236}">
+                <a16:creationId xmlns:a16="http://schemas.microsoft.com/office/drawing/2014/main" id="{77355C97-960E-5F33-1A9D-C89E64984730}"/>
+              </a:ext>
+            </a:extLst>
+          </p:cNvPr>
+          <p:cNvCxnSpPr>
+            <a:cxnSpLocks/>
+            <a:stCxn id="31" idx="1"/>
+            <a:endCxn id="2" idx="3"/>
+          </p:cNvCxnSpPr>
+          <p:nvPr/>
+        </p:nvCxnSpPr>
+        <p:spPr>
+          <a:xfrm rot="10800000">
+            <a:off x="4062449" y="3274614"/>
+            <a:ext cx="332126" cy="1711565"/>
+          </a:xfrm>
+          <a:prstGeom prst="curvedConnector3">
+            <a:avLst>
+              <a:gd name="adj1" fmla="val 50000"/>
+            </a:avLst>
+          </a:prstGeom>
+          <a:ln>
+            <a:solidFill>
+              <a:srgbClr val="A9D18E"/>
+            </a:solidFill>
+          </a:ln>
+        </p:spPr>
+        <p:style>
+          <a:lnRef idx="1">
+            <a:schemeClr val="accent1"/>
+          </a:lnRef>
+          <a:fillRef idx="0">
+            <a:schemeClr val="accent1"/>
+          </a:fillRef>
+          <a:effectRef idx="0">
+            <a:schemeClr val="accent1"/>
+          </a:effectRef>
+          <a:fontRef idx="minor">
+            <a:schemeClr val="tx1"/>
+          </a:fontRef>
+        </p:style>
+      </p:cxnSp>
+      <p:sp>
+        <p:nvSpPr>
+          <p:cNvPr id="4" name="矩形: 圆角 3">
+            <a:extLst>
+              <a:ext uri="{FF2B5EF4-FFF2-40B4-BE49-F238E27FC236}">
+                <a16:creationId xmlns:a16="http://schemas.microsoft.com/office/drawing/2014/main" id="{F804F753-E482-E059-B0E0-437F4CB1E50C}"/>
+              </a:ext>
+            </a:extLst>
+          </p:cNvPr>
+          <p:cNvSpPr/>
+          <p:nvPr/>
+        </p:nvSpPr>
+        <p:spPr>
+          <a:xfrm>
+            <a:off x="5806701" y="4582061"/>
+            <a:ext cx="1620000" cy="360000"/>
+          </a:xfrm>
+          <a:prstGeom prst="roundRect">
+            <a:avLst/>
+          </a:prstGeom>
+          <a:noFill/>
+          <a:ln w="12700">
+            <a:solidFill>
+              <a:schemeClr val="accent6">
+                <a:lumMod val="60000"/>
+                <a:lumOff val="40000"/>
+              </a:schemeClr>
+            </a:solidFill>
+          </a:ln>
+        </p:spPr>
+        <p:style>
+          <a:lnRef idx="2">
+            <a:schemeClr val="accent1">
+              <a:shade val="15000"/>
+            </a:schemeClr>
+          </a:lnRef>
+          <a:fillRef idx="1">
+            <a:schemeClr val="accent1"/>
+          </a:fillRef>
+          <a:effectRef idx="0">
+            <a:schemeClr val="accent1"/>
+          </a:effectRef>
+          <a:fontRef idx="minor">
+            <a:schemeClr val="lt1"/>
+          </a:fontRef>
+        </p:style>
+        <p:txBody>
+          <a:bodyPr rtlCol="0" anchor="ctr"/>
+          <a:lstStyle/>
+          <a:p>
+            <a:pPr algn="ctr"/>
+            <a:r>
+              <a:rPr lang="zh-CN" altLang="en-US" sz="1200">
+                <a:solidFill>
+                  <a:sysClr val="windowText" lastClr="000000"/>
+                </a:solidFill>
+                <a:latin typeface="Quicksand Light" panose="00000400000000000000" pitchFamily="2" charset="0"/>
+              </a:rPr>
+              <a:t>一个滚动视图</a:t>
+            </a:r>
+          </a:p>
+        </p:txBody>
+      </p:sp>
+      <p:sp>
+        <p:nvSpPr>
+          <p:cNvPr id="5" name="矩形: 圆角 4">
+            <a:extLst>
+              <a:ext uri="{FF2B5EF4-FFF2-40B4-BE49-F238E27FC236}">
+                <a16:creationId xmlns:a16="http://schemas.microsoft.com/office/drawing/2014/main" id="{2F218F90-1527-32EF-A4D6-D219CF5B8F16}"/>
+              </a:ext>
+            </a:extLst>
+          </p:cNvPr>
+          <p:cNvSpPr/>
+          <p:nvPr/>
+        </p:nvSpPr>
+        <p:spPr>
+          <a:xfrm>
+            <a:off x="5806701" y="5030296"/>
+            <a:ext cx="1620000" cy="360000"/>
+          </a:xfrm>
+          <a:prstGeom prst="roundRect">
+            <a:avLst/>
+          </a:prstGeom>
+          <a:noFill/>
+          <a:ln w="12700">
+            <a:solidFill>
+              <a:schemeClr val="accent6">
+                <a:lumMod val="60000"/>
+                <a:lumOff val="40000"/>
+              </a:schemeClr>
+            </a:solidFill>
+            <a:prstDash val="dash"/>
+          </a:ln>
+        </p:spPr>
+        <p:style>
+          <a:lnRef idx="2">
+            <a:schemeClr val="accent1">
+              <a:shade val="15000"/>
+            </a:schemeClr>
+          </a:lnRef>
+          <a:fillRef idx="1">
+            <a:schemeClr val="accent1"/>
+          </a:fillRef>
+          <a:effectRef idx="0">
+            <a:schemeClr val="accent1"/>
+          </a:effectRef>
+          <a:fontRef idx="minor">
+            <a:schemeClr val="lt1"/>
+          </a:fontRef>
+        </p:style>
+        <p:txBody>
+          <a:bodyPr rtlCol="0" anchor="ctr"/>
+          <a:lstStyle/>
+          <a:p>
+            <a:pPr algn="ctr"/>
+            <a:r>
+              <a:rPr lang="zh-CN" altLang="en-US" sz="1200">
+                <a:solidFill>
+                  <a:sysClr val="windowText" lastClr="000000"/>
+                </a:solidFill>
+                <a:latin typeface="Quicksand Light" panose="00000400000000000000" pitchFamily="2" charset="0"/>
+              </a:rPr>
+              <a:t>二个滚动视图</a:t>
+            </a:r>
+          </a:p>
+        </p:txBody>
+      </p:sp>
+      <p:cxnSp>
+        <p:nvCxnSpPr>
+          <p:cNvPr id="6" name="连接符: 曲线 5">
+            <a:extLst>
+              <a:ext uri="{FF2B5EF4-FFF2-40B4-BE49-F238E27FC236}">
+                <a16:creationId xmlns:a16="http://schemas.microsoft.com/office/drawing/2014/main" id="{A07E7128-4DE2-E2DD-961D-C1575C1BBE3A}"/>
+              </a:ext>
+            </a:extLst>
+          </p:cNvPr>
+          <p:cNvCxnSpPr>
+            <a:cxnSpLocks/>
+            <a:stCxn id="31" idx="3"/>
+            <a:endCxn id="4" idx="1"/>
+          </p:cNvCxnSpPr>
+          <p:nvPr/>
+        </p:nvCxnSpPr>
+        <p:spPr>
+          <a:xfrm flipV="1">
+            <a:off x="5474575" y="4762061"/>
+            <a:ext cx="332126" cy="224117"/>
+          </a:xfrm>
+          <a:prstGeom prst="curvedConnector3">
+            <a:avLst>
+              <a:gd name="adj1" fmla="val 50000"/>
+            </a:avLst>
+          </a:prstGeom>
+          <a:ln>
+            <a:solidFill>
+              <a:schemeClr val="accent6">
+                <a:lumMod val="60000"/>
+                <a:lumOff val="40000"/>
+              </a:schemeClr>
+            </a:solidFill>
+          </a:ln>
+        </p:spPr>
+        <p:style>
+          <a:lnRef idx="1">
+            <a:schemeClr val="accent1"/>
+          </a:lnRef>
+          <a:fillRef idx="0">
+            <a:schemeClr val="accent1"/>
+          </a:fillRef>
+          <a:effectRef idx="0">
+            <a:schemeClr val="accent1"/>
+          </a:effectRef>
+          <a:fontRef idx="minor">
+            <a:schemeClr val="tx1"/>
+          </a:fontRef>
+        </p:style>
+      </p:cxnSp>
+      <p:cxnSp>
+        <p:nvCxnSpPr>
+          <p:cNvPr id="12" name="连接符: 曲线 11">
+            <a:extLst>
+              <a:ext uri="{FF2B5EF4-FFF2-40B4-BE49-F238E27FC236}">
+                <a16:creationId xmlns:a16="http://schemas.microsoft.com/office/drawing/2014/main" id="{5FD7AEAF-CD97-C450-BBC1-2641DC43007D}"/>
+              </a:ext>
+            </a:extLst>
+          </p:cNvPr>
+          <p:cNvCxnSpPr>
+            <a:cxnSpLocks/>
+            <a:stCxn id="31" idx="3"/>
+            <a:endCxn id="5" idx="1"/>
+          </p:cNvCxnSpPr>
+          <p:nvPr/>
+        </p:nvCxnSpPr>
+        <p:spPr>
+          <a:xfrm>
+            <a:off x="5474575" y="4986178"/>
+            <a:ext cx="332126" cy="224118"/>
+          </a:xfrm>
+          <a:prstGeom prst="curvedConnector3">
+            <a:avLst>
+              <a:gd name="adj1" fmla="val 50000"/>
+            </a:avLst>
+          </a:prstGeom>
+          <a:ln>
+            <a:solidFill>
+              <a:schemeClr val="accent6">
+                <a:lumMod val="60000"/>
+                <a:lumOff val="40000"/>
+              </a:schemeClr>
+            </a:solidFill>
+          </a:ln>
+        </p:spPr>
+        <p:style>
+          <a:lnRef idx="1">
+            <a:schemeClr val="accent1"/>
+          </a:lnRef>
+          <a:fillRef idx="0">
+            <a:schemeClr val="accent1"/>
+          </a:fillRef>
+          <a:effectRef idx="0">
+            <a:schemeClr val="accent1"/>
+          </a:effectRef>
+          <a:fontRef idx="minor">
+            <a:schemeClr val="tx1"/>
+          </a:fontRef>
+        </p:style>
+      </p:cxnSp>
     </p:spTree>
     <p:extLst>
       <p:ext uri="{BB962C8B-B14F-4D97-AF65-F5344CB8AC3E}">
-        <p14:creationId xmlns:p14="http://schemas.microsoft.com/office/powerpoint/2010/main" val="2672122669"/>
+        <p14:creationId xmlns:p14="http://schemas.microsoft.com/office/powerpoint/2010/main" val="2483548129"/>
       </p:ext>
     </p:extLst>
   </p:cSld>
@@ -19928,6 +20963,66 @@
           <a:chExt cx="0" cy="0"/>
         </a:xfrm>
       </p:grpSpPr>
+      <p:pic>
+        <p:nvPicPr>
+          <p:cNvPr id="3" name="图片 2">
+            <a:extLst>
+              <a:ext uri="{FF2B5EF4-FFF2-40B4-BE49-F238E27FC236}">
+                <a16:creationId xmlns:a16="http://schemas.microsoft.com/office/drawing/2014/main" id="{7ECC09FE-D9D2-2E76-0948-E1F27A08CD34}"/>
+              </a:ext>
+            </a:extLst>
+          </p:cNvPr>
+          <p:cNvPicPr>
+            <a:picLocks noChangeAspect="1"/>
+          </p:cNvPicPr>
+          <p:nvPr/>
+        </p:nvPicPr>
+        <p:blipFill>
+          <a:blip r:embed="rId2"/>
+          <a:stretch>
+            <a:fillRect/>
+          </a:stretch>
+        </p:blipFill>
+        <p:spPr>
+          <a:xfrm>
+            <a:off x="5043340" y="1842866"/>
+            <a:ext cx="2105319" cy="3172268"/>
+          </a:xfrm>
+          <a:prstGeom prst="rect">
+            <a:avLst/>
+          </a:prstGeom>
+        </p:spPr>
+      </p:pic>
+    </p:spTree>
+    <p:extLst>
+      <p:ext uri="{BB962C8B-B14F-4D97-AF65-F5344CB8AC3E}">
+        <p14:creationId xmlns:p14="http://schemas.microsoft.com/office/powerpoint/2010/main" val="2672122669"/>
+      </p:ext>
+    </p:extLst>
+  </p:cSld>
+  <p:clrMapOvr>
+    <a:masterClrMapping/>
+  </p:clrMapOvr>
+</p:sld>
+</file>
+
+<file path=ppt/slides/slide22.xml><?xml version="1.0" encoding="utf-8"?>
+<p:sld xmlns:a="http://schemas.openxmlformats.org/drawingml/2006/main" xmlns:r="http://schemas.openxmlformats.org/officeDocument/2006/relationships" xmlns:p="http://schemas.openxmlformats.org/presentationml/2006/main">
+  <p:cSld>
+    <p:spTree>
+      <p:nvGrpSpPr>
+        <p:cNvPr id="1" name=""/>
+        <p:cNvGrpSpPr/>
+        <p:nvPr/>
+      </p:nvGrpSpPr>
+      <p:grpSpPr>
+        <a:xfrm>
+          <a:off x="0" y="0"/>
+          <a:ext cx="0" cy="0"/>
+          <a:chOff x="0" y="0"/>
+          <a:chExt cx="0" cy="0"/>
+        </a:xfrm>
+      </p:grpSpPr>
       <p:sp>
         <p:nvSpPr>
           <p:cNvPr id="2" name="矩形: 圆角 1">
@@ -20314,7 +21409,7 @@
 </p:sld>
 </file>
 
-<file path=ppt/slides/slide22.xml><?xml version="1.0" encoding="utf-8"?>
+<file path=ppt/slides/slide23.xml><?xml version="1.0" encoding="utf-8"?>
 <p:sld xmlns:a="http://schemas.openxmlformats.org/drawingml/2006/main" xmlns:r="http://schemas.openxmlformats.org/officeDocument/2006/relationships" xmlns:p="http://schemas.openxmlformats.org/presentationml/2006/main">
   <p:cSld>
     <p:spTree>

--- a/utils/file/charts.pptx
+++ b/utils/file/charts.pptx
@@ -19920,13 +19920,13 @@
             <a:r>
               <a:rPr lang="en-US" altLang="zh-CN" sz="1200">
                 <a:latin typeface="Quicksand Light" panose="00000400000000000000" pitchFamily="2" charset="0"/>
-                <a:ea typeface="微软雅黑" panose="020B0503020204020204" pitchFamily="34" charset="-122"/>
+                <a:ea typeface="仿宋" panose="02010609060101010101" pitchFamily="49" charset="-122"/>
               </a:rPr>
               <a:t>&lt;scroll-view&gt;</a:t>
             </a:r>
             <a:endParaRPr lang="zh-CN" altLang="en-US" sz="1200">
               <a:latin typeface="Quicksand Light" panose="00000400000000000000" pitchFamily="2" charset="0"/>
-              <a:ea typeface="微软雅黑" panose="020B0503020204020204" pitchFamily="34" charset="-122"/>
+              <a:ea typeface="仿宋" panose="02010609060101010101" pitchFamily="49" charset="-122"/>
             </a:endParaRPr>
           </a:p>
         </p:txBody>
@@ -19945,7 +19945,7 @@
         </p:nvSpPr>
         <p:spPr>
           <a:xfrm>
-            <a:off x="5806701" y="3107478"/>
+            <a:off x="5806701" y="2901283"/>
             <a:ext cx="1620000" cy="360000"/>
           </a:xfrm>
           <a:prstGeom prst="roundRect">
@@ -19986,6 +19986,1033 @@
                   <a:sysClr val="windowText" lastClr="000000"/>
                 </a:solidFill>
                 <a:latin typeface="Quicksand Light" panose="00000400000000000000" pitchFamily="2" charset="0"/>
+                <a:ea typeface="仿宋" panose="02010609060101010101" pitchFamily="49" charset="-122"/>
+              </a:rPr>
+              <a:t>行内 </a:t>
+            </a:r>
+            <a:r>
+              <a:rPr lang="en-US" altLang="zh-CN" sz="1200">
+                <a:solidFill>
+                  <a:sysClr val="windowText" lastClr="000000"/>
+                </a:solidFill>
+                <a:latin typeface="Quicksand Light" panose="00000400000000000000" pitchFamily="2" charset="0"/>
+                <a:ea typeface="仿宋" panose="02010609060101010101" pitchFamily="49" charset="-122"/>
+              </a:rPr>
+              <a:t>inline</a:t>
+            </a:r>
+            <a:endParaRPr lang="zh-CN" altLang="en-US" sz="1200">
+              <a:solidFill>
+                <a:sysClr val="windowText" lastClr="000000"/>
+              </a:solidFill>
+              <a:latin typeface="Quicksand Light" panose="00000400000000000000" pitchFamily="2" charset="0"/>
+              <a:ea typeface="仿宋" panose="02010609060101010101" pitchFamily="49" charset="-122"/>
+            </a:endParaRPr>
+          </a:p>
+        </p:txBody>
+      </p:sp>
+      <p:sp>
+        <p:nvSpPr>
+          <p:cNvPr id="8" name="矩形: 圆角 7">
+            <a:extLst>
+              <a:ext uri="{FF2B5EF4-FFF2-40B4-BE49-F238E27FC236}">
+                <a16:creationId xmlns:a16="http://schemas.microsoft.com/office/drawing/2014/main" id="{06699B4A-F636-A7C1-FB1E-69E3110ACB30}"/>
+              </a:ext>
+            </a:extLst>
+          </p:cNvPr>
+          <p:cNvSpPr/>
+          <p:nvPr/>
+        </p:nvSpPr>
+        <p:spPr>
+          <a:xfrm>
+            <a:off x="4394575" y="4241749"/>
+            <a:ext cx="1080000" cy="360000"/>
+          </a:xfrm>
+          <a:prstGeom prst="roundRect">
+            <a:avLst/>
+          </a:prstGeom>
+          <a:solidFill>
+            <a:srgbClr val="3DC1D3"/>
+          </a:solidFill>
+          <a:ln w="12700">
+            <a:noFill/>
+          </a:ln>
+        </p:spPr>
+        <p:style>
+          <a:lnRef idx="2">
+            <a:schemeClr val="accent1">
+              <a:shade val="15000"/>
+            </a:schemeClr>
+          </a:lnRef>
+          <a:fillRef idx="1">
+            <a:schemeClr val="accent1"/>
+          </a:fillRef>
+          <a:effectRef idx="0">
+            <a:schemeClr val="accent1"/>
+          </a:effectRef>
+          <a:fontRef idx="minor">
+            <a:schemeClr val="lt1"/>
+          </a:fontRef>
+        </p:style>
+        <p:txBody>
+          <a:bodyPr rtlCol="0" anchor="ctr"/>
+          <a:lstStyle/>
+          <a:p>
+            <a:pPr algn="ctr"/>
+            <a:r>
+              <a:rPr lang="zh-CN" altLang="en-US" sz="1200">
+                <a:latin typeface="Quicksand Light" panose="00000400000000000000" pitchFamily="2" charset="0"/>
+                <a:ea typeface="仿宋" panose="02010609060101010101" pitchFamily="49" charset="-122"/>
+              </a:rPr>
+              <a:t>垂直滚动</a:t>
+            </a:r>
+          </a:p>
+        </p:txBody>
+      </p:sp>
+      <p:sp>
+        <p:nvSpPr>
+          <p:cNvPr id="9" name="矩形: 圆角 8">
+            <a:extLst>
+              <a:ext uri="{FF2B5EF4-FFF2-40B4-BE49-F238E27FC236}">
+                <a16:creationId xmlns:a16="http://schemas.microsoft.com/office/drawing/2014/main" id="{63EC0026-3C9E-C410-1B1D-25D54ACB2F10}"/>
+              </a:ext>
+            </a:extLst>
+          </p:cNvPr>
+          <p:cNvSpPr/>
+          <p:nvPr/>
+        </p:nvSpPr>
+        <p:spPr>
+          <a:xfrm>
+            <a:off x="4394575" y="3094613"/>
+            <a:ext cx="1080000" cy="360000"/>
+          </a:xfrm>
+          <a:prstGeom prst="roundRect">
+            <a:avLst/>
+          </a:prstGeom>
+          <a:solidFill>
+            <a:srgbClr val="EB3B5A"/>
+          </a:solidFill>
+          <a:ln w="12700">
+            <a:noFill/>
+          </a:ln>
+        </p:spPr>
+        <p:style>
+          <a:lnRef idx="2">
+            <a:schemeClr val="accent1">
+              <a:shade val="15000"/>
+            </a:schemeClr>
+          </a:lnRef>
+          <a:fillRef idx="1">
+            <a:schemeClr val="accent1"/>
+          </a:fillRef>
+          <a:effectRef idx="0">
+            <a:schemeClr val="accent1"/>
+          </a:effectRef>
+          <a:fontRef idx="minor">
+            <a:schemeClr val="lt1"/>
+          </a:fontRef>
+        </p:style>
+        <p:txBody>
+          <a:bodyPr rtlCol="0" anchor="ctr"/>
+          <a:lstStyle/>
+          <a:p>
+            <a:pPr algn="ctr"/>
+            <a:r>
+              <a:rPr lang="zh-CN" altLang="en-US" sz="1200">
+                <a:latin typeface="Quicksand Light" panose="00000400000000000000" pitchFamily="2" charset="0"/>
+                <a:ea typeface="仿宋" panose="02010609060101010101" pitchFamily="49" charset="-122"/>
+              </a:rPr>
+              <a:t>水平滚动</a:t>
+            </a:r>
+          </a:p>
+        </p:txBody>
+      </p:sp>
+      <p:cxnSp>
+        <p:nvCxnSpPr>
+          <p:cNvPr id="10" name="连接符: 曲线 9">
+            <a:extLst>
+              <a:ext uri="{FF2B5EF4-FFF2-40B4-BE49-F238E27FC236}">
+                <a16:creationId xmlns:a16="http://schemas.microsoft.com/office/drawing/2014/main" id="{89376DA1-2871-7B3F-3D7E-34DF204828CA}"/>
+              </a:ext>
+            </a:extLst>
+          </p:cNvPr>
+          <p:cNvCxnSpPr>
+            <a:cxnSpLocks/>
+            <a:stCxn id="9" idx="3"/>
+            <a:endCxn id="17" idx="1"/>
+          </p:cNvCxnSpPr>
+          <p:nvPr/>
+        </p:nvCxnSpPr>
+        <p:spPr>
+          <a:xfrm flipV="1">
+            <a:off x="5474575" y="2104829"/>
+            <a:ext cx="332126" cy="1169784"/>
+          </a:xfrm>
+          <a:prstGeom prst="curvedConnector3">
+            <a:avLst>
+              <a:gd name="adj1" fmla="val 50000"/>
+            </a:avLst>
+          </a:prstGeom>
+          <a:ln>
+            <a:solidFill>
+              <a:srgbClr val="EB3B5A"/>
+            </a:solidFill>
+          </a:ln>
+        </p:spPr>
+        <p:style>
+          <a:lnRef idx="1">
+            <a:schemeClr val="accent1"/>
+          </a:lnRef>
+          <a:fillRef idx="0">
+            <a:schemeClr val="accent1"/>
+          </a:fillRef>
+          <a:effectRef idx="0">
+            <a:schemeClr val="accent1"/>
+          </a:effectRef>
+          <a:fontRef idx="minor">
+            <a:schemeClr val="tx1"/>
+          </a:fontRef>
+        </p:style>
+      </p:cxnSp>
+      <p:cxnSp>
+        <p:nvCxnSpPr>
+          <p:cNvPr id="15" name="直接连接符 14">
+            <a:extLst>
+              <a:ext uri="{FF2B5EF4-FFF2-40B4-BE49-F238E27FC236}">
+                <a16:creationId xmlns:a16="http://schemas.microsoft.com/office/drawing/2014/main" id="{B3AF8529-84E5-3299-2E12-01B446E0607B}"/>
+              </a:ext>
+            </a:extLst>
+          </p:cNvPr>
+          <p:cNvCxnSpPr>
+            <a:cxnSpLocks/>
+            <a:stCxn id="2" idx="3"/>
+            <a:endCxn id="9" idx="1"/>
+          </p:cNvCxnSpPr>
+          <p:nvPr/>
+        </p:nvCxnSpPr>
+        <p:spPr>
+          <a:xfrm>
+            <a:off x="4062449" y="3274613"/>
+            <a:ext cx="332126" cy="0"/>
+          </a:xfrm>
+          <a:prstGeom prst="line">
+            <a:avLst/>
+          </a:prstGeom>
+          <a:ln>
+            <a:solidFill>
+              <a:srgbClr val="EB3B5A"/>
+            </a:solidFill>
+          </a:ln>
+        </p:spPr>
+        <p:style>
+          <a:lnRef idx="1">
+            <a:schemeClr val="accent1"/>
+          </a:lnRef>
+          <a:fillRef idx="0">
+            <a:schemeClr val="accent1"/>
+          </a:fillRef>
+          <a:effectRef idx="0">
+            <a:schemeClr val="accent1"/>
+          </a:effectRef>
+          <a:fontRef idx="minor">
+            <a:schemeClr val="tx1"/>
+          </a:fontRef>
+        </p:style>
+      </p:cxnSp>
+      <p:sp>
+        <p:nvSpPr>
+          <p:cNvPr id="16" name="矩形: 圆角 15">
+            <a:extLst>
+              <a:ext uri="{FF2B5EF4-FFF2-40B4-BE49-F238E27FC236}">
+                <a16:creationId xmlns:a16="http://schemas.microsoft.com/office/drawing/2014/main" id="{FA81A049-32C6-0464-CB2F-FE666FC0CCAF}"/>
+              </a:ext>
+            </a:extLst>
+          </p:cNvPr>
+          <p:cNvSpPr/>
+          <p:nvPr/>
+        </p:nvSpPr>
+        <p:spPr>
+          <a:xfrm>
+            <a:off x="5806701" y="2413056"/>
+            <a:ext cx="1620000" cy="360000"/>
+          </a:xfrm>
+          <a:prstGeom prst="roundRect">
+            <a:avLst/>
+          </a:prstGeom>
+          <a:noFill/>
+          <a:ln w="12700">
+            <a:solidFill>
+              <a:srgbClr val="EB3B5A"/>
+            </a:solidFill>
+          </a:ln>
+        </p:spPr>
+        <p:style>
+          <a:lnRef idx="2">
+            <a:schemeClr val="accent1">
+              <a:shade val="15000"/>
+            </a:schemeClr>
+          </a:lnRef>
+          <a:fillRef idx="1">
+            <a:schemeClr val="accent1"/>
+          </a:fillRef>
+          <a:effectRef idx="0">
+            <a:schemeClr val="accent1"/>
+          </a:effectRef>
+          <a:fontRef idx="minor">
+            <a:schemeClr val="lt1"/>
+          </a:fontRef>
+        </p:style>
+        <p:txBody>
+          <a:bodyPr rtlCol="0" anchor="ctr"/>
+          <a:lstStyle/>
+          <a:p>
+            <a:pPr algn="ctr"/>
+            <a:r>
+              <a:rPr lang="zh-CN" altLang="en-US" sz="1200">
+                <a:solidFill>
+                  <a:sysClr val="windowText" lastClr="000000"/>
+                </a:solidFill>
+                <a:latin typeface="Quicksand Light" panose="00000400000000000000" pitchFamily="2" charset="0"/>
+                <a:ea typeface="仿宋" panose="02010609060101010101" pitchFamily="49" charset="-122"/>
+              </a:rPr>
+              <a:t>容器 </a:t>
+            </a:r>
+            <a:r>
+              <a:rPr lang="en-US" altLang="zh-CN" sz="1200">
+                <a:solidFill>
+                  <a:sysClr val="windowText" lastClr="000000"/>
+                </a:solidFill>
+                <a:latin typeface="Quicksand Light" panose="00000400000000000000" pitchFamily="2" charset="0"/>
+                <a:ea typeface="仿宋" panose="02010609060101010101" pitchFamily="49" charset="-122"/>
+              </a:rPr>
+              <a:t>wrap</a:t>
+            </a:r>
+            <a:endParaRPr lang="zh-CN" altLang="en-US" sz="1200">
+              <a:solidFill>
+                <a:sysClr val="windowText" lastClr="000000"/>
+              </a:solidFill>
+              <a:latin typeface="Quicksand Light" panose="00000400000000000000" pitchFamily="2" charset="0"/>
+              <a:ea typeface="仿宋" panose="02010609060101010101" pitchFamily="49" charset="-122"/>
+            </a:endParaRPr>
+          </a:p>
+        </p:txBody>
+      </p:sp>
+      <p:sp>
+        <p:nvSpPr>
+          <p:cNvPr id="17" name="矩形: 圆角 16">
+            <a:extLst>
+              <a:ext uri="{FF2B5EF4-FFF2-40B4-BE49-F238E27FC236}">
+                <a16:creationId xmlns:a16="http://schemas.microsoft.com/office/drawing/2014/main" id="{DF07C0A6-7F4B-674A-E488-85EB77ABE14F}"/>
+              </a:ext>
+            </a:extLst>
+          </p:cNvPr>
+          <p:cNvSpPr/>
+          <p:nvPr/>
+        </p:nvSpPr>
+        <p:spPr>
+          <a:xfrm>
+            <a:off x="5806701" y="1924829"/>
+            <a:ext cx="1620000" cy="360000"/>
+          </a:xfrm>
+          <a:prstGeom prst="roundRect">
+            <a:avLst/>
+          </a:prstGeom>
+          <a:noFill/>
+          <a:ln w="12700">
+            <a:solidFill>
+              <a:srgbClr val="EB3B5A"/>
+            </a:solidFill>
+          </a:ln>
+        </p:spPr>
+        <p:style>
+          <a:lnRef idx="2">
+            <a:schemeClr val="accent1">
+              <a:shade val="15000"/>
+            </a:schemeClr>
+          </a:lnRef>
+          <a:fillRef idx="1">
+            <a:schemeClr val="accent1"/>
+          </a:fillRef>
+          <a:effectRef idx="0">
+            <a:schemeClr val="accent1"/>
+          </a:effectRef>
+          <a:fontRef idx="minor">
+            <a:schemeClr val="lt1"/>
+          </a:fontRef>
+        </p:style>
+        <p:txBody>
+          <a:bodyPr rtlCol="0" anchor="ctr"/>
+          <a:lstStyle/>
+          <a:p>
+            <a:pPr algn="ctr"/>
+            <a:r>
+              <a:rPr lang="en-US" altLang="zh-CN" sz="1200">
+                <a:solidFill>
+                  <a:sysClr val="windowText" lastClr="000000"/>
+                </a:solidFill>
+                <a:latin typeface="Quicksand Light" panose="00000400000000000000" pitchFamily="2" charset="0"/>
+                <a:ea typeface="仿宋" panose="02010609060101010101" pitchFamily="49" charset="-122"/>
+              </a:rPr>
+              <a:t>enable-flex</a:t>
+            </a:r>
+            <a:endParaRPr lang="zh-CN" altLang="en-US" sz="1200">
+              <a:solidFill>
+                <a:sysClr val="windowText" lastClr="000000"/>
+              </a:solidFill>
+              <a:latin typeface="Quicksand Light" panose="00000400000000000000" pitchFamily="2" charset="0"/>
+              <a:ea typeface="仿宋" panose="02010609060101010101" pitchFamily="49" charset="-122"/>
+            </a:endParaRPr>
+          </a:p>
+        </p:txBody>
+      </p:sp>
+      <p:sp>
+        <p:nvSpPr>
+          <p:cNvPr id="18" name="矩形: 圆角 17">
+            <a:extLst>
+              <a:ext uri="{FF2B5EF4-FFF2-40B4-BE49-F238E27FC236}">
+                <a16:creationId xmlns:a16="http://schemas.microsoft.com/office/drawing/2014/main" id="{79DE23DA-ADA0-B751-DD89-7669F999E79D}"/>
+              </a:ext>
+            </a:extLst>
+          </p:cNvPr>
+          <p:cNvSpPr/>
+          <p:nvPr/>
+        </p:nvSpPr>
+        <p:spPr>
+          <a:xfrm>
+            <a:off x="5806701" y="3389510"/>
+            <a:ext cx="1620000" cy="360000"/>
+          </a:xfrm>
+          <a:prstGeom prst="roundRect">
+            <a:avLst/>
+          </a:prstGeom>
+          <a:noFill/>
+          <a:ln w="12700">
+            <a:solidFill>
+              <a:srgbClr val="EB3B5A"/>
+            </a:solidFill>
+            <a:prstDash val="dash"/>
+          </a:ln>
+        </p:spPr>
+        <p:style>
+          <a:lnRef idx="2">
+            <a:schemeClr val="accent1">
+              <a:shade val="15000"/>
+            </a:schemeClr>
+          </a:lnRef>
+          <a:fillRef idx="1">
+            <a:schemeClr val="accent1"/>
+          </a:fillRef>
+          <a:effectRef idx="0">
+            <a:schemeClr val="accent1"/>
+          </a:effectRef>
+          <a:fontRef idx="minor">
+            <a:schemeClr val="lt1"/>
+          </a:fontRef>
+        </p:style>
+        <p:txBody>
+          <a:bodyPr rtlCol="0" anchor="ctr"/>
+          <a:lstStyle/>
+          <a:p>
+            <a:pPr algn="ctr"/>
+            <a:r>
+              <a:rPr lang="zh-CN" altLang="en-US" sz="1200">
+                <a:solidFill>
+                  <a:sysClr val="windowText" lastClr="000000"/>
+                </a:solidFill>
+                <a:latin typeface="Quicksand Light" panose="00000400000000000000" pitchFamily="2" charset="0"/>
+                <a:ea typeface="仿宋" panose="02010609060101010101" pitchFamily="49" charset="-122"/>
+              </a:rPr>
+              <a:t>行内块 </a:t>
+            </a:r>
+            <a:r>
+              <a:rPr lang="en-US" altLang="zh-CN" sz="1200">
+                <a:solidFill>
+                  <a:sysClr val="windowText" lastClr="000000"/>
+                </a:solidFill>
+                <a:latin typeface="Quicksand Light" panose="00000400000000000000" pitchFamily="2" charset="0"/>
+                <a:ea typeface="仿宋" panose="02010609060101010101" pitchFamily="49" charset="-122"/>
+              </a:rPr>
+              <a:t>inline-block</a:t>
+            </a:r>
+            <a:endParaRPr lang="zh-CN" altLang="en-US" sz="1200">
+              <a:solidFill>
+                <a:sysClr val="windowText" lastClr="000000"/>
+              </a:solidFill>
+              <a:latin typeface="Quicksand Light" panose="00000400000000000000" pitchFamily="2" charset="0"/>
+              <a:ea typeface="仿宋" panose="02010609060101010101" pitchFamily="49" charset="-122"/>
+            </a:endParaRPr>
+          </a:p>
+        </p:txBody>
+      </p:sp>
+      <p:sp>
+        <p:nvSpPr>
+          <p:cNvPr id="19" name="矩形: 圆角 18">
+            <a:extLst>
+              <a:ext uri="{FF2B5EF4-FFF2-40B4-BE49-F238E27FC236}">
+                <a16:creationId xmlns:a16="http://schemas.microsoft.com/office/drawing/2014/main" id="{03E4ED18-20DE-9A2D-F3D6-31F089C7D92C}"/>
+              </a:ext>
+            </a:extLst>
+          </p:cNvPr>
+          <p:cNvSpPr/>
+          <p:nvPr/>
+        </p:nvSpPr>
+        <p:spPr>
+          <a:xfrm>
+            <a:off x="5806701" y="3877737"/>
+            <a:ext cx="1620000" cy="360000"/>
+          </a:xfrm>
+          <a:prstGeom prst="roundRect">
+            <a:avLst/>
+          </a:prstGeom>
+          <a:noFill/>
+          <a:ln w="12700">
+            <a:solidFill>
+              <a:schemeClr val="bg1">
+                <a:lumMod val="50000"/>
+              </a:schemeClr>
+            </a:solidFill>
+            <a:prstDash val="dash"/>
+          </a:ln>
+        </p:spPr>
+        <p:style>
+          <a:lnRef idx="2">
+            <a:schemeClr val="accent1">
+              <a:shade val="15000"/>
+            </a:schemeClr>
+          </a:lnRef>
+          <a:fillRef idx="1">
+            <a:schemeClr val="accent1"/>
+          </a:fillRef>
+          <a:effectRef idx="0">
+            <a:schemeClr val="accent1"/>
+          </a:effectRef>
+          <a:fontRef idx="minor">
+            <a:schemeClr val="lt1"/>
+          </a:fontRef>
+        </p:style>
+        <p:txBody>
+          <a:bodyPr rtlCol="0" anchor="ctr"/>
+          <a:lstStyle/>
+          <a:p>
+            <a:pPr algn="ctr"/>
+            <a:r>
+              <a:rPr lang="zh-CN" altLang="en-US" sz="1200">
+                <a:solidFill>
+                  <a:sysClr val="windowText" lastClr="000000"/>
+                </a:solidFill>
+                <a:latin typeface="Quicksand Light" panose="00000400000000000000" pitchFamily="2" charset="0"/>
+                <a:ea typeface="仿宋" panose="02010609060101010101" pitchFamily="49" charset="-122"/>
+              </a:rPr>
+              <a:t>网格 </a:t>
+            </a:r>
+            <a:r>
+              <a:rPr lang="en-US" altLang="zh-CN" sz="1200">
+                <a:solidFill>
+                  <a:sysClr val="windowText" lastClr="000000"/>
+                </a:solidFill>
+                <a:latin typeface="Quicksand Light" panose="00000400000000000000" pitchFamily="2" charset="0"/>
+                <a:ea typeface="仿宋" panose="02010609060101010101" pitchFamily="49" charset="-122"/>
+              </a:rPr>
+              <a:t>grid</a:t>
+            </a:r>
+            <a:endParaRPr lang="zh-CN" altLang="en-US" sz="1200">
+              <a:solidFill>
+                <a:sysClr val="windowText" lastClr="000000"/>
+              </a:solidFill>
+              <a:latin typeface="Quicksand Light" panose="00000400000000000000" pitchFamily="2" charset="0"/>
+              <a:ea typeface="仿宋" panose="02010609060101010101" pitchFamily="49" charset="-122"/>
+            </a:endParaRPr>
+          </a:p>
+        </p:txBody>
+      </p:sp>
+      <p:cxnSp>
+        <p:nvCxnSpPr>
+          <p:cNvPr id="22" name="连接符: 曲线 21">
+            <a:extLst>
+              <a:ext uri="{FF2B5EF4-FFF2-40B4-BE49-F238E27FC236}">
+                <a16:creationId xmlns:a16="http://schemas.microsoft.com/office/drawing/2014/main" id="{D99A8B47-6D7E-2EA4-8359-4BD4F43E0B70}"/>
+              </a:ext>
+            </a:extLst>
+          </p:cNvPr>
+          <p:cNvCxnSpPr>
+            <a:cxnSpLocks/>
+            <a:stCxn id="9" idx="3"/>
+            <a:endCxn id="7" idx="1"/>
+          </p:cNvCxnSpPr>
+          <p:nvPr/>
+        </p:nvCxnSpPr>
+        <p:spPr>
+          <a:xfrm>
+            <a:off x="5474575" y="3274613"/>
+            <a:ext cx="332126" cy="1271351"/>
+          </a:xfrm>
+          <a:prstGeom prst="curvedConnector3">
+            <a:avLst>
+              <a:gd name="adj1" fmla="val 50000"/>
+            </a:avLst>
+          </a:prstGeom>
+          <a:ln>
+            <a:solidFill>
+              <a:srgbClr val="EB3B5A"/>
+            </a:solidFill>
+          </a:ln>
+        </p:spPr>
+        <p:style>
+          <a:lnRef idx="1">
+            <a:schemeClr val="accent1"/>
+          </a:lnRef>
+          <a:fillRef idx="0">
+            <a:schemeClr val="accent1"/>
+          </a:fillRef>
+          <a:effectRef idx="0">
+            <a:schemeClr val="accent1"/>
+          </a:effectRef>
+          <a:fontRef idx="minor">
+            <a:schemeClr val="tx1"/>
+          </a:fontRef>
+        </p:style>
+      </p:cxnSp>
+      <p:cxnSp>
+        <p:nvCxnSpPr>
+          <p:cNvPr id="26" name="连接符: 曲线 25">
+            <a:extLst>
+              <a:ext uri="{FF2B5EF4-FFF2-40B4-BE49-F238E27FC236}">
+                <a16:creationId xmlns:a16="http://schemas.microsoft.com/office/drawing/2014/main" id="{46C1E541-71B5-21B2-7273-4EAC0DC70F03}"/>
+              </a:ext>
+            </a:extLst>
+          </p:cNvPr>
+          <p:cNvCxnSpPr>
+            <a:cxnSpLocks/>
+            <a:stCxn id="8" idx="1"/>
+            <a:endCxn id="2" idx="3"/>
+          </p:cNvCxnSpPr>
+          <p:nvPr/>
+        </p:nvCxnSpPr>
+        <p:spPr>
+          <a:xfrm rot="10800000">
+            <a:off x="4062449" y="3274613"/>
+            <a:ext cx="332126" cy="1147136"/>
+          </a:xfrm>
+          <a:prstGeom prst="curvedConnector3">
+            <a:avLst>
+              <a:gd name="adj1" fmla="val 50000"/>
+            </a:avLst>
+          </a:prstGeom>
+          <a:ln>
+            <a:solidFill>
+              <a:srgbClr val="3DC1D3"/>
+            </a:solidFill>
+          </a:ln>
+        </p:spPr>
+        <p:style>
+          <a:lnRef idx="1">
+            <a:schemeClr val="accent1"/>
+          </a:lnRef>
+          <a:fillRef idx="0">
+            <a:schemeClr val="accent1"/>
+          </a:fillRef>
+          <a:effectRef idx="0">
+            <a:schemeClr val="accent1"/>
+          </a:effectRef>
+          <a:fontRef idx="minor">
+            <a:schemeClr val="tx1"/>
+          </a:fontRef>
+        </p:style>
+      </p:cxnSp>
+      <p:sp>
+        <p:nvSpPr>
+          <p:cNvPr id="31" name="矩形: 圆角 30">
+            <a:extLst>
+              <a:ext uri="{FF2B5EF4-FFF2-40B4-BE49-F238E27FC236}">
+                <a16:creationId xmlns:a16="http://schemas.microsoft.com/office/drawing/2014/main" id="{E8C9255D-9B6B-1495-9667-75E062A30160}"/>
+              </a:ext>
+            </a:extLst>
+          </p:cNvPr>
+          <p:cNvSpPr/>
+          <p:nvPr/>
+        </p:nvSpPr>
+        <p:spPr>
+          <a:xfrm>
+            <a:off x="4394575" y="5388885"/>
+            <a:ext cx="1080000" cy="360000"/>
+          </a:xfrm>
+          <a:prstGeom prst="roundRect">
+            <a:avLst/>
+          </a:prstGeom>
+          <a:solidFill>
+            <a:schemeClr val="accent6">
+              <a:lumMod val="60000"/>
+              <a:lumOff val="40000"/>
+            </a:schemeClr>
+          </a:solidFill>
+          <a:ln w="12700">
+            <a:noFill/>
+          </a:ln>
+        </p:spPr>
+        <p:style>
+          <a:lnRef idx="2">
+            <a:schemeClr val="accent1">
+              <a:shade val="15000"/>
+            </a:schemeClr>
+          </a:lnRef>
+          <a:fillRef idx="1">
+            <a:schemeClr val="accent1"/>
+          </a:fillRef>
+          <a:effectRef idx="0">
+            <a:schemeClr val="accent1"/>
+          </a:effectRef>
+          <a:fontRef idx="minor">
+            <a:schemeClr val="lt1"/>
+          </a:fontRef>
+        </p:style>
+        <p:txBody>
+          <a:bodyPr rtlCol="0" anchor="ctr"/>
+          <a:lstStyle/>
+          <a:p>
+            <a:pPr algn="ctr"/>
+            <a:r>
+              <a:rPr lang="zh-CN" altLang="en-US" sz="1200">
+                <a:latin typeface="Quicksand Light" panose="00000400000000000000" pitchFamily="2" charset="0"/>
+                <a:ea typeface="仿宋" panose="02010609060101010101" pitchFamily="49" charset="-122"/>
+              </a:rPr>
+              <a:t>导航</a:t>
+            </a:r>
+          </a:p>
+        </p:txBody>
+      </p:sp>
+      <p:cxnSp>
+        <p:nvCxnSpPr>
+          <p:cNvPr id="32" name="连接符: 曲线 31">
+            <a:extLst>
+              <a:ext uri="{FF2B5EF4-FFF2-40B4-BE49-F238E27FC236}">
+                <a16:creationId xmlns:a16="http://schemas.microsoft.com/office/drawing/2014/main" id="{77355C97-960E-5F33-1A9D-C89E64984730}"/>
+              </a:ext>
+            </a:extLst>
+          </p:cNvPr>
+          <p:cNvCxnSpPr>
+            <a:cxnSpLocks/>
+            <a:stCxn id="31" idx="1"/>
+            <a:endCxn id="2" idx="3"/>
+          </p:cNvCxnSpPr>
+          <p:nvPr/>
+        </p:nvCxnSpPr>
+        <p:spPr>
+          <a:xfrm rot="10800000">
+            <a:off x="4062449" y="3274613"/>
+            <a:ext cx="332126" cy="2294272"/>
+          </a:xfrm>
+          <a:prstGeom prst="curvedConnector3">
+            <a:avLst>
+              <a:gd name="adj1" fmla="val 50000"/>
+            </a:avLst>
+          </a:prstGeom>
+          <a:ln>
+            <a:solidFill>
+              <a:srgbClr val="A9D18E"/>
+            </a:solidFill>
+          </a:ln>
+        </p:spPr>
+        <p:style>
+          <a:lnRef idx="1">
+            <a:schemeClr val="accent1"/>
+          </a:lnRef>
+          <a:fillRef idx="0">
+            <a:schemeClr val="accent1"/>
+          </a:fillRef>
+          <a:effectRef idx="0">
+            <a:schemeClr val="accent1"/>
+          </a:effectRef>
+          <a:fontRef idx="minor">
+            <a:schemeClr val="tx1"/>
+          </a:fontRef>
+        </p:style>
+      </p:cxnSp>
+      <p:sp>
+        <p:nvSpPr>
+          <p:cNvPr id="4" name="矩形: 圆角 3">
+            <a:extLst>
+              <a:ext uri="{FF2B5EF4-FFF2-40B4-BE49-F238E27FC236}">
+                <a16:creationId xmlns:a16="http://schemas.microsoft.com/office/drawing/2014/main" id="{F804F753-E482-E059-B0E0-437F4CB1E50C}"/>
+              </a:ext>
+            </a:extLst>
+          </p:cNvPr>
+          <p:cNvSpPr/>
+          <p:nvPr/>
+        </p:nvSpPr>
+        <p:spPr>
+          <a:xfrm>
+            <a:off x="5806701" y="5164768"/>
+            <a:ext cx="1620000" cy="360000"/>
+          </a:xfrm>
+          <a:prstGeom prst="roundRect">
+            <a:avLst/>
+          </a:prstGeom>
+          <a:noFill/>
+          <a:ln w="12700">
+            <a:solidFill>
+              <a:schemeClr val="accent6">
+                <a:lumMod val="60000"/>
+                <a:lumOff val="40000"/>
+              </a:schemeClr>
+            </a:solidFill>
+          </a:ln>
+        </p:spPr>
+        <p:style>
+          <a:lnRef idx="2">
+            <a:schemeClr val="accent1">
+              <a:shade val="15000"/>
+            </a:schemeClr>
+          </a:lnRef>
+          <a:fillRef idx="1">
+            <a:schemeClr val="accent1"/>
+          </a:fillRef>
+          <a:effectRef idx="0">
+            <a:schemeClr val="accent1"/>
+          </a:effectRef>
+          <a:fontRef idx="minor">
+            <a:schemeClr val="lt1"/>
+          </a:fontRef>
+        </p:style>
+        <p:txBody>
+          <a:bodyPr rtlCol="0" anchor="ctr"/>
+          <a:lstStyle/>
+          <a:p>
+            <a:pPr algn="ctr"/>
+            <a:r>
+              <a:rPr lang="zh-CN" altLang="en-US" sz="1200">
+                <a:solidFill>
+                  <a:sysClr val="windowText" lastClr="000000"/>
+                </a:solidFill>
+                <a:latin typeface="Quicksand Light" panose="00000400000000000000" pitchFamily="2" charset="0"/>
+                <a:ea typeface="仿宋" panose="02010609060101010101" pitchFamily="49" charset="-122"/>
+              </a:rPr>
+              <a:t>一个滚动视图</a:t>
+            </a:r>
+          </a:p>
+        </p:txBody>
+      </p:sp>
+      <p:sp>
+        <p:nvSpPr>
+          <p:cNvPr id="5" name="矩形: 圆角 4">
+            <a:extLst>
+              <a:ext uri="{FF2B5EF4-FFF2-40B4-BE49-F238E27FC236}">
+                <a16:creationId xmlns:a16="http://schemas.microsoft.com/office/drawing/2014/main" id="{2F218F90-1527-32EF-A4D6-D219CF5B8F16}"/>
+              </a:ext>
+            </a:extLst>
+          </p:cNvPr>
+          <p:cNvSpPr/>
+          <p:nvPr/>
+        </p:nvSpPr>
+        <p:spPr>
+          <a:xfrm>
+            <a:off x="5806701" y="5613003"/>
+            <a:ext cx="1620000" cy="360000"/>
+          </a:xfrm>
+          <a:prstGeom prst="roundRect">
+            <a:avLst/>
+          </a:prstGeom>
+          <a:noFill/>
+          <a:ln w="12700">
+            <a:solidFill>
+              <a:schemeClr val="accent6">
+                <a:lumMod val="60000"/>
+                <a:lumOff val="40000"/>
+              </a:schemeClr>
+            </a:solidFill>
+            <a:prstDash val="dash"/>
+          </a:ln>
+        </p:spPr>
+        <p:style>
+          <a:lnRef idx="2">
+            <a:schemeClr val="accent1">
+              <a:shade val="15000"/>
+            </a:schemeClr>
+          </a:lnRef>
+          <a:fillRef idx="1">
+            <a:schemeClr val="accent1"/>
+          </a:fillRef>
+          <a:effectRef idx="0">
+            <a:schemeClr val="accent1"/>
+          </a:effectRef>
+          <a:fontRef idx="minor">
+            <a:schemeClr val="lt1"/>
+          </a:fontRef>
+        </p:style>
+        <p:txBody>
+          <a:bodyPr rtlCol="0" anchor="ctr"/>
+          <a:lstStyle/>
+          <a:p>
+            <a:pPr algn="ctr"/>
+            <a:r>
+              <a:rPr lang="zh-CN" altLang="en-US" sz="1200">
+                <a:solidFill>
+                  <a:sysClr val="windowText" lastClr="000000"/>
+                </a:solidFill>
+                <a:latin typeface="Quicksand Light" panose="00000400000000000000" pitchFamily="2" charset="0"/>
+                <a:ea typeface="仿宋" panose="02010609060101010101" pitchFamily="49" charset="-122"/>
+              </a:rPr>
+              <a:t>二个滚动视图</a:t>
+            </a:r>
+          </a:p>
+        </p:txBody>
+      </p:sp>
+      <p:cxnSp>
+        <p:nvCxnSpPr>
+          <p:cNvPr id="6" name="连接符: 曲线 5">
+            <a:extLst>
+              <a:ext uri="{FF2B5EF4-FFF2-40B4-BE49-F238E27FC236}">
+                <a16:creationId xmlns:a16="http://schemas.microsoft.com/office/drawing/2014/main" id="{A07E7128-4DE2-E2DD-961D-C1575C1BBE3A}"/>
+              </a:ext>
+            </a:extLst>
+          </p:cNvPr>
+          <p:cNvCxnSpPr>
+            <a:cxnSpLocks/>
+            <a:stCxn id="31" idx="3"/>
+            <a:endCxn id="4" idx="1"/>
+          </p:cNvCxnSpPr>
+          <p:nvPr/>
+        </p:nvCxnSpPr>
+        <p:spPr>
+          <a:xfrm flipV="1">
+            <a:off x="5474575" y="5344768"/>
+            <a:ext cx="332126" cy="224117"/>
+          </a:xfrm>
+          <a:prstGeom prst="curvedConnector3">
+            <a:avLst>
+              <a:gd name="adj1" fmla="val 50000"/>
+            </a:avLst>
+          </a:prstGeom>
+          <a:ln>
+            <a:solidFill>
+              <a:schemeClr val="accent6">
+                <a:lumMod val="60000"/>
+                <a:lumOff val="40000"/>
+              </a:schemeClr>
+            </a:solidFill>
+          </a:ln>
+        </p:spPr>
+        <p:style>
+          <a:lnRef idx="1">
+            <a:schemeClr val="accent1"/>
+          </a:lnRef>
+          <a:fillRef idx="0">
+            <a:schemeClr val="accent1"/>
+          </a:fillRef>
+          <a:effectRef idx="0">
+            <a:schemeClr val="accent1"/>
+          </a:effectRef>
+          <a:fontRef idx="minor">
+            <a:schemeClr val="tx1"/>
+          </a:fontRef>
+        </p:style>
+      </p:cxnSp>
+      <p:cxnSp>
+        <p:nvCxnSpPr>
+          <p:cNvPr id="12" name="连接符: 曲线 11">
+            <a:extLst>
+              <a:ext uri="{FF2B5EF4-FFF2-40B4-BE49-F238E27FC236}">
+                <a16:creationId xmlns:a16="http://schemas.microsoft.com/office/drawing/2014/main" id="{5FD7AEAF-CD97-C450-BBC1-2641DC43007D}"/>
+              </a:ext>
+            </a:extLst>
+          </p:cNvPr>
+          <p:cNvCxnSpPr>
+            <a:cxnSpLocks/>
+            <a:stCxn id="31" idx="3"/>
+            <a:endCxn id="5" idx="1"/>
+          </p:cNvCxnSpPr>
+          <p:nvPr/>
+        </p:nvCxnSpPr>
+        <p:spPr>
+          <a:xfrm>
+            <a:off x="5474575" y="5568885"/>
+            <a:ext cx="332126" cy="224118"/>
+          </a:xfrm>
+          <a:prstGeom prst="curvedConnector3">
+            <a:avLst>
+              <a:gd name="adj1" fmla="val 50000"/>
+            </a:avLst>
+          </a:prstGeom>
+          <a:ln>
+            <a:solidFill>
+              <a:schemeClr val="accent6">
+                <a:lumMod val="60000"/>
+                <a:lumOff val="40000"/>
+              </a:schemeClr>
+            </a:solidFill>
+          </a:ln>
+        </p:spPr>
+        <p:style>
+          <a:lnRef idx="1">
+            <a:schemeClr val="accent1"/>
+          </a:lnRef>
+          <a:fillRef idx="0">
+            <a:schemeClr val="accent1"/>
+          </a:fillRef>
+          <a:effectRef idx="0">
+            <a:schemeClr val="accent1"/>
+          </a:effectRef>
+          <a:fontRef idx="minor">
+            <a:schemeClr val="tx1"/>
+          </a:fontRef>
+        </p:style>
+      </p:cxnSp>
+      <p:sp>
+        <p:nvSpPr>
+          <p:cNvPr id="7" name="矩形: 圆角 6">
+            <a:extLst>
+              <a:ext uri="{FF2B5EF4-FFF2-40B4-BE49-F238E27FC236}">
+                <a16:creationId xmlns:a16="http://schemas.microsoft.com/office/drawing/2014/main" id="{383E7043-36AC-CBD4-DF24-A727B7D0B0BD}"/>
+              </a:ext>
+            </a:extLst>
+          </p:cNvPr>
+          <p:cNvSpPr/>
+          <p:nvPr/>
+        </p:nvSpPr>
+        <p:spPr>
+          <a:xfrm>
+            <a:off x="5806701" y="4365964"/>
+            <a:ext cx="1620000" cy="360000"/>
+          </a:xfrm>
+          <a:prstGeom prst="roundRect">
+            <a:avLst/>
+          </a:prstGeom>
+          <a:noFill/>
+          <a:ln w="12700">
+            <a:solidFill>
+              <a:schemeClr val="bg1">
+                <a:lumMod val="50000"/>
+              </a:schemeClr>
+            </a:solidFill>
+            <a:prstDash val="dash"/>
+          </a:ln>
+        </p:spPr>
+        <p:style>
+          <a:lnRef idx="2">
+            <a:schemeClr val="accent1">
+              <a:shade val="15000"/>
+            </a:schemeClr>
+          </a:lnRef>
+          <a:fillRef idx="1">
+            <a:schemeClr val="accent1"/>
+          </a:fillRef>
+          <a:effectRef idx="0">
+            <a:schemeClr val="accent1"/>
+          </a:effectRef>
+          <a:fontRef idx="minor">
+            <a:schemeClr val="lt1"/>
+          </a:fontRef>
+        </p:style>
+        <p:txBody>
+          <a:bodyPr rtlCol="0" anchor="ctr"/>
+          <a:lstStyle/>
+          <a:p>
+            <a:pPr algn="ctr"/>
+            <a:r>
+              <a:rPr lang="zh-CN" altLang="en-US" sz="1200">
+                <a:solidFill>
+                  <a:sysClr val="windowText" lastClr="000000"/>
+                </a:solidFill>
+                <a:latin typeface="Quicksand Light" panose="00000400000000000000" pitchFamily="2" charset="0"/>
+                <a:ea typeface="仿宋" panose="02010609060101010101" pitchFamily="49" charset="-122"/>
               </a:rPr>
               <a:t>浮动 </a:t>
             </a:r>
@@ -19995,6 +21022,7 @@
                   <a:sysClr val="windowText" lastClr="000000"/>
                 </a:solidFill>
                 <a:latin typeface="Quicksand Light" panose="00000400000000000000" pitchFamily="2" charset="0"/>
+                <a:ea typeface="仿宋" panose="02010609060101010101" pitchFamily="49" charset="-122"/>
               </a:rPr>
               <a:t>float</a:t>
             </a:r>
@@ -20003,936 +21031,11 @@
                 <a:sysClr val="windowText" lastClr="000000"/>
               </a:solidFill>
               <a:latin typeface="Quicksand Light" panose="00000400000000000000" pitchFamily="2" charset="0"/>
+              <a:ea typeface="仿宋" panose="02010609060101010101" pitchFamily="49" charset="-122"/>
             </a:endParaRPr>
           </a:p>
         </p:txBody>
       </p:sp>
-      <p:sp>
-        <p:nvSpPr>
-          <p:cNvPr id="8" name="矩形: 圆角 7">
-            <a:extLst>
-              <a:ext uri="{FF2B5EF4-FFF2-40B4-BE49-F238E27FC236}">
-                <a16:creationId xmlns:a16="http://schemas.microsoft.com/office/drawing/2014/main" id="{06699B4A-F636-A7C1-FB1E-69E3110ACB30}"/>
-              </a:ext>
-            </a:extLst>
-          </p:cNvPr>
-          <p:cNvSpPr/>
-          <p:nvPr/>
-        </p:nvSpPr>
-        <p:spPr>
-          <a:xfrm>
-            <a:off x="4394575" y="3950396"/>
-            <a:ext cx="1080000" cy="360000"/>
-          </a:xfrm>
-          <a:prstGeom prst="roundRect">
-            <a:avLst/>
-          </a:prstGeom>
-          <a:solidFill>
-            <a:srgbClr val="3DC1D3"/>
-          </a:solidFill>
-          <a:ln w="12700">
-            <a:noFill/>
-          </a:ln>
-        </p:spPr>
-        <p:style>
-          <a:lnRef idx="2">
-            <a:schemeClr val="accent1">
-              <a:shade val="15000"/>
-            </a:schemeClr>
-          </a:lnRef>
-          <a:fillRef idx="1">
-            <a:schemeClr val="accent1"/>
-          </a:fillRef>
-          <a:effectRef idx="0">
-            <a:schemeClr val="accent1"/>
-          </a:effectRef>
-          <a:fontRef idx="minor">
-            <a:schemeClr val="lt1"/>
-          </a:fontRef>
-        </p:style>
-        <p:txBody>
-          <a:bodyPr rtlCol="0" anchor="ctr"/>
-          <a:lstStyle/>
-          <a:p>
-            <a:pPr algn="ctr"/>
-            <a:r>
-              <a:rPr lang="zh-CN" altLang="en-US" sz="1200">
-                <a:latin typeface="Quicksand Light" panose="00000400000000000000" pitchFamily="2" charset="0"/>
-              </a:rPr>
-              <a:t>垂直滚动</a:t>
-            </a:r>
-          </a:p>
-        </p:txBody>
-      </p:sp>
-      <p:sp>
-        <p:nvSpPr>
-          <p:cNvPr id="9" name="矩形: 圆角 8">
-            <a:extLst>
-              <a:ext uri="{FF2B5EF4-FFF2-40B4-BE49-F238E27FC236}">
-                <a16:creationId xmlns:a16="http://schemas.microsoft.com/office/drawing/2014/main" id="{63EC0026-3C9E-C410-1B1D-25D54ACB2F10}"/>
-              </a:ext>
-            </a:extLst>
-          </p:cNvPr>
-          <p:cNvSpPr/>
-          <p:nvPr/>
-        </p:nvSpPr>
-        <p:spPr>
-          <a:xfrm>
-            <a:off x="4394575" y="3094613"/>
-            <a:ext cx="1080000" cy="360000"/>
-          </a:xfrm>
-          <a:prstGeom prst="roundRect">
-            <a:avLst/>
-          </a:prstGeom>
-          <a:solidFill>
-            <a:srgbClr val="EB3B5A"/>
-          </a:solidFill>
-          <a:ln w="12700">
-            <a:noFill/>
-          </a:ln>
-        </p:spPr>
-        <p:style>
-          <a:lnRef idx="2">
-            <a:schemeClr val="accent1">
-              <a:shade val="15000"/>
-            </a:schemeClr>
-          </a:lnRef>
-          <a:fillRef idx="1">
-            <a:schemeClr val="accent1"/>
-          </a:fillRef>
-          <a:effectRef idx="0">
-            <a:schemeClr val="accent1"/>
-          </a:effectRef>
-          <a:fontRef idx="minor">
-            <a:schemeClr val="lt1"/>
-          </a:fontRef>
-        </p:style>
-        <p:txBody>
-          <a:bodyPr rtlCol="0" anchor="ctr"/>
-          <a:lstStyle/>
-          <a:p>
-            <a:pPr algn="ctr"/>
-            <a:r>
-              <a:rPr lang="zh-CN" altLang="en-US" sz="1200">
-                <a:latin typeface="Quicksand Light" panose="00000400000000000000" pitchFamily="2" charset="0"/>
-              </a:rPr>
-              <a:t>水平滚动</a:t>
-            </a:r>
-          </a:p>
-        </p:txBody>
-      </p:sp>
-      <p:cxnSp>
-        <p:nvCxnSpPr>
-          <p:cNvPr id="10" name="连接符: 曲线 9">
-            <a:extLst>
-              <a:ext uri="{FF2B5EF4-FFF2-40B4-BE49-F238E27FC236}">
-                <a16:creationId xmlns:a16="http://schemas.microsoft.com/office/drawing/2014/main" id="{89376DA1-2871-7B3F-3D7E-34DF204828CA}"/>
-              </a:ext>
-            </a:extLst>
-          </p:cNvPr>
-          <p:cNvCxnSpPr>
-            <a:cxnSpLocks/>
-            <a:stCxn id="9" idx="3"/>
-            <a:endCxn id="17" idx="1"/>
-          </p:cNvCxnSpPr>
-          <p:nvPr/>
-        </p:nvCxnSpPr>
-        <p:spPr>
-          <a:xfrm flipV="1">
-            <a:off x="5474575" y="2311024"/>
-            <a:ext cx="332126" cy="963589"/>
-          </a:xfrm>
-          <a:prstGeom prst="curvedConnector3">
-            <a:avLst>
-              <a:gd name="adj1" fmla="val 50000"/>
-            </a:avLst>
-          </a:prstGeom>
-          <a:ln>
-            <a:solidFill>
-              <a:srgbClr val="EB3B5A"/>
-            </a:solidFill>
-          </a:ln>
-        </p:spPr>
-        <p:style>
-          <a:lnRef idx="1">
-            <a:schemeClr val="accent1"/>
-          </a:lnRef>
-          <a:fillRef idx="0">
-            <a:schemeClr val="accent1"/>
-          </a:fillRef>
-          <a:effectRef idx="0">
-            <a:schemeClr val="accent1"/>
-          </a:effectRef>
-          <a:fontRef idx="minor">
-            <a:schemeClr val="tx1"/>
-          </a:fontRef>
-        </p:style>
-      </p:cxnSp>
-      <p:cxnSp>
-        <p:nvCxnSpPr>
-          <p:cNvPr id="15" name="直接连接符 14">
-            <a:extLst>
-              <a:ext uri="{FF2B5EF4-FFF2-40B4-BE49-F238E27FC236}">
-                <a16:creationId xmlns:a16="http://schemas.microsoft.com/office/drawing/2014/main" id="{B3AF8529-84E5-3299-2E12-01B446E0607B}"/>
-              </a:ext>
-            </a:extLst>
-          </p:cNvPr>
-          <p:cNvCxnSpPr>
-            <a:stCxn id="2" idx="3"/>
-            <a:endCxn id="9" idx="1"/>
-          </p:cNvCxnSpPr>
-          <p:nvPr/>
-        </p:nvCxnSpPr>
-        <p:spPr>
-          <a:xfrm>
-            <a:off x="4062449" y="3274613"/>
-            <a:ext cx="332126" cy="0"/>
-          </a:xfrm>
-          <a:prstGeom prst="line">
-            <a:avLst/>
-          </a:prstGeom>
-          <a:ln>
-            <a:solidFill>
-              <a:srgbClr val="EB3B5A"/>
-            </a:solidFill>
-          </a:ln>
-        </p:spPr>
-        <p:style>
-          <a:lnRef idx="1">
-            <a:schemeClr val="accent1"/>
-          </a:lnRef>
-          <a:fillRef idx="0">
-            <a:schemeClr val="accent1"/>
-          </a:fillRef>
-          <a:effectRef idx="0">
-            <a:schemeClr val="accent1"/>
-          </a:effectRef>
-          <a:fontRef idx="minor">
-            <a:schemeClr val="tx1"/>
-          </a:fontRef>
-        </p:style>
-      </p:cxnSp>
-      <p:sp>
-        <p:nvSpPr>
-          <p:cNvPr id="16" name="矩形: 圆角 15">
-            <a:extLst>
-              <a:ext uri="{FF2B5EF4-FFF2-40B4-BE49-F238E27FC236}">
-                <a16:creationId xmlns:a16="http://schemas.microsoft.com/office/drawing/2014/main" id="{FA81A049-32C6-0464-CB2F-FE666FC0CCAF}"/>
-              </a:ext>
-            </a:extLst>
-          </p:cNvPr>
-          <p:cNvSpPr/>
-          <p:nvPr/>
-        </p:nvSpPr>
-        <p:spPr>
-          <a:xfrm>
-            <a:off x="5806701" y="2619251"/>
-            <a:ext cx="1620000" cy="360000"/>
-          </a:xfrm>
-          <a:prstGeom prst="roundRect">
-            <a:avLst/>
-          </a:prstGeom>
-          <a:noFill/>
-          <a:ln w="12700">
-            <a:solidFill>
-              <a:srgbClr val="EB3B5A"/>
-            </a:solidFill>
-          </a:ln>
-        </p:spPr>
-        <p:style>
-          <a:lnRef idx="2">
-            <a:schemeClr val="accent1">
-              <a:shade val="15000"/>
-            </a:schemeClr>
-          </a:lnRef>
-          <a:fillRef idx="1">
-            <a:schemeClr val="accent1"/>
-          </a:fillRef>
-          <a:effectRef idx="0">
-            <a:schemeClr val="accent1"/>
-          </a:effectRef>
-          <a:fontRef idx="minor">
-            <a:schemeClr val="lt1"/>
-          </a:fontRef>
-        </p:style>
-        <p:txBody>
-          <a:bodyPr rtlCol="0" anchor="ctr"/>
-          <a:lstStyle/>
-          <a:p>
-            <a:pPr algn="ctr"/>
-            <a:r>
-              <a:rPr lang="zh-CN" altLang="en-US" sz="1200">
-                <a:solidFill>
-                  <a:sysClr val="windowText" lastClr="000000"/>
-                </a:solidFill>
-                <a:latin typeface="Quicksand Light" panose="00000400000000000000" pitchFamily="2" charset="0"/>
-              </a:rPr>
-              <a:t>容器 </a:t>
-            </a:r>
-            <a:r>
-              <a:rPr lang="en-US" altLang="zh-CN" sz="1200">
-                <a:solidFill>
-                  <a:sysClr val="windowText" lastClr="000000"/>
-                </a:solidFill>
-                <a:latin typeface="Quicksand Light" panose="00000400000000000000" pitchFamily="2" charset="0"/>
-              </a:rPr>
-              <a:t>wrap</a:t>
-            </a:r>
-            <a:endParaRPr lang="zh-CN" altLang="en-US" sz="1200">
-              <a:solidFill>
-                <a:sysClr val="windowText" lastClr="000000"/>
-              </a:solidFill>
-              <a:latin typeface="Quicksand Light" panose="00000400000000000000" pitchFamily="2" charset="0"/>
-            </a:endParaRPr>
-          </a:p>
-        </p:txBody>
-      </p:sp>
-      <p:sp>
-        <p:nvSpPr>
-          <p:cNvPr id="17" name="矩形: 圆角 16">
-            <a:extLst>
-              <a:ext uri="{FF2B5EF4-FFF2-40B4-BE49-F238E27FC236}">
-                <a16:creationId xmlns:a16="http://schemas.microsoft.com/office/drawing/2014/main" id="{DF07C0A6-7F4B-674A-E488-85EB77ABE14F}"/>
-              </a:ext>
-            </a:extLst>
-          </p:cNvPr>
-          <p:cNvSpPr/>
-          <p:nvPr/>
-        </p:nvSpPr>
-        <p:spPr>
-          <a:xfrm>
-            <a:off x="5806701" y="2131024"/>
-            <a:ext cx="1620000" cy="360000"/>
-          </a:xfrm>
-          <a:prstGeom prst="roundRect">
-            <a:avLst/>
-          </a:prstGeom>
-          <a:noFill/>
-          <a:ln w="12700">
-            <a:solidFill>
-              <a:srgbClr val="EB3B5A"/>
-            </a:solidFill>
-          </a:ln>
-        </p:spPr>
-        <p:style>
-          <a:lnRef idx="2">
-            <a:schemeClr val="accent1">
-              <a:shade val="15000"/>
-            </a:schemeClr>
-          </a:lnRef>
-          <a:fillRef idx="1">
-            <a:schemeClr val="accent1"/>
-          </a:fillRef>
-          <a:effectRef idx="0">
-            <a:schemeClr val="accent1"/>
-          </a:effectRef>
-          <a:fontRef idx="minor">
-            <a:schemeClr val="lt1"/>
-          </a:fontRef>
-        </p:style>
-        <p:txBody>
-          <a:bodyPr rtlCol="0" anchor="ctr"/>
-          <a:lstStyle/>
-          <a:p>
-            <a:pPr algn="ctr"/>
-            <a:r>
-              <a:rPr lang="en-US" altLang="zh-CN" sz="1200">
-                <a:solidFill>
-                  <a:sysClr val="windowText" lastClr="000000"/>
-                </a:solidFill>
-                <a:latin typeface="Quicksand Light" panose="00000400000000000000" pitchFamily="2" charset="0"/>
-              </a:rPr>
-              <a:t>enable-flex</a:t>
-            </a:r>
-            <a:endParaRPr lang="zh-CN" altLang="en-US" sz="1200">
-              <a:solidFill>
-                <a:sysClr val="windowText" lastClr="000000"/>
-              </a:solidFill>
-              <a:latin typeface="Quicksand Light" panose="00000400000000000000" pitchFamily="2" charset="0"/>
-            </a:endParaRPr>
-          </a:p>
-        </p:txBody>
-      </p:sp>
-      <p:sp>
-        <p:nvSpPr>
-          <p:cNvPr id="18" name="矩形: 圆角 17">
-            <a:extLst>
-              <a:ext uri="{FF2B5EF4-FFF2-40B4-BE49-F238E27FC236}">
-                <a16:creationId xmlns:a16="http://schemas.microsoft.com/office/drawing/2014/main" id="{79DE23DA-ADA0-B751-DD89-7669F999E79D}"/>
-              </a:ext>
-            </a:extLst>
-          </p:cNvPr>
-          <p:cNvSpPr/>
-          <p:nvPr/>
-        </p:nvSpPr>
-        <p:spPr>
-          <a:xfrm>
-            <a:off x="5806701" y="3595705"/>
-            <a:ext cx="1620000" cy="360000"/>
-          </a:xfrm>
-          <a:prstGeom prst="roundRect">
-            <a:avLst/>
-          </a:prstGeom>
-          <a:noFill/>
-          <a:ln w="12700">
-            <a:solidFill>
-              <a:srgbClr val="EB3B5A"/>
-            </a:solidFill>
-            <a:prstDash val="dash"/>
-          </a:ln>
-        </p:spPr>
-        <p:style>
-          <a:lnRef idx="2">
-            <a:schemeClr val="accent1">
-              <a:shade val="15000"/>
-            </a:schemeClr>
-          </a:lnRef>
-          <a:fillRef idx="1">
-            <a:schemeClr val="accent1"/>
-          </a:fillRef>
-          <a:effectRef idx="0">
-            <a:schemeClr val="accent1"/>
-          </a:effectRef>
-          <a:fontRef idx="minor">
-            <a:schemeClr val="lt1"/>
-          </a:fontRef>
-        </p:style>
-        <p:txBody>
-          <a:bodyPr rtlCol="0" anchor="ctr"/>
-          <a:lstStyle/>
-          <a:p>
-            <a:pPr algn="ctr"/>
-            <a:r>
-              <a:rPr lang="zh-CN" altLang="en-US" sz="1200">
-                <a:solidFill>
-                  <a:sysClr val="windowText" lastClr="000000"/>
-                </a:solidFill>
-                <a:latin typeface="Quicksand Light" panose="00000400000000000000" pitchFamily="2" charset="0"/>
-              </a:rPr>
-              <a:t>行内 </a:t>
-            </a:r>
-            <a:r>
-              <a:rPr lang="en-US" altLang="zh-CN" sz="1200">
-                <a:solidFill>
-                  <a:sysClr val="windowText" lastClr="000000"/>
-                </a:solidFill>
-                <a:latin typeface="Quicksand Light" panose="00000400000000000000" pitchFamily="2" charset="0"/>
-              </a:rPr>
-              <a:t>inline</a:t>
-            </a:r>
-            <a:endParaRPr lang="zh-CN" altLang="en-US" sz="1200">
-              <a:solidFill>
-                <a:sysClr val="windowText" lastClr="000000"/>
-              </a:solidFill>
-              <a:latin typeface="Quicksand Light" panose="00000400000000000000" pitchFamily="2" charset="0"/>
-            </a:endParaRPr>
-          </a:p>
-        </p:txBody>
-      </p:sp>
-      <p:sp>
-        <p:nvSpPr>
-          <p:cNvPr id="19" name="矩形: 圆角 18">
-            <a:extLst>
-              <a:ext uri="{FF2B5EF4-FFF2-40B4-BE49-F238E27FC236}">
-                <a16:creationId xmlns:a16="http://schemas.microsoft.com/office/drawing/2014/main" id="{03E4ED18-20DE-9A2D-F3D6-31F089C7D92C}"/>
-              </a:ext>
-            </a:extLst>
-          </p:cNvPr>
-          <p:cNvSpPr/>
-          <p:nvPr/>
-        </p:nvSpPr>
-        <p:spPr>
-          <a:xfrm>
-            <a:off x="5806701" y="4083932"/>
-            <a:ext cx="1620000" cy="360000"/>
-          </a:xfrm>
-          <a:prstGeom prst="roundRect">
-            <a:avLst/>
-          </a:prstGeom>
-          <a:noFill/>
-          <a:ln w="12700">
-            <a:solidFill>
-              <a:srgbClr val="EB3B5A"/>
-            </a:solidFill>
-            <a:prstDash val="dash"/>
-          </a:ln>
-        </p:spPr>
-        <p:style>
-          <a:lnRef idx="2">
-            <a:schemeClr val="accent1">
-              <a:shade val="15000"/>
-            </a:schemeClr>
-          </a:lnRef>
-          <a:fillRef idx="1">
-            <a:schemeClr val="accent1"/>
-          </a:fillRef>
-          <a:effectRef idx="0">
-            <a:schemeClr val="accent1"/>
-          </a:effectRef>
-          <a:fontRef idx="minor">
-            <a:schemeClr val="lt1"/>
-          </a:fontRef>
-        </p:style>
-        <p:txBody>
-          <a:bodyPr rtlCol="0" anchor="ctr"/>
-          <a:lstStyle/>
-          <a:p>
-            <a:pPr algn="ctr"/>
-            <a:r>
-              <a:rPr lang="zh-CN" altLang="en-US" sz="1200">
-                <a:solidFill>
-                  <a:sysClr val="windowText" lastClr="000000"/>
-                </a:solidFill>
-                <a:latin typeface="Quicksand Light" panose="00000400000000000000" pitchFamily="2" charset="0"/>
-              </a:rPr>
-              <a:t>行内块 </a:t>
-            </a:r>
-            <a:r>
-              <a:rPr lang="en-US" altLang="zh-CN" sz="1200">
-                <a:solidFill>
-                  <a:sysClr val="windowText" lastClr="000000"/>
-                </a:solidFill>
-                <a:latin typeface="Quicksand Light" panose="00000400000000000000" pitchFamily="2" charset="0"/>
-              </a:rPr>
-              <a:t>inline-block</a:t>
-            </a:r>
-            <a:endParaRPr lang="zh-CN" altLang="en-US" sz="1200">
-              <a:solidFill>
-                <a:sysClr val="windowText" lastClr="000000"/>
-              </a:solidFill>
-              <a:latin typeface="Quicksand Light" panose="00000400000000000000" pitchFamily="2" charset="0"/>
-            </a:endParaRPr>
-          </a:p>
-        </p:txBody>
-      </p:sp>
-      <p:cxnSp>
-        <p:nvCxnSpPr>
-          <p:cNvPr id="22" name="连接符: 曲线 21">
-            <a:extLst>
-              <a:ext uri="{FF2B5EF4-FFF2-40B4-BE49-F238E27FC236}">
-                <a16:creationId xmlns:a16="http://schemas.microsoft.com/office/drawing/2014/main" id="{D99A8B47-6D7E-2EA4-8359-4BD4F43E0B70}"/>
-              </a:ext>
-            </a:extLst>
-          </p:cNvPr>
-          <p:cNvCxnSpPr>
-            <a:cxnSpLocks/>
-            <a:stCxn id="9" idx="3"/>
-            <a:endCxn id="19" idx="1"/>
-          </p:cNvCxnSpPr>
-          <p:nvPr/>
-        </p:nvCxnSpPr>
-        <p:spPr>
-          <a:xfrm>
-            <a:off x="5474575" y="3274613"/>
-            <a:ext cx="332126" cy="989319"/>
-          </a:xfrm>
-          <a:prstGeom prst="curvedConnector3">
-            <a:avLst>
-              <a:gd name="adj1" fmla="val 50000"/>
-            </a:avLst>
-          </a:prstGeom>
-          <a:ln>
-            <a:solidFill>
-              <a:srgbClr val="EB3B5A"/>
-            </a:solidFill>
-          </a:ln>
-        </p:spPr>
-        <p:style>
-          <a:lnRef idx="1">
-            <a:schemeClr val="accent1"/>
-          </a:lnRef>
-          <a:fillRef idx="0">
-            <a:schemeClr val="accent1"/>
-          </a:fillRef>
-          <a:effectRef idx="0">
-            <a:schemeClr val="accent1"/>
-          </a:effectRef>
-          <a:fontRef idx="minor">
-            <a:schemeClr val="tx1"/>
-          </a:fontRef>
-        </p:style>
-      </p:cxnSp>
-      <p:cxnSp>
-        <p:nvCxnSpPr>
-          <p:cNvPr id="26" name="连接符: 曲线 25">
-            <a:extLst>
-              <a:ext uri="{FF2B5EF4-FFF2-40B4-BE49-F238E27FC236}">
-                <a16:creationId xmlns:a16="http://schemas.microsoft.com/office/drawing/2014/main" id="{46C1E541-71B5-21B2-7273-4EAC0DC70F03}"/>
-              </a:ext>
-            </a:extLst>
-          </p:cNvPr>
-          <p:cNvCxnSpPr>
-            <a:cxnSpLocks/>
-            <a:stCxn id="8" idx="1"/>
-            <a:endCxn id="2" idx="3"/>
-          </p:cNvCxnSpPr>
-          <p:nvPr/>
-        </p:nvCxnSpPr>
-        <p:spPr>
-          <a:xfrm rot="10800000">
-            <a:off x="4062449" y="3274614"/>
-            <a:ext cx="332126" cy="855783"/>
-          </a:xfrm>
-          <a:prstGeom prst="curvedConnector3">
-            <a:avLst>
-              <a:gd name="adj1" fmla="val 50000"/>
-            </a:avLst>
-          </a:prstGeom>
-          <a:ln>
-            <a:solidFill>
-              <a:srgbClr val="3DC1D3"/>
-            </a:solidFill>
-          </a:ln>
-        </p:spPr>
-        <p:style>
-          <a:lnRef idx="1">
-            <a:schemeClr val="accent1"/>
-          </a:lnRef>
-          <a:fillRef idx="0">
-            <a:schemeClr val="accent1"/>
-          </a:fillRef>
-          <a:effectRef idx="0">
-            <a:schemeClr val="accent1"/>
-          </a:effectRef>
-          <a:fontRef idx="minor">
-            <a:schemeClr val="tx1"/>
-          </a:fontRef>
-        </p:style>
-      </p:cxnSp>
-      <p:sp>
-        <p:nvSpPr>
-          <p:cNvPr id="31" name="矩形: 圆角 30">
-            <a:extLst>
-              <a:ext uri="{FF2B5EF4-FFF2-40B4-BE49-F238E27FC236}">
-                <a16:creationId xmlns:a16="http://schemas.microsoft.com/office/drawing/2014/main" id="{E8C9255D-9B6B-1495-9667-75E062A30160}"/>
-              </a:ext>
-            </a:extLst>
-          </p:cNvPr>
-          <p:cNvSpPr/>
-          <p:nvPr/>
-        </p:nvSpPr>
-        <p:spPr>
-          <a:xfrm>
-            <a:off x="4394575" y="4806178"/>
-            <a:ext cx="1080000" cy="360000"/>
-          </a:xfrm>
-          <a:prstGeom prst="roundRect">
-            <a:avLst/>
-          </a:prstGeom>
-          <a:solidFill>
-            <a:schemeClr val="accent6">
-              <a:lumMod val="60000"/>
-              <a:lumOff val="40000"/>
-            </a:schemeClr>
-          </a:solidFill>
-          <a:ln w="12700">
-            <a:noFill/>
-          </a:ln>
-        </p:spPr>
-        <p:style>
-          <a:lnRef idx="2">
-            <a:schemeClr val="accent1">
-              <a:shade val="15000"/>
-            </a:schemeClr>
-          </a:lnRef>
-          <a:fillRef idx="1">
-            <a:schemeClr val="accent1"/>
-          </a:fillRef>
-          <a:effectRef idx="0">
-            <a:schemeClr val="accent1"/>
-          </a:effectRef>
-          <a:fontRef idx="minor">
-            <a:schemeClr val="lt1"/>
-          </a:fontRef>
-        </p:style>
-        <p:txBody>
-          <a:bodyPr rtlCol="0" anchor="ctr"/>
-          <a:lstStyle/>
-          <a:p>
-            <a:pPr algn="ctr"/>
-            <a:r>
-              <a:rPr lang="zh-CN" altLang="en-US" sz="1200">
-                <a:latin typeface="Quicksand Light" panose="00000400000000000000" pitchFamily="2" charset="0"/>
-              </a:rPr>
-              <a:t>导航</a:t>
-            </a:r>
-          </a:p>
-        </p:txBody>
-      </p:sp>
-      <p:cxnSp>
-        <p:nvCxnSpPr>
-          <p:cNvPr id="32" name="连接符: 曲线 31">
-            <a:extLst>
-              <a:ext uri="{FF2B5EF4-FFF2-40B4-BE49-F238E27FC236}">
-                <a16:creationId xmlns:a16="http://schemas.microsoft.com/office/drawing/2014/main" id="{77355C97-960E-5F33-1A9D-C89E64984730}"/>
-              </a:ext>
-            </a:extLst>
-          </p:cNvPr>
-          <p:cNvCxnSpPr>
-            <a:cxnSpLocks/>
-            <a:stCxn id="31" idx="1"/>
-            <a:endCxn id="2" idx="3"/>
-          </p:cNvCxnSpPr>
-          <p:nvPr/>
-        </p:nvCxnSpPr>
-        <p:spPr>
-          <a:xfrm rot="10800000">
-            <a:off x="4062449" y="3274614"/>
-            <a:ext cx="332126" cy="1711565"/>
-          </a:xfrm>
-          <a:prstGeom prst="curvedConnector3">
-            <a:avLst>
-              <a:gd name="adj1" fmla="val 50000"/>
-            </a:avLst>
-          </a:prstGeom>
-          <a:ln>
-            <a:solidFill>
-              <a:srgbClr val="A9D18E"/>
-            </a:solidFill>
-          </a:ln>
-        </p:spPr>
-        <p:style>
-          <a:lnRef idx="1">
-            <a:schemeClr val="accent1"/>
-          </a:lnRef>
-          <a:fillRef idx="0">
-            <a:schemeClr val="accent1"/>
-          </a:fillRef>
-          <a:effectRef idx="0">
-            <a:schemeClr val="accent1"/>
-          </a:effectRef>
-          <a:fontRef idx="minor">
-            <a:schemeClr val="tx1"/>
-          </a:fontRef>
-        </p:style>
-      </p:cxnSp>
-      <p:sp>
-        <p:nvSpPr>
-          <p:cNvPr id="4" name="矩形: 圆角 3">
-            <a:extLst>
-              <a:ext uri="{FF2B5EF4-FFF2-40B4-BE49-F238E27FC236}">
-                <a16:creationId xmlns:a16="http://schemas.microsoft.com/office/drawing/2014/main" id="{F804F753-E482-E059-B0E0-437F4CB1E50C}"/>
-              </a:ext>
-            </a:extLst>
-          </p:cNvPr>
-          <p:cNvSpPr/>
-          <p:nvPr/>
-        </p:nvSpPr>
-        <p:spPr>
-          <a:xfrm>
-            <a:off x="5806701" y="4582061"/>
-            <a:ext cx="1620000" cy="360000"/>
-          </a:xfrm>
-          <a:prstGeom prst="roundRect">
-            <a:avLst/>
-          </a:prstGeom>
-          <a:noFill/>
-          <a:ln w="12700">
-            <a:solidFill>
-              <a:schemeClr val="accent6">
-                <a:lumMod val="60000"/>
-                <a:lumOff val="40000"/>
-              </a:schemeClr>
-            </a:solidFill>
-          </a:ln>
-        </p:spPr>
-        <p:style>
-          <a:lnRef idx="2">
-            <a:schemeClr val="accent1">
-              <a:shade val="15000"/>
-            </a:schemeClr>
-          </a:lnRef>
-          <a:fillRef idx="1">
-            <a:schemeClr val="accent1"/>
-          </a:fillRef>
-          <a:effectRef idx="0">
-            <a:schemeClr val="accent1"/>
-          </a:effectRef>
-          <a:fontRef idx="minor">
-            <a:schemeClr val="lt1"/>
-          </a:fontRef>
-        </p:style>
-        <p:txBody>
-          <a:bodyPr rtlCol="0" anchor="ctr"/>
-          <a:lstStyle/>
-          <a:p>
-            <a:pPr algn="ctr"/>
-            <a:r>
-              <a:rPr lang="zh-CN" altLang="en-US" sz="1200">
-                <a:solidFill>
-                  <a:sysClr val="windowText" lastClr="000000"/>
-                </a:solidFill>
-                <a:latin typeface="Quicksand Light" panose="00000400000000000000" pitchFamily="2" charset="0"/>
-              </a:rPr>
-              <a:t>一个滚动视图</a:t>
-            </a:r>
-          </a:p>
-        </p:txBody>
-      </p:sp>
-      <p:sp>
-        <p:nvSpPr>
-          <p:cNvPr id="5" name="矩形: 圆角 4">
-            <a:extLst>
-              <a:ext uri="{FF2B5EF4-FFF2-40B4-BE49-F238E27FC236}">
-                <a16:creationId xmlns:a16="http://schemas.microsoft.com/office/drawing/2014/main" id="{2F218F90-1527-32EF-A4D6-D219CF5B8F16}"/>
-              </a:ext>
-            </a:extLst>
-          </p:cNvPr>
-          <p:cNvSpPr/>
-          <p:nvPr/>
-        </p:nvSpPr>
-        <p:spPr>
-          <a:xfrm>
-            <a:off x="5806701" y="5030296"/>
-            <a:ext cx="1620000" cy="360000"/>
-          </a:xfrm>
-          <a:prstGeom prst="roundRect">
-            <a:avLst/>
-          </a:prstGeom>
-          <a:noFill/>
-          <a:ln w="12700">
-            <a:solidFill>
-              <a:schemeClr val="accent6">
-                <a:lumMod val="60000"/>
-                <a:lumOff val="40000"/>
-              </a:schemeClr>
-            </a:solidFill>
-            <a:prstDash val="dash"/>
-          </a:ln>
-        </p:spPr>
-        <p:style>
-          <a:lnRef idx="2">
-            <a:schemeClr val="accent1">
-              <a:shade val="15000"/>
-            </a:schemeClr>
-          </a:lnRef>
-          <a:fillRef idx="1">
-            <a:schemeClr val="accent1"/>
-          </a:fillRef>
-          <a:effectRef idx="0">
-            <a:schemeClr val="accent1"/>
-          </a:effectRef>
-          <a:fontRef idx="minor">
-            <a:schemeClr val="lt1"/>
-          </a:fontRef>
-        </p:style>
-        <p:txBody>
-          <a:bodyPr rtlCol="0" anchor="ctr"/>
-          <a:lstStyle/>
-          <a:p>
-            <a:pPr algn="ctr"/>
-            <a:r>
-              <a:rPr lang="zh-CN" altLang="en-US" sz="1200">
-                <a:solidFill>
-                  <a:sysClr val="windowText" lastClr="000000"/>
-                </a:solidFill>
-                <a:latin typeface="Quicksand Light" panose="00000400000000000000" pitchFamily="2" charset="0"/>
-              </a:rPr>
-              <a:t>二个滚动视图</a:t>
-            </a:r>
-          </a:p>
-        </p:txBody>
-      </p:sp>
-      <p:cxnSp>
-        <p:nvCxnSpPr>
-          <p:cNvPr id="6" name="连接符: 曲线 5">
-            <a:extLst>
-              <a:ext uri="{FF2B5EF4-FFF2-40B4-BE49-F238E27FC236}">
-                <a16:creationId xmlns:a16="http://schemas.microsoft.com/office/drawing/2014/main" id="{A07E7128-4DE2-E2DD-961D-C1575C1BBE3A}"/>
-              </a:ext>
-            </a:extLst>
-          </p:cNvPr>
-          <p:cNvCxnSpPr>
-            <a:cxnSpLocks/>
-            <a:stCxn id="31" idx="3"/>
-            <a:endCxn id="4" idx="1"/>
-          </p:cNvCxnSpPr>
-          <p:nvPr/>
-        </p:nvCxnSpPr>
-        <p:spPr>
-          <a:xfrm flipV="1">
-            <a:off x="5474575" y="4762061"/>
-            <a:ext cx="332126" cy="224117"/>
-          </a:xfrm>
-          <a:prstGeom prst="curvedConnector3">
-            <a:avLst>
-              <a:gd name="adj1" fmla="val 50000"/>
-            </a:avLst>
-          </a:prstGeom>
-          <a:ln>
-            <a:solidFill>
-              <a:schemeClr val="accent6">
-                <a:lumMod val="60000"/>
-                <a:lumOff val="40000"/>
-              </a:schemeClr>
-            </a:solidFill>
-          </a:ln>
-        </p:spPr>
-        <p:style>
-          <a:lnRef idx="1">
-            <a:schemeClr val="accent1"/>
-          </a:lnRef>
-          <a:fillRef idx="0">
-            <a:schemeClr val="accent1"/>
-          </a:fillRef>
-          <a:effectRef idx="0">
-            <a:schemeClr val="accent1"/>
-          </a:effectRef>
-          <a:fontRef idx="minor">
-            <a:schemeClr val="tx1"/>
-          </a:fontRef>
-        </p:style>
-      </p:cxnSp>
-      <p:cxnSp>
-        <p:nvCxnSpPr>
-          <p:cNvPr id="12" name="连接符: 曲线 11">
-            <a:extLst>
-              <a:ext uri="{FF2B5EF4-FFF2-40B4-BE49-F238E27FC236}">
-                <a16:creationId xmlns:a16="http://schemas.microsoft.com/office/drawing/2014/main" id="{5FD7AEAF-CD97-C450-BBC1-2641DC43007D}"/>
-              </a:ext>
-            </a:extLst>
-          </p:cNvPr>
-          <p:cNvCxnSpPr>
-            <a:cxnSpLocks/>
-            <a:stCxn id="31" idx="3"/>
-            <a:endCxn id="5" idx="1"/>
-          </p:cNvCxnSpPr>
-          <p:nvPr/>
-        </p:nvCxnSpPr>
-        <p:spPr>
-          <a:xfrm>
-            <a:off x="5474575" y="4986178"/>
-            <a:ext cx="332126" cy="224118"/>
-          </a:xfrm>
-          <a:prstGeom prst="curvedConnector3">
-            <a:avLst>
-              <a:gd name="adj1" fmla="val 50000"/>
-            </a:avLst>
-          </a:prstGeom>
-          <a:ln>
-            <a:solidFill>
-              <a:schemeClr val="accent6">
-                <a:lumMod val="60000"/>
-                <a:lumOff val="40000"/>
-              </a:schemeClr>
-            </a:solidFill>
-          </a:ln>
-        </p:spPr>
-        <p:style>
-          <a:lnRef idx="1">
-            <a:schemeClr val="accent1"/>
-          </a:lnRef>
-          <a:fillRef idx="0">
-            <a:schemeClr val="accent1"/>
-          </a:fillRef>
-          <a:effectRef idx="0">
-            <a:schemeClr val="accent1"/>
-          </a:effectRef>
-          <a:fontRef idx="minor">
-            <a:schemeClr val="tx1"/>
-          </a:fontRef>
-        </p:style>
-      </p:cxnSp>
     </p:spTree>
     <p:extLst>
       <p:ext uri="{BB962C8B-B14F-4D97-AF65-F5344CB8AC3E}">

--- a/utils/file/charts.pptx
+++ b/utils/file/charts.pptx
@@ -19,15 +19,19 @@
     <p:sldId id="273" r:id="rId13"/>
     <p:sldId id="271" r:id="rId14"/>
     <p:sldId id="268" r:id="rId15"/>
-    <p:sldId id="274" r:id="rId16"/>
-    <p:sldId id="276" r:id="rId17"/>
-    <p:sldId id="277" r:id="rId18"/>
-    <p:sldId id="278" r:id="rId19"/>
-    <p:sldId id="279" r:id="rId20"/>
-    <p:sldId id="280" r:id="rId21"/>
-    <p:sldId id="264" r:id="rId22"/>
-    <p:sldId id="272" r:id="rId23"/>
-    <p:sldId id="256" r:id="rId24"/>
+    <p:sldId id="281" r:id="rId16"/>
+    <p:sldId id="282" r:id="rId17"/>
+    <p:sldId id="283" r:id="rId18"/>
+    <p:sldId id="284" r:id="rId19"/>
+    <p:sldId id="274" r:id="rId20"/>
+    <p:sldId id="276" r:id="rId21"/>
+    <p:sldId id="277" r:id="rId22"/>
+    <p:sldId id="278" r:id="rId23"/>
+    <p:sldId id="279" r:id="rId24"/>
+    <p:sldId id="280" r:id="rId25"/>
+    <p:sldId id="264" r:id="rId26"/>
+    <p:sldId id="272" r:id="rId27"/>
+    <p:sldId id="256" r:id="rId28"/>
   </p:sldIdLst>
   <p:sldSz cx="12192000" cy="6858000"/>
   <p:notesSz cx="6858000" cy="9144000"/>
@@ -281,7 +285,7 @@
           <a:p>
             <a:fld id="{C0F7C65B-F23F-479A-8AFF-E7E0FC962F06}" type="datetimeFigureOut">
               <a:rPr lang="zh-CN" altLang="en-US" smtClean="0"/>
-              <a:t>2025/8/28</a:t>
+              <a:t>2025/9/3</a:t>
             </a:fld>
             <a:endParaRPr lang="zh-CN" altLang="en-US"/>
           </a:p>
@@ -479,7 +483,7 @@
           <a:p>
             <a:fld id="{C0F7C65B-F23F-479A-8AFF-E7E0FC962F06}" type="datetimeFigureOut">
               <a:rPr lang="zh-CN" altLang="en-US" smtClean="0"/>
-              <a:t>2025/8/28</a:t>
+              <a:t>2025/9/3</a:t>
             </a:fld>
             <a:endParaRPr lang="zh-CN" altLang="en-US"/>
           </a:p>
@@ -687,7 +691,7 @@
           <a:p>
             <a:fld id="{C0F7C65B-F23F-479A-8AFF-E7E0FC962F06}" type="datetimeFigureOut">
               <a:rPr lang="zh-CN" altLang="en-US" smtClean="0"/>
-              <a:t>2025/8/28</a:t>
+              <a:t>2025/9/3</a:t>
             </a:fld>
             <a:endParaRPr lang="zh-CN" altLang="en-US"/>
           </a:p>
@@ -885,7 +889,7 @@
           <a:p>
             <a:fld id="{C0F7C65B-F23F-479A-8AFF-E7E0FC962F06}" type="datetimeFigureOut">
               <a:rPr lang="zh-CN" altLang="en-US" smtClean="0"/>
-              <a:t>2025/8/28</a:t>
+              <a:t>2025/9/3</a:t>
             </a:fld>
             <a:endParaRPr lang="zh-CN" altLang="en-US"/>
           </a:p>
@@ -1160,7 +1164,7 @@
           <a:p>
             <a:fld id="{C0F7C65B-F23F-479A-8AFF-E7E0FC962F06}" type="datetimeFigureOut">
               <a:rPr lang="zh-CN" altLang="en-US" smtClean="0"/>
-              <a:t>2025/8/28</a:t>
+              <a:t>2025/9/3</a:t>
             </a:fld>
             <a:endParaRPr lang="zh-CN" altLang="en-US"/>
           </a:p>
@@ -1425,7 +1429,7 @@
           <a:p>
             <a:fld id="{C0F7C65B-F23F-479A-8AFF-E7E0FC962F06}" type="datetimeFigureOut">
               <a:rPr lang="zh-CN" altLang="en-US" smtClean="0"/>
-              <a:t>2025/8/28</a:t>
+              <a:t>2025/9/3</a:t>
             </a:fld>
             <a:endParaRPr lang="zh-CN" altLang="en-US"/>
           </a:p>
@@ -1837,7 +1841,7 @@
           <a:p>
             <a:fld id="{C0F7C65B-F23F-479A-8AFF-E7E0FC962F06}" type="datetimeFigureOut">
               <a:rPr lang="zh-CN" altLang="en-US" smtClean="0"/>
-              <a:t>2025/8/28</a:t>
+              <a:t>2025/9/3</a:t>
             </a:fld>
             <a:endParaRPr lang="zh-CN" altLang="en-US"/>
           </a:p>
@@ -1978,7 +1982,7 @@
           <a:p>
             <a:fld id="{C0F7C65B-F23F-479A-8AFF-E7E0FC962F06}" type="datetimeFigureOut">
               <a:rPr lang="zh-CN" altLang="en-US" smtClean="0"/>
-              <a:t>2025/8/28</a:t>
+              <a:t>2025/9/3</a:t>
             </a:fld>
             <a:endParaRPr lang="zh-CN" altLang="en-US"/>
           </a:p>
@@ -2091,7 +2095,7 @@
           <a:p>
             <a:fld id="{C0F7C65B-F23F-479A-8AFF-E7E0FC962F06}" type="datetimeFigureOut">
               <a:rPr lang="zh-CN" altLang="en-US" smtClean="0"/>
-              <a:t>2025/8/28</a:t>
+              <a:t>2025/9/3</a:t>
             </a:fld>
             <a:endParaRPr lang="zh-CN" altLang="en-US"/>
           </a:p>
@@ -2402,7 +2406,7 @@
           <a:p>
             <a:fld id="{C0F7C65B-F23F-479A-8AFF-E7E0FC962F06}" type="datetimeFigureOut">
               <a:rPr lang="zh-CN" altLang="en-US" smtClean="0"/>
-              <a:t>2025/8/28</a:t>
+              <a:t>2025/9/3</a:t>
             </a:fld>
             <a:endParaRPr lang="zh-CN" altLang="en-US"/>
           </a:p>
@@ -2690,7 +2694,7 @@
           <a:p>
             <a:fld id="{C0F7C65B-F23F-479A-8AFF-E7E0FC962F06}" type="datetimeFigureOut">
               <a:rPr lang="zh-CN" altLang="en-US" smtClean="0"/>
-              <a:t>2025/8/28</a:t>
+              <a:t>2025/9/3</a:t>
             </a:fld>
             <a:endParaRPr lang="zh-CN" altLang="en-US"/>
           </a:p>
@@ -2931,7 +2935,7 @@
           <a:p>
             <a:fld id="{C0F7C65B-F23F-479A-8AFF-E7E0FC962F06}" type="datetimeFigureOut">
               <a:rPr lang="zh-CN" altLang="en-US" smtClean="0"/>
-              <a:t>2025/8/28</a:t>
+              <a:t>2025/9/3</a:t>
             </a:fld>
             <a:endParaRPr lang="zh-CN" altLang="en-US"/>
           </a:p>
@@ -11713,10 +11717,10 @@
       </p:grpSpPr>
       <p:sp>
         <p:nvSpPr>
-          <p:cNvPr id="2" name="Rectangle 1">
-            <a:extLst>
-              <a:ext uri="{FF2B5EF4-FFF2-40B4-BE49-F238E27FC236}">
-                <a16:creationId xmlns:a16="http://schemas.microsoft.com/office/drawing/2014/main" id="{A24F91BB-348B-06D0-B374-47FB2A5928F0}"/>
+          <p:cNvPr id="5" name="Rectangle 1">
+            <a:extLst>
+              <a:ext uri="{FF2B5EF4-FFF2-40B4-BE49-F238E27FC236}">
+                <a16:creationId xmlns:a16="http://schemas.microsoft.com/office/drawing/2014/main" id="{82F9C713-6855-4AD7-314A-2E0908DD2B4A}"/>
               </a:ext>
             </a:extLst>
           </p:cNvPr>
@@ -11726,7 +11730,7 @@
         <p:spPr>
           <a:xfrm>
             <a:off x="3757723" y="1589964"/>
-            <a:ext cx="3600000" cy="2160000"/>
+            <a:ext cx="3600000" cy="1800000"/>
           </a:xfrm>
           <a:prstGeom prst="rect">
             <a:avLst/>
@@ -11761,18 +11765,6 @@
           <a:lstStyle/>
           <a:p>
             <a:pPr algn="ctr"/>
-            <a:r>
-              <a:rPr lang="en-US" altLang="zh-CN" sz="1200">
-                <a:solidFill>
-                  <a:schemeClr val="accent6">
-                    <a:lumMod val="75000"/>
-                  </a:schemeClr>
-                </a:solidFill>
-                <a:latin typeface="Poppins" panose="00000500000000000000" pitchFamily="2" charset="0"/>
-                <a:cs typeface="Poppins" panose="00000500000000000000" pitchFamily="2" charset="0"/>
-              </a:rPr>
-              <a:t>Animation zone</a:t>
-            </a:r>
             <a:endParaRPr lang="zh-CN" altLang="en-US" sz="1200">
               <a:solidFill>
                 <a:schemeClr val="accent6">
@@ -11787,10 +11779,10 @@
       </p:sp>
       <p:sp>
         <p:nvSpPr>
-          <p:cNvPr id="3" name="Rectangle 2">
-            <a:extLst>
-              <a:ext uri="{FF2B5EF4-FFF2-40B4-BE49-F238E27FC236}">
-                <a16:creationId xmlns:a16="http://schemas.microsoft.com/office/drawing/2014/main" id="{C01DB03E-0DC7-CCD6-56FB-5BD61B31D643}"/>
+          <p:cNvPr id="7" name="Rectangle 2">
+            <a:extLst>
+              <a:ext uri="{FF2B5EF4-FFF2-40B4-BE49-F238E27FC236}">
+                <a16:creationId xmlns:a16="http://schemas.microsoft.com/office/drawing/2014/main" id="{34710F97-0B37-36DA-6BD8-9A0E3D93E29B}"/>
               </a:ext>
             </a:extLst>
           </p:cNvPr>
@@ -11800,7 +11792,7 @@
         <p:spPr>
           <a:xfrm>
             <a:off x="3757723" y="1589964"/>
-            <a:ext cx="3600000" cy="711802"/>
+            <a:ext cx="3600000" cy="360000"/>
           </a:xfrm>
           <a:prstGeom prst="rect">
             <a:avLst/>
@@ -11833,13 +11825,13 @@
           <a:lstStyle/>
           <a:p>
             <a:r>
-              <a:rPr lang="en-US" altLang="zh-CN" sz="800">
+              <a:rPr lang="en-US" altLang="zh-CN" sz="1200">
                 <a:latin typeface="Poppins" panose="00000500000000000000" pitchFamily="2" charset="0"/>
                 <a:cs typeface="Poppins" panose="00000500000000000000" pitchFamily="2" charset="0"/>
               </a:rPr>
               <a:t>start</a:t>
             </a:r>
-            <a:endParaRPr lang="zh-CN" altLang="en-US" sz="800">
+            <a:endParaRPr lang="zh-CN" altLang="en-US" sz="1200">
               <a:latin typeface="Poppins" panose="00000500000000000000" pitchFamily="2" charset="0"/>
               <a:cs typeface="Poppins" panose="00000500000000000000" pitchFamily="2" charset="0"/>
             </a:endParaRPr>
@@ -11848,10 +11840,10 @@
       </p:sp>
       <p:sp>
         <p:nvSpPr>
-          <p:cNvPr id="4" name="Rectangle 3">
-            <a:extLst>
-              <a:ext uri="{FF2B5EF4-FFF2-40B4-BE49-F238E27FC236}">
-                <a16:creationId xmlns:a16="http://schemas.microsoft.com/office/drawing/2014/main" id="{65F99D6D-D34F-E3B4-BD58-06E8A76280E8}"/>
+          <p:cNvPr id="9" name="Rectangle 3">
+            <a:extLst>
+              <a:ext uri="{FF2B5EF4-FFF2-40B4-BE49-F238E27FC236}">
+                <a16:creationId xmlns:a16="http://schemas.microsoft.com/office/drawing/2014/main" id="{4854DC7C-8D81-D5EC-8723-53BC1A05AD2B}"/>
               </a:ext>
             </a:extLst>
           </p:cNvPr>
@@ -11860,8 +11852,8 @@
         </p:nvSpPr>
         <p:spPr>
           <a:xfrm>
-            <a:off x="3757723" y="3342290"/>
-            <a:ext cx="3600000" cy="407674"/>
+            <a:off x="3757723" y="3029964"/>
+            <a:ext cx="3600000" cy="360000"/>
           </a:xfrm>
           <a:prstGeom prst="rect">
             <a:avLst/>
@@ -11894,13 +11886,13 @@
           <a:lstStyle/>
           <a:p>
             <a:r>
-              <a:rPr lang="en-US" altLang="zh-CN" sz="800">
+              <a:rPr lang="en-US" altLang="zh-CN" sz="1200">
                 <a:latin typeface="Poppins" panose="00000500000000000000" pitchFamily="2" charset="0"/>
                 <a:cs typeface="Poppins" panose="00000500000000000000" pitchFamily="2" charset="0"/>
               </a:rPr>
               <a:t>end</a:t>
             </a:r>
-            <a:endParaRPr lang="zh-CN" altLang="en-US" sz="800">
+            <a:endParaRPr lang="zh-CN" altLang="en-US" sz="1200">
               <a:latin typeface="Poppins" panose="00000500000000000000" pitchFamily="2" charset="0"/>
               <a:cs typeface="Poppins" panose="00000500000000000000" pitchFamily="2" charset="0"/>
             </a:endParaRPr>
@@ -11909,10 +11901,10 @@
       </p:sp>
       <p:cxnSp>
         <p:nvCxnSpPr>
-          <p:cNvPr id="6" name="Straight Arrow Connector 5">
-            <a:extLst>
-              <a:ext uri="{FF2B5EF4-FFF2-40B4-BE49-F238E27FC236}">
-                <a16:creationId xmlns:a16="http://schemas.microsoft.com/office/drawing/2014/main" id="{4EDDBF91-1C20-1884-F1E1-72ACC7AD03D8}"/>
+          <p:cNvPr id="10" name="Straight Arrow Connector 5">
+            <a:extLst>
+              <a:ext uri="{FF2B5EF4-FFF2-40B4-BE49-F238E27FC236}">
+                <a16:creationId xmlns:a16="http://schemas.microsoft.com/office/drawing/2014/main" id="{3E2FCB9B-E6A2-5203-506C-DC20F4535659}"/>
               </a:ext>
             </a:extLst>
           </p:cNvPr>
@@ -11923,8 +11915,8 @@
         </p:nvCxnSpPr>
         <p:spPr>
           <a:xfrm>
-            <a:off x="4126023" y="1589964"/>
-            <a:ext cx="0" cy="711802"/>
+            <a:off x="4297473" y="1589964"/>
+            <a:ext cx="0" cy="360000"/>
           </a:xfrm>
           <a:prstGeom prst="straightConnector1">
             <a:avLst/>
@@ -11953,10 +11945,10 @@
       </p:cxnSp>
       <p:cxnSp>
         <p:nvCxnSpPr>
-          <p:cNvPr id="8" name="Straight Arrow Connector 7">
-            <a:extLst>
-              <a:ext uri="{FF2B5EF4-FFF2-40B4-BE49-F238E27FC236}">
-                <a16:creationId xmlns:a16="http://schemas.microsoft.com/office/drawing/2014/main" id="{9D05E6DD-B191-1792-8698-813C50F10AD1}"/>
+          <p:cNvPr id="11" name="Straight Arrow Connector 7">
+            <a:extLst>
+              <a:ext uri="{FF2B5EF4-FFF2-40B4-BE49-F238E27FC236}">
+                <a16:creationId xmlns:a16="http://schemas.microsoft.com/office/drawing/2014/main" id="{15E202B4-FD25-36B6-6C68-2EB0265CDD9E}"/>
               </a:ext>
             </a:extLst>
           </p:cNvPr>
@@ -11967,8 +11959,8 @@
         </p:nvCxnSpPr>
         <p:spPr>
           <a:xfrm flipV="1">
-            <a:off x="4126023" y="3342290"/>
-            <a:ext cx="0" cy="407674"/>
+            <a:off x="4297473" y="3029964"/>
+            <a:ext cx="0" cy="360000"/>
           </a:xfrm>
           <a:prstGeom prst="straightConnector1">
             <a:avLst/>
@@ -11995,6 +11987,48 @@
           </a:fontRef>
         </p:style>
       </p:cxnSp>
+      <p:sp>
+        <p:nvSpPr>
+          <p:cNvPr id="12" name="文本框 11">
+            <a:extLst>
+              <a:ext uri="{FF2B5EF4-FFF2-40B4-BE49-F238E27FC236}">
+                <a16:creationId xmlns:a16="http://schemas.microsoft.com/office/drawing/2014/main" id="{544E5629-7B8D-0279-0116-7743DB1D6B6D}"/>
+              </a:ext>
+            </a:extLst>
+          </p:cNvPr>
+          <p:cNvSpPr txBox="1"/>
+          <p:nvPr/>
+        </p:nvSpPr>
+        <p:spPr>
+          <a:xfrm>
+            <a:off x="4991100" y="2336076"/>
+            <a:ext cx="1592103" cy="307777"/>
+          </a:xfrm>
+          <a:prstGeom prst="rect">
+            <a:avLst/>
+          </a:prstGeom>
+          <a:noFill/>
+        </p:spPr>
+        <p:txBody>
+          <a:bodyPr wrap="none" rtlCol="0">
+            <a:spAutoFit/>
+          </a:bodyPr>
+          <a:lstStyle/>
+          <a:p>
+            <a:r>
+              <a:rPr lang="en-US" altLang="zh-CN" sz="1400">
+                <a:latin typeface="Poppins" panose="00000500000000000000" pitchFamily="2" charset="0"/>
+                <a:cs typeface="Poppins" panose="00000500000000000000" pitchFamily="2" charset="0"/>
+              </a:rPr>
+              <a:t>Animation Zone</a:t>
+            </a:r>
+            <a:endParaRPr lang="zh-CN" altLang="en-US" sz="1400">
+              <a:latin typeface="Poppins" panose="00000500000000000000" pitchFamily="2" charset="0"/>
+              <a:cs typeface="Poppins" panose="00000500000000000000" pitchFamily="2" charset="0"/>
+            </a:endParaRPr>
+          </a:p>
+        </p:txBody>
+      </p:sp>
     </p:spTree>
     <p:extLst>
       <p:ext uri="{BB962C8B-B14F-4D97-AF65-F5344CB8AC3E}">
@@ -12009,6 +12043,1790 @@
 </file>
 
 <file path=ppt/slides/slide15.xml><?xml version="1.0" encoding="utf-8"?>
+<p:sld xmlns:a="http://schemas.openxmlformats.org/drawingml/2006/main" xmlns:r="http://schemas.openxmlformats.org/officeDocument/2006/relationships" xmlns:p="http://schemas.openxmlformats.org/presentationml/2006/main">
+  <p:cSld>
+    <p:spTree>
+      <p:nvGrpSpPr>
+        <p:cNvPr id="1" name="">
+          <a:extLst>
+            <a:ext uri="{FF2B5EF4-FFF2-40B4-BE49-F238E27FC236}">
+              <a16:creationId xmlns:a16="http://schemas.microsoft.com/office/drawing/2014/main" id="{CDC8A674-4B20-52FC-4D14-C7C25881D114}"/>
+            </a:ext>
+          </a:extLst>
+        </p:cNvPr>
+        <p:cNvGrpSpPr/>
+        <p:nvPr/>
+      </p:nvGrpSpPr>
+      <p:grpSpPr>
+        <a:xfrm>
+          <a:off x="0" y="0"/>
+          <a:ext cx="0" cy="0"/>
+          <a:chOff x="0" y="0"/>
+          <a:chExt cx="0" cy="0"/>
+        </a:xfrm>
+      </p:grpSpPr>
+      <p:sp>
+        <p:nvSpPr>
+          <p:cNvPr id="2" name="Rectangle 1">
+            <a:extLst>
+              <a:ext uri="{FF2B5EF4-FFF2-40B4-BE49-F238E27FC236}">
+                <a16:creationId xmlns:a16="http://schemas.microsoft.com/office/drawing/2014/main" id="{F22D05D8-3AED-74C1-0CE8-D5D7495EB663}"/>
+              </a:ext>
+            </a:extLst>
+          </p:cNvPr>
+          <p:cNvSpPr/>
+          <p:nvPr/>
+        </p:nvSpPr>
+        <p:spPr>
+          <a:xfrm>
+            <a:off x="3757723" y="1589964"/>
+            <a:ext cx="3600000" cy="1800000"/>
+          </a:xfrm>
+          <a:prstGeom prst="rect">
+            <a:avLst/>
+          </a:prstGeom>
+          <a:solidFill>
+            <a:schemeClr val="bg1">
+              <a:lumMod val="95000"/>
+            </a:schemeClr>
+          </a:solidFill>
+          <a:ln>
+            <a:noFill/>
+          </a:ln>
+        </p:spPr>
+        <p:style>
+          <a:lnRef idx="2">
+            <a:schemeClr val="accent1">
+              <a:shade val="15000"/>
+            </a:schemeClr>
+          </a:lnRef>
+          <a:fillRef idx="1">
+            <a:schemeClr val="accent1"/>
+          </a:fillRef>
+          <a:effectRef idx="0">
+            <a:schemeClr val="accent1"/>
+          </a:effectRef>
+          <a:fontRef idx="minor">
+            <a:schemeClr val="lt1"/>
+          </a:fontRef>
+        </p:style>
+        <p:txBody>
+          <a:bodyPr rtlCol="0" anchor="ctr"/>
+          <a:lstStyle/>
+          <a:p>
+            <a:pPr algn="ctr"/>
+            <a:endParaRPr lang="zh-CN" altLang="en-US" sz="1200">
+              <a:solidFill>
+                <a:schemeClr val="accent6">
+                  <a:lumMod val="75000"/>
+                </a:schemeClr>
+              </a:solidFill>
+              <a:latin typeface="Poppins" panose="00000500000000000000" pitchFamily="2" charset="0"/>
+              <a:cs typeface="Poppins" panose="00000500000000000000" pitchFamily="2" charset="0"/>
+            </a:endParaRPr>
+          </a:p>
+        </p:txBody>
+      </p:sp>
+      <p:sp>
+        <p:nvSpPr>
+          <p:cNvPr id="3" name="Rectangle 2">
+            <a:extLst>
+              <a:ext uri="{FF2B5EF4-FFF2-40B4-BE49-F238E27FC236}">
+                <a16:creationId xmlns:a16="http://schemas.microsoft.com/office/drawing/2014/main" id="{7F930297-9DE3-3DCF-AABF-29D8326193C9}"/>
+              </a:ext>
+            </a:extLst>
+          </p:cNvPr>
+          <p:cNvSpPr/>
+          <p:nvPr/>
+        </p:nvSpPr>
+        <p:spPr>
+          <a:xfrm>
+            <a:off x="3757723" y="1589964"/>
+            <a:ext cx="3600000" cy="900000"/>
+          </a:xfrm>
+          <a:prstGeom prst="rect">
+            <a:avLst/>
+          </a:prstGeom>
+          <a:solidFill>
+            <a:srgbClr val="92D050"/>
+          </a:solidFill>
+          <a:ln>
+            <a:noFill/>
+          </a:ln>
+        </p:spPr>
+        <p:style>
+          <a:lnRef idx="2">
+            <a:schemeClr val="accent1">
+              <a:shade val="15000"/>
+            </a:schemeClr>
+          </a:lnRef>
+          <a:fillRef idx="1">
+            <a:schemeClr val="accent1"/>
+          </a:fillRef>
+          <a:effectRef idx="0">
+            <a:schemeClr val="accent1"/>
+          </a:effectRef>
+          <a:fontRef idx="minor">
+            <a:schemeClr val="lt1"/>
+          </a:fontRef>
+        </p:style>
+        <p:txBody>
+          <a:bodyPr rtlCol="0" anchor="b" anchorCtr="0"/>
+          <a:lstStyle/>
+          <a:p>
+            <a:r>
+              <a:rPr lang="en-US" altLang="zh-CN" sz="1200">
+                <a:latin typeface="Poppins" panose="00000500000000000000" pitchFamily="2" charset="0"/>
+                <a:cs typeface="Poppins" panose="00000500000000000000" pitchFamily="2" charset="0"/>
+              </a:rPr>
+              <a:t>start</a:t>
+            </a:r>
+            <a:endParaRPr lang="zh-CN" altLang="en-US" sz="1200">
+              <a:latin typeface="Poppins" panose="00000500000000000000" pitchFamily="2" charset="0"/>
+              <a:cs typeface="Poppins" panose="00000500000000000000" pitchFamily="2" charset="0"/>
+            </a:endParaRPr>
+          </a:p>
+        </p:txBody>
+      </p:sp>
+      <p:sp>
+        <p:nvSpPr>
+          <p:cNvPr id="4" name="Rectangle 3">
+            <a:extLst>
+              <a:ext uri="{FF2B5EF4-FFF2-40B4-BE49-F238E27FC236}">
+                <a16:creationId xmlns:a16="http://schemas.microsoft.com/office/drawing/2014/main" id="{DD00528E-40A9-8D7F-7992-8A0D03F1FC6B}"/>
+              </a:ext>
+            </a:extLst>
+          </p:cNvPr>
+          <p:cNvSpPr/>
+          <p:nvPr/>
+        </p:nvSpPr>
+        <p:spPr>
+          <a:xfrm>
+            <a:off x="3757723" y="3029964"/>
+            <a:ext cx="3600000" cy="360000"/>
+          </a:xfrm>
+          <a:prstGeom prst="rect">
+            <a:avLst/>
+          </a:prstGeom>
+          <a:solidFill>
+            <a:srgbClr val="92D050"/>
+          </a:solidFill>
+          <a:ln>
+            <a:noFill/>
+          </a:ln>
+        </p:spPr>
+        <p:style>
+          <a:lnRef idx="2">
+            <a:schemeClr val="accent1">
+              <a:shade val="15000"/>
+            </a:schemeClr>
+          </a:lnRef>
+          <a:fillRef idx="1">
+            <a:schemeClr val="accent1"/>
+          </a:fillRef>
+          <a:effectRef idx="0">
+            <a:schemeClr val="accent1"/>
+          </a:effectRef>
+          <a:fontRef idx="minor">
+            <a:schemeClr val="lt1"/>
+          </a:fontRef>
+        </p:style>
+        <p:txBody>
+          <a:bodyPr rtlCol="0" anchor="t" anchorCtr="0"/>
+          <a:lstStyle/>
+          <a:p>
+            <a:r>
+              <a:rPr lang="en-US" altLang="zh-CN" sz="1200">
+                <a:latin typeface="Poppins" panose="00000500000000000000" pitchFamily="2" charset="0"/>
+                <a:cs typeface="Poppins" panose="00000500000000000000" pitchFamily="2" charset="0"/>
+              </a:rPr>
+              <a:t>end</a:t>
+            </a:r>
+            <a:endParaRPr lang="zh-CN" altLang="en-US" sz="1200">
+              <a:latin typeface="Poppins" panose="00000500000000000000" pitchFamily="2" charset="0"/>
+              <a:cs typeface="Poppins" panose="00000500000000000000" pitchFamily="2" charset="0"/>
+            </a:endParaRPr>
+          </a:p>
+        </p:txBody>
+      </p:sp>
+      <p:sp>
+        <p:nvSpPr>
+          <p:cNvPr id="5" name="文本框 4">
+            <a:extLst>
+              <a:ext uri="{FF2B5EF4-FFF2-40B4-BE49-F238E27FC236}">
+                <a16:creationId xmlns:a16="http://schemas.microsoft.com/office/drawing/2014/main" id="{1168FFE8-572C-8F4A-4B0C-2CDAEEE869B6}"/>
+              </a:ext>
+            </a:extLst>
+          </p:cNvPr>
+          <p:cNvSpPr txBox="1"/>
+          <p:nvPr/>
+        </p:nvSpPr>
+        <p:spPr>
+          <a:xfrm>
+            <a:off x="4991100" y="2575298"/>
+            <a:ext cx="1592103" cy="307777"/>
+          </a:xfrm>
+          <a:prstGeom prst="rect">
+            <a:avLst/>
+          </a:prstGeom>
+          <a:noFill/>
+        </p:spPr>
+        <p:txBody>
+          <a:bodyPr wrap="none" rtlCol="0">
+            <a:spAutoFit/>
+          </a:bodyPr>
+          <a:lstStyle/>
+          <a:p>
+            <a:r>
+              <a:rPr lang="en-US" altLang="zh-CN" sz="1400">
+                <a:latin typeface="Poppins" panose="00000500000000000000" pitchFamily="2" charset="0"/>
+                <a:cs typeface="Poppins" panose="00000500000000000000" pitchFamily="2" charset="0"/>
+              </a:rPr>
+              <a:t>Animation Zone</a:t>
+            </a:r>
+            <a:endParaRPr lang="zh-CN" altLang="en-US" sz="1400">
+              <a:latin typeface="Poppins" panose="00000500000000000000" pitchFamily="2" charset="0"/>
+              <a:cs typeface="Poppins" panose="00000500000000000000" pitchFamily="2" charset="0"/>
+            </a:endParaRPr>
+          </a:p>
+        </p:txBody>
+      </p:sp>
+      <p:cxnSp>
+        <p:nvCxnSpPr>
+          <p:cNvPr id="7" name="Straight Arrow Connector 5">
+            <a:extLst>
+              <a:ext uri="{FF2B5EF4-FFF2-40B4-BE49-F238E27FC236}">
+                <a16:creationId xmlns:a16="http://schemas.microsoft.com/office/drawing/2014/main" id="{974D8CA4-5773-A2C8-7760-C668032AB677}"/>
+              </a:ext>
+            </a:extLst>
+          </p:cNvPr>
+          <p:cNvCxnSpPr>
+            <a:cxnSpLocks/>
+          </p:cNvCxnSpPr>
+          <p:nvPr/>
+        </p:nvCxnSpPr>
+        <p:spPr>
+          <a:xfrm>
+            <a:off x="4297473" y="1589964"/>
+            <a:ext cx="0" cy="900000"/>
+          </a:xfrm>
+          <a:prstGeom prst="straightConnector1">
+            <a:avLst/>
+          </a:prstGeom>
+          <a:ln>
+            <a:solidFill>
+              <a:schemeClr val="bg1"/>
+            </a:solidFill>
+            <a:tailEnd type="triangle"/>
+          </a:ln>
+        </p:spPr>
+        <p:style>
+          <a:lnRef idx="1">
+            <a:schemeClr val="accent1"/>
+          </a:lnRef>
+          <a:fillRef idx="0">
+            <a:schemeClr val="accent1"/>
+          </a:fillRef>
+          <a:effectRef idx="0">
+            <a:schemeClr val="accent1"/>
+          </a:effectRef>
+          <a:fontRef idx="minor">
+            <a:schemeClr val="tx1"/>
+          </a:fontRef>
+        </p:style>
+      </p:cxnSp>
+      <p:cxnSp>
+        <p:nvCxnSpPr>
+          <p:cNvPr id="9" name="Straight Arrow Connector 7">
+            <a:extLst>
+              <a:ext uri="{FF2B5EF4-FFF2-40B4-BE49-F238E27FC236}">
+                <a16:creationId xmlns:a16="http://schemas.microsoft.com/office/drawing/2014/main" id="{8E99497E-3A18-FE20-0D3E-38950FC6DD0B}"/>
+              </a:ext>
+            </a:extLst>
+          </p:cNvPr>
+          <p:cNvCxnSpPr>
+            <a:cxnSpLocks/>
+          </p:cNvCxnSpPr>
+          <p:nvPr/>
+        </p:nvCxnSpPr>
+        <p:spPr>
+          <a:xfrm flipV="1">
+            <a:off x="4297473" y="3029964"/>
+            <a:ext cx="0" cy="360000"/>
+          </a:xfrm>
+          <a:prstGeom prst="straightConnector1">
+            <a:avLst/>
+          </a:prstGeom>
+          <a:ln>
+            <a:solidFill>
+              <a:schemeClr val="bg1"/>
+            </a:solidFill>
+            <a:tailEnd type="triangle"/>
+          </a:ln>
+        </p:spPr>
+        <p:style>
+          <a:lnRef idx="1">
+            <a:schemeClr val="accent1"/>
+          </a:lnRef>
+          <a:fillRef idx="0">
+            <a:schemeClr val="accent1"/>
+          </a:fillRef>
+          <a:effectRef idx="0">
+            <a:schemeClr val="accent1"/>
+          </a:effectRef>
+          <a:fontRef idx="minor">
+            <a:schemeClr val="tx1"/>
+          </a:fontRef>
+        </p:style>
+      </p:cxnSp>
+      <p:sp>
+        <p:nvSpPr>
+          <p:cNvPr id="10" name="文本框 9">
+            <a:extLst>
+              <a:ext uri="{FF2B5EF4-FFF2-40B4-BE49-F238E27FC236}">
+                <a16:creationId xmlns:a16="http://schemas.microsoft.com/office/drawing/2014/main" id="{DA858028-96BD-C8FB-F9FA-D1B94A3ACF82}"/>
+              </a:ext>
+            </a:extLst>
+          </p:cNvPr>
+          <p:cNvSpPr txBox="1"/>
+          <p:nvPr/>
+        </p:nvSpPr>
+        <p:spPr>
+          <a:xfrm>
+            <a:off x="4297473" y="2212965"/>
+            <a:ext cx="474810" cy="276999"/>
+          </a:xfrm>
+          <a:prstGeom prst="rect">
+            <a:avLst/>
+          </a:prstGeom>
+          <a:noFill/>
+        </p:spPr>
+        <p:txBody>
+          <a:bodyPr wrap="none" rtlCol="0">
+            <a:spAutoFit/>
+          </a:bodyPr>
+          <a:lstStyle/>
+          <a:p>
+            <a:r>
+              <a:rPr lang="en-US" altLang="zh-CN" sz="1200">
+                <a:solidFill>
+                  <a:schemeClr val="bg1"/>
+                </a:solidFill>
+                <a:latin typeface="Poppins" panose="00000500000000000000" pitchFamily="2" charset="0"/>
+                <a:cs typeface="Poppins" panose="00000500000000000000" pitchFamily="2" charset="0"/>
+              </a:rPr>
+              <a:t>50%</a:t>
+            </a:r>
+            <a:endParaRPr lang="zh-CN" altLang="en-US" sz="1200">
+              <a:solidFill>
+                <a:schemeClr val="bg1"/>
+              </a:solidFill>
+              <a:latin typeface="Poppins" panose="00000500000000000000" pitchFamily="2" charset="0"/>
+              <a:cs typeface="Poppins" panose="00000500000000000000" pitchFamily="2" charset="0"/>
+            </a:endParaRPr>
+          </a:p>
+        </p:txBody>
+      </p:sp>
+      <p:sp>
+        <p:nvSpPr>
+          <p:cNvPr id="11" name="文本框 10">
+            <a:extLst>
+              <a:ext uri="{FF2B5EF4-FFF2-40B4-BE49-F238E27FC236}">
+                <a16:creationId xmlns:a16="http://schemas.microsoft.com/office/drawing/2014/main" id="{0D1B1507-C034-E622-893C-D7A632BF8E33}"/>
+              </a:ext>
+            </a:extLst>
+          </p:cNvPr>
+          <p:cNvSpPr txBox="1"/>
+          <p:nvPr/>
+        </p:nvSpPr>
+        <p:spPr>
+          <a:xfrm>
+            <a:off x="4297473" y="3029964"/>
+            <a:ext cx="425116" cy="276999"/>
+          </a:xfrm>
+          <a:prstGeom prst="rect">
+            <a:avLst/>
+          </a:prstGeom>
+          <a:noFill/>
+        </p:spPr>
+        <p:txBody>
+          <a:bodyPr wrap="none" rtlCol="0">
+            <a:spAutoFit/>
+          </a:bodyPr>
+          <a:lstStyle/>
+          <a:p>
+            <a:r>
+              <a:rPr lang="en-US" altLang="zh-CN" sz="1200">
+                <a:solidFill>
+                  <a:schemeClr val="bg1"/>
+                </a:solidFill>
+                <a:latin typeface="Poppins" panose="00000500000000000000" pitchFamily="2" charset="0"/>
+                <a:cs typeface="Poppins" panose="00000500000000000000" pitchFamily="2" charset="0"/>
+              </a:rPr>
+              <a:t>10%</a:t>
+            </a:r>
+            <a:endParaRPr lang="zh-CN" altLang="en-US" sz="1200">
+              <a:solidFill>
+                <a:schemeClr val="bg1"/>
+              </a:solidFill>
+              <a:latin typeface="Poppins" panose="00000500000000000000" pitchFamily="2" charset="0"/>
+              <a:cs typeface="Poppins" panose="00000500000000000000" pitchFamily="2" charset="0"/>
+            </a:endParaRPr>
+          </a:p>
+        </p:txBody>
+      </p:sp>
+    </p:spTree>
+    <p:extLst>
+      <p:ext uri="{BB962C8B-B14F-4D97-AF65-F5344CB8AC3E}">
+        <p14:creationId xmlns:p14="http://schemas.microsoft.com/office/powerpoint/2010/main" val="2473040496"/>
+      </p:ext>
+    </p:extLst>
+  </p:cSld>
+  <p:clrMapOvr>
+    <a:masterClrMapping/>
+  </p:clrMapOvr>
+</p:sld>
+</file>
+
+<file path=ppt/slides/slide16.xml><?xml version="1.0" encoding="utf-8"?>
+<p:sld xmlns:a="http://schemas.openxmlformats.org/drawingml/2006/main" xmlns:r="http://schemas.openxmlformats.org/officeDocument/2006/relationships" xmlns:p="http://schemas.openxmlformats.org/presentationml/2006/main">
+  <p:cSld>
+    <p:spTree>
+      <p:nvGrpSpPr>
+        <p:cNvPr id="1" name="">
+          <a:extLst>
+            <a:ext uri="{FF2B5EF4-FFF2-40B4-BE49-F238E27FC236}">
+              <a16:creationId xmlns:a16="http://schemas.microsoft.com/office/drawing/2014/main" id="{4B6AC346-4E87-BA38-8EDB-AEACB42C1BE9}"/>
+            </a:ext>
+          </a:extLst>
+        </p:cNvPr>
+        <p:cNvGrpSpPr/>
+        <p:nvPr/>
+      </p:nvGrpSpPr>
+      <p:grpSpPr>
+        <a:xfrm>
+          <a:off x="0" y="0"/>
+          <a:ext cx="0" cy="0"/>
+          <a:chOff x="0" y="0"/>
+          <a:chExt cx="0" cy="0"/>
+        </a:xfrm>
+      </p:grpSpPr>
+      <p:sp>
+        <p:nvSpPr>
+          <p:cNvPr id="2" name="Rectangle 1">
+            <a:extLst>
+              <a:ext uri="{FF2B5EF4-FFF2-40B4-BE49-F238E27FC236}">
+                <a16:creationId xmlns:a16="http://schemas.microsoft.com/office/drawing/2014/main" id="{76D07D2F-5702-0123-4A31-FE31E2DEE13E}"/>
+              </a:ext>
+            </a:extLst>
+          </p:cNvPr>
+          <p:cNvSpPr/>
+          <p:nvPr/>
+        </p:nvSpPr>
+        <p:spPr>
+          <a:xfrm>
+            <a:off x="3757723" y="1589964"/>
+            <a:ext cx="3600000" cy="1800000"/>
+          </a:xfrm>
+          <a:prstGeom prst="rect">
+            <a:avLst/>
+          </a:prstGeom>
+          <a:solidFill>
+            <a:schemeClr val="bg1">
+              <a:lumMod val="95000"/>
+            </a:schemeClr>
+          </a:solidFill>
+          <a:ln>
+            <a:noFill/>
+          </a:ln>
+        </p:spPr>
+        <p:style>
+          <a:lnRef idx="2">
+            <a:schemeClr val="accent1">
+              <a:shade val="15000"/>
+            </a:schemeClr>
+          </a:lnRef>
+          <a:fillRef idx="1">
+            <a:schemeClr val="accent1"/>
+          </a:fillRef>
+          <a:effectRef idx="0">
+            <a:schemeClr val="accent1"/>
+          </a:effectRef>
+          <a:fontRef idx="minor">
+            <a:schemeClr val="lt1"/>
+          </a:fontRef>
+        </p:style>
+        <p:txBody>
+          <a:bodyPr rtlCol="0" anchor="ctr"/>
+          <a:lstStyle/>
+          <a:p>
+            <a:pPr algn="ctr"/>
+            <a:endParaRPr lang="zh-CN" altLang="en-US" sz="1200">
+              <a:solidFill>
+                <a:schemeClr val="accent6">
+                  <a:lumMod val="75000"/>
+                </a:schemeClr>
+              </a:solidFill>
+              <a:latin typeface="Poppins" panose="00000500000000000000" pitchFamily="2" charset="0"/>
+              <a:cs typeface="Poppins" panose="00000500000000000000" pitchFamily="2" charset="0"/>
+            </a:endParaRPr>
+          </a:p>
+        </p:txBody>
+      </p:sp>
+      <p:sp>
+        <p:nvSpPr>
+          <p:cNvPr id="3" name="Rectangle 2">
+            <a:extLst>
+              <a:ext uri="{FF2B5EF4-FFF2-40B4-BE49-F238E27FC236}">
+                <a16:creationId xmlns:a16="http://schemas.microsoft.com/office/drawing/2014/main" id="{8ED7BA39-5A4D-7118-2793-ED308937A067}"/>
+              </a:ext>
+            </a:extLst>
+          </p:cNvPr>
+          <p:cNvSpPr/>
+          <p:nvPr/>
+        </p:nvSpPr>
+        <p:spPr>
+          <a:xfrm>
+            <a:off x="3757723" y="1589964"/>
+            <a:ext cx="3600000" cy="360000"/>
+          </a:xfrm>
+          <a:prstGeom prst="rect">
+            <a:avLst/>
+          </a:prstGeom>
+          <a:solidFill>
+            <a:srgbClr val="92D050"/>
+          </a:solidFill>
+          <a:ln>
+            <a:noFill/>
+          </a:ln>
+        </p:spPr>
+        <p:style>
+          <a:lnRef idx="2">
+            <a:schemeClr val="accent1">
+              <a:shade val="15000"/>
+            </a:schemeClr>
+          </a:lnRef>
+          <a:fillRef idx="1">
+            <a:schemeClr val="accent1"/>
+          </a:fillRef>
+          <a:effectRef idx="0">
+            <a:schemeClr val="accent1"/>
+          </a:effectRef>
+          <a:fontRef idx="minor">
+            <a:schemeClr val="lt1"/>
+          </a:fontRef>
+        </p:style>
+        <p:txBody>
+          <a:bodyPr rtlCol="0" anchor="b" anchorCtr="0"/>
+          <a:lstStyle/>
+          <a:p>
+            <a:r>
+              <a:rPr lang="en-US" altLang="zh-CN" sz="1200">
+                <a:latin typeface="Poppins" panose="00000500000000000000" pitchFamily="2" charset="0"/>
+                <a:cs typeface="Poppins" panose="00000500000000000000" pitchFamily="2" charset="0"/>
+              </a:rPr>
+              <a:t>start</a:t>
+            </a:r>
+            <a:endParaRPr lang="zh-CN" altLang="en-US" sz="1200">
+              <a:latin typeface="Poppins" panose="00000500000000000000" pitchFamily="2" charset="0"/>
+              <a:cs typeface="Poppins" panose="00000500000000000000" pitchFamily="2" charset="0"/>
+            </a:endParaRPr>
+          </a:p>
+        </p:txBody>
+      </p:sp>
+      <p:sp>
+        <p:nvSpPr>
+          <p:cNvPr id="4" name="Rectangle 3">
+            <a:extLst>
+              <a:ext uri="{FF2B5EF4-FFF2-40B4-BE49-F238E27FC236}">
+                <a16:creationId xmlns:a16="http://schemas.microsoft.com/office/drawing/2014/main" id="{666A81E6-0BFB-6220-4559-C23808FBFBF6}"/>
+              </a:ext>
+            </a:extLst>
+          </p:cNvPr>
+          <p:cNvSpPr/>
+          <p:nvPr/>
+        </p:nvSpPr>
+        <p:spPr>
+          <a:xfrm>
+            <a:off x="3757723" y="2489964"/>
+            <a:ext cx="3600000" cy="900000"/>
+          </a:xfrm>
+          <a:prstGeom prst="rect">
+            <a:avLst/>
+          </a:prstGeom>
+          <a:solidFill>
+            <a:srgbClr val="92D050"/>
+          </a:solidFill>
+          <a:ln>
+            <a:noFill/>
+          </a:ln>
+        </p:spPr>
+        <p:style>
+          <a:lnRef idx="2">
+            <a:schemeClr val="accent1">
+              <a:shade val="15000"/>
+            </a:schemeClr>
+          </a:lnRef>
+          <a:fillRef idx="1">
+            <a:schemeClr val="accent1"/>
+          </a:fillRef>
+          <a:effectRef idx="0">
+            <a:schemeClr val="accent1"/>
+          </a:effectRef>
+          <a:fontRef idx="minor">
+            <a:schemeClr val="lt1"/>
+          </a:fontRef>
+        </p:style>
+        <p:txBody>
+          <a:bodyPr rtlCol="0" anchor="t" anchorCtr="0"/>
+          <a:lstStyle/>
+          <a:p>
+            <a:r>
+              <a:rPr lang="en-US" altLang="zh-CN" sz="1200">
+                <a:latin typeface="Poppins" panose="00000500000000000000" pitchFamily="2" charset="0"/>
+                <a:cs typeface="Poppins" panose="00000500000000000000" pitchFamily="2" charset="0"/>
+              </a:rPr>
+              <a:t>end</a:t>
+            </a:r>
+            <a:endParaRPr lang="zh-CN" altLang="en-US" sz="1200">
+              <a:latin typeface="Poppins" panose="00000500000000000000" pitchFamily="2" charset="0"/>
+              <a:cs typeface="Poppins" panose="00000500000000000000" pitchFamily="2" charset="0"/>
+            </a:endParaRPr>
+          </a:p>
+        </p:txBody>
+      </p:sp>
+      <p:sp>
+        <p:nvSpPr>
+          <p:cNvPr id="5" name="文本框 4">
+            <a:extLst>
+              <a:ext uri="{FF2B5EF4-FFF2-40B4-BE49-F238E27FC236}">
+                <a16:creationId xmlns:a16="http://schemas.microsoft.com/office/drawing/2014/main" id="{C5322448-C665-DAC9-E5D7-05E311A5FE63}"/>
+              </a:ext>
+            </a:extLst>
+          </p:cNvPr>
+          <p:cNvSpPr txBox="1"/>
+          <p:nvPr/>
+        </p:nvSpPr>
+        <p:spPr>
+          <a:xfrm>
+            <a:off x="4991100" y="2079998"/>
+            <a:ext cx="1592103" cy="307777"/>
+          </a:xfrm>
+          <a:prstGeom prst="rect">
+            <a:avLst/>
+          </a:prstGeom>
+          <a:noFill/>
+        </p:spPr>
+        <p:txBody>
+          <a:bodyPr wrap="none" rtlCol="0">
+            <a:spAutoFit/>
+          </a:bodyPr>
+          <a:lstStyle/>
+          <a:p>
+            <a:r>
+              <a:rPr lang="en-US" altLang="zh-CN" sz="1400">
+                <a:latin typeface="Poppins" panose="00000500000000000000" pitchFamily="2" charset="0"/>
+                <a:cs typeface="Poppins" panose="00000500000000000000" pitchFamily="2" charset="0"/>
+              </a:rPr>
+              <a:t>Animation Zone</a:t>
+            </a:r>
+            <a:endParaRPr lang="zh-CN" altLang="en-US" sz="1400">
+              <a:latin typeface="Poppins" panose="00000500000000000000" pitchFamily="2" charset="0"/>
+              <a:cs typeface="Poppins" panose="00000500000000000000" pitchFamily="2" charset="0"/>
+            </a:endParaRPr>
+          </a:p>
+        </p:txBody>
+      </p:sp>
+      <p:cxnSp>
+        <p:nvCxnSpPr>
+          <p:cNvPr id="7" name="Straight Arrow Connector 5">
+            <a:extLst>
+              <a:ext uri="{FF2B5EF4-FFF2-40B4-BE49-F238E27FC236}">
+                <a16:creationId xmlns:a16="http://schemas.microsoft.com/office/drawing/2014/main" id="{B1CE2327-E1DE-7108-E3FA-E277EA72E1E7}"/>
+              </a:ext>
+            </a:extLst>
+          </p:cNvPr>
+          <p:cNvCxnSpPr>
+            <a:cxnSpLocks/>
+          </p:cNvCxnSpPr>
+          <p:nvPr/>
+        </p:nvCxnSpPr>
+        <p:spPr>
+          <a:xfrm>
+            <a:off x="4297473" y="1589964"/>
+            <a:ext cx="0" cy="360000"/>
+          </a:xfrm>
+          <a:prstGeom prst="straightConnector1">
+            <a:avLst/>
+          </a:prstGeom>
+          <a:ln>
+            <a:solidFill>
+              <a:schemeClr val="bg1"/>
+            </a:solidFill>
+            <a:tailEnd type="triangle"/>
+          </a:ln>
+        </p:spPr>
+        <p:style>
+          <a:lnRef idx="1">
+            <a:schemeClr val="accent1"/>
+          </a:lnRef>
+          <a:fillRef idx="0">
+            <a:schemeClr val="accent1"/>
+          </a:fillRef>
+          <a:effectRef idx="0">
+            <a:schemeClr val="accent1"/>
+          </a:effectRef>
+          <a:fontRef idx="minor">
+            <a:schemeClr val="tx1"/>
+          </a:fontRef>
+        </p:style>
+      </p:cxnSp>
+      <p:cxnSp>
+        <p:nvCxnSpPr>
+          <p:cNvPr id="9" name="Straight Arrow Connector 7">
+            <a:extLst>
+              <a:ext uri="{FF2B5EF4-FFF2-40B4-BE49-F238E27FC236}">
+                <a16:creationId xmlns:a16="http://schemas.microsoft.com/office/drawing/2014/main" id="{BBC8D8F5-BCF1-9AAE-79FA-15942B01F4CE}"/>
+              </a:ext>
+            </a:extLst>
+          </p:cNvPr>
+          <p:cNvCxnSpPr>
+            <a:cxnSpLocks/>
+          </p:cNvCxnSpPr>
+          <p:nvPr/>
+        </p:nvCxnSpPr>
+        <p:spPr>
+          <a:xfrm flipV="1">
+            <a:off x="4297473" y="2489964"/>
+            <a:ext cx="0" cy="900000"/>
+          </a:xfrm>
+          <a:prstGeom prst="straightConnector1">
+            <a:avLst/>
+          </a:prstGeom>
+          <a:ln>
+            <a:solidFill>
+              <a:schemeClr val="bg1"/>
+            </a:solidFill>
+            <a:tailEnd type="triangle"/>
+          </a:ln>
+        </p:spPr>
+        <p:style>
+          <a:lnRef idx="1">
+            <a:schemeClr val="accent1"/>
+          </a:lnRef>
+          <a:fillRef idx="0">
+            <a:schemeClr val="accent1"/>
+          </a:fillRef>
+          <a:effectRef idx="0">
+            <a:schemeClr val="accent1"/>
+          </a:effectRef>
+          <a:fontRef idx="minor">
+            <a:schemeClr val="tx1"/>
+          </a:fontRef>
+        </p:style>
+      </p:cxnSp>
+      <p:sp>
+        <p:nvSpPr>
+          <p:cNvPr id="10" name="文本框 9">
+            <a:extLst>
+              <a:ext uri="{FF2B5EF4-FFF2-40B4-BE49-F238E27FC236}">
+                <a16:creationId xmlns:a16="http://schemas.microsoft.com/office/drawing/2014/main" id="{BA8678E7-DC4B-23B5-0230-727D59E575E5}"/>
+              </a:ext>
+            </a:extLst>
+          </p:cNvPr>
+          <p:cNvSpPr txBox="1"/>
+          <p:nvPr/>
+        </p:nvSpPr>
+        <p:spPr>
+          <a:xfrm>
+            <a:off x="4297473" y="1672965"/>
+            <a:ext cx="425116" cy="276999"/>
+          </a:xfrm>
+          <a:prstGeom prst="rect">
+            <a:avLst/>
+          </a:prstGeom>
+          <a:noFill/>
+        </p:spPr>
+        <p:txBody>
+          <a:bodyPr wrap="none" rtlCol="0">
+            <a:spAutoFit/>
+          </a:bodyPr>
+          <a:lstStyle/>
+          <a:p>
+            <a:r>
+              <a:rPr lang="en-US" altLang="zh-CN" sz="1200">
+                <a:solidFill>
+                  <a:schemeClr val="bg1"/>
+                </a:solidFill>
+                <a:latin typeface="Poppins" panose="00000500000000000000" pitchFamily="2" charset="0"/>
+                <a:cs typeface="Poppins" panose="00000500000000000000" pitchFamily="2" charset="0"/>
+              </a:rPr>
+              <a:t>10%</a:t>
+            </a:r>
+            <a:endParaRPr lang="zh-CN" altLang="en-US" sz="1200">
+              <a:solidFill>
+                <a:schemeClr val="bg1"/>
+              </a:solidFill>
+              <a:latin typeface="Poppins" panose="00000500000000000000" pitchFamily="2" charset="0"/>
+              <a:cs typeface="Poppins" panose="00000500000000000000" pitchFamily="2" charset="0"/>
+            </a:endParaRPr>
+          </a:p>
+        </p:txBody>
+      </p:sp>
+      <p:sp>
+        <p:nvSpPr>
+          <p:cNvPr id="11" name="文本框 10">
+            <a:extLst>
+              <a:ext uri="{FF2B5EF4-FFF2-40B4-BE49-F238E27FC236}">
+                <a16:creationId xmlns:a16="http://schemas.microsoft.com/office/drawing/2014/main" id="{08FFD686-6AFA-CC8B-5C86-8FC3FE0C7291}"/>
+              </a:ext>
+            </a:extLst>
+          </p:cNvPr>
+          <p:cNvSpPr txBox="1"/>
+          <p:nvPr/>
+        </p:nvSpPr>
+        <p:spPr>
+          <a:xfrm>
+            <a:off x="4297473" y="2489964"/>
+            <a:ext cx="474810" cy="276999"/>
+          </a:xfrm>
+          <a:prstGeom prst="rect">
+            <a:avLst/>
+          </a:prstGeom>
+          <a:noFill/>
+        </p:spPr>
+        <p:txBody>
+          <a:bodyPr wrap="none" rtlCol="0">
+            <a:spAutoFit/>
+          </a:bodyPr>
+          <a:lstStyle/>
+          <a:p>
+            <a:r>
+              <a:rPr lang="en-US" altLang="zh-CN" sz="1200">
+                <a:solidFill>
+                  <a:schemeClr val="bg1"/>
+                </a:solidFill>
+                <a:latin typeface="Poppins" panose="00000500000000000000" pitchFamily="2" charset="0"/>
+                <a:cs typeface="Poppins" panose="00000500000000000000" pitchFamily="2" charset="0"/>
+              </a:rPr>
+              <a:t>50%</a:t>
+            </a:r>
+            <a:endParaRPr lang="zh-CN" altLang="en-US" sz="1200">
+              <a:solidFill>
+                <a:schemeClr val="bg1"/>
+              </a:solidFill>
+              <a:latin typeface="Poppins" panose="00000500000000000000" pitchFamily="2" charset="0"/>
+              <a:cs typeface="Poppins" panose="00000500000000000000" pitchFamily="2" charset="0"/>
+            </a:endParaRPr>
+          </a:p>
+        </p:txBody>
+      </p:sp>
+    </p:spTree>
+    <p:extLst>
+      <p:ext uri="{BB962C8B-B14F-4D97-AF65-F5344CB8AC3E}">
+        <p14:creationId xmlns:p14="http://schemas.microsoft.com/office/powerpoint/2010/main" val="3803754908"/>
+      </p:ext>
+    </p:extLst>
+  </p:cSld>
+  <p:clrMapOvr>
+    <a:masterClrMapping/>
+  </p:clrMapOvr>
+</p:sld>
+</file>
+
+<file path=ppt/slides/slide17.xml><?xml version="1.0" encoding="utf-8"?>
+<p:sld xmlns:a="http://schemas.openxmlformats.org/drawingml/2006/main" xmlns:r="http://schemas.openxmlformats.org/officeDocument/2006/relationships" xmlns:p="http://schemas.openxmlformats.org/presentationml/2006/main">
+  <p:cSld>
+    <p:spTree>
+      <p:nvGrpSpPr>
+        <p:cNvPr id="1" name="">
+          <a:extLst>
+            <a:ext uri="{FF2B5EF4-FFF2-40B4-BE49-F238E27FC236}">
+              <a16:creationId xmlns:a16="http://schemas.microsoft.com/office/drawing/2014/main" id="{70C4E89A-BF29-AF5A-ED21-08479844B4D3}"/>
+            </a:ext>
+          </a:extLst>
+        </p:cNvPr>
+        <p:cNvGrpSpPr/>
+        <p:nvPr/>
+      </p:nvGrpSpPr>
+      <p:grpSpPr>
+        <a:xfrm>
+          <a:off x="0" y="0"/>
+          <a:ext cx="0" cy="0"/>
+          <a:chOff x="0" y="0"/>
+          <a:chExt cx="0" cy="0"/>
+        </a:xfrm>
+      </p:grpSpPr>
+      <p:sp>
+        <p:nvSpPr>
+          <p:cNvPr id="2" name="Rectangle 1">
+            <a:extLst>
+              <a:ext uri="{FF2B5EF4-FFF2-40B4-BE49-F238E27FC236}">
+                <a16:creationId xmlns:a16="http://schemas.microsoft.com/office/drawing/2014/main" id="{0F4514FD-593B-5957-478B-81363107123A}"/>
+              </a:ext>
+            </a:extLst>
+          </p:cNvPr>
+          <p:cNvSpPr/>
+          <p:nvPr/>
+        </p:nvSpPr>
+        <p:spPr>
+          <a:xfrm>
+            <a:off x="3757723" y="1589964"/>
+            <a:ext cx="3600000" cy="1800000"/>
+          </a:xfrm>
+          <a:prstGeom prst="rect">
+            <a:avLst/>
+          </a:prstGeom>
+          <a:solidFill>
+            <a:schemeClr val="bg1">
+              <a:lumMod val="95000"/>
+            </a:schemeClr>
+          </a:solidFill>
+          <a:ln>
+            <a:noFill/>
+          </a:ln>
+        </p:spPr>
+        <p:style>
+          <a:lnRef idx="2">
+            <a:schemeClr val="accent1">
+              <a:shade val="15000"/>
+            </a:schemeClr>
+          </a:lnRef>
+          <a:fillRef idx="1">
+            <a:schemeClr val="accent1"/>
+          </a:fillRef>
+          <a:effectRef idx="0">
+            <a:schemeClr val="accent1"/>
+          </a:effectRef>
+          <a:fontRef idx="minor">
+            <a:schemeClr val="lt1"/>
+          </a:fontRef>
+        </p:style>
+        <p:txBody>
+          <a:bodyPr rtlCol="0" anchor="ctr"/>
+          <a:lstStyle/>
+          <a:p>
+            <a:pPr algn="ctr"/>
+            <a:endParaRPr lang="zh-CN" altLang="en-US" sz="1200">
+              <a:solidFill>
+                <a:schemeClr val="accent6">
+                  <a:lumMod val="75000"/>
+                </a:schemeClr>
+              </a:solidFill>
+              <a:latin typeface="Poppins" panose="00000500000000000000" pitchFamily="2" charset="0"/>
+              <a:cs typeface="Poppins" panose="00000500000000000000" pitchFamily="2" charset="0"/>
+            </a:endParaRPr>
+          </a:p>
+        </p:txBody>
+      </p:sp>
+      <p:sp>
+        <p:nvSpPr>
+          <p:cNvPr id="3" name="Rectangle 2">
+            <a:extLst>
+              <a:ext uri="{FF2B5EF4-FFF2-40B4-BE49-F238E27FC236}">
+                <a16:creationId xmlns:a16="http://schemas.microsoft.com/office/drawing/2014/main" id="{BA8D48D4-E1F3-B266-9AE0-9C5665BBD6F5}"/>
+              </a:ext>
+            </a:extLst>
+          </p:cNvPr>
+          <p:cNvSpPr/>
+          <p:nvPr/>
+        </p:nvSpPr>
+        <p:spPr>
+          <a:xfrm>
+            <a:off x="3757723" y="1589964"/>
+            <a:ext cx="3600000" cy="720000"/>
+          </a:xfrm>
+          <a:prstGeom prst="rect">
+            <a:avLst/>
+          </a:prstGeom>
+          <a:solidFill>
+            <a:srgbClr val="92D050"/>
+          </a:solidFill>
+          <a:ln>
+            <a:noFill/>
+          </a:ln>
+        </p:spPr>
+        <p:style>
+          <a:lnRef idx="2">
+            <a:schemeClr val="accent1">
+              <a:shade val="15000"/>
+            </a:schemeClr>
+          </a:lnRef>
+          <a:fillRef idx="1">
+            <a:schemeClr val="accent1"/>
+          </a:fillRef>
+          <a:effectRef idx="0">
+            <a:schemeClr val="accent1"/>
+          </a:effectRef>
+          <a:fontRef idx="minor">
+            <a:schemeClr val="lt1"/>
+          </a:fontRef>
+        </p:style>
+        <p:txBody>
+          <a:bodyPr rtlCol="0" anchor="b" anchorCtr="0"/>
+          <a:lstStyle/>
+          <a:p>
+            <a:r>
+              <a:rPr lang="en-US" altLang="zh-CN" sz="1200">
+                <a:latin typeface="Poppins" panose="00000500000000000000" pitchFamily="2" charset="0"/>
+                <a:cs typeface="Poppins" panose="00000500000000000000" pitchFamily="2" charset="0"/>
+              </a:rPr>
+              <a:t>start</a:t>
+            </a:r>
+            <a:endParaRPr lang="zh-CN" altLang="en-US" sz="1200">
+              <a:latin typeface="Poppins" panose="00000500000000000000" pitchFamily="2" charset="0"/>
+              <a:cs typeface="Poppins" panose="00000500000000000000" pitchFamily="2" charset="0"/>
+            </a:endParaRPr>
+          </a:p>
+        </p:txBody>
+      </p:sp>
+      <p:sp>
+        <p:nvSpPr>
+          <p:cNvPr id="4" name="Rectangle 3">
+            <a:extLst>
+              <a:ext uri="{FF2B5EF4-FFF2-40B4-BE49-F238E27FC236}">
+                <a16:creationId xmlns:a16="http://schemas.microsoft.com/office/drawing/2014/main" id="{75131CE1-6587-9E1B-DBD4-384409634CF3}"/>
+              </a:ext>
+            </a:extLst>
+          </p:cNvPr>
+          <p:cNvSpPr/>
+          <p:nvPr/>
+        </p:nvSpPr>
+        <p:spPr>
+          <a:xfrm>
+            <a:off x="3757723" y="2309964"/>
+            <a:ext cx="3600000" cy="1080000"/>
+          </a:xfrm>
+          <a:prstGeom prst="rect">
+            <a:avLst/>
+          </a:prstGeom>
+          <a:solidFill>
+            <a:srgbClr val="92D050"/>
+          </a:solidFill>
+          <a:ln>
+            <a:noFill/>
+          </a:ln>
+        </p:spPr>
+        <p:style>
+          <a:lnRef idx="2">
+            <a:schemeClr val="accent1">
+              <a:shade val="15000"/>
+            </a:schemeClr>
+          </a:lnRef>
+          <a:fillRef idx="1">
+            <a:schemeClr val="accent1"/>
+          </a:fillRef>
+          <a:effectRef idx="0">
+            <a:schemeClr val="accent1"/>
+          </a:effectRef>
+          <a:fontRef idx="minor">
+            <a:schemeClr val="lt1"/>
+          </a:fontRef>
+        </p:style>
+        <p:txBody>
+          <a:bodyPr rtlCol="0" anchor="t" anchorCtr="0"/>
+          <a:lstStyle/>
+          <a:p>
+            <a:r>
+              <a:rPr lang="en-US" altLang="zh-CN" sz="1200">
+                <a:latin typeface="Poppins" panose="00000500000000000000" pitchFamily="2" charset="0"/>
+                <a:cs typeface="Poppins" panose="00000500000000000000" pitchFamily="2" charset="0"/>
+              </a:rPr>
+              <a:t>end</a:t>
+            </a:r>
+            <a:endParaRPr lang="zh-CN" altLang="en-US" sz="1200">
+              <a:latin typeface="Poppins" panose="00000500000000000000" pitchFamily="2" charset="0"/>
+              <a:cs typeface="Poppins" panose="00000500000000000000" pitchFamily="2" charset="0"/>
+            </a:endParaRPr>
+          </a:p>
+        </p:txBody>
+      </p:sp>
+      <p:sp>
+        <p:nvSpPr>
+          <p:cNvPr id="5" name="文本框 4">
+            <a:extLst>
+              <a:ext uri="{FF2B5EF4-FFF2-40B4-BE49-F238E27FC236}">
+                <a16:creationId xmlns:a16="http://schemas.microsoft.com/office/drawing/2014/main" id="{45D18331-4F10-66C6-2CC3-6214413856F0}"/>
+              </a:ext>
+            </a:extLst>
+          </p:cNvPr>
+          <p:cNvSpPr txBox="1"/>
+          <p:nvPr/>
+        </p:nvSpPr>
+        <p:spPr>
+          <a:xfrm>
+            <a:off x="4991100" y="2089523"/>
+            <a:ext cx="1592103" cy="307777"/>
+          </a:xfrm>
+          <a:prstGeom prst="rect">
+            <a:avLst/>
+          </a:prstGeom>
+          <a:noFill/>
+        </p:spPr>
+        <p:txBody>
+          <a:bodyPr wrap="none" rtlCol="0">
+            <a:spAutoFit/>
+          </a:bodyPr>
+          <a:lstStyle/>
+          <a:p>
+            <a:r>
+              <a:rPr lang="en-US" altLang="zh-CN" sz="1400">
+                <a:latin typeface="Poppins" panose="00000500000000000000" pitchFamily="2" charset="0"/>
+                <a:cs typeface="Poppins" panose="00000500000000000000" pitchFamily="2" charset="0"/>
+              </a:rPr>
+              <a:t>Animation Zone</a:t>
+            </a:r>
+            <a:endParaRPr lang="zh-CN" altLang="en-US" sz="1400">
+              <a:latin typeface="Poppins" panose="00000500000000000000" pitchFamily="2" charset="0"/>
+              <a:cs typeface="Poppins" panose="00000500000000000000" pitchFamily="2" charset="0"/>
+            </a:endParaRPr>
+          </a:p>
+        </p:txBody>
+      </p:sp>
+      <p:cxnSp>
+        <p:nvCxnSpPr>
+          <p:cNvPr id="7" name="Straight Arrow Connector 5">
+            <a:extLst>
+              <a:ext uri="{FF2B5EF4-FFF2-40B4-BE49-F238E27FC236}">
+                <a16:creationId xmlns:a16="http://schemas.microsoft.com/office/drawing/2014/main" id="{835AD99D-1E1D-3323-3899-83DE42EDA003}"/>
+              </a:ext>
+            </a:extLst>
+          </p:cNvPr>
+          <p:cNvCxnSpPr>
+            <a:cxnSpLocks/>
+          </p:cNvCxnSpPr>
+          <p:nvPr/>
+        </p:nvCxnSpPr>
+        <p:spPr>
+          <a:xfrm>
+            <a:off x="4297473" y="1589964"/>
+            <a:ext cx="0" cy="720000"/>
+          </a:xfrm>
+          <a:prstGeom prst="straightConnector1">
+            <a:avLst/>
+          </a:prstGeom>
+          <a:ln>
+            <a:solidFill>
+              <a:schemeClr val="bg1"/>
+            </a:solidFill>
+            <a:tailEnd type="triangle"/>
+          </a:ln>
+        </p:spPr>
+        <p:style>
+          <a:lnRef idx="1">
+            <a:schemeClr val="accent1"/>
+          </a:lnRef>
+          <a:fillRef idx="0">
+            <a:schemeClr val="accent1"/>
+          </a:fillRef>
+          <a:effectRef idx="0">
+            <a:schemeClr val="accent1"/>
+          </a:effectRef>
+          <a:fontRef idx="minor">
+            <a:schemeClr val="tx1"/>
+          </a:fontRef>
+        </p:style>
+      </p:cxnSp>
+      <p:cxnSp>
+        <p:nvCxnSpPr>
+          <p:cNvPr id="9" name="Straight Arrow Connector 7">
+            <a:extLst>
+              <a:ext uri="{FF2B5EF4-FFF2-40B4-BE49-F238E27FC236}">
+                <a16:creationId xmlns:a16="http://schemas.microsoft.com/office/drawing/2014/main" id="{00A8B3C4-1587-38DE-2403-A0606A3593B1}"/>
+              </a:ext>
+            </a:extLst>
+          </p:cNvPr>
+          <p:cNvCxnSpPr>
+            <a:cxnSpLocks/>
+          </p:cNvCxnSpPr>
+          <p:nvPr/>
+        </p:nvCxnSpPr>
+        <p:spPr>
+          <a:xfrm flipV="1">
+            <a:off x="4297473" y="2309964"/>
+            <a:ext cx="0" cy="1080000"/>
+          </a:xfrm>
+          <a:prstGeom prst="straightConnector1">
+            <a:avLst/>
+          </a:prstGeom>
+          <a:ln>
+            <a:solidFill>
+              <a:schemeClr val="bg1"/>
+            </a:solidFill>
+            <a:tailEnd type="triangle"/>
+          </a:ln>
+        </p:spPr>
+        <p:style>
+          <a:lnRef idx="1">
+            <a:schemeClr val="accent1"/>
+          </a:lnRef>
+          <a:fillRef idx="0">
+            <a:schemeClr val="accent1"/>
+          </a:fillRef>
+          <a:effectRef idx="0">
+            <a:schemeClr val="accent1"/>
+          </a:effectRef>
+          <a:fontRef idx="minor">
+            <a:schemeClr val="tx1"/>
+          </a:fontRef>
+        </p:style>
+      </p:cxnSp>
+      <p:sp>
+        <p:nvSpPr>
+          <p:cNvPr id="10" name="文本框 9">
+            <a:extLst>
+              <a:ext uri="{FF2B5EF4-FFF2-40B4-BE49-F238E27FC236}">
+                <a16:creationId xmlns:a16="http://schemas.microsoft.com/office/drawing/2014/main" id="{1A3F9847-32C0-AF36-6722-54B895024168}"/>
+              </a:ext>
+            </a:extLst>
+          </p:cNvPr>
+          <p:cNvSpPr txBox="1"/>
+          <p:nvPr/>
+        </p:nvSpPr>
+        <p:spPr>
+          <a:xfrm>
+            <a:off x="4297473" y="2032965"/>
+            <a:ext cx="476412" cy="276999"/>
+          </a:xfrm>
+          <a:prstGeom prst="rect">
+            <a:avLst/>
+          </a:prstGeom>
+          <a:noFill/>
+        </p:spPr>
+        <p:txBody>
+          <a:bodyPr wrap="none" rtlCol="0">
+            <a:spAutoFit/>
+          </a:bodyPr>
+          <a:lstStyle/>
+          <a:p>
+            <a:r>
+              <a:rPr lang="en-US" altLang="zh-CN" sz="1200">
+                <a:solidFill>
+                  <a:schemeClr val="bg1"/>
+                </a:solidFill>
+                <a:latin typeface="Poppins" panose="00000500000000000000" pitchFamily="2" charset="0"/>
+                <a:cs typeface="Poppins" panose="00000500000000000000" pitchFamily="2" charset="0"/>
+              </a:rPr>
+              <a:t>40%</a:t>
+            </a:r>
+            <a:endParaRPr lang="zh-CN" altLang="en-US" sz="1200">
+              <a:solidFill>
+                <a:schemeClr val="bg1"/>
+              </a:solidFill>
+              <a:latin typeface="Poppins" panose="00000500000000000000" pitchFamily="2" charset="0"/>
+              <a:cs typeface="Poppins" panose="00000500000000000000" pitchFamily="2" charset="0"/>
+            </a:endParaRPr>
+          </a:p>
+        </p:txBody>
+      </p:sp>
+      <p:sp>
+        <p:nvSpPr>
+          <p:cNvPr id="11" name="文本框 10">
+            <a:extLst>
+              <a:ext uri="{FF2B5EF4-FFF2-40B4-BE49-F238E27FC236}">
+                <a16:creationId xmlns:a16="http://schemas.microsoft.com/office/drawing/2014/main" id="{9D2433A2-2688-D06B-77ED-F2DBF6D27DA1}"/>
+              </a:ext>
+            </a:extLst>
+          </p:cNvPr>
+          <p:cNvSpPr txBox="1"/>
+          <p:nvPr/>
+        </p:nvSpPr>
+        <p:spPr>
+          <a:xfrm>
+            <a:off x="4297473" y="2309964"/>
+            <a:ext cx="476412" cy="276999"/>
+          </a:xfrm>
+          <a:prstGeom prst="rect">
+            <a:avLst/>
+          </a:prstGeom>
+          <a:noFill/>
+        </p:spPr>
+        <p:txBody>
+          <a:bodyPr wrap="none" rtlCol="0">
+            <a:spAutoFit/>
+          </a:bodyPr>
+          <a:lstStyle/>
+          <a:p>
+            <a:r>
+              <a:rPr lang="en-US" altLang="zh-CN" sz="1200">
+                <a:solidFill>
+                  <a:schemeClr val="bg1"/>
+                </a:solidFill>
+                <a:latin typeface="Poppins" panose="00000500000000000000" pitchFamily="2" charset="0"/>
+                <a:cs typeface="Poppins" panose="00000500000000000000" pitchFamily="2" charset="0"/>
+              </a:rPr>
+              <a:t>60%</a:t>
+            </a:r>
+            <a:endParaRPr lang="zh-CN" altLang="en-US" sz="1200">
+              <a:solidFill>
+                <a:schemeClr val="bg1"/>
+              </a:solidFill>
+              <a:latin typeface="Poppins" panose="00000500000000000000" pitchFamily="2" charset="0"/>
+              <a:cs typeface="Poppins" panose="00000500000000000000" pitchFamily="2" charset="0"/>
+            </a:endParaRPr>
+          </a:p>
+        </p:txBody>
+      </p:sp>
+    </p:spTree>
+    <p:extLst>
+      <p:ext uri="{BB962C8B-B14F-4D97-AF65-F5344CB8AC3E}">
+        <p14:creationId xmlns:p14="http://schemas.microsoft.com/office/powerpoint/2010/main" val="1843053738"/>
+      </p:ext>
+    </p:extLst>
+  </p:cSld>
+  <p:clrMapOvr>
+    <a:masterClrMapping/>
+  </p:clrMapOvr>
+</p:sld>
+</file>
+
+<file path=ppt/slides/slide18.xml><?xml version="1.0" encoding="utf-8"?>
+<p:sld xmlns:a="http://schemas.openxmlformats.org/drawingml/2006/main" xmlns:r="http://schemas.openxmlformats.org/officeDocument/2006/relationships" xmlns:p="http://schemas.openxmlformats.org/presentationml/2006/main">
+  <p:cSld>
+    <p:spTree>
+      <p:nvGrpSpPr>
+        <p:cNvPr id="1" name="">
+          <a:extLst>
+            <a:ext uri="{FF2B5EF4-FFF2-40B4-BE49-F238E27FC236}">
+              <a16:creationId xmlns:a16="http://schemas.microsoft.com/office/drawing/2014/main" id="{59F439DE-D7BB-182A-B2C8-131D63A3B971}"/>
+            </a:ext>
+          </a:extLst>
+        </p:cNvPr>
+        <p:cNvGrpSpPr/>
+        <p:nvPr/>
+      </p:nvGrpSpPr>
+      <p:grpSpPr>
+        <a:xfrm>
+          <a:off x="0" y="0"/>
+          <a:ext cx="0" cy="0"/>
+          <a:chOff x="0" y="0"/>
+          <a:chExt cx="0" cy="0"/>
+        </a:xfrm>
+      </p:grpSpPr>
+      <p:sp>
+        <p:nvSpPr>
+          <p:cNvPr id="2" name="Rectangle 1">
+            <a:extLst>
+              <a:ext uri="{FF2B5EF4-FFF2-40B4-BE49-F238E27FC236}">
+                <a16:creationId xmlns:a16="http://schemas.microsoft.com/office/drawing/2014/main" id="{4615E1CA-C6BC-7429-5E72-552C43EC2FBD}"/>
+              </a:ext>
+            </a:extLst>
+          </p:cNvPr>
+          <p:cNvSpPr/>
+          <p:nvPr/>
+        </p:nvSpPr>
+        <p:spPr>
+          <a:xfrm>
+            <a:off x="3757723" y="1589964"/>
+            <a:ext cx="3600000" cy="1800000"/>
+          </a:xfrm>
+          <a:prstGeom prst="rect">
+            <a:avLst/>
+          </a:prstGeom>
+          <a:solidFill>
+            <a:schemeClr val="bg1">
+              <a:lumMod val="95000"/>
+            </a:schemeClr>
+          </a:solidFill>
+          <a:ln>
+            <a:noFill/>
+          </a:ln>
+        </p:spPr>
+        <p:style>
+          <a:lnRef idx="2">
+            <a:schemeClr val="accent1">
+              <a:shade val="15000"/>
+            </a:schemeClr>
+          </a:lnRef>
+          <a:fillRef idx="1">
+            <a:schemeClr val="accent1"/>
+          </a:fillRef>
+          <a:effectRef idx="0">
+            <a:schemeClr val="accent1"/>
+          </a:effectRef>
+          <a:fontRef idx="minor">
+            <a:schemeClr val="lt1"/>
+          </a:fontRef>
+        </p:style>
+        <p:txBody>
+          <a:bodyPr rtlCol="0" anchor="ctr"/>
+          <a:lstStyle/>
+          <a:p>
+            <a:pPr algn="ctr"/>
+            <a:endParaRPr lang="zh-CN" altLang="en-US" sz="1200">
+              <a:solidFill>
+                <a:schemeClr val="accent6">
+                  <a:lumMod val="75000"/>
+                </a:schemeClr>
+              </a:solidFill>
+              <a:latin typeface="Poppins" panose="00000500000000000000" pitchFamily="2" charset="0"/>
+              <a:cs typeface="Poppins" panose="00000500000000000000" pitchFamily="2" charset="0"/>
+            </a:endParaRPr>
+          </a:p>
+        </p:txBody>
+      </p:sp>
+      <p:sp>
+        <p:nvSpPr>
+          <p:cNvPr id="3" name="Rectangle 2">
+            <a:extLst>
+              <a:ext uri="{FF2B5EF4-FFF2-40B4-BE49-F238E27FC236}">
+                <a16:creationId xmlns:a16="http://schemas.microsoft.com/office/drawing/2014/main" id="{DAAE3E49-13F0-D84D-1A72-190FE6A6704F}"/>
+              </a:ext>
+            </a:extLst>
+          </p:cNvPr>
+          <p:cNvSpPr/>
+          <p:nvPr/>
+        </p:nvSpPr>
+        <p:spPr>
+          <a:xfrm>
+            <a:off x="3757723" y="1589964"/>
+            <a:ext cx="3600000" cy="720000"/>
+          </a:xfrm>
+          <a:prstGeom prst="rect">
+            <a:avLst/>
+          </a:prstGeom>
+          <a:solidFill>
+            <a:srgbClr val="92D050"/>
+          </a:solidFill>
+          <a:ln>
+            <a:noFill/>
+          </a:ln>
+        </p:spPr>
+        <p:style>
+          <a:lnRef idx="2">
+            <a:schemeClr val="accent1">
+              <a:shade val="15000"/>
+            </a:schemeClr>
+          </a:lnRef>
+          <a:fillRef idx="1">
+            <a:schemeClr val="accent1"/>
+          </a:fillRef>
+          <a:effectRef idx="0">
+            <a:schemeClr val="accent1"/>
+          </a:effectRef>
+          <a:fontRef idx="minor">
+            <a:schemeClr val="lt1"/>
+          </a:fontRef>
+        </p:style>
+        <p:txBody>
+          <a:bodyPr rtlCol="0" anchor="b" anchorCtr="0"/>
+          <a:lstStyle/>
+          <a:p>
+            <a:r>
+              <a:rPr lang="en-US" altLang="zh-CN" sz="1200">
+                <a:latin typeface="Poppins" panose="00000500000000000000" pitchFamily="2" charset="0"/>
+                <a:cs typeface="Poppins" panose="00000500000000000000" pitchFamily="2" charset="0"/>
+              </a:rPr>
+              <a:t>start</a:t>
+            </a:r>
+            <a:endParaRPr lang="zh-CN" altLang="en-US" sz="1200">
+              <a:latin typeface="Poppins" panose="00000500000000000000" pitchFamily="2" charset="0"/>
+              <a:cs typeface="Poppins" panose="00000500000000000000" pitchFamily="2" charset="0"/>
+            </a:endParaRPr>
+          </a:p>
+        </p:txBody>
+      </p:sp>
+      <p:sp>
+        <p:nvSpPr>
+          <p:cNvPr id="4" name="Rectangle 3">
+            <a:extLst>
+              <a:ext uri="{FF2B5EF4-FFF2-40B4-BE49-F238E27FC236}">
+                <a16:creationId xmlns:a16="http://schemas.microsoft.com/office/drawing/2014/main" id="{9429650C-3AAF-4FEA-4755-A7A3E5937542}"/>
+              </a:ext>
+            </a:extLst>
+          </p:cNvPr>
+          <p:cNvSpPr/>
+          <p:nvPr/>
+        </p:nvSpPr>
+        <p:spPr>
+          <a:xfrm>
+            <a:off x="3757723" y="2669964"/>
+            <a:ext cx="3600000" cy="720000"/>
+          </a:xfrm>
+          <a:prstGeom prst="rect">
+            <a:avLst/>
+          </a:prstGeom>
+          <a:solidFill>
+            <a:srgbClr val="92D050"/>
+          </a:solidFill>
+          <a:ln>
+            <a:noFill/>
+          </a:ln>
+        </p:spPr>
+        <p:style>
+          <a:lnRef idx="2">
+            <a:schemeClr val="accent1">
+              <a:shade val="15000"/>
+            </a:schemeClr>
+          </a:lnRef>
+          <a:fillRef idx="1">
+            <a:schemeClr val="accent1"/>
+          </a:fillRef>
+          <a:effectRef idx="0">
+            <a:schemeClr val="accent1"/>
+          </a:effectRef>
+          <a:fontRef idx="minor">
+            <a:schemeClr val="lt1"/>
+          </a:fontRef>
+        </p:style>
+        <p:txBody>
+          <a:bodyPr rtlCol="0" anchor="t" anchorCtr="0"/>
+          <a:lstStyle/>
+          <a:p>
+            <a:r>
+              <a:rPr lang="en-US" altLang="zh-CN" sz="1200">
+                <a:latin typeface="Poppins" panose="00000500000000000000" pitchFamily="2" charset="0"/>
+                <a:cs typeface="Poppins" panose="00000500000000000000" pitchFamily="2" charset="0"/>
+              </a:rPr>
+              <a:t>end</a:t>
+            </a:r>
+            <a:endParaRPr lang="zh-CN" altLang="en-US" sz="1200">
+              <a:latin typeface="Poppins" panose="00000500000000000000" pitchFamily="2" charset="0"/>
+              <a:cs typeface="Poppins" panose="00000500000000000000" pitchFamily="2" charset="0"/>
+            </a:endParaRPr>
+          </a:p>
+        </p:txBody>
+      </p:sp>
+      <p:sp>
+        <p:nvSpPr>
+          <p:cNvPr id="5" name="文本框 4">
+            <a:extLst>
+              <a:ext uri="{FF2B5EF4-FFF2-40B4-BE49-F238E27FC236}">
+                <a16:creationId xmlns:a16="http://schemas.microsoft.com/office/drawing/2014/main" id="{D10204FE-5C3D-FA2A-ED21-E25143C36341}"/>
+              </a:ext>
+            </a:extLst>
+          </p:cNvPr>
+          <p:cNvSpPr txBox="1"/>
+          <p:nvPr/>
+        </p:nvSpPr>
+        <p:spPr>
+          <a:xfrm>
+            <a:off x="4991100" y="2337173"/>
+            <a:ext cx="1592103" cy="307777"/>
+          </a:xfrm>
+          <a:prstGeom prst="rect">
+            <a:avLst/>
+          </a:prstGeom>
+          <a:noFill/>
+        </p:spPr>
+        <p:txBody>
+          <a:bodyPr wrap="none" rtlCol="0">
+            <a:spAutoFit/>
+          </a:bodyPr>
+          <a:lstStyle/>
+          <a:p>
+            <a:r>
+              <a:rPr lang="en-US" altLang="zh-CN" sz="1400">
+                <a:latin typeface="Poppins" panose="00000500000000000000" pitchFamily="2" charset="0"/>
+                <a:cs typeface="Poppins" panose="00000500000000000000" pitchFamily="2" charset="0"/>
+              </a:rPr>
+              <a:t>Animation Zone</a:t>
+            </a:r>
+            <a:endParaRPr lang="zh-CN" altLang="en-US" sz="1400">
+              <a:latin typeface="Poppins" panose="00000500000000000000" pitchFamily="2" charset="0"/>
+              <a:cs typeface="Poppins" panose="00000500000000000000" pitchFamily="2" charset="0"/>
+            </a:endParaRPr>
+          </a:p>
+        </p:txBody>
+      </p:sp>
+      <p:cxnSp>
+        <p:nvCxnSpPr>
+          <p:cNvPr id="7" name="Straight Arrow Connector 5">
+            <a:extLst>
+              <a:ext uri="{FF2B5EF4-FFF2-40B4-BE49-F238E27FC236}">
+                <a16:creationId xmlns:a16="http://schemas.microsoft.com/office/drawing/2014/main" id="{4D6B3D8D-A0CF-EBE5-43BD-098BDC547F7F}"/>
+              </a:ext>
+            </a:extLst>
+          </p:cNvPr>
+          <p:cNvCxnSpPr>
+            <a:cxnSpLocks/>
+          </p:cNvCxnSpPr>
+          <p:nvPr/>
+        </p:nvCxnSpPr>
+        <p:spPr>
+          <a:xfrm>
+            <a:off x="4297473" y="1589964"/>
+            <a:ext cx="0" cy="720000"/>
+          </a:xfrm>
+          <a:prstGeom prst="straightConnector1">
+            <a:avLst/>
+          </a:prstGeom>
+          <a:ln>
+            <a:solidFill>
+              <a:schemeClr val="bg1"/>
+            </a:solidFill>
+            <a:tailEnd type="triangle"/>
+          </a:ln>
+        </p:spPr>
+        <p:style>
+          <a:lnRef idx="1">
+            <a:schemeClr val="accent1"/>
+          </a:lnRef>
+          <a:fillRef idx="0">
+            <a:schemeClr val="accent1"/>
+          </a:fillRef>
+          <a:effectRef idx="0">
+            <a:schemeClr val="accent1"/>
+          </a:effectRef>
+          <a:fontRef idx="minor">
+            <a:schemeClr val="tx1"/>
+          </a:fontRef>
+        </p:style>
+      </p:cxnSp>
+      <p:cxnSp>
+        <p:nvCxnSpPr>
+          <p:cNvPr id="9" name="Straight Arrow Connector 7">
+            <a:extLst>
+              <a:ext uri="{FF2B5EF4-FFF2-40B4-BE49-F238E27FC236}">
+                <a16:creationId xmlns:a16="http://schemas.microsoft.com/office/drawing/2014/main" id="{6291E26E-3608-0A04-F228-264719CD92D6}"/>
+              </a:ext>
+            </a:extLst>
+          </p:cNvPr>
+          <p:cNvCxnSpPr>
+            <a:cxnSpLocks/>
+          </p:cNvCxnSpPr>
+          <p:nvPr/>
+        </p:nvCxnSpPr>
+        <p:spPr>
+          <a:xfrm flipV="1">
+            <a:off x="4297473" y="2669964"/>
+            <a:ext cx="0" cy="720000"/>
+          </a:xfrm>
+          <a:prstGeom prst="straightConnector1">
+            <a:avLst/>
+          </a:prstGeom>
+          <a:ln>
+            <a:solidFill>
+              <a:schemeClr val="bg1"/>
+            </a:solidFill>
+            <a:tailEnd type="triangle"/>
+          </a:ln>
+        </p:spPr>
+        <p:style>
+          <a:lnRef idx="1">
+            <a:schemeClr val="accent1"/>
+          </a:lnRef>
+          <a:fillRef idx="0">
+            <a:schemeClr val="accent1"/>
+          </a:fillRef>
+          <a:effectRef idx="0">
+            <a:schemeClr val="accent1"/>
+          </a:effectRef>
+          <a:fontRef idx="minor">
+            <a:schemeClr val="tx1"/>
+          </a:fontRef>
+        </p:style>
+      </p:cxnSp>
+      <p:sp>
+        <p:nvSpPr>
+          <p:cNvPr id="10" name="文本框 9">
+            <a:extLst>
+              <a:ext uri="{FF2B5EF4-FFF2-40B4-BE49-F238E27FC236}">
+                <a16:creationId xmlns:a16="http://schemas.microsoft.com/office/drawing/2014/main" id="{C5E71E6F-325B-2A14-5E4E-1395D52281F3}"/>
+              </a:ext>
+            </a:extLst>
+          </p:cNvPr>
+          <p:cNvSpPr txBox="1"/>
+          <p:nvPr/>
+        </p:nvSpPr>
+        <p:spPr>
+          <a:xfrm>
+            <a:off x="4297473" y="2032965"/>
+            <a:ext cx="476412" cy="276999"/>
+          </a:xfrm>
+          <a:prstGeom prst="rect">
+            <a:avLst/>
+          </a:prstGeom>
+          <a:noFill/>
+        </p:spPr>
+        <p:txBody>
+          <a:bodyPr wrap="none" rtlCol="0">
+            <a:spAutoFit/>
+          </a:bodyPr>
+          <a:lstStyle/>
+          <a:p>
+            <a:r>
+              <a:rPr lang="en-US" altLang="zh-CN" sz="1200">
+                <a:solidFill>
+                  <a:schemeClr val="bg1"/>
+                </a:solidFill>
+                <a:latin typeface="Poppins" panose="00000500000000000000" pitchFamily="2" charset="0"/>
+                <a:cs typeface="Poppins" panose="00000500000000000000" pitchFamily="2" charset="0"/>
+              </a:rPr>
+              <a:t>40%</a:t>
+            </a:r>
+            <a:endParaRPr lang="zh-CN" altLang="en-US" sz="1200">
+              <a:solidFill>
+                <a:schemeClr val="bg1"/>
+              </a:solidFill>
+              <a:latin typeface="Poppins" panose="00000500000000000000" pitchFamily="2" charset="0"/>
+              <a:cs typeface="Poppins" panose="00000500000000000000" pitchFamily="2" charset="0"/>
+            </a:endParaRPr>
+          </a:p>
+        </p:txBody>
+      </p:sp>
+      <p:sp>
+        <p:nvSpPr>
+          <p:cNvPr id="11" name="文本框 10">
+            <a:extLst>
+              <a:ext uri="{FF2B5EF4-FFF2-40B4-BE49-F238E27FC236}">
+                <a16:creationId xmlns:a16="http://schemas.microsoft.com/office/drawing/2014/main" id="{C9F9923D-AFA4-284D-4A8D-B50E40DAF137}"/>
+              </a:ext>
+            </a:extLst>
+          </p:cNvPr>
+          <p:cNvSpPr txBox="1"/>
+          <p:nvPr/>
+        </p:nvSpPr>
+        <p:spPr>
+          <a:xfrm>
+            <a:off x="4297473" y="2669964"/>
+            <a:ext cx="476412" cy="276999"/>
+          </a:xfrm>
+          <a:prstGeom prst="rect">
+            <a:avLst/>
+          </a:prstGeom>
+          <a:noFill/>
+        </p:spPr>
+        <p:txBody>
+          <a:bodyPr wrap="none" rtlCol="0">
+            <a:spAutoFit/>
+          </a:bodyPr>
+          <a:lstStyle/>
+          <a:p>
+            <a:r>
+              <a:rPr lang="en-US" altLang="zh-CN" sz="1200">
+                <a:solidFill>
+                  <a:schemeClr val="bg1"/>
+                </a:solidFill>
+                <a:latin typeface="Poppins" panose="00000500000000000000" pitchFamily="2" charset="0"/>
+                <a:cs typeface="Poppins" panose="00000500000000000000" pitchFamily="2" charset="0"/>
+              </a:rPr>
+              <a:t>40%</a:t>
+            </a:r>
+            <a:endParaRPr lang="zh-CN" altLang="en-US" sz="1200">
+              <a:solidFill>
+                <a:schemeClr val="bg1"/>
+              </a:solidFill>
+              <a:latin typeface="Poppins" panose="00000500000000000000" pitchFamily="2" charset="0"/>
+              <a:cs typeface="Poppins" panose="00000500000000000000" pitchFamily="2" charset="0"/>
+            </a:endParaRPr>
+          </a:p>
+        </p:txBody>
+      </p:sp>
+    </p:spTree>
+    <p:extLst>
+      <p:ext uri="{BB962C8B-B14F-4D97-AF65-F5344CB8AC3E}">
+        <p14:creationId xmlns:p14="http://schemas.microsoft.com/office/powerpoint/2010/main" val="1319383381"/>
+      </p:ext>
+    </p:extLst>
+  </p:cSld>
+  <p:clrMapOvr>
+    <a:masterClrMapping/>
+  </p:clrMapOvr>
+</p:sld>
+</file>
+
+<file path=ppt/slides/slide19.xml><?xml version="1.0" encoding="utf-8"?>
 <p:sld xmlns:a="http://schemas.openxmlformats.org/drawingml/2006/main" xmlns:r="http://schemas.openxmlformats.org/officeDocument/2006/relationships" xmlns:p="http://schemas.openxmlformats.org/presentationml/2006/main">
   <p:cSld>
     <p:spTree>
@@ -13251,7 +15069,7 @@
 </p:sld>
 </file>
 
-<file path=ppt/slides/slide16.xml><?xml version="1.0" encoding="utf-8"?>
+<file path=ppt/slides/slide2.xml><?xml version="1.0" encoding="utf-8"?>
 <p:sld xmlns:a="http://schemas.openxmlformats.org/drawingml/2006/main" xmlns:r="http://schemas.openxmlformats.org/officeDocument/2006/relationships" xmlns:p="http://schemas.openxmlformats.org/presentationml/2006/main">
   <p:cSld>
     <p:spTree>
@@ -13273,6 +15091,1196 @@
           <p:cNvPr id="2" name="矩形: 圆角 1">
             <a:extLst>
               <a:ext uri="{FF2B5EF4-FFF2-40B4-BE49-F238E27FC236}">
+                <a16:creationId xmlns:a16="http://schemas.microsoft.com/office/drawing/2014/main" id="{797F6B51-F2A4-1F52-B525-B119B11E43B7}"/>
+              </a:ext>
+            </a:extLst>
+          </p:cNvPr>
+          <p:cNvSpPr/>
+          <p:nvPr/>
+        </p:nvSpPr>
+        <p:spPr>
+          <a:xfrm>
+            <a:off x="2611582" y="3142550"/>
+            <a:ext cx="1080000" cy="216000"/>
+          </a:xfrm>
+          <a:prstGeom prst="roundRect">
+            <a:avLst/>
+          </a:prstGeom>
+          <a:solidFill>
+            <a:schemeClr val="tx1"/>
+          </a:solidFill>
+          <a:ln w="12700">
+            <a:noFill/>
+          </a:ln>
+        </p:spPr>
+        <p:style>
+          <a:lnRef idx="2">
+            <a:schemeClr val="accent1">
+              <a:shade val="15000"/>
+            </a:schemeClr>
+          </a:lnRef>
+          <a:fillRef idx="1">
+            <a:schemeClr val="accent1"/>
+          </a:fillRef>
+          <a:effectRef idx="0">
+            <a:schemeClr val="accent1"/>
+          </a:effectRef>
+          <a:fontRef idx="minor">
+            <a:schemeClr val="lt1"/>
+          </a:fontRef>
+        </p:style>
+        <p:txBody>
+          <a:bodyPr rtlCol="0" anchor="ctr"/>
+          <a:lstStyle/>
+          <a:p>
+            <a:pPr algn="ctr"/>
+            <a:r>
+              <a:rPr lang="en-US" altLang="zh-CN" sz="800">
+                <a:latin typeface="Quicksand Light" panose="00000400000000000000" pitchFamily="2" charset="0"/>
+              </a:rPr>
+              <a:t>&lt;table&gt;</a:t>
+            </a:r>
+            <a:endParaRPr lang="zh-CN" altLang="en-US" sz="800">
+              <a:latin typeface="Quicksand Light" panose="00000400000000000000" pitchFamily="2" charset="0"/>
+            </a:endParaRPr>
+          </a:p>
+        </p:txBody>
+      </p:sp>
+      <p:sp>
+        <p:nvSpPr>
+          <p:cNvPr id="3" name="矩形: 圆角 2">
+            <a:extLst>
+              <a:ext uri="{FF2B5EF4-FFF2-40B4-BE49-F238E27FC236}">
+                <a16:creationId xmlns:a16="http://schemas.microsoft.com/office/drawing/2014/main" id="{F73B3E66-69AB-3336-40D5-F3BEDEE3263A}"/>
+              </a:ext>
+            </a:extLst>
+          </p:cNvPr>
+          <p:cNvSpPr/>
+          <p:nvPr/>
+        </p:nvSpPr>
+        <p:spPr>
+          <a:xfrm>
+            <a:off x="3927709" y="2217112"/>
+            <a:ext cx="900000" cy="216000"/>
+          </a:xfrm>
+          <a:prstGeom prst="roundRect">
+            <a:avLst/>
+          </a:prstGeom>
+          <a:solidFill>
+            <a:srgbClr val="4472C4">
+              <a:alpha val="89804"/>
+            </a:srgbClr>
+          </a:solidFill>
+          <a:ln w="12700">
+            <a:noFill/>
+          </a:ln>
+        </p:spPr>
+        <p:style>
+          <a:lnRef idx="2">
+            <a:schemeClr val="accent1">
+              <a:shade val="15000"/>
+            </a:schemeClr>
+          </a:lnRef>
+          <a:fillRef idx="1">
+            <a:schemeClr val="accent1"/>
+          </a:fillRef>
+          <a:effectRef idx="0">
+            <a:schemeClr val="accent1"/>
+          </a:effectRef>
+          <a:fontRef idx="minor">
+            <a:schemeClr val="lt1"/>
+          </a:fontRef>
+        </p:style>
+        <p:txBody>
+          <a:bodyPr rtlCol="0" anchor="ctr"/>
+          <a:lstStyle/>
+          <a:p>
+            <a:pPr algn="ctr"/>
+            <a:r>
+              <a:rPr lang="en-US" altLang="zh-CN" sz="800">
+                <a:latin typeface="Quicksand Light" panose="00000400000000000000" pitchFamily="2" charset="0"/>
+              </a:rPr>
+              <a:t>&lt;caption&gt;</a:t>
+            </a:r>
+            <a:endParaRPr lang="zh-CN" altLang="en-US" sz="800">
+              <a:latin typeface="Quicksand Light" panose="00000400000000000000" pitchFamily="2" charset="0"/>
+            </a:endParaRPr>
+          </a:p>
+        </p:txBody>
+      </p:sp>
+      <p:sp>
+        <p:nvSpPr>
+          <p:cNvPr id="4" name="矩形: 圆角 3">
+            <a:extLst>
+              <a:ext uri="{FF2B5EF4-FFF2-40B4-BE49-F238E27FC236}">
+                <a16:creationId xmlns:a16="http://schemas.microsoft.com/office/drawing/2014/main" id="{0596E695-765B-68B5-C900-FFE2E7915C23}"/>
+              </a:ext>
+            </a:extLst>
+          </p:cNvPr>
+          <p:cNvSpPr/>
+          <p:nvPr/>
+        </p:nvSpPr>
+        <p:spPr>
+          <a:xfrm>
+            <a:off x="3927709" y="2855550"/>
+            <a:ext cx="900000" cy="216000"/>
+          </a:xfrm>
+          <a:prstGeom prst="roundRect">
+            <a:avLst/>
+          </a:prstGeom>
+          <a:solidFill>
+            <a:srgbClr val="F6A04D">
+              <a:alpha val="89804"/>
+            </a:srgbClr>
+          </a:solidFill>
+          <a:ln w="12700">
+            <a:noFill/>
+          </a:ln>
+        </p:spPr>
+        <p:style>
+          <a:lnRef idx="2">
+            <a:schemeClr val="accent1">
+              <a:shade val="15000"/>
+            </a:schemeClr>
+          </a:lnRef>
+          <a:fillRef idx="1">
+            <a:schemeClr val="accent1"/>
+          </a:fillRef>
+          <a:effectRef idx="0">
+            <a:schemeClr val="accent1"/>
+          </a:effectRef>
+          <a:fontRef idx="minor">
+            <a:schemeClr val="lt1"/>
+          </a:fontRef>
+        </p:style>
+        <p:txBody>
+          <a:bodyPr rtlCol="0" anchor="ctr"/>
+          <a:lstStyle/>
+          <a:p>
+            <a:pPr algn="ctr"/>
+            <a:r>
+              <a:rPr lang="en-US" altLang="zh-CN" sz="800">
+                <a:latin typeface="Quicksand Light" panose="00000400000000000000" pitchFamily="2" charset="0"/>
+              </a:rPr>
+              <a:t>&lt;thead&gt;</a:t>
+            </a:r>
+            <a:endParaRPr lang="zh-CN" altLang="en-US" sz="800">
+              <a:latin typeface="Quicksand Light" panose="00000400000000000000" pitchFamily="2" charset="0"/>
+            </a:endParaRPr>
+          </a:p>
+        </p:txBody>
+      </p:sp>
+      <p:sp>
+        <p:nvSpPr>
+          <p:cNvPr id="5" name="矩形: 圆角 4">
+            <a:extLst>
+              <a:ext uri="{FF2B5EF4-FFF2-40B4-BE49-F238E27FC236}">
+                <a16:creationId xmlns:a16="http://schemas.microsoft.com/office/drawing/2014/main" id="{02EB47C9-057A-4EF8-A2BF-4D0134159B27}"/>
+              </a:ext>
+            </a:extLst>
+          </p:cNvPr>
+          <p:cNvSpPr/>
+          <p:nvPr/>
+        </p:nvSpPr>
+        <p:spPr>
+          <a:xfrm>
+            <a:off x="3927709" y="3429550"/>
+            <a:ext cx="900000" cy="216000"/>
+          </a:xfrm>
+          <a:prstGeom prst="roundRect">
+            <a:avLst/>
+          </a:prstGeom>
+          <a:solidFill>
+            <a:srgbClr val="F9423A">
+              <a:alpha val="89804"/>
+            </a:srgbClr>
+          </a:solidFill>
+          <a:ln w="12700">
+            <a:noFill/>
+          </a:ln>
+        </p:spPr>
+        <p:style>
+          <a:lnRef idx="2">
+            <a:schemeClr val="accent1">
+              <a:shade val="15000"/>
+            </a:schemeClr>
+          </a:lnRef>
+          <a:fillRef idx="1">
+            <a:schemeClr val="accent1"/>
+          </a:fillRef>
+          <a:effectRef idx="0">
+            <a:schemeClr val="accent1"/>
+          </a:effectRef>
+          <a:fontRef idx="minor">
+            <a:schemeClr val="lt1"/>
+          </a:fontRef>
+        </p:style>
+        <p:txBody>
+          <a:bodyPr rtlCol="0" anchor="ctr"/>
+          <a:lstStyle/>
+          <a:p>
+            <a:pPr algn="ctr"/>
+            <a:r>
+              <a:rPr lang="en-US" altLang="zh-CN" sz="800">
+                <a:latin typeface="Quicksand Light" panose="00000400000000000000" pitchFamily="2" charset="0"/>
+              </a:rPr>
+              <a:t>&lt;tbody&gt;</a:t>
+            </a:r>
+            <a:endParaRPr lang="zh-CN" altLang="en-US" sz="800">
+              <a:latin typeface="Quicksand Light" panose="00000400000000000000" pitchFamily="2" charset="0"/>
+            </a:endParaRPr>
+          </a:p>
+        </p:txBody>
+      </p:sp>
+      <p:sp>
+        <p:nvSpPr>
+          <p:cNvPr id="6" name="矩形: 圆角 5">
+            <a:extLst>
+              <a:ext uri="{FF2B5EF4-FFF2-40B4-BE49-F238E27FC236}">
+                <a16:creationId xmlns:a16="http://schemas.microsoft.com/office/drawing/2014/main" id="{9A98E275-1E96-FAB7-F617-AE6834538469}"/>
+              </a:ext>
+            </a:extLst>
+          </p:cNvPr>
+          <p:cNvSpPr/>
+          <p:nvPr/>
+        </p:nvSpPr>
+        <p:spPr>
+          <a:xfrm>
+            <a:off x="3927709" y="3992950"/>
+            <a:ext cx="900000" cy="216000"/>
+          </a:xfrm>
+          <a:prstGeom prst="roundRect">
+            <a:avLst/>
+          </a:prstGeom>
+          <a:solidFill>
+            <a:srgbClr val="00BC7B">
+              <a:alpha val="89804"/>
+            </a:srgbClr>
+          </a:solidFill>
+          <a:ln w="12700">
+            <a:noFill/>
+          </a:ln>
+        </p:spPr>
+        <p:style>
+          <a:lnRef idx="2">
+            <a:schemeClr val="accent1">
+              <a:shade val="15000"/>
+            </a:schemeClr>
+          </a:lnRef>
+          <a:fillRef idx="1">
+            <a:schemeClr val="accent1"/>
+          </a:fillRef>
+          <a:effectRef idx="0">
+            <a:schemeClr val="accent1"/>
+          </a:effectRef>
+          <a:fontRef idx="minor">
+            <a:schemeClr val="lt1"/>
+          </a:fontRef>
+        </p:style>
+        <p:txBody>
+          <a:bodyPr rtlCol="0" anchor="ctr"/>
+          <a:lstStyle/>
+          <a:p>
+            <a:pPr algn="ctr"/>
+            <a:r>
+              <a:rPr lang="en-US" altLang="zh-CN" sz="800">
+                <a:latin typeface="Quicksand Light" panose="00000400000000000000" pitchFamily="2" charset="0"/>
+              </a:rPr>
+              <a:t>&lt;tfoot&gt;</a:t>
+            </a:r>
+            <a:endParaRPr lang="zh-CN" altLang="en-US" sz="800">
+              <a:latin typeface="Quicksand Light" panose="00000400000000000000" pitchFamily="2" charset="0"/>
+            </a:endParaRPr>
+          </a:p>
+        </p:txBody>
+      </p:sp>
+      <p:sp>
+        <p:nvSpPr>
+          <p:cNvPr id="7" name="矩形: 圆角 6">
+            <a:extLst>
+              <a:ext uri="{FF2B5EF4-FFF2-40B4-BE49-F238E27FC236}">
+                <a16:creationId xmlns:a16="http://schemas.microsoft.com/office/drawing/2014/main" id="{1364CE8F-F9FF-ED29-6F39-C09735082C89}"/>
+              </a:ext>
+            </a:extLst>
+          </p:cNvPr>
+          <p:cNvSpPr/>
+          <p:nvPr/>
+        </p:nvSpPr>
+        <p:spPr>
+          <a:xfrm>
+            <a:off x="4988680" y="2729550"/>
+            <a:ext cx="720000" cy="216000"/>
+          </a:xfrm>
+          <a:prstGeom prst="roundRect">
+            <a:avLst/>
+          </a:prstGeom>
+          <a:solidFill>
+            <a:srgbClr val="FDECDB">
+              <a:alpha val="89804"/>
+            </a:srgbClr>
+          </a:solidFill>
+          <a:ln w="12700">
+            <a:noFill/>
+          </a:ln>
+        </p:spPr>
+        <p:style>
+          <a:lnRef idx="2">
+            <a:schemeClr val="accent1">
+              <a:shade val="15000"/>
+            </a:schemeClr>
+          </a:lnRef>
+          <a:fillRef idx="1">
+            <a:schemeClr val="accent1"/>
+          </a:fillRef>
+          <a:effectRef idx="0">
+            <a:schemeClr val="accent1"/>
+          </a:effectRef>
+          <a:fontRef idx="minor">
+            <a:schemeClr val="lt1"/>
+          </a:fontRef>
+        </p:style>
+        <p:txBody>
+          <a:bodyPr rtlCol="0" anchor="ctr"/>
+          <a:lstStyle/>
+          <a:p>
+            <a:pPr algn="ctr"/>
+            <a:r>
+              <a:rPr lang="en-US" altLang="zh-CN" sz="800">
+                <a:solidFill>
+                  <a:sysClr val="windowText" lastClr="000000"/>
+                </a:solidFill>
+                <a:latin typeface="Quicksand Light" panose="00000400000000000000" pitchFamily="2" charset="0"/>
+              </a:rPr>
+              <a:t>&lt;tr&gt;</a:t>
+            </a:r>
+            <a:endParaRPr lang="zh-CN" altLang="en-US" sz="800">
+              <a:solidFill>
+                <a:sysClr val="windowText" lastClr="000000"/>
+              </a:solidFill>
+              <a:latin typeface="Quicksand Light" panose="00000400000000000000" pitchFamily="2" charset="0"/>
+            </a:endParaRPr>
+          </a:p>
+        </p:txBody>
+      </p:sp>
+      <p:sp>
+        <p:nvSpPr>
+          <p:cNvPr id="8" name="矩形: 圆角 7">
+            <a:extLst>
+              <a:ext uri="{FF2B5EF4-FFF2-40B4-BE49-F238E27FC236}">
+                <a16:creationId xmlns:a16="http://schemas.microsoft.com/office/drawing/2014/main" id="{41E16CF2-21EE-CCD8-6CF8-C9DF7E974007}"/>
+              </a:ext>
+            </a:extLst>
+          </p:cNvPr>
+          <p:cNvSpPr/>
+          <p:nvPr/>
+        </p:nvSpPr>
+        <p:spPr>
+          <a:xfrm>
+            <a:off x="4988680" y="2981550"/>
+            <a:ext cx="720000" cy="216000"/>
+          </a:xfrm>
+          <a:prstGeom prst="roundRect">
+            <a:avLst/>
+          </a:prstGeom>
+          <a:solidFill>
+            <a:srgbClr val="FDECDB">
+              <a:alpha val="89804"/>
+            </a:srgbClr>
+          </a:solidFill>
+          <a:ln w="12700">
+            <a:noFill/>
+          </a:ln>
+        </p:spPr>
+        <p:style>
+          <a:lnRef idx="2">
+            <a:schemeClr val="accent1">
+              <a:shade val="15000"/>
+            </a:schemeClr>
+          </a:lnRef>
+          <a:fillRef idx="1">
+            <a:schemeClr val="accent1"/>
+          </a:fillRef>
+          <a:effectRef idx="0">
+            <a:schemeClr val="accent1"/>
+          </a:effectRef>
+          <a:fontRef idx="minor">
+            <a:schemeClr val="lt1"/>
+          </a:fontRef>
+        </p:style>
+        <p:txBody>
+          <a:bodyPr rtlCol="0" anchor="ctr"/>
+          <a:lstStyle/>
+          <a:p>
+            <a:pPr algn="ctr"/>
+            <a:r>
+              <a:rPr lang="en-US" altLang="zh-CN" sz="800">
+                <a:solidFill>
+                  <a:sysClr val="windowText" lastClr="000000"/>
+                </a:solidFill>
+                <a:latin typeface="Quicksand Light" panose="00000400000000000000" pitchFamily="2" charset="0"/>
+              </a:rPr>
+              <a:t>&lt;th&gt;</a:t>
+            </a:r>
+            <a:endParaRPr lang="zh-CN" altLang="en-US" sz="800">
+              <a:solidFill>
+                <a:sysClr val="windowText" lastClr="000000"/>
+              </a:solidFill>
+              <a:latin typeface="Quicksand Light" panose="00000400000000000000" pitchFamily="2" charset="0"/>
+            </a:endParaRPr>
+          </a:p>
+        </p:txBody>
+      </p:sp>
+      <p:sp>
+        <p:nvSpPr>
+          <p:cNvPr id="9" name="矩形: 圆角 8">
+            <a:extLst>
+              <a:ext uri="{FF2B5EF4-FFF2-40B4-BE49-F238E27FC236}">
+                <a16:creationId xmlns:a16="http://schemas.microsoft.com/office/drawing/2014/main" id="{F36CB3ED-C818-AA5A-27A7-5D321CF65E6F}"/>
+              </a:ext>
+            </a:extLst>
+          </p:cNvPr>
+          <p:cNvSpPr/>
+          <p:nvPr/>
+        </p:nvSpPr>
+        <p:spPr>
+          <a:xfrm>
+            <a:off x="4988680" y="3303550"/>
+            <a:ext cx="720000" cy="216000"/>
+          </a:xfrm>
+          <a:prstGeom prst="roundRect">
+            <a:avLst/>
+          </a:prstGeom>
+          <a:solidFill>
+            <a:srgbClr val="FED9D8">
+              <a:alpha val="89804"/>
+            </a:srgbClr>
+          </a:solidFill>
+          <a:ln w="12700">
+            <a:noFill/>
+          </a:ln>
+        </p:spPr>
+        <p:style>
+          <a:lnRef idx="2">
+            <a:schemeClr val="accent1">
+              <a:shade val="15000"/>
+            </a:schemeClr>
+          </a:lnRef>
+          <a:fillRef idx="1">
+            <a:schemeClr val="accent1"/>
+          </a:fillRef>
+          <a:effectRef idx="0">
+            <a:schemeClr val="accent1"/>
+          </a:effectRef>
+          <a:fontRef idx="minor">
+            <a:schemeClr val="lt1"/>
+          </a:fontRef>
+        </p:style>
+        <p:txBody>
+          <a:bodyPr rtlCol="0" anchor="ctr"/>
+          <a:lstStyle/>
+          <a:p>
+            <a:pPr algn="ctr"/>
+            <a:r>
+              <a:rPr lang="en-US" altLang="zh-CN" sz="800">
+                <a:solidFill>
+                  <a:sysClr val="windowText" lastClr="000000"/>
+                </a:solidFill>
+                <a:latin typeface="Quicksand Light" panose="00000400000000000000" pitchFamily="2" charset="0"/>
+              </a:rPr>
+              <a:t>&lt;tr&gt;</a:t>
+            </a:r>
+            <a:endParaRPr lang="zh-CN" altLang="en-US" sz="800">
+              <a:solidFill>
+                <a:sysClr val="windowText" lastClr="000000"/>
+              </a:solidFill>
+              <a:latin typeface="Quicksand Light" panose="00000400000000000000" pitchFamily="2" charset="0"/>
+            </a:endParaRPr>
+          </a:p>
+        </p:txBody>
+      </p:sp>
+      <p:sp>
+        <p:nvSpPr>
+          <p:cNvPr id="10" name="矩形: 圆角 9">
+            <a:extLst>
+              <a:ext uri="{FF2B5EF4-FFF2-40B4-BE49-F238E27FC236}">
+                <a16:creationId xmlns:a16="http://schemas.microsoft.com/office/drawing/2014/main" id="{4DF699C5-ADF4-C7BA-0E33-FD433133C491}"/>
+              </a:ext>
+            </a:extLst>
+          </p:cNvPr>
+          <p:cNvSpPr/>
+          <p:nvPr/>
+        </p:nvSpPr>
+        <p:spPr>
+          <a:xfrm>
+            <a:off x="4988680" y="3555550"/>
+            <a:ext cx="720000" cy="216000"/>
+          </a:xfrm>
+          <a:prstGeom prst="roundRect">
+            <a:avLst/>
+          </a:prstGeom>
+          <a:solidFill>
+            <a:srgbClr val="FED9D8">
+              <a:alpha val="89804"/>
+            </a:srgbClr>
+          </a:solidFill>
+          <a:ln w="12700">
+            <a:noFill/>
+          </a:ln>
+        </p:spPr>
+        <p:style>
+          <a:lnRef idx="2">
+            <a:schemeClr val="accent1">
+              <a:shade val="15000"/>
+            </a:schemeClr>
+          </a:lnRef>
+          <a:fillRef idx="1">
+            <a:schemeClr val="accent1"/>
+          </a:fillRef>
+          <a:effectRef idx="0">
+            <a:schemeClr val="accent1"/>
+          </a:effectRef>
+          <a:fontRef idx="minor">
+            <a:schemeClr val="lt1"/>
+          </a:fontRef>
+        </p:style>
+        <p:txBody>
+          <a:bodyPr rtlCol="0" anchor="ctr"/>
+          <a:lstStyle/>
+          <a:p>
+            <a:pPr algn="ctr"/>
+            <a:r>
+              <a:rPr lang="en-US" altLang="zh-CN" sz="800">
+                <a:solidFill>
+                  <a:sysClr val="windowText" lastClr="000000"/>
+                </a:solidFill>
+                <a:latin typeface="Quicksand Light" panose="00000400000000000000" pitchFamily="2" charset="0"/>
+              </a:rPr>
+              <a:t>&lt;td&gt;</a:t>
+            </a:r>
+            <a:endParaRPr lang="zh-CN" altLang="en-US" sz="800">
+              <a:solidFill>
+                <a:sysClr val="windowText" lastClr="000000"/>
+              </a:solidFill>
+              <a:latin typeface="Quicksand Light" panose="00000400000000000000" pitchFamily="2" charset="0"/>
+            </a:endParaRPr>
+          </a:p>
+        </p:txBody>
+      </p:sp>
+      <p:sp>
+        <p:nvSpPr>
+          <p:cNvPr id="11" name="矩形: 圆角 10">
+            <a:extLst>
+              <a:ext uri="{FF2B5EF4-FFF2-40B4-BE49-F238E27FC236}">
+                <a16:creationId xmlns:a16="http://schemas.microsoft.com/office/drawing/2014/main" id="{9A7CBB2E-7A46-5370-A481-60C05098B4F7}"/>
+              </a:ext>
+            </a:extLst>
+          </p:cNvPr>
+          <p:cNvSpPr/>
+          <p:nvPr/>
+        </p:nvSpPr>
+        <p:spPr>
+          <a:xfrm>
+            <a:off x="4988680" y="3866950"/>
+            <a:ext cx="720000" cy="216000"/>
+          </a:xfrm>
+          <a:prstGeom prst="roundRect">
+            <a:avLst/>
+          </a:prstGeom>
+          <a:solidFill>
+            <a:srgbClr val="CCF2E5">
+              <a:alpha val="89804"/>
+            </a:srgbClr>
+          </a:solidFill>
+          <a:ln w="12700">
+            <a:noFill/>
+          </a:ln>
+        </p:spPr>
+        <p:style>
+          <a:lnRef idx="2">
+            <a:schemeClr val="accent1">
+              <a:shade val="15000"/>
+            </a:schemeClr>
+          </a:lnRef>
+          <a:fillRef idx="1">
+            <a:schemeClr val="accent1"/>
+          </a:fillRef>
+          <a:effectRef idx="0">
+            <a:schemeClr val="accent1"/>
+          </a:effectRef>
+          <a:fontRef idx="minor">
+            <a:schemeClr val="lt1"/>
+          </a:fontRef>
+        </p:style>
+        <p:txBody>
+          <a:bodyPr rtlCol="0" anchor="ctr"/>
+          <a:lstStyle/>
+          <a:p>
+            <a:pPr algn="ctr"/>
+            <a:r>
+              <a:rPr lang="en-US" altLang="zh-CN" sz="800">
+                <a:solidFill>
+                  <a:sysClr val="windowText" lastClr="000000"/>
+                </a:solidFill>
+                <a:latin typeface="Quicksand Light" panose="00000400000000000000" pitchFamily="2" charset="0"/>
+              </a:rPr>
+              <a:t>&lt;tr&gt;</a:t>
+            </a:r>
+            <a:endParaRPr lang="zh-CN" altLang="en-US" sz="800">
+              <a:solidFill>
+                <a:sysClr val="windowText" lastClr="000000"/>
+              </a:solidFill>
+              <a:latin typeface="Quicksand Light" panose="00000400000000000000" pitchFamily="2" charset="0"/>
+            </a:endParaRPr>
+          </a:p>
+        </p:txBody>
+      </p:sp>
+      <p:sp>
+        <p:nvSpPr>
+          <p:cNvPr id="12" name="矩形: 圆角 11">
+            <a:extLst>
+              <a:ext uri="{FF2B5EF4-FFF2-40B4-BE49-F238E27FC236}">
+                <a16:creationId xmlns:a16="http://schemas.microsoft.com/office/drawing/2014/main" id="{D4779CBA-FFDD-895A-53AD-886208DEAA4A}"/>
+              </a:ext>
+            </a:extLst>
+          </p:cNvPr>
+          <p:cNvSpPr/>
+          <p:nvPr/>
+        </p:nvSpPr>
+        <p:spPr>
+          <a:xfrm>
+            <a:off x="4988680" y="4118950"/>
+            <a:ext cx="720000" cy="216000"/>
+          </a:xfrm>
+          <a:prstGeom prst="roundRect">
+            <a:avLst/>
+          </a:prstGeom>
+          <a:solidFill>
+            <a:srgbClr val="CCF2E5">
+              <a:alpha val="89804"/>
+            </a:srgbClr>
+          </a:solidFill>
+          <a:ln w="12700">
+            <a:noFill/>
+          </a:ln>
+        </p:spPr>
+        <p:style>
+          <a:lnRef idx="2">
+            <a:schemeClr val="accent1">
+              <a:shade val="15000"/>
+            </a:schemeClr>
+          </a:lnRef>
+          <a:fillRef idx="1">
+            <a:schemeClr val="accent1"/>
+          </a:fillRef>
+          <a:effectRef idx="0">
+            <a:schemeClr val="accent1"/>
+          </a:effectRef>
+          <a:fontRef idx="minor">
+            <a:schemeClr val="lt1"/>
+          </a:fontRef>
+        </p:style>
+        <p:txBody>
+          <a:bodyPr rtlCol="0" anchor="ctr"/>
+          <a:lstStyle/>
+          <a:p>
+            <a:pPr algn="ctr"/>
+            <a:r>
+              <a:rPr lang="en-US" altLang="zh-CN" sz="800">
+                <a:solidFill>
+                  <a:sysClr val="windowText" lastClr="000000"/>
+                </a:solidFill>
+                <a:latin typeface="Quicksand Light" panose="00000400000000000000" pitchFamily="2" charset="0"/>
+              </a:rPr>
+              <a:t>&lt;td&gt;</a:t>
+            </a:r>
+            <a:endParaRPr lang="zh-CN" altLang="en-US" sz="800">
+              <a:solidFill>
+                <a:sysClr val="windowText" lastClr="000000"/>
+              </a:solidFill>
+              <a:latin typeface="Quicksand Light" panose="00000400000000000000" pitchFamily="2" charset="0"/>
+            </a:endParaRPr>
+          </a:p>
+        </p:txBody>
+      </p:sp>
+      <p:cxnSp>
+        <p:nvCxnSpPr>
+          <p:cNvPr id="13" name="连接符: 曲线 12">
+            <a:extLst>
+              <a:ext uri="{FF2B5EF4-FFF2-40B4-BE49-F238E27FC236}">
+                <a16:creationId xmlns:a16="http://schemas.microsoft.com/office/drawing/2014/main" id="{298359A6-17E1-0350-06F2-6B8C8E407376}"/>
+              </a:ext>
+            </a:extLst>
+          </p:cNvPr>
+          <p:cNvCxnSpPr>
+            <a:cxnSpLocks/>
+            <a:stCxn id="2" idx="3"/>
+            <a:endCxn id="3" idx="1"/>
+          </p:cNvCxnSpPr>
+          <p:nvPr/>
+        </p:nvCxnSpPr>
+        <p:spPr>
+          <a:xfrm flipV="1">
+            <a:off x="3691582" y="2325112"/>
+            <a:ext cx="236127" cy="925438"/>
+          </a:xfrm>
+          <a:prstGeom prst="curvedConnector3">
+            <a:avLst/>
+          </a:prstGeom>
+          <a:ln>
+            <a:solidFill>
+              <a:schemeClr val="accent1">
+                <a:lumMod val="60000"/>
+                <a:lumOff val="40000"/>
+              </a:schemeClr>
+            </a:solidFill>
+          </a:ln>
+        </p:spPr>
+        <p:style>
+          <a:lnRef idx="1">
+            <a:schemeClr val="accent1"/>
+          </a:lnRef>
+          <a:fillRef idx="0">
+            <a:schemeClr val="accent1"/>
+          </a:fillRef>
+          <a:effectRef idx="0">
+            <a:schemeClr val="accent1"/>
+          </a:effectRef>
+          <a:fontRef idx="minor">
+            <a:schemeClr val="tx1"/>
+          </a:fontRef>
+        </p:style>
+      </p:cxnSp>
+      <p:cxnSp>
+        <p:nvCxnSpPr>
+          <p:cNvPr id="14" name="连接符: 曲线 13">
+            <a:extLst>
+              <a:ext uri="{FF2B5EF4-FFF2-40B4-BE49-F238E27FC236}">
+                <a16:creationId xmlns:a16="http://schemas.microsoft.com/office/drawing/2014/main" id="{06C5FD35-9516-24EE-5628-FB328882111E}"/>
+              </a:ext>
+            </a:extLst>
+          </p:cNvPr>
+          <p:cNvCxnSpPr>
+            <a:stCxn id="2" idx="3"/>
+            <a:endCxn id="5" idx="1"/>
+          </p:cNvCxnSpPr>
+          <p:nvPr/>
+        </p:nvCxnSpPr>
+        <p:spPr>
+          <a:xfrm>
+            <a:off x="3691582" y="3250550"/>
+            <a:ext cx="236127" cy="287000"/>
+          </a:xfrm>
+          <a:prstGeom prst="curvedConnector3">
+            <a:avLst/>
+          </a:prstGeom>
+          <a:ln>
+            <a:solidFill>
+              <a:srgbClr val="FF0000"/>
+            </a:solidFill>
+          </a:ln>
+        </p:spPr>
+        <p:style>
+          <a:lnRef idx="1">
+            <a:schemeClr val="accent1"/>
+          </a:lnRef>
+          <a:fillRef idx="0">
+            <a:schemeClr val="accent1"/>
+          </a:fillRef>
+          <a:effectRef idx="0">
+            <a:schemeClr val="accent1"/>
+          </a:effectRef>
+          <a:fontRef idx="minor">
+            <a:schemeClr val="tx1"/>
+          </a:fontRef>
+        </p:style>
+      </p:cxnSp>
+      <p:cxnSp>
+        <p:nvCxnSpPr>
+          <p:cNvPr id="15" name="连接符: 曲线 14">
+            <a:extLst>
+              <a:ext uri="{FF2B5EF4-FFF2-40B4-BE49-F238E27FC236}">
+                <a16:creationId xmlns:a16="http://schemas.microsoft.com/office/drawing/2014/main" id="{91DC556E-624C-A24F-4281-CC2AD6C86AA9}"/>
+              </a:ext>
+            </a:extLst>
+          </p:cNvPr>
+          <p:cNvCxnSpPr>
+            <a:stCxn id="2" idx="3"/>
+            <a:endCxn id="6" idx="1"/>
+          </p:cNvCxnSpPr>
+          <p:nvPr/>
+        </p:nvCxnSpPr>
+        <p:spPr>
+          <a:xfrm>
+            <a:off x="3691582" y="3250550"/>
+            <a:ext cx="236127" cy="850400"/>
+          </a:xfrm>
+          <a:prstGeom prst="curvedConnector3">
+            <a:avLst/>
+          </a:prstGeom>
+          <a:ln>
+            <a:solidFill>
+              <a:srgbClr val="92D050"/>
+            </a:solidFill>
+          </a:ln>
+        </p:spPr>
+        <p:style>
+          <a:lnRef idx="1">
+            <a:schemeClr val="accent1"/>
+          </a:lnRef>
+          <a:fillRef idx="0">
+            <a:schemeClr val="accent1"/>
+          </a:fillRef>
+          <a:effectRef idx="0">
+            <a:schemeClr val="accent1"/>
+          </a:effectRef>
+          <a:fontRef idx="minor">
+            <a:schemeClr val="tx1"/>
+          </a:fontRef>
+        </p:style>
+      </p:cxnSp>
+      <p:cxnSp>
+        <p:nvCxnSpPr>
+          <p:cNvPr id="16" name="连接符: 曲线 15">
+            <a:extLst>
+              <a:ext uri="{FF2B5EF4-FFF2-40B4-BE49-F238E27FC236}">
+                <a16:creationId xmlns:a16="http://schemas.microsoft.com/office/drawing/2014/main" id="{2CF8CB28-1C39-C7E8-6324-ADA008E9F11F}"/>
+              </a:ext>
+            </a:extLst>
+          </p:cNvPr>
+          <p:cNvCxnSpPr>
+            <a:stCxn id="4" idx="1"/>
+            <a:endCxn id="2" idx="3"/>
+          </p:cNvCxnSpPr>
+          <p:nvPr/>
+        </p:nvCxnSpPr>
+        <p:spPr>
+          <a:xfrm rot="10800000" flipV="1">
+            <a:off x="3691583" y="2963550"/>
+            <a:ext cx="236127" cy="287000"/>
+          </a:xfrm>
+          <a:prstGeom prst="curvedConnector3">
+            <a:avLst/>
+          </a:prstGeom>
+          <a:ln>
+            <a:solidFill>
+              <a:srgbClr val="FFC000"/>
+            </a:solidFill>
+          </a:ln>
+        </p:spPr>
+        <p:style>
+          <a:lnRef idx="1">
+            <a:schemeClr val="accent1"/>
+          </a:lnRef>
+          <a:fillRef idx="0">
+            <a:schemeClr val="accent1"/>
+          </a:fillRef>
+          <a:effectRef idx="0">
+            <a:schemeClr val="accent1"/>
+          </a:effectRef>
+          <a:fontRef idx="minor">
+            <a:schemeClr val="tx1"/>
+          </a:fontRef>
+        </p:style>
+      </p:cxnSp>
+      <p:cxnSp>
+        <p:nvCxnSpPr>
+          <p:cNvPr id="17" name="连接符: 曲线 16">
+            <a:extLst>
+              <a:ext uri="{FF2B5EF4-FFF2-40B4-BE49-F238E27FC236}">
+                <a16:creationId xmlns:a16="http://schemas.microsoft.com/office/drawing/2014/main" id="{114D0B9D-2E4E-56E2-D1E7-E651846577ED}"/>
+              </a:ext>
+            </a:extLst>
+          </p:cNvPr>
+          <p:cNvCxnSpPr>
+            <a:stCxn id="4" idx="3"/>
+            <a:endCxn id="7" idx="1"/>
+          </p:cNvCxnSpPr>
+          <p:nvPr/>
+        </p:nvCxnSpPr>
+        <p:spPr>
+          <a:xfrm flipV="1">
+            <a:off x="4827709" y="2837550"/>
+            <a:ext cx="160971" cy="126000"/>
+          </a:xfrm>
+          <a:prstGeom prst="curvedConnector3">
+            <a:avLst/>
+          </a:prstGeom>
+          <a:ln>
+            <a:solidFill>
+              <a:srgbClr val="FFC000"/>
+            </a:solidFill>
+          </a:ln>
+        </p:spPr>
+        <p:style>
+          <a:lnRef idx="1">
+            <a:schemeClr val="accent1"/>
+          </a:lnRef>
+          <a:fillRef idx="0">
+            <a:schemeClr val="accent1"/>
+          </a:fillRef>
+          <a:effectRef idx="0">
+            <a:schemeClr val="accent1"/>
+          </a:effectRef>
+          <a:fontRef idx="minor">
+            <a:schemeClr val="tx1"/>
+          </a:fontRef>
+        </p:style>
+      </p:cxnSp>
+      <p:cxnSp>
+        <p:nvCxnSpPr>
+          <p:cNvPr id="18" name="连接符: 曲线 17">
+            <a:extLst>
+              <a:ext uri="{FF2B5EF4-FFF2-40B4-BE49-F238E27FC236}">
+                <a16:creationId xmlns:a16="http://schemas.microsoft.com/office/drawing/2014/main" id="{3C59A80E-8E6B-72B2-C1E1-4C880C4C93DD}"/>
+              </a:ext>
+            </a:extLst>
+          </p:cNvPr>
+          <p:cNvCxnSpPr>
+            <a:stCxn id="8" idx="1"/>
+            <a:endCxn id="4" idx="3"/>
+          </p:cNvCxnSpPr>
+          <p:nvPr/>
+        </p:nvCxnSpPr>
+        <p:spPr>
+          <a:xfrm rot="10800000">
+            <a:off x="4827710" y="2963550"/>
+            <a:ext cx="160971" cy="126000"/>
+          </a:xfrm>
+          <a:prstGeom prst="curvedConnector3">
+            <a:avLst/>
+          </a:prstGeom>
+          <a:ln>
+            <a:solidFill>
+              <a:srgbClr val="FFC000"/>
+            </a:solidFill>
+          </a:ln>
+        </p:spPr>
+        <p:style>
+          <a:lnRef idx="1">
+            <a:schemeClr val="accent1"/>
+          </a:lnRef>
+          <a:fillRef idx="0">
+            <a:schemeClr val="accent1"/>
+          </a:fillRef>
+          <a:effectRef idx="0">
+            <a:schemeClr val="accent1"/>
+          </a:effectRef>
+          <a:fontRef idx="minor">
+            <a:schemeClr val="tx1"/>
+          </a:fontRef>
+        </p:style>
+      </p:cxnSp>
+      <p:cxnSp>
+        <p:nvCxnSpPr>
+          <p:cNvPr id="19" name="连接符: 曲线 18">
+            <a:extLst>
+              <a:ext uri="{FF2B5EF4-FFF2-40B4-BE49-F238E27FC236}">
+                <a16:creationId xmlns:a16="http://schemas.microsoft.com/office/drawing/2014/main" id="{041D7C9F-7D99-7824-58C7-2BA40BC232D6}"/>
+              </a:ext>
+            </a:extLst>
+          </p:cNvPr>
+          <p:cNvCxnSpPr>
+            <a:stCxn id="5" idx="3"/>
+            <a:endCxn id="9" idx="1"/>
+          </p:cNvCxnSpPr>
+          <p:nvPr/>
+        </p:nvCxnSpPr>
+        <p:spPr>
+          <a:xfrm flipV="1">
+            <a:off x="4827709" y="3411550"/>
+            <a:ext cx="160971" cy="126000"/>
+          </a:xfrm>
+          <a:prstGeom prst="curvedConnector3">
+            <a:avLst/>
+          </a:prstGeom>
+          <a:ln>
+            <a:solidFill>
+              <a:srgbClr val="FF0000"/>
+            </a:solidFill>
+          </a:ln>
+        </p:spPr>
+        <p:style>
+          <a:lnRef idx="1">
+            <a:schemeClr val="accent1"/>
+          </a:lnRef>
+          <a:fillRef idx="0">
+            <a:schemeClr val="accent1"/>
+          </a:fillRef>
+          <a:effectRef idx="0">
+            <a:schemeClr val="accent1"/>
+          </a:effectRef>
+          <a:fontRef idx="minor">
+            <a:schemeClr val="tx1"/>
+          </a:fontRef>
+        </p:style>
+      </p:cxnSp>
+      <p:cxnSp>
+        <p:nvCxnSpPr>
+          <p:cNvPr id="20" name="连接符: 曲线 19">
+            <a:extLst>
+              <a:ext uri="{FF2B5EF4-FFF2-40B4-BE49-F238E27FC236}">
+                <a16:creationId xmlns:a16="http://schemas.microsoft.com/office/drawing/2014/main" id="{B2D7C8F8-E42C-083D-F9F9-50E9DF89B11D}"/>
+              </a:ext>
+            </a:extLst>
+          </p:cNvPr>
+          <p:cNvCxnSpPr>
+            <a:stCxn id="10" idx="1"/>
+            <a:endCxn id="5" idx="3"/>
+          </p:cNvCxnSpPr>
+          <p:nvPr/>
+        </p:nvCxnSpPr>
+        <p:spPr>
+          <a:xfrm rot="10800000">
+            <a:off x="4827710" y="3537550"/>
+            <a:ext cx="160971" cy="126000"/>
+          </a:xfrm>
+          <a:prstGeom prst="curvedConnector3">
+            <a:avLst/>
+          </a:prstGeom>
+          <a:ln>
+            <a:solidFill>
+              <a:srgbClr val="FF0000"/>
+            </a:solidFill>
+          </a:ln>
+        </p:spPr>
+        <p:style>
+          <a:lnRef idx="1">
+            <a:schemeClr val="accent1"/>
+          </a:lnRef>
+          <a:fillRef idx="0">
+            <a:schemeClr val="accent1"/>
+          </a:fillRef>
+          <a:effectRef idx="0">
+            <a:schemeClr val="accent1"/>
+          </a:effectRef>
+          <a:fontRef idx="minor">
+            <a:schemeClr val="tx1"/>
+          </a:fontRef>
+        </p:style>
+      </p:cxnSp>
+      <p:cxnSp>
+        <p:nvCxnSpPr>
+          <p:cNvPr id="21" name="连接符: 曲线 20">
+            <a:extLst>
+              <a:ext uri="{FF2B5EF4-FFF2-40B4-BE49-F238E27FC236}">
+                <a16:creationId xmlns:a16="http://schemas.microsoft.com/office/drawing/2014/main" id="{F1E01BA5-8E56-BB2F-4CFB-53C05DABA25C}"/>
+              </a:ext>
+            </a:extLst>
+          </p:cNvPr>
+          <p:cNvCxnSpPr>
+            <a:stCxn id="6" idx="3"/>
+            <a:endCxn id="11" idx="1"/>
+          </p:cNvCxnSpPr>
+          <p:nvPr/>
+        </p:nvCxnSpPr>
+        <p:spPr>
+          <a:xfrm flipV="1">
+            <a:off x="4827709" y="3974950"/>
+            <a:ext cx="160971" cy="126000"/>
+          </a:xfrm>
+          <a:prstGeom prst="curvedConnector3">
+            <a:avLst/>
+          </a:prstGeom>
+          <a:ln>
+            <a:solidFill>
+              <a:srgbClr val="92D050"/>
+            </a:solidFill>
+          </a:ln>
+        </p:spPr>
+        <p:style>
+          <a:lnRef idx="1">
+            <a:schemeClr val="accent1"/>
+          </a:lnRef>
+          <a:fillRef idx="0">
+            <a:schemeClr val="accent1"/>
+          </a:fillRef>
+          <a:effectRef idx="0">
+            <a:schemeClr val="accent1"/>
+          </a:effectRef>
+          <a:fontRef idx="minor">
+            <a:schemeClr val="tx1"/>
+          </a:fontRef>
+        </p:style>
+      </p:cxnSp>
+      <p:cxnSp>
+        <p:nvCxnSpPr>
+          <p:cNvPr id="22" name="连接符: 曲线 21">
+            <a:extLst>
+              <a:ext uri="{FF2B5EF4-FFF2-40B4-BE49-F238E27FC236}">
+                <a16:creationId xmlns:a16="http://schemas.microsoft.com/office/drawing/2014/main" id="{01E3F578-BCED-37BC-DA99-F6F310A81E84}"/>
+              </a:ext>
+            </a:extLst>
+          </p:cNvPr>
+          <p:cNvCxnSpPr>
+            <a:stCxn id="12" idx="1"/>
+            <a:endCxn id="6" idx="3"/>
+          </p:cNvCxnSpPr>
+          <p:nvPr/>
+        </p:nvCxnSpPr>
+        <p:spPr>
+          <a:xfrm rot="10800000">
+            <a:off x="4827710" y="4100950"/>
+            <a:ext cx="160971" cy="126000"/>
+          </a:xfrm>
+          <a:prstGeom prst="curvedConnector3">
+            <a:avLst/>
+          </a:prstGeom>
+          <a:ln>
+            <a:solidFill>
+              <a:srgbClr val="92D050"/>
+            </a:solidFill>
+          </a:ln>
+        </p:spPr>
+        <p:style>
+          <a:lnRef idx="1">
+            <a:schemeClr val="accent1"/>
+          </a:lnRef>
+          <a:fillRef idx="0">
+            <a:schemeClr val="accent1"/>
+          </a:fillRef>
+          <a:effectRef idx="0">
+            <a:schemeClr val="accent1"/>
+          </a:effectRef>
+          <a:fontRef idx="minor">
+            <a:schemeClr val="tx1"/>
+          </a:fontRef>
+        </p:style>
+      </p:cxnSp>
+    </p:spTree>
+    <p:extLst>
+      <p:ext uri="{BB962C8B-B14F-4D97-AF65-F5344CB8AC3E}">
+        <p14:creationId xmlns:p14="http://schemas.microsoft.com/office/powerpoint/2010/main" val="1074662793"/>
+      </p:ext>
+    </p:extLst>
+  </p:cSld>
+  <p:clrMapOvr>
+    <a:masterClrMapping/>
+  </p:clrMapOvr>
+</p:sld>
+</file>
+
+<file path=ppt/slides/slide20.xml><?xml version="1.0" encoding="utf-8"?>
+<p:sld xmlns:a="http://schemas.openxmlformats.org/drawingml/2006/main" xmlns:r="http://schemas.openxmlformats.org/officeDocument/2006/relationships" xmlns:p="http://schemas.openxmlformats.org/presentationml/2006/main">
+  <p:cSld>
+    <p:spTree>
+      <p:nvGrpSpPr>
+        <p:cNvPr id="1" name=""/>
+        <p:cNvGrpSpPr/>
+        <p:nvPr/>
+      </p:nvGrpSpPr>
+      <p:grpSpPr>
+        <a:xfrm>
+          <a:off x="0" y="0"/>
+          <a:ext cx="0" cy="0"/>
+          <a:chOff x="0" y="0"/>
+          <a:chExt cx="0" cy="0"/>
+        </a:xfrm>
+      </p:grpSpPr>
+      <p:sp>
+        <p:nvSpPr>
+          <p:cNvPr id="2" name="矩形: 圆角 1">
+            <a:extLst>
+              <a:ext uri="{FF2B5EF4-FFF2-40B4-BE49-F238E27FC236}">
                 <a16:creationId xmlns:a16="http://schemas.microsoft.com/office/drawing/2014/main" id="{634E8FE2-D635-D1A4-F363-34DFADAB4955}"/>
               </a:ext>
             </a:extLst>
@@ -14924,7 +17932,7 @@
 </p:sld>
 </file>
 
-<file path=ppt/slides/slide17.xml><?xml version="1.0" encoding="utf-8"?>
+<file path=ppt/slides/slide21.xml><?xml version="1.0" encoding="utf-8"?>
 <p:sld xmlns:a="http://schemas.openxmlformats.org/drawingml/2006/main" xmlns:r="http://schemas.openxmlformats.org/officeDocument/2006/relationships" xmlns:p="http://schemas.openxmlformats.org/presentationml/2006/main">
   <p:cSld>
     <p:spTree>
@@ -16176,7 +19184,7 @@
 </p:sld>
 </file>
 
-<file path=ppt/slides/slide18.xml><?xml version="1.0" encoding="utf-8"?>
+<file path=ppt/slides/slide22.xml><?xml version="1.0" encoding="utf-8"?>
 <p:sld xmlns:a="http://schemas.openxmlformats.org/drawingml/2006/main" xmlns:r="http://schemas.openxmlformats.org/officeDocument/2006/relationships" xmlns:p="http://schemas.openxmlformats.org/presentationml/2006/main">
   <p:cSld>
     <p:spTree>
@@ -17299,7 +20307,7 @@
 </p:sld>
 </file>
 
-<file path=ppt/slides/slide19.xml><?xml version="1.0" encoding="utf-8"?>
+<file path=ppt/slides/slide23.xml><?xml version="1.0" encoding="utf-8"?>
 <p:sld xmlns:a="http://schemas.openxmlformats.org/drawingml/2006/main" xmlns:r="http://schemas.openxmlformats.org/officeDocument/2006/relationships" xmlns:p="http://schemas.openxmlformats.org/presentationml/2006/main">
   <p:cSld>
     <p:spTree>
@@ -18662,1197 +21670,7 @@
 </p:sld>
 </file>
 
-<file path=ppt/slides/slide2.xml><?xml version="1.0" encoding="utf-8"?>
-<p:sld xmlns:a="http://schemas.openxmlformats.org/drawingml/2006/main" xmlns:r="http://schemas.openxmlformats.org/officeDocument/2006/relationships" xmlns:p="http://schemas.openxmlformats.org/presentationml/2006/main">
-  <p:cSld>
-    <p:spTree>
-      <p:nvGrpSpPr>
-        <p:cNvPr id="1" name=""/>
-        <p:cNvGrpSpPr/>
-        <p:nvPr/>
-      </p:nvGrpSpPr>
-      <p:grpSpPr>
-        <a:xfrm>
-          <a:off x="0" y="0"/>
-          <a:ext cx="0" cy="0"/>
-          <a:chOff x="0" y="0"/>
-          <a:chExt cx="0" cy="0"/>
-        </a:xfrm>
-      </p:grpSpPr>
-      <p:sp>
-        <p:nvSpPr>
-          <p:cNvPr id="2" name="矩形: 圆角 1">
-            <a:extLst>
-              <a:ext uri="{FF2B5EF4-FFF2-40B4-BE49-F238E27FC236}">
-                <a16:creationId xmlns:a16="http://schemas.microsoft.com/office/drawing/2014/main" id="{797F6B51-F2A4-1F52-B525-B119B11E43B7}"/>
-              </a:ext>
-            </a:extLst>
-          </p:cNvPr>
-          <p:cNvSpPr/>
-          <p:nvPr/>
-        </p:nvSpPr>
-        <p:spPr>
-          <a:xfrm>
-            <a:off x="2611582" y="3142550"/>
-            <a:ext cx="1080000" cy="216000"/>
-          </a:xfrm>
-          <a:prstGeom prst="roundRect">
-            <a:avLst/>
-          </a:prstGeom>
-          <a:solidFill>
-            <a:schemeClr val="tx1"/>
-          </a:solidFill>
-          <a:ln w="12700">
-            <a:noFill/>
-          </a:ln>
-        </p:spPr>
-        <p:style>
-          <a:lnRef idx="2">
-            <a:schemeClr val="accent1">
-              <a:shade val="15000"/>
-            </a:schemeClr>
-          </a:lnRef>
-          <a:fillRef idx="1">
-            <a:schemeClr val="accent1"/>
-          </a:fillRef>
-          <a:effectRef idx="0">
-            <a:schemeClr val="accent1"/>
-          </a:effectRef>
-          <a:fontRef idx="minor">
-            <a:schemeClr val="lt1"/>
-          </a:fontRef>
-        </p:style>
-        <p:txBody>
-          <a:bodyPr rtlCol="0" anchor="ctr"/>
-          <a:lstStyle/>
-          <a:p>
-            <a:pPr algn="ctr"/>
-            <a:r>
-              <a:rPr lang="en-US" altLang="zh-CN" sz="800">
-                <a:latin typeface="Quicksand Light" panose="00000400000000000000" pitchFamily="2" charset="0"/>
-              </a:rPr>
-              <a:t>&lt;table&gt;</a:t>
-            </a:r>
-            <a:endParaRPr lang="zh-CN" altLang="en-US" sz="800">
-              <a:latin typeface="Quicksand Light" panose="00000400000000000000" pitchFamily="2" charset="0"/>
-            </a:endParaRPr>
-          </a:p>
-        </p:txBody>
-      </p:sp>
-      <p:sp>
-        <p:nvSpPr>
-          <p:cNvPr id="3" name="矩形: 圆角 2">
-            <a:extLst>
-              <a:ext uri="{FF2B5EF4-FFF2-40B4-BE49-F238E27FC236}">
-                <a16:creationId xmlns:a16="http://schemas.microsoft.com/office/drawing/2014/main" id="{F73B3E66-69AB-3336-40D5-F3BEDEE3263A}"/>
-              </a:ext>
-            </a:extLst>
-          </p:cNvPr>
-          <p:cNvSpPr/>
-          <p:nvPr/>
-        </p:nvSpPr>
-        <p:spPr>
-          <a:xfrm>
-            <a:off x="3927709" y="2217112"/>
-            <a:ext cx="900000" cy="216000"/>
-          </a:xfrm>
-          <a:prstGeom prst="roundRect">
-            <a:avLst/>
-          </a:prstGeom>
-          <a:solidFill>
-            <a:srgbClr val="4472C4">
-              <a:alpha val="89804"/>
-            </a:srgbClr>
-          </a:solidFill>
-          <a:ln w="12700">
-            <a:noFill/>
-          </a:ln>
-        </p:spPr>
-        <p:style>
-          <a:lnRef idx="2">
-            <a:schemeClr val="accent1">
-              <a:shade val="15000"/>
-            </a:schemeClr>
-          </a:lnRef>
-          <a:fillRef idx="1">
-            <a:schemeClr val="accent1"/>
-          </a:fillRef>
-          <a:effectRef idx="0">
-            <a:schemeClr val="accent1"/>
-          </a:effectRef>
-          <a:fontRef idx="minor">
-            <a:schemeClr val="lt1"/>
-          </a:fontRef>
-        </p:style>
-        <p:txBody>
-          <a:bodyPr rtlCol="0" anchor="ctr"/>
-          <a:lstStyle/>
-          <a:p>
-            <a:pPr algn="ctr"/>
-            <a:r>
-              <a:rPr lang="en-US" altLang="zh-CN" sz="800">
-                <a:latin typeface="Quicksand Light" panose="00000400000000000000" pitchFamily="2" charset="0"/>
-              </a:rPr>
-              <a:t>&lt;caption&gt;</a:t>
-            </a:r>
-            <a:endParaRPr lang="zh-CN" altLang="en-US" sz="800">
-              <a:latin typeface="Quicksand Light" panose="00000400000000000000" pitchFamily="2" charset="0"/>
-            </a:endParaRPr>
-          </a:p>
-        </p:txBody>
-      </p:sp>
-      <p:sp>
-        <p:nvSpPr>
-          <p:cNvPr id="4" name="矩形: 圆角 3">
-            <a:extLst>
-              <a:ext uri="{FF2B5EF4-FFF2-40B4-BE49-F238E27FC236}">
-                <a16:creationId xmlns:a16="http://schemas.microsoft.com/office/drawing/2014/main" id="{0596E695-765B-68B5-C900-FFE2E7915C23}"/>
-              </a:ext>
-            </a:extLst>
-          </p:cNvPr>
-          <p:cNvSpPr/>
-          <p:nvPr/>
-        </p:nvSpPr>
-        <p:spPr>
-          <a:xfrm>
-            <a:off x="3927709" y="2855550"/>
-            <a:ext cx="900000" cy="216000"/>
-          </a:xfrm>
-          <a:prstGeom prst="roundRect">
-            <a:avLst/>
-          </a:prstGeom>
-          <a:solidFill>
-            <a:srgbClr val="F6A04D">
-              <a:alpha val="89804"/>
-            </a:srgbClr>
-          </a:solidFill>
-          <a:ln w="12700">
-            <a:noFill/>
-          </a:ln>
-        </p:spPr>
-        <p:style>
-          <a:lnRef idx="2">
-            <a:schemeClr val="accent1">
-              <a:shade val="15000"/>
-            </a:schemeClr>
-          </a:lnRef>
-          <a:fillRef idx="1">
-            <a:schemeClr val="accent1"/>
-          </a:fillRef>
-          <a:effectRef idx="0">
-            <a:schemeClr val="accent1"/>
-          </a:effectRef>
-          <a:fontRef idx="minor">
-            <a:schemeClr val="lt1"/>
-          </a:fontRef>
-        </p:style>
-        <p:txBody>
-          <a:bodyPr rtlCol="0" anchor="ctr"/>
-          <a:lstStyle/>
-          <a:p>
-            <a:pPr algn="ctr"/>
-            <a:r>
-              <a:rPr lang="en-US" altLang="zh-CN" sz="800">
-                <a:latin typeface="Quicksand Light" panose="00000400000000000000" pitchFamily="2" charset="0"/>
-              </a:rPr>
-              <a:t>&lt;thead&gt;</a:t>
-            </a:r>
-            <a:endParaRPr lang="zh-CN" altLang="en-US" sz="800">
-              <a:latin typeface="Quicksand Light" panose="00000400000000000000" pitchFamily="2" charset="0"/>
-            </a:endParaRPr>
-          </a:p>
-        </p:txBody>
-      </p:sp>
-      <p:sp>
-        <p:nvSpPr>
-          <p:cNvPr id="5" name="矩形: 圆角 4">
-            <a:extLst>
-              <a:ext uri="{FF2B5EF4-FFF2-40B4-BE49-F238E27FC236}">
-                <a16:creationId xmlns:a16="http://schemas.microsoft.com/office/drawing/2014/main" id="{02EB47C9-057A-4EF8-A2BF-4D0134159B27}"/>
-              </a:ext>
-            </a:extLst>
-          </p:cNvPr>
-          <p:cNvSpPr/>
-          <p:nvPr/>
-        </p:nvSpPr>
-        <p:spPr>
-          <a:xfrm>
-            <a:off x="3927709" y="3429550"/>
-            <a:ext cx="900000" cy="216000"/>
-          </a:xfrm>
-          <a:prstGeom prst="roundRect">
-            <a:avLst/>
-          </a:prstGeom>
-          <a:solidFill>
-            <a:srgbClr val="F9423A">
-              <a:alpha val="89804"/>
-            </a:srgbClr>
-          </a:solidFill>
-          <a:ln w="12700">
-            <a:noFill/>
-          </a:ln>
-        </p:spPr>
-        <p:style>
-          <a:lnRef idx="2">
-            <a:schemeClr val="accent1">
-              <a:shade val="15000"/>
-            </a:schemeClr>
-          </a:lnRef>
-          <a:fillRef idx="1">
-            <a:schemeClr val="accent1"/>
-          </a:fillRef>
-          <a:effectRef idx="0">
-            <a:schemeClr val="accent1"/>
-          </a:effectRef>
-          <a:fontRef idx="minor">
-            <a:schemeClr val="lt1"/>
-          </a:fontRef>
-        </p:style>
-        <p:txBody>
-          <a:bodyPr rtlCol="0" anchor="ctr"/>
-          <a:lstStyle/>
-          <a:p>
-            <a:pPr algn="ctr"/>
-            <a:r>
-              <a:rPr lang="en-US" altLang="zh-CN" sz="800">
-                <a:latin typeface="Quicksand Light" panose="00000400000000000000" pitchFamily="2" charset="0"/>
-              </a:rPr>
-              <a:t>&lt;tbody&gt;</a:t>
-            </a:r>
-            <a:endParaRPr lang="zh-CN" altLang="en-US" sz="800">
-              <a:latin typeface="Quicksand Light" panose="00000400000000000000" pitchFamily="2" charset="0"/>
-            </a:endParaRPr>
-          </a:p>
-        </p:txBody>
-      </p:sp>
-      <p:sp>
-        <p:nvSpPr>
-          <p:cNvPr id="6" name="矩形: 圆角 5">
-            <a:extLst>
-              <a:ext uri="{FF2B5EF4-FFF2-40B4-BE49-F238E27FC236}">
-                <a16:creationId xmlns:a16="http://schemas.microsoft.com/office/drawing/2014/main" id="{9A98E275-1E96-FAB7-F617-AE6834538469}"/>
-              </a:ext>
-            </a:extLst>
-          </p:cNvPr>
-          <p:cNvSpPr/>
-          <p:nvPr/>
-        </p:nvSpPr>
-        <p:spPr>
-          <a:xfrm>
-            <a:off x="3927709" y="3992950"/>
-            <a:ext cx="900000" cy="216000"/>
-          </a:xfrm>
-          <a:prstGeom prst="roundRect">
-            <a:avLst/>
-          </a:prstGeom>
-          <a:solidFill>
-            <a:srgbClr val="00BC7B">
-              <a:alpha val="89804"/>
-            </a:srgbClr>
-          </a:solidFill>
-          <a:ln w="12700">
-            <a:noFill/>
-          </a:ln>
-        </p:spPr>
-        <p:style>
-          <a:lnRef idx="2">
-            <a:schemeClr val="accent1">
-              <a:shade val="15000"/>
-            </a:schemeClr>
-          </a:lnRef>
-          <a:fillRef idx="1">
-            <a:schemeClr val="accent1"/>
-          </a:fillRef>
-          <a:effectRef idx="0">
-            <a:schemeClr val="accent1"/>
-          </a:effectRef>
-          <a:fontRef idx="minor">
-            <a:schemeClr val="lt1"/>
-          </a:fontRef>
-        </p:style>
-        <p:txBody>
-          <a:bodyPr rtlCol="0" anchor="ctr"/>
-          <a:lstStyle/>
-          <a:p>
-            <a:pPr algn="ctr"/>
-            <a:r>
-              <a:rPr lang="en-US" altLang="zh-CN" sz="800">
-                <a:latin typeface="Quicksand Light" panose="00000400000000000000" pitchFamily="2" charset="0"/>
-              </a:rPr>
-              <a:t>&lt;tfoot&gt;</a:t>
-            </a:r>
-            <a:endParaRPr lang="zh-CN" altLang="en-US" sz="800">
-              <a:latin typeface="Quicksand Light" panose="00000400000000000000" pitchFamily="2" charset="0"/>
-            </a:endParaRPr>
-          </a:p>
-        </p:txBody>
-      </p:sp>
-      <p:sp>
-        <p:nvSpPr>
-          <p:cNvPr id="7" name="矩形: 圆角 6">
-            <a:extLst>
-              <a:ext uri="{FF2B5EF4-FFF2-40B4-BE49-F238E27FC236}">
-                <a16:creationId xmlns:a16="http://schemas.microsoft.com/office/drawing/2014/main" id="{1364CE8F-F9FF-ED29-6F39-C09735082C89}"/>
-              </a:ext>
-            </a:extLst>
-          </p:cNvPr>
-          <p:cNvSpPr/>
-          <p:nvPr/>
-        </p:nvSpPr>
-        <p:spPr>
-          <a:xfrm>
-            <a:off x="4988680" y="2729550"/>
-            <a:ext cx="720000" cy="216000"/>
-          </a:xfrm>
-          <a:prstGeom prst="roundRect">
-            <a:avLst/>
-          </a:prstGeom>
-          <a:solidFill>
-            <a:srgbClr val="FDECDB">
-              <a:alpha val="89804"/>
-            </a:srgbClr>
-          </a:solidFill>
-          <a:ln w="12700">
-            <a:noFill/>
-          </a:ln>
-        </p:spPr>
-        <p:style>
-          <a:lnRef idx="2">
-            <a:schemeClr val="accent1">
-              <a:shade val="15000"/>
-            </a:schemeClr>
-          </a:lnRef>
-          <a:fillRef idx="1">
-            <a:schemeClr val="accent1"/>
-          </a:fillRef>
-          <a:effectRef idx="0">
-            <a:schemeClr val="accent1"/>
-          </a:effectRef>
-          <a:fontRef idx="minor">
-            <a:schemeClr val="lt1"/>
-          </a:fontRef>
-        </p:style>
-        <p:txBody>
-          <a:bodyPr rtlCol="0" anchor="ctr"/>
-          <a:lstStyle/>
-          <a:p>
-            <a:pPr algn="ctr"/>
-            <a:r>
-              <a:rPr lang="en-US" altLang="zh-CN" sz="800">
-                <a:solidFill>
-                  <a:sysClr val="windowText" lastClr="000000"/>
-                </a:solidFill>
-                <a:latin typeface="Quicksand Light" panose="00000400000000000000" pitchFamily="2" charset="0"/>
-              </a:rPr>
-              <a:t>&lt;tr&gt;</a:t>
-            </a:r>
-            <a:endParaRPr lang="zh-CN" altLang="en-US" sz="800">
-              <a:solidFill>
-                <a:sysClr val="windowText" lastClr="000000"/>
-              </a:solidFill>
-              <a:latin typeface="Quicksand Light" panose="00000400000000000000" pitchFamily="2" charset="0"/>
-            </a:endParaRPr>
-          </a:p>
-        </p:txBody>
-      </p:sp>
-      <p:sp>
-        <p:nvSpPr>
-          <p:cNvPr id="8" name="矩形: 圆角 7">
-            <a:extLst>
-              <a:ext uri="{FF2B5EF4-FFF2-40B4-BE49-F238E27FC236}">
-                <a16:creationId xmlns:a16="http://schemas.microsoft.com/office/drawing/2014/main" id="{41E16CF2-21EE-CCD8-6CF8-C9DF7E974007}"/>
-              </a:ext>
-            </a:extLst>
-          </p:cNvPr>
-          <p:cNvSpPr/>
-          <p:nvPr/>
-        </p:nvSpPr>
-        <p:spPr>
-          <a:xfrm>
-            <a:off x="4988680" y="2981550"/>
-            <a:ext cx="720000" cy="216000"/>
-          </a:xfrm>
-          <a:prstGeom prst="roundRect">
-            <a:avLst/>
-          </a:prstGeom>
-          <a:solidFill>
-            <a:srgbClr val="FDECDB">
-              <a:alpha val="89804"/>
-            </a:srgbClr>
-          </a:solidFill>
-          <a:ln w="12700">
-            <a:noFill/>
-          </a:ln>
-        </p:spPr>
-        <p:style>
-          <a:lnRef idx="2">
-            <a:schemeClr val="accent1">
-              <a:shade val="15000"/>
-            </a:schemeClr>
-          </a:lnRef>
-          <a:fillRef idx="1">
-            <a:schemeClr val="accent1"/>
-          </a:fillRef>
-          <a:effectRef idx="0">
-            <a:schemeClr val="accent1"/>
-          </a:effectRef>
-          <a:fontRef idx="minor">
-            <a:schemeClr val="lt1"/>
-          </a:fontRef>
-        </p:style>
-        <p:txBody>
-          <a:bodyPr rtlCol="0" anchor="ctr"/>
-          <a:lstStyle/>
-          <a:p>
-            <a:pPr algn="ctr"/>
-            <a:r>
-              <a:rPr lang="en-US" altLang="zh-CN" sz="800">
-                <a:solidFill>
-                  <a:sysClr val="windowText" lastClr="000000"/>
-                </a:solidFill>
-                <a:latin typeface="Quicksand Light" panose="00000400000000000000" pitchFamily="2" charset="0"/>
-              </a:rPr>
-              <a:t>&lt;th&gt;</a:t>
-            </a:r>
-            <a:endParaRPr lang="zh-CN" altLang="en-US" sz="800">
-              <a:solidFill>
-                <a:sysClr val="windowText" lastClr="000000"/>
-              </a:solidFill>
-              <a:latin typeface="Quicksand Light" panose="00000400000000000000" pitchFamily="2" charset="0"/>
-            </a:endParaRPr>
-          </a:p>
-        </p:txBody>
-      </p:sp>
-      <p:sp>
-        <p:nvSpPr>
-          <p:cNvPr id="9" name="矩形: 圆角 8">
-            <a:extLst>
-              <a:ext uri="{FF2B5EF4-FFF2-40B4-BE49-F238E27FC236}">
-                <a16:creationId xmlns:a16="http://schemas.microsoft.com/office/drawing/2014/main" id="{F36CB3ED-C818-AA5A-27A7-5D321CF65E6F}"/>
-              </a:ext>
-            </a:extLst>
-          </p:cNvPr>
-          <p:cNvSpPr/>
-          <p:nvPr/>
-        </p:nvSpPr>
-        <p:spPr>
-          <a:xfrm>
-            <a:off x="4988680" y="3303550"/>
-            <a:ext cx="720000" cy="216000"/>
-          </a:xfrm>
-          <a:prstGeom prst="roundRect">
-            <a:avLst/>
-          </a:prstGeom>
-          <a:solidFill>
-            <a:srgbClr val="FED9D8">
-              <a:alpha val="89804"/>
-            </a:srgbClr>
-          </a:solidFill>
-          <a:ln w="12700">
-            <a:noFill/>
-          </a:ln>
-        </p:spPr>
-        <p:style>
-          <a:lnRef idx="2">
-            <a:schemeClr val="accent1">
-              <a:shade val="15000"/>
-            </a:schemeClr>
-          </a:lnRef>
-          <a:fillRef idx="1">
-            <a:schemeClr val="accent1"/>
-          </a:fillRef>
-          <a:effectRef idx="0">
-            <a:schemeClr val="accent1"/>
-          </a:effectRef>
-          <a:fontRef idx="minor">
-            <a:schemeClr val="lt1"/>
-          </a:fontRef>
-        </p:style>
-        <p:txBody>
-          <a:bodyPr rtlCol="0" anchor="ctr"/>
-          <a:lstStyle/>
-          <a:p>
-            <a:pPr algn="ctr"/>
-            <a:r>
-              <a:rPr lang="en-US" altLang="zh-CN" sz="800">
-                <a:solidFill>
-                  <a:sysClr val="windowText" lastClr="000000"/>
-                </a:solidFill>
-                <a:latin typeface="Quicksand Light" panose="00000400000000000000" pitchFamily="2" charset="0"/>
-              </a:rPr>
-              <a:t>&lt;tr&gt;</a:t>
-            </a:r>
-            <a:endParaRPr lang="zh-CN" altLang="en-US" sz="800">
-              <a:solidFill>
-                <a:sysClr val="windowText" lastClr="000000"/>
-              </a:solidFill>
-              <a:latin typeface="Quicksand Light" panose="00000400000000000000" pitchFamily="2" charset="0"/>
-            </a:endParaRPr>
-          </a:p>
-        </p:txBody>
-      </p:sp>
-      <p:sp>
-        <p:nvSpPr>
-          <p:cNvPr id="10" name="矩形: 圆角 9">
-            <a:extLst>
-              <a:ext uri="{FF2B5EF4-FFF2-40B4-BE49-F238E27FC236}">
-                <a16:creationId xmlns:a16="http://schemas.microsoft.com/office/drawing/2014/main" id="{4DF699C5-ADF4-C7BA-0E33-FD433133C491}"/>
-              </a:ext>
-            </a:extLst>
-          </p:cNvPr>
-          <p:cNvSpPr/>
-          <p:nvPr/>
-        </p:nvSpPr>
-        <p:spPr>
-          <a:xfrm>
-            <a:off x="4988680" y="3555550"/>
-            <a:ext cx="720000" cy="216000"/>
-          </a:xfrm>
-          <a:prstGeom prst="roundRect">
-            <a:avLst/>
-          </a:prstGeom>
-          <a:solidFill>
-            <a:srgbClr val="FED9D8">
-              <a:alpha val="89804"/>
-            </a:srgbClr>
-          </a:solidFill>
-          <a:ln w="12700">
-            <a:noFill/>
-          </a:ln>
-        </p:spPr>
-        <p:style>
-          <a:lnRef idx="2">
-            <a:schemeClr val="accent1">
-              <a:shade val="15000"/>
-            </a:schemeClr>
-          </a:lnRef>
-          <a:fillRef idx="1">
-            <a:schemeClr val="accent1"/>
-          </a:fillRef>
-          <a:effectRef idx="0">
-            <a:schemeClr val="accent1"/>
-          </a:effectRef>
-          <a:fontRef idx="minor">
-            <a:schemeClr val="lt1"/>
-          </a:fontRef>
-        </p:style>
-        <p:txBody>
-          <a:bodyPr rtlCol="0" anchor="ctr"/>
-          <a:lstStyle/>
-          <a:p>
-            <a:pPr algn="ctr"/>
-            <a:r>
-              <a:rPr lang="en-US" altLang="zh-CN" sz="800">
-                <a:solidFill>
-                  <a:sysClr val="windowText" lastClr="000000"/>
-                </a:solidFill>
-                <a:latin typeface="Quicksand Light" panose="00000400000000000000" pitchFamily="2" charset="0"/>
-              </a:rPr>
-              <a:t>&lt;td&gt;</a:t>
-            </a:r>
-            <a:endParaRPr lang="zh-CN" altLang="en-US" sz="800">
-              <a:solidFill>
-                <a:sysClr val="windowText" lastClr="000000"/>
-              </a:solidFill>
-              <a:latin typeface="Quicksand Light" panose="00000400000000000000" pitchFamily="2" charset="0"/>
-            </a:endParaRPr>
-          </a:p>
-        </p:txBody>
-      </p:sp>
-      <p:sp>
-        <p:nvSpPr>
-          <p:cNvPr id="11" name="矩形: 圆角 10">
-            <a:extLst>
-              <a:ext uri="{FF2B5EF4-FFF2-40B4-BE49-F238E27FC236}">
-                <a16:creationId xmlns:a16="http://schemas.microsoft.com/office/drawing/2014/main" id="{9A7CBB2E-7A46-5370-A481-60C05098B4F7}"/>
-              </a:ext>
-            </a:extLst>
-          </p:cNvPr>
-          <p:cNvSpPr/>
-          <p:nvPr/>
-        </p:nvSpPr>
-        <p:spPr>
-          <a:xfrm>
-            <a:off x="4988680" y="3866950"/>
-            <a:ext cx="720000" cy="216000"/>
-          </a:xfrm>
-          <a:prstGeom prst="roundRect">
-            <a:avLst/>
-          </a:prstGeom>
-          <a:solidFill>
-            <a:srgbClr val="CCF2E5">
-              <a:alpha val="89804"/>
-            </a:srgbClr>
-          </a:solidFill>
-          <a:ln w="12700">
-            <a:noFill/>
-          </a:ln>
-        </p:spPr>
-        <p:style>
-          <a:lnRef idx="2">
-            <a:schemeClr val="accent1">
-              <a:shade val="15000"/>
-            </a:schemeClr>
-          </a:lnRef>
-          <a:fillRef idx="1">
-            <a:schemeClr val="accent1"/>
-          </a:fillRef>
-          <a:effectRef idx="0">
-            <a:schemeClr val="accent1"/>
-          </a:effectRef>
-          <a:fontRef idx="minor">
-            <a:schemeClr val="lt1"/>
-          </a:fontRef>
-        </p:style>
-        <p:txBody>
-          <a:bodyPr rtlCol="0" anchor="ctr"/>
-          <a:lstStyle/>
-          <a:p>
-            <a:pPr algn="ctr"/>
-            <a:r>
-              <a:rPr lang="en-US" altLang="zh-CN" sz="800">
-                <a:solidFill>
-                  <a:sysClr val="windowText" lastClr="000000"/>
-                </a:solidFill>
-                <a:latin typeface="Quicksand Light" panose="00000400000000000000" pitchFamily="2" charset="0"/>
-              </a:rPr>
-              <a:t>&lt;tr&gt;</a:t>
-            </a:r>
-            <a:endParaRPr lang="zh-CN" altLang="en-US" sz="800">
-              <a:solidFill>
-                <a:sysClr val="windowText" lastClr="000000"/>
-              </a:solidFill>
-              <a:latin typeface="Quicksand Light" panose="00000400000000000000" pitchFamily="2" charset="0"/>
-            </a:endParaRPr>
-          </a:p>
-        </p:txBody>
-      </p:sp>
-      <p:sp>
-        <p:nvSpPr>
-          <p:cNvPr id="12" name="矩形: 圆角 11">
-            <a:extLst>
-              <a:ext uri="{FF2B5EF4-FFF2-40B4-BE49-F238E27FC236}">
-                <a16:creationId xmlns:a16="http://schemas.microsoft.com/office/drawing/2014/main" id="{D4779CBA-FFDD-895A-53AD-886208DEAA4A}"/>
-              </a:ext>
-            </a:extLst>
-          </p:cNvPr>
-          <p:cNvSpPr/>
-          <p:nvPr/>
-        </p:nvSpPr>
-        <p:spPr>
-          <a:xfrm>
-            <a:off x="4988680" y="4118950"/>
-            <a:ext cx="720000" cy="216000"/>
-          </a:xfrm>
-          <a:prstGeom prst="roundRect">
-            <a:avLst/>
-          </a:prstGeom>
-          <a:solidFill>
-            <a:srgbClr val="CCF2E5">
-              <a:alpha val="89804"/>
-            </a:srgbClr>
-          </a:solidFill>
-          <a:ln w="12700">
-            <a:noFill/>
-          </a:ln>
-        </p:spPr>
-        <p:style>
-          <a:lnRef idx="2">
-            <a:schemeClr val="accent1">
-              <a:shade val="15000"/>
-            </a:schemeClr>
-          </a:lnRef>
-          <a:fillRef idx="1">
-            <a:schemeClr val="accent1"/>
-          </a:fillRef>
-          <a:effectRef idx="0">
-            <a:schemeClr val="accent1"/>
-          </a:effectRef>
-          <a:fontRef idx="minor">
-            <a:schemeClr val="lt1"/>
-          </a:fontRef>
-        </p:style>
-        <p:txBody>
-          <a:bodyPr rtlCol="0" anchor="ctr"/>
-          <a:lstStyle/>
-          <a:p>
-            <a:pPr algn="ctr"/>
-            <a:r>
-              <a:rPr lang="en-US" altLang="zh-CN" sz="800">
-                <a:solidFill>
-                  <a:sysClr val="windowText" lastClr="000000"/>
-                </a:solidFill>
-                <a:latin typeface="Quicksand Light" panose="00000400000000000000" pitchFamily="2" charset="0"/>
-              </a:rPr>
-              <a:t>&lt;td&gt;</a:t>
-            </a:r>
-            <a:endParaRPr lang="zh-CN" altLang="en-US" sz="800">
-              <a:solidFill>
-                <a:sysClr val="windowText" lastClr="000000"/>
-              </a:solidFill>
-              <a:latin typeface="Quicksand Light" panose="00000400000000000000" pitchFamily="2" charset="0"/>
-            </a:endParaRPr>
-          </a:p>
-        </p:txBody>
-      </p:sp>
-      <p:cxnSp>
-        <p:nvCxnSpPr>
-          <p:cNvPr id="13" name="连接符: 曲线 12">
-            <a:extLst>
-              <a:ext uri="{FF2B5EF4-FFF2-40B4-BE49-F238E27FC236}">
-                <a16:creationId xmlns:a16="http://schemas.microsoft.com/office/drawing/2014/main" id="{298359A6-17E1-0350-06F2-6B8C8E407376}"/>
-              </a:ext>
-            </a:extLst>
-          </p:cNvPr>
-          <p:cNvCxnSpPr>
-            <a:cxnSpLocks/>
-            <a:stCxn id="2" idx="3"/>
-            <a:endCxn id="3" idx="1"/>
-          </p:cNvCxnSpPr>
-          <p:nvPr/>
-        </p:nvCxnSpPr>
-        <p:spPr>
-          <a:xfrm flipV="1">
-            <a:off x="3691582" y="2325112"/>
-            <a:ext cx="236127" cy="925438"/>
-          </a:xfrm>
-          <a:prstGeom prst="curvedConnector3">
-            <a:avLst/>
-          </a:prstGeom>
-          <a:ln>
-            <a:solidFill>
-              <a:schemeClr val="accent1">
-                <a:lumMod val="60000"/>
-                <a:lumOff val="40000"/>
-              </a:schemeClr>
-            </a:solidFill>
-          </a:ln>
-        </p:spPr>
-        <p:style>
-          <a:lnRef idx="1">
-            <a:schemeClr val="accent1"/>
-          </a:lnRef>
-          <a:fillRef idx="0">
-            <a:schemeClr val="accent1"/>
-          </a:fillRef>
-          <a:effectRef idx="0">
-            <a:schemeClr val="accent1"/>
-          </a:effectRef>
-          <a:fontRef idx="minor">
-            <a:schemeClr val="tx1"/>
-          </a:fontRef>
-        </p:style>
-      </p:cxnSp>
-      <p:cxnSp>
-        <p:nvCxnSpPr>
-          <p:cNvPr id="14" name="连接符: 曲线 13">
-            <a:extLst>
-              <a:ext uri="{FF2B5EF4-FFF2-40B4-BE49-F238E27FC236}">
-                <a16:creationId xmlns:a16="http://schemas.microsoft.com/office/drawing/2014/main" id="{06C5FD35-9516-24EE-5628-FB328882111E}"/>
-              </a:ext>
-            </a:extLst>
-          </p:cNvPr>
-          <p:cNvCxnSpPr>
-            <a:stCxn id="2" idx="3"/>
-            <a:endCxn id="5" idx="1"/>
-          </p:cNvCxnSpPr>
-          <p:nvPr/>
-        </p:nvCxnSpPr>
-        <p:spPr>
-          <a:xfrm>
-            <a:off x="3691582" y="3250550"/>
-            <a:ext cx="236127" cy="287000"/>
-          </a:xfrm>
-          <a:prstGeom prst="curvedConnector3">
-            <a:avLst/>
-          </a:prstGeom>
-          <a:ln>
-            <a:solidFill>
-              <a:srgbClr val="FF0000"/>
-            </a:solidFill>
-          </a:ln>
-        </p:spPr>
-        <p:style>
-          <a:lnRef idx="1">
-            <a:schemeClr val="accent1"/>
-          </a:lnRef>
-          <a:fillRef idx="0">
-            <a:schemeClr val="accent1"/>
-          </a:fillRef>
-          <a:effectRef idx="0">
-            <a:schemeClr val="accent1"/>
-          </a:effectRef>
-          <a:fontRef idx="minor">
-            <a:schemeClr val="tx1"/>
-          </a:fontRef>
-        </p:style>
-      </p:cxnSp>
-      <p:cxnSp>
-        <p:nvCxnSpPr>
-          <p:cNvPr id="15" name="连接符: 曲线 14">
-            <a:extLst>
-              <a:ext uri="{FF2B5EF4-FFF2-40B4-BE49-F238E27FC236}">
-                <a16:creationId xmlns:a16="http://schemas.microsoft.com/office/drawing/2014/main" id="{91DC556E-624C-A24F-4281-CC2AD6C86AA9}"/>
-              </a:ext>
-            </a:extLst>
-          </p:cNvPr>
-          <p:cNvCxnSpPr>
-            <a:stCxn id="2" idx="3"/>
-            <a:endCxn id="6" idx="1"/>
-          </p:cNvCxnSpPr>
-          <p:nvPr/>
-        </p:nvCxnSpPr>
-        <p:spPr>
-          <a:xfrm>
-            <a:off x="3691582" y="3250550"/>
-            <a:ext cx="236127" cy="850400"/>
-          </a:xfrm>
-          <a:prstGeom prst="curvedConnector3">
-            <a:avLst/>
-          </a:prstGeom>
-          <a:ln>
-            <a:solidFill>
-              <a:srgbClr val="92D050"/>
-            </a:solidFill>
-          </a:ln>
-        </p:spPr>
-        <p:style>
-          <a:lnRef idx="1">
-            <a:schemeClr val="accent1"/>
-          </a:lnRef>
-          <a:fillRef idx="0">
-            <a:schemeClr val="accent1"/>
-          </a:fillRef>
-          <a:effectRef idx="0">
-            <a:schemeClr val="accent1"/>
-          </a:effectRef>
-          <a:fontRef idx="minor">
-            <a:schemeClr val="tx1"/>
-          </a:fontRef>
-        </p:style>
-      </p:cxnSp>
-      <p:cxnSp>
-        <p:nvCxnSpPr>
-          <p:cNvPr id="16" name="连接符: 曲线 15">
-            <a:extLst>
-              <a:ext uri="{FF2B5EF4-FFF2-40B4-BE49-F238E27FC236}">
-                <a16:creationId xmlns:a16="http://schemas.microsoft.com/office/drawing/2014/main" id="{2CF8CB28-1C39-C7E8-6324-ADA008E9F11F}"/>
-              </a:ext>
-            </a:extLst>
-          </p:cNvPr>
-          <p:cNvCxnSpPr>
-            <a:stCxn id="4" idx="1"/>
-            <a:endCxn id="2" idx="3"/>
-          </p:cNvCxnSpPr>
-          <p:nvPr/>
-        </p:nvCxnSpPr>
-        <p:spPr>
-          <a:xfrm rot="10800000" flipV="1">
-            <a:off x="3691583" y="2963550"/>
-            <a:ext cx="236127" cy="287000"/>
-          </a:xfrm>
-          <a:prstGeom prst="curvedConnector3">
-            <a:avLst/>
-          </a:prstGeom>
-          <a:ln>
-            <a:solidFill>
-              <a:srgbClr val="FFC000"/>
-            </a:solidFill>
-          </a:ln>
-        </p:spPr>
-        <p:style>
-          <a:lnRef idx="1">
-            <a:schemeClr val="accent1"/>
-          </a:lnRef>
-          <a:fillRef idx="0">
-            <a:schemeClr val="accent1"/>
-          </a:fillRef>
-          <a:effectRef idx="0">
-            <a:schemeClr val="accent1"/>
-          </a:effectRef>
-          <a:fontRef idx="minor">
-            <a:schemeClr val="tx1"/>
-          </a:fontRef>
-        </p:style>
-      </p:cxnSp>
-      <p:cxnSp>
-        <p:nvCxnSpPr>
-          <p:cNvPr id="17" name="连接符: 曲线 16">
-            <a:extLst>
-              <a:ext uri="{FF2B5EF4-FFF2-40B4-BE49-F238E27FC236}">
-                <a16:creationId xmlns:a16="http://schemas.microsoft.com/office/drawing/2014/main" id="{114D0B9D-2E4E-56E2-D1E7-E651846577ED}"/>
-              </a:ext>
-            </a:extLst>
-          </p:cNvPr>
-          <p:cNvCxnSpPr>
-            <a:stCxn id="4" idx="3"/>
-            <a:endCxn id="7" idx="1"/>
-          </p:cNvCxnSpPr>
-          <p:nvPr/>
-        </p:nvCxnSpPr>
-        <p:spPr>
-          <a:xfrm flipV="1">
-            <a:off x="4827709" y="2837550"/>
-            <a:ext cx="160971" cy="126000"/>
-          </a:xfrm>
-          <a:prstGeom prst="curvedConnector3">
-            <a:avLst/>
-          </a:prstGeom>
-          <a:ln>
-            <a:solidFill>
-              <a:srgbClr val="FFC000"/>
-            </a:solidFill>
-          </a:ln>
-        </p:spPr>
-        <p:style>
-          <a:lnRef idx="1">
-            <a:schemeClr val="accent1"/>
-          </a:lnRef>
-          <a:fillRef idx="0">
-            <a:schemeClr val="accent1"/>
-          </a:fillRef>
-          <a:effectRef idx="0">
-            <a:schemeClr val="accent1"/>
-          </a:effectRef>
-          <a:fontRef idx="minor">
-            <a:schemeClr val="tx1"/>
-          </a:fontRef>
-        </p:style>
-      </p:cxnSp>
-      <p:cxnSp>
-        <p:nvCxnSpPr>
-          <p:cNvPr id="18" name="连接符: 曲线 17">
-            <a:extLst>
-              <a:ext uri="{FF2B5EF4-FFF2-40B4-BE49-F238E27FC236}">
-                <a16:creationId xmlns:a16="http://schemas.microsoft.com/office/drawing/2014/main" id="{3C59A80E-8E6B-72B2-C1E1-4C880C4C93DD}"/>
-              </a:ext>
-            </a:extLst>
-          </p:cNvPr>
-          <p:cNvCxnSpPr>
-            <a:stCxn id="8" idx="1"/>
-            <a:endCxn id="4" idx="3"/>
-          </p:cNvCxnSpPr>
-          <p:nvPr/>
-        </p:nvCxnSpPr>
-        <p:spPr>
-          <a:xfrm rot="10800000">
-            <a:off x="4827710" y="2963550"/>
-            <a:ext cx="160971" cy="126000"/>
-          </a:xfrm>
-          <a:prstGeom prst="curvedConnector3">
-            <a:avLst/>
-          </a:prstGeom>
-          <a:ln>
-            <a:solidFill>
-              <a:srgbClr val="FFC000"/>
-            </a:solidFill>
-          </a:ln>
-        </p:spPr>
-        <p:style>
-          <a:lnRef idx="1">
-            <a:schemeClr val="accent1"/>
-          </a:lnRef>
-          <a:fillRef idx="0">
-            <a:schemeClr val="accent1"/>
-          </a:fillRef>
-          <a:effectRef idx="0">
-            <a:schemeClr val="accent1"/>
-          </a:effectRef>
-          <a:fontRef idx="minor">
-            <a:schemeClr val="tx1"/>
-          </a:fontRef>
-        </p:style>
-      </p:cxnSp>
-      <p:cxnSp>
-        <p:nvCxnSpPr>
-          <p:cNvPr id="19" name="连接符: 曲线 18">
-            <a:extLst>
-              <a:ext uri="{FF2B5EF4-FFF2-40B4-BE49-F238E27FC236}">
-                <a16:creationId xmlns:a16="http://schemas.microsoft.com/office/drawing/2014/main" id="{041D7C9F-7D99-7824-58C7-2BA40BC232D6}"/>
-              </a:ext>
-            </a:extLst>
-          </p:cNvPr>
-          <p:cNvCxnSpPr>
-            <a:stCxn id="5" idx="3"/>
-            <a:endCxn id="9" idx="1"/>
-          </p:cNvCxnSpPr>
-          <p:nvPr/>
-        </p:nvCxnSpPr>
-        <p:spPr>
-          <a:xfrm flipV="1">
-            <a:off x="4827709" y="3411550"/>
-            <a:ext cx="160971" cy="126000"/>
-          </a:xfrm>
-          <a:prstGeom prst="curvedConnector3">
-            <a:avLst/>
-          </a:prstGeom>
-          <a:ln>
-            <a:solidFill>
-              <a:srgbClr val="FF0000"/>
-            </a:solidFill>
-          </a:ln>
-        </p:spPr>
-        <p:style>
-          <a:lnRef idx="1">
-            <a:schemeClr val="accent1"/>
-          </a:lnRef>
-          <a:fillRef idx="0">
-            <a:schemeClr val="accent1"/>
-          </a:fillRef>
-          <a:effectRef idx="0">
-            <a:schemeClr val="accent1"/>
-          </a:effectRef>
-          <a:fontRef idx="minor">
-            <a:schemeClr val="tx1"/>
-          </a:fontRef>
-        </p:style>
-      </p:cxnSp>
-      <p:cxnSp>
-        <p:nvCxnSpPr>
-          <p:cNvPr id="20" name="连接符: 曲线 19">
-            <a:extLst>
-              <a:ext uri="{FF2B5EF4-FFF2-40B4-BE49-F238E27FC236}">
-                <a16:creationId xmlns:a16="http://schemas.microsoft.com/office/drawing/2014/main" id="{B2D7C8F8-E42C-083D-F9F9-50E9DF89B11D}"/>
-              </a:ext>
-            </a:extLst>
-          </p:cNvPr>
-          <p:cNvCxnSpPr>
-            <a:stCxn id="10" idx="1"/>
-            <a:endCxn id="5" idx="3"/>
-          </p:cNvCxnSpPr>
-          <p:nvPr/>
-        </p:nvCxnSpPr>
-        <p:spPr>
-          <a:xfrm rot="10800000">
-            <a:off x="4827710" y="3537550"/>
-            <a:ext cx="160971" cy="126000"/>
-          </a:xfrm>
-          <a:prstGeom prst="curvedConnector3">
-            <a:avLst/>
-          </a:prstGeom>
-          <a:ln>
-            <a:solidFill>
-              <a:srgbClr val="FF0000"/>
-            </a:solidFill>
-          </a:ln>
-        </p:spPr>
-        <p:style>
-          <a:lnRef idx="1">
-            <a:schemeClr val="accent1"/>
-          </a:lnRef>
-          <a:fillRef idx="0">
-            <a:schemeClr val="accent1"/>
-          </a:fillRef>
-          <a:effectRef idx="0">
-            <a:schemeClr val="accent1"/>
-          </a:effectRef>
-          <a:fontRef idx="minor">
-            <a:schemeClr val="tx1"/>
-          </a:fontRef>
-        </p:style>
-      </p:cxnSp>
-      <p:cxnSp>
-        <p:nvCxnSpPr>
-          <p:cNvPr id="21" name="连接符: 曲线 20">
-            <a:extLst>
-              <a:ext uri="{FF2B5EF4-FFF2-40B4-BE49-F238E27FC236}">
-                <a16:creationId xmlns:a16="http://schemas.microsoft.com/office/drawing/2014/main" id="{F1E01BA5-8E56-BB2F-4CFB-53C05DABA25C}"/>
-              </a:ext>
-            </a:extLst>
-          </p:cNvPr>
-          <p:cNvCxnSpPr>
-            <a:stCxn id="6" idx="3"/>
-            <a:endCxn id="11" idx="1"/>
-          </p:cNvCxnSpPr>
-          <p:nvPr/>
-        </p:nvCxnSpPr>
-        <p:spPr>
-          <a:xfrm flipV="1">
-            <a:off x="4827709" y="3974950"/>
-            <a:ext cx="160971" cy="126000"/>
-          </a:xfrm>
-          <a:prstGeom prst="curvedConnector3">
-            <a:avLst/>
-          </a:prstGeom>
-          <a:ln>
-            <a:solidFill>
-              <a:srgbClr val="92D050"/>
-            </a:solidFill>
-          </a:ln>
-        </p:spPr>
-        <p:style>
-          <a:lnRef idx="1">
-            <a:schemeClr val="accent1"/>
-          </a:lnRef>
-          <a:fillRef idx="0">
-            <a:schemeClr val="accent1"/>
-          </a:fillRef>
-          <a:effectRef idx="0">
-            <a:schemeClr val="accent1"/>
-          </a:effectRef>
-          <a:fontRef idx="minor">
-            <a:schemeClr val="tx1"/>
-          </a:fontRef>
-        </p:style>
-      </p:cxnSp>
-      <p:cxnSp>
-        <p:nvCxnSpPr>
-          <p:cNvPr id="22" name="连接符: 曲线 21">
-            <a:extLst>
-              <a:ext uri="{FF2B5EF4-FFF2-40B4-BE49-F238E27FC236}">
-                <a16:creationId xmlns:a16="http://schemas.microsoft.com/office/drawing/2014/main" id="{01E3F578-BCED-37BC-DA99-F6F310A81E84}"/>
-              </a:ext>
-            </a:extLst>
-          </p:cNvPr>
-          <p:cNvCxnSpPr>
-            <a:stCxn id="12" idx="1"/>
-            <a:endCxn id="6" idx="3"/>
-          </p:cNvCxnSpPr>
-          <p:nvPr/>
-        </p:nvCxnSpPr>
-        <p:spPr>
-          <a:xfrm rot="10800000">
-            <a:off x="4827710" y="4100950"/>
-            <a:ext cx="160971" cy="126000"/>
-          </a:xfrm>
-          <a:prstGeom prst="curvedConnector3">
-            <a:avLst/>
-          </a:prstGeom>
-          <a:ln>
-            <a:solidFill>
-              <a:srgbClr val="92D050"/>
-            </a:solidFill>
-          </a:ln>
-        </p:spPr>
-        <p:style>
-          <a:lnRef idx="1">
-            <a:schemeClr val="accent1"/>
-          </a:lnRef>
-          <a:fillRef idx="0">
-            <a:schemeClr val="accent1"/>
-          </a:fillRef>
-          <a:effectRef idx="0">
-            <a:schemeClr val="accent1"/>
-          </a:effectRef>
-          <a:fontRef idx="minor">
-            <a:schemeClr val="tx1"/>
-          </a:fontRef>
-        </p:style>
-      </p:cxnSp>
-    </p:spTree>
-    <p:extLst>
-      <p:ext uri="{BB962C8B-B14F-4D97-AF65-F5344CB8AC3E}">
-        <p14:creationId xmlns:p14="http://schemas.microsoft.com/office/powerpoint/2010/main" val="1074662793"/>
-      </p:ext>
-    </p:extLst>
-  </p:cSld>
-  <p:clrMapOvr>
-    <a:masterClrMapping/>
-  </p:clrMapOvr>
-</p:sld>
-</file>
-
-<file path=ppt/slides/slide20.xml><?xml version="1.0" encoding="utf-8"?>
+<file path=ppt/slides/slide24.xml><?xml version="1.0" encoding="utf-8"?>
 <p:sld xmlns:a="http://schemas.openxmlformats.org/drawingml/2006/main" xmlns:r="http://schemas.openxmlformats.org/officeDocument/2006/relationships" xmlns:p="http://schemas.openxmlformats.org/presentationml/2006/main">
   <p:cSld>
     <p:spTree>
@@ -21049,7 +22867,7 @@
 </p:sld>
 </file>
 
-<file path=ppt/slides/slide21.xml><?xml version="1.0" encoding="utf-8"?>
+<file path=ppt/slides/slide25.xml><?xml version="1.0" encoding="utf-8"?>
 <p:sld xmlns:a="http://schemas.openxmlformats.org/drawingml/2006/main" xmlns:r="http://schemas.openxmlformats.org/officeDocument/2006/relationships" xmlns:p="http://schemas.openxmlformats.org/presentationml/2006/main">
   <p:cSld>
     <p:spTree>
@@ -21109,7 +22927,7 @@
 </p:sld>
 </file>
 
-<file path=ppt/slides/slide22.xml><?xml version="1.0" encoding="utf-8"?>
+<file path=ppt/slides/slide26.xml><?xml version="1.0" encoding="utf-8"?>
 <p:sld xmlns:a="http://schemas.openxmlformats.org/drawingml/2006/main" xmlns:r="http://schemas.openxmlformats.org/officeDocument/2006/relationships" xmlns:p="http://schemas.openxmlformats.org/presentationml/2006/main">
   <p:cSld>
     <p:spTree>
@@ -21512,7 +23330,7 @@
 </p:sld>
 </file>
 
-<file path=ppt/slides/slide23.xml><?xml version="1.0" encoding="utf-8"?>
+<file path=ppt/slides/slide27.xml><?xml version="1.0" encoding="utf-8"?>
 <p:sld xmlns:a="http://schemas.openxmlformats.org/drawingml/2006/main" xmlns:r="http://schemas.openxmlformats.org/officeDocument/2006/relationships" xmlns:p="http://schemas.openxmlformats.org/presentationml/2006/main">
   <p:cSld>
     <p:spTree>
